--- a/课程PPT/09.JavaScript标准内置对象-构造器（Array、Date、Error等）.pptx
+++ b/课程PPT/09.JavaScript标准内置对象-构造器（Array、Date、Error等）.pptx
@@ -11,7 +11,16 @@
     <p:sldId id="1222" r:id="rId3"/>
     <p:sldId id="1225" r:id="rId5"/>
     <p:sldId id="1223" r:id="rId6"/>
-    <p:sldId id="1104" r:id="rId7"/>
+    <p:sldId id="1228" r:id="rId7"/>
+    <p:sldId id="1230" r:id="rId8"/>
+    <p:sldId id="1231" r:id="rId9"/>
+    <p:sldId id="1232" r:id="rId10"/>
+    <p:sldId id="1229" r:id="rId11"/>
+    <p:sldId id="1233" r:id="rId12"/>
+    <p:sldId id="1234" r:id="rId13"/>
+    <p:sldId id="1235" r:id="rId14"/>
+    <p:sldId id="1236" r:id="rId15"/>
+    <p:sldId id="1104" r:id="rId16"/>
   </p:sldIdLst>
   <p:sldSz cx="12192000" cy="6858000"/>
   <p:notesSz cx="6797675" cy="9928225"/>
@@ -659,6 +668,94 @@
 </p:notes>
 </file>
 
+<file path=ppt/notesSlides/notesSlide10.xml><?xml version="1.0" encoding="utf-8"?>
+<p:notes xmlns:a="http://schemas.openxmlformats.org/drawingml/2006/main" xmlns:r="http://schemas.openxmlformats.org/officeDocument/2006/relationships" xmlns:p="http://schemas.openxmlformats.org/presentationml/2006/main">
+  <p:cSld>
+    <p:spTree>
+      <p:nvGrpSpPr>
+        <p:cNvPr id="1" name=""/>
+        <p:cNvGrpSpPr/>
+        <p:nvPr/>
+      </p:nvGrpSpPr>
+      <p:grpSpPr/>
+      <p:sp>
+        <p:nvSpPr>
+          <p:cNvPr id="2" name="幻灯片图像占位符 1"/>
+          <p:cNvSpPr/>
+          <p:nvPr>
+            <p:ph type="sldImg" idx="2"/>
+          </p:nvPr>
+        </p:nvSpPr>
+        <p:spPr/>
+      </p:sp>
+      <p:sp>
+        <p:nvSpPr>
+          <p:cNvPr id="3" name="文本占位符 2"/>
+          <p:cNvSpPr/>
+          <p:nvPr>
+            <p:ph type="body" idx="3"/>
+          </p:nvPr>
+        </p:nvSpPr>
+        <p:spPr/>
+        <p:txBody>
+          <a:bodyPr/>
+          <a:p>
+            <a:endParaRPr lang="zh-CN" altLang="en-US"/>
+          </a:p>
+        </p:txBody>
+      </p:sp>
+    </p:spTree>
+  </p:cSld>
+  <p:clrMapOvr>
+    <a:masterClrMapping/>
+  </p:clrMapOvr>
+</p:notes>
+</file>
+
+<file path=ppt/notesSlides/notesSlide11.xml><?xml version="1.0" encoding="utf-8"?>
+<p:notes xmlns:a="http://schemas.openxmlformats.org/drawingml/2006/main" xmlns:r="http://schemas.openxmlformats.org/officeDocument/2006/relationships" xmlns:p="http://schemas.openxmlformats.org/presentationml/2006/main">
+  <p:cSld>
+    <p:spTree>
+      <p:nvGrpSpPr>
+        <p:cNvPr id="1" name=""/>
+        <p:cNvGrpSpPr/>
+        <p:nvPr/>
+      </p:nvGrpSpPr>
+      <p:grpSpPr/>
+      <p:sp>
+        <p:nvSpPr>
+          <p:cNvPr id="2" name="幻灯片图像占位符 1"/>
+          <p:cNvSpPr/>
+          <p:nvPr>
+            <p:ph type="sldImg" idx="2"/>
+          </p:nvPr>
+        </p:nvSpPr>
+        <p:spPr/>
+      </p:sp>
+      <p:sp>
+        <p:nvSpPr>
+          <p:cNvPr id="3" name="文本占位符 2"/>
+          <p:cNvSpPr/>
+          <p:nvPr>
+            <p:ph type="body" idx="3"/>
+          </p:nvPr>
+        </p:nvSpPr>
+        <p:spPr/>
+        <p:txBody>
+          <a:bodyPr/>
+          <a:p>
+            <a:endParaRPr lang="zh-CN" altLang="en-US"/>
+          </a:p>
+        </p:txBody>
+      </p:sp>
+    </p:spTree>
+  </p:cSld>
+  <p:clrMapOvr>
+    <a:masterClrMapping/>
+  </p:clrMapOvr>
+</p:notes>
+</file>
+
 <file path=ppt/notesSlides/notesSlide2.xml><?xml version="1.0" encoding="utf-8"?>
 <p:notes xmlns:a="http://schemas.openxmlformats.org/drawingml/2006/main" xmlns:r="http://schemas.openxmlformats.org/officeDocument/2006/relationships" xmlns:p="http://schemas.openxmlformats.org/presentationml/2006/main">
   <p:cSld>
@@ -726,6 +823,314 @@
               <a:rPr lang="en-US" altLang="zh-CN" smtClean="0"/>
             </a:fld>
             <a:endParaRPr lang="zh-CN" altLang="zh-CN"/>
+          </a:p>
+        </p:txBody>
+      </p:sp>
+    </p:spTree>
+  </p:cSld>
+  <p:clrMapOvr>
+    <a:masterClrMapping/>
+  </p:clrMapOvr>
+</p:notes>
+</file>
+
+<file path=ppt/notesSlides/notesSlide3.xml><?xml version="1.0" encoding="utf-8"?>
+<p:notes xmlns:a="http://schemas.openxmlformats.org/drawingml/2006/main" xmlns:r="http://schemas.openxmlformats.org/officeDocument/2006/relationships" xmlns:p="http://schemas.openxmlformats.org/presentationml/2006/main">
+  <p:cSld>
+    <p:spTree>
+      <p:nvGrpSpPr>
+        <p:cNvPr id="1" name=""/>
+        <p:cNvGrpSpPr/>
+        <p:nvPr/>
+      </p:nvGrpSpPr>
+      <p:grpSpPr/>
+      <p:sp>
+        <p:nvSpPr>
+          <p:cNvPr id="2" name="幻灯片图像占位符 1"/>
+          <p:cNvSpPr/>
+          <p:nvPr>
+            <p:ph type="sldImg" idx="2"/>
+          </p:nvPr>
+        </p:nvSpPr>
+        <p:spPr/>
+      </p:sp>
+      <p:sp>
+        <p:nvSpPr>
+          <p:cNvPr id="3" name="文本占位符 2"/>
+          <p:cNvSpPr/>
+          <p:nvPr>
+            <p:ph type="body" idx="3"/>
+          </p:nvPr>
+        </p:nvSpPr>
+        <p:spPr/>
+        <p:txBody>
+          <a:bodyPr/>
+          <a:p>
+            <a:endParaRPr lang="zh-CN" altLang="en-US"/>
+          </a:p>
+        </p:txBody>
+      </p:sp>
+    </p:spTree>
+  </p:cSld>
+  <p:clrMapOvr>
+    <a:masterClrMapping/>
+  </p:clrMapOvr>
+</p:notes>
+</file>
+
+<file path=ppt/notesSlides/notesSlide4.xml><?xml version="1.0" encoding="utf-8"?>
+<p:notes xmlns:a="http://schemas.openxmlformats.org/drawingml/2006/main" xmlns:r="http://schemas.openxmlformats.org/officeDocument/2006/relationships" xmlns:p="http://schemas.openxmlformats.org/presentationml/2006/main">
+  <p:cSld>
+    <p:spTree>
+      <p:nvGrpSpPr>
+        <p:cNvPr id="1" name=""/>
+        <p:cNvGrpSpPr/>
+        <p:nvPr/>
+      </p:nvGrpSpPr>
+      <p:grpSpPr/>
+      <p:sp>
+        <p:nvSpPr>
+          <p:cNvPr id="2" name="幻灯片图像占位符 1"/>
+          <p:cNvSpPr/>
+          <p:nvPr>
+            <p:ph type="sldImg" idx="2"/>
+          </p:nvPr>
+        </p:nvSpPr>
+        <p:spPr/>
+      </p:sp>
+      <p:sp>
+        <p:nvSpPr>
+          <p:cNvPr id="3" name="文本占位符 2"/>
+          <p:cNvSpPr/>
+          <p:nvPr>
+            <p:ph type="body" idx="3"/>
+          </p:nvPr>
+        </p:nvSpPr>
+        <p:spPr/>
+        <p:txBody>
+          <a:bodyPr/>
+          <a:p>
+            <a:endParaRPr lang="zh-CN" altLang="en-US"/>
+          </a:p>
+        </p:txBody>
+      </p:sp>
+    </p:spTree>
+  </p:cSld>
+  <p:clrMapOvr>
+    <a:masterClrMapping/>
+  </p:clrMapOvr>
+</p:notes>
+</file>
+
+<file path=ppt/notesSlides/notesSlide5.xml><?xml version="1.0" encoding="utf-8"?>
+<p:notes xmlns:a="http://schemas.openxmlformats.org/drawingml/2006/main" xmlns:r="http://schemas.openxmlformats.org/officeDocument/2006/relationships" xmlns:p="http://schemas.openxmlformats.org/presentationml/2006/main">
+  <p:cSld>
+    <p:spTree>
+      <p:nvGrpSpPr>
+        <p:cNvPr id="1" name=""/>
+        <p:cNvGrpSpPr/>
+        <p:nvPr/>
+      </p:nvGrpSpPr>
+      <p:grpSpPr/>
+      <p:sp>
+        <p:nvSpPr>
+          <p:cNvPr id="2" name="幻灯片图像占位符 1"/>
+          <p:cNvSpPr/>
+          <p:nvPr>
+            <p:ph type="sldImg" idx="2"/>
+          </p:nvPr>
+        </p:nvSpPr>
+        <p:spPr/>
+      </p:sp>
+      <p:sp>
+        <p:nvSpPr>
+          <p:cNvPr id="3" name="文本占位符 2"/>
+          <p:cNvSpPr/>
+          <p:nvPr>
+            <p:ph type="body" idx="3"/>
+          </p:nvPr>
+        </p:nvSpPr>
+        <p:spPr/>
+        <p:txBody>
+          <a:bodyPr/>
+          <a:p>
+            <a:endParaRPr lang="zh-CN" altLang="en-US"/>
+          </a:p>
+        </p:txBody>
+      </p:sp>
+    </p:spTree>
+  </p:cSld>
+  <p:clrMapOvr>
+    <a:masterClrMapping/>
+  </p:clrMapOvr>
+</p:notes>
+</file>
+
+<file path=ppt/notesSlides/notesSlide6.xml><?xml version="1.0" encoding="utf-8"?>
+<p:notes xmlns:a="http://schemas.openxmlformats.org/drawingml/2006/main" xmlns:r="http://schemas.openxmlformats.org/officeDocument/2006/relationships" xmlns:p="http://schemas.openxmlformats.org/presentationml/2006/main">
+  <p:cSld>
+    <p:spTree>
+      <p:nvGrpSpPr>
+        <p:cNvPr id="1" name=""/>
+        <p:cNvGrpSpPr/>
+        <p:nvPr/>
+      </p:nvGrpSpPr>
+      <p:grpSpPr/>
+      <p:sp>
+        <p:nvSpPr>
+          <p:cNvPr id="2" name="幻灯片图像占位符 1"/>
+          <p:cNvSpPr/>
+          <p:nvPr>
+            <p:ph type="sldImg" idx="2"/>
+          </p:nvPr>
+        </p:nvSpPr>
+        <p:spPr/>
+      </p:sp>
+      <p:sp>
+        <p:nvSpPr>
+          <p:cNvPr id="3" name="文本占位符 2"/>
+          <p:cNvSpPr/>
+          <p:nvPr>
+            <p:ph type="body" idx="3"/>
+          </p:nvPr>
+        </p:nvSpPr>
+        <p:spPr/>
+        <p:txBody>
+          <a:bodyPr/>
+          <a:p>
+            <a:endParaRPr lang="zh-CN" altLang="en-US"/>
+          </a:p>
+        </p:txBody>
+      </p:sp>
+    </p:spTree>
+  </p:cSld>
+  <p:clrMapOvr>
+    <a:masterClrMapping/>
+  </p:clrMapOvr>
+</p:notes>
+</file>
+
+<file path=ppt/notesSlides/notesSlide7.xml><?xml version="1.0" encoding="utf-8"?>
+<p:notes xmlns:a="http://schemas.openxmlformats.org/drawingml/2006/main" xmlns:r="http://schemas.openxmlformats.org/officeDocument/2006/relationships" xmlns:p="http://schemas.openxmlformats.org/presentationml/2006/main">
+  <p:cSld>
+    <p:spTree>
+      <p:nvGrpSpPr>
+        <p:cNvPr id="1" name=""/>
+        <p:cNvGrpSpPr/>
+        <p:nvPr/>
+      </p:nvGrpSpPr>
+      <p:grpSpPr/>
+      <p:sp>
+        <p:nvSpPr>
+          <p:cNvPr id="2" name="幻灯片图像占位符 1"/>
+          <p:cNvSpPr/>
+          <p:nvPr>
+            <p:ph type="sldImg" idx="2"/>
+          </p:nvPr>
+        </p:nvSpPr>
+        <p:spPr/>
+      </p:sp>
+      <p:sp>
+        <p:nvSpPr>
+          <p:cNvPr id="3" name="文本占位符 2"/>
+          <p:cNvSpPr/>
+          <p:nvPr>
+            <p:ph type="body" idx="3"/>
+          </p:nvPr>
+        </p:nvSpPr>
+        <p:spPr/>
+        <p:txBody>
+          <a:bodyPr/>
+          <a:p>
+            <a:endParaRPr lang="zh-CN" altLang="en-US"/>
+          </a:p>
+        </p:txBody>
+      </p:sp>
+    </p:spTree>
+  </p:cSld>
+  <p:clrMapOvr>
+    <a:masterClrMapping/>
+  </p:clrMapOvr>
+</p:notes>
+</file>
+
+<file path=ppt/notesSlides/notesSlide8.xml><?xml version="1.0" encoding="utf-8"?>
+<p:notes xmlns:a="http://schemas.openxmlformats.org/drawingml/2006/main" xmlns:r="http://schemas.openxmlformats.org/officeDocument/2006/relationships" xmlns:p="http://schemas.openxmlformats.org/presentationml/2006/main">
+  <p:cSld>
+    <p:spTree>
+      <p:nvGrpSpPr>
+        <p:cNvPr id="1" name=""/>
+        <p:cNvGrpSpPr/>
+        <p:nvPr/>
+      </p:nvGrpSpPr>
+      <p:grpSpPr/>
+      <p:sp>
+        <p:nvSpPr>
+          <p:cNvPr id="2" name="幻灯片图像占位符 1"/>
+          <p:cNvSpPr/>
+          <p:nvPr>
+            <p:ph type="sldImg" idx="2"/>
+          </p:nvPr>
+        </p:nvSpPr>
+        <p:spPr/>
+      </p:sp>
+      <p:sp>
+        <p:nvSpPr>
+          <p:cNvPr id="3" name="文本占位符 2"/>
+          <p:cNvSpPr/>
+          <p:nvPr>
+            <p:ph type="body" idx="3"/>
+          </p:nvPr>
+        </p:nvSpPr>
+        <p:spPr/>
+        <p:txBody>
+          <a:bodyPr/>
+          <a:p>
+            <a:endParaRPr lang="zh-CN" altLang="en-US"/>
+          </a:p>
+        </p:txBody>
+      </p:sp>
+    </p:spTree>
+  </p:cSld>
+  <p:clrMapOvr>
+    <a:masterClrMapping/>
+  </p:clrMapOvr>
+</p:notes>
+</file>
+
+<file path=ppt/notesSlides/notesSlide9.xml><?xml version="1.0" encoding="utf-8"?>
+<p:notes xmlns:a="http://schemas.openxmlformats.org/drawingml/2006/main" xmlns:r="http://schemas.openxmlformats.org/officeDocument/2006/relationships" xmlns:p="http://schemas.openxmlformats.org/presentationml/2006/main">
+  <p:cSld>
+    <p:spTree>
+      <p:nvGrpSpPr>
+        <p:cNvPr id="1" name=""/>
+        <p:cNvGrpSpPr/>
+        <p:nvPr/>
+      </p:nvGrpSpPr>
+      <p:grpSpPr/>
+      <p:sp>
+        <p:nvSpPr>
+          <p:cNvPr id="2" name="幻灯片图像占位符 1"/>
+          <p:cNvSpPr/>
+          <p:nvPr>
+            <p:ph type="sldImg" idx="2"/>
+          </p:nvPr>
+        </p:nvSpPr>
+        <p:spPr/>
+      </p:sp>
+      <p:sp>
+        <p:nvSpPr>
+          <p:cNvPr id="3" name="文本占位符 2"/>
+          <p:cNvSpPr/>
+          <p:nvPr>
+            <p:ph type="body" idx="3"/>
+          </p:nvPr>
+        </p:nvSpPr>
+        <p:spPr/>
+        <p:txBody>
+          <a:bodyPr/>
+          <a:p>
+            <a:endParaRPr lang="zh-CN" altLang="en-US"/>
           </a:p>
         </p:txBody>
       </p:sp>
@@ -3104,6 +3509,1520 @@
 </p:sld>
 </file>
 
+<file path=ppt/slides/slide10.xml><?xml version="1.0" encoding="utf-8"?>
+<p:sld xmlns:a="http://schemas.openxmlformats.org/drawingml/2006/main" xmlns:r="http://schemas.openxmlformats.org/officeDocument/2006/relationships" xmlns:p="http://schemas.openxmlformats.org/presentationml/2006/main">
+  <p:cSld>
+    <p:spTree>
+      <p:nvGrpSpPr>
+        <p:cNvPr id="1" name=""/>
+        <p:cNvGrpSpPr/>
+        <p:nvPr/>
+      </p:nvGrpSpPr>
+      <p:grpSpPr>
+        <a:xfrm>
+          <a:off x="0" y="0"/>
+          <a:ext cx="0" cy="0"/>
+          <a:chOff x="0" y="0"/>
+          <a:chExt cx="0" cy="0"/>
+        </a:xfrm>
+      </p:grpSpPr>
+      <p:sp>
+        <p:nvSpPr>
+          <p:cNvPr id="2" name="内容占位符 1"/>
+          <p:cNvSpPr>
+            <a:spLocks noGrp="1"/>
+          </p:cNvSpPr>
+          <p:nvPr>
+            <p:ph sz="quarter" idx="10"/>
+          </p:nvPr>
+        </p:nvSpPr>
+        <p:spPr>
+          <a:xfrm>
+            <a:off x="927735" y="783590"/>
+            <a:ext cx="9776460" cy="4918710"/>
+          </a:xfrm>
+        </p:spPr>
+        <p:txBody>
+          <a:bodyPr/>
+          <a:lstStyle/>
+          <a:p>
+            <a:pPr>
+              <a:lnSpc>
+                <a:spcPct val="160000"/>
+              </a:lnSpc>
+            </a:pPr>
+            <a:r>
+              <a:rPr lang="zh-CN" altLang="en-US" sz="3200" dirty="0">
+                <a:solidFill>
+                  <a:schemeClr val="tx1"/>
+                </a:solidFill>
+                <a:sym typeface="+mn-ea"/>
+              </a:rPr>
+              <a:t>多维数组</a:t>
+            </a:r>
+            <a:br>
+              <a:rPr lang="zh-CN" altLang="en-US" sz="3200" dirty="0">
+                <a:solidFill>
+                  <a:schemeClr val="tx1"/>
+                </a:solidFill>
+                <a:sym typeface="+mn-ea"/>
+              </a:rPr>
+            </a:br>
+            <a:r>
+              <a:rPr lang="en-US" altLang="zh-CN" sz="1800" dirty="0">
+                <a:solidFill>
+                  <a:schemeClr val="tx1"/>
+                </a:solidFill>
+                <a:sym typeface="+mn-ea"/>
+              </a:rPr>
+              <a:t>- JS</a:t>
+            </a:r>
+            <a:r>
+              <a:rPr lang="zh-CN" altLang="en-US" sz="1800" dirty="0">
+                <a:solidFill>
+                  <a:schemeClr val="tx1"/>
+                </a:solidFill>
+                <a:sym typeface="+mn-ea"/>
+              </a:rPr>
+              <a:t>不支持真正的多维数组，但</a:t>
+            </a:r>
+            <a:r>
+              <a:rPr lang="zh-CN" altLang="en-US" sz="1800" dirty="0">
+                <a:solidFill>
+                  <a:schemeClr val="tx1"/>
+                </a:solidFill>
+                <a:sym typeface="+mn-ea"/>
+              </a:rPr>
+              <a:t>可以用包含数组的数组来模拟多维数组</a:t>
+            </a:r>
+            <a:br>
+              <a:rPr lang="en-US" altLang="zh-CN" sz="1800" dirty="0">
+                <a:solidFill>
+                  <a:schemeClr val="tx1"/>
+                </a:solidFill>
+                <a:sym typeface="+mn-ea"/>
+              </a:rPr>
+            </a:br>
+            <a:endParaRPr lang="zh-CN" altLang="en-US" sz="1800" dirty="0">
+              <a:solidFill>
+                <a:schemeClr val="accent3"/>
+              </a:solidFill>
+              <a:sym typeface="+mn-ea"/>
+            </a:endParaRPr>
+          </a:p>
+          <a:p>
+            <a:pPr marL="0" indent="0">
+              <a:lnSpc>
+                <a:spcPct val="160000"/>
+              </a:lnSpc>
+              <a:buNone/>
+            </a:pPr>
+            <a:endParaRPr lang="en-US" altLang="zh-CN" sz="1800" dirty="0">
+              <a:solidFill>
+                <a:schemeClr val="tx1"/>
+              </a:solidFill>
+              <a:sym typeface="+mn-ea"/>
+            </a:endParaRPr>
+          </a:p>
+        </p:txBody>
+      </p:sp>
+      <p:sp>
+        <p:nvSpPr>
+          <p:cNvPr id="3" name="内容占位符 2"/>
+          <p:cNvSpPr>
+            <a:spLocks noGrp="1"/>
+          </p:cNvSpPr>
+          <p:nvPr>
+            <p:ph sz="quarter" idx="11"/>
+          </p:nvPr>
+        </p:nvSpPr>
+        <p:spPr/>
+        <p:txBody>
+          <a:bodyPr/>
+          <a:lstStyle/>
+          <a:p>
+            <a:r>
+              <a:rPr lang="zh-CN" altLang="en-US" dirty="0">
+                <a:sym typeface="+mn-ea"/>
+              </a:rPr>
+              <a:t>稀疏数组与多维数组</a:t>
+            </a:r>
+            <a:endParaRPr lang="zh-CN" altLang="en-US" dirty="0"/>
+          </a:p>
+        </p:txBody>
+      </p:sp>
+      <p:sp>
+        <p:nvSpPr>
+          <p:cNvPr id="6" name="文本框 5"/>
+          <p:cNvSpPr txBox="1"/>
+          <p:nvPr/>
+        </p:nvSpPr>
+        <p:spPr>
+          <a:xfrm>
+            <a:off x="5368290" y="6108700"/>
+            <a:ext cx="5420360" cy="429895"/>
+          </a:xfrm>
+          <a:prstGeom prst="rect">
+            <a:avLst/>
+          </a:prstGeom>
+          <a:noFill/>
+        </p:spPr>
+        <p:txBody>
+          <a:bodyPr wrap="square" rtlCol="0">
+            <a:spAutoFit/>
+          </a:bodyPr>
+          <a:p>
+            <a:pPr algn="l"/>
+            <a:r>
+              <a:rPr lang="zh-CN" altLang="en-US" sz="2200">
+                <a:solidFill>
+                  <a:srgbClr val="FF0000"/>
+                </a:solidFill>
+                <a:latin typeface="+mn-ea"/>
+                <a:ea typeface="+mn-ea"/>
+              </a:rPr>
+              <a:t>参见实例</a:t>
+            </a:r>
+            <a:r>
+              <a:rPr lang="en-US" altLang="zh-CN" sz="2200">
+                <a:solidFill>
+                  <a:srgbClr val="FF0000"/>
+                </a:solidFill>
+                <a:latin typeface="+mn-ea"/>
+                <a:ea typeface="+mn-ea"/>
+              </a:rPr>
+              <a:t>demo</a:t>
+            </a:r>
+            <a:endParaRPr lang="zh-CN" altLang="en-US" sz="2200">
+              <a:solidFill>
+                <a:srgbClr val="FF0000"/>
+              </a:solidFill>
+              <a:latin typeface="+mn-ea"/>
+              <a:ea typeface="+mn-ea"/>
+            </a:endParaRPr>
+          </a:p>
+        </p:txBody>
+      </p:sp>
+      <p:pic>
+        <p:nvPicPr>
+          <p:cNvPr id="5" name="图片 4"/>
+          <p:cNvPicPr>
+            <a:picLocks noChangeAspect="1"/>
+          </p:cNvPicPr>
+          <p:nvPr/>
+        </p:nvPicPr>
+        <p:blipFill>
+          <a:blip r:embed="rId1"/>
+          <a:stretch>
+            <a:fillRect/>
+          </a:stretch>
+        </p:blipFill>
+        <p:spPr>
+          <a:xfrm>
+            <a:off x="1197610" y="2267585"/>
+            <a:ext cx="6538595" cy="3110230"/>
+          </a:xfrm>
+          <a:prstGeom prst="rect">
+            <a:avLst/>
+          </a:prstGeom>
+        </p:spPr>
+      </p:pic>
+    </p:spTree>
+  </p:cSld>
+  <p:clrMapOvr>
+    <a:masterClrMapping/>
+  </p:clrMapOvr>
+  <p:timing>
+    <p:tnLst>
+      <p:par>
+        <p:cTn id="1" dur="indefinite" restart="never" nodeType="tmRoot">
+          <p:childTnLst>
+            <p:seq concurrent="1" nextAc="seek">
+              <p:cTn id="2" dur="indefinite" nodeType="mainSeq">
+                <p:childTnLst>
+                  <p:par>
+                    <p:cTn id="3" fill="hold">
+                      <p:stCondLst>
+                        <p:cond delay="indefinite"/>
+                        <p:cond evt="onBegin" delay="0">
+                          <p:tn val="2"/>
+                        </p:cond>
+                      </p:stCondLst>
+                      <p:childTnLst>
+                        <p:par>
+                          <p:cTn id="4" fill="hold">
+                            <p:stCondLst>
+                              <p:cond delay="0"/>
+                            </p:stCondLst>
+                            <p:childTnLst>
+                              <p:par>
+                                <p:cTn id="5" presetID="2" presetClass="entr" presetSubtype="4" fill="hold" grpId="0" nodeType="afterEffect">
+                                  <p:stCondLst>
+                                    <p:cond delay="0"/>
+                                  </p:stCondLst>
+                                  <p:childTnLst>
+                                    <p:set>
+                                      <p:cBhvr>
+                                        <p:cTn id="6" dur="1" fill="hold">
+                                          <p:stCondLst>
+                                            <p:cond delay="0"/>
+                                          </p:stCondLst>
+                                        </p:cTn>
+                                        <p:tgtEl>
+                                          <p:spTgt spid="6"/>
+                                        </p:tgtEl>
+                                        <p:attrNameLst>
+                                          <p:attrName>style.visibility</p:attrName>
+                                        </p:attrNameLst>
+                                      </p:cBhvr>
+                                      <p:to>
+                                        <p:strVal val="visible"/>
+                                      </p:to>
+                                    </p:set>
+                                    <p:anim calcmode="lin" valueType="num">
+                                      <p:cBhvr additive="base">
+                                        <p:cTn id="7" dur="500" fill="hold"/>
+                                        <p:tgtEl>
+                                          <p:spTgt spid="6"/>
+                                        </p:tgtEl>
+                                        <p:attrNameLst>
+                                          <p:attrName>ppt_x</p:attrName>
+                                        </p:attrNameLst>
+                                      </p:cBhvr>
+                                      <p:tavLst>
+                                        <p:tav tm="0">
+                                          <p:val>
+                                            <p:strVal val="#ppt_x"/>
+                                          </p:val>
+                                        </p:tav>
+                                        <p:tav tm="100000">
+                                          <p:val>
+                                            <p:strVal val="#ppt_x"/>
+                                          </p:val>
+                                        </p:tav>
+                                      </p:tavLst>
+                                    </p:anim>
+                                    <p:anim calcmode="lin" valueType="num">
+                                      <p:cBhvr additive="base">
+                                        <p:cTn id="8" dur="500" fill="hold"/>
+                                        <p:tgtEl>
+                                          <p:spTgt spid="6"/>
+                                        </p:tgtEl>
+                                        <p:attrNameLst>
+                                          <p:attrName>ppt_y</p:attrName>
+                                        </p:attrNameLst>
+                                      </p:cBhvr>
+                                      <p:tavLst>
+                                        <p:tav tm="0">
+                                          <p:val>
+                                            <p:strVal val="1+#ppt_h/2"/>
+                                          </p:val>
+                                        </p:tav>
+                                        <p:tav tm="100000">
+                                          <p:val>
+                                            <p:strVal val="#ppt_y"/>
+                                          </p:val>
+                                        </p:tav>
+                                      </p:tavLst>
+                                    </p:anim>
+                                  </p:childTnLst>
+                                </p:cTn>
+                              </p:par>
+                            </p:childTnLst>
+                          </p:cTn>
+                        </p:par>
+                      </p:childTnLst>
+                    </p:cTn>
+                  </p:par>
+                </p:childTnLst>
+              </p:cTn>
+              <p:prevCondLst>
+                <p:cond evt="onPrev" delay="0">
+                  <p:tgtEl>
+                    <p:sldTgt/>
+                  </p:tgtEl>
+                </p:cond>
+              </p:prevCondLst>
+              <p:nextCondLst>
+                <p:cond evt="onNext" delay="0">
+                  <p:tgtEl>
+                    <p:sldTgt/>
+                  </p:tgtEl>
+                </p:cond>
+              </p:nextCondLst>
+            </p:seq>
+          </p:childTnLst>
+        </p:cTn>
+      </p:par>
+    </p:tnLst>
+    <p:bldLst>
+      <p:bldP spid="6" grpId="0"/>
+    </p:bldLst>
+  </p:timing>
+</p:sld>
+</file>
+
+<file path=ppt/slides/slide11.xml><?xml version="1.0" encoding="utf-8"?>
+<p:sld xmlns:a="http://schemas.openxmlformats.org/drawingml/2006/main" xmlns:r="http://schemas.openxmlformats.org/officeDocument/2006/relationships" xmlns:p="http://schemas.openxmlformats.org/presentationml/2006/main">
+  <p:cSld>
+    <p:spTree>
+      <p:nvGrpSpPr>
+        <p:cNvPr id="1" name=""/>
+        <p:cNvGrpSpPr/>
+        <p:nvPr/>
+      </p:nvGrpSpPr>
+      <p:grpSpPr>
+        <a:xfrm>
+          <a:off x="0" y="0"/>
+          <a:ext cx="0" cy="0"/>
+          <a:chOff x="0" y="0"/>
+          <a:chExt cx="0" cy="0"/>
+        </a:xfrm>
+      </p:grpSpPr>
+      <p:sp>
+        <p:nvSpPr>
+          <p:cNvPr id="5123" name="AutoShape 6"/>
+          <p:cNvSpPr>
+            <a:spLocks noChangeArrowheads="1"/>
+          </p:cNvSpPr>
+          <p:nvPr/>
+        </p:nvSpPr>
+        <p:spPr bwMode="auto">
+          <a:xfrm>
+            <a:off x="2566988" y="1339851"/>
+            <a:ext cx="6711950" cy="4214813"/>
+          </a:xfrm>
+          <a:prstGeom prst="roundRect">
+            <a:avLst>
+              <a:gd name="adj" fmla="val 16667"/>
+            </a:avLst>
+          </a:prstGeom>
+          <a:noFill/>
+          <a:ln w="28575">
+            <a:solidFill>
+              <a:srgbClr val="C0C0C0"/>
+            </a:solidFill>
+            <a:prstDash val="sysDot"/>
+            <a:round/>
+          </a:ln>
+          <a:extLst>
+            <a:ext uri="{909E8E84-426E-40DD-AFC4-6F175D3DCCD1}">
+              <a14:hiddenFill xmlns:a14="http://schemas.microsoft.com/office/drawing/2010/main">
+                <a:solidFill>
+                  <a:srgbClr val="FFFFFF"/>
+                </a:solidFill>
+              </a14:hiddenFill>
+            </a:ext>
+          </a:extLst>
+        </p:spPr>
+        <p:txBody>
+          <a:bodyPr wrap="none" anchor="ctr"/>
+          <a:lstStyle>
+            <a:lvl1pPr marL="457200" indent="-457200">
+              <a:defRPr sz="3200">
+                <a:solidFill>
+                  <a:schemeClr val="tx1"/>
+                </a:solidFill>
+                <a:latin typeface="Arial" panose="020B0604020202020204" pitchFamily="34" charset="0"/>
+                <a:ea typeface="微软雅黑" panose="020B0503020204020204" pitchFamily="34" charset="-122"/>
+              </a:defRPr>
+            </a:lvl1pPr>
+            <a:lvl2pPr marL="742950" indent="-285750">
+              <a:defRPr sz="3200">
+                <a:solidFill>
+                  <a:schemeClr val="tx1"/>
+                </a:solidFill>
+                <a:latin typeface="Arial" panose="020B0604020202020204" pitchFamily="34" charset="0"/>
+                <a:ea typeface="微软雅黑" panose="020B0503020204020204" pitchFamily="34" charset="-122"/>
+              </a:defRPr>
+            </a:lvl2pPr>
+            <a:lvl3pPr marL="1143000" indent="-228600">
+              <a:defRPr sz="3200">
+                <a:solidFill>
+                  <a:schemeClr val="tx1"/>
+                </a:solidFill>
+                <a:latin typeface="Arial" panose="020B0604020202020204" pitchFamily="34" charset="0"/>
+                <a:ea typeface="微软雅黑" panose="020B0503020204020204" pitchFamily="34" charset="-122"/>
+              </a:defRPr>
+            </a:lvl3pPr>
+            <a:lvl4pPr marL="1600200" indent="-228600">
+              <a:defRPr sz="3200">
+                <a:solidFill>
+                  <a:schemeClr val="tx1"/>
+                </a:solidFill>
+                <a:latin typeface="Arial" panose="020B0604020202020204" pitchFamily="34" charset="0"/>
+                <a:ea typeface="微软雅黑" panose="020B0503020204020204" pitchFamily="34" charset="-122"/>
+              </a:defRPr>
+            </a:lvl4pPr>
+            <a:lvl5pPr marL="2057400" indent="-228600">
+              <a:defRPr sz="3200">
+                <a:solidFill>
+                  <a:schemeClr val="tx1"/>
+                </a:solidFill>
+                <a:latin typeface="Arial" panose="020B0604020202020204" pitchFamily="34" charset="0"/>
+                <a:ea typeface="微软雅黑" panose="020B0503020204020204" pitchFamily="34" charset="-122"/>
+              </a:defRPr>
+            </a:lvl5pPr>
+            <a:lvl6pPr marL="2514600" indent="-228600" eaLnBrk="0" fontAlgn="base" hangingPunct="0">
+              <a:spcBef>
+                <a:spcPct val="0"/>
+              </a:spcBef>
+              <a:spcAft>
+                <a:spcPct val="0"/>
+              </a:spcAft>
+              <a:defRPr sz="3200">
+                <a:solidFill>
+                  <a:schemeClr val="tx1"/>
+                </a:solidFill>
+                <a:latin typeface="Arial" panose="020B0604020202020204" pitchFamily="34" charset="0"/>
+                <a:ea typeface="微软雅黑" panose="020B0503020204020204" pitchFamily="34" charset="-122"/>
+              </a:defRPr>
+            </a:lvl6pPr>
+            <a:lvl7pPr marL="2971800" indent="-228600" eaLnBrk="0" fontAlgn="base" hangingPunct="0">
+              <a:spcBef>
+                <a:spcPct val="0"/>
+              </a:spcBef>
+              <a:spcAft>
+                <a:spcPct val="0"/>
+              </a:spcAft>
+              <a:defRPr sz="3200">
+                <a:solidFill>
+                  <a:schemeClr val="tx1"/>
+                </a:solidFill>
+                <a:latin typeface="Arial" panose="020B0604020202020204" pitchFamily="34" charset="0"/>
+                <a:ea typeface="微软雅黑" panose="020B0503020204020204" pitchFamily="34" charset="-122"/>
+              </a:defRPr>
+            </a:lvl7pPr>
+            <a:lvl8pPr marL="3429000" indent="-228600" eaLnBrk="0" fontAlgn="base" hangingPunct="0">
+              <a:spcBef>
+                <a:spcPct val="0"/>
+              </a:spcBef>
+              <a:spcAft>
+                <a:spcPct val="0"/>
+              </a:spcAft>
+              <a:defRPr sz="3200">
+                <a:solidFill>
+                  <a:schemeClr val="tx1"/>
+                </a:solidFill>
+                <a:latin typeface="Arial" panose="020B0604020202020204" pitchFamily="34" charset="0"/>
+                <a:ea typeface="微软雅黑" panose="020B0503020204020204" pitchFamily="34" charset="-122"/>
+              </a:defRPr>
+            </a:lvl8pPr>
+            <a:lvl9pPr marL="3886200" indent="-228600" eaLnBrk="0" fontAlgn="base" hangingPunct="0">
+              <a:spcBef>
+                <a:spcPct val="0"/>
+              </a:spcBef>
+              <a:spcAft>
+                <a:spcPct val="0"/>
+              </a:spcAft>
+              <a:defRPr sz="3200">
+                <a:solidFill>
+                  <a:schemeClr val="tx1"/>
+                </a:solidFill>
+                <a:latin typeface="Arial" panose="020B0604020202020204" pitchFamily="34" charset="0"/>
+                <a:ea typeface="微软雅黑" panose="020B0503020204020204" pitchFamily="34" charset="-122"/>
+              </a:defRPr>
+            </a:lvl9pPr>
+          </a:lstStyle>
+          <a:p>
+            <a:pPr algn="l">
+              <a:lnSpc>
+                <a:spcPct val="150000"/>
+              </a:lnSpc>
+              <a:spcBef>
+                <a:spcPts val="1200"/>
+              </a:spcBef>
+              <a:spcAft>
+                <a:spcPts val="1200"/>
+              </a:spcAft>
+              <a:buClr>
+                <a:srgbClr val="92D050"/>
+              </a:buClr>
+              <a:buFont typeface="Wingdings" panose="05000000000000000000" pitchFamily="2" charset="2"/>
+              <a:buChar char="Ø"/>
+            </a:pPr>
+            <a:r>
+              <a:rPr lang="zh-CN" altLang="en-US" sz="2800" b="1">
+                <a:solidFill>
+                  <a:schemeClr val="tx1"/>
+                </a:solidFill>
+                <a:sym typeface="+mn-ea"/>
+              </a:rPr>
+              <a:t>数组的创建和基本操作（增删改查）</a:t>
+            </a:r>
+            <a:endParaRPr lang="zh-CN" altLang="en-US" sz="2800" b="1">
+              <a:solidFill>
+                <a:schemeClr val="tx1"/>
+              </a:solidFill>
+              <a:sym typeface="+mn-ea"/>
+            </a:endParaRPr>
+          </a:p>
+          <a:p>
+            <a:pPr algn="l">
+              <a:lnSpc>
+                <a:spcPct val="150000"/>
+              </a:lnSpc>
+              <a:spcBef>
+                <a:spcPts val="1200"/>
+              </a:spcBef>
+              <a:spcAft>
+                <a:spcPts val="1200"/>
+              </a:spcAft>
+              <a:buClr>
+                <a:srgbClr val="92D050"/>
+              </a:buClr>
+              <a:buFont typeface="Wingdings" panose="05000000000000000000" pitchFamily="2" charset="2"/>
+              <a:buChar char="Ø"/>
+            </a:pPr>
+            <a:r>
+              <a:rPr lang="zh-CN" altLang="en-US" sz="2800" b="1">
+                <a:solidFill>
+                  <a:schemeClr val="tx1"/>
+                </a:solidFill>
+                <a:sym typeface="+mn-ea"/>
+              </a:rPr>
+              <a:t>稀疏数组与多维数组</a:t>
+            </a:r>
+            <a:endParaRPr lang="zh-CN" altLang="en-US" sz="2800" b="1">
+              <a:solidFill>
+                <a:schemeClr val="tx1"/>
+              </a:solidFill>
+              <a:sym typeface="+mn-ea"/>
+            </a:endParaRPr>
+          </a:p>
+          <a:p>
+            <a:pPr algn="l">
+              <a:lnSpc>
+                <a:spcPct val="150000"/>
+              </a:lnSpc>
+              <a:spcBef>
+                <a:spcPts val="1200"/>
+              </a:spcBef>
+              <a:spcAft>
+                <a:spcPts val="1200"/>
+              </a:spcAft>
+              <a:buClr>
+                <a:srgbClr val="92D050"/>
+              </a:buClr>
+              <a:buFont typeface="Wingdings" panose="05000000000000000000" pitchFamily="2" charset="2"/>
+              <a:buChar char="Ø"/>
+            </a:pPr>
+            <a:r>
+              <a:rPr lang="zh-CN" altLang="en-US" sz="2800" b="1">
+                <a:solidFill>
+                  <a:srgbClr val="FF0000"/>
+                </a:solidFill>
+                <a:sym typeface="+mn-ea"/>
+              </a:rPr>
+              <a:t>数组的方法和相关高阶函数</a:t>
+            </a:r>
+            <a:endParaRPr lang="zh-CN" altLang="en-US" sz="2800" b="1">
+              <a:solidFill>
+                <a:srgbClr val="FF0000"/>
+              </a:solidFill>
+              <a:sym typeface="+mn-ea"/>
+            </a:endParaRPr>
+          </a:p>
+        </p:txBody>
+      </p:sp>
+      <p:sp>
+        <p:nvSpPr>
+          <p:cNvPr id="4" name="内容占位符 3"/>
+          <p:cNvSpPr txBox="1"/>
+          <p:nvPr/>
+        </p:nvSpPr>
+        <p:spPr>
+          <a:xfrm>
+            <a:off x="981657" y="236943"/>
+            <a:ext cx="8191557" cy="490476"/>
+          </a:xfrm>
+          <a:prstGeom prst="rect">
+            <a:avLst/>
+          </a:prstGeom>
+        </p:spPr>
+        <p:txBody>
+          <a:bodyPr/>
+          <a:lstStyle>
+            <a:lvl1pPr marL="167005" indent="-167005" algn="l" defTabSz="0" rtl="0" eaLnBrk="0" fontAlgn="base" hangingPunct="0">
+              <a:spcBef>
+                <a:spcPct val="0"/>
+              </a:spcBef>
+              <a:spcAft>
+                <a:spcPct val="15000"/>
+              </a:spcAft>
+              <a:buClr>
+                <a:schemeClr val="tx2"/>
+              </a:buClr>
+              <a:buFont typeface="Arial" panose="020B0604020202020204" pitchFamily="34" charset="0"/>
+              <a:buChar char="•"/>
+              <a:defRPr kumimoji="1" sz="1600">
+                <a:solidFill>
+                  <a:srgbClr val="006F53"/>
+                </a:solidFill>
+                <a:latin typeface="微软雅黑" panose="020B0503020204020204" pitchFamily="34" charset="-122"/>
+                <a:ea typeface="微软雅黑" panose="020B0503020204020204" pitchFamily="34" charset="-122"/>
+                <a:cs typeface="微软雅黑" panose="020B0503020204020204" pitchFamily="34" charset="-122"/>
+              </a:defRPr>
+            </a:lvl1pPr>
+            <a:lvl2pPr marL="398780" indent="-230505" algn="l" defTabSz="0" rtl="0" eaLnBrk="0" fontAlgn="base" hangingPunct="0">
+              <a:spcBef>
+                <a:spcPct val="0"/>
+              </a:spcBef>
+              <a:spcAft>
+                <a:spcPct val="15000"/>
+              </a:spcAft>
+              <a:buClr>
+                <a:schemeClr val="tx2"/>
+              </a:buClr>
+              <a:buFont typeface="Arial" panose="020B0604020202020204" pitchFamily="34" charset="0"/>
+              <a:buChar char="–"/>
+              <a:defRPr kumimoji="1" sz="2800">
+                <a:solidFill>
+                  <a:schemeClr val="bg2"/>
+                </a:solidFill>
+                <a:latin typeface="微软雅黑" panose="020B0503020204020204" pitchFamily="34" charset="-122"/>
+                <a:ea typeface="微软雅黑" panose="020B0503020204020204" pitchFamily="34" charset="-122"/>
+                <a:cs typeface="微软雅黑" panose="020B0503020204020204" pitchFamily="34" charset="-122"/>
+              </a:defRPr>
+            </a:lvl2pPr>
+            <a:lvl3pPr marL="400050" indent="182880" algn="l" defTabSz="0" rtl="0" eaLnBrk="0" fontAlgn="base" hangingPunct="0">
+              <a:spcBef>
+                <a:spcPct val="0"/>
+              </a:spcBef>
+              <a:spcAft>
+                <a:spcPct val="15000"/>
+              </a:spcAft>
+              <a:buClr>
+                <a:schemeClr val="tx2"/>
+              </a:buClr>
+              <a:buFont typeface="Arial" panose="020B0604020202020204" pitchFamily="34" charset="0"/>
+              <a:buChar char="•"/>
+              <a:defRPr kumimoji="1" sz="1600">
+                <a:solidFill>
+                  <a:schemeClr val="bg2"/>
+                </a:solidFill>
+                <a:latin typeface="微软雅黑" panose="020B0503020204020204" pitchFamily="34" charset="-122"/>
+                <a:ea typeface="微软雅黑" panose="020B0503020204020204" pitchFamily="34" charset="-122"/>
+                <a:cs typeface="微软雅黑" panose="020B0503020204020204" pitchFamily="34" charset="-122"/>
+              </a:defRPr>
+            </a:lvl3pPr>
+            <a:lvl4pPr marL="825500" indent="-241300" algn="l" defTabSz="0" rtl="0" eaLnBrk="0" fontAlgn="base" hangingPunct="0">
+              <a:spcBef>
+                <a:spcPct val="0"/>
+              </a:spcBef>
+              <a:spcAft>
+                <a:spcPct val="15000"/>
+              </a:spcAft>
+              <a:buClr>
+                <a:schemeClr val="tx2"/>
+              </a:buClr>
+              <a:buFont typeface="Arial" panose="020B0604020202020204" pitchFamily="34" charset="0"/>
+              <a:buChar char="–"/>
+              <a:defRPr kumimoji="1" sz="1600">
+                <a:solidFill>
+                  <a:schemeClr val="bg2"/>
+                </a:solidFill>
+                <a:latin typeface="微软雅黑" panose="020B0503020204020204" pitchFamily="34" charset="-122"/>
+                <a:ea typeface="微软雅黑" panose="020B0503020204020204" pitchFamily="34" charset="-122"/>
+                <a:cs typeface="微软雅黑" panose="020B0503020204020204" pitchFamily="34" charset="-122"/>
+              </a:defRPr>
+            </a:lvl4pPr>
+            <a:lvl5pPr marL="2057400" indent="-228600" algn="l" defTabSz="0" rtl="0" eaLnBrk="0" fontAlgn="base" hangingPunct="0">
+              <a:spcBef>
+                <a:spcPct val="0"/>
+              </a:spcBef>
+              <a:spcAft>
+                <a:spcPct val="25000"/>
+              </a:spcAft>
+              <a:buClr>
+                <a:schemeClr val="tx2"/>
+              </a:buClr>
+              <a:buFont typeface="Arial" panose="020B0604020202020204" pitchFamily="34" charset="0"/>
+              <a:buChar char="–"/>
+              <a:defRPr kumimoji="1" sz="2000">
+                <a:solidFill>
+                  <a:schemeClr val="tx1"/>
+                </a:solidFill>
+                <a:latin typeface="+mn-lt"/>
+                <a:ea typeface="微软雅黑" panose="020B0503020204020204" pitchFamily="34" charset="-122"/>
+                <a:cs typeface="微软雅黑" panose="020B0503020204020204" pitchFamily="34" charset="-122"/>
+              </a:defRPr>
+            </a:lvl5pPr>
+            <a:lvl6pPr marL="2514600" indent="-228600" algn="l" defTabSz="0" rtl="0" eaLnBrk="0" fontAlgn="base" hangingPunct="0">
+              <a:spcBef>
+                <a:spcPct val="0"/>
+              </a:spcBef>
+              <a:spcAft>
+                <a:spcPct val="25000"/>
+              </a:spcAft>
+              <a:buClr>
+                <a:schemeClr val="tx2"/>
+              </a:buClr>
+              <a:buFont typeface="Arial" panose="020B0604020202020204" pitchFamily="34" charset="0"/>
+              <a:buChar char="–"/>
+              <a:defRPr>
+                <a:solidFill>
+                  <a:schemeClr val="tx1"/>
+                </a:solidFill>
+                <a:latin typeface="+mn-lt"/>
+              </a:defRPr>
+            </a:lvl6pPr>
+            <a:lvl7pPr marL="2971800" indent="-228600" algn="l" defTabSz="0" rtl="0" eaLnBrk="0" fontAlgn="base" hangingPunct="0">
+              <a:spcBef>
+                <a:spcPct val="0"/>
+              </a:spcBef>
+              <a:spcAft>
+                <a:spcPct val="25000"/>
+              </a:spcAft>
+              <a:buClr>
+                <a:schemeClr val="tx2"/>
+              </a:buClr>
+              <a:buFont typeface="Arial" panose="020B0604020202020204" pitchFamily="34" charset="0"/>
+              <a:buChar char="–"/>
+              <a:defRPr>
+                <a:solidFill>
+                  <a:schemeClr val="tx1"/>
+                </a:solidFill>
+                <a:latin typeface="+mn-lt"/>
+              </a:defRPr>
+            </a:lvl7pPr>
+            <a:lvl8pPr marL="3429000" indent="-228600" algn="l" defTabSz="0" rtl="0" eaLnBrk="0" fontAlgn="base" hangingPunct="0">
+              <a:spcBef>
+                <a:spcPct val="0"/>
+              </a:spcBef>
+              <a:spcAft>
+                <a:spcPct val="25000"/>
+              </a:spcAft>
+              <a:buClr>
+                <a:schemeClr val="tx2"/>
+              </a:buClr>
+              <a:buFont typeface="Arial" panose="020B0604020202020204" pitchFamily="34" charset="0"/>
+              <a:buChar char="–"/>
+              <a:defRPr>
+                <a:solidFill>
+                  <a:schemeClr val="tx1"/>
+                </a:solidFill>
+                <a:latin typeface="+mn-lt"/>
+              </a:defRPr>
+            </a:lvl8pPr>
+            <a:lvl9pPr marL="3886200" indent="-228600" algn="l" defTabSz="0" rtl="0" eaLnBrk="0" fontAlgn="base" hangingPunct="0">
+              <a:spcBef>
+                <a:spcPct val="0"/>
+              </a:spcBef>
+              <a:spcAft>
+                <a:spcPct val="25000"/>
+              </a:spcAft>
+              <a:buClr>
+                <a:schemeClr val="tx2"/>
+              </a:buClr>
+              <a:buFont typeface="Arial" panose="020B0604020202020204" pitchFamily="34" charset="0"/>
+              <a:buChar char="–"/>
+              <a:defRPr>
+                <a:solidFill>
+                  <a:schemeClr val="tx1"/>
+                </a:solidFill>
+                <a:latin typeface="+mn-lt"/>
+              </a:defRPr>
+            </a:lvl9pPr>
+          </a:lstStyle>
+          <a:p>
+            <a:pPr marL="0" indent="0">
+              <a:buNone/>
+            </a:pPr>
+            <a:r>
+              <a:rPr lang="zh-CN" altLang="en-US" sz="3200" dirty="0" smtClean="0">
+                <a:solidFill>
+                  <a:srgbClr val="C00000"/>
+                </a:solidFill>
+                <a:cs typeface="+mn-cs"/>
+                <a:sym typeface="+mn-ea"/>
+              </a:rPr>
+              <a:t>内容提纲</a:t>
+            </a:r>
+            <a:endParaRPr lang="zh-CN" altLang="en-US" kern="0" dirty="0"/>
+          </a:p>
+        </p:txBody>
+      </p:sp>
+    </p:spTree>
+  </p:cSld>
+  <p:clrMapOvr>
+    <a:masterClrMapping/>
+  </p:clrMapOvr>
+  <p:timing>
+    <p:tnLst>
+      <p:par>
+        <p:cTn id="1" dur="indefinite" restart="never" nodeType="tmRoot"/>
+      </p:par>
+    </p:tnLst>
+  </p:timing>
+</p:sld>
+</file>
+
+<file path=ppt/slides/slide12.xml><?xml version="1.0" encoding="utf-8"?>
+<p:sld xmlns:a="http://schemas.openxmlformats.org/drawingml/2006/main" xmlns:r="http://schemas.openxmlformats.org/officeDocument/2006/relationships" xmlns:p="http://schemas.openxmlformats.org/presentationml/2006/main">
+  <p:cSld>
+    <p:spTree>
+      <p:nvGrpSpPr>
+        <p:cNvPr id="1" name=""/>
+        <p:cNvGrpSpPr/>
+        <p:nvPr/>
+      </p:nvGrpSpPr>
+      <p:grpSpPr>
+        <a:xfrm>
+          <a:off x="0" y="0"/>
+          <a:ext cx="0" cy="0"/>
+          <a:chOff x="0" y="0"/>
+          <a:chExt cx="0" cy="0"/>
+        </a:xfrm>
+      </p:grpSpPr>
+      <p:sp>
+        <p:nvSpPr>
+          <p:cNvPr id="2" name="内容占位符 1"/>
+          <p:cNvSpPr>
+            <a:spLocks noGrp="1"/>
+          </p:cNvSpPr>
+          <p:nvPr>
+            <p:ph sz="quarter" idx="10"/>
+          </p:nvPr>
+        </p:nvSpPr>
+        <p:spPr>
+          <a:xfrm>
+            <a:off x="927735" y="783590"/>
+            <a:ext cx="9776460" cy="4918710"/>
+          </a:xfrm>
+        </p:spPr>
+        <p:txBody>
+          <a:bodyPr/>
+          <a:lstStyle/>
+          <a:p>
+            <a:pPr>
+              <a:lnSpc>
+                <a:spcPct val="150000"/>
+              </a:lnSpc>
+            </a:pPr>
+            <a:r>
+              <a:rPr lang="zh-CN" altLang="en-US" sz="3200" dirty="0">
+                <a:solidFill>
+                  <a:schemeClr val="tx1"/>
+                </a:solidFill>
+                <a:sym typeface="+mn-ea"/>
+              </a:rPr>
+              <a:t>数组构造器方法（静态方法）</a:t>
+            </a:r>
+            <a:br>
+              <a:rPr lang="zh-CN" altLang="en-US" sz="3200" dirty="0">
+                <a:solidFill>
+                  <a:schemeClr val="tx1"/>
+                </a:solidFill>
+                <a:sym typeface="+mn-ea"/>
+              </a:rPr>
+            </a:br>
+            <a:r>
+              <a:rPr lang="en-US" altLang="zh-CN" sz="1800" dirty="0">
+                <a:solidFill>
+                  <a:schemeClr val="tx1"/>
+                </a:solidFill>
+                <a:sym typeface="+mn-ea"/>
+              </a:rPr>
+              <a:t>- String.fromCharCode(97,98,99);</a:t>
+            </a:r>
+            <a:br>
+              <a:rPr lang="en-US" altLang="zh-CN" sz="1800" dirty="0">
+                <a:solidFill>
+                  <a:schemeClr val="tx1"/>
+                </a:solidFill>
+                <a:sym typeface="+mn-ea"/>
+              </a:rPr>
+            </a:br>
+            <a:r>
+              <a:rPr lang="en-US" altLang="zh-CN" sz="1800" dirty="0">
+                <a:solidFill>
+                  <a:schemeClr val="tx1"/>
+                </a:solidFill>
+                <a:sym typeface="+mn-ea"/>
+              </a:rPr>
+              <a:t>- String.fromCharCode.apply(null,[97,98,99]);</a:t>
+            </a:r>
+            <a:endParaRPr lang="en-US" altLang="zh-CN" sz="1800" dirty="0">
+              <a:solidFill>
+                <a:schemeClr val="tx1"/>
+              </a:solidFill>
+              <a:sym typeface="+mn-ea"/>
+            </a:endParaRPr>
+          </a:p>
+          <a:p>
+            <a:pPr>
+              <a:lnSpc>
+                <a:spcPct val="150000"/>
+              </a:lnSpc>
+            </a:pPr>
+            <a:r>
+              <a:rPr lang="zh-CN" altLang="en-US" sz="3200" dirty="0">
+                <a:solidFill>
+                  <a:schemeClr val="tx1"/>
+                </a:solidFill>
+                <a:sym typeface="+mn-ea"/>
+              </a:rPr>
+              <a:t>数组原型方法（注意使用形式与构造器方法的区别）</a:t>
+            </a:r>
+            <a:br>
+              <a:rPr lang="zh-CN" altLang="en-US" sz="3200" dirty="0">
+                <a:solidFill>
+                  <a:schemeClr val="tx1"/>
+                </a:solidFill>
+                <a:sym typeface="+mn-ea"/>
+              </a:rPr>
+            </a:br>
+            <a:r>
+              <a:rPr lang="en-US" altLang="zh-CN" sz="1800" dirty="0">
+                <a:solidFill>
+                  <a:schemeClr val="tx1"/>
+                </a:solidFill>
+                <a:sym typeface="+mn-ea"/>
+              </a:rPr>
+              <a:t>- String.prototype.charAt(pos);</a:t>
+            </a:r>
+            <a:br>
+              <a:rPr lang="en-US" altLang="zh-CN" sz="1800" dirty="0">
+                <a:solidFill>
+                  <a:schemeClr val="tx1"/>
+                </a:solidFill>
+                <a:sym typeface="+mn-ea"/>
+              </a:rPr>
+            </a:br>
+            <a:r>
+              <a:rPr lang="en-US" altLang="zh-CN" sz="1800" dirty="0">
+                <a:solidFill>
+                  <a:schemeClr val="tx1"/>
+                </a:solidFill>
+                <a:sym typeface="+mn-ea"/>
+              </a:rPr>
+              <a:t>- </a:t>
+            </a:r>
+            <a:r>
+              <a:rPr lang="en-US" altLang="zh-CN" sz="1800" dirty="0">
+                <a:solidFill>
+                  <a:schemeClr val="tx1"/>
+                </a:solidFill>
+                <a:sym typeface="+mn-ea"/>
+              </a:rPr>
+              <a:t>String.prototype.charCodeAt(pos);</a:t>
+            </a:r>
+            <a:br>
+              <a:rPr lang="en-US" altLang="zh-CN" sz="1800" dirty="0">
+                <a:solidFill>
+                  <a:schemeClr val="tx1"/>
+                </a:solidFill>
+                <a:sym typeface="+mn-ea"/>
+              </a:rPr>
+            </a:br>
+            <a:r>
+              <a:rPr lang="en-US" altLang="zh-CN" sz="1800" dirty="0">
+                <a:solidFill>
+                  <a:schemeClr val="tx1"/>
+                </a:solidFill>
+                <a:sym typeface="+mn-ea"/>
+              </a:rPr>
+              <a:t>- String.prototype.slice(start,end?);</a:t>
+            </a:r>
+            <a:br>
+              <a:rPr lang="en-US" altLang="zh-CN" sz="1800" dirty="0">
+                <a:solidFill>
+                  <a:schemeClr val="tx1"/>
+                </a:solidFill>
+                <a:sym typeface="+mn-ea"/>
+              </a:rPr>
+            </a:br>
+            <a:r>
+              <a:rPr lang="en-US" altLang="zh-CN" sz="1800" dirty="0">
+                <a:solidFill>
+                  <a:schemeClr val="tx1"/>
+                </a:solidFill>
+                <a:sym typeface="+mn-ea"/>
+              </a:rPr>
+              <a:t>- String.prototype.substr(start,length?)</a:t>
+            </a:r>
+            <a:br>
+              <a:rPr lang="en-US" altLang="zh-CN" sz="1800" dirty="0">
+                <a:solidFill>
+                  <a:schemeClr val="tx1"/>
+                </a:solidFill>
+                <a:sym typeface="+mn-ea"/>
+              </a:rPr>
+            </a:br>
+            <a:r>
+              <a:rPr lang="en-US" altLang="zh-CN" sz="1800" dirty="0">
+                <a:solidFill>
+                  <a:schemeClr val="tx1"/>
+                </a:solidFill>
+                <a:sym typeface="+mn-ea"/>
+              </a:rPr>
+              <a:t>- String.prototype.substring(start,end?);</a:t>
+            </a:r>
+            <a:br>
+              <a:rPr lang="en-US" altLang="zh-CN" sz="1800" dirty="0">
+                <a:solidFill>
+                  <a:schemeClr val="tx1"/>
+                </a:solidFill>
+                <a:sym typeface="+mn-ea"/>
+              </a:rPr>
+            </a:br>
+            <a:r>
+              <a:rPr lang="en-US" altLang="zh-CN" sz="1800" dirty="0">
+                <a:solidFill>
+                  <a:schemeClr val="tx1"/>
+                </a:solidFill>
+                <a:sym typeface="+mn-ea"/>
+              </a:rPr>
+              <a:t>- String.prototype.split(separator?,limit?);</a:t>
+            </a:r>
+            <a:br>
+              <a:rPr lang="en-US" altLang="zh-CN" sz="1000" dirty="0">
+                <a:solidFill>
+                  <a:schemeClr val="tx1"/>
+                </a:solidFill>
+                <a:sym typeface="+mn-ea"/>
+              </a:rPr>
+            </a:br>
+            <a:endParaRPr lang="en-US" altLang="zh-CN" sz="1000" dirty="0">
+              <a:solidFill>
+                <a:schemeClr val="tx1"/>
+              </a:solidFill>
+              <a:sym typeface="+mn-ea"/>
+            </a:endParaRPr>
+          </a:p>
+          <a:p>
+            <a:pPr marL="0" indent="0">
+              <a:lnSpc>
+                <a:spcPct val="160000"/>
+              </a:lnSpc>
+              <a:buNone/>
+            </a:pPr>
+            <a:endParaRPr lang="en-US" altLang="zh-CN" sz="1800" dirty="0">
+              <a:solidFill>
+                <a:schemeClr val="tx1"/>
+              </a:solidFill>
+              <a:sym typeface="+mn-ea"/>
+            </a:endParaRPr>
+          </a:p>
+        </p:txBody>
+      </p:sp>
+      <p:sp>
+        <p:nvSpPr>
+          <p:cNvPr id="3" name="内容占位符 2"/>
+          <p:cNvSpPr>
+            <a:spLocks noGrp="1"/>
+          </p:cNvSpPr>
+          <p:nvPr>
+            <p:ph sz="quarter" idx="11"/>
+          </p:nvPr>
+        </p:nvSpPr>
+        <p:spPr/>
+        <p:txBody>
+          <a:bodyPr/>
+          <a:lstStyle/>
+          <a:p>
+            <a:r>
+              <a:rPr lang="zh-CN" altLang="en-US" dirty="0">
+                <a:sym typeface="+mn-ea"/>
+              </a:rPr>
+              <a:t>数组的方法和相关高阶函数</a:t>
+            </a:r>
+            <a:endParaRPr lang="zh-CN" altLang="en-US" dirty="0"/>
+          </a:p>
+        </p:txBody>
+      </p:sp>
+      <p:sp>
+        <p:nvSpPr>
+          <p:cNvPr id="6" name="文本框 5"/>
+          <p:cNvSpPr txBox="1"/>
+          <p:nvPr/>
+        </p:nvSpPr>
+        <p:spPr>
+          <a:xfrm>
+            <a:off x="5368290" y="6108700"/>
+            <a:ext cx="5420360" cy="429895"/>
+          </a:xfrm>
+          <a:prstGeom prst="rect">
+            <a:avLst/>
+          </a:prstGeom>
+          <a:noFill/>
+        </p:spPr>
+        <p:txBody>
+          <a:bodyPr wrap="square" rtlCol="0">
+            <a:spAutoFit/>
+          </a:bodyPr>
+          <a:p>
+            <a:pPr algn="l"/>
+            <a:r>
+              <a:rPr lang="zh-CN" altLang="en-US" sz="2200">
+                <a:solidFill>
+                  <a:srgbClr val="FF0000"/>
+                </a:solidFill>
+                <a:latin typeface="+mn-ea"/>
+                <a:ea typeface="+mn-ea"/>
+              </a:rPr>
+              <a:t>参见实例</a:t>
+            </a:r>
+            <a:r>
+              <a:rPr lang="en-US" altLang="zh-CN" sz="2200">
+                <a:solidFill>
+                  <a:srgbClr val="FF0000"/>
+                </a:solidFill>
+                <a:latin typeface="+mn-ea"/>
+                <a:ea typeface="+mn-ea"/>
+              </a:rPr>
+              <a:t>demo</a:t>
+            </a:r>
+            <a:endParaRPr lang="zh-CN" altLang="en-US" sz="2200">
+              <a:solidFill>
+                <a:srgbClr val="FF0000"/>
+              </a:solidFill>
+              <a:latin typeface="+mn-ea"/>
+              <a:ea typeface="+mn-ea"/>
+            </a:endParaRPr>
+          </a:p>
+        </p:txBody>
+      </p:sp>
+    </p:spTree>
+  </p:cSld>
+  <p:clrMapOvr>
+    <a:masterClrMapping/>
+  </p:clrMapOvr>
+  <p:timing>
+    <p:tnLst>
+      <p:par>
+        <p:cTn id="1" dur="indefinite" restart="never" nodeType="tmRoot">
+          <p:childTnLst>
+            <p:seq concurrent="1" nextAc="seek">
+              <p:cTn id="2" dur="indefinite" nodeType="mainSeq">
+                <p:childTnLst>
+                  <p:par>
+                    <p:cTn id="3" fill="hold">
+                      <p:stCondLst>
+                        <p:cond delay="indefinite"/>
+                        <p:cond evt="onBegin" delay="0">
+                          <p:tn val="2"/>
+                        </p:cond>
+                      </p:stCondLst>
+                      <p:childTnLst>
+                        <p:par>
+                          <p:cTn id="4" fill="hold">
+                            <p:stCondLst>
+                              <p:cond delay="0"/>
+                            </p:stCondLst>
+                            <p:childTnLst>
+                              <p:par>
+                                <p:cTn id="5" presetID="2" presetClass="entr" presetSubtype="4" fill="hold" grpId="0" nodeType="afterEffect">
+                                  <p:stCondLst>
+                                    <p:cond delay="0"/>
+                                  </p:stCondLst>
+                                  <p:childTnLst>
+                                    <p:set>
+                                      <p:cBhvr>
+                                        <p:cTn id="6" dur="1" fill="hold">
+                                          <p:stCondLst>
+                                            <p:cond delay="0"/>
+                                          </p:stCondLst>
+                                        </p:cTn>
+                                        <p:tgtEl>
+                                          <p:spTgt spid="6"/>
+                                        </p:tgtEl>
+                                        <p:attrNameLst>
+                                          <p:attrName>style.visibility</p:attrName>
+                                        </p:attrNameLst>
+                                      </p:cBhvr>
+                                      <p:to>
+                                        <p:strVal val="visible"/>
+                                      </p:to>
+                                    </p:set>
+                                    <p:anim calcmode="lin" valueType="num">
+                                      <p:cBhvr additive="base">
+                                        <p:cTn id="7" dur="500" fill="hold"/>
+                                        <p:tgtEl>
+                                          <p:spTgt spid="6"/>
+                                        </p:tgtEl>
+                                        <p:attrNameLst>
+                                          <p:attrName>ppt_x</p:attrName>
+                                        </p:attrNameLst>
+                                      </p:cBhvr>
+                                      <p:tavLst>
+                                        <p:tav tm="0">
+                                          <p:val>
+                                            <p:strVal val="#ppt_x"/>
+                                          </p:val>
+                                        </p:tav>
+                                        <p:tav tm="100000">
+                                          <p:val>
+                                            <p:strVal val="#ppt_x"/>
+                                          </p:val>
+                                        </p:tav>
+                                      </p:tavLst>
+                                    </p:anim>
+                                    <p:anim calcmode="lin" valueType="num">
+                                      <p:cBhvr additive="base">
+                                        <p:cTn id="8" dur="500" fill="hold"/>
+                                        <p:tgtEl>
+                                          <p:spTgt spid="6"/>
+                                        </p:tgtEl>
+                                        <p:attrNameLst>
+                                          <p:attrName>ppt_y</p:attrName>
+                                        </p:attrNameLst>
+                                      </p:cBhvr>
+                                      <p:tavLst>
+                                        <p:tav tm="0">
+                                          <p:val>
+                                            <p:strVal val="1+#ppt_h/2"/>
+                                          </p:val>
+                                        </p:tav>
+                                        <p:tav tm="100000">
+                                          <p:val>
+                                            <p:strVal val="#ppt_y"/>
+                                          </p:val>
+                                        </p:tav>
+                                      </p:tavLst>
+                                    </p:anim>
+                                  </p:childTnLst>
+                                </p:cTn>
+                              </p:par>
+                            </p:childTnLst>
+                          </p:cTn>
+                        </p:par>
+                      </p:childTnLst>
+                    </p:cTn>
+                  </p:par>
+                </p:childTnLst>
+              </p:cTn>
+              <p:prevCondLst>
+                <p:cond evt="onPrev" delay="0">
+                  <p:tgtEl>
+                    <p:sldTgt/>
+                  </p:tgtEl>
+                </p:cond>
+              </p:prevCondLst>
+              <p:nextCondLst>
+                <p:cond evt="onNext" delay="0">
+                  <p:tgtEl>
+                    <p:sldTgt/>
+                  </p:tgtEl>
+                </p:cond>
+              </p:nextCondLst>
+            </p:seq>
+          </p:childTnLst>
+        </p:cTn>
+      </p:par>
+    </p:tnLst>
+    <p:bldLst>
+      <p:bldP spid="6" grpId="0"/>
+    </p:bldLst>
+  </p:timing>
+</p:sld>
+</file>
+
+<file path=ppt/slides/slide13.xml><?xml version="1.0" encoding="utf-8"?>
+<p:sld xmlns:a="http://schemas.openxmlformats.org/drawingml/2006/main" xmlns:r="http://schemas.openxmlformats.org/officeDocument/2006/relationships" xmlns:p="http://schemas.openxmlformats.org/presentationml/2006/main">
+  <p:cSld>
+    <p:spTree>
+      <p:nvGrpSpPr>
+        <p:cNvPr id="1" name=""/>
+        <p:cNvGrpSpPr/>
+        <p:nvPr/>
+      </p:nvGrpSpPr>
+      <p:grpSpPr>
+        <a:xfrm>
+          <a:off x="0" y="0"/>
+          <a:ext cx="0" cy="0"/>
+          <a:chOff x="0" y="0"/>
+          <a:chExt cx="0" cy="0"/>
+        </a:xfrm>
+      </p:grpSpPr>
+      <p:pic>
+        <p:nvPicPr>
+          <p:cNvPr id="38914" name="Picture 5"/>
+          <p:cNvPicPr>
+            <a:picLocks noChangeAspect="1" noChangeArrowheads="1"/>
+          </p:cNvPicPr>
+          <p:nvPr/>
+        </p:nvPicPr>
+        <p:blipFill>
+          <a:blip r:embed="rId1">
+            <a:extLst>
+              <a:ext uri="{28A0092B-C50C-407E-A947-70E740481C1C}">
+                <a14:useLocalDpi xmlns:a14="http://schemas.microsoft.com/office/drawing/2010/main" val="0"/>
+              </a:ext>
+            </a:extLst>
+          </a:blip>
+          <a:srcRect/>
+          <a:stretch>
+            <a:fillRect/>
+          </a:stretch>
+        </p:blipFill>
+        <p:spPr bwMode="auto">
+          <a:xfrm>
+            <a:off x="0" y="0"/>
+            <a:ext cx="12192000" cy="6858000"/>
+          </a:xfrm>
+          <a:prstGeom prst="rect">
+            <a:avLst/>
+          </a:prstGeom>
+          <a:noFill/>
+          <a:ln>
+            <a:noFill/>
+          </a:ln>
+          <a:extLst>
+            <a:ext uri="{909E8E84-426E-40DD-AFC4-6F175D3DCCD1}">
+              <a14:hiddenFill xmlns:a14="http://schemas.microsoft.com/office/drawing/2010/main">
+                <a:solidFill>
+                  <a:srgbClr val="FFFFFF"/>
+                </a:solidFill>
+              </a14:hiddenFill>
+            </a:ext>
+            <a:ext uri="{91240B29-F687-4F45-9708-019B960494DF}">
+              <a14:hiddenLine xmlns:a14="http://schemas.microsoft.com/office/drawing/2010/main" w="9525">
+                <a:solidFill>
+                  <a:srgbClr val="000000"/>
+                </a:solidFill>
+                <a:miter lim="800000"/>
+                <a:headEnd/>
+                <a:tailEnd/>
+              </a14:hiddenLine>
+            </a:ext>
+          </a:extLst>
+        </p:spPr>
+      </p:pic>
+      <p:sp>
+        <p:nvSpPr>
+          <p:cNvPr id="38915" name="Rectangle 6"/>
+          <p:cNvSpPr>
+            <a:spLocks noGrp="1" noChangeArrowheads="1"/>
+          </p:cNvSpPr>
+          <p:nvPr>
+            <p:ph type="ctrTitle" idx="4294967295"/>
+          </p:nvPr>
+        </p:nvSpPr>
+        <p:spPr bwMode="auto">
+          <a:xfrm>
+            <a:off x="2547041" y="3068835"/>
+            <a:ext cx="7097918" cy="1285875"/>
+          </a:xfrm>
+          <a:prstGeom prst="rect">
+            <a:avLst/>
+          </a:prstGeom>
+          <a:noFill/>
+          <a:extLst>
+            <a:ext uri="{909E8E84-426E-40DD-AFC4-6F175D3DCCD1}">
+              <a14:hiddenFill xmlns:a14="http://schemas.microsoft.com/office/drawing/2010/main">
+                <a:solidFill>
+                  <a:srgbClr val="FFFFFF"/>
+                </a:solidFill>
+              </a14:hiddenFill>
+            </a:ext>
+            <a:ext uri="{91240B29-F687-4F45-9708-019B960494DF}">
+              <a14:hiddenLine xmlns:a14="http://schemas.microsoft.com/office/drawing/2010/main" w="9525">
+                <a:solidFill>
+                  <a:srgbClr val="000000"/>
+                </a:solidFill>
+                <a:miter lim="800000"/>
+                <a:headEnd/>
+                <a:tailEnd/>
+              </a14:hiddenLine>
+            </a:ext>
+          </a:extLst>
+        </p:spPr>
+        <p:txBody>
+          <a:bodyPr anchor="b"/>
+          <a:lstStyle/>
+          <a:p>
+            <a:pPr algn="ctr" eaLnBrk="1" hangingPunct="1"/>
+            <a:r>
+              <a:rPr kumimoji="0" lang="en-US" altLang="zh-CN" sz="5400" dirty="0"/>
+              <a:t>Thank </a:t>
+            </a:r>
+            <a:r>
+              <a:rPr kumimoji="0" lang="en-US" altLang="zh-CN" sz="5400" dirty="0">
+                <a:solidFill>
+                  <a:srgbClr val="FF0000"/>
+                </a:solidFill>
+              </a:rPr>
+              <a:t>You</a:t>
+            </a:r>
+            <a:r>
+              <a:rPr kumimoji="0" lang="zh-CN" altLang="en-US" sz="5400" dirty="0"/>
+              <a:t>！</a:t>
+            </a:r>
+            <a:endParaRPr kumimoji="0" lang="zh-CN" altLang="zh-CN" sz="5400" dirty="0"/>
+          </a:p>
+        </p:txBody>
+      </p:sp>
+      <p:pic>
+        <p:nvPicPr>
+          <p:cNvPr id="38916" name="图片 3" descr="软院logo横版.png"/>
+          <p:cNvPicPr>
+            <a:picLocks noChangeAspect="1"/>
+          </p:cNvPicPr>
+          <p:nvPr/>
+        </p:nvPicPr>
+        <p:blipFill>
+          <a:blip r:embed="rId2">
+            <a:extLst>
+              <a:ext uri="{28A0092B-C50C-407E-A947-70E740481C1C}">
+                <a14:useLocalDpi xmlns:a14="http://schemas.microsoft.com/office/drawing/2010/main" val="0"/>
+              </a:ext>
+            </a:extLst>
+          </a:blip>
+          <a:srcRect/>
+          <a:stretch>
+            <a:fillRect/>
+          </a:stretch>
+        </p:blipFill>
+        <p:spPr bwMode="auto">
+          <a:xfrm>
+            <a:off x="2062164" y="5927725"/>
+            <a:ext cx="3381375" cy="527050"/>
+          </a:xfrm>
+          <a:prstGeom prst="rect">
+            <a:avLst/>
+          </a:prstGeom>
+          <a:noFill/>
+          <a:ln>
+            <a:noFill/>
+          </a:ln>
+          <a:extLst>
+            <a:ext uri="{909E8E84-426E-40DD-AFC4-6F175D3DCCD1}">
+              <a14:hiddenFill xmlns:a14="http://schemas.microsoft.com/office/drawing/2010/main">
+                <a:solidFill>
+                  <a:srgbClr val="FFFFFF"/>
+                </a:solidFill>
+              </a14:hiddenFill>
+            </a:ext>
+            <a:ext uri="{91240B29-F687-4F45-9708-019B960494DF}">
+              <a14:hiddenLine xmlns:a14="http://schemas.microsoft.com/office/drawing/2010/main" w="9525">
+                <a:solidFill>
+                  <a:srgbClr val="000000"/>
+                </a:solidFill>
+                <a:miter lim="800000"/>
+                <a:headEnd/>
+                <a:tailEnd/>
+              </a14:hiddenLine>
+            </a:ext>
+          </a:extLst>
+        </p:spPr>
+      </p:pic>
+    </p:spTree>
+  </p:cSld>
+  <p:clrMapOvr>
+    <a:masterClrMapping/>
+  </p:clrMapOvr>
+  <p:timing>
+    <p:tnLst>
+      <p:par>
+        <p:cTn id="1" dur="indefinite" restart="never" nodeType="tmRoot"/>
+      </p:par>
+    </p:tnLst>
+  </p:timing>
+</p:sld>
+</file>
+
 <file path=ppt/slides/slide2.xml><?xml version="1.0" encoding="utf-8"?>
 <p:sld xmlns:a="http://schemas.openxmlformats.org/drawingml/2006/main" xmlns:r="http://schemas.openxmlformats.org/officeDocument/2006/relationships" xmlns:p="http://schemas.openxmlformats.org/presentationml/2006/main">
   <p:cSld>
@@ -3664,178 +5583,470 @@
           <a:chExt cx="0" cy="0"/>
         </a:xfrm>
       </p:grpSpPr>
-      <p:pic>
-        <p:nvPicPr>
-          <p:cNvPr id="38914" name="Picture 5"/>
-          <p:cNvPicPr>
-            <a:picLocks noChangeAspect="1" noChangeArrowheads="1"/>
-          </p:cNvPicPr>
+      <p:sp>
+        <p:nvSpPr>
+          <p:cNvPr id="5123" name="AutoShape 6"/>
+          <p:cNvSpPr>
+            <a:spLocks noChangeArrowheads="1"/>
+          </p:cNvSpPr>
           <p:nvPr/>
-        </p:nvPicPr>
-        <p:blipFill>
-          <a:blip r:embed="rId1">
-            <a:extLst>
-              <a:ext uri="{28A0092B-C50C-407E-A947-70E740481C1C}">
-                <a14:useLocalDpi xmlns:a14="http://schemas.microsoft.com/office/drawing/2010/main" val="0"/>
-              </a:ext>
-            </a:extLst>
-          </a:blip>
-          <a:srcRect/>
-          <a:stretch>
-            <a:fillRect/>
-          </a:stretch>
-        </p:blipFill>
+        </p:nvSpPr>
         <p:spPr bwMode="auto">
           <a:xfrm>
-            <a:off x="0" y="0"/>
-            <a:ext cx="12192000" cy="6858000"/>
+            <a:off x="2566988" y="1339851"/>
+            <a:ext cx="6711950" cy="4214813"/>
+          </a:xfrm>
+          <a:prstGeom prst="roundRect">
+            <a:avLst>
+              <a:gd name="adj" fmla="val 16667"/>
+            </a:avLst>
+          </a:prstGeom>
+          <a:noFill/>
+          <a:ln w="28575">
+            <a:solidFill>
+              <a:srgbClr val="C0C0C0"/>
+            </a:solidFill>
+            <a:prstDash val="sysDot"/>
+            <a:round/>
+          </a:ln>
+          <a:extLst>
+            <a:ext uri="{909E8E84-426E-40DD-AFC4-6F175D3DCCD1}">
+              <a14:hiddenFill xmlns:a14="http://schemas.microsoft.com/office/drawing/2010/main">
+                <a:solidFill>
+                  <a:srgbClr val="FFFFFF"/>
+                </a:solidFill>
+              </a14:hiddenFill>
+            </a:ext>
+          </a:extLst>
+        </p:spPr>
+        <p:txBody>
+          <a:bodyPr wrap="none" anchor="ctr"/>
+          <a:lstStyle>
+            <a:lvl1pPr marL="457200" indent="-457200">
+              <a:defRPr sz="3200">
+                <a:solidFill>
+                  <a:schemeClr val="tx1"/>
+                </a:solidFill>
+                <a:latin typeface="Arial" panose="020B0604020202020204" pitchFamily="34" charset="0"/>
+                <a:ea typeface="微软雅黑" panose="020B0503020204020204" pitchFamily="34" charset="-122"/>
+              </a:defRPr>
+            </a:lvl1pPr>
+            <a:lvl2pPr marL="742950" indent="-285750">
+              <a:defRPr sz="3200">
+                <a:solidFill>
+                  <a:schemeClr val="tx1"/>
+                </a:solidFill>
+                <a:latin typeface="Arial" panose="020B0604020202020204" pitchFamily="34" charset="0"/>
+                <a:ea typeface="微软雅黑" panose="020B0503020204020204" pitchFamily="34" charset="-122"/>
+              </a:defRPr>
+            </a:lvl2pPr>
+            <a:lvl3pPr marL="1143000" indent="-228600">
+              <a:defRPr sz="3200">
+                <a:solidFill>
+                  <a:schemeClr val="tx1"/>
+                </a:solidFill>
+                <a:latin typeface="Arial" panose="020B0604020202020204" pitchFamily="34" charset="0"/>
+                <a:ea typeface="微软雅黑" panose="020B0503020204020204" pitchFamily="34" charset="-122"/>
+              </a:defRPr>
+            </a:lvl3pPr>
+            <a:lvl4pPr marL="1600200" indent="-228600">
+              <a:defRPr sz="3200">
+                <a:solidFill>
+                  <a:schemeClr val="tx1"/>
+                </a:solidFill>
+                <a:latin typeface="Arial" panose="020B0604020202020204" pitchFamily="34" charset="0"/>
+                <a:ea typeface="微软雅黑" panose="020B0503020204020204" pitchFamily="34" charset="-122"/>
+              </a:defRPr>
+            </a:lvl4pPr>
+            <a:lvl5pPr marL="2057400" indent="-228600">
+              <a:defRPr sz="3200">
+                <a:solidFill>
+                  <a:schemeClr val="tx1"/>
+                </a:solidFill>
+                <a:latin typeface="Arial" panose="020B0604020202020204" pitchFamily="34" charset="0"/>
+                <a:ea typeface="微软雅黑" panose="020B0503020204020204" pitchFamily="34" charset="-122"/>
+              </a:defRPr>
+            </a:lvl5pPr>
+            <a:lvl6pPr marL="2514600" indent="-228600" eaLnBrk="0" fontAlgn="base" hangingPunct="0">
+              <a:spcBef>
+                <a:spcPct val="0"/>
+              </a:spcBef>
+              <a:spcAft>
+                <a:spcPct val="0"/>
+              </a:spcAft>
+              <a:defRPr sz="3200">
+                <a:solidFill>
+                  <a:schemeClr val="tx1"/>
+                </a:solidFill>
+                <a:latin typeface="Arial" panose="020B0604020202020204" pitchFamily="34" charset="0"/>
+                <a:ea typeface="微软雅黑" panose="020B0503020204020204" pitchFamily="34" charset="-122"/>
+              </a:defRPr>
+            </a:lvl6pPr>
+            <a:lvl7pPr marL="2971800" indent="-228600" eaLnBrk="0" fontAlgn="base" hangingPunct="0">
+              <a:spcBef>
+                <a:spcPct val="0"/>
+              </a:spcBef>
+              <a:spcAft>
+                <a:spcPct val="0"/>
+              </a:spcAft>
+              <a:defRPr sz="3200">
+                <a:solidFill>
+                  <a:schemeClr val="tx1"/>
+                </a:solidFill>
+                <a:latin typeface="Arial" panose="020B0604020202020204" pitchFamily="34" charset="0"/>
+                <a:ea typeface="微软雅黑" panose="020B0503020204020204" pitchFamily="34" charset="-122"/>
+              </a:defRPr>
+            </a:lvl7pPr>
+            <a:lvl8pPr marL="3429000" indent="-228600" eaLnBrk="0" fontAlgn="base" hangingPunct="0">
+              <a:spcBef>
+                <a:spcPct val="0"/>
+              </a:spcBef>
+              <a:spcAft>
+                <a:spcPct val="0"/>
+              </a:spcAft>
+              <a:defRPr sz="3200">
+                <a:solidFill>
+                  <a:schemeClr val="tx1"/>
+                </a:solidFill>
+                <a:latin typeface="Arial" panose="020B0604020202020204" pitchFamily="34" charset="0"/>
+                <a:ea typeface="微软雅黑" panose="020B0503020204020204" pitchFamily="34" charset="-122"/>
+              </a:defRPr>
+            </a:lvl8pPr>
+            <a:lvl9pPr marL="3886200" indent="-228600" eaLnBrk="0" fontAlgn="base" hangingPunct="0">
+              <a:spcBef>
+                <a:spcPct val="0"/>
+              </a:spcBef>
+              <a:spcAft>
+                <a:spcPct val="0"/>
+              </a:spcAft>
+              <a:defRPr sz="3200">
+                <a:solidFill>
+                  <a:schemeClr val="tx1"/>
+                </a:solidFill>
+                <a:latin typeface="Arial" panose="020B0604020202020204" pitchFamily="34" charset="0"/>
+                <a:ea typeface="微软雅黑" panose="020B0503020204020204" pitchFamily="34" charset="-122"/>
+              </a:defRPr>
+            </a:lvl9pPr>
+          </a:lstStyle>
+          <a:p>
+            <a:pPr algn="l">
+              <a:lnSpc>
+                <a:spcPct val="150000"/>
+              </a:lnSpc>
+              <a:spcBef>
+                <a:spcPts val="1200"/>
+              </a:spcBef>
+              <a:spcAft>
+                <a:spcPts val="1200"/>
+              </a:spcAft>
+              <a:buClr>
+                <a:srgbClr val="92D050"/>
+              </a:buClr>
+              <a:buFont typeface="Wingdings" panose="05000000000000000000" pitchFamily="2" charset="2"/>
+              <a:buChar char="Ø"/>
+            </a:pPr>
+            <a:r>
+              <a:rPr lang="zh-CN" altLang="en-US" sz="2800" b="1">
+                <a:solidFill>
+                  <a:srgbClr val="FF0000"/>
+                </a:solidFill>
+                <a:sym typeface="+mn-ea"/>
+              </a:rPr>
+              <a:t>数组的创建和基本操作（增删改查）</a:t>
+            </a:r>
+            <a:endParaRPr lang="zh-CN" altLang="en-US" sz="2800" b="1">
+              <a:solidFill>
+                <a:srgbClr val="FF0000"/>
+              </a:solidFill>
+              <a:sym typeface="+mn-ea"/>
+            </a:endParaRPr>
+          </a:p>
+          <a:p>
+            <a:pPr algn="l">
+              <a:lnSpc>
+                <a:spcPct val="150000"/>
+              </a:lnSpc>
+              <a:spcBef>
+                <a:spcPts val="1200"/>
+              </a:spcBef>
+              <a:spcAft>
+                <a:spcPts val="1200"/>
+              </a:spcAft>
+              <a:buClr>
+                <a:srgbClr val="92D050"/>
+              </a:buClr>
+              <a:buFont typeface="Wingdings" panose="05000000000000000000" pitchFamily="2" charset="2"/>
+              <a:buChar char="Ø"/>
+            </a:pPr>
+            <a:r>
+              <a:rPr lang="zh-CN" altLang="en-US" sz="2800" b="1">
+                <a:solidFill>
+                  <a:schemeClr val="tx1"/>
+                </a:solidFill>
+                <a:sym typeface="+mn-ea"/>
+              </a:rPr>
+              <a:t>稀疏数组与多维数组</a:t>
+            </a:r>
+            <a:endParaRPr lang="zh-CN" altLang="en-US" sz="2800" b="1">
+              <a:solidFill>
+                <a:schemeClr val="tx1"/>
+              </a:solidFill>
+              <a:sym typeface="+mn-ea"/>
+            </a:endParaRPr>
+          </a:p>
+          <a:p>
+            <a:pPr algn="l">
+              <a:lnSpc>
+                <a:spcPct val="150000"/>
+              </a:lnSpc>
+              <a:spcBef>
+                <a:spcPts val="1200"/>
+              </a:spcBef>
+              <a:spcAft>
+                <a:spcPts val="1200"/>
+              </a:spcAft>
+              <a:buClr>
+                <a:srgbClr val="92D050"/>
+              </a:buClr>
+              <a:buFont typeface="Wingdings" panose="05000000000000000000" pitchFamily="2" charset="2"/>
+              <a:buChar char="Ø"/>
+            </a:pPr>
+            <a:r>
+              <a:rPr lang="zh-CN" altLang="en-US" sz="2800" b="1">
+                <a:solidFill>
+                  <a:schemeClr val="tx1"/>
+                </a:solidFill>
+                <a:sym typeface="+mn-ea"/>
+              </a:rPr>
+              <a:t>数组的方法和相关高阶函数</a:t>
+            </a:r>
+            <a:endParaRPr lang="zh-CN" altLang="en-US" sz="2800" b="1">
+              <a:solidFill>
+                <a:srgbClr val="FF0000"/>
+              </a:solidFill>
+              <a:sym typeface="+mn-ea"/>
+            </a:endParaRPr>
+          </a:p>
+        </p:txBody>
+      </p:sp>
+      <p:sp>
+        <p:nvSpPr>
+          <p:cNvPr id="4" name="内容占位符 3"/>
+          <p:cNvSpPr txBox="1"/>
+          <p:nvPr/>
+        </p:nvSpPr>
+        <p:spPr>
+          <a:xfrm>
+            <a:off x="981657" y="236943"/>
+            <a:ext cx="8191557" cy="490476"/>
           </a:xfrm>
           <a:prstGeom prst="rect">
             <a:avLst/>
           </a:prstGeom>
-          <a:noFill/>
-          <a:ln>
-            <a:noFill/>
-          </a:ln>
-          <a:extLst>
-            <a:ext uri="{909E8E84-426E-40DD-AFC4-6F175D3DCCD1}">
-              <a14:hiddenFill xmlns:a14="http://schemas.microsoft.com/office/drawing/2010/main">
-                <a:solidFill>
-                  <a:srgbClr val="FFFFFF"/>
-                </a:solidFill>
-              </a14:hiddenFill>
-            </a:ext>
-            <a:ext uri="{91240B29-F687-4F45-9708-019B960494DF}">
-              <a14:hiddenLine xmlns:a14="http://schemas.microsoft.com/office/drawing/2010/main" w="9525">
-                <a:solidFill>
-                  <a:srgbClr val="000000"/>
-                </a:solidFill>
-                <a:miter lim="800000"/>
-                <a:headEnd/>
-                <a:tailEnd/>
-              </a14:hiddenLine>
-            </a:ext>
-          </a:extLst>
-        </p:spPr>
-      </p:pic>
-      <p:sp>
-        <p:nvSpPr>
-          <p:cNvPr id="38915" name="Rectangle 6"/>
-          <p:cNvSpPr>
-            <a:spLocks noGrp="1" noChangeArrowheads="1"/>
-          </p:cNvSpPr>
-          <p:nvPr>
-            <p:ph type="ctrTitle" idx="4294967295"/>
-          </p:nvPr>
-        </p:nvSpPr>
-        <p:spPr bwMode="auto">
-          <a:xfrm>
-            <a:off x="2547041" y="3068835"/>
-            <a:ext cx="7097918" cy="1285875"/>
-          </a:xfrm>
-          <a:prstGeom prst="rect">
-            <a:avLst/>
-          </a:prstGeom>
-          <a:noFill/>
-          <a:extLst>
-            <a:ext uri="{909E8E84-426E-40DD-AFC4-6F175D3DCCD1}">
-              <a14:hiddenFill xmlns:a14="http://schemas.microsoft.com/office/drawing/2010/main">
-                <a:solidFill>
-                  <a:srgbClr val="FFFFFF"/>
-                </a:solidFill>
-              </a14:hiddenFill>
-            </a:ext>
-            <a:ext uri="{91240B29-F687-4F45-9708-019B960494DF}">
-              <a14:hiddenLine xmlns:a14="http://schemas.microsoft.com/office/drawing/2010/main" w="9525">
-                <a:solidFill>
-                  <a:srgbClr val="000000"/>
-                </a:solidFill>
-                <a:miter lim="800000"/>
-                <a:headEnd/>
-                <a:tailEnd/>
-              </a14:hiddenLine>
-            </a:ext>
-          </a:extLst>
         </p:spPr>
         <p:txBody>
-          <a:bodyPr anchor="b"/>
-          <a:lstStyle/>
-          <a:p>
-            <a:pPr algn="ctr" eaLnBrk="1" hangingPunct="1"/>
-            <a:r>
-              <a:rPr kumimoji="0" lang="en-US" altLang="zh-CN" sz="5400" dirty="0"/>
-              <a:t>Thank </a:t>
-            </a:r>
-            <a:r>
-              <a:rPr kumimoji="0" lang="en-US" altLang="zh-CN" sz="5400" dirty="0">
-                <a:solidFill>
-                  <a:srgbClr val="FF0000"/>
-                </a:solidFill>
-              </a:rPr>
-              <a:t>You</a:t>
-            </a:r>
-            <a:r>
-              <a:rPr kumimoji="0" lang="zh-CN" altLang="en-US" sz="5400" dirty="0"/>
-              <a:t>！</a:t>
-            </a:r>
-            <a:endParaRPr kumimoji="0" lang="zh-CN" altLang="zh-CN" sz="5400" dirty="0"/>
+          <a:bodyPr/>
+          <a:lstStyle>
+            <a:lvl1pPr marL="167005" indent="-167005" algn="l" defTabSz="0" rtl="0" eaLnBrk="0" fontAlgn="base" hangingPunct="0">
+              <a:spcBef>
+                <a:spcPct val="0"/>
+              </a:spcBef>
+              <a:spcAft>
+                <a:spcPct val="15000"/>
+              </a:spcAft>
+              <a:buClr>
+                <a:schemeClr val="tx2"/>
+              </a:buClr>
+              <a:buFont typeface="Arial" panose="020B0604020202020204" pitchFamily="34" charset="0"/>
+              <a:buChar char="•"/>
+              <a:defRPr kumimoji="1" sz="1600">
+                <a:solidFill>
+                  <a:srgbClr val="006F53"/>
+                </a:solidFill>
+                <a:latin typeface="微软雅黑" panose="020B0503020204020204" pitchFamily="34" charset="-122"/>
+                <a:ea typeface="微软雅黑" panose="020B0503020204020204" pitchFamily="34" charset="-122"/>
+                <a:cs typeface="微软雅黑" panose="020B0503020204020204" pitchFamily="34" charset="-122"/>
+              </a:defRPr>
+            </a:lvl1pPr>
+            <a:lvl2pPr marL="398780" indent="-230505" algn="l" defTabSz="0" rtl="0" eaLnBrk="0" fontAlgn="base" hangingPunct="0">
+              <a:spcBef>
+                <a:spcPct val="0"/>
+              </a:spcBef>
+              <a:spcAft>
+                <a:spcPct val="15000"/>
+              </a:spcAft>
+              <a:buClr>
+                <a:schemeClr val="tx2"/>
+              </a:buClr>
+              <a:buFont typeface="Arial" panose="020B0604020202020204" pitchFamily="34" charset="0"/>
+              <a:buChar char="–"/>
+              <a:defRPr kumimoji="1" sz="2800">
+                <a:solidFill>
+                  <a:schemeClr val="bg2"/>
+                </a:solidFill>
+                <a:latin typeface="微软雅黑" panose="020B0503020204020204" pitchFamily="34" charset="-122"/>
+                <a:ea typeface="微软雅黑" panose="020B0503020204020204" pitchFamily="34" charset="-122"/>
+                <a:cs typeface="微软雅黑" panose="020B0503020204020204" pitchFamily="34" charset="-122"/>
+              </a:defRPr>
+            </a:lvl2pPr>
+            <a:lvl3pPr marL="400050" indent="182880" algn="l" defTabSz="0" rtl="0" eaLnBrk="0" fontAlgn="base" hangingPunct="0">
+              <a:spcBef>
+                <a:spcPct val="0"/>
+              </a:spcBef>
+              <a:spcAft>
+                <a:spcPct val="15000"/>
+              </a:spcAft>
+              <a:buClr>
+                <a:schemeClr val="tx2"/>
+              </a:buClr>
+              <a:buFont typeface="Arial" panose="020B0604020202020204" pitchFamily="34" charset="0"/>
+              <a:buChar char="•"/>
+              <a:defRPr kumimoji="1" sz="1600">
+                <a:solidFill>
+                  <a:schemeClr val="bg2"/>
+                </a:solidFill>
+                <a:latin typeface="微软雅黑" panose="020B0503020204020204" pitchFamily="34" charset="-122"/>
+                <a:ea typeface="微软雅黑" panose="020B0503020204020204" pitchFamily="34" charset="-122"/>
+                <a:cs typeface="微软雅黑" panose="020B0503020204020204" pitchFamily="34" charset="-122"/>
+              </a:defRPr>
+            </a:lvl3pPr>
+            <a:lvl4pPr marL="825500" indent="-241300" algn="l" defTabSz="0" rtl="0" eaLnBrk="0" fontAlgn="base" hangingPunct="0">
+              <a:spcBef>
+                <a:spcPct val="0"/>
+              </a:spcBef>
+              <a:spcAft>
+                <a:spcPct val="15000"/>
+              </a:spcAft>
+              <a:buClr>
+                <a:schemeClr val="tx2"/>
+              </a:buClr>
+              <a:buFont typeface="Arial" panose="020B0604020202020204" pitchFamily="34" charset="0"/>
+              <a:buChar char="–"/>
+              <a:defRPr kumimoji="1" sz="1600">
+                <a:solidFill>
+                  <a:schemeClr val="bg2"/>
+                </a:solidFill>
+                <a:latin typeface="微软雅黑" panose="020B0503020204020204" pitchFamily="34" charset="-122"/>
+                <a:ea typeface="微软雅黑" panose="020B0503020204020204" pitchFamily="34" charset="-122"/>
+                <a:cs typeface="微软雅黑" panose="020B0503020204020204" pitchFamily="34" charset="-122"/>
+              </a:defRPr>
+            </a:lvl4pPr>
+            <a:lvl5pPr marL="2057400" indent="-228600" algn="l" defTabSz="0" rtl="0" eaLnBrk="0" fontAlgn="base" hangingPunct="0">
+              <a:spcBef>
+                <a:spcPct val="0"/>
+              </a:spcBef>
+              <a:spcAft>
+                <a:spcPct val="25000"/>
+              </a:spcAft>
+              <a:buClr>
+                <a:schemeClr val="tx2"/>
+              </a:buClr>
+              <a:buFont typeface="Arial" panose="020B0604020202020204" pitchFamily="34" charset="0"/>
+              <a:buChar char="–"/>
+              <a:defRPr kumimoji="1" sz="2000">
+                <a:solidFill>
+                  <a:schemeClr val="tx1"/>
+                </a:solidFill>
+                <a:latin typeface="+mn-lt"/>
+                <a:ea typeface="微软雅黑" panose="020B0503020204020204" pitchFamily="34" charset="-122"/>
+                <a:cs typeface="微软雅黑" panose="020B0503020204020204" pitchFamily="34" charset="-122"/>
+              </a:defRPr>
+            </a:lvl5pPr>
+            <a:lvl6pPr marL="2514600" indent="-228600" algn="l" defTabSz="0" rtl="0" eaLnBrk="0" fontAlgn="base" hangingPunct="0">
+              <a:spcBef>
+                <a:spcPct val="0"/>
+              </a:spcBef>
+              <a:spcAft>
+                <a:spcPct val="25000"/>
+              </a:spcAft>
+              <a:buClr>
+                <a:schemeClr val="tx2"/>
+              </a:buClr>
+              <a:buFont typeface="Arial" panose="020B0604020202020204" pitchFamily="34" charset="0"/>
+              <a:buChar char="–"/>
+              <a:defRPr>
+                <a:solidFill>
+                  <a:schemeClr val="tx1"/>
+                </a:solidFill>
+                <a:latin typeface="+mn-lt"/>
+              </a:defRPr>
+            </a:lvl6pPr>
+            <a:lvl7pPr marL="2971800" indent="-228600" algn="l" defTabSz="0" rtl="0" eaLnBrk="0" fontAlgn="base" hangingPunct="0">
+              <a:spcBef>
+                <a:spcPct val="0"/>
+              </a:spcBef>
+              <a:spcAft>
+                <a:spcPct val="25000"/>
+              </a:spcAft>
+              <a:buClr>
+                <a:schemeClr val="tx2"/>
+              </a:buClr>
+              <a:buFont typeface="Arial" panose="020B0604020202020204" pitchFamily="34" charset="0"/>
+              <a:buChar char="–"/>
+              <a:defRPr>
+                <a:solidFill>
+                  <a:schemeClr val="tx1"/>
+                </a:solidFill>
+                <a:latin typeface="+mn-lt"/>
+              </a:defRPr>
+            </a:lvl7pPr>
+            <a:lvl8pPr marL="3429000" indent="-228600" algn="l" defTabSz="0" rtl="0" eaLnBrk="0" fontAlgn="base" hangingPunct="0">
+              <a:spcBef>
+                <a:spcPct val="0"/>
+              </a:spcBef>
+              <a:spcAft>
+                <a:spcPct val="25000"/>
+              </a:spcAft>
+              <a:buClr>
+                <a:schemeClr val="tx2"/>
+              </a:buClr>
+              <a:buFont typeface="Arial" panose="020B0604020202020204" pitchFamily="34" charset="0"/>
+              <a:buChar char="–"/>
+              <a:defRPr>
+                <a:solidFill>
+                  <a:schemeClr val="tx1"/>
+                </a:solidFill>
+                <a:latin typeface="+mn-lt"/>
+              </a:defRPr>
+            </a:lvl8pPr>
+            <a:lvl9pPr marL="3886200" indent="-228600" algn="l" defTabSz="0" rtl="0" eaLnBrk="0" fontAlgn="base" hangingPunct="0">
+              <a:spcBef>
+                <a:spcPct val="0"/>
+              </a:spcBef>
+              <a:spcAft>
+                <a:spcPct val="25000"/>
+              </a:spcAft>
+              <a:buClr>
+                <a:schemeClr val="tx2"/>
+              </a:buClr>
+              <a:buFont typeface="Arial" panose="020B0604020202020204" pitchFamily="34" charset="0"/>
+              <a:buChar char="–"/>
+              <a:defRPr>
+                <a:solidFill>
+                  <a:schemeClr val="tx1"/>
+                </a:solidFill>
+                <a:latin typeface="+mn-lt"/>
+              </a:defRPr>
+            </a:lvl9pPr>
+          </a:lstStyle>
+          <a:p>
+            <a:pPr marL="0" indent="0">
+              <a:buNone/>
+            </a:pPr>
+            <a:r>
+              <a:rPr lang="zh-CN" altLang="en-US" sz="3200" dirty="0" smtClean="0">
+                <a:solidFill>
+                  <a:srgbClr val="C00000"/>
+                </a:solidFill>
+                <a:cs typeface="+mn-cs"/>
+                <a:sym typeface="+mn-ea"/>
+              </a:rPr>
+              <a:t>内容提纲</a:t>
+            </a:r>
+            <a:endParaRPr lang="zh-CN" altLang="en-US" kern="0" dirty="0"/>
           </a:p>
         </p:txBody>
       </p:sp>
-      <p:pic>
-        <p:nvPicPr>
-          <p:cNvPr id="38916" name="图片 3" descr="软院logo横版.png"/>
-          <p:cNvPicPr>
-            <a:picLocks noChangeAspect="1"/>
-          </p:cNvPicPr>
-          <p:nvPr/>
-        </p:nvPicPr>
-        <p:blipFill>
-          <a:blip r:embed="rId2">
-            <a:extLst>
-              <a:ext uri="{28A0092B-C50C-407E-A947-70E740481C1C}">
-                <a14:useLocalDpi xmlns:a14="http://schemas.microsoft.com/office/drawing/2010/main" val="0"/>
-              </a:ext>
-            </a:extLst>
-          </a:blip>
-          <a:srcRect/>
-          <a:stretch>
-            <a:fillRect/>
-          </a:stretch>
-        </p:blipFill>
-        <p:spPr bwMode="auto">
-          <a:xfrm>
-            <a:off x="2062164" y="5927725"/>
-            <a:ext cx="3381375" cy="527050"/>
-          </a:xfrm>
-          <a:prstGeom prst="rect">
-            <a:avLst/>
-          </a:prstGeom>
-          <a:noFill/>
-          <a:ln>
-            <a:noFill/>
-          </a:ln>
-          <a:extLst>
-            <a:ext uri="{909E8E84-426E-40DD-AFC4-6F175D3DCCD1}">
-              <a14:hiddenFill xmlns:a14="http://schemas.microsoft.com/office/drawing/2010/main">
-                <a:solidFill>
-                  <a:srgbClr val="FFFFFF"/>
-                </a:solidFill>
-              </a14:hiddenFill>
-            </a:ext>
-            <a:ext uri="{91240B29-F687-4F45-9708-019B960494DF}">
-              <a14:hiddenLine xmlns:a14="http://schemas.microsoft.com/office/drawing/2010/main" w="9525">
-                <a:solidFill>
-                  <a:srgbClr val="000000"/>
-                </a:solidFill>
-                <a:miter lim="800000"/>
-                <a:headEnd/>
-                <a:tailEnd/>
-              </a14:hiddenLine>
-            </a:ext>
-          </a:extLst>
-        </p:spPr>
-      </p:pic>
     </p:spTree>
   </p:cSld>
   <p:clrMapOvr>
@@ -3847,6 +6058,2256 @@
         <p:cTn id="1" dur="indefinite" restart="never" nodeType="tmRoot"/>
       </p:par>
     </p:tnLst>
+  </p:timing>
+</p:sld>
+</file>
+
+<file path=ppt/slides/slide5.xml><?xml version="1.0" encoding="utf-8"?>
+<p:sld xmlns:a="http://schemas.openxmlformats.org/drawingml/2006/main" xmlns:r="http://schemas.openxmlformats.org/officeDocument/2006/relationships" xmlns:p="http://schemas.openxmlformats.org/presentationml/2006/main">
+  <p:cSld>
+    <p:spTree>
+      <p:nvGrpSpPr>
+        <p:cNvPr id="1" name=""/>
+        <p:cNvGrpSpPr/>
+        <p:nvPr/>
+      </p:nvGrpSpPr>
+      <p:grpSpPr>
+        <a:xfrm>
+          <a:off x="0" y="0"/>
+          <a:ext cx="0" cy="0"/>
+          <a:chOff x="0" y="0"/>
+          <a:chExt cx="0" cy="0"/>
+        </a:xfrm>
+      </p:grpSpPr>
+      <p:sp>
+        <p:nvSpPr>
+          <p:cNvPr id="2" name="内容占位符 1"/>
+          <p:cNvSpPr>
+            <a:spLocks noGrp="1"/>
+          </p:cNvSpPr>
+          <p:nvPr>
+            <p:ph sz="quarter" idx="10"/>
+          </p:nvPr>
+        </p:nvSpPr>
+        <p:spPr>
+          <a:xfrm>
+            <a:off x="927735" y="783590"/>
+            <a:ext cx="9776460" cy="4918710"/>
+          </a:xfrm>
+        </p:spPr>
+        <p:txBody>
+          <a:bodyPr/>
+          <a:lstStyle/>
+          <a:p>
+            <a:pPr>
+              <a:lnSpc>
+                <a:spcPct val="160000"/>
+              </a:lnSpc>
+            </a:pPr>
+            <a:r>
+              <a:rPr lang="zh-CN" altLang="en-US" sz="3200" dirty="0">
+                <a:solidFill>
+                  <a:schemeClr val="tx1"/>
+                </a:solidFill>
+                <a:sym typeface="+mn-ea"/>
+              </a:rPr>
+              <a:t>创建数组的方式</a:t>
+            </a:r>
+            <a:br>
+              <a:rPr kumimoji="0" lang="en-US" altLang="zh-CN" sz="1800" dirty="0" smtClean="0">
+                <a:solidFill>
+                  <a:schemeClr val="tx1"/>
+                </a:solidFill>
+                <a:sym typeface="+mn-ea"/>
+              </a:rPr>
+            </a:br>
+            <a:r>
+              <a:rPr kumimoji="0" lang="en-US" altLang="zh-CN" sz="1800" dirty="0" smtClean="0">
+                <a:solidFill>
+                  <a:schemeClr val="tx1"/>
+                </a:solidFill>
+                <a:sym typeface="+mn-ea"/>
+              </a:rPr>
+              <a:t>- </a:t>
+            </a:r>
+            <a:r>
+              <a:rPr kumimoji="0" lang="zh-CN" altLang="en-US" sz="1800" dirty="0" smtClean="0">
+                <a:solidFill>
+                  <a:schemeClr val="tx1"/>
+                </a:solidFill>
+                <a:sym typeface="+mn-ea"/>
+              </a:rPr>
+              <a:t>通过字面量的方式直接创建</a:t>
+            </a:r>
+            <a:br>
+              <a:rPr lang="zh-CN" altLang="en-US" sz="1800" dirty="0">
+                <a:solidFill>
+                  <a:schemeClr val="tx1"/>
+                </a:solidFill>
+                <a:sym typeface="+mn-ea"/>
+              </a:rPr>
+            </a:br>
+            <a:r>
+              <a:rPr lang="en-US" altLang="zh-CN" sz="1800" dirty="0">
+                <a:solidFill>
+                  <a:schemeClr val="tx1"/>
+                </a:solidFill>
+                <a:sym typeface="+mn-ea"/>
+              </a:rPr>
+              <a:t>- </a:t>
+            </a:r>
+            <a:r>
+              <a:rPr lang="zh-CN" altLang="en-US" sz="1800" dirty="0">
+                <a:solidFill>
+                  <a:schemeClr val="tx1"/>
+                </a:solidFill>
+                <a:sym typeface="+mn-ea"/>
+              </a:rPr>
+              <a:t>通过</a:t>
+            </a:r>
+            <a:r>
+              <a:rPr lang="en-US" altLang="zh-CN" sz="1800" dirty="0">
+                <a:solidFill>
+                  <a:schemeClr val="tx1"/>
+                </a:solidFill>
+                <a:sym typeface="+mn-ea"/>
+              </a:rPr>
+              <a:t>Array</a:t>
+            </a:r>
+            <a:r>
+              <a:rPr lang="zh-CN" altLang="en-US" sz="1800" dirty="0">
+                <a:solidFill>
+                  <a:schemeClr val="tx1"/>
+                </a:solidFill>
+                <a:sym typeface="+mn-ea"/>
+              </a:rPr>
+              <a:t>构造函数来创建数组对象，</a:t>
+            </a:r>
+            <a:r>
+              <a:rPr lang="zh-CN" altLang="en-US" sz="1800" dirty="0">
+                <a:solidFill>
+                  <a:srgbClr val="FF0000"/>
+                </a:solidFill>
+                <a:sym typeface="+mn-ea"/>
+              </a:rPr>
+              <a:t>注意传递的参数</a:t>
+            </a:r>
+            <a:br>
+              <a:rPr lang="en-US" altLang="zh-CN" sz="1800" dirty="0">
+                <a:solidFill>
+                  <a:schemeClr val="tx1"/>
+                </a:solidFill>
+                <a:sym typeface="+mn-ea"/>
+              </a:rPr>
+            </a:br>
+            <a:endParaRPr lang="zh-CN" altLang="en-US" sz="1800" dirty="0">
+              <a:solidFill>
+                <a:schemeClr val="accent3"/>
+              </a:solidFill>
+              <a:sym typeface="+mn-ea"/>
+            </a:endParaRPr>
+          </a:p>
+          <a:p>
+            <a:pPr marL="0" indent="0">
+              <a:lnSpc>
+                <a:spcPct val="160000"/>
+              </a:lnSpc>
+              <a:buNone/>
+            </a:pPr>
+            <a:endParaRPr lang="en-US" altLang="zh-CN" sz="1800" dirty="0">
+              <a:solidFill>
+                <a:schemeClr val="tx1"/>
+              </a:solidFill>
+              <a:sym typeface="+mn-ea"/>
+            </a:endParaRPr>
+          </a:p>
+        </p:txBody>
+      </p:sp>
+      <p:sp>
+        <p:nvSpPr>
+          <p:cNvPr id="3" name="内容占位符 2"/>
+          <p:cNvSpPr>
+            <a:spLocks noGrp="1"/>
+          </p:cNvSpPr>
+          <p:nvPr>
+            <p:ph sz="quarter" idx="11"/>
+          </p:nvPr>
+        </p:nvSpPr>
+        <p:spPr/>
+        <p:txBody>
+          <a:bodyPr/>
+          <a:lstStyle/>
+          <a:p>
+            <a:r>
+              <a:rPr lang="zh-CN" altLang="en-US" dirty="0"/>
+              <a:t>数组的创建和基本操作</a:t>
+            </a:r>
+            <a:endParaRPr lang="zh-CN" altLang="en-US" dirty="0"/>
+          </a:p>
+        </p:txBody>
+      </p:sp>
+      <p:sp>
+        <p:nvSpPr>
+          <p:cNvPr id="6" name="文本框 5"/>
+          <p:cNvSpPr txBox="1"/>
+          <p:nvPr/>
+        </p:nvSpPr>
+        <p:spPr>
+          <a:xfrm>
+            <a:off x="6229350" y="6036945"/>
+            <a:ext cx="5420360" cy="429895"/>
+          </a:xfrm>
+          <a:prstGeom prst="rect">
+            <a:avLst/>
+          </a:prstGeom>
+          <a:noFill/>
+        </p:spPr>
+        <p:txBody>
+          <a:bodyPr wrap="square" rtlCol="0">
+            <a:spAutoFit/>
+          </a:bodyPr>
+          <a:p>
+            <a:pPr algn="l"/>
+            <a:r>
+              <a:rPr lang="zh-CN" altLang="en-US" sz="2200">
+                <a:solidFill>
+                  <a:srgbClr val="FF0000"/>
+                </a:solidFill>
+                <a:latin typeface="+mn-ea"/>
+                <a:ea typeface="+mn-ea"/>
+              </a:rPr>
+              <a:t>参见实例</a:t>
+            </a:r>
+            <a:r>
+              <a:rPr lang="en-US" altLang="zh-CN" sz="2200">
+                <a:solidFill>
+                  <a:srgbClr val="FF0000"/>
+                </a:solidFill>
+                <a:latin typeface="+mn-ea"/>
+                <a:ea typeface="+mn-ea"/>
+              </a:rPr>
+              <a:t>demo1</a:t>
+            </a:r>
+            <a:endParaRPr lang="zh-CN" altLang="en-US" sz="2200">
+              <a:solidFill>
+                <a:srgbClr val="FF0000"/>
+              </a:solidFill>
+              <a:latin typeface="+mn-ea"/>
+              <a:ea typeface="+mn-ea"/>
+            </a:endParaRPr>
+          </a:p>
+        </p:txBody>
+      </p:sp>
+      <p:pic>
+        <p:nvPicPr>
+          <p:cNvPr id="5" name="图片 4"/>
+          <p:cNvPicPr>
+            <a:picLocks noChangeAspect="1"/>
+          </p:cNvPicPr>
+          <p:nvPr/>
+        </p:nvPicPr>
+        <p:blipFill>
+          <a:blip r:embed="rId1"/>
+          <a:stretch>
+            <a:fillRect/>
+          </a:stretch>
+        </p:blipFill>
+        <p:spPr>
+          <a:xfrm>
+            <a:off x="1253490" y="2681605"/>
+            <a:ext cx="8880475" cy="2731770"/>
+          </a:xfrm>
+          <a:prstGeom prst="rect">
+            <a:avLst/>
+          </a:prstGeom>
+        </p:spPr>
+      </p:pic>
+      <p:sp>
+        <p:nvSpPr>
+          <p:cNvPr id="7" name="文本框 6"/>
+          <p:cNvSpPr txBox="1"/>
+          <p:nvPr/>
+        </p:nvSpPr>
+        <p:spPr>
+          <a:xfrm>
+            <a:off x="6356350" y="2863215"/>
+            <a:ext cx="5420360" cy="429895"/>
+          </a:xfrm>
+          <a:prstGeom prst="rect">
+            <a:avLst/>
+          </a:prstGeom>
+          <a:noFill/>
+        </p:spPr>
+        <p:txBody>
+          <a:bodyPr wrap="square" rtlCol="0">
+            <a:spAutoFit/>
+          </a:bodyPr>
+          <a:p>
+            <a:pPr algn="l"/>
+            <a:r>
+              <a:rPr lang="zh-CN" sz="2200">
+                <a:solidFill>
+                  <a:srgbClr val="FF0000"/>
+                </a:solidFill>
+                <a:latin typeface="+mn-ea"/>
+                <a:ea typeface="+mn-ea"/>
+              </a:rPr>
+              <a:t>思考：</a:t>
+            </a:r>
+            <a:r>
+              <a:rPr lang="en-US" altLang="zh-CN" sz="2200">
+                <a:solidFill>
+                  <a:srgbClr val="FF0000"/>
+                </a:solidFill>
+                <a:latin typeface="+mn-ea"/>
+                <a:ea typeface="+mn-ea"/>
+              </a:rPr>
+              <a:t>new Array(“5”)</a:t>
+            </a:r>
+            <a:r>
+              <a:rPr lang="zh-CN" altLang="en-US" sz="2200">
+                <a:solidFill>
+                  <a:srgbClr val="FF0000"/>
+                </a:solidFill>
+                <a:latin typeface="+mn-ea"/>
+                <a:ea typeface="+mn-ea"/>
+              </a:rPr>
+              <a:t>返回什么</a:t>
+            </a:r>
+            <a:endParaRPr lang="zh-CN" altLang="en-US" sz="2200">
+              <a:solidFill>
+                <a:srgbClr val="FF0000"/>
+              </a:solidFill>
+              <a:latin typeface="+mn-ea"/>
+              <a:ea typeface="+mn-ea"/>
+            </a:endParaRPr>
+          </a:p>
+        </p:txBody>
+      </p:sp>
+    </p:spTree>
+  </p:cSld>
+  <p:clrMapOvr>
+    <a:masterClrMapping/>
+  </p:clrMapOvr>
+  <p:timing>
+    <p:tnLst>
+      <p:par>
+        <p:cTn id="1" dur="indefinite" restart="never" nodeType="tmRoot">
+          <p:childTnLst>
+            <p:seq concurrent="1" nextAc="seek">
+              <p:cTn id="2" dur="indefinite" nodeType="mainSeq">
+                <p:childTnLst>
+                  <p:par>
+                    <p:cTn id="3" fill="hold">
+                      <p:stCondLst>
+                        <p:cond delay="indefinite"/>
+                        <p:cond evt="onBegin" delay="0">
+                          <p:tn val="2"/>
+                        </p:cond>
+                      </p:stCondLst>
+                      <p:childTnLst>
+                        <p:par>
+                          <p:cTn id="4" fill="hold">
+                            <p:stCondLst>
+                              <p:cond delay="0"/>
+                            </p:stCondLst>
+                            <p:childTnLst>
+                              <p:par>
+                                <p:cTn id="5" presetID="2" presetClass="entr" presetSubtype="4" fill="hold" grpId="0" nodeType="afterEffect">
+                                  <p:stCondLst>
+                                    <p:cond delay="0"/>
+                                  </p:stCondLst>
+                                  <p:childTnLst>
+                                    <p:set>
+                                      <p:cBhvr>
+                                        <p:cTn id="6" dur="1" fill="hold">
+                                          <p:stCondLst>
+                                            <p:cond delay="0"/>
+                                          </p:stCondLst>
+                                        </p:cTn>
+                                        <p:tgtEl>
+                                          <p:spTgt spid="6"/>
+                                        </p:tgtEl>
+                                        <p:attrNameLst>
+                                          <p:attrName>style.visibility</p:attrName>
+                                        </p:attrNameLst>
+                                      </p:cBhvr>
+                                      <p:to>
+                                        <p:strVal val="visible"/>
+                                      </p:to>
+                                    </p:set>
+                                    <p:anim calcmode="lin" valueType="num">
+                                      <p:cBhvr additive="base">
+                                        <p:cTn id="7" dur="500" fill="hold"/>
+                                        <p:tgtEl>
+                                          <p:spTgt spid="6"/>
+                                        </p:tgtEl>
+                                        <p:attrNameLst>
+                                          <p:attrName>ppt_x</p:attrName>
+                                        </p:attrNameLst>
+                                      </p:cBhvr>
+                                      <p:tavLst>
+                                        <p:tav tm="0">
+                                          <p:val>
+                                            <p:strVal val="#ppt_x"/>
+                                          </p:val>
+                                        </p:tav>
+                                        <p:tav tm="100000">
+                                          <p:val>
+                                            <p:strVal val="#ppt_x"/>
+                                          </p:val>
+                                        </p:tav>
+                                      </p:tavLst>
+                                    </p:anim>
+                                    <p:anim calcmode="lin" valueType="num">
+                                      <p:cBhvr additive="base">
+                                        <p:cTn id="8" dur="500" fill="hold"/>
+                                        <p:tgtEl>
+                                          <p:spTgt spid="6"/>
+                                        </p:tgtEl>
+                                        <p:attrNameLst>
+                                          <p:attrName>ppt_y</p:attrName>
+                                        </p:attrNameLst>
+                                      </p:cBhvr>
+                                      <p:tavLst>
+                                        <p:tav tm="0">
+                                          <p:val>
+                                            <p:strVal val="1+#ppt_h/2"/>
+                                          </p:val>
+                                        </p:tav>
+                                        <p:tav tm="100000">
+                                          <p:val>
+                                            <p:strVal val="#ppt_y"/>
+                                          </p:val>
+                                        </p:tav>
+                                      </p:tavLst>
+                                    </p:anim>
+                                  </p:childTnLst>
+                                </p:cTn>
+                              </p:par>
+                            </p:childTnLst>
+                          </p:cTn>
+                        </p:par>
+                        <p:par>
+                          <p:cTn id="9" fill="hold">
+                            <p:stCondLst>
+                              <p:cond delay="500"/>
+                            </p:stCondLst>
+                            <p:childTnLst>
+                              <p:par>
+                                <p:cTn id="10" presetID="2" presetClass="entr" presetSubtype="4" fill="hold" grpId="0" nodeType="afterEffect">
+                                  <p:stCondLst>
+                                    <p:cond delay="0"/>
+                                  </p:stCondLst>
+                                  <p:childTnLst>
+                                    <p:set>
+                                      <p:cBhvr>
+                                        <p:cTn id="11" dur="1" fill="hold">
+                                          <p:stCondLst>
+                                            <p:cond delay="0"/>
+                                          </p:stCondLst>
+                                        </p:cTn>
+                                        <p:tgtEl>
+                                          <p:spTgt spid="7"/>
+                                        </p:tgtEl>
+                                        <p:attrNameLst>
+                                          <p:attrName>style.visibility</p:attrName>
+                                        </p:attrNameLst>
+                                      </p:cBhvr>
+                                      <p:to>
+                                        <p:strVal val="visible"/>
+                                      </p:to>
+                                    </p:set>
+                                    <p:anim calcmode="lin" valueType="num">
+                                      <p:cBhvr additive="base">
+                                        <p:cTn id="12" dur="500" fill="hold"/>
+                                        <p:tgtEl>
+                                          <p:spTgt spid="7"/>
+                                        </p:tgtEl>
+                                        <p:attrNameLst>
+                                          <p:attrName>ppt_x</p:attrName>
+                                        </p:attrNameLst>
+                                      </p:cBhvr>
+                                      <p:tavLst>
+                                        <p:tav tm="0">
+                                          <p:val>
+                                            <p:strVal val="#ppt_x"/>
+                                          </p:val>
+                                        </p:tav>
+                                        <p:tav tm="100000">
+                                          <p:val>
+                                            <p:strVal val="#ppt_x"/>
+                                          </p:val>
+                                        </p:tav>
+                                      </p:tavLst>
+                                    </p:anim>
+                                    <p:anim calcmode="lin" valueType="num">
+                                      <p:cBhvr additive="base">
+                                        <p:cTn id="13" dur="500" fill="hold"/>
+                                        <p:tgtEl>
+                                          <p:spTgt spid="7"/>
+                                        </p:tgtEl>
+                                        <p:attrNameLst>
+                                          <p:attrName>ppt_y</p:attrName>
+                                        </p:attrNameLst>
+                                      </p:cBhvr>
+                                      <p:tavLst>
+                                        <p:tav tm="0">
+                                          <p:val>
+                                            <p:strVal val="1+#ppt_h/2"/>
+                                          </p:val>
+                                        </p:tav>
+                                        <p:tav tm="100000">
+                                          <p:val>
+                                            <p:strVal val="#ppt_y"/>
+                                          </p:val>
+                                        </p:tav>
+                                      </p:tavLst>
+                                    </p:anim>
+                                  </p:childTnLst>
+                                </p:cTn>
+                              </p:par>
+                            </p:childTnLst>
+                          </p:cTn>
+                        </p:par>
+                      </p:childTnLst>
+                    </p:cTn>
+                  </p:par>
+                </p:childTnLst>
+              </p:cTn>
+              <p:prevCondLst>
+                <p:cond evt="onPrev" delay="0">
+                  <p:tgtEl>
+                    <p:sldTgt/>
+                  </p:tgtEl>
+                </p:cond>
+              </p:prevCondLst>
+              <p:nextCondLst>
+                <p:cond evt="onNext" delay="0">
+                  <p:tgtEl>
+                    <p:sldTgt/>
+                  </p:tgtEl>
+                </p:cond>
+              </p:nextCondLst>
+            </p:seq>
+          </p:childTnLst>
+        </p:cTn>
+      </p:par>
+    </p:tnLst>
+    <p:bldLst>
+      <p:bldP spid="6" grpId="0"/>
+      <p:bldP spid="7" grpId="0"/>
+    </p:bldLst>
+  </p:timing>
+</p:sld>
+</file>
+
+<file path=ppt/slides/slide6.xml><?xml version="1.0" encoding="utf-8"?>
+<p:sld xmlns:a="http://schemas.openxmlformats.org/drawingml/2006/main" xmlns:r="http://schemas.openxmlformats.org/officeDocument/2006/relationships" xmlns:p="http://schemas.openxmlformats.org/presentationml/2006/main">
+  <p:cSld>
+    <p:spTree>
+      <p:nvGrpSpPr>
+        <p:cNvPr id="1" name=""/>
+        <p:cNvGrpSpPr/>
+        <p:nvPr/>
+      </p:nvGrpSpPr>
+      <p:grpSpPr>
+        <a:xfrm>
+          <a:off x="0" y="0"/>
+          <a:ext cx="0" cy="0"/>
+          <a:chOff x="0" y="0"/>
+          <a:chExt cx="0" cy="0"/>
+        </a:xfrm>
+      </p:grpSpPr>
+      <p:sp>
+        <p:nvSpPr>
+          <p:cNvPr id="2" name="内容占位符 1"/>
+          <p:cNvSpPr>
+            <a:spLocks noGrp="1"/>
+          </p:cNvSpPr>
+          <p:nvPr>
+            <p:ph sz="quarter" idx="10"/>
+          </p:nvPr>
+        </p:nvSpPr>
+        <p:spPr>
+          <a:xfrm>
+            <a:off x="927735" y="783590"/>
+            <a:ext cx="9776460" cy="4918710"/>
+          </a:xfrm>
+        </p:spPr>
+        <p:txBody>
+          <a:bodyPr/>
+          <a:lstStyle/>
+          <a:p>
+            <a:pPr>
+              <a:lnSpc>
+                <a:spcPct val="160000"/>
+              </a:lnSpc>
+            </a:pPr>
+            <a:r>
+              <a:rPr lang="zh-CN" altLang="en-US" sz="3200" dirty="0">
+                <a:solidFill>
+                  <a:schemeClr val="tx1"/>
+                </a:solidFill>
+                <a:sym typeface="+mn-ea"/>
+              </a:rPr>
+              <a:t>数组元素的增删改查</a:t>
+            </a:r>
+            <a:br>
+              <a:rPr lang="en-US" altLang="zh-CN" sz="1800" dirty="0">
+                <a:solidFill>
+                  <a:schemeClr val="tx1"/>
+                </a:solidFill>
+                <a:sym typeface="+mn-ea"/>
+              </a:rPr>
+            </a:br>
+            <a:endParaRPr lang="zh-CN" altLang="en-US" sz="1800" dirty="0">
+              <a:solidFill>
+                <a:schemeClr val="accent3"/>
+              </a:solidFill>
+              <a:sym typeface="+mn-ea"/>
+            </a:endParaRPr>
+          </a:p>
+          <a:p>
+            <a:pPr marL="0" indent="0">
+              <a:lnSpc>
+                <a:spcPct val="160000"/>
+              </a:lnSpc>
+              <a:buNone/>
+            </a:pPr>
+            <a:endParaRPr lang="en-US" altLang="zh-CN" sz="1800" dirty="0">
+              <a:solidFill>
+                <a:schemeClr val="tx1"/>
+              </a:solidFill>
+              <a:sym typeface="+mn-ea"/>
+            </a:endParaRPr>
+          </a:p>
+        </p:txBody>
+      </p:sp>
+      <p:sp>
+        <p:nvSpPr>
+          <p:cNvPr id="3" name="内容占位符 2"/>
+          <p:cNvSpPr>
+            <a:spLocks noGrp="1"/>
+          </p:cNvSpPr>
+          <p:nvPr>
+            <p:ph sz="quarter" idx="11"/>
+          </p:nvPr>
+        </p:nvSpPr>
+        <p:spPr/>
+        <p:txBody>
+          <a:bodyPr/>
+          <a:lstStyle/>
+          <a:p>
+            <a:r>
+              <a:rPr lang="zh-CN" altLang="en-US" dirty="0"/>
+              <a:t>数组的创建和基本操作</a:t>
+            </a:r>
+            <a:endParaRPr lang="zh-CN" altLang="en-US" dirty="0"/>
+          </a:p>
+        </p:txBody>
+      </p:sp>
+      <p:sp>
+        <p:nvSpPr>
+          <p:cNvPr id="6" name="文本框 5"/>
+          <p:cNvSpPr txBox="1"/>
+          <p:nvPr/>
+        </p:nvSpPr>
+        <p:spPr>
+          <a:xfrm>
+            <a:off x="6229350" y="6036945"/>
+            <a:ext cx="5420360" cy="429895"/>
+          </a:xfrm>
+          <a:prstGeom prst="rect">
+            <a:avLst/>
+          </a:prstGeom>
+          <a:noFill/>
+        </p:spPr>
+        <p:txBody>
+          <a:bodyPr wrap="square" rtlCol="0">
+            <a:spAutoFit/>
+          </a:bodyPr>
+          <a:p>
+            <a:pPr algn="l"/>
+            <a:r>
+              <a:rPr lang="zh-CN" altLang="en-US" sz="2200">
+                <a:solidFill>
+                  <a:srgbClr val="FF0000"/>
+                </a:solidFill>
+                <a:latin typeface="+mn-ea"/>
+                <a:ea typeface="+mn-ea"/>
+              </a:rPr>
+              <a:t>参见实例</a:t>
+            </a:r>
+            <a:r>
+              <a:rPr lang="en-US" altLang="zh-CN" sz="2200">
+                <a:solidFill>
+                  <a:srgbClr val="FF0000"/>
+                </a:solidFill>
+                <a:latin typeface="+mn-ea"/>
+                <a:ea typeface="+mn-ea"/>
+              </a:rPr>
+              <a:t>demo2</a:t>
+            </a:r>
+            <a:endParaRPr lang="zh-CN" altLang="en-US" sz="2200">
+              <a:solidFill>
+                <a:srgbClr val="FF0000"/>
+              </a:solidFill>
+              <a:latin typeface="+mn-ea"/>
+              <a:ea typeface="+mn-ea"/>
+            </a:endParaRPr>
+          </a:p>
+        </p:txBody>
+      </p:sp>
+      <p:pic>
+        <p:nvPicPr>
+          <p:cNvPr id="4" name="图片 3"/>
+          <p:cNvPicPr>
+            <a:picLocks noChangeAspect="1"/>
+          </p:cNvPicPr>
+          <p:nvPr/>
+        </p:nvPicPr>
+        <p:blipFill>
+          <a:blip r:embed="rId1"/>
+          <a:stretch>
+            <a:fillRect/>
+          </a:stretch>
+        </p:blipFill>
+        <p:spPr>
+          <a:xfrm>
+            <a:off x="1137285" y="1773555"/>
+            <a:ext cx="5732780" cy="3272155"/>
+          </a:xfrm>
+          <a:prstGeom prst="rect">
+            <a:avLst/>
+          </a:prstGeom>
+        </p:spPr>
+      </p:pic>
+    </p:spTree>
+  </p:cSld>
+  <p:clrMapOvr>
+    <a:masterClrMapping/>
+  </p:clrMapOvr>
+  <p:timing>
+    <p:tnLst>
+      <p:par>
+        <p:cTn id="1" dur="indefinite" restart="never" nodeType="tmRoot">
+          <p:childTnLst>
+            <p:seq concurrent="1" nextAc="seek">
+              <p:cTn id="2" dur="indefinite" nodeType="mainSeq">
+                <p:childTnLst>
+                  <p:par>
+                    <p:cTn id="3" fill="hold">
+                      <p:stCondLst>
+                        <p:cond delay="indefinite"/>
+                        <p:cond evt="onBegin" delay="0">
+                          <p:tn val="2"/>
+                        </p:cond>
+                      </p:stCondLst>
+                      <p:childTnLst>
+                        <p:par>
+                          <p:cTn id="4" fill="hold">
+                            <p:stCondLst>
+                              <p:cond delay="0"/>
+                            </p:stCondLst>
+                            <p:childTnLst>
+                              <p:par>
+                                <p:cTn id="5" presetID="2" presetClass="entr" presetSubtype="4" fill="hold" grpId="0" nodeType="afterEffect">
+                                  <p:stCondLst>
+                                    <p:cond delay="0"/>
+                                  </p:stCondLst>
+                                  <p:childTnLst>
+                                    <p:set>
+                                      <p:cBhvr>
+                                        <p:cTn id="6" dur="1" fill="hold">
+                                          <p:stCondLst>
+                                            <p:cond delay="0"/>
+                                          </p:stCondLst>
+                                        </p:cTn>
+                                        <p:tgtEl>
+                                          <p:spTgt spid="6"/>
+                                        </p:tgtEl>
+                                        <p:attrNameLst>
+                                          <p:attrName>style.visibility</p:attrName>
+                                        </p:attrNameLst>
+                                      </p:cBhvr>
+                                      <p:to>
+                                        <p:strVal val="visible"/>
+                                      </p:to>
+                                    </p:set>
+                                    <p:anim calcmode="lin" valueType="num">
+                                      <p:cBhvr additive="base">
+                                        <p:cTn id="7" dur="500" fill="hold"/>
+                                        <p:tgtEl>
+                                          <p:spTgt spid="6"/>
+                                        </p:tgtEl>
+                                        <p:attrNameLst>
+                                          <p:attrName>ppt_x</p:attrName>
+                                        </p:attrNameLst>
+                                      </p:cBhvr>
+                                      <p:tavLst>
+                                        <p:tav tm="0">
+                                          <p:val>
+                                            <p:strVal val="#ppt_x"/>
+                                          </p:val>
+                                        </p:tav>
+                                        <p:tav tm="100000">
+                                          <p:val>
+                                            <p:strVal val="#ppt_x"/>
+                                          </p:val>
+                                        </p:tav>
+                                      </p:tavLst>
+                                    </p:anim>
+                                    <p:anim calcmode="lin" valueType="num">
+                                      <p:cBhvr additive="base">
+                                        <p:cTn id="8" dur="500" fill="hold"/>
+                                        <p:tgtEl>
+                                          <p:spTgt spid="6"/>
+                                        </p:tgtEl>
+                                        <p:attrNameLst>
+                                          <p:attrName>ppt_y</p:attrName>
+                                        </p:attrNameLst>
+                                      </p:cBhvr>
+                                      <p:tavLst>
+                                        <p:tav tm="0">
+                                          <p:val>
+                                            <p:strVal val="1+#ppt_h/2"/>
+                                          </p:val>
+                                        </p:tav>
+                                        <p:tav tm="100000">
+                                          <p:val>
+                                            <p:strVal val="#ppt_y"/>
+                                          </p:val>
+                                        </p:tav>
+                                      </p:tavLst>
+                                    </p:anim>
+                                  </p:childTnLst>
+                                </p:cTn>
+                              </p:par>
+                            </p:childTnLst>
+                          </p:cTn>
+                        </p:par>
+                      </p:childTnLst>
+                    </p:cTn>
+                  </p:par>
+                </p:childTnLst>
+              </p:cTn>
+              <p:prevCondLst>
+                <p:cond evt="onPrev" delay="0">
+                  <p:tgtEl>
+                    <p:sldTgt/>
+                  </p:tgtEl>
+                </p:cond>
+              </p:prevCondLst>
+              <p:nextCondLst>
+                <p:cond evt="onNext" delay="0">
+                  <p:tgtEl>
+                    <p:sldTgt/>
+                  </p:tgtEl>
+                </p:cond>
+              </p:nextCondLst>
+            </p:seq>
+          </p:childTnLst>
+        </p:cTn>
+      </p:par>
+    </p:tnLst>
+    <p:bldLst>
+      <p:bldP spid="6" grpId="0"/>
+    </p:bldLst>
+  </p:timing>
+</p:sld>
+</file>
+
+<file path=ppt/slides/slide7.xml><?xml version="1.0" encoding="utf-8"?>
+<p:sld xmlns:a="http://schemas.openxmlformats.org/drawingml/2006/main" xmlns:r="http://schemas.openxmlformats.org/officeDocument/2006/relationships" xmlns:p="http://schemas.openxmlformats.org/presentationml/2006/main">
+  <p:cSld>
+    <p:spTree>
+      <p:nvGrpSpPr>
+        <p:cNvPr id="1" name=""/>
+        <p:cNvGrpSpPr/>
+        <p:nvPr/>
+      </p:nvGrpSpPr>
+      <p:grpSpPr>
+        <a:xfrm>
+          <a:off x="0" y="0"/>
+          <a:ext cx="0" cy="0"/>
+          <a:chOff x="0" y="0"/>
+          <a:chExt cx="0" cy="0"/>
+        </a:xfrm>
+      </p:grpSpPr>
+      <p:sp>
+        <p:nvSpPr>
+          <p:cNvPr id="2" name="内容占位符 1"/>
+          <p:cNvSpPr>
+            <a:spLocks noGrp="1"/>
+          </p:cNvSpPr>
+          <p:nvPr>
+            <p:ph sz="quarter" idx="10"/>
+          </p:nvPr>
+        </p:nvSpPr>
+        <p:spPr>
+          <a:xfrm>
+            <a:off x="927735" y="783590"/>
+            <a:ext cx="9776460" cy="4918710"/>
+          </a:xfrm>
+        </p:spPr>
+        <p:txBody>
+          <a:bodyPr/>
+          <a:lstStyle/>
+          <a:p>
+            <a:pPr>
+              <a:lnSpc>
+                <a:spcPct val="160000"/>
+              </a:lnSpc>
+            </a:pPr>
+            <a:r>
+              <a:rPr lang="zh-CN" altLang="en-US" sz="3200" dirty="0">
+                <a:solidFill>
+                  <a:schemeClr val="tx1"/>
+                </a:solidFill>
+                <a:sym typeface="+mn-ea"/>
+              </a:rPr>
+              <a:t>数组相对于普通对象的特别之处</a:t>
+            </a:r>
+            <a:br>
+              <a:rPr lang="zh-CN" altLang="en-US" sz="3200" dirty="0">
+                <a:solidFill>
+                  <a:schemeClr val="tx1"/>
+                </a:solidFill>
+                <a:sym typeface="+mn-ea"/>
+              </a:rPr>
+            </a:br>
+            <a:r>
+              <a:rPr lang="en-US" altLang="zh-CN" sz="1800" dirty="0">
+                <a:solidFill>
+                  <a:schemeClr val="tx1"/>
+                </a:solidFill>
+                <a:sym typeface="+mn-ea"/>
+              </a:rPr>
+              <a:t>- </a:t>
+            </a:r>
+            <a:r>
+              <a:rPr lang="zh-CN" altLang="en-US" sz="1800" dirty="0">
+                <a:solidFill>
+                  <a:schemeClr val="tx1"/>
+                </a:solidFill>
+                <a:sym typeface="+mn-ea"/>
+              </a:rPr>
+              <a:t>数组是对象的特殊形式，可以为数组添加对象属性，对于</a:t>
+            </a:r>
+            <a:r>
+              <a:rPr lang="en-US" altLang="zh-CN" sz="1800" dirty="0">
+                <a:solidFill>
+                  <a:schemeClr val="tx1"/>
+                </a:solidFill>
+                <a:sym typeface="+mn-ea"/>
+              </a:rPr>
+              <a:t>2-2</a:t>
+            </a:r>
+            <a:r>
+              <a:rPr lang="zh-CN" altLang="en-US" sz="1800" dirty="0">
+                <a:solidFill>
+                  <a:schemeClr val="tx1"/>
+                </a:solidFill>
+                <a:sym typeface="+mn-ea"/>
+              </a:rPr>
+              <a:t>的</a:t>
+            </a:r>
+            <a:r>
+              <a:rPr lang="en-US" altLang="zh-CN" sz="1800" dirty="0">
+                <a:solidFill>
+                  <a:schemeClr val="tx1"/>
+                </a:solidFill>
+                <a:sym typeface="+mn-ea"/>
+              </a:rPr>
+              <a:t>32</a:t>
+            </a:r>
+            <a:r>
+              <a:rPr lang="zh-CN" altLang="en-US" sz="1800" dirty="0">
+                <a:solidFill>
+                  <a:schemeClr val="tx1"/>
+                </a:solidFill>
+                <a:sym typeface="+mn-ea"/>
+              </a:rPr>
+              <a:t>次方之外的数，将作为普</a:t>
+            </a:r>
+            <a:br>
+              <a:rPr lang="zh-CN" altLang="en-US" sz="1800" dirty="0">
+                <a:solidFill>
+                  <a:schemeClr val="tx1"/>
+                </a:solidFill>
+                <a:sym typeface="+mn-ea"/>
+              </a:rPr>
+            </a:br>
+            <a:r>
+              <a:rPr lang="zh-CN" altLang="en-US" sz="1800" dirty="0">
+                <a:solidFill>
+                  <a:schemeClr val="tx1"/>
+                </a:solidFill>
+                <a:sym typeface="+mn-ea"/>
+              </a:rPr>
+              <a:t>  通对象的键来对待</a:t>
+            </a:r>
+            <a:br>
+              <a:rPr lang="zh-CN" altLang="en-US" sz="1800" dirty="0">
+                <a:solidFill>
+                  <a:schemeClr val="tx1"/>
+                </a:solidFill>
+                <a:sym typeface="+mn-ea"/>
+              </a:rPr>
+            </a:br>
+            <a:r>
+              <a:rPr lang="en-US" altLang="zh-CN" sz="1800" dirty="0">
+                <a:solidFill>
+                  <a:schemeClr val="tx1"/>
+                </a:solidFill>
+                <a:sym typeface="+mn-ea"/>
+              </a:rPr>
+              <a:t>- </a:t>
+            </a:r>
+            <a:r>
+              <a:rPr lang="zh-CN" altLang="en-US" sz="1800" dirty="0">
+                <a:solidFill>
+                  <a:schemeClr val="tx1"/>
+                </a:solidFill>
+                <a:sym typeface="+mn-ea"/>
+              </a:rPr>
+              <a:t>数组特别之处在于，当使用使用</a:t>
+            </a:r>
+            <a:r>
+              <a:rPr lang="en-US" altLang="zh-CN" sz="1800" dirty="0">
+                <a:solidFill>
+                  <a:schemeClr val="tx1"/>
+                </a:solidFill>
+                <a:sym typeface="+mn-ea"/>
+              </a:rPr>
+              <a:t>2</a:t>
+            </a:r>
+            <a:r>
+              <a:rPr lang="zh-CN" altLang="en-US" sz="1800" dirty="0">
+                <a:solidFill>
+                  <a:schemeClr val="tx1"/>
+                </a:solidFill>
+                <a:sym typeface="+mn-ea"/>
+              </a:rPr>
+              <a:t>的</a:t>
+            </a:r>
+            <a:r>
+              <a:rPr lang="en-US" altLang="zh-CN" sz="1800" dirty="0">
+                <a:solidFill>
+                  <a:schemeClr val="tx1"/>
+                </a:solidFill>
+                <a:sym typeface="+mn-ea"/>
+              </a:rPr>
+              <a:t>32</a:t>
+            </a:r>
+            <a:r>
+              <a:rPr lang="zh-CN" altLang="en-US" sz="1800" dirty="0">
+                <a:solidFill>
+                  <a:schemeClr val="tx1"/>
+                </a:solidFill>
+                <a:sym typeface="+mn-ea"/>
+              </a:rPr>
+              <a:t>次方以内的非负整数作为属性名时，数组会自动维护</a:t>
+            </a:r>
+            <a:br>
+              <a:rPr lang="zh-CN" altLang="en-US" sz="1800" dirty="0">
+                <a:solidFill>
+                  <a:schemeClr val="tx1"/>
+                </a:solidFill>
+                <a:sym typeface="+mn-ea"/>
+              </a:rPr>
+            </a:br>
+            <a:r>
+              <a:rPr lang="zh-CN" altLang="en-US" sz="1800" dirty="0">
+                <a:solidFill>
+                  <a:schemeClr val="tx1"/>
+                </a:solidFill>
+                <a:sym typeface="+mn-ea"/>
+              </a:rPr>
+              <a:t>  其</a:t>
+            </a:r>
+            <a:r>
+              <a:rPr lang="en-US" altLang="zh-CN" sz="1800" dirty="0">
+                <a:solidFill>
+                  <a:schemeClr val="tx1"/>
+                </a:solidFill>
+                <a:sym typeface="+mn-ea"/>
+              </a:rPr>
+              <a:t>length</a:t>
+            </a:r>
+            <a:r>
+              <a:rPr lang="zh-CN" altLang="en-US" sz="1800" dirty="0">
+                <a:solidFill>
+                  <a:schemeClr val="tx1"/>
+                </a:solidFill>
+                <a:sym typeface="+mn-ea"/>
+              </a:rPr>
+              <a:t>属性</a:t>
+            </a:r>
+            <a:br>
+              <a:rPr lang="en-US" altLang="zh-CN" sz="1800" dirty="0">
+                <a:solidFill>
+                  <a:schemeClr val="tx1"/>
+                </a:solidFill>
+                <a:sym typeface="+mn-ea"/>
+              </a:rPr>
+            </a:br>
+            <a:endParaRPr lang="zh-CN" altLang="en-US" sz="1800" dirty="0">
+              <a:solidFill>
+                <a:schemeClr val="accent3"/>
+              </a:solidFill>
+              <a:sym typeface="+mn-ea"/>
+            </a:endParaRPr>
+          </a:p>
+          <a:p>
+            <a:pPr marL="0" indent="0">
+              <a:lnSpc>
+                <a:spcPct val="160000"/>
+              </a:lnSpc>
+              <a:buNone/>
+            </a:pPr>
+            <a:endParaRPr lang="en-US" altLang="zh-CN" sz="1800" dirty="0">
+              <a:solidFill>
+                <a:schemeClr val="tx1"/>
+              </a:solidFill>
+              <a:sym typeface="+mn-ea"/>
+            </a:endParaRPr>
+          </a:p>
+        </p:txBody>
+      </p:sp>
+      <p:sp>
+        <p:nvSpPr>
+          <p:cNvPr id="3" name="内容占位符 2"/>
+          <p:cNvSpPr>
+            <a:spLocks noGrp="1"/>
+          </p:cNvSpPr>
+          <p:nvPr>
+            <p:ph sz="quarter" idx="11"/>
+          </p:nvPr>
+        </p:nvSpPr>
+        <p:spPr/>
+        <p:txBody>
+          <a:bodyPr/>
+          <a:lstStyle/>
+          <a:p>
+            <a:r>
+              <a:rPr lang="zh-CN" altLang="en-US" dirty="0"/>
+              <a:t>数组的创建和基本操作</a:t>
+            </a:r>
+            <a:endParaRPr lang="zh-CN" altLang="en-US" dirty="0"/>
+          </a:p>
+        </p:txBody>
+      </p:sp>
+      <p:sp>
+        <p:nvSpPr>
+          <p:cNvPr id="6" name="文本框 5"/>
+          <p:cNvSpPr txBox="1"/>
+          <p:nvPr/>
+        </p:nvSpPr>
+        <p:spPr>
+          <a:xfrm>
+            <a:off x="5368290" y="6108700"/>
+            <a:ext cx="5420360" cy="429895"/>
+          </a:xfrm>
+          <a:prstGeom prst="rect">
+            <a:avLst/>
+          </a:prstGeom>
+          <a:noFill/>
+        </p:spPr>
+        <p:txBody>
+          <a:bodyPr wrap="square" rtlCol="0">
+            <a:spAutoFit/>
+          </a:bodyPr>
+          <a:p>
+            <a:pPr algn="l"/>
+            <a:r>
+              <a:rPr lang="zh-CN" altLang="en-US" sz="2200">
+                <a:solidFill>
+                  <a:srgbClr val="FF0000"/>
+                </a:solidFill>
+                <a:latin typeface="+mn-ea"/>
+                <a:ea typeface="+mn-ea"/>
+              </a:rPr>
+              <a:t>参见实例</a:t>
+            </a:r>
+            <a:r>
+              <a:rPr lang="en-US" altLang="zh-CN" sz="2200">
+                <a:solidFill>
+                  <a:srgbClr val="FF0000"/>
+                </a:solidFill>
+                <a:latin typeface="+mn-ea"/>
+                <a:ea typeface="+mn-ea"/>
+              </a:rPr>
+              <a:t>demo2</a:t>
+            </a:r>
+            <a:endParaRPr lang="zh-CN" altLang="en-US" sz="2200">
+              <a:solidFill>
+                <a:srgbClr val="FF0000"/>
+              </a:solidFill>
+              <a:latin typeface="+mn-ea"/>
+              <a:ea typeface="+mn-ea"/>
+            </a:endParaRPr>
+          </a:p>
+        </p:txBody>
+      </p:sp>
+      <p:pic>
+        <p:nvPicPr>
+          <p:cNvPr id="5" name="图片 4"/>
+          <p:cNvPicPr>
+            <a:picLocks noChangeAspect="1"/>
+          </p:cNvPicPr>
+          <p:nvPr/>
+        </p:nvPicPr>
+        <p:blipFill>
+          <a:blip r:embed="rId1"/>
+          <a:stretch>
+            <a:fillRect/>
+          </a:stretch>
+        </p:blipFill>
+        <p:spPr>
+          <a:xfrm>
+            <a:off x="1236345" y="3378835"/>
+            <a:ext cx="8552180" cy="2610485"/>
+          </a:xfrm>
+          <a:prstGeom prst="rect">
+            <a:avLst/>
+          </a:prstGeom>
+        </p:spPr>
+      </p:pic>
+    </p:spTree>
+  </p:cSld>
+  <p:clrMapOvr>
+    <a:masterClrMapping/>
+  </p:clrMapOvr>
+  <p:timing>
+    <p:tnLst>
+      <p:par>
+        <p:cTn id="1" dur="indefinite" restart="never" nodeType="tmRoot">
+          <p:childTnLst>
+            <p:seq concurrent="1" nextAc="seek">
+              <p:cTn id="2" dur="indefinite" nodeType="mainSeq">
+                <p:childTnLst>
+                  <p:par>
+                    <p:cTn id="3" fill="hold">
+                      <p:stCondLst>
+                        <p:cond delay="indefinite"/>
+                        <p:cond evt="onBegin" delay="0">
+                          <p:tn val="2"/>
+                        </p:cond>
+                      </p:stCondLst>
+                      <p:childTnLst>
+                        <p:par>
+                          <p:cTn id="4" fill="hold">
+                            <p:stCondLst>
+                              <p:cond delay="0"/>
+                            </p:stCondLst>
+                            <p:childTnLst>
+                              <p:par>
+                                <p:cTn id="5" presetID="2" presetClass="entr" presetSubtype="4" fill="hold" grpId="0" nodeType="afterEffect">
+                                  <p:stCondLst>
+                                    <p:cond delay="0"/>
+                                  </p:stCondLst>
+                                  <p:childTnLst>
+                                    <p:set>
+                                      <p:cBhvr>
+                                        <p:cTn id="6" dur="1" fill="hold">
+                                          <p:stCondLst>
+                                            <p:cond delay="0"/>
+                                          </p:stCondLst>
+                                        </p:cTn>
+                                        <p:tgtEl>
+                                          <p:spTgt spid="6"/>
+                                        </p:tgtEl>
+                                        <p:attrNameLst>
+                                          <p:attrName>style.visibility</p:attrName>
+                                        </p:attrNameLst>
+                                      </p:cBhvr>
+                                      <p:to>
+                                        <p:strVal val="visible"/>
+                                      </p:to>
+                                    </p:set>
+                                    <p:anim calcmode="lin" valueType="num">
+                                      <p:cBhvr additive="base">
+                                        <p:cTn id="7" dur="500" fill="hold"/>
+                                        <p:tgtEl>
+                                          <p:spTgt spid="6"/>
+                                        </p:tgtEl>
+                                        <p:attrNameLst>
+                                          <p:attrName>ppt_x</p:attrName>
+                                        </p:attrNameLst>
+                                      </p:cBhvr>
+                                      <p:tavLst>
+                                        <p:tav tm="0">
+                                          <p:val>
+                                            <p:strVal val="#ppt_x"/>
+                                          </p:val>
+                                        </p:tav>
+                                        <p:tav tm="100000">
+                                          <p:val>
+                                            <p:strVal val="#ppt_x"/>
+                                          </p:val>
+                                        </p:tav>
+                                      </p:tavLst>
+                                    </p:anim>
+                                    <p:anim calcmode="lin" valueType="num">
+                                      <p:cBhvr additive="base">
+                                        <p:cTn id="8" dur="500" fill="hold"/>
+                                        <p:tgtEl>
+                                          <p:spTgt spid="6"/>
+                                        </p:tgtEl>
+                                        <p:attrNameLst>
+                                          <p:attrName>ppt_y</p:attrName>
+                                        </p:attrNameLst>
+                                      </p:cBhvr>
+                                      <p:tavLst>
+                                        <p:tav tm="0">
+                                          <p:val>
+                                            <p:strVal val="1+#ppt_h/2"/>
+                                          </p:val>
+                                        </p:tav>
+                                        <p:tav tm="100000">
+                                          <p:val>
+                                            <p:strVal val="#ppt_y"/>
+                                          </p:val>
+                                        </p:tav>
+                                      </p:tavLst>
+                                    </p:anim>
+                                  </p:childTnLst>
+                                </p:cTn>
+                              </p:par>
+                            </p:childTnLst>
+                          </p:cTn>
+                        </p:par>
+                      </p:childTnLst>
+                    </p:cTn>
+                  </p:par>
+                </p:childTnLst>
+              </p:cTn>
+              <p:prevCondLst>
+                <p:cond evt="onPrev" delay="0">
+                  <p:tgtEl>
+                    <p:sldTgt/>
+                  </p:tgtEl>
+                </p:cond>
+              </p:prevCondLst>
+              <p:nextCondLst>
+                <p:cond evt="onNext" delay="0">
+                  <p:tgtEl>
+                    <p:sldTgt/>
+                  </p:tgtEl>
+                </p:cond>
+              </p:nextCondLst>
+            </p:seq>
+          </p:childTnLst>
+        </p:cTn>
+      </p:par>
+    </p:tnLst>
+    <p:bldLst>
+      <p:bldP spid="6" grpId="0"/>
+    </p:bldLst>
+  </p:timing>
+</p:sld>
+</file>
+
+<file path=ppt/slides/slide8.xml><?xml version="1.0" encoding="utf-8"?>
+<p:sld xmlns:a="http://schemas.openxmlformats.org/drawingml/2006/main" xmlns:r="http://schemas.openxmlformats.org/officeDocument/2006/relationships" xmlns:p="http://schemas.openxmlformats.org/presentationml/2006/main">
+  <p:cSld>
+    <p:spTree>
+      <p:nvGrpSpPr>
+        <p:cNvPr id="1" name=""/>
+        <p:cNvGrpSpPr/>
+        <p:nvPr/>
+      </p:nvGrpSpPr>
+      <p:grpSpPr>
+        <a:xfrm>
+          <a:off x="0" y="0"/>
+          <a:ext cx="0" cy="0"/>
+          <a:chOff x="0" y="0"/>
+          <a:chExt cx="0" cy="0"/>
+        </a:xfrm>
+      </p:grpSpPr>
+      <p:sp>
+        <p:nvSpPr>
+          <p:cNvPr id="5123" name="AutoShape 6"/>
+          <p:cNvSpPr>
+            <a:spLocks noChangeArrowheads="1"/>
+          </p:cNvSpPr>
+          <p:nvPr/>
+        </p:nvSpPr>
+        <p:spPr bwMode="auto">
+          <a:xfrm>
+            <a:off x="2566988" y="1339851"/>
+            <a:ext cx="6711950" cy="4214813"/>
+          </a:xfrm>
+          <a:prstGeom prst="roundRect">
+            <a:avLst>
+              <a:gd name="adj" fmla="val 16667"/>
+            </a:avLst>
+          </a:prstGeom>
+          <a:noFill/>
+          <a:ln w="28575">
+            <a:solidFill>
+              <a:srgbClr val="C0C0C0"/>
+            </a:solidFill>
+            <a:prstDash val="sysDot"/>
+            <a:round/>
+          </a:ln>
+          <a:extLst>
+            <a:ext uri="{909E8E84-426E-40DD-AFC4-6F175D3DCCD1}">
+              <a14:hiddenFill xmlns:a14="http://schemas.microsoft.com/office/drawing/2010/main">
+                <a:solidFill>
+                  <a:srgbClr val="FFFFFF"/>
+                </a:solidFill>
+              </a14:hiddenFill>
+            </a:ext>
+          </a:extLst>
+        </p:spPr>
+        <p:txBody>
+          <a:bodyPr wrap="none" anchor="ctr"/>
+          <a:lstStyle>
+            <a:lvl1pPr marL="457200" indent="-457200">
+              <a:defRPr sz="3200">
+                <a:solidFill>
+                  <a:schemeClr val="tx1"/>
+                </a:solidFill>
+                <a:latin typeface="Arial" panose="020B0604020202020204" pitchFamily="34" charset="0"/>
+                <a:ea typeface="微软雅黑" panose="020B0503020204020204" pitchFamily="34" charset="-122"/>
+              </a:defRPr>
+            </a:lvl1pPr>
+            <a:lvl2pPr marL="742950" indent="-285750">
+              <a:defRPr sz="3200">
+                <a:solidFill>
+                  <a:schemeClr val="tx1"/>
+                </a:solidFill>
+                <a:latin typeface="Arial" panose="020B0604020202020204" pitchFamily="34" charset="0"/>
+                <a:ea typeface="微软雅黑" panose="020B0503020204020204" pitchFamily="34" charset="-122"/>
+              </a:defRPr>
+            </a:lvl2pPr>
+            <a:lvl3pPr marL="1143000" indent="-228600">
+              <a:defRPr sz="3200">
+                <a:solidFill>
+                  <a:schemeClr val="tx1"/>
+                </a:solidFill>
+                <a:latin typeface="Arial" panose="020B0604020202020204" pitchFamily="34" charset="0"/>
+                <a:ea typeface="微软雅黑" panose="020B0503020204020204" pitchFamily="34" charset="-122"/>
+              </a:defRPr>
+            </a:lvl3pPr>
+            <a:lvl4pPr marL="1600200" indent="-228600">
+              <a:defRPr sz="3200">
+                <a:solidFill>
+                  <a:schemeClr val="tx1"/>
+                </a:solidFill>
+                <a:latin typeface="Arial" panose="020B0604020202020204" pitchFamily="34" charset="0"/>
+                <a:ea typeface="微软雅黑" panose="020B0503020204020204" pitchFamily="34" charset="-122"/>
+              </a:defRPr>
+            </a:lvl4pPr>
+            <a:lvl5pPr marL="2057400" indent="-228600">
+              <a:defRPr sz="3200">
+                <a:solidFill>
+                  <a:schemeClr val="tx1"/>
+                </a:solidFill>
+                <a:latin typeface="Arial" panose="020B0604020202020204" pitchFamily="34" charset="0"/>
+                <a:ea typeface="微软雅黑" panose="020B0503020204020204" pitchFamily="34" charset="-122"/>
+              </a:defRPr>
+            </a:lvl5pPr>
+            <a:lvl6pPr marL="2514600" indent="-228600" eaLnBrk="0" fontAlgn="base" hangingPunct="0">
+              <a:spcBef>
+                <a:spcPct val="0"/>
+              </a:spcBef>
+              <a:spcAft>
+                <a:spcPct val="0"/>
+              </a:spcAft>
+              <a:defRPr sz="3200">
+                <a:solidFill>
+                  <a:schemeClr val="tx1"/>
+                </a:solidFill>
+                <a:latin typeface="Arial" panose="020B0604020202020204" pitchFamily="34" charset="0"/>
+                <a:ea typeface="微软雅黑" panose="020B0503020204020204" pitchFamily="34" charset="-122"/>
+              </a:defRPr>
+            </a:lvl6pPr>
+            <a:lvl7pPr marL="2971800" indent="-228600" eaLnBrk="0" fontAlgn="base" hangingPunct="0">
+              <a:spcBef>
+                <a:spcPct val="0"/>
+              </a:spcBef>
+              <a:spcAft>
+                <a:spcPct val="0"/>
+              </a:spcAft>
+              <a:defRPr sz="3200">
+                <a:solidFill>
+                  <a:schemeClr val="tx1"/>
+                </a:solidFill>
+                <a:latin typeface="Arial" panose="020B0604020202020204" pitchFamily="34" charset="0"/>
+                <a:ea typeface="微软雅黑" panose="020B0503020204020204" pitchFamily="34" charset="-122"/>
+              </a:defRPr>
+            </a:lvl7pPr>
+            <a:lvl8pPr marL="3429000" indent="-228600" eaLnBrk="0" fontAlgn="base" hangingPunct="0">
+              <a:spcBef>
+                <a:spcPct val="0"/>
+              </a:spcBef>
+              <a:spcAft>
+                <a:spcPct val="0"/>
+              </a:spcAft>
+              <a:defRPr sz="3200">
+                <a:solidFill>
+                  <a:schemeClr val="tx1"/>
+                </a:solidFill>
+                <a:latin typeface="Arial" panose="020B0604020202020204" pitchFamily="34" charset="0"/>
+                <a:ea typeface="微软雅黑" panose="020B0503020204020204" pitchFamily="34" charset="-122"/>
+              </a:defRPr>
+            </a:lvl8pPr>
+            <a:lvl9pPr marL="3886200" indent="-228600" eaLnBrk="0" fontAlgn="base" hangingPunct="0">
+              <a:spcBef>
+                <a:spcPct val="0"/>
+              </a:spcBef>
+              <a:spcAft>
+                <a:spcPct val="0"/>
+              </a:spcAft>
+              <a:defRPr sz="3200">
+                <a:solidFill>
+                  <a:schemeClr val="tx1"/>
+                </a:solidFill>
+                <a:latin typeface="Arial" panose="020B0604020202020204" pitchFamily="34" charset="0"/>
+                <a:ea typeface="微软雅黑" panose="020B0503020204020204" pitchFamily="34" charset="-122"/>
+              </a:defRPr>
+            </a:lvl9pPr>
+          </a:lstStyle>
+          <a:p>
+            <a:pPr algn="l">
+              <a:lnSpc>
+                <a:spcPct val="150000"/>
+              </a:lnSpc>
+              <a:spcBef>
+                <a:spcPts val="1200"/>
+              </a:spcBef>
+              <a:spcAft>
+                <a:spcPts val="1200"/>
+              </a:spcAft>
+              <a:buClr>
+                <a:srgbClr val="92D050"/>
+              </a:buClr>
+              <a:buFont typeface="Wingdings" panose="05000000000000000000" pitchFamily="2" charset="2"/>
+              <a:buChar char="Ø"/>
+            </a:pPr>
+            <a:r>
+              <a:rPr lang="zh-CN" altLang="en-US" sz="2800" b="1">
+                <a:solidFill>
+                  <a:schemeClr val="tx1"/>
+                </a:solidFill>
+                <a:sym typeface="+mn-ea"/>
+              </a:rPr>
+              <a:t>数组的创建和基本操作（增删改查）</a:t>
+            </a:r>
+            <a:endParaRPr lang="zh-CN" altLang="en-US" sz="2800" b="1">
+              <a:solidFill>
+                <a:schemeClr val="tx1"/>
+              </a:solidFill>
+              <a:sym typeface="+mn-ea"/>
+            </a:endParaRPr>
+          </a:p>
+          <a:p>
+            <a:pPr algn="l">
+              <a:lnSpc>
+                <a:spcPct val="150000"/>
+              </a:lnSpc>
+              <a:spcBef>
+                <a:spcPts val="1200"/>
+              </a:spcBef>
+              <a:spcAft>
+                <a:spcPts val="1200"/>
+              </a:spcAft>
+              <a:buClr>
+                <a:srgbClr val="92D050"/>
+              </a:buClr>
+              <a:buFont typeface="Wingdings" panose="05000000000000000000" pitchFamily="2" charset="2"/>
+              <a:buChar char="Ø"/>
+            </a:pPr>
+            <a:r>
+              <a:rPr lang="zh-CN" altLang="en-US" sz="2800" b="1">
+                <a:solidFill>
+                  <a:srgbClr val="FF0000"/>
+                </a:solidFill>
+                <a:sym typeface="+mn-ea"/>
+              </a:rPr>
+              <a:t>稀疏数组与多维数组</a:t>
+            </a:r>
+            <a:endParaRPr lang="zh-CN" altLang="en-US" sz="2800" b="1">
+              <a:solidFill>
+                <a:srgbClr val="FF0000"/>
+              </a:solidFill>
+              <a:sym typeface="+mn-ea"/>
+            </a:endParaRPr>
+          </a:p>
+          <a:p>
+            <a:pPr algn="l">
+              <a:lnSpc>
+                <a:spcPct val="150000"/>
+              </a:lnSpc>
+              <a:spcBef>
+                <a:spcPts val="1200"/>
+              </a:spcBef>
+              <a:spcAft>
+                <a:spcPts val="1200"/>
+              </a:spcAft>
+              <a:buClr>
+                <a:srgbClr val="92D050"/>
+              </a:buClr>
+              <a:buFont typeface="Wingdings" panose="05000000000000000000" pitchFamily="2" charset="2"/>
+              <a:buChar char="Ø"/>
+            </a:pPr>
+            <a:r>
+              <a:rPr lang="zh-CN" altLang="en-US" sz="2800" b="1">
+                <a:solidFill>
+                  <a:schemeClr val="tx1"/>
+                </a:solidFill>
+                <a:sym typeface="+mn-ea"/>
+              </a:rPr>
+              <a:t>数组的方法和相关高阶函数</a:t>
+            </a:r>
+            <a:endParaRPr lang="zh-CN" altLang="en-US" sz="2800" b="1">
+              <a:solidFill>
+                <a:srgbClr val="FF0000"/>
+              </a:solidFill>
+              <a:sym typeface="+mn-ea"/>
+            </a:endParaRPr>
+          </a:p>
+        </p:txBody>
+      </p:sp>
+      <p:sp>
+        <p:nvSpPr>
+          <p:cNvPr id="4" name="内容占位符 3"/>
+          <p:cNvSpPr txBox="1"/>
+          <p:nvPr/>
+        </p:nvSpPr>
+        <p:spPr>
+          <a:xfrm>
+            <a:off x="981657" y="236943"/>
+            <a:ext cx="8191557" cy="490476"/>
+          </a:xfrm>
+          <a:prstGeom prst="rect">
+            <a:avLst/>
+          </a:prstGeom>
+        </p:spPr>
+        <p:txBody>
+          <a:bodyPr/>
+          <a:lstStyle>
+            <a:lvl1pPr marL="167005" indent="-167005" algn="l" defTabSz="0" rtl="0" eaLnBrk="0" fontAlgn="base" hangingPunct="0">
+              <a:spcBef>
+                <a:spcPct val="0"/>
+              </a:spcBef>
+              <a:spcAft>
+                <a:spcPct val="15000"/>
+              </a:spcAft>
+              <a:buClr>
+                <a:schemeClr val="tx2"/>
+              </a:buClr>
+              <a:buFont typeface="Arial" panose="020B0604020202020204" pitchFamily="34" charset="0"/>
+              <a:buChar char="•"/>
+              <a:defRPr kumimoji="1" sz="1600">
+                <a:solidFill>
+                  <a:srgbClr val="006F53"/>
+                </a:solidFill>
+                <a:latin typeface="微软雅黑" panose="020B0503020204020204" pitchFamily="34" charset="-122"/>
+                <a:ea typeface="微软雅黑" panose="020B0503020204020204" pitchFamily="34" charset="-122"/>
+                <a:cs typeface="微软雅黑" panose="020B0503020204020204" pitchFamily="34" charset="-122"/>
+              </a:defRPr>
+            </a:lvl1pPr>
+            <a:lvl2pPr marL="398780" indent="-230505" algn="l" defTabSz="0" rtl="0" eaLnBrk="0" fontAlgn="base" hangingPunct="0">
+              <a:spcBef>
+                <a:spcPct val="0"/>
+              </a:spcBef>
+              <a:spcAft>
+                <a:spcPct val="15000"/>
+              </a:spcAft>
+              <a:buClr>
+                <a:schemeClr val="tx2"/>
+              </a:buClr>
+              <a:buFont typeface="Arial" panose="020B0604020202020204" pitchFamily="34" charset="0"/>
+              <a:buChar char="–"/>
+              <a:defRPr kumimoji="1" sz="2800">
+                <a:solidFill>
+                  <a:schemeClr val="bg2"/>
+                </a:solidFill>
+                <a:latin typeface="微软雅黑" panose="020B0503020204020204" pitchFamily="34" charset="-122"/>
+                <a:ea typeface="微软雅黑" panose="020B0503020204020204" pitchFamily="34" charset="-122"/>
+                <a:cs typeface="微软雅黑" panose="020B0503020204020204" pitchFamily="34" charset="-122"/>
+              </a:defRPr>
+            </a:lvl2pPr>
+            <a:lvl3pPr marL="400050" indent="182880" algn="l" defTabSz="0" rtl="0" eaLnBrk="0" fontAlgn="base" hangingPunct="0">
+              <a:spcBef>
+                <a:spcPct val="0"/>
+              </a:spcBef>
+              <a:spcAft>
+                <a:spcPct val="15000"/>
+              </a:spcAft>
+              <a:buClr>
+                <a:schemeClr val="tx2"/>
+              </a:buClr>
+              <a:buFont typeface="Arial" panose="020B0604020202020204" pitchFamily="34" charset="0"/>
+              <a:buChar char="•"/>
+              <a:defRPr kumimoji="1" sz="1600">
+                <a:solidFill>
+                  <a:schemeClr val="bg2"/>
+                </a:solidFill>
+                <a:latin typeface="微软雅黑" panose="020B0503020204020204" pitchFamily="34" charset="-122"/>
+                <a:ea typeface="微软雅黑" panose="020B0503020204020204" pitchFamily="34" charset="-122"/>
+                <a:cs typeface="微软雅黑" panose="020B0503020204020204" pitchFamily="34" charset="-122"/>
+              </a:defRPr>
+            </a:lvl3pPr>
+            <a:lvl4pPr marL="825500" indent="-241300" algn="l" defTabSz="0" rtl="0" eaLnBrk="0" fontAlgn="base" hangingPunct="0">
+              <a:spcBef>
+                <a:spcPct val="0"/>
+              </a:spcBef>
+              <a:spcAft>
+                <a:spcPct val="15000"/>
+              </a:spcAft>
+              <a:buClr>
+                <a:schemeClr val="tx2"/>
+              </a:buClr>
+              <a:buFont typeface="Arial" panose="020B0604020202020204" pitchFamily="34" charset="0"/>
+              <a:buChar char="–"/>
+              <a:defRPr kumimoji="1" sz="1600">
+                <a:solidFill>
+                  <a:schemeClr val="bg2"/>
+                </a:solidFill>
+                <a:latin typeface="微软雅黑" panose="020B0503020204020204" pitchFamily="34" charset="-122"/>
+                <a:ea typeface="微软雅黑" panose="020B0503020204020204" pitchFamily="34" charset="-122"/>
+                <a:cs typeface="微软雅黑" panose="020B0503020204020204" pitchFamily="34" charset="-122"/>
+              </a:defRPr>
+            </a:lvl4pPr>
+            <a:lvl5pPr marL="2057400" indent="-228600" algn="l" defTabSz="0" rtl="0" eaLnBrk="0" fontAlgn="base" hangingPunct="0">
+              <a:spcBef>
+                <a:spcPct val="0"/>
+              </a:spcBef>
+              <a:spcAft>
+                <a:spcPct val="25000"/>
+              </a:spcAft>
+              <a:buClr>
+                <a:schemeClr val="tx2"/>
+              </a:buClr>
+              <a:buFont typeface="Arial" panose="020B0604020202020204" pitchFamily="34" charset="0"/>
+              <a:buChar char="–"/>
+              <a:defRPr kumimoji="1" sz="2000">
+                <a:solidFill>
+                  <a:schemeClr val="tx1"/>
+                </a:solidFill>
+                <a:latin typeface="+mn-lt"/>
+                <a:ea typeface="微软雅黑" panose="020B0503020204020204" pitchFamily="34" charset="-122"/>
+                <a:cs typeface="微软雅黑" panose="020B0503020204020204" pitchFamily="34" charset="-122"/>
+              </a:defRPr>
+            </a:lvl5pPr>
+            <a:lvl6pPr marL="2514600" indent="-228600" algn="l" defTabSz="0" rtl="0" eaLnBrk="0" fontAlgn="base" hangingPunct="0">
+              <a:spcBef>
+                <a:spcPct val="0"/>
+              </a:spcBef>
+              <a:spcAft>
+                <a:spcPct val="25000"/>
+              </a:spcAft>
+              <a:buClr>
+                <a:schemeClr val="tx2"/>
+              </a:buClr>
+              <a:buFont typeface="Arial" panose="020B0604020202020204" pitchFamily="34" charset="0"/>
+              <a:buChar char="–"/>
+              <a:defRPr>
+                <a:solidFill>
+                  <a:schemeClr val="tx1"/>
+                </a:solidFill>
+                <a:latin typeface="+mn-lt"/>
+              </a:defRPr>
+            </a:lvl6pPr>
+            <a:lvl7pPr marL="2971800" indent="-228600" algn="l" defTabSz="0" rtl="0" eaLnBrk="0" fontAlgn="base" hangingPunct="0">
+              <a:spcBef>
+                <a:spcPct val="0"/>
+              </a:spcBef>
+              <a:spcAft>
+                <a:spcPct val="25000"/>
+              </a:spcAft>
+              <a:buClr>
+                <a:schemeClr val="tx2"/>
+              </a:buClr>
+              <a:buFont typeface="Arial" panose="020B0604020202020204" pitchFamily="34" charset="0"/>
+              <a:buChar char="–"/>
+              <a:defRPr>
+                <a:solidFill>
+                  <a:schemeClr val="tx1"/>
+                </a:solidFill>
+                <a:latin typeface="+mn-lt"/>
+              </a:defRPr>
+            </a:lvl7pPr>
+            <a:lvl8pPr marL="3429000" indent="-228600" algn="l" defTabSz="0" rtl="0" eaLnBrk="0" fontAlgn="base" hangingPunct="0">
+              <a:spcBef>
+                <a:spcPct val="0"/>
+              </a:spcBef>
+              <a:spcAft>
+                <a:spcPct val="25000"/>
+              </a:spcAft>
+              <a:buClr>
+                <a:schemeClr val="tx2"/>
+              </a:buClr>
+              <a:buFont typeface="Arial" panose="020B0604020202020204" pitchFamily="34" charset="0"/>
+              <a:buChar char="–"/>
+              <a:defRPr>
+                <a:solidFill>
+                  <a:schemeClr val="tx1"/>
+                </a:solidFill>
+                <a:latin typeface="+mn-lt"/>
+              </a:defRPr>
+            </a:lvl8pPr>
+            <a:lvl9pPr marL="3886200" indent="-228600" algn="l" defTabSz="0" rtl="0" eaLnBrk="0" fontAlgn="base" hangingPunct="0">
+              <a:spcBef>
+                <a:spcPct val="0"/>
+              </a:spcBef>
+              <a:spcAft>
+                <a:spcPct val="25000"/>
+              </a:spcAft>
+              <a:buClr>
+                <a:schemeClr val="tx2"/>
+              </a:buClr>
+              <a:buFont typeface="Arial" panose="020B0604020202020204" pitchFamily="34" charset="0"/>
+              <a:buChar char="–"/>
+              <a:defRPr>
+                <a:solidFill>
+                  <a:schemeClr val="tx1"/>
+                </a:solidFill>
+                <a:latin typeface="+mn-lt"/>
+              </a:defRPr>
+            </a:lvl9pPr>
+          </a:lstStyle>
+          <a:p>
+            <a:pPr marL="0" indent="0">
+              <a:buNone/>
+            </a:pPr>
+            <a:r>
+              <a:rPr lang="zh-CN" altLang="en-US" sz="3200" dirty="0" smtClean="0">
+                <a:solidFill>
+                  <a:srgbClr val="C00000"/>
+                </a:solidFill>
+                <a:cs typeface="+mn-cs"/>
+                <a:sym typeface="+mn-ea"/>
+              </a:rPr>
+              <a:t>内容提纲</a:t>
+            </a:r>
+            <a:endParaRPr lang="zh-CN" altLang="en-US" kern="0" dirty="0"/>
+          </a:p>
+        </p:txBody>
+      </p:sp>
+    </p:spTree>
+  </p:cSld>
+  <p:clrMapOvr>
+    <a:masterClrMapping/>
+  </p:clrMapOvr>
+  <p:timing>
+    <p:tnLst>
+      <p:par>
+        <p:cTn id="1" dur="indefinite" restart="never" nodeType="tmRoot"/>
+      </p:par>
+    </p:tnLst>
+  </p:timing>
+</p:sld>
+</file>
+
+<file path=ppt/slides/slide9.xml><?xml version="1.0" encoding="utf-8"?>
+<p:sld xmlns:a="http://schemas.openxmlformats.org/drawingml/2006/main" xmlns:r="http://schemas.openxmlformats.org/officeDocument/2006/relationships" xmlns:p="http://schemas.openxmlformats.org/presentationml/2006/main">
+  <p:cSld>
+    <p:spTree>
+      <p:nvGrpSpPr>
+        <p:cNvPr id="1" name=""/>
+        <p:cNvGrpSpPr/>
+        <p:nvPr/>
+      </p:nvGrpSpPr>
+      <p:grpSpPr>
+        <a:xfrm>
+          <a:off x="0" y="0"/>
+          <a:ext cx="0" cy="0"/>
+          <a:chOff x="0" y="0"/>
+          <a:chExt cx="0" cy="0"/>
+        </a:xfrm>
+      </p:grpSpPr>
+      <p:sp>
+        <p:nvSpPr>
+          <p:cNvPr id="2" name="内容占位符 1"/>
+          <p:cNvSpPr>
+            <a:spLocks noGrp="1"/>
+          </p:cNvSpPr>
+          <p:nvPr>
+            <p:ph sz="quarter" idx="10"/>
+          </p:nvPr>
+        </p:nvSpPr>
+        <p:spPr>
+          <a:xfrm>
+            <a:off x="927735" y="783590"/>
+            <a:ext cx="9776460" cy="4918710"/>
+          </a:xfrm>
+        </p:spPr>
+        <p:txBody>
+          <a:bodyPr/>
+          <a:lstStyle/>
+          <a:p>
+            <a:pPr>
+              <a:lnSpc>
+                <a:spcPct val="160000"/>
+              </a:lnSpc>
+            </a:pPr>
+            <a:r>
+              <a:rPr lang="zh-CN" altLang="en-US" sz="3200" dirty="0">
+                <a:solidFill>
+                  <a:schemeClr val="tx1"/>
+                </a:solidFill>
+                <a:sym typeface="+mn-ea"/>
+              </a:rPr>
+              <a:t>稀疏数组</a:t>
+            </a:r>
+            <a:br>
+              <a:rPr lang="zh-CN" altLang="en-US" sz="3200" dirty="0">
+                <a:solidFill>
+                  <a:schemeClr val="tx1"/>
+                </a:solidFill>
+                <a:sym typeface="+mn-ea"/>
+              </a:rPr>
+            </a:br>
+            <a:r>
+              <a:rPr lang="en-US" altLang="zh-CN" sz="1800" dirty="0">
+                <a:solidFill>
+                  <a:schemeClr val="tx1"/>
+                </a:solidFill>
+                <a:sym typeface="+mn-ea"/>
+              </a:rPr>
+              <a:t>- </a:t>
+            </a:r>
+            <a:r>
+              <a:rPr lang="zh-CN" altLang="en-US" sz="1800" dirty="0">
+                <a:solidFill>
+                  <a:schemeClr val="tx1"/>
+                </a:solidFill>
+                <a:sym typeface="+mn-ea"/>
+              </a:rPr>
+              <a:t>稀疏数组是包含从</a:t>
+            </a:r>
+            <a:r>
+              <a:rPr lang="en-US" altLang="zh-CN" sz="1800" dirty="0">
+                <a:solidFill>
+                  <a:schemeClr val="tx1"/>
+                </a:solidFill>
+                <a:sym typeface="+mn-ea"/>
+              </a:rPr>
+              <a:t>0</a:t>
+            </a:r>
+            <a:r>
+              <a:rPr lang="zh-CN" altLang="en-US" sz="1800" dirty="0">
+                <a:solidFill>
+                  <a:schemeClr val="tx1"/>
+                </a:solidFill>
+                <a:sym typeface="+mn-ea"/>
+              </a:rPr>
+              <a:t>开始的不连续索引的数组，</a:t>
+            </a:r>
+            <a:r>
+              <a:rPr lang="en-US" altLang="zh-CN" sz="1800" dirty="0">
+                <a:solidFill>
+                  <a:schemeClr val="tx1"/>
+                </a:solidFill>
+                <a:sym typeface="+mn-ea"/>
+              </a:rPr>
+              <a:t>length</a:t>
+            </a:r>
+            <a:r>
+              <a:rPr lang="zh-CN" altLang="en-US" sz="1800" dirty="0">
+                <a:solidFill>
+                  <a:schemeClr val="tx1"/>
+                </a:solidFill>
+                <a:sym typeface="+mn-ea"/>
+              </a:rPr>
+              <a:t>值大于元素的个数</a:t>
+            </a:r>
+            <a:br>
+              <a:rPr lang="zh-CN" altLang="en-US" sz="1800" dirty="0">
+                <a:solidFill>
+                  <a:schemeClr val="tx1"/>
+                </a:solidFill>
+                <a:sym typeface="+mn-ea"/>
+              </a:rPr>
+            </a:br>
+            <a:r>
+              <a:rPr lang="en-US" altLang="zh-CN" sz="1800" dirty="0">
+                <a:solidFill>
+                  <a:schemeClr val="tx1"/>
+                </a:solidFill>
+                <a:sym typeface="+mn-ea"/>
+              </a:rPr>
+              <a:t>- </a:t>
+            </a:r>
+            <a:r>
+              <a:rPr lang="zh-CN" altLang="en-US" sz="1800" dirty="0">
+                <a:solidFill>
+                  <a:schemeClr val="tx1"/>
+                </a:solidFill>
+                <a:sym typeface="+mn-ea"/>
+              </a:rPr>
+              <a:t>遍历稀疏数组时，注意的跳过无元素项的问题</a:t>
+            </a:r>
+            <a:br>
+              <a:rPr lang="en-US" altLang="zh-CN" sz="1800" dirty="0">
+                <a:solidFill>
+                  <a:schemeClr val="tx1"/>
+                </a:solidFill>
+                <a:sym typeface="+mn-ea"/>
+              </a:rPr>
+            </a:br>
+            <a:endParaRPr lang="zh-CN" altLang="en-US" sz="1800" dirty="0">
+              <a:solidFill>
+                <a:schemeClr val="accent3"/>
+              </a:solidFill>
+              <a:sym typeface="+mn-ea"/>
+            </a:endParaRPr>
+          </a:p>
+          <a:p>
+            <a:pPr marL="0" indent="0">
+              <a:lnSpc>
+                <a:spcPct val="160000"/>
+              </a:lnSpc>
+              <a:buNone/>
+            </a:pPr>
+            <a:endParaRPr lang="en-US" altLang="zh-CN" sz="1800" dirty="0">
+              <a:solidFill>
+                <a:schemeClr val="tx1"/>
+              </a:solidFill>
+              <a:sym typeface="+mn-ea"/>
+            </a:endParaRPr>
+          </a:p>
+        </p:txBody>
+      </p:sp>
+      <p:sp>
+        <p:nvSpPr>
+          <p:cNvPr id="3" name="内容占位符 2"/>
+          <p:cNvSpPr>
+            <a:spLocks noGrp="1"/>
+          </p:cNvSpPr>
+          <p:nvPr>
+            <p:ph sz="quarter" idx="11"/>
+          </p:nvPr>
+        </p:nvSpPr>
+        <p:spPr/>
+        <p:txBody>
+          <a:bodyPr/>
+          <a:lstStyle/>
+          <a:p>
+            <a:r>
+              <a:rPr lang="zh-CN" altLang="en-US" dirty="0">
+                <a:sym typeface="+mn-ea"/>
+              </a:rPr>
+              <a:t>稀疏数组与多维数组</a:t>
+            </a:r>
+            <a:endParaRPr lang="zh-CN" altLang="en-US" dirty="0"/>
+          </a:p>
+        </p:txBody>
+      </p:sp>
+      <p:sp>
+        <p:nvSpPr>
+          <p:cNvPr id="6" name="文本框 5"/>
+          <p:cNvSpPr txBox="1"/>
+          <p:nvPr/>
+        </p:nvSpPr>
+        <p:spPr>
+          <a:xfrm>
+            <a:off x="5368290" y="6108700"/>
+            <a:ext cx="5420360" cy="429895"/>
+          </a:xfrm>
+          <a:prstGeom prst="rect">
+            <a:avLst/>
+          </a:prstGeom>
+          <a:noFill/>
+        </p:spPr>
+        <p:txBody>
+          <a:bodyPr wrap="square" rtlCol="0">
+            <a:spAutoFit/>
+          </a:bodyPr>
+          <a:p>
+            <a:pPr algn="l"/>
+            <a:r>
+              <a:rPr lang="zh-CN" altLang="en-US" sz="2200">
+                <a:solidFill>
+                  <a:srgbClr val="FF0000"/>
+                </a:solidFill>
+                <a:latin typeface="+mn-ea"/>
+                <a:ea typeface="+mn-ea"/>
+              </a:rPr>
+              <a:t>参见实例</a:t>
+            </a:r>
+            <a:r>
+              <a:rPr lang="en-US" altLang="zh-CN" sz="2200">
+                <a:solidFill>
+                  <a:srgbClr val="FF0000"/>
+                </a:solidFill>
+                <a:latin typeface="+mn-ea"/>
+                <a:ea typeface="+mn-ea"/>
+              </a:rPr>
+              <a:t>demo</a:t>
+            </a:r>
+            <a:endParaRPr lang="zh-CN" altLang="en-US" sz="2200">
+              <a:solidFill>
+                <a:srgbClr val="FF0000"/>
+              </a:solidFill>
+              <a:latin typeface="+mn-ea"/>
+              <a:ea typeface="+mn-ea"/>
+            </a:endParaRPr>
+          </a:p>
+        </p:txBody>
+      </p:sp>
+      <p:pic>
+        <p:nvPicPr>
+          <p:cNvPr id="4" name="图片 3"/>
+          <p:cNvPicPr>
+            <a:picLocks noChangeAspect="1"/>
+          </p:cNvPicPr>
+          <p:nvPr/>
+        </p:nvPicPr>
+        <p:blipFill>
+          <a:blip r:embed="rId1"/>
+          <a:stretch>
+            <a:fillRect/>
+          </a:stretch>
+        </p:blipFill>
+        <p:spPr>
+          <a:xfrm>
+            <a:off x="1348105" y="2734945"/>
+            <a:ext cx="4269740" cy="2764790"/>
+          </a:xfrm>
+          <a:prstGeom prst="rect">
+            <a:avLst/>
+          </a:prstGeom>
+        </p:spPr>
+      </p:pic>
+    </p:spTree>
+  </p:cSld>
+  <p:clrMapOvr>
+    <a:masterClrMapping/>
+  </p:clrMapOvr>
+  <p:timing>
+    <p:tnLst>
+      <p:par>
+        <p:cTn id="1" dur="indefinite" restart="never" nodeType="tmRoot">
+          <p:childTnLst>
+            <p:seq concurrent="1" nextAc="seek">
+              <p:cTn id="2" dur="indefinite" nodeType="mainSeq">
+                <p:childTnLst>
+                  <p:par>
+                    <p:cTn id="3" fill="hold">
+                      <p:stCondLst>
+                        <p:cond delay="indefinite"/>
+                        <p:cond evt="onBegin" delay="0">
+                          <p:tn val="2"/>
+                        </p:cond>
+                      </p:stCondLst>
+                      <p:childTnLst>
+                        <p:par>
+                          <p:cTn id="4" fill="hold">
+                            <p:stCondLst>
+                              <p:cond delay="0"/>
+                            </p:stCondLst>
+                            <p:childTnLst>
+                              <p:par>
+                                <p:cTn id="5" presetID="2" presetClass="entr" presetSubtype="4" fill="hold" grpId="0" nodeType="afterEffect">
+                                  <p:stCondLst>
+                                    <p:cond delay="0"/>
+                                  </p:stCondLst>
+                                  <p:childTnLst>
+                                    <p:set>
+                                      <p:cBhvr>
+                                        <p:cTn id="6" dur="1" fill="hold">
+                                          <p:stCondLst>
+                                            <p:cond delay="0"/>
+                                          </p:stCondLst>
+                                        </p:cTn>
+                                        <p:tgtEl>
+                                          <p:spTgt spid="6"/>
+                                        </p:tgtEl>
+                                        <p:attrNameLst>
+                                          <p:attrName>style.visibility</p:attrName>
+                                        </p:attrNameLst>
+                                      </p:cBhvr>
+                                      <p:to>
+                                        <p:strVal val="visible"/>
+                                      </p:to>
+                                    </p:set>
+                                    <p:anim calcmode="lin" valueType="num">
+                                      <p:cBhvr additive="base">
+                                        <p:cTn id="7" dur="500" fill="hold"/>
+                                        <p:tgtEl>
+                                          <p:spTgt spid="6"/>
+                                        </p:tgtEl>
+                                        <p:attrNameLst>
+                                          <p:attrName>ppt_x</p:attrName>
+                                        </p:attrNameLst>
+                                      </p:cBhvr>
+                                      <p:tavLst>
+                                        <p:tav tm="0">
+                                          <p:val>
+                                            <p:strVal val="#ppt_x"/>
+                                          </p:val>
+                                        </p:tav>
+                                        <p:tav tm="100000">
+                                          <p:val>
+                                            <p:strVal val="#ppt_x"/>
+                                          </p:val>
+                                        </p:tav>
+                                      </p:tavLst>
+                                    </p:anim>
+                                    <p:anim calcmode="lin" valueType="num">
+                                      <p:cBhvr additive="base">
+                                        <p:cTn id="8" dur="500" fill="hold"/>
+                                        <p:tgtEl>
+                                          <p:spTgt spid="6"/>
+                                        </p:tgtEl>
+                                        <p:attrNameLst>
+                                          <p:attrName>ppt_y</p:attrName>
+                                        </p:attrNameLst>
+                                      </p:cBhvr>
+                                      <p:tavLst>
+                                        <p:tav tm="0">
+                                          <p:val>
+                                            <p:strVal val="1+#ppt_h/2"/>
+                                          </p:val>
+                                        </p:tav>
+                                        <p:tav tm="100000">
+                                          <p:val>
+                                            <p:strVal val="#ppt_y"/>
+                                          </p:val>
+                                        </p:tav>
+                                      </p:tavLst>
+                                    </p:anim>
+                                  </p:childTnLst>
+                                </p:cTn>
+                              </p:par>
+                            </p:childTnLst>
+                          </p:cTn>
+                        </p:par>
+                      </p:childTnLst>
+                    </p:cTn>
+                  </p:par>
+                </p:childTnLst>
+              </p:cTn>
+              <p:prevCondLst>
+                <p:cond evt="onPrev" delay="0">
+                  <p:tgtEl>
+                    <p:sldTgt/>
+                  </p:tgtEl>
+                </p:cond>
+              </p:prevCondLst>
+              <p:nextCondLst>
+                <p:cond evt="onNext" delay="0">
+                  <p:tgtEl>
+                    <p:sldTgt/>
+                  </p:tgtEl>
+                </p:cond>
+              </p:nextCondLst>
+            </p:seq>
+          </p:childTnLst>
+        </p:cTn>
+      </p:par>
+    </p:tnLst>
+    <p:bldLst>
+      <p:bldP spid="6" grpId="0"/>
+    </p:bldLst>
   </p:timing>
 </p:sld>
 </file>

--- a/课程PPT/09.JavaScript标准内置对象-构造器（Array、Date、Error等）.pptx
+++ b/课程PPT/09.JavaScript标准内置对象-构造器（Array、Date、Error等）.pptx
@@ -9,18 +9,19 @@
   </p:notesMasterIdLst>
   <p:sldIdLst>
     <p:sldId id="1222" r:id="rId3"/>
-    <p:sldId id="1225" r:id="rId5"/>
-    <p:sldId id="1223" r:id="rId6"/>
-    <p:sldId id="1228" r:id="rId7"/>
-    <p:sldId id="1230" r:id="rId8"/>
-    <p:sldId id="1231" r:id="rId9"/>
-    <p:sldId id="1232" r:id="rId10"/>
-    <p:sldId id="1229" r:id="rId11"/>
-    <p:sldId id="1233" r:id="rId12"/>
-    <p:sldId id="1234" r:id="rId13"/>
-    <p:sldId id="1235" r:id="rId14"/>
-    <p:sldId id="1236" r:id="rId15"/>
+    <p:sldId id="1223" r:id="rId5"/>
+    <p:sldId id="1228" r:id="rId6"/>
+    <p:sldId id="1230" r:id="rId7"/>
+    <p:sldId id="1231" r:id="rId8"/>
+    <p:sldId id="1232" r:id="rId9"/>
+    <p:sldId id="1229" r:id="rId10"/>
+    <p:sldId id="1233" r:id="rId11"/>
+    <p:sldId id="1234" r:id="rId12"/>
+    <p:sldId id="1235" r:id="rId13"/>
+    <p:sldId id="1236" r:id="rId14"/>
+    <p:sldId id="1240" r:id="rId15"/>
     <p:sldId id="1104" r:id="rId16"/>
+    <p:sldId id="1239" r:id="rId17"/>
   </p:sldIdLst>
   <p:sldSz cx="12192000" cy="6858000"/>
   <p:notesSz cx="6797675" cy="9928225"/>
@@ -756,7 +757,7 @@
 </p:notes>
 </file>
 
-<file path=ppt/notesSlides/notesSlide2.xml><?xml version="1.0" encoding="utf-8"?>
+<file path=ppt/notesSlides/notesSlide12.xml><?xml version="1.0" encoding="utf-8"?>
 <p:notes xmlns:a="http://schemas.openxmlformats.org/drawingml/2006/main" xmlns:r="http://schemas.openxmlformats.org/officeDocument/2006/relationships" xmlns:p="http://schemas.openxmlformats.org/presentationml/2006/main">
   <p:cSld>
     <p:spTree>
@@ -823,6 +824,50 @@
               <a:rPr lang="en-US" altLang="zh-CN" smtClean="0"/>
             </a:fld>
             <a:endParaRPr lang="zh-CN" altLang="zh-CN"/>
+          </a:p>
+        </p:txBody>
+      </p:sp>
+    </p:spTree>
+  </p:cSld>
+  <p:clrMapOvr>
+    <a:masterClrMapping/>
+  </p:clrMapOvr>
+</p:notes>
+</file>
+
+<file path=ppt/notesSlides/notesSlide2.xml><?xml version="1.0" encoding="utf-8"?>
+<p:notes xmlns:a="http://schemas.openxmlformats.org/drawingml/2006/main" xmlns:r="http://schemas.openxmlformats.org/officeDocument/2006/relationships" xmlns:p="http://schemas.openxmlformats.org/presentationml/2006/main">
+  <p:cSld>
+    <p:spTree>
+      <p:nvGrpSpPr>
+        <p:cNvPr id="1" name=""/>
+        <p:cNvGrpSpPr/>
+        <p:nvPr/>
+      </p:nvGrpSpPr>
+      <p:grpSpPr/>
+      <p:sp>
+        <p:nvSpPr>
+          <p:cNvPr id="2" name="幻灯片图像占位符 1"/>
+          <p:cNvSpPr/>
+          <p:nvPr>
+            <p:ph type="sldImg" idx="2"/>
+          </p:nvPr>
+        </p:nvSpPr>
+        <p:spPr/>
+      </p:sp>
+      <p:sp>
+        <p:nvSpPr>
+          <p:cNvPr id="3" name="文本占位符 2"/>
+          <p:cNvSpPr/>
+          <p:nvPr>
+            <p:ph type="body" idx="3"/>
+          </p:nvPr>
+        </p:nvSpPr>
+        <p:spPr/>
+        <p:txBody>
+          <a:bodyPr/>
+          <a:p>
+            <a:endParaRPr lang="zh-CN" altLang="en-US"/>
           </a:p>
         </p:txBody>
       </p:sp>
@@ -3528,6 +3573,502 @@
       </p:grpSpPr>
       <p:sp>
         <p:nvSpPr>
+          <p:cNvPr id="5123" name="AutoShape 6"/>
+          <p:cNvSpPr>
+            <a:spLocks noChangeArrowheads="1"/>
+          </p:cNvSpPr>
+          <p:nvPr/>
+        </p:nvSpPr>
+        <p:spPr bwMode="auto">
+          <a:xfrm>
+            <a:off x="2566988" y="1339851"/>
+            <a:ext cx="6711950" cy="4214813"/>
+          </a:xfrm>
+          <a:prstGeom prst="roundRect">
+            <a:avLst>
+              <a:gd name="adj" fmla="val 16667"/>
+            </a:avLst>
+          </a:prstGeom>
+          <a:noFill/>
+          <a:ln w="28575">
+            <a:solidFill>
+              <a:srgbClr val="C0C0C0"/>
+            </a:solidFill>
+            <a:prstDash val="sysDot"/>
+            <a:round/>
+          </a:ln>
+          <a:extLst>
+            <a:ext uri="{909E8E84-426E-40DD-AFC4-6F175D3DCCD1}">
+              <a14:hiddenFill xmlns:a14="http://schemas.microsoft.com/office/drawing/2010/main">
+                <a:solidFill>
+                  <a:srgbClr val="FFFFFF"/>
+                </a:solidFill>
+              </a14:hiddenFill>
+            </a:ext>
+          </a:extLst>
+        </p:spPr>
+        <p:txBody>
+          <a:bodyPr wrap="none" anchor="ctr"/>
+          <a:lstStyle>
+            <a:lvl1pPr marL="457200" indent="-457200">
+              <a:defRPr sz="3200">
+                <a:solidFill>
+                  <a:schemeClr val="tx1"/>
+                </a:solidFill>
+                <a:latin typeface="Arial" panose="020B0604020202020204" pitchFamily="34" charset="0"/>
+                <a:ea typeface="微软雅黑" panose="020B0503020204020204" pitchFamily="34" charset="-122"/>
+              </a:defRPr>
+            </a:lvl1pPr>
+            <a:lvl2pPr marL="742950" indent="-285750">
+              <a:defRPr sz="3200">
+                <a:solidFill>
+                  <a:schemeClr val="tx1"/>
+                </a:solidFill>
+                <a:latin typeface="Arial" panose="020B0604020202020204" pitchFamily="34" charset="0"/>
+                <a:ea typeface="微软雅黑" panose="020B0503020204020204" pitchFamily="34" charset="-122"/>
+              </a:defRPr>
+            </a:lvl2pPr>
+            <a:lvl3pPr marL="1143000" indent="-228600">
+              <a:defRPr sz="3200">
+                <a:solidFill>
+                  <a:schemeClr val="tx1"/>
+                </a:solidFill>
+                <a:latin typeface="Arial" panose="020B0604020202020204" pitchFamily="34" charset="0"/>
+                <a:ea typeface="微软雅黑" panose="020B0503020204020204" pitchFamily="34" charset="-122"/>
+              </a:defRPr>
+            </a:lvl3pPr>
+            <a:lvl4pPr marL="1600200" indent="-228600">
+              <a:defRPr sz="3200">
+                <a:solidFill>
+                  <a:schemeClr val="tx1"/>
+                </a:solidFill>
+                <a:latin typeface="Arial" panose="020B0604020202020204" pitchFamily="34" charset="0"/>
+                <a:ea typeface="微软雅黑" panose="020B0503020204020204" pitchFamily="34" charset="-122"/>
+              </a:defRPr>
+            </a:lvl4pPr>
+            <a:lvl5pPr marL="2057400" indent="-228600">
+              <a:defRPr sz="3200">
+                <a:solidFill>
+                  <a:schemeClr val="tx1"/>
+                </a:solidFill>
+                <a:latin typeface="Arial" panose="020B0604020202020204" pitchFamily="34" charset="0"/>
+                <a:ea typeface="微软雅黑" panose="020B0503020204020204" pitchFamily="34" charset="-122"/>
+              </a:defRPr>
+            </a:lvl5pPr>
+            <a:lvl6pPr marL="2514600" indent="-228600" eaLnBrk="0" fontAlgn="base" hangingPunct="0">
+              <a:spcBef>
+                <a:spcPct val="0"/>
+              </a:spcBef>
+              <a:spcAft>
+                <a:spcPct val="0"/>
+              </a:spcAft>
+              <a:defRPr sz="3200">
+                <a:solidFill>
+                  <a:schemeClr val="tx1"/>
+                </a:solidFill>
+                <a:latin typeface="Arial" panose="020B0604020202020204" pitchFamily="34" charset="0"/>
+                <a:ea typeface="微软雅黑" panose="020B0503020204020204" pitchFamily="34" charset="-122"/>
+              </a:defRPr>
+            </a:lvl6pPr>
+            <a:lvl7pPr marL="2971800" indent="-228600" eaLnBrk="0" fontAlgn="base" hangingPunct="0">
+              <a:spcBef>
+                <a:spcPct val="0"/>
+              </a:spcBef>
+              <a:spcAft>
+                <a:spcPct val="0"/>
+              </a:spcAft>
+              <a:defRPr sz="3200">
+                <a:solidFill>
+                  <a:schemeClr val="tx1"/>
+                </a:solidFill>
+                <a:latin typeface="Arial" panose="020B0604020202020204" pitchFamily="34" charset="0"/>
+                <a:ea typeface="微软雅黑" panose="020B0503020204020204" pitchFamily="34" charset="-122"/>
+              </a:defRPr>
+            </a:lvl7pPr>
+            <a:lvl8pPr marL="3429000" indent="-228600" eaLnBrk="0" fontAlgn="base" hangingPunct="0">
+              <a:spcBef>
+                <a:spcPct val="0"/>
+              </a:spcBef>
+              <a:spcAft>
+                <a:spcPct val="0"/>
+              </a:spcAft>
+              <a:defRPr sz="3200">
+                <a:solidFill>
+                  <a:schemeClr val="tx1"/>
+                </a:solidFill>
+                <a:latin typeface="Arial" panose="020B0604020202020204" pitchFamily="34" charset="0"/>
+                <a:ea typeface="微软雅黑" panose="020B0503020204020204" pitchFamily="34" charset="-122"/>
+              </a:defRPr>
+            </a:lvl8pPr>
+            <a:lvl9pPr marL="3886200" indent="-228600" eaLnBrk="0" fontAlgn="base" hangingPunct="0">
+              <a:spcBef>
+                <a:spcPct val="0"/>
+              </a:spcBef>
+              <a:spcAft>
+                <a:spcPct val="0"/>
+              </a:spcAft>
+              <a:defRPr sz="3200">
+                <a:solidFill>
+                  <a:schemeClr val="tx1"/>
+                </a:solidFill>
+                <a:latin typeface="Arial" panose="020B0604020202020204" pitchFamily="34" charset="0"/>
+                <a:ea typeface="微软雅黑" panose="020B0503020204020204" pitchFamily="34" charset="-122"/>
+              </a:defRPr>
+            </a:lvl9pPr>
+          </a:lstStyle>
+          <a:p>
+            <a:pPr algn="l">
+              <a:lnSpc>
+                <a:spcPct val="150000"/>
+              </a:lnSpc>
+              <a:spcBef>
+                <a:spcPts val="1200"/>
+              </a:spcBef>
+              <a:spcAft>
+                <a:spcPts val="1200"/>
+              </a:spcAft>
+              <a:buClr>
+                <a:srgbClr val="92D050"/>
+              </a:buClr>
+              <a:buFont typeface="Wingdings" panose="05000000000000000000" pitchFamily="2" charset="2"/>
+              <a:buChar char="Ø"/>
+            </a:pPr>
+            <a:r>
+              <a:rPr lang="zh-CN" altLang="en-US" sz="2800" b="1">
+                <a:solidFill>
+                  <a:schemeClr val="tx1"/>
+                </a:solidFill>
+                <a:sym typeface="+mn-ea"/>
+              </a:rPr>
+              <a:t>数组的创建和基本操作（增删改查）</a:t>
+            </a:r>
+            <a:endParaRPr lang="zh-CN" altLang="en-US" sz="2800" b="1">
+              <a:solidFill>
+                <a:schemeClr val="tx1"/>
+              </a:solidFill>
+              <a:sym typeface="+mn-ea"/>
+            </a:endParaRPr>
+          </a:p>
+          <a:p>
+            <a:pPr algn="l">
+              <a:lnSpc>
+                <a:spcPct val="150000"/>
+              </a:lnSpc>
+              <a:spcBef>
+                <a:spcPts val="1200"/>
+              </a:spcBef>
+              <a:spcAft>
+                <a:spcPts val="1200"/>
+              </a:spcAft>
+              <a:buClr>
+                <a:srgbClr val="92D050"/>
+              </a:buClr>
+              <a:buFont typeface="Wingdings" panose="05000000000000000000" pitchFamily="2" charset="2"/>
+              <a:buChar char="Ø"/>
+            </a:pPr>
+            <a:r>
+              <a:rPr lang="zh-CN" altLang="en-US" sz="2800" b="1">
+                <a:solidFill>
+                  <a:schemeClr val="tx1"/>
+                </a:solidFill>
+                <a:sym typeface="+mn-ea"/>
+              </a:rPr>
+              <a:t>稀疏数组与多维数组</a:t>
+            </a:r>
+            <a:endParaRPr lang="zh-CN" altLang="en-US" sz="2800" b="1">
+              <a:solidFill>
+                <a:schemeClr val="tx1"/>
+              </a:solidFill>
+              <a:sym typeface="+mn-ea"/>
+            </a:endParaRPr>
+          </a:p>
+          <a:p>
+            <a:pPr algn="l">
+              <a:lnSpc>
+                <a:spcPct val="150000"/>
+              </a:lnSpc>
+              <a:spcBef>
+                <a:spcPts val="1200"/>
+              </a:spcBef>
+              <a:spcAft>
+                <a:spcPts val="1200"/>
+              </a:spcAft>
+              <a:buClr>
+                <a:srgbClr val="92D050"/>
+              </a:buClr>
+              <a:buFont typeface="Wingdings" panose="05000000000000000000" pitchFamily="2" charset="2"/>
+              <a:buChar char="Ø"/>
+            </a:pPr>
+            <a:r>
+              <a:rPr lang="zh-CN" altLang="en-US" sz="2800" b="1">
+                <a:solidFill>
+                  <a:srgbClr val="FF0000"/>
+                </a:solidFill>
+                <a:sym typeface="+mn-ea"/>
+              </a:rPr>
+              <a:t>数组的方法和相关高阶函数</a:t>
+            </a:r>
+            <a:endParaRPr lang="zh-CN" altLang="en-US" sz="2800" b="1">
+              <a:solidFill>
+                <a:srgbClr val="FF0000"/>
+              </a:solidFill>
+              <a:sym typeface="+mn-ea"/>
+            </a:endParaRPr>
+          </a:p>
+        </p:txBody>
+      </p:sp>
+      <p:sp>
+        <p:nvSpPr>
+          <p:cNvPr id="4" name="内容占位符 3"/>
+          <p:cNvSpPr txBox="1"/>
+          <p:nvPr/>
+        </p:nvSpPr>
+        <p:spPr>
+          <a:xfrm>
+            <a:off x="981657" y="236943"/>
+            <a:ext cx="8191557" cy="490476"/>
+          </a:xfrm>
+          <a:prstGeom prst="rect">
+            <a:avLst/>
+          </a:prstGeom>
+        </p:spPr>
+        <p:txBody>
+          <a:bodyPr/>
+          <a:lstStyle>
+            <a:lvl1pPr marL="167005" indent="-167005" algn="l" defTabSz="0" rtl="0" eaLnBrk="0" fontAlgn="base" hangingPunct="0">
+              <a:spcBef>
+                <a:spcPct val="0"/>
+              </a:spcBef>
+              <a:spcAft>
+                <a:spcPct val="15000"/>
+              </a:spcAft>
+              <a:buClr>
+                <a:schemeClr val="tx2"/>
+              </a:buClr>
+              <a:buFont typeface="Arial" panose="020B0604020202020204" pitchFamily="34" charset="0"/>
+              <a:buChar char="•"/>
+              <a:defRPr kumimoji="1" sz="1600">
+                <a:solidFill>
+                  <a:srgbClr val="006F53"/>
+                </a:solidFill>
+                <a:latin typeface="微软雅黑" panose="020B0503020204020204" pitchFamily="34" charset="-122"/>
+                <a:ea typeface="微软雅黑" panose="020B0503020204020204" pitchFamily="34" charset="-122"/>
+                <a:cs typeface="微软雅黑" panose="020B0503020204020204" pitchFamily="34" charset="-122"/>
+              </a:defRPr>
+            </a:lvl1pPr>
+            <a:lvl2pPr marL="398780" indent="-230505" algn="l" defTabSz="0" rtl="0" eaLnBrk="0" fontAlgn="base" hangingPunct="0">
+              <a:spcBef>
+                <a:spcPct val="0"/>
+              </a:spcBef>
+              <a:spcAft>
+                <a:spcPct val="15000"/>
+              </a:spcAft>
+              <a:buClr>
+                <a:schemeClr val="tx2"/>
+              </a:buClr>
+              <a:buFont typeface="Arial" panose="020B0604020202020204" pitchFamily="34" charset="0"/>
+              <a:buChar char="–"/>
+              <a:defRPr kumimoji="1" sz="2800">
+                <a:solidFill>
+                  <a:schemeClr val="bg2"/>
+                </a:solidFill>
+                <a:latin typeface="微软雅黑" panose="020B0503020204020204" pitchFamily="34" charset="-122"/>
+                <a:ea typeface="微软雅黑" panose="020B0503020204020204" pitchFamily="34" charset="-122"/>
+                <a:cs typeface="微软雅黑" panose="020B0503020204020204" pitchFamily="34" charset="-122"/>
+              </a:defRPr>
+            </a:lvl2pPr>
+            <a:lvl3pPr marL="400050" indent="182880" algn="l" defTabSz="0" rtl="0" eaLnBrk="0" fontAlgn="base" hangingPunct="0">
+              <a:spcBef>
+                <a:spcPct val="0"/>
+              </a:spcBef>
+              <a:spcAft>
+                <a:spcPct val="15000"/>
+              </a:spcAft>
+              <a:buClr>
+                <a:schemeClr val="tx2"/>
+              </a:buClr>
+              <a:buFont typeface="Arial" panose="020B0604020202020204" pitchFamily="34" charset="0"/>
+              <a:buChar char="•"/>
+              <a:defRPr kumimoji="1" sz="1600">
+                <a:solidFill>
+                  <a:schemeClr val="bg2"/>
+                </a:solidFill>
+                <a:latin typeface="微软雅黑" panose="020B0503020204020204" pitchFamily="34" charset="-122"/>
+                <a:ea typeface="微软雅黑" panose="020B0503020204020204" pitchFamily="34" charset="-122"/>
+                <a:cs typeface="微软雅黑" panose="020B0503020204020204" pitchFamily="34" charset="-122"/>
+              </a:defRPr>
+            </a:lvl3pPr>
+            <a:lvl4pPr marL="825500" indent="-241300" algn="l" defTabSz="0" rtl="0" eaLnBrk="0" fontAlgn="base" hangingPunct="0">
+              <a:spcBef>
+                <a:spcPct val="0"/>
+              </a:spcBef>
+              <a:spcAft>
+                <a:spcPct val="15000"/>
+              </a:spcAft>
+              <a:buClr>
+                <a:schemeClr val="tx2"/>
+              </a:buClr>
+              <a:buFont typeface="Arial" panose="020B0604020202020204" pitchFamily="34" charset="0"/>
+              <a:buChar char="–"/>
+              <a:defRPr kumimoji="1" sz="1600">
+                <a:solidFill>
+                  <a:schemeClr val="bg2"/>
+                </a:solidFill>
+                <a:latin typeface="微软雅黑" panose="020B0503020204020204" pitchFamily="34" charset="-122"/>
+                <a:ea typeface="微软雅黑" panose="020B0503020204020204" pitchFamily="34" charset="-122"/>
+                <a:cs typeface="微软雅黑" panose="020B0503020204020204" pitchFamily="34" charset="-122"/>
+              </a:defRPr>
+            </a:lvl4pPr>
+            <a:lvl5pPr marL="2057400" indent="-228600" algn="l" defTabSz="0" rtl="0" eaLnBrk="0" fontAlgn="base" hangingPunct="0">
+              <a:spcBef>
+                <a:spcPct val="0"/>
+              </a:spcBef>
+              <a:spcAft>
+                <a:spcPct val="25000"/>
+              </a:spcAft>
+              <a:buClr>
+                <a:schemeClr val="tx2"/>
+              </a:buClr>
+              <a:buFont typeface="Arial" panose="020B0604020202020204" pitchFamily="34" charset="0"/>
+              <a:buChar char="–"/>
+              <a:defRPr kumimoji="1" sz="2000">
+                <a:solidFill>
+                  <a:schemeClr val="tx1"/>
+                </a:solidFill>
+                <a:latin typeface="+mn-lt"/>
+                <a:ea typeface="微软雅黑" panose="020B0503020204020204" pitchFamily="34" charset="-122"/>
+                <a:cs typeface="微软雅黑" panose="020B0503020204020204" pitchFamily="34" charset="-122"/>
+              </a:defRPr>
+            </a:lvl5pPr>
+            <a:lvl6pPr marL="2514600" indent="-228600" algn="l" defTabSz="0" rtl="0" eaLnBrk="0" fontAlgn="base" hangingPunct="0">
+              <a:spcBef>
+                <a:spcPct val="0"/>
+              </a:spcBef>
+              <a:spcAft>
+                <a:spcPct val="25000"/>
+              </a:spcAft>
+              <a:buClr>
+                <a:schemeClr val="tx2"/>
+              </a:buClr>
+              <a:buFont typeface="Arial" panose="020B0604020202020204" pitchFamily="34" charset="0"/>
+              <a:buChar char="–"/>
+              <a:defRPr>
+                <a:solidFill>
+                  <a:schemeClr val="tx1"/>
+                </a:solidFill>
+                <a:latin typeface="+mn-lt"/>
+              </a:defRPr>
+            </a:lvl6pPr>
+            <a:lvl7pPr marL="2971800" indent="-228600" algn="l" defTabSz="0" rtl="0" eaLnBrk="0" fontAlgn="base" hangingPunct="0">
+              <a:spcBef>
+                <a:spcPct val="0"/>
+              </a:spcBef>
+              <a:spcAft>
+                <a:spcPct val="25000"/>
+              </a:spcAft>
+              <a:buClr>
+                <a:schemeClr val="tx2"/>
+              </a:buClr>
+              <a:buFont typeface="Arial" panose="020B0604020202020204" pitchFamily="34" charset="0"/>
+              <a:buChar char="–"/>
+              <a:defRPr>
+                <a:solidFill>
+                  <a:schemeClr val="tx1"/>
+                </a:solidFill>
+                <a:latin typeface="+mn-lt"/>
+              </a:defRPr>
+            </a:lvl7pPr>
+            <a:lvl8pPr marL="3429000" indent="-228600" algn="l" defTabSz="0" rtl="0" eaLnBrk="0" fontAlgn="base" hangingPunct="0">
+              <a:spcBef>
+                <a:spcPct val="0"/>
+              </a:spcBef>
+              <a:spcAft>
+                <a:spcPct val="25000"/>
+              </a:spcAft>
+              <a:buClr>
+                <a:schemeClr val="tx2"/>
+              </a:buClr>
+              <a:buFont typeface="Arial" panose="020B0604020202020204" pitchFamily="34" charset="0"/>
+              <a:buChar char="–"/>
+              <a:defRPr>
+                <a:solidFill>
+                  <a:schemeClr val="tx1"/>
+                </a:solidFill>
+                <a:latin typeface="+mn-lt"/>
+              </a:defRPr>
+            </a:lvl8pPr>
+            <a:lvl9pPr marL="3886200" indent="-228600" algn="l" defTabSz="0" rtl="0" eaLnBrk="0" fontAlgn="base" hangingPunct="0">
+              <a:spcBef>
+                <a:spcPct val="0"/>
+              </a:spcBef>
+              <a:spcAft>
+                <a:spcPct val="25000"/>
+              </a:spcAft>
+              <a:buClr>
+                <a:schemeClr val="tx2"/>
+              </a:buClr>
+              <a:buFont typeface="Arial" panose="020B0604020202020204" pitchFamily="34" charset="0"/>
+              <a:buChar char="–"/>
+              <a:defRPr>
+                <a:solidFill>
+                  <a:schemeClr val="tx1"/>
+                </a:solidFill>
+                <a:latin typeface="+mn-lt"/>
+              </a:defRPr>
+            </a:lvl9pPr>
+          </a:lstStyle>
+          <a:p>
+            <a:pPr marL="0" indent="0">
+              <a:buNone/>
+            </a:pPr>
+            <a:r>
+              <a:rPr lang="zh-CN" altLang="en-US" sz="3200" dirty="0" smtClean="0">
+                <a:solidFill>
+                  <a:srgbClr val="C00000"/>
+                </a:solidFill>
+                <a:cs typeface="+mn-cs"/>
+                <a:sym typeface="+mn-ea"/>
+              </a:rPr>
+              <a:t>内容提纲</a:t>
+            </a:r>
+            <a:endParaRPr lang="zh-CN" altLang="en-US" kern="0" dirty="0"/>
+          </a:p>
+        </p:txBody>
+      </p:sp>
+    </p:spTree>
+  </p:cSld>
+  <p:clrMapOvr>
+    <a:masterClrMapping/>
+  </p:clrMapOvr>
+  <p:timing>
+    <p:tnLst>
+      <p:par>
+        <p:cTn id="1" dur="indefinite" restart="never" nodeType="tmRoot"/>
+      </p:par>
+    </p:tnLst>
+  </p:timing>
+</p:sld>
+</file>
+
+<file path=ppt/slides/slide11.xml><?xml version="1.0" encoding="utf-8"?>
+<p:sld xmlns:a="http://schemas.openxmlformats.org/drawingml/2006/main" xmlns:r="http://schemas.openxmlformats.org/officeDocument/2006/relationships" xmlns:p="http://schemas.openxmlformats.org/presentationml/2006/main">
+  <p:cSld>
+    <p:spTree>
+      <p:nvGrpSpPr>
+        <p:cNvPr id="1" name=""/>
+        <p:cNvGrpSpPr/>
+        <p:nvPr/>
+      </p:nvGrpSpPr>
+      <p:grpSpPr>
+        <a:xfrm>
+          <a:off x="0" y="0"/>
+          <a:ext cx="0" cy="0"/>
+          <a:chOff x="0" y="0"/>
+          <a:chExt cx="0" cy="0"/>
+        </a:xfrm>
+      </p:grpSpPr>
+      <p:sp>
+        <p:nvSpPr>
           <p:cNvPr id="2" name="内容占位符 1"/>
           <p:cNvSpPr>
             <a:spLocks noGrp="1"/>
@@ -3548,7 +4089,7 @@
           <a:p>
             <a:pPr>
               <a:lnSpc>
-                <a:spcPct val="160000"/>
+                <a:spcPct val="150000"/>
               </a:lnSpc>
             </a:pPr>
             <a:r>
@@ -3558,7 +4099,7 @@
                 </a:solidFill>
                 <a:sym typeface="+mn-ea"/>
               </a:rPr>
-              <a:t>多维数组</a:t>
+              <a:t>数组构造器方法（静态方法）</a:t>
             </a:r>
             <a:br>
               <a:rPr lang="zh-CN" altLang="en-US" sz="3200" dirty="0">
@@ -3575,25 +4116,64 @@
                 </a:solidFill>
                 <a:sym typeface="+mn-ea"/>
               </a:rPr>
-              <a:t>- JS</a:t>
-            </a:r>
-            <a:r>
-              <a:rPr lang="zh-CN" altLang="en-US" sz="1800" dirty="0">
-                <a:solidFill>
-                  <a:schemeClr val="tx1"/>
-                </a:solidFill>
-                <a:sym typeface="+mn-ea"/>
-              </a:rPr>
-              <a:t>不支持真正的多维数组，但</a:t>
-            </a:r>
-            <a:r>
-              <a:rPr lang="zh-CN" altLang="en-US" sz="1800" dirty="0">
-                <a:solidFill>
-                  <a:schemeClr val="tx1"/>
-                </a:solidFill>
-                <a:sym typeface="+mn-ea"/>
-              </a:rPr>
-              <a:t>可以用包含数组的数组来模拟多维数组</a:t>
+              <a:t>- Array.isArray(...);</a:t>
+            </a:r>
+            <a:endParaRPr lang="en-US" altLang="zh-CN" sz="1800" dirty="0">
+              <a:solidFill>
+                <a:schemeClr val="tx1"/>
+              </a:solidFill>
+              <a:sym typeface="+mn-ea"/>
+            </a:endParaRPr>
+          </a:p>
+          <a:p>
+            <a:pPr>
+              <a:lnSpc>
+                <a:spcPct val="150000"/>
+              </a:lnSpc>
+            </a:pPr>
+            <a:r>
+              <a:rPr lang="zh-CN" altLang="en-US" sz="3200" dirty="0">
+                <a:solidFill>
+                  <a:schemeClr val="tx1"/>
+                </a:solidFill>
+                <a:sym typeface="+mn-ea"/>
+              </a:rPr>
+              <a:t>数组原型方法（添加和删除元素</a:t>
+            </a:r>
+            <a:r>
+              <a:rPr lang="en-US" altLang="zh-CN" sz="3200" dirty="0">
+                <a:solidFill>
+                  <a:schemeClr val="tx1"/>
+                </a:solidFill>
+                <a:sym typeface="+mn-ea"/>
+              </a:rPr>
+              <a:t>-</a:t>
+            </a:r>
+            <a:r>
+              <a:rPr lang="zh-CN" altLang="en-US" sz="3200" dirty="0">
+                <a:solidFill>
+                  <a:schemeClr val="tx1"/>
+                </a:solidFill>
+                <a:sym typeface="+mn-ea"/>
+              </a:rPr>
+              <a:t>破坏性）</a:t>
+            </a:r>
+            <a:br>
+              <a:rPr lang="zh-CN" altLang="en-US" sz="3200" dirty="0">
+                <a:solidFill>
+                  <a:schemeClr val="tx1"/>
+                </a:solidFill>
+                <a:sym typeface="+mn-ea"/>
+              </a:rPr>
+            </a:br>
+            <a:r>
+              <a:rPr lang="en-US" altLang="zh-CN" sz="1800" dirty="0">
+                <a:solidFill>
+                  <a:schemeClr val="tx1"/>
+                </a:solidFill>
+                <a:sym typeface="+mn-ea"/>
+              </a:rPr>
+              <a:t>- Array.prototype.shift()</a:t>
             </a:r>
             <a:br>
               <a:rPr lang="en-US" altLang="zh-CN" sz="1800" dirty="0">
@@ -3603,9 +4183,122 @@
                 <a:sym typeface="+mn-ea"/>
               </a:rPr>
             </a:br>
-            <a:endParaRPr lang="zh-CN" altLang="en-US" sz="1800" dirty="0">
+            <a:r>
+              <a:rPr lang="en-US" altLang="zh-CN" sz="1800" dirty="0">
+                <a:solidFill>
+                  <a:schemeClr val="tx1"/>
+                </a:solidFill>
+                <a:sym typeface="+mn-ea"/>
+              </a:rPr>
+              <a:t>- </a:t>
+            </a:r>
+            <a:r>
+              <a:rPr lang="en-US" altLang="zh-CN" sz="1800" dirty="0">
+                <a:solidFill>
+                  <a:schemeClr val="tx1"/>
+                </a:solidFill>
+                <a:sym typeface="+mn-ea"/>
+              </a:rPr>
+              <a:t>Array.prototype.unshift(elem1?,elem2?,...)</a:t>
+            </a:r>
+            <a:br>
+              <a:rPr lang="en-US" altLang="zh-CN" sz="1800" dirty="0">
+                <a:solidFill>
+                  <a:schemeClr val="tx1"/>
+                </a:solidFill>
+                <a:sym typeface="+mn-ea"/>
+              </a:rPr>
+            </a:br>
+            <a:r>
+              <a:rPr lang="en-US" altLang="zh-CN" sz="1800" dirty="0">
+                <a:solidFill>
+                  <a:schemeClr val="tx1"/>
+                </a:solidFill>
+                <a:sym typeface="+mn-ea"/>
+              </a:rPr>
+              <a:t>- </a:t>
+            </a:r>
+            <a:r>
+              <a:rPr lang="en-US" altLang="zh-CN" sz="1800" dirty="0">
+                <a:solidFill>
+                  <a:schemeClr val="tx1"/>
+                </a:solidFill>
+                <a:sym typeface="+mn-ea"/>
+              </a:rPr>
+              <a:t>Array.prototype.pop()</a:t>
+            </a:r>
+            <a:br>
+              <a:rPr lang="en-US" altLang="zh-CN" sz="1800" dirty="0">
+                <a:solidFill>
+                  <a:schemeClr val="tx1"/>
+                </a:solidFill>
+                <a:sym typeface="+mn-ea"/>
+              </a:rPr>
+            </a:br>
+            <a:r>
+              <a:rPr lang="en-US" altLang="zh-CN" sz="1800" dirty="0">
+                <a:solidFill>
+                  <a:schemeClr val="tx1"/>
+                </a:solidFill>
+                <a:sym typeface="+mn-ea"/>
+              </a:rPr>
+              <a:t>- </a:t>
+            </a:r>
+            <a:r>
+              <a:rPr lang="en-US" altLang="zh-CN" sz="1800" dirty="0">
+                <a:solidFill>
+                  <a:schemeClr val="tx1"/>
+                </a:solidFill>
+                <a:sym typeface="+mn-ea"/>
+              </a:rPr>
+              <a:t>Array.prototype.push(elem1?,elem2?,...</a:t>
+            </a:r>
+            <a:r>
+              <a:rPr lang="en-US" altLang="zh-CN" sz="1800" dirty="0">
+                <a:solidFill>
+                  <a:schemeClr val="tx1"/>
+                </a:solidFill>
+                <a:sym typeface="+mn-ea"/>
+              </a:rPr>
+              <a:t>)</a:t>
+            </a:r>
+            <a:br>
+              <a:rPr lang="en-US" altLang="zh-CN" sz="1800" dirty="0">
+                <a:solidFill>
+                  <a:schemeClr val="tx1"/>
+                </a:solidFill>
+                <a:sym typeface="+mn-ea"/>
+              </a:rPr>
+            </a:br>
+            <a:r>
+              <a:rPr lang="en-US" altLang="zh-CN" sz="1800" dirty="0">
+                <a:solidFill>
+                  <a:schemeClr val="tx1"/>
+                </a:solidFill>
+                <a:sym typeface="+mn-ea"/>
+              </a:rPr>
+              <a:t>- </a:t>
+            </a:r>
+            <a:r>
+              <a:rPr lang="en-US" altLang="zh-CN" sz="1800" dirty="0">
+                <a:solidFill>
+                  <a:schemeClr val="tx1"/>
+                </a:solidFill>
+                <a:sym typeface="+mn-ea"/>
+              </a:rPr>
+              <a:t>Array.prototype.splice(start,deleteCount?,elem1?,elem2?)</a:t>
+            </a:r>
+            <a:br>
+              <a:rPr lang="en-US" altLang="zh-CN" sz="1000" dirty="0">
+                <a:solidFill>
+                  <a:schemeClr val="tx1"/>
+                </a:solidFill>
+                <a:sym typeface="+mn-ea"/>
+              </a:rPr>
+            </a:br>
+            <a:endParaRPr lang="en-US" altLang="zh-CN" sz="1000" dirty="0">
               <a:solidFill>
-                <a:schemeClr val="accent3"/>
+                <a:schemeClr val="tx1"/>
               </a:solidFill>
               <a:sym typeface="+mn-ea"/>
             </a:endParaRPr>
@@ -3645,7 +4338,7 @@
               <a:rPr lang="zh-CN" altLang="en-US" dirty="0">
                 <a:sym typeface="+mn-ea"/>
               </a:rPr>
-              <a:t>稀疏数组与多维数组</a:t>
+              <a:t>数组的方法和相关高阶函数</a:t>
             </a:r>
             <a:endParaRPr lang="zh-CN" altLang="en-US" dirty="0"/>
           </a:p>
@@ -3660,7 +4353,7 @@
         <p:spPr>
           <a:xfrm>
             <a:off x="5368290" y="6108700"/>
-            <a:ext cx="5420360" cy="429895"/>
+            <a:ext cx="5069840" cy="429895"/>
           </a:xfrm>
           <a:prstGeom prst="rect">
             <a:avLst/>
@@ -3691,7 +4384,7 @@
                 <a:latin typeface="+mn-ea"/>
                 <a:ea typeface="+mn-ea"/>
               </a:rPr>
-              <a:t>demo</a:t>
+              <a:t>demo </a:t>
             </a:r>
             <a:endParaRPr lang="zh-CN" altLang="en-US" sz="2200">
               <a:solidFill>
@@ -3703,30 +4396,6 @@
           </a:p>
         </p:txBody>
       </p:sp>
-      <p:pic>
-        <p:nvPicPr>
-          <p:cNvPr id="5" name="图片 4"/>
-          <p:cNvPicPr>
-            <a:picLocks noChangeAspect="1"/>
-          </p:cNvPicPr>
-          <p:nvPr/>
-        </p:nvPicPr>
-        <p:blipFill>
-          <a:blip r:embed="rId1"/>
-          <a:stretch>
-            <a:fillRect/>
-          </a:stretch>
-        </p:blipFill>
-        <p:spPr>
-          <a:xfrm>
-            <a:off x="1197610" y="2267585"/>
-            <a:ext cx="6538595" cy="3110230"/>
-          </a:xfrm>
-          <a:prstGeom prst="rect">
-            <a:avLst/>
-          </a:prstGeom>
-        </p:spPr>
-      </p:pic>
     </p:spTree>
   </p:cSld>
   <p:clrMapOvr>
@@ -3862,502 +4531,6 @@
 </p:sld>
 </file>
 
-<file path=ppt/slides/slide11.xml><?xml version="1.0" encoding="utf-8"?>
-<p:sld xmlns:a="http://schemas.openxmlformats.org/drawingml/2006/main" xmlns:r="http://schemas.openxmlformats.org/officeDocument/2006/relationships" xmlns:p="http://schemas.openxmlformats.org/presentationml/2006/main">
-  <p:cSld>
-    <p:spTree>
-      <p:nvGrpSpPr>
-        <p:cNvPr id="1" name=""/>
-        <p:cNvGrpSpPr/>
-        <p:nvPr/>
-      </p:nvGrpSpPr>
-      <p:grpSpPr>
-        <a:xfrm>
-          <a:off x="0" y="0"/>
-          <a:ext cx="0" cy="0"/>
-          <a:chOff x="0" y="0"/>
-          <a:chExt cx="0" cy="0"/>
-        </a:xfrm>
-      </p:grpSpPr>
-      <p:sp>
-        <p:nvSpPr>
-          <p:cNvPr id="5123" name="AutoShape 6"/>
-          <p:cNvSpPr>
-            <a:spLocks noChangeArrowheads="1"/>
-          </p:cNvSpPr>
-          <p:nvPr/>
-        </p:nvSpPr>
-        <p:spPr bwMode="auto">
-          <a:xfrm>
-            <a:off x="2566988" y="1339851"/>
-            <a:ext cx="6711950" cy="4214813"/>
-          </a:xfrm>
-          <a:prstGeom prst="roundRect">
-            <a:avLst>
-              <a:gd name="adj" fmla="val 16667"/>
-            </a:avLst>
-          </a:prstGeom>
-          <a:noFill/>
-          <a:ln w="28575">
-            <a:solidFill>
-              <a:srgbClr val="C0C0C0"/>
-            </a:solidFill>
-            <a:prstDash val="sysDot"/>
-            <a:round/>
-          </a:ln>
-          <a:extLst>
-            <a:ext uri="{909E8E84-426E-40DD-AFC4-6F175D3DCCD1}">
-              <a14:hiddenFill xmlns:a14="http://schemas.microsoft.com/office/drawing/2010/main">
-                <a:solidFill>
-                  <a:srgbClr val="FFFFFF"/>
-                </a:solidFill>
-              </a14:hiddenFill>
-            </a:ext>
-          </a:extLst>
-        </p:spPr>
-        <p:txBody>
-          <a:bodyPr wrap="none" anchor="ctr"/>
-          <a:lstStyle>
-            <a:lvl1pPr marL="457200" indent="-457200">
-              <a:defRPr sz="3200">
-                <a:solidFill>
-                  <a:schemeClr val="tx1"/>
-                </a:solidFill>
-                <a:latin typeface="Arial" panose="020B0604020202020204" pitchFamily="34" charset="0"/>
-                <a:ea typeface="微软雅黑" panose="020B0503020204020204" pitchFamily="34" charset="-122"/>
-              </a:defRPr>
-            </a:lvl1pPr>
-            <a:lvl2pPr marL="742950" indent="-285750">
-              <a:defRPr sz="3200">
-                <a:solidFill>
-                  <a:schemeClr val="tx1"/>
-                </a:solidFill>
-                <a:latin typeface="Arial" panose="020B0604020202020204" pitchFamily="34" charset="0"/>
-                <a:ea typeface="微软雅黑" panose="020B0503020204020204" pitchFamily="34" charset="-122"/>
-              </a:defRPr>
-            </a:lvl2pPr>
-            <a:lvl3pPr marL="1143000" indent="-228600">
-              <a:defRPr sz="3200">
-                <a:solidFill>
-                  <a:schemeClr val="tx1"/>
-                </a:solidFill>
-                <a:latin typeface="Arial" panose="020B0604020202020204" pitchFamily="34" charset="0"/>
-                <a:ea typeface="微软雅黑" panose="020B0503020204020204" pitchFamily="34" charset="-122"/>
-              </a:defRPr>
-            </a:lvl3pPr>
-            <a:lvl4pPr marL="1600200" indent="-228600">
-              <a:defRPr sz="3200">
-                <a:solidFill>
-                  <a:schemeClr val="tx1"/>
-                </a:solidFill>
-                <a:latin typeface="Arial" panose="020B0604020202020204" pitchFamily="34" charset="0"/>
-                <a:ea typeface="微软雅黑" panose="020B0503020204020204" pitchFamily="34" charset="-122"/>
-              </a:defRPr>
-            </a:lvl4pPr>
-            <a:lvl5pPr marL="2057400" indent="-228600">
-              <a:defRPr sz="3200">
-                <a:solidFill>
-                  <a:schemeClr val="tx1"/>
-                </a:solidFill>
-                <a:latin typeface="Arial" panose="020B0604020202020204" pitchFamily="34" charset="0"/>
-                <a:ea typeface="微软雅黑" panose="020B0503020204020204" pitchFamily="34" charset="-122"/>
-              </a:defRPr>
-            </a:lvl5pPr>
-            <a:lvl6pPr marL="2514600" indent="-228600" eaLnBrk="0" fontAlgn="base" hangingPunct="0">
-              <a:spcBef>
-                <a:spcPct val="0"/>
-              </a:spcBef>
-              <a:spcAft>
-                <a:spcPct val="0"/>
-              </a:spcAft>
-              <a:defRPr sz="3200">
-                <a:solidFill>
-                  <a:schemeClr val="tx1"/>
-                </a:solidFill>
-                <a:latin typeface="Arial" panose="020B0604020202020204" pitchFamily="34" charset="0"/>
-                <a:ea typeface="微软雅黑" panose="020B0503020204020204" pitchFamily="34" charset="-122"/>
-              </a:defRPr>
-            </a:lvl6pPr>
-            <a:lvl7pPr marL="2971800" indent="-228600" eaLnBrk="0" fontAlgn="base" hangingPunct="0">
-              <a:spcBef>
-                <a:spcPct val="0"/>
-              </a:spcBef>
-              <a:spcAft>
-                <a:spcPct val="0"/>
-              </a:spcAft>
-              <a:defRPr sz="3200">
-                <a:solidFill>
-                  <a:schemeClr val="tx1"/>
-                </a:solidFill>
-                <a:latin typeface="Arial" panose="020B0604020202020204" pitchFamily="34" charset="0"/>
-                <a:ea typeface="微软雅黑" panose="020B0503020204020204" pitchFamily="34" charset="-122"/>
-              </a:defRPr>
-            </a:lvl7pPr>
-            <a:lvl8pPr marL="3429000" indent="-228600" eaLnBrk="0" fontAlgn="base" hangingPunct="0">
-              <a:spcBef>
-                <a:spcPct val="0"/>
-              </a:spcBef>
-              <a:spcAft>
-                <a:spcPct val="0"/>
-              </a:spcAft>
-              <a:defRPr sz="3200">
-                <a:solidFill>
-                  <a:schemeClr val="tx1"/>
-                </a:solidFill>
-                <a:latin typeface="Arial" panose="020B0604020202020204" pitchFamily="34" charset="0"/>
-                <a:ea typeface="微软雅黑" panose="020B0503020204020204" pitchFamily="34" charset="-122"/>
-              </a:defRPr>
-            </a:lvl8pPr>
-            <a:lvl9pPr marL="3886200" indent="-228600" eaLnBrk="0" fontAlgn="base" hangingPunct="0">
-              <a:spcBef>
-                <a:spcPct val="0"/>
-              </a:spcBef>
-              <a:spcAft>
-                <a:spcPct val="0"/>
-              </a:spcAft>
-              <a:defRPr sz="3200">
-                <a:solidFill>
-                  <a:schemeClr val="tx1"/>
-                </a:solidFill>
-                <a:latin typeface="Arial" panose="020B0604020202020204" pitchFamily="34" charset="0"/>
-                <a:ea typeface="微软雅黑" panose="020B0503020204020204" pitchFamily="34" charset="-122"/>
-              </a:defRPr>
-            </a:lvl9pPr>
-          </a:lstStyle>
-          <a:p>
-            <a:pPr algn="l">
-              <a:lnSpc>
-                <a:spcPct val="150000"/>
-              </a:lnSpc>
-              <a:spcBef>
-                <a:spcPts val="1200"/>
-              </a:spcBef>
-              <a:spcAft>
-                <a:spcPts val="1200"/>
-              </a:spcAft>
-              <a:buClr>
-                <a:srgbClr val="92D050"/>
-              </a:buClr>
-              <a:buFont typeface="Wingdings" panose="05000000000000000000" pitchFamily="2" charset="2"/>
-              <a:buChar char="Ø"/>
-            </a:pPr>
-            <a:r>
-              <a:rPr lang="zh-CN" altLang="en-US" sz="2800" b="1">
-                <a:solidFill>
-                  <a:schemeClr val="tx1"/>
-                </a:solidFill>
-                <a:sym typeface="+mn-ea"/>
-              </a:rPr>
-              <a:t>数组的创建和基本操作（增删改查）</a:t>
-            </a:r>
-            <a:endParaRPr lang="zh-CN" altLang="en-US" sz="2800" b="1">
-              <a:solidFill>
-                <a:schemeClr val="tx1"/>
-              </a:solidFill>
-              <a:sym typeface="+mn-ea"/>
-            </a:endParaRPr>
-          </a:p>
-          <a:p>
-            <a:pPr algn="l">
-              <a:lnSpc>
-                <a:spcPct val="150000"/>
-              </a:lnSpc>
-              <a:spcBef>
-                <a:spcPts val="1200"/>
-              </a:spcBef>
-              <a:spcAft>
-                <a:spcPts val="1200"/>
-              </a:spcAft>
-              <a:buClr>
-                <a:srgbClr val="92D050"/>
-              </a:buClr>
-              <a:buFont typeface="Wingdings" panose="05000000000000000000" pitchFamily="2" charset="2"/>
-              <a:buChar char="Ø"/>
-            </a:pPr>
-            <a:r>
-              <a:rPr lang="zh-CN" altLang="en-US" sz="2800" b="1">
-                <a:solidFill>
-                  <a:schemeClr val="tx1"/>
-                </a:solidFill>
-                <a:sym typeface="+mn-ea"/>
-              </a:rPr>
-              <a:t>稀疏数组与多维数组</a:t>
-            </a:r>
-            <a:endParaRPr lang="zh-CN" altLang="en-US" sz="2800" b="1">
-              <a:solidFill>
-                <a:schemeClr val="tx1"/>
-              </a:solidFill>
-              <a:sym typeface="+mn-ea"/>
-            </a:endParaRPr>
-          </a:p>
-          <a:p>
-            <a:pPr algn="l">
-              <a:lnSpc>
-                <a:spcPct val="150000"/>
-              </a:lnSpc>
-              <a:spcBef>
-                <a:spcPts val="1200"/>
-              </a:spcBef>
-              <a:spcAft>
-                <a:spcPts val="1200"/>
-              </a:spcAft>
-              <a:buClr>
-                <a:srgbClr val="92D050"/>
-              </a:buClr>
-              <a:buFont typeface="Wingdings" panose="05000000000000000000" pitchFamily="2" charset="2"/>
-              <a:buChar char="Ø"/>
-            </a:pPr>
-            <a:r>
-              <a:rPr lang="zh-CN" altLang="en-US" sz="2800" b="1">
-                <a:solidFill>
-                  <a:srgbClr val="FF0000"/>
-                </a:solidFill>
-                <a:sym typeface="+mn-ea"/>
-              </a:rPr>
-              <a:t>数组的方法和相关高阶函数</a:t>
-            </a:r>
-            <a:endParaRPr lang="zh-CN" altLang="en-US" sz="2800" b="1">
-              <a:solidFill>
-                <a:srgbClr val="FF0000"/>
-              </a:solidFill>
-              <a:sym typeface="+mn-ea"/>
-            </a:endParaRPr>
-          </a:p>
-        </p:txBody>
-      </p:sp>
-      <p:sp>
-        <p:nvSpPr>
-          <p:cNvPr id="4" name="内容占位符 3"/>
-          <p:cNvSpPr txBox="1"/>
-          <p:nvPr/>
-        </p:nvSpPr>
-        <p:spPr>
-          <a:xfrm>
-            <a:off x="981657" y="236943"/>
-            <a:ext cx="8191557" cy="490476"/>
-          </a:xfrm>
-          <a:prstGeom prst="rect">
-            <a:avLst/>
-          </a:prstGeom>
-        </p:spPr>
-        <p:txBody>
-          <a:bodyPr/>
-          <a:lstStyle>
-            <a:lvl1pPr marL="167005" indent="-167005" algn="l" defTabSz="0" rtl="0" eaLnBrk="0" fontAlgn="base" hangingPunct="0">
-              <a:spcBef>
-                <a:spcPct val="0"/>
-              </a:spcBef>
-              <a:spcAft>
-                <a:spcPct val="15000"/>
-              </a:spcAft>
-              <a:buClr>
-                <a:schemeClr val="tx2"/>
-              </a:buClr>
-              <a:buFont typeface="Arial" panose="020B0604020202020204" pitchFamily="34" charset="0"/>
-              <a:buChar char="•"/>
-              <a:defRPr kumimoji="1" sz="1600">
-                <a:solidFill>
-                  <a:srgbClr val="006F53"/>
-                </a:solidFill>
-                <a:latin typeface="微软雅黑" panose="020B0503020204020204" pitchFamily="34" charset="-122"/>
-                <a:ea typeface="微软雅黑" panose="020B0503020204020204" pitchFamily="34" charset="-122"/>
-                <a:cs typeface="微软雅黑" panose="020B0503020204020204" pitchFamily="34" charset="-122"/>
-              </a:defRPr>
-            </a:lvl1pPr>
-            <a:lvl2pPr marL="398780" indent="-230505" algn="l" defTabSz="0" rtl="0" eaLnBrk="0" fontAlgn="base" hangingPunct="0">
-              <a:spcBef>
-                <a:spcPct val="0"/>
-              </a:spcBef>
-              <a:spcAft>
-                <a:spcPct val="15000"/>
-              </a:spcAft>
-              <a:buClr>
-                <a:schemeClr val="tx2"/>
-              </a:buClr>
-              <a:buFont typeface="Arial" panose="020B0604020202020204" pitchFamily="34" charset="0"/>
-              <a:buChar char="–"/>
-              <a:defRPr kumimoji="1" sz="2800">
-                <a:solidFill>
-                  <a:schemeClr val="bg2"/>
-                </a:solidFill>
-                <a:latin typeface="微软雅黑" panose="020B0503020204020204" pitchFamily="34" charset="-122"/>
-                <a:ea typeface="微软雅黑" panose="020B0503020204020204" pitchFamily="34" charset="-122"/>
-                <a:cs typeface="微软雅黑" panose="020B0503020204020204" pitchFamily="34" charset="-122"/>
-              </a:defRPr>
-            </a:lvl2pPr>
-            <a:lvl3pPr marL="400050" indent="182880" algn="l" defTabSz="0" rtl="0" eaLnBrk="0" fontAlgn="base" hangingPunct="0">
-              <a:spcBef>
-                <a:spcPct val="0"/>
-              </a:spcBef>
-              <a:spcAft>
-                <a:spcPct val="15000"/>
-              </a:spcAft>
-              <a:buClr>
-                <a:schemeClr val="tx2"/>
-              </a:buClr>
-              <a:buFont typeface="Arial" panose="020B0604020202020204" pitchFamily="34" charset="0"/>
-              <a:buChar char="•"/>
-              <a:defRPr kumimoji="1" sz="1600">
-                <a:solidFill>
-                  <a:schemeClr val="bg2"/>
-                </a:solidFill>
-                <a:latin typeface="微软雅黑" panose="020B0503020204020204" pitchFamily="34" charset="-122"/>
-                <a:ea typeface="微软雅黑" panose="020B0503020204020204" pitchFamily="34" charset="-122"/>
-                <a:cs typeface="微软雅黑" panose="020B0503020204020204" pitchFamily="34" charset="-122"/>
-              </a:defRPr>
-            </a:lvl3pPr>
-            <a:lvl4pPr marL="825500" indent="-241300" algn="l" defTabSz="0" rtl="0" eaLnBrk="0" fontAlgn="base" hangingPunct="0">
-              <a:spcBef>
-                <a:spcPct val="0"/>
-              </a:spcBef>
-              <a:spcAft>
-                <a:spcPct val="15000"/>
-              </a:spcAft>
-              <a:buClr>
-                <a:schemeClr val="tx2"/>
-              </a:buClr>
-              <a:buFont typeface="Arial" panose="020B0604020202020204" pitchFamily="34" charset="0"/>
-              <a:buChar char="–"/>
-              <a:defRPr kumimoji="1" sz="1600">
-                <a:solidFill>
-                  <a:schemeClr val="bg2"/>
-                </a:solidFill>
-                <a:latin typeface="微软雅黑" panose="020B0503020204020204" pitchFamily="34" charset="-122"/>
-                <a:ea typeface="微软雅黑" panose="020B0503020204020204" pitchFamily="34" charset="-122"/>
-                <a:cs typeface="微软雅黑" panose="020B0503020204020204" pitchFamily="34" charset="-122"/>
-              </a:defRPr>
-            </a:lvl4pPr>
-            <a:lvl5pPr marL="2057400" indent="-228600" algn="l" defTabSz="0" rtl="0" eaLnBrk="0" fontAlgn="base" hangingPunct="0">
-              <a:spcBef>
-                <a:spcPct val="0"/>
-              </a:spcBef>
-              <a:spcAft>
-                <a:spcPct val="25000"/>
-              </a:spcAft>
-              <a:buClr>
-                <a:schemeClr val="tx2"/>
-              </a:buClr>
-              <a:buFont typeface="Arial" panose="020B0604020202020204" pitchFamily="34" charset="0"/>
-              <a:buChar char="–"/>
-              <a:defRPr kumimoji="1" sz="2000">
-                <a:solidFill>
-                  <a:schemeClr val="tx1"/>
-                </a:solidFill>
-                <a:latin typeface="+mn-lt"/>
-                <a:ea typeface="微软雅黑" panose="020B0503020204020204" pitchFamily="34" charset="-122"/>
-                <a:cs typeface="微软雅黑" panose="020B0503020204020204" pitchFamily="34" charset="-122"/>
-              </a:defRPr>
-            </a:lvl5pPr>
-            <a:lvl6pPr marL="2514600" indent="-228600" algn="l" defTabSz="0" rtl="0" eaLnBrk="0" fontAlgn="base" hangingPunct="0">
-              <a:spcBef>
-                <a:spcPct val="0"/>
-              </a:spcBef>
-              <a:spcAft>
-                <a:spcPct val="25000"/>
-              </a:spcAft>
-              <a:buClr>
-                <a:schemeClr val="tx2"/>
-              </a:buClr>
-              <a:buFont typeface="Arial" panose="020B0604020202020204" pitchFamily="34" charset="0"/>
-              <a:buChar char="–"/>
-              <a:defRPr>
-                <a:solidFill>
-                  <a:schemeClr val="tx1"/>
-                </a:solidFill>
-                <a:latin typeface="+mn-lt"/>
-              </a:defRPr>
-            </a:lvl6pPr>
-            <a:lvl7pPr marL="2971800" indent="-228600" algn="l" defTabSz="0" rtl="0" eaLnBrk="0" fontAlgn="base" hangingPunct="0">
-              <a:spcBef>
-                <a:spcPct val="0"/>
-              </a:spcBef>
-              <a:spcAft>
-                <a:spcPct val="25000"/>
-              </a:spcAft>
-              <a:buClr>
-                <a:schemeClr val="tx2"/>
-              </a:buClr>
-              <a:buFont typeface="Arial" panose="020B0604020202020204" pitchFamily="34" charset="0"/>
-              <a:buChar char="–"/>
-              <a:defRPr>
-                <a:solidFill>
-                  <a:schemeClr val="tx1"/>
-                </a:solidFill>
-                <a:latin typeface="+mn-lt"/>
-              </a:defRPr>
-            </a:lvl7pPr>
-            <a:lvl8pPr marL="3429000" indent="-228600" algn="l" defTabSz="0" rtl="0" eaLnBrk="0" fontAlgn="base" hangingPunct="0">
-              <a:spcBef>
-                <a:spcPct val="0"/>
-              </a:spcBef>
-              <a:spcAft>
-                <a:spcPct val="25000"/>
-              </a:spcAft>
-              <a:buClr>
-                <a:schemeClr val="tx2"/>
-              </a:buClr>
-              <a:buFont typeface="Arial" panose="020B0604020202020204" pitchFamily="34" charset="0"/>
-              <a:buChar char="–"/>
-              <a:defRPr>
-                <a:solidFill>
-                  <a:schemeClr val="tx1"/>
-                </a:solidFill>
-                <a:latin typeface="+mn-lt"/>
-              </a:defRPr>
-            </a:lvl8pPr>
-            <a:lvl9pPr marL="3886200" indent="-228600" algn="l" defTabSz="0" rtl="0" eaLnBrk="0" fontAlgn="base" hangingPunct="0">
-              <a:spcBef>
-                <a:spcPct val="0"/>
-              </a:spcBef>
-              <a:spcAft>
-                <a:spcPct val="25000"/>
-              </a:spcAft>
-              <a:buClr>
-                <a:schemeClr val="tx2"/>
-              </a:buClr>
-              <a:buFont typeface="Arial" panose="020B0604020202020204" pitchFamily="34" charset="0"/>
-              <a:buChar char="–"/>
-              <a:defRPr>
-                <a:solidFill>
-                  <a:schemeClr val="tx1"/>
-                </a:solidFill>
-                <a:latin typeface="+mn-lt"/>
-              </a:defRPr>
-            </a:lvl9pPr>
-          </a:lstStyle>
-          <a:p>
-            <a:pPr marL="0" indent="0">
-              <a:buNone/>
-            </a:pPr>
-            <a:r>
-              <a:rPr lang="zh-CN" altLang="en-US" sz="3200" dirty="0" smtClean="0">
-                <a:solidFill>
-                  <a:srgbClr val="C00000"/>
-                </a:solidFill>
-                <a:cs typeface="+mn-cs"/>
-                <a:sym typeface="+mn-ea"/>
-              </a:rPr>
-              <a:t>内容提纲</a:t>
-            </a:r>
-            <a:endParaRPr lang="zh-CN" altLang="en-US" kern="0" dirty="0"/>
-          </a:p>
-        </p:txBody>
-      </p:sp>
-    </p:spTree>
-  </p:cSld>
-  <p:clrMapOvr>
-    <a:masterClrMapping/>
-  </p:clrMapOvr>
-  <p:timing>
-    <p:tnLst>
-      <p:par>
-        <p:cTn id="1" dur="indefinite" restart="never" nodeType="tmRoot"/>
-      </p:par>
-    </p:tnLst>
-  </p:timing>
-</p:sld>
-</file>
-
 <file path=ppt/slides/slide12.xml><?xml version="1.0" encoding="utf-8"?>
 <p:sld xmlns:a="http://schemas.openxmlformats.org/drawingml/2006/main" xmlns:r="http://schemas.openxmlformats.org/officeDocument/2006/relationships" xmlns:p="http://schemas.openxmlformats.org/presentationml/2006/main">
   <p:cSld>
@@ -4407,7 +4580,25 @@
                 </a:solidFill>
                 <a:sym typeface="+mn-ea"/>
               </a:rPr>
-              <a:t>数组构造器方法（静态方法）</a:t>
+              <a:t>数组原型方法（排序和颠倒元素顺序</a:t>
+            </a:r>
+            <a:r>
+              <a:rPr lang="en-US" altLang="zh-CN" sz="3200" dirty="0">
+                <a:solidFill>
+                  <a:schemeClr val="tx1"/>
+                </a:solidFill>
+                <a:sym typeface="+mn-ea"/>
+              </a:rPr>
+              <a:t>-</a:t>
+            </a:r>
+            <a:r>
+              <a:rPr lang="zh-CN" altLang="en-US" sz="3200" dirty="0">
+                <a:solidFill>
+                  <a:schemeClr val="tx1"/>
+                </a:solidFill>
+                <a:sym typeface="+mn-ea"/>
+              </a:rPr>
+              <a:t>破坏性）</a:t>
             </a:r>
             <a:br>
               <a:rPr lang="zh-CN" altLang="en-US" sz="3200" dirty="0">
@@ -4424,7 +4615,16 @@
                 </a:solidFill>
                 <a:sym typeface="+mn-ea"/>
               </a:rPr>
-              <a:t>- String.fromCharCode(97,98,99);</a:t>
+              <a:t>- </a:t>
+            </a:r>
+            <a:r>
+              <a:rPr lang="en-US" altLang="zh-CN" sz="1800" dirty="0">
+                <a:solidFill>
+                  <a:schemeClr val="tx1"/>
+                </a:solidFill>
+                <a:sym typeface="+mn-ea"/>
+              </a:rPr>
+              <a:t>Array.prototype.reverse()</a:t>
             </a:r>
             <a:br>
               <a:rPr lang="en-US" altLang="zh-CN" sz="1800" dirty="0">
@@ -4441,7 +4641,7 @@
                 </a:solidFill>
                 <a:sym typeface="+mn-ea"/>
               </a:rPr>
-              <a:t>- String.fromCharCode.apply(null,[97,98,99]);</a:t>
+              <a:t>- Array.prototype.sort()</a:t>
             </a:r>
             <a:endParaRPr lang="en-US" altLang="zh-CN" sz="1800" dirty="0">
               <a:solidFill>
@@ -4463,7 +4663,25 @@
                 </a:solidFill>
                 <a:sym typeface="+mn-ea"/>
               </a:rPr>
-              <a:t>数组原型方法（注意使用形式与构造器方法的区别）</a:t>
+              <a:t>数组原型方法（合并、切分和连接</a:t>
+            </a:r>
+            <a:r>
+              <a:rPr lang="en-US" altLang="zh-CN" sz="3200" dirty="0">
+                <a:solidFill>
+                  <a:schemeClr val="tx1"/>
+                </a:solidFill>
+                <a:sym typeface="+mn-ea"/>
+              </a:rPr>
+              <a:t>-</a:t>
+            </a:r>
+            <a:r>
+              <a:rPr lang="zh-CN" altLang="en-US" sz="3200" dirty="0">
+                <a:solidFill>
+                  <a:schemeClr val="tx1"/>
+                </a:solidFill>
+                <a:sym typeface="+mn-ea"/>
+              </a:rPr>
+              <a:t>非破坏性）</a:t>
             </a:r>
             <a:br>
               <a:rPr lang="zh-CN" altLang="en-US" sz="3200" dirty="0">
@@ -4480,7 +4698,7 @@
                 </a:solidFill>
                 <a:sym typeface="+mn-ea"/>
               </a:rPr>
-              <a:t>- String.prototype.charAt(pos);</a:t>
+              <a:t>- Array.prototype.concat(arr1?,arr2?,...)</a:t>
             </a:r>
             <a:br>
               <a:rPr lang="en-US" altLang="zh-CN" sz="1800" dirty="0">
@@ -4497,16 +4715,7 @@
                 </a:solidFill>
                 <a:sym typeface="+mn-ea"/>
               </a:rPr>
-              <a:t>- </a:t>
-            </a:r>
-            <a:r>
-              <a:rPr lang="en-US" altLang="zh-CN" sz="1800" dirty="0">
-                <a:solidFill>
-                  <a:schemeClr val="tx1"/>
-                </a:solidFill>
-                <a:sym typeface="+mn-ea"/>
-              </a:rPr>
-              <a:t>String.prototype.charCodeAt(pos);</a:t>
+              <a:t>- Array.prototype.slice(begin?,end?)</a:t>
             </a:r>
             <a:br>
               <a:rPr lang="en-US" altLang="zh-CN" sz="1800" dirty="0">
@@ -4523,58 +4732,7 @@
                 </a:solidFill>
                 <a:sym typeface="+mn-ea"/>
               </a:rPr>
-              <a:t>- String.prototype.slice(start,end?);</a:t>
-            </a:r>
-            <a:br>
-              <a:rPr lang="en-US" altLang="zh-CN" sz="1800" dirty="0">
-                <a:solidFill>
-                  <a:schemeClr val="tx1"/>
-                </a:solidFill>
-                <a:sym typeface="+mn-ea"/>
-              </a:rPr>
-            </a:br>
-            <a:r>
-              <a:rPr lang="en-US" altLang="zh-CN" sz="1800" dirty="0">
-                <a:solidFill>
-                  <a:schemeClr val="tx1"/>
-                </a:solidFill>
-                <a:sym typeface="+mn-ea"/>
-              </a:rPr>
-              <a:t>- String.prototype.substr(start,length?)</a:t>
-            </a:r>
-            <a:br>
-              <a:rPr lang="en-US" altLang="zh-CN" sz="1800" dirty="0">
-                <a:solidFill>
-                  <a:schemeClr val="tx1"/>
-                </a:solidFill>
-                <a:sym typeface="+mn-ea"/>
-              </a:rPr>
-            </a:br>
-            <a:r>
-              <a:rPr lang="en-US" altLang="zh-CN" sz="1800" dirty="0">
-                <a:solidFill>
-                  <a:schemeClr val="tx1"/>
-                </a:solidFill>
-                <a:sym typeface="+mn-ea"/>
-              </a:rPr>
-              <a:t>- String.prototype.substring(start,end?);</a:t>
-            </a:r>
-            <a:br>
-              <a:rPr lang="en-US" altLang="zh-CN" sz="1800" dirty="0">
-                <a:solidFill>
-                  <a:schemeClr val="tx1"/>
-                </a:solidFill>
-                <a:sym typeface="+mn-ea"/>
-              </a:rPr>
-            </a:br>
-            <a:r>
-              <a:rPr lang="en-US" altLang="zh-CN" sz="1800" dirty="0">
-                <a:solidFill>
-                  <a:schemeClr val="tx1"/>
-                </a:solidFill>
-                <a:sym typeface="+mn-ea"/>
-              </a:rPr>
-              <a:t>- String.prototype.split(separator?,limit?);</a:t>
+              <a:t>- Array.prototype.join(separator?)</a:t>
             </a:r>
             <a:br>
               <a:rPr lang="en-US" altLang="zh-CN" sz="1000" dirty="0">
@@ -4641,7 +4799,7 @@
         <p:spPr>
           <a:xfrm>
             <a:off x="5368290" y="6108700"/>
-            <a:ext cx="5420360" cy="429895"/>
+            <a:ext cx="5069840" cy="429895"/>
           </a:xfrm>
           <a:prstGeom prst="rect">
             <a:avLst/>
@@ -4672,7 +4830,7 @@
                 <a:latin typeface="+mn-ea"/>
                 <a:ea typeface="+mn-ea"/>
               </a:rPr>
-              <a:t>demo</a:t>
+              <a:t>demo </a:t>
             </a:r>
             <a:endParaRPr lang="zh-CN" altLang="en-US" sz="2200">
               <a:solidFill>
@@ -5023,7 +5181,7 @@
 </p:sld>
 </file>
 
-<file path=ppt/slides/slide2.xml><?xml version="1.0" encoding="utf-8"?>
+<file path=ppt/slides/slide14.xml><?xml version="1.0" encoding="utf-8"?>
 <p:sld xmlns:a="http://schemas.openxmlformats.org/drawingml/2006/main" xmlns:r="http://schemas.openxmlformats.org/officeDocument/2006/relationships" xmlns:p="http://schemas.openxmlformats.org/presentationml/2006/main">
   <p:cSld>
     <p:spTree>
@@ -5183,7 +5341,7 @@
 </p:sld>
 </file>
 
-<file path=ppt/slides/slide3.xml><?xml version="1.0" encoding="utf-8"?>
+<file path=ppt/slides/slide2.xml><?xml version="1.0" encoding="utf-8"?>
 <p:sld xmlns:a="http://schemas.openxmlformats.org/drawingml/2006/main" xmlns:r="http://schemas.openxmlformats.org/officeDocument/2006/relationships" xmlns:p="http://schemas.openxmlformats.org/presentationml/2006/main">
   <p:cSld>
     <p:spTree>
@@ -5566,7 +5724,7 @@
 </p:sld>
 </file>
 
-<file path=ppt/slides/slide4.xml><?xml version="1.0" encoding="utf-8"?>
+<file path=ppt/slides/slide3.xml><?xml version="1.0" encoding="utf-8"?>
 <p:sld xmlns:a="http://schemas.openxmlformats.org/drawingml/2006/main" xmlns:r="http://schemas.openxmlformats.org/officeDocument/2006/relationships" xmlns:p="http://schemas.openxmlformats.org/presentationml/2006/main">
   <p:cSld>
     <p:spTree>
@@ -6062,7 +6220,7 @@
 </p:sld>
 </file>
 
-<file path=ppt/slides/slide5.xml><?xml version="1.0" encoding="utf-8"?>
+<file path=ppt/slides/slide4.xml><?xml version="1.0" encoding="utf-8"?>
 <p:sld xmlns:a="http://schemas.openxmlformats.org/drawingml/2006/main" xmlns:r="http://schemas.openxmlformats.org/officeDocument/2006/relationships" xmlns:p="http://schemas.openxmlformats.org/presentationml/2006/main">
   <p:cSld>
     <p:spTree>
@@ -6137,7 +6295,16 @@
                 </a:solidFill>
                 <a:sym typeface="+mn-ea"/>
               </a:rPr>
-              <a:t>通过字面量的方式直接创建</a:t>
+              <a:t>通过字面量的方式直接创建，直接量中的值</a:t>
+            </a:r>
+            <a:r>
+              <a:rPr kumimoji="0" lang="zh-CN" altLang="en-US" sz="1800" dirty="0" smtClean="0">
+                <a:solidFill>
+                  <a:srgbClr val="FF0000"/>
+                </a:solidFill>
+                <a:sym typeface="+mn-ea"/>
+              </a:rPr>
+              <a:t>可以是任意的表达式</a:t>
             </a:r>
             <a:br>
               <a:rPr lang="zh-CN" altLang="en-US" sz="1800" dirty="0">
@@ -6255,7 +6422,7 @@
         <p:spPr>
           <a:xfrm>
             <a:off x="6229350" y="6036945"/>
-            <a:ext cx="5420360" cy="429895"/>
+            <a:ext cx="4292600" cy="429895"/>
           </a:xfrm>
           <a:prstGeom prst="rect">
             <a:avLst/>
@@ -6286,7 +6453,17 @@
                 <a:latin typeface="+mn-ea"/>
                 <a:ea typeface="+mn-ea"/>
               </a:rPr>
-              <a:t>demo1</a:t>
+              <a:t>demo1 </a:t>
+            </a:r>
+            <a:r>
+              <a:rPr lang="zh-CN" altLang="en-US" sz="2200">
+                <a:solidFill>
+                  <a:srgbClr val="FF0000"/>
+                </a:solidFill>
+                <a:latin typeface="+mn-ea"/>
+                <a:ea typeface="+mn-ea"/>
+              </a:rPr>
+              <a:t>创建数组实例</a:t>
             </a:r>
             <a:endParaRPr lang="zh-CN" altLang="en-US" sz="2200">
               <a:solidFill>
@@ -6401,9 +6578,6 @@
                     <p:cTn id="3" fill="hold">
                       <p:stCondLst>
                         <p:cond delay="indefinite"/>
-                        <p:cond evt="onBegin" delay="0">
-                          <p:tn val="2"/>
-                        </p:cond>
                       </p:stCondLst>
                       <p:childTnLst>
                         <p:par>
@@ -6413,7 +6587,7 @@
                             </p:stCondLst>
                             <p:childTnLst>
                               <p:par>
-                                <p:cTn id="5" presetID="2" presetClass="entr" presetSubtype="4" fill="hold" grpId="0" nodeType="afterEffect">
+                                <p:cTn id="5" presetID="2" presetClass="entr" presetSubtype="4" fill="hold" nodeType="clickEffect">
                                   <p:stCondLst>
                                     <p:cond delay="0"/>
                                   </p:stCondLst>
@@ -6426,7 +6600,11 @@
                                           </p:stCondLst>
                                         </p:cTn>
                                         <p:tgtEl>
-                                          <p:spTgt spid="6"/>
+                                          <p:spTgt spid="2">
+                                            <p:txEl>
+                                              <p:pRg st="0" end="0"/>
+                                            </p:txEl>
+                                          </p:spTgt>
                                         </p:tgtEl>
                                         <p:attrNameLst>
                                           <p:attrName>style.visibility</p:attrName>
@@ -6440,7 +6618,11 @@
                                       <p:cBhvr additive="base">
                                         <p:cTn id="7" dur="500" fill="hold"/>
                                         <p:tgtEl>
-                                          <p:spTgt spid="6"/>
+                                          <p:spTgt spid="2">
+                                            <p:txEl>
+                                              <p:pRg st="0" end="0"/>
+                                            </p:txEl>
+                                          </p:spTgt>
                                         </p:tgtEl>
                                         <p:attrNameLst>
                                           <p:attrName>ppt_x</p:attrName>
@@ -6463,7 +6645,193 @@
                                       <p:cBhvr additive="base">
                                         <p:cTn id="8" dur="500" fill="hold"/>
                                         <p:tgtEl>
-                                          <p:spTgt spid="6"/>
+                                          <p:spTgt spid="2">
+                                            <p:txEl>
+                                              <p:pRg st="0" end="0"/>
+                                            </p:txEl>
+                                          </p:spTgt>
+                                        </p:tgtEl>
+                                        <p:attrNameLst>
+                                          <p:attrName>ppt_y</p:attrName>
+                                        </p:attrNameLst>
+                                      </p:cBhvr>
+                                      <p:tavLst>
+                                        <p:tav tm="0">
+                                          <p:val>
+                                            <p:strVal val="1+#ppt_h/2"/>
+                                          </p:val>
+                                        </p:tav>
+                                        <p:tav tm="100000">
+                                          <p:val>
+                                            <p:strVal val="#ppt_y"/>
+                                          </p:val>
+                                        </p:tav>
+                                      </p:tavLst>
+                                    </p:anim>
+                                  </p:childTnLst>
+                                </p:cTn>
+                              </p:par>
+                            </p:childTnLst>
+                          </p:cTn>
+                        </p:par>
+                      </p:childTnLst>
+                    </p:cTn>
+                  </p:par>
+                  <p:par>
+                    <p:cTn id="9" fill="hold">
+                      <p:stCondLst>
+                        <p:cond delay="indefinite"/>
+                      </p:stCondLst>
+                      <p:childTnLst>
+                        <p:par>
+                          <p:cTn id="10" fill="hold">
+                            <p:stCondLst>
+                              <p:cond delay="0"/>
+                            </p:stCondLst>
+                            <p:childTnLst>
+                              <p:par>
+                                <p:cTn id="11" presetID="2" presetClass="entr" presetSubtype="4" fill="hold" nodeType="clickEffect">
+                                  <p:stCondLst>
+                                    <p:cond delay="0"/>
+                                  </p:stCondLst>
+                                  <p:childTnLst>
+                                    <p:set>
+                                      <p:cBhvr>
+                                        <p:cTn id="12" dur="1" fill="hold">
+                                          <p:stCondLst>
+                                            <p:cond delay="0"/>
+                                          </p:stCondLst>
+                                        </p:cTn>
+                                        <p:tgtEl>
+                                          <p:spTgt spid="5"/>
+                                        </p:tgtEl>
+                                        <p:attrNameLst>
+                                          <p:attrName>style.visibility</p:attrName>
+                                        </p:attrNameLst>
+                                      </p:cBhvr>
+                                      <p:to>
+                                        <p:strVal val="visible"/>
+                                      </p:to>
+                                    </p:set>
+                                    <p:anim calcmode="lin" valueType="num">
+                                      <p:cBhvr additive="base">
+                                        <p:cTn id="13" dur="500" fill="hold"/>
+                                        <p:tgtEl>
+                                          <p:spTgt spid="5"/>
+                                        </p:tgtEl>
+                                        <p:attrNameLst>
+                                          <p:attrName>ppt_x</p:attrName>
+                                        </p:attrNameLst>
+                                      </p:cBhvr>
+                                      <p:tavLst>
+                                        <p:tav tm="0">
+                                          <p:val>
+                                            <p:strVal val="#ppt_x"/>
+                                          </p:val>
+                                        </p:tav>
+                                        <p:tav tm="100000">
+                                          <p:val>
+                                            <p:strVal val="#ppt_x"/>
+                                          </p:val>
+                                        </p:tav>
+                                      </p:tavLst>
+                                    </p:anim>
+                                    <p:anim calcmode="lin" valueType="num">
+                                      <p:cBhvr additive="base">
+                                        <p:cTn id="14" dur="500" fill="hold"/>
+                                        <p:tgtEl>
+                                          <p:spTgt spid="5"/>
+                                        </p:tgtEl>
+                                        <p:attrNameLst>
+                                          <p:attrName>ppt_y</p:attrName>
+                                        </p:attrNameLst>
+                                      </p:cBhvr>
+                                      <p:tavLst>
+                                        <p:tav tm="0">
+                                          <p:val>
+                                            <p:strVal val="1+#ppt_h/2"/>
+                                          </p:val>
+                                        </p:tav>
+                                        <p:tav tm="100000">
+                                          <p:val>
+                                            <p:strVal val="#ppt_y"/>
+                                          </p:val>
+                                        </p:tav>
+                                      </p:tavLst>
+                                    </p:anim>
+                                  </p:childTnLst>
+                                </p:cTn>
+                              </p:par>
+                            </p:childTnLst>
+                          </p:cTn>
+                        </p:par>
+                      </p:childTnLst>
+                    </p:cTn>
+                  </p:par>
+                  <p:par>
+                    <p:cTn id="15" fill="hold">
+                      <p:stCondLst>
+                        <p:cond delay="indefinite"/>
+                      </p:stCondLst>
+                      <p:childTnLst>
+                        <p:par>
+                          <p:cTn id="16" fill="hold">
+                            <p:stCondLst>
+                              <p:cond delay="0"/>
+                            </p:stCondLst>
+                            <p:childTnLst>
+                              <p:par>
+                                <p:cTn id="17" presetID="2" presetClass="entr" presetSubtype="4" fill="hold" grpId="0" nodeType="clickEffect">
+                                  <p:stCondLst>
+                                    <p:cond delay="0"/>
+                                  </p:stCondLst>
+                                  <p:childTnLst>
+                                    <p:set>
+                                      <p:cBhvr>
+                                        <p:cTn id="18" dur="1" fill="hold">
+                                          <p:stCondLst>
+                                            <p:cond delay="0"/>
+                                          </p:stCondLst>
+                                        </p:cTn>
+                                        <p:tgtEl>
+                                          <p:spTgt spid="7"/>
+                                        </p:tgtEl>
+                                        <p:attrNameLst>
+                                          <p:attrName>style.visibility</p:attrName>
+                                        </p:attrNameLst>
+                                      </p:cBhvr>
+                                      <p:to>
+                                        <p:strVal val="visible"/>
+                                      </p:to>
+                                    </p:set>
+                                    <p:anim calcmode="lin" valueType="num">
+                                      <p:cBhvr additive="base">
+                                        <p:cTn id="19" dur="500" fill="hold"/>
+                                        <p:tgtEl>
+                                          <p:spTgt spid="7"/>
+                                        </p:tgtEl>
+                                        <p:attrNameLst>
+                                          <p:attrName>ppt_x</p:attrName>
+                                        </p:attrNameLst>
+                                      </p:cBhvr>
+                                      <p:tavLst>
+                                        <p:tav tm="0">
+                                          <p:val>
+                                            <p:strVal val="#ppt_x"/>
+                                          </p:val>
+                                        </p:tav>
+                                        <p:tav tm="100000">
+                                          <p:val>
+                                            <p:strVal val="#ppt_x"/>
+                                          </p:val>
+                                        </p:tav>
+                                      </p:tavLst>
+                                    </p:anim>
+                                    <p:anim calcmode="lin" valueType="num">
+                                      <p:cBhvr additive="base">
+                                        <p:cTn id="20" dur="500" fill="hold"/>
+                                        <p:tgtEl>
+                                          <p:spTgt spid="7"/>
                                         </p:tgtEl>
                                         <p:attrNameLst>
                                           <p:attrName>ppt_y</p:attrName>
@@ -6489,26 +6857,26 @@
                           </p:cTn>
                         </p:par>
                         <p:par>
-                          <p:cTn id="9" fill="hold">
+                          <p:cTn id="21" fill="hold">
                             <p:stCondLst>
                               <p:cond delay="500"/>
                             </p:stCondLst>
                             <p:childTnLst>
                               <p:par>
-                                <p:cTn id="10" presetID="2" presetClass="entr" presetSubtype="4" fill="hold" grpId="0" nodeType="afterEffect">
+                                <p:cTn id="22" presetID="2" presetClass="entr" presetSubtype="4" fill="hold" grpId="0" nodeType="afterEffect">
                                   <p:stCondLst>
                                     <p:cond delay="0"/>
                                   </p:stCondLst>
                                   <p:childTnLst>
                                     <p:set>
                                       <p:cBhvr>
-                                        <p:cTn id="11" dur="1" fill="hold">
+                                        <p:cTn id="23" dur="1" fill="hold">
                                           <p:stCondLst>
                                             <p:cond delay="0"/>
                                           </p:stCondLst>
                                         </p:cTn>
                                         <p:tgtEl>
-                                          <p:spTgt spid="7"/>
+                                          <p:spTgt spid="6"/>
                                         </p:tgtEl>
                                         <p:attrNameLst>
                                           <p:attrName>style.visibility</p:attrName>
@@ -6520,9 +6888,9 @@
                                     </p:set>
                                     <p:anim calcmode="lin" valueType="num">
                                       <p:cBhvr additive="base">
-                                        <p:cTn id="12" dur="500" fill="hold"/>
+                                        <p:cTn id="24" dur="500" fill="hold"/>
                                         <p:tgtEl>
-                                          <p:spTgt spid="7"/>
+                                          <p:spTgt spid="6"/>
                                         </p:tgtEl>
                                         <p:attrNameLst>
                                           <p:attrName>ppt_x</p:attrName>
@@ -6543,9 +6911,9 @@
                                     </p:anim>
                                     <p:anim calcmode="lin" valueType="num">
                                       <p:cBhvr additive="base">
-                                        <p:cTn id="13" dur="500" fill="hold"/>
+                                        <p:cTn id="25" dur="500" fill="hold"/>
                                         <p:tgtEl>
-                                          <p:spTgt spid="7"/>
+                                          <p:spTgt spid="6"/>
                                         </p:tgtEl>
                                         <p:attrNameLst>
                                           <p:attrName>ppt_y</p:attrName>
@@ -6602,6 +6970,504 @@
 </p:sld>
 </file>
 
+<file path=ppt/slides/slide5.xml><?xml version="1.0" encoding="utf-8"?>
+<p:sld xmlns:a="http://schemas.openxmlformats.org/drawingml/2006/main" xmlns:r="http://schemas.openxmlformats.org/officeDocument/2006/relationships" xmlns:p="http://schemas.openxmlformats.org/presentationml/2006/main">
+  <p:cSld>
+    <p:spTree>
+      <p:nvGrpSpPr>
+        <p:cNvPr id="1" name=""/>
+        <p:cNvGrpSpPr/>
+        <p:nvPr/>
+      </p:nvGrpSpPr>
+      <p:grpSpPr>
+        <a:xfrm>
+          <a:off x="0" y="0"/>
+          <a:ext cx="0" cy="0"/>
+          <a:chOff x="0" y="0"/>
+          <a:chExt cx="0" cy="0"/>
+        </a:xfrm>
+      </p:grpSpPr>
+      <p:sp>
+        <p:nvSpPr>
+          <p:cNvPr id="2" name="内容占位符 1"/>
+          <p:cNvSpPr>
+            <a:spLocks noGrp="1"/>
+          </p:cNvSpPr>
+          <p:nvPr>
+            <p:ph sz="quarter" idx="10"/>
+          </p:nvPr>
+        </p:nvSpPr>
+        <p:spPr>
+          <a:xfrm>
+            <a:off x="927735" y="783590"/>
+            <a:ext cx="9776460" cy="4918710"/>
+          </a:xfrm>
+        </p:spPr>
+        <p:txBody>
+          <a:bodyPr/>
+          <a:lstStyle/>
+          <a:p>
+            <a:pPr>
+              <a:lnSpc>
+                <a:spcPct val="160000"/>
+              </a:lnSpc>
+            </a:pPr>
+            <a:r>
+              <a:rPr lang="zh-CN" altLang="en-US" sz="3200" dirty="0">
+                <a:solidFill>
+                  <a:schemeClr val="tx1"/>
+                </a:solidFill>
+                <a:sym typeface="+mn-ea"/>
+              </a:rPr>
+              <a:t>数组元素的增删改查的基本操作</a:t>
+            </a:r>
+            <a:br>
+              <a:rPr lang="en-US" altLang="zh-CN" sz="1800" dirty="0">
+                <a:solidFill>
+                  <a:schemeClr val="tx1"/>
+                </a:solidFill>
+                <a:sym typeface="+mn-ea"/>
+              </a:rPr>
+            </a:br>
+            <a:endParaRPr lang="zh-CN" altLang="en-US" sz="1800" dirty="0">
+              <a:solidFill>
+                <a:schemeClr val="accent3"/>
+              </a:solidFill>
+              <a:sym typeface="+mn-ea"/>
+            </a:endParaRPr>
+          </a:p>
+          <a:p>
+            <a:pPr marL="0" indent="0">
+              <a:lnSpc>
+                <a:spcPct val="160000"/>
+              </a:lnSpc>
+              <a:buNone/>
+            </a:pPr>
+            <a:endParaRPr lang="en-US" altLang="zh-CN" sz="1800" dirty="0">
+              <a:solidFill>
+                <a:schemeClr val="tx1"/>
+              </a:solidFill>
+              <a:sym typeface="+mn-ea"/>
+            </a:endParaRPr>
+          </a:p>
+        </p:txBody>
+      </p:sp>
+      <p:sp>
+        <p:nvSpPr>
+          <p:cNvPr id="3" name="内容占位符 2"/>
+          <p:cNvSpPr>
+            <a:spLocks noGrp="1"/>
+          </p:cNvSpPr>
+          <p:nvPr>
+            <p:ph sz="quarter" idx="11"/>
+          </p:nvPr>
+        </p:nvSpPr>
+        <p:spPr/>
+        <p:txBody>
+          <a:bodyPr/>
+          <a:lstStyle/>
+          <a:p>
+            <a:r>
+              <a:rPr lang="zh-CN" altLang="en-US" dirty="0"/>
+              <a:t>数组的创建和基本操作</a:t>
+            </a:r>
+            <a:endParaRPr lang="zh-CN" altLang="en-US" dirty="0"/>
+          </a:p>
+        </p:txBody>
+      </p:sp>
+      <p:sp>
+        <p:nvSpPr>
+          <p:cNvPr id="6" name="文本框 5"/>
+          <p:cNvSpPr txBox="1"/>
+          <p:nvPr/>
+        </p:nvSpPr>
+        <p:spPr>
+          <a:xfrm>
+            <a:off x="6229350" y="6180455"/>
+            <a:ext cx="5420360" cy="429895"/>
+          </a:xfrm>
+          <a:prstGeom prst="rect">
+            <a:avLst/>
+          </a:prstGeom>
+          <a:noFill/>
+        </p:spPr>
+        <p:txBody>
+          <a:bodyPr wrap="square" rtlCol="0">
+            <a:spAutoFit/>
+          </a:bodyPr>
+          <a:p>
+            <a:pPr algn="l"/>
+            <a:r>
+              <a:rPr lang="zh-CN" altLang="en-US" sz="2200">
+                <a:solidFill>
+                  <a:srgbClr val="FF0000"/>
+                </a:solidFill>
+                <a:latin typeface="+mn-ea"/>
+                <a:ea typeface="+mn-ea"/>
+              </a:rPr>
+              <a:t>参见实例</a:t>
+            </a:r>
+            <a:r>
+              <a:rPr lang="en-US" altLang="zh-CN" sz="2200">
+                <a:solidFill>
+                  <a:srgbClr val="FF0000"/>
+                </a:solidFill>
+                <a:latin typeface="+mn-ea"/>
+                <a:ea typeface="+mn-ea"/>
+              </a:rPr>
+              <a:t>demo2 Part1</a:t>
+            </a:r>
+            <a:endParaRPr lang="zh-CN" altLang="en-US" sz="2200">
+              <a:solidFill>
+                <a:srgbClr val="FF0000"/>
+              </a:solidFill>
+              <a:latin typeface="+mn-ea"/>
+              <a:ea typeface="+mn-ea"/>
+            </a:endParaRPr>
+          </a:p>
+        </p:txBody>
+      </p:sp>
+      <p:pic>
+        <p:nvPicPr>
+          <p:cNvPr id="5" name="图片 4"/>
+          <p:cNvPicPr>
+            <a:picLocks noChangeAspect="1"/>
+          </p:cNvPicPr>
+          <p:nvPr/>
+        </p:nvPicPr>
+        <p:blipFill>
+          <a:blip r:embed="rId1"/>
+          <a:stretch>
+            <a:fillRect/>
+          </a:stretch>
+        </p:blipFill>
+        <p:spPr>
+          <a:xfrm>
+            <a:off x="1162685" y="1586230"/>
+            <a:ext cx="9091930" cy="4431665"/>
+          </a:xfrm>
+          <a:prstGeom prst="rect">
+            <a:avLst/>
+          </a:prstGeom>
+        </p:spPr>
+      </p:pic>
+    </p:spTree>
+  </p:cSld>
+  <p:clrMapOvr>
+    <a:masterClrMapping/>
+  </p:clrMapOvr>
+  <p:timing>
+    <p:tnLst>
+      <p:par>
+        <p:cTn id="1" dur="indefinite" restart="never" nodeType="tmRoot">
+          <p:childTnLst>
+            <p:seq concurrent="1" nextAc="seek">
+              <p:cTn id="2" dur="indefinite" nodeType="mainSeq">
+                <p:childTnLst>
+                  <p:par>
+                    <p:cTn id="3" fill="hold">
+                      <p:stCondLst>
+                        <p:cond delay="indefinite"/>
+                      </p:stCondLst>
+                      <p:childTnLst>
+                        <p:par>
+                          <p:cTn id="4" fill="hold">
+                            <p:stCondLst>
+                              <p:cond delay="0"/>
+                            </p:stCondLst>
+                            <p:childTnLst>
+                              <p:par>
+                                <p:cTn id="5" presetID="2" presetClass="entr" presetSubtype="4" fill="hold" nodeType="clickEffect">
+                                  <p:stCondLst>
+                                    <p:cond delay="0"/>
+                                  </p:stCondLst>
+                                  <p:childTnLst>
+                                    <p:set>
+                                      <p:cBhvr>
+                                        <p:cTn id="6" dur="1" fill="hold">
+                                          <p:stCondLst>
+                                            <p:cond delay="0"/>
+                                          </p:stCondLst>
+                                        </p:cTn>
+                                        <p:tgtEl>
+                                          <p:spTgt spid="2">
+                                            <p:txEl>
+                                              <p:pRg st="0" end="0"/>
+                                            </p:txEl>
+                                          </p:spTgt>
+                                        </p:tgtEl>
+                                        <p:attrNameLst>
+                                          <p:attrName>style.visibility</p:attrName>
+                                        </p:attrNameLst>
+                                      </p:cBhvr>
+                                      <p:to>
+                                        <p:strVal val="visible"/>
+                                      </p:to>
+                                    </p:set>
+                                    <p:anim calcmode="lin" valueType="num">
+                                      <p:cBhvr additive="base">
+                                        <p:cTn id="7" dur="500" fill="hold"/>
+                                        <p:tgtEl>
+                                          <p:spTgt spid="2">
+                                            <p:txEl>
+                                              <p:pRg st="0" end="0"/>
+                                            </p:txEl>
+                                          </p:spTgt>
+                                        </p:tgtEl>
+                                        <p:attrNameLst>
+                                          <p:attrName>ppt_x</p:attrName>
+                                        </p:attrNameLst>
+                                      </p:cBhvr>
+                                      <p:tavLst>
+                                        <p:tav tm="0">
+                                          <p:val>
+                                            <p:strVal val="#ppt_x"/>
+                                          </p:val>
+                                        </p:tav>
+                                        <p:tav tm="100000">
+                                          <p:val>
+                                            <p:strVal val="#ppt_x"/>
+                                          </p:val>
+                                        </p:tav>
+                                      </p:tavLst>
+                                    </p:anim>
+                                    <p:anim calcmode="lin" valueType="num">
+                                      <p:cBhvr additive="base">
+                                        <p:cTn id="8" dur="500" fill="hold"/>
+                                        <p:tgtEl>
+                                          <p:spTgt spid="2">
+                                            <p:txEl>
+                                              <p:pRg st="0" end="0"/>
+                                            </p:txEl>
+                                          </p:spTgt>
+                                        </p:tgtEl>
+                                        <p:attrNameLst>
+                                          <p:attrName>ppt_y</p:attrName>
+                                        </p:attrNameLst>
+                                      </p:cBhvr>
+                                      <p:tavLst>
+                                        <p:tav tm="0">
+                                          <p:val>
+                                            <p:strVal val="1+#ppt_h/2"/>
+                                          </p:val>
+                                        </p:tav>
+                                        <p:tav tm="100000">
+                                          <p:val>
+                                            <p:strVal val="#ppt_y"/>
+                                          </p:val>
+                                        </p:tav>
+                                      </p:tavLst>
+                                    </p:anim>
+                                  </p:childTnLst>
+                                </p:cTn>
+                              </p:par>
+                            </p:childTnLst>
+                          </p:cTn>
+                        </p:par>
+                        <p:par>
+                          <p:cTn id="9" fill="hold">
+                            <p:stCondLst>
+                              <p:cond delay="500"/>
+                            </p:stCondLst>
+                            <p:childTnLst>
+                              <p:par>
+                                <p:cTn id="10" presetID="2" presetClass="entr" presetSubtype="4" fill="hold" nodeType="afterEffect">
+                                  <p:stCondLst>
+                                    <p:cond delay="0"/>
+                                  </p:stCondLst>
+                                  <p:childTnLst>
+                                    <p:set>
+                                      <p:cBhvr>
+                                        <p:cTn id="11" dur="1" fill="hold">
+                                          <p:stCondLst>
+                                            <p:cond delay="0"/>
+                                          </p:stCondLst>
+                                        </p:cTn>
+                                        <p:tgtEl>
+                                          <p:spTgt spid="5"/>
+                                        </p:tgtEl>
+                                        <p:attrNameLst>
+                                          <p:attrName>style.visibility</p:attrName>
+                                        </p:attrNameLst>
+                                      </p:cBhvr>
+                                      <p:to>
+                                        <p:strVal val="visible"/>
+                                      </p:to>
+                                    </p:set>
+                                    <p:anim calcmode="lin" valueType="num">
+                                      <p:cBhvr additive="base">
+                                        <p:cTn id="12" dur="500" fill="hold"/>
+                                        <p:tgtEl>
+                                          <p:spTgt spid="5"/>
+                                        </p:tgtEl>
+                                        <p:attrNameLst>
+                                          <p:attrName>ppt_x</p:attrName>
+                                        </p:attrNameLst>
+                                      </p:cBhvr>
+                                      <p:tavLst>
+                                        <p:tav tm="0">
+                                          <p:val>
+                                            <p:strVal val="#ppt_x"/>
+                                          </p:val>
+                                        </p:tav>
+                                        <p:tav tm="100000">
+                                          <p:val>
+                                            <p:strVal val="#ppt_x"/>
+                                          </p:val>
+                                        </p:tav>
+                                      </p:tavLst>
+                                    </p:anim>
+                                    <p:anim calcmode="lin" valueType="num">
+                                      <p:cBhvr additive="base">
+                                        <p:cTn id="13" dur="500" fill="hold"/>
+                                        <p:tgtEl>
+                                          <p:spTgt spid="5"/>
+                                        </p:tgtEl>
+                                        <p:attrNameLst>
+                                          <p:attrName>ppt_y</p:attrName>
+                                        </p:attrNameLst>
+                                      </p:cBhvr>
+                                      <p:tavLst>
+                                        <p:tav tm="0">
+                                          <p:val>
+                                            <p:strVal val="1+#ppt_h/2"/>
+                                          </p:val>
+                                        </p:tav>
+                                        <p:tav tm="100000">
+                                          <p:val>
+                                            <p:strVal val="#ppt_y"/>
+                                          </p:val>
+                                        </p:tav>
+                                      </p:tavLst>
+                                    </p:anim>
+                                  </p:childTnLst>
+                                </p:cTn>
+                              </p:par>
+                            </p:childTnLst>
+                          </p:cTn>
+                        </p:par>
+                      </p:childTnLst>
+                    </p:cTn>
+                  </p:par>
+                  <p:par>
+                    <p:cTn id="14" fill="hold">
+                      <p:stCondLst>
+                        <p:cond delay="indefinite"/>
+                      </p:stCondLst>
+                      <p:childTnLst>
+                        <p:par>
+                          <p:cTn id="15" fill="hold">
+                            <p:stCondLst>
+                              <p:cond delay="0"/>
+                            </p:stCondLst>
+                            <p:childTnLst>
+                              <p:par>
+                                <p:cTn id="16" presetID="2" presetClass="entr" presetSubtype="4" fill="hold" grpId="0" nodeType="clickEffect">
+                                  <p:stCondLst>
+                                    <p:cond delay="0"/>
+                                  </p:stCondLst>
+                                  <p:childTnLst>
+                                    <p:set>
+                                      <p:cBhvr>
+                                        <p:cTn id="17" dur="1" fill="hold">
+                                          <p:stCondLst>
+                                            <p:cond delay="0"/>
+                                          </p:stCondLst>
+                                        </p:cTn>
+                                        <p:tgtEl>
+                                          <p:spTgt spid="6"/>
+                                        </p:tgtEl>
+                                        <p:attrNameLst>
+                                          <p:attrName>style.visibility</p:attrName>
+                                        </p:attrNameLst>
+                                      </p:cBhvr>
+                                      <p:to>
+                                        <p:strVal val="visible"/>
+                                      </p:to>
+                                    </p:set>
+                                    <p:anim calcmode="lin" valueType="num">
+                                      <p:cBhvr additive="base">
+                                        <p:cTn id="18" dur="500" fill="hold"/>
+                                        <p:tgtEl>
+                                          <p:spTgt spid="6"/>
+                                        </p:tgtEl>
+                                        <p:attrNameLst>
+                                          <p:attrName>ppt_x</p:attrName>
+                                        </p:attrNameLst>
+                                      </p:cBhvr>
+                                      <p:tavLst>
+                                        <p:tav tm="0">
+                                          <p:val>
+                                            <p:strVal val="#ppt_x"/>
+                                          </p:val>
+                                        </p:tav>
+                                        <p:tav tm="100000">
+                                          <p:val>
+                                            <p:strVal val="#ppt_x"/>
+                                          </p:val>
+                                        </p:tav>
+                                      </p:tavLst>
+                                    </p:anim>
+                                    <p:anim calcmode="lin" valueType="num">
+                                      <p:cBhvr additive="base">
+                                        <p:cTn id="19" dur="500" fill="hold"/>
+                                        <p:tgtEl>
+                                          <p:spTgt spid="6"/>
+                                        </p:tgtEl>
+                                        <p:attrNameLst>
+                                          <p:attrName>ppt_y</p:attrName>
+                                        </p:attrNameLst>
+                                      </p:cBhvr>
+                                      <p:tavLst>
+                                        <p:tav tm="0">
+                                          <p:val>
+                                            <p:strVal val="1+#ppt_h/2"/>
+                                          </p:val>
+                                        </p:tav>
+                                        <p:tav tm="100000">
+                                          <p:val>
+                                            <p:strVal val="#ppt_y"/>
+                                          </p:val>
+                                        </p:tav>
+                                      </p:tavLst>
+                                    </p:anim>
+                                  </p:childTnLst>
+                                </p:cTn>
+                              </p:par>
+                            </p:childTnLst>
+                          </p:cTn>
+                        </p:par>
+                      </p:childTnLst>
+                    </p:cTn>
+                  </p:par>
+                </p:childTnLst>
+              </p:cTn>
+              <p:prevCondLst>
+                <p:cond evt="onPrev" delay="0">
+                  <p:tgtEl>
+                    <p:sldTgt/>
+                  </p:tgtEl>
+                </p:cond>
+              </p:prevCondLst>
+              <p:nextCondLst>
+                <p:cond evt="onNext" delay="0">
+                  <p:tgtEl>
+                    <p:sldTgt/>
+                  </p:tgtEl>
+                </p:cond>
+              </p:nextCondLst>
+            </p:seq>
+          </p:childTnLst>
+        </p:cTn>
+      </p:par>
+    </p:tnLst>
+    <p:bldLst>
+      <p:bldP spid="6" grpId="0"/>
+    </p:bldLst>
+  </p:timing>
+</p:sld>
+</file>
+
 <file path=ppt/slides/slide6.xml><?xml version="1.0" encoding="utf-8"?>
 <p:sld xmlns:a="http://schemas.openxmlformats.org/drawingml/2006/main" xmlns:r="http://schemas.openxmlformats.org/officeDocument/2006/relationships" xmlns:p="http://schemas.openxmlformats.org/presentationml/2006/main">
   <p:cSld>
@@ -6651,7 +7517,201 @@
                 </a:solidFill>
                 <a:sym typeface="+mn-ea"/>
               </a:rPr>
-              <a:t>数组元素的增删改查</a:t>
+              <a:t>数组相对于普通对象的特别之处</a:t>
+            </a:r>
+            <a:br>
+              <a:rPr lang="zh-CN" altLang="en-US" sz="3200" dirty="0">
+                <a:solidFill>
+                  <a:schemeClr val="tx1"/>
+                </a:solidFill>
+                <a:sym typeface="+mn-ea"/>
+              </a:rPr>
+            </a:br>
+            <a:r>
+              <a:rPr lang="en-US" altLang="zh-CN" sz="1800" dirty="0">
+                <a:solidFill>
+                  <a:schemeClr val="tx1"/>
+                </a:solidFill>
+                <a:sym typeface="+mn-ea"/>
+              </a:rPr>
+              <a:t>- </a:t>
+            </a:r>
+            <a:r>
+              <a:rPr lang="zh-CN" altLang="en-US" sz="1800" dirty="0">
+                <a:solidFill>
+                  <a:schemeClr val="tx1"/>
+                </a:solidFill>
+                <a:sym typeface="+mn-ea"/>
+              </a:rPr>
+              <a:t>数组是对象的特殊形式，可以为数组添加对象属性，对于</a:t>
+            </a:r>
+            <a:r>
+              <a:rPr lang="en-US" altLang="zh-CN" sz="1800" dirty="0">
+                <a:solidFill>
+                  <a:schemeClr val="tx1"/>
+                </a:solidFill>
+                <a:sym typeface="+mn-ea"/>
+              </a:rPr>
+              <a:t>2</a:t>
+            </a:r>
+            <a:r>
+              <a:rPr lang="zh-CN" altLang="en-US" sz="1800" dirty="0">
+                <a:solidFill>
+                  <a:schemeClr val="tx1"/>
+                </a:solidFill>
+                <a:sym typeface="+mn-ea"/>
+              </a:rPr>
+              <a:t>至</a:t>
+            </a:r>
+            <a:r>
+              <a:rPr lang="en-US" altLang="zh-CN" sz="1800" dirty="0">
+                <a:solidFill>
+                  <a:schemeClr val="tx1"/>
+                </a:solidFill>
+                <a:sym typeface="+mn-ea"/>
+              </a:rPr>
+              <a:t>2</a:t>
+            </a:r>
+            <a:r>
+              <a:rPr lang="zh-CN" altLang="en-US" sz="1800" dirty="0">
+                <a:solidFill>
+                  <a:schemeClr val="tx1"/>
+                </a:solidFill>
+                <a:sym typeface="+mn-ea"/>
+              </a:rPr>
+              <a:t>的</a:t>
+            </a:r>
+            <a:r>
+              <a:rPr lang="en-US" altLang="zh-CN" sz="1800" dirty="0">
+                <a:solidFill>
+                  <a:schemeClr val="tx1"/>
+                </a:solidFill>
+                <a:sym typeface="+mn-ea"/>
+              </a:rPr>
+              <a:t>32</a:t>
+            </a:r>
+            <a:r>
+              <a:rPr lang="zh-CN" altLang="en-US" sz="1800" dirty="0">
+                <a:solidFill>
+                  <a:schemeClr val="tx1"/>
+                </a:solidFill>
+                <a:sym typeface="+mn-ea"/>
+              </a:rPr>
+              <a:t>次方之外的数，将作为普</a:t>
+            </a:r>
+            <a:br>
+              <a:rPr lang="zh-CN" altLang="en-US" sz="1800" dirty="0">
+                <a:solidFill>
+                  <a:schemeClr val="tx1"/>
+                </a:solidFill>
+                <a:sym typeface="+mn-ea"/>
+              </a:rPr>
+            </a:br>
+            <a:r>
+              <a:rPr lang="zh-CN" altLang="en-US" sz="1800" dirty="0">
+                <a:solidFill>
+                  <a:schemeClr val="tx1"/>
+                </a:solidFill>
+                <a:sym typeface="+mn-ea"/>
+              </a:rPr>
+              <a:t>  通对象的键来对待</a:t>
+            </a:r>
+            <a:br>
+              <a:rPr lang="zh-CN" altLang="en-US" sz="1800" dirty="0">
+                <a:solidFill>
+                  <a:schemeClr val="tx1"/>
+                </a:solidFill>
+                <a:sym typeface="+mn-ea"/>
+              </a:rPr>
+            </a:br>
+            <a:r>
+              <a:rPr lang="en-US" altLang="zh-CN" sz="1800" dirty="0">
+                <a:solidFill>
+                  <a:schemeClr val="tx1"/>
+                </a:solidFill>
+                <a:sym typeface="+mn-ea"/>
+              </a:rPr>
+              <a:t>- </a:t>
+            </a:r>
+            <a:r>
+              <a:rPr lang="zh-CN" altLang="en-US" sz="1800" dirty="0">
+                <a:solidFill>
+                  <a:schemeClr val="tx1"/>
+                </a:solidFill>
+                <a:sym typeface="+mn-ea"/>
+              </a:rPr>
+              <a:t>数组特别之处在于，当使用使用</a:t>
+            </a:r>
+            <a:r>
+              <a:rPr lang="en-US" altLang="zh-CN" sz="1800" dirty="0">
+                <a:solidFill>
+                  <a:schemeClr val="tx1"/>
+                </a:solidFill>
+                <a:sym typeface="+mn-ea"/>
+              </a:rPr>
+              <a:t>2</a:t>
+            </a:r>
+            <a:r>
+              <a:rPr lang="zh-CN" altLang="en-US" sz="1800" dirty="0">
+                <a:solidFill>
+                  <a:schemeClr val="tx1"/>
+                </a:solidFill>
+                <a:sym typeface="+mn-ea"/>
+              </a:rPr>
+              <a:t>的</a:t>
+            </a:r>
+            <a:r>
+              <a:rPr lang="en-US" altLang="zh-CN" sz="1800" dirty="0">
+                <a:solidFill>
+                  <a:schemeClr val="tx1"/>
+                </a:solidFill>
+                <a:sym typeface="+mn-ea"/>
+              </a:rPr>
+              <a:t>32</a:t>
+            </a:r>
+            <a:r>
+              <a:rPr lang="zh-CN" altLang="en-US" sz="1800" dirty="0">
+                <a:solidFill>
+                  <a:schemeClr val="tx1"/>
+                </a:solidFill>
+                <a:sym typeface="+mn-ea"/>
+              </a:rPr>
+              <a:t>次方以内的非负整数作为属性名时，数组会自动维护</a:t>
+            </a:r>
+            <a:br>
+              <a:rPr lang="zh-CN" altLang="en-US" sz="1800" dirty="0">
+                <a:solidFill>
+                  <a:schemeClr val="tx1"/>
+                </a:solidFill>
+                <a:sym typeface="+mn-ea"/>
+              </a:rPr>
+            </a:br>
+            <a:r>
+              <a:rPr lang="zh-CN" altLang="en-US" sz="1800" dirty="0">
+                <a:solidFill>
+                  <a:schemeClr val="tx1"/>
+                </a:solidFill>
+                <a:sym typeface="+mn-ea"/>
+              </a:rPr>
+              <a:t>  其</a:t>
+            </a:r>
+            <a:r>
+              <a:rPr lang="en-US" altLang="zh-CN" sz="1800" dirty="0">
+                <a:solidFill>
+                  <a:schemeClr val="tx1"/>
+                </a:solidFill>
+                <a:sym typeface="+mn-ea"/>
+              </a:rPr>
+              <a:t>length</a:t>
+            </a:r>
+            <a:r>
+              <a:rPr lang="zh-CN" altLang="en-US" sz="1800" dirty="0">
+                <a:solidFill>
+                  <a:schemeClr val="tx1"/>
+                </a:solidFill>
+                <a:sym typeface="+mn-ea"/>
+              </a:rPr>
+              <a:t>属性，作为数组的元素，而不是数组对象的属性</a:t>
             </a:r>
             <a:br>
               <a:rPr lang="en-US" altLang="zh-CN" sz="1800" dirty="0">
@@ -6715,7 +7775,7 @@
         </p:nvSpPr>
         <p:spPr>
           <a:xfrm>
-            <a:off x="6229350" y="6036945"/>
+            <a:off x="5368290" y="6108700"/>
             <a:ext cx="5420360" cy="429895"/>
           </a:xfrm>
           <a:prstGeom prst="rect">
@@ -6747,7 +7807,7 @@
                 <a:latin typeface="+mn-ea"/>
                 <a:ea typeface="+mn-ea"/>
               </a:rPr>
-              <a:t>demo2</a:t>
+              <a:t>demo2 Part2</a:t>
             </a:r>
             <a:endParaRPr lang="zh-CN" altLang="en-US" sz="2200">
               <a:solidFill>
@@ -6761,7 +7821,7 @@
       </p:sp>
       <p:pic>
         <p:nvPicPr>
-          <p:cNvPr id="4" name="图片 3"/>
+          <p:cNvPr id="5" name="图片 4"/>
           <p:cNvPicPr>
             <a:picLocks noChangeAspect="1"/>
           </p:cNvPicPr>
@@ -6775,8 +7835,8 @@
         </p:blipFill>
         <p:spPr>
           <a:xfrm>
-            <a:off x="1137285" y="1773555"/>
-            <a:ext cx="5732780" cy="3272155"/>
+            <a:off x="1236345" y="3378835"/>
+            <a:ext cx="8552180" cy="2610485"/>
           </a:xfrm>
           <a:prstGeom prst="rect">
             <a:avLst/>
@@ -6800,9 +7860,6 @@
                     <p:cTn id="3" fill="hold">
                       <p:stCondLst>
                         <p:cond delay="indefinite"/>
-                        <p:cond evt="onBegin" delay="0">
-                          <p:tn val="2"/>
-                        </p:cond>
                       </p:stCondLst>
                       <p:childTnLst>
                         <p:par>
@@ -6812,7 +7869,7 @@
                             </p:stCondLst>
                             <p:childTnLst>
                               <p:par>
-                                <p:cTn id="5" presetID="2" presetClass="entr" presetSubtype="4" fill="hold" grpId="0" nodeType="afterEffect">
+                                <p:cTn id="5" presetID="2" presetClass="entr" presetSubtype="4" fill="hold" nodeType="clickEffect">
                                   <p:stCondLst>
                                     <p:cond delay="0"/>
                                   </p:stCondLst>
@@ -6820,6 +7877,191 @@
                                     <p:set>
                                       <p:cBhvr>
                                         <p:cTn id="6" dur="1" fill="hold">
+                                          <p:stCondLst>
+                                            <p:cond delay="0"/>
+                                          </p:stCondLst>
+                                        </p:cTn>
+                                        <p:tgtEl>
+                                          <p:spTgt spid="2">
+                                            <p:txEl>
+                                              <p:pRg st="0" end="0"/>
+                                            </p:txEl>
+                                          </p:spTgt>
+                                        </p:tgtEl>
+                                        <p:attrNameLst>
+                                          <p:attrName>style.visibility</p:attrName>
+                                        </p:attrNameLst>
+                                      </p:cBhvr>
+                                      <p:to>
+                                        <p:strVal val="visible"/>
+                                      </p:to>
+                                    </p:set>
+                                    <p:anim calcmode="lin" valueType="num">
+                                      <p:cBhvr additive="base">
+                                        <p:cTn id="7" dur="500" fill="hold"/>
+                                        <p:tgtEl>
+                                          <p:spTgt spid="2">
+                                            <p:txEl>
+                                              <p:pRg st="0" end="0"/>
+                                            </p:txEl>
+                                          </p:spTgt>
+                                        </p:tgtEl>
+                                        <p:attrNameLst>
+                                          <p:attrName>ppt_x</p:attrName>
+                                        </p:attrNameLst>
+                                      </p:cBhvr>
+                                      <p:tavLst>
+                                        <p:tav tm="0">
+                                          <p:val>
+                                            <p:strVal val="#ppt_x"/>
+                                          </p:val>
+                                        </p:tav>
+                                        <p:tav tm="100000">
+                                          <p:val>
+                                            <p:strVal val="#ppt_x"/>
+                                          </p:val>
+                                        </p:tav>
+                                      </p:tavLst>
+                                    </p:anim>
+                                    <p:anim calcmode="lin" valueType="num">
+                                      <p:cBhvr additive="base">
+                                        <p:cTn id="8" dur="500" fill="hold"/>
+                                        <p:tgtEl>
+                                          <p:spTgt spid="2">
+                                            <p:txEl>
+                                              <p:pRg st="0" end="0"/>
+                                            </p:txEl>
+                                          </p:spTgt>
+                                        </p:tgtEl>
+                                        <p:attrNameLst>
+                                          <p:attrName>ppt_y</p:attrName>
+                                        </p:attrNameLst>
+                                      </p:cBhvr>
+                                      <p:tavLst>
+                                        <p:tav tm="0">
+                                          <p:val>
+                                            <p:strVal val="1+#ppt_h/2"/>
+                                          </p:val>
+                                        </p:tav>
+                                        <p:tav tm="100000">
+                                          <p:val>
+                                            <p:strVal val="#ppt_y"/>
+                                          </p:val>
+                                        </p:tav>
+                                      </p:tavLst>
+                                    </p:anim>
+                                  </p:childTnLst>
+                                </p:cTn>
+                              </p:par>
+                            </p:childTnLst>
+                          </p:cTn>
+                        </p:par>
+                      </p:childTnLst>
+                    </p:cTn>
+                  </p:par>
+                  <p:par>
+                    <p:cTn id="9" fill="hold">
+                      <p:stCondLst>
+                        <p:cond delay="indefinite"/>
+                      </p:stCondLst>
+                      <p:childTnLst>
+                        <p:par>
+                          <p:cTn id="10" fill="hold">
+                            <p:stCondLst>
+                              <p:cond delay="0"/>
+                            </p:stCondLst>
+                            <p:childTnLst>
+                              <p:par>
+                                <p:cTn id="11" presetID="2" presetClass="entr" presetSubtype="4" fill="hold" nodeType="clickEffect">
+                                  <p:stCondLst>
+                                    <p:cond delay="0"/>
+                                  </p:stCondLst>
+                                  <p:childTnLst>
+                                    <p:set>
+                                      <p:cBhvr>
+                                        <p:cTn id="12" dur="1" fill="hold">
+                                          <p:stCondLst>
+                                            <p:cond delay="0"/>
+                                          </p:stCondLst>
+                                        </p:cTn>
+                                        <p:tgtEl>
+                                          <p:spTgt spid="5"/>
+                                        </p:tgtEl>
+                                        <p:attrNameLst>
+                                          <p:attrName>style.visibility</p:attrName>
+                                        </p:attrNameLst>
+                                      </p:cBhvr>
+                                      <p:to>
+                                        <p:strVal val="visible"/>
+                                      </p:to>
+                                    </p:set>
+                                    <p:anim calcmode="lin" valueType="num">
+                                      <p:cBhvr additive="base">
+                                        <p:cTn id="13" dur="500" fill="hold"/>
+                                        <p:tgtEl>
+                                          <p:spTgt spid="5"/>
+                                        </p:tgtEl>
+                                        <p:attrNameLst>
+                                          <p:attrName>ppt_x</p:attrName>
+                                        </p:attrNameLst>
+                                      </p:cBhvr>
+                                      <p:tavLst>
+                                        <p:tav tm="0">
+                                          <p:val>
+                                            <p:strVal val="#ppt_x"/>
+                                          </p:val>
+                                        </p:tav>
+                                        <p:tav tm="100000">
+                                          <p:val>
+                                            <p:strVal val="#ppt_x"/>
+                                          </p:val>
+                                        </p:tav>
+                                      </p:tavLst>
+                                    </p:anim>
+                                    <p:anim calcmode="lin" valueType="num">
+                                      <p:cBhvr additive="base">
+                                        <p:cTn id="14" dur="500" fill="hold"/>
+                                        <p:tgtEl>
+                                          <p:spTgt spid="5"/>
+                                        </p:tgtEl>
+                                        <p:attrNameLst>
+                                          <p:attrName>ppt_y</p:attrName>
+                                        </p:attrNameLst>
+                                      </p:cBhvr>
+                                      <p:tavLst>
+                                        <p:tav tm="0">
+                                          <p:val>
+                                            <p:strVal val="1+#ppt_h/2"/>
+                                          </p:val>
+                                        </p:tav>
+                                        <p:tav tm="100000">
+                                          <p:val>
+                                            <p:strVal val="#ppt_y"/>
+                                          </p:val>
+                                        </p:tav>
+                                      </p:tavLst>
+                                    </p:anim>
+                                  </p:childTnLst>
+                                </p:cTn>
+                              </p:par>
+                            </p:childTnLst>
+                          </p:cTn>
+                        </p:par>
+                        <p:par>
+                          <p:cTn id="15" fill="hold">
+                            <p:stCondLst>
+                              <p:cond delay="500"/>
+                            </p:stCondLst>
+                            <p:childTnLst>
+                              <p:par>
+                                <p:cTn id="16" presetID="2" presetClass="entr" presetSubtype="4" fill="hold" grpId="0" nodeType="afterEffect">
+                                  <p:stCondLst>
+                                    <p:cond delay="0"/>
+                                  </p:stCondLst>
+                                  <p:childTnLst>
+                                    <p:set>
+                                      <p:cBhvr>
+                                        <p:cTn id="17" dur="1" fill="hold">
                                           <p:stCondLst>
                                             <p:cond delay="0"/>
                                           </p:stCondLst>
@@ -6837,7 +8079,7 @@
                                     </p:set>
                                     <p:anim calcmode="lin" valueType="num">
                                       <p:cBhvr additive="base">
-                                        <p:cTn id="7" dur="500" fill="hold"/>
+                                        <p:cTn id="18" dur="500" fill="hold"/>
                                         <p:tgtEl>
                                           <p:spTgt spid="6"/>
                                         </p:tgtEl>
@@ -6860,7 +8102,7 @@
                                     </p:anim>
                                     <p:anim calcmode="lin" valueType="num">
                                       <p:cBhvr additive="base">
-                                        <p:cTn id="8" dur="500" fill="hold"/>
+                                        <p:cTn id="19" dur="500" fill="hold"/>
                                         <p:tgtEl>
                                           <p:spTgt spid="6"/>
                                         </p:tgtEl>
@@ -6937,6 +8179,502 @@
       </p:grpSpPr>
       <p:sp>
         <p:nvSpPr>
+          <p:cNvPr id="5123" name="AutoShape 6"/>
+          <p:cNvSpPr>
+            <a:spLocks noChangeArrowheads="1"/>
+          </p:cNvSpPr>
+          <p:nvPr/>
+        </p:nvSpPr>
+        <p:spPr bwMode="auto">
+          <a:xfrm>
+            <a:off x="2566988" y="1339851"/>
+            <a:ext cx="6711950" cy="4214813"/>
+          </a:xfrm>
+          <a:prstGeom prst="roundRect">
+            <a:avLst>
+              <a:gd name="adj" fmla="val 16667"/>
+            </a:avLst>
+          </a:prstGeom>
+          <a:noFill/>
+          <a:ln w="28575">
+            <a:solidFill>
+              <a:srgbClr val="C0C0C0"/>
+            </a:solidFill>
+            <a:prstDash val="sysDot"/>
+            <a:round/>
+          </a:ln>
+          <a:extLst>
+            <a:ext uri="{909E8E84-426E-40DD-AFC4-6F175D3DCCD1}">
+              <a14:hiddenFill xmlns:a14="http://schemas.microsoft.com/office/drawing/2010/main">
+                <a:solidFill>
+                  <a:srgbClr val="FFFFFF"/>
+                </a:solidFill>
+              </a14:hiddenFill>
+            </a:ext>
+          </a:extLst>
+        </p:spPr>
+        <p:txBody>
+          <a:bodyPr wrap="none" anchor="ctr"/>
+          <a:lstStyle>
+            <a:lvl1pPr marL="457200" indent="-457200">
+              <a:defRPr sz="3200">
+                <a:solidFill>
+                  <a:schemeClr val="tx1"/>
+                </a:solidFill>
+                <a:latin typeface="Arial" panose="020B0604020202020204" pitchFamily="34" charset="0"/>
+                <a:ea typeface="微软雅黑" panose="020B0503020204020204" pitchFamily="34" charset="-122"/>
+              </a:defRPr>
+            </a:lvl1pPr>
+            <a:lvl2pPr marL="742950" indent="-285750">
+              <a:defRPr sz="3200">
+                <a:solidFill>
+                  <a:schemeClr val="tx1"/>
+                </a:solidFill>
+                <a:latin typeface="Arial" panose="020B0604020202020204" pitchFamily="34" charset="0"/>
+                <a:ea typeface="微软雅黑" panose="020B0503020204020204" pitchFamily="34" charset="-122"/>
+              </a:defRPr>
+            </a:lvl2pPr>
+            <a:lvl3pPr marL="1143000" indent="-228600">
+              <a:defRPr sz="3200">
+                <a:solidFill>
+                  <a:schemeClr val="tx1"/>
+                </a:solidFill>
+                <a:latin typeface="Arial" panose="020B0604020202020204" pitchFamily="34" charset="0"/>
+                <a:ea typeface="微软雅黑" panose="020B0503020204020204" pitchFamily="34" charset="-122"/>
+              </a:defRPr>
+            </a:lvl3pPr>
+            <a:lvl4pPr marL="1600200" indent="-228600">
+              <a:defRPr sz="3200">
+                <a:solidFill>
+                  <a:schemeClr val="tx1"/>
+                </a:solidFill>
+                <a:latin typeface="Arial" panose="020B0604020202020204" pitchFamily="34" charset="0"/>
+                <a:ea typeface="微软雅黑" panose="020B0503020204020204" pitchFamily="34" charset="-122"/>
+              </a:defRPr>
+            </a:lvl4pPr>
+            <a:lvl5pPr marL="2057400" indent="-228600">
+              <a:defRPr sz="3200">
+                <a:solidFill>
+                  <a:schemeClr val="tx1"/>
+                </a:solidFill>
+                <a:latin typeface="Arial" panose="020B0604020202020204" pitchFamily="34" charset="0"/>
+                <a:ea typeface="微软雅黑" panose="020B0503020204020204" pitchFamily="34" charset="-122"/>
+              </a:defRPr>
+            </a:lvl5pPr>
+            <a:lvl6pPr marL="2514600" indent="-228600" eaLnBrk="0" fontAlgn="base" hangingPunct="0">
+              <a:spcBef>
+                <a:spcPct val="0"/>
+              </a:spcBef>
+              <a:spcAft>
+                <a:spcPct val="0"/>
+              </a:spcAft>
+              <a:defRPr sz="3200">
+                <a:solidFill>
+                  <a:schemeClr val="tx1"/>
+                </a:solidFill>
+                <a:latin typeface="Arial" panose="020B0604020202020204" pitchFamily="34" charset="0"/>
+                <a:ea typeface="微软雅黑" panose="020B0503020204020204" pitchFamily="34" charset="-122"/>
+              </a:defRPr>
+            </a:lvl6pPr>
+            <a:lvl7pPr marL="2971800" indent="-228600" eaLnBrk="0" fontAlgn="base" hangingPunct="0">
+              <a:spcBef>
+                <a:spcPct val="0"/>
+              </a:spcBef>
+              <a:spcAft>
+                <a:spcPct val="0"/>
+              </a:spcAft>
+              <a:defRPr sz="3200">
+                <a:solidFill>
+                  <a:schemeClr val="tx1"/>
+                </a:solidFill>
+                <a:latin typeface="Arial" panose="020B0604020202020204" pitchFamily="34" charset="0"/>
+                <a:ea typeface="微软雅黑" panose="020B0503020204020204" pitchFamily="34" charset="-122"/>
+              </a:defRPr>
+            </a:lvl7pPr>
+            <a:lvl8pPr marL="3429000" indent="-228600" eaLnBrk="0" fontAlgn="base" hangingPunct="0">
+              <a:spcBef>
+                <a:spcPct val="0"/>
+              </a:spcBef>
+              <a:spcAft>
+                <a:spcPct val="0"/>
+              </a:spcAft>
+              <a:defRPr sz="3200">
+                <a:solidFill>
+                  <a:schemeClr val="tx1"/>
+                </a:solidFill>
+                <a:latin typeface="Arial" panose="020B0604020202020204" pitchFamily="34" charset="0"/>
+                <a:ea typeface="微软雅黑" panose="020B0503020204020204" pitchFamily="34" charset="-122"/>
+              </a:defRPr>
+            </a:lvl8pPr>
+            <a:lvl9pPr marL="3886200" indent="-228600" eaLnBrk="0" fontAlgn="base" hangingPunct="0">
+              <a:spcBef>
+                <a:spcPct val="0"/>
+              </a:spcBef>
+              <a:spcAft>
+                <a:spcPct val="0"/>
+              </a:spcAft>
+              <a:defRPr sz="3200">
+                <a:solidFill>
+                  <a:schemeClr val="tx1"/>
+                </a:solidFill>
+                <a:latin typeface="Arial" panose="020B0604020202020204" pitchFamily="34" charset="0"/>
+                <a:ea typeface="微软雅黑" panose="020B0503020204020204" pitchFamily="34" charset="-122"/>
+              </a:defRPr>
+            </a:lvl9pPr>
+          </a:lstStyle>
+          <a:p>
+            <a:pPr algn="l">
+              <a:lnSpc>
+                <a:spcPct val="150000"/>
+              </a:lnSpc>
+              <a:spcBef>
+                <a:spcPts val="1200"/>
+              </a:spcBef>
+              <a:spcAft>
+                <a:spcPts val="1200"/>
+              </a:spcAft>
+              <a:buClr>
+                <a:srgbClr val="92D050"/>
+              </a:buClr>
+              <a:buFont typeface="Wingdings" panose="05000000000000000000" pitchFamily="2" charset="2"/>
+              <a:buChar char="Ø"/>
+            </a:pPr>
+            <a:r>
+              <a:rPr lang="zh-CN" altLang="en-US" sz="2800" b="1">
+                <a:solidFill>
+                  <a:schemeClr val="tx1"/>
+                </a:solidFill>
+                <a:sym typeface="+mn-ea"/>
+              </a:rPr>
+              <a:t>数组的创建和基本操作（增删改查）</a:t>
+            </a:r>
+            <a:endParaRPr lang="zh-CN" altLang="en-US" sz="2800" b="1">
+              <a:solidFill>
+                <a:schemeClr val="tx1"/>
+              </a:solidFill>
+              <a:sym typeface="+mn-ea"/>
+            </a:endParaRPr>
+          </a:p>
+          <a:p>
+            <a:pPr algn="l">
+              <a:lnSpc>
+                <a:spcPct val="150000"/>
+              </a:lnSpc>
+              <a:spcBef>
+                <a:spcPts val="1200"/>
+              </a:spcBef>
+              <a:spcAft>
+                <a:spcPts val="1200"/>
+              </a:spcAft>
+              <a:buClr>
+                <a:srgbClr val="92D050"/>
+              </a:buClr>
+              <a:buFont typeface="Wingdings" panose="05000000000000000000" pitchFamily="2" charset="2"/>
+              <a:buChar char="Ø"/>
+            </a:pPr>
+            <a:r>
+              <a:rPr lang="zh-CN" altLang="en-US" sz="2800" b="1">
+                <a:solidFill>
+                  <a:srgbClr val="FF0000"/>
+                </a:solidFill>
+                <a:sym typeface="+mn-ea"/>
+              </a:rPr>
+              <a:t>稀疏数组与多维数组</a:t>
+            </a:r>
+            <a:endParaRPr lang="zh-CN" altLang="en-US" sz="2800" b="1">
+              <a:solidFill>
+                <a:srgbClr val="FF0000"/>
+              </a:solidFill>
+              <a:sym typeface="+mn-ea"/>
+            </a:endParaRPr>
+          </a:p>
+          <a:p>
+            <a:pPr algn="l">
+              <a:lnSpc>
+                <a:spcPct val="150000"/>
+              </a:lnSpc>
+              <a:spcBef>
+                <a:spcPts val="1200"/>
+              </a:spcBef>
+              <a:spcAft>
+                <a:spcPts val="1200"/>
+              </a:spcAft>
+              <a:buClr>
+                <a:srgbClr val="92D050"/>
+              </a:buClr>
+              <a:buFont typeface="Wingdings" panose="05000000000000000000" pitchFamily="2" charset="2"/>
+              <a:buChar char="Ø"/>
+            </a:pPr>
+            <a:r>
+              <a:rPr lang="zh-CN" altLang="en-US" sz="2800" b="1">
+                <a:solidFill>
+                  <a:schemeClr val="tx1"/>
+                </a:solidFill>
+                <a:sym typeface="+mn-ea"/>
+              </a:rPr>
+              <a:t>数组的方法和相关高阶函数</a:t>
+            </a:r>
+            <a:endParaRPr lang="zh-CN" altLang="en-US" sz="2800" b="1">
+              <a:solidFill>
+                <a:srgbClr val="FF0000"/>
+              </a:solidFill>
+              <a:sym typeface="+mn-ea"/>
+            </a:endParaRPr>
+          </a:p>
+        </p:txBody>
+      </p:sp>
+      <p:sp>
+        <p:nvSpPr>
+          <p:cNvPr id="4" name="内容占位符 3"/>
+          <p:cNvSpPr txBox="1"/>
+          <p:nvPr/>
+        </p:nvSpPr>
+        <p:spPr>
+          <a:xfrm>
+            <a:off x="981657" y="236943"/>
+            <a:ext cx="8191557" cy="490476"/>
+          </a:xfrm>
+          <a:prstGeom prst="rect">
+            <a:avLst/>
+          </a:prstGeom>
+        </p:spPr>
+        <p:txBody>
+          <a:bodyPr/>
+          <a:lstStyle>
+            <a:lvl1pPr marL="167005" indent="-167005" algn="l" defTabSz="0" rtl="0" eaLnBrk="0" fontAlgn="base" hangingPunct="0">
+              <a:spcBef>
+                <a:spcPct val="0"/>
+              </a:spcBef>
+              <a:spcAft>
+                <a:spcPct val="15000"/>
+              </a:spcAft>
+              <a:buClr>
+                <a:schemeClr val="tx2"/>
+              </a:buClr>
+              <a:buFont typeface="Arial" panose="020B0604020202020204" pitchFamily="34" charset="0"/>
+              <a:buChar char="•"/>
+              <a:defRPr kumimoji="1" sz="1600">
+                <a:solidFill>
+                  <a:srgbClr val="006F53"/>
+                </a:solidFill>
+                <a:latin typeface="微软雅黑" panose="020B0503020204020204" pitchFamily="34" charset="-122"/>
+                <a:ea typeface="微软雅黑" panose="020B0503020204020204" pitchFamily="34" charset="-122"/>
+                <a:cs typeface="微软雅黑" panose="020B0503020204020204" pitchFamily="34" charset="-122"/>
+              </a:defRPr>
+            </a:lvl1pPr>
+            <a:lvl2pPr marL="398780" indent="-230505" algn="l" defTabSz="0" rtl="0" eaLnBrk="0" fontAlgn="base" hangingPunct="0">
+              <a:spcBef>
+                <a:spcPct val="0"/>
+              </a:spcBef>
+              <a:spcAft>
+                <a:spcPct val="15000"/>
+              </a:spcAft>
+              <a:buClr>
+                <a:schemeClr val="tx2"/>
+              </a:buClr>
+              <a:buFont typeface="Arial" panose="020B0604020202020204" pitchFamily="34" charset="0"/>
+              <a:buChar char="–"/>
+              <a:defRPr kumimoji="1" sz="2800">
+                <a:solidFill>
+                  <a:schemeClr val="bg2"/>
+                </a:solidFill>
+                <a:latin typeface="微软雅黑" panose="020B0503020204020204" pitchFamily="34" charset="-122"/>
+                <a:ea typeface="微软雅黑" panose="020B0503020204020204" pitchFamily="34" charset="-122"/>
+                <a:cs typeface="微软雅黑" panose="020B0503020204020204" pitchFamily="34" charset="-122"/>
+              </a:defRPr>
+            </a:lvl2pPr>
+            <a:lvl3pPr marL="400050" indent="182880" algn="l" defTabSz="0" rtl="0" eaLnBrk="0" fontAlgn="base" hangingPunct="0">
+              <a:spcBef>
+                <a:spcPct val="0"/>
+              </a:spcBef>
+              <a:spcAft>
+                <a:spcPct val="15000"/>
+              </a:spcAft>
+              <a:buClr>
+                <a:schemeClr val="tx2"/>
+              </a:buClr>
+              <a:buFont typeface="Arial" panose="020B0604020202020204" pitchFamily="34" charset="0"/>
+              <a:buChar char="•"/>
+              <a:defRPr kumimoji="1" sz="1600">
+                <a:solidFill>
+                  <a:schemeClr val="bg2"/>
+                </a:solidFill>
+                <a:latin typeface="微软雅黑" panose="020B0503020204020204" pitchFamily="34" charset="-122"/>
+                <a:ea typeface="微软雅黑" panose="020B0503020204020204" pitchFamily="34" charset="-122"/>
+                <a:cs typeface="微软雅黑" panose="020B0503020204020204" pitchFamily="34" charset="-122"/>
+              </a:defRPr>
+            </a:lvl3pPr>
+            <a:lvl4pPr marL="825500" indent="-241300" algn="l" defTabSz="0" rtl="0" eaLnBrk="0" fontAlgn="base" hangingPunct="0">
+              <a:spcBef>
+                <a:spcPct val="0"/>
+              </a:spcBef>
+              <a:spcAft>
+                <a:spcPct val="15000"/>
+              </a:spcAft>
+              <a:buClr>
+                <a:schemeClr val="tx2"/>
+              </a:buClr>
+              <a:buFont typeface="Arial" panose="020B0604020202020204" pitchFamily="34" charset="0"/>
+              <a:buChar char="–"/>
+              <a:defRPr kumimoji="1" sz="1600">
+                <a:solidFill>
+                  <a:schemeClr val="bg2"/>
+                </a:solidFill>
+                <a:latin typeface="微软雅黑" panose="020B0503020204020204" pitchFamily="34" charset="-122"/>
+                <a:ea typeface="微软雅黑" panose="020B0503020204020204" pitchFamily="34" charset="-122"/>
+                <a:cs typeface="微软雅黑" panose="020B0503020204020204" pitchFamily="34" charset="-122"/>
+              </a:defRPr>
+            </a:lvl4pPr>
+            <a:lvl5pPr marL="2057400" indent="-228600" algn="l" defTabSz="0" rtl="0" eaLnBrk="0" fontAlgn="base" hangingPunct="0">
+              <a:spcBef>
+                <a:spcPct val="0"/>
+              </a:spcBef>
+              <a:spcAft>
+                <a:spcPct val="25000"/>
+              </a:spcAft>
+              <a:buClr>
+                <a:schemeClr val="tx2"/>
+              </a:buClr>
+              <a:buFont typeface="Arial" panose="020B0604020202020204" pitchFamily="34" charset="0"/>
+              <a:buChar char="–"/>
+              <a:defRPr kumimoji="1" sz="2000">
+                <a:solidFill>
+                  <a:schemeClr val="tx1"/>
+                </a:solidFill>
+                <a:latin typeface="+mn-lt"/>
+                <a:ea typeface="微软雅黑" panose="020B0503020204020204" pitchFamily="34" charset="-122"/>
+                <a:cs typeface="微软雅黑" panose="020B0503020204020204" pitchFamily="34" charset="-122"/>
+              </a:defRPr>
+            </a:lvl5pPr>
+            <a:lvl6pPr marL="2514600" indent="-228600" algn="l" defTabSz="0" rtl="0" eaLnBrk="0" fontAlgn="base" hangingPunct="0">
+              <a:spcBef>
+                <a:spcPct val="0"/>
+              </a:spcBef>
+              <a:spcAft>
+                <a:spcPct val="25000"/>
+              </a:spcAft>
+              <a:buClr>
+                <a:schemeClr val="tx2"/>
+              </a:buClr>
+              <a:buFont typeface="Arial" panose="020B0604020202020204" pitchFamily="34" charset="0"/>
+              <a:buChar char="–"/>
+              <a:defRPr>
+                <a:solidFill>
+                  <a:schemeClr val="tx1"/>
+                </a:solidFill>
+                <a:latin typeface="+mn-lt"/>
+              </a:defRPr>
+            </a:lvl6pPr>
+            <a:lvl7pPr marL="2971800" indent="-228600" algn="l" defTabSz="0" rtl="0" eaLnBrk="0" fontAlgn="base" hangingPunct="0">
+              <a:spcBef>
+                <a:spcPct val="0"/>
+              </a:spcBef>
+              <a:spcAft>
+                <a:spcPct val="25000"/>
+              </a:spcAft>
+              <a:buClr>
+                <a:schemeClr val="tx2"/>
+              </a:buClr>
+              <a:buFont typeface="Arial" panose="020B0604020202020204" pitchFamily="34" charset="0"/>
+              <a:buChar char="–"/>
+              <a:defRPr>
+                <a:solidFill>
+                  <a:schemeClr val="tx1"/>
+                </a:solidFill>
+                <a:latin typeface="+mn-lt"/>
+              </a:defRPr>
+            </a:lvl7pPr>
+            <a:lvl8pPr marL="3429000" indent="-228600" algn="l" defTabSz="0" rtl="0" eaLnBrk="0" fontAlgn="base" hangingPunct="0">
+              <a:spcBef>
+                <a:spcPct val="0"/>
+              </a:spcBef>
+              <a:spcAft>
+                <a:spcPct val="25000"/>
+              </a:spcAft>
+              <a:buClr>
+                <a:schemeClr val="tx2"/>
+              </a:buClr>
+              <a:buFont typeface="Arial" panose="020B0604020202020204" pitchFamily="34" charset="0"/>
+              <a:buChar char="–"/>
+              <a:defRPr>
+                <a:solidFill>
+                  <a:schemeClr val="tx1"/>
+                </a:solidFill>
+                <a:latin typeface="+mn-lt"/>
+              </a:defRPr>
+            </a:lvl8pPr>
+            <a:lvl9pPr marL="3886200" indent="-228600" algn="l" defTabSz="0" rtl="0" eaLnBrk="0" fontAlgn="base" hangingPunct="0">
+              <a:spcBef>
+                <a:spcPct val="0"/>
+              </a:spcBef>
+              <a:spcAft>
+                <a:spcPct val="25000"/>
+              </a:spcAft>
+              <a:buClr>
+                <a:schemeClr val="tx2"/>
+              </a:buClr>
+              <a:buFont typeface="Arial" panose="020B0604020202020204" pitchFamily="34" charset="0"/>
+              <a:buChar char="–"/>
+              <a:defRPr>
+                <a:solidFill>
+                  <a:schemeClr val="tx1"/>
+                </a:solidFill>
+                <a:latin typeface="+mn-lt"/>
+              </a:defRPr>
+            </a:lvl9pPr>
+          </a:lstStyle>
+          <a:p>
+            <a:pPr marL="0" indent="0">
+              <a:buNone/>
+            </a:pPr>
+            <a:r>
+              <a:rPr lang="zh-CN" altLang="en-US" sz="3200" dirty="0" smtClean="0">
+                <a:solidFill>
+                  <a:srgbClr val="C00000"/>
+                </a:solidFill>
+                <a:cs typeface="+mn-cs"/>
+                <a:sym typeface="+mn-ea"/>
+              </a:rPr>
+              <a:t>内容提纲</a:t>
+            </a:r>
+            <a:endParaRPr lang="zh-CN" altLang="en-US" kern="0" dirty="0"/>
+          </a:p>
+        </p:txBody>
+      </p:sp>
+    </p:spTree>
+  </p:cSld>
+  <p:clrMapOvr>
+    <a:masterClrMapping/>
+  </p:clrMapOvr>
+  <p:timing>
+    <p:tnLst>
+      <p:par>
+        <p:cTn id="1" dur="indefinite" restart="never" nodeType="tmRoot"/>
+      </p:par>
+    </p:tnLst>
+  </p:timing>
+</p:sld>
+</file>
+
+<file path=ppt/slides/slide8.xml><?xml version="1.0" encoding="utf-8"?>
+<p:sld xmlns:a="http://schemas.openxmlformats.org/drawingml/2006/main" xmlns:r="http://schemas.openxmlformats.org/officeDocument/2006/relationships" xmlns:p="http://schemas.openxmlformats.org/presentationml/2006/main">
+  <p:cSld>
+    <p:spTree>
+      <p:nvGrpSpPr>
+        <p:cNvPr id="1" name=""/>
+        <p:cNvGrpSpPr/>
+        <p:nvPr/>
+      </p:nvGrpSpPr>
+      <p:grpSpPr>
+        <a:xfrm>
+          <a:off x="0" y="0"/>
+          <a:ext cx="0" cy="0"/>
+          <a:chOff x="0" y="0"/>
+          <a:chExt cx="0" cy="0"/>
+        </a:xfrm>
+      </p:grpSpPr>
+      <p:sp>
+        <p:nvSpPr>
           <p:cNvPr id="2" name="内容占位符 1"/>
           <p:cNvSpPr>
             <a:spLocks noGrp="1"/>
@@ -6967,7 +8705,7 @@
                 </a:solidFill>
                 <a:sym typeface="+mn-ea"/>
               </a:rPr>
-              <a:t>数组相对于普通对象的特别之处</a:t>
+              <a:t>稀疏数组</a:t>
             </a:r>
             <a:br>
               <a:rPr lang="zh-CN" altLang="en-US" sz="3200" dirty="0">
@@ -6993,7 +8731,7 @@
                 </a:solidFill>
                 <a:sym typeface="+mn-ea"/>
               </a:rPr>
-              <a:t>数组是对象的特殊形式，可以为数组添加对象属性，对于</a:t>
+              <a:t>稀疏数组是包含从</a:t>
             </a:r>
             <a:r>
               <a:rPr lang="en-US" altLang="zh-CN" sz="1800" dirty="0">
@@ -7002,7 +8740,7 @@
                 </a:solidFill>
                 <a:sym typeface="+mn-ea"/>
               </a:rPr>
-              <a:t>2-2</a:t>
+              <a:t>0</a:t>
             </a:r>
             <a:r>
               <a:rPr lang="zh-CN" altLang="en-US" sz="1800" dirty="0">
@@ -7011,7 +8749,7 @@
                 </a:solidFill>
                 <a:sym typeface="+mn-ea"/>
               </a:rPr>
-              <a:t>的</a:t>
+              <a:t>开始的不连续索引的数组，</a:t>
             </a:r>
             <a:r>
               <a:rPr lang="en-US" altLang="zh-CN" sz="1800" dirty="0">
@@ -7020,7 +8758,7 @@
                 </a:solidFill>
                 <a:sym typeface="+mn-ea"/>
               </a:rPr>
-              <a:t>32</a:t>
+              <a:t>length</a:t>
             </a:r>
             <a:r>
               <a:rPr lang="zh-CN" altLang="en-US" sz="1800" dirty="0">
@@ -7029,7 +8767,7 @@
                 </a:solidFill>
                 <a:sym typeface="+mn-ea"/>
               </a:rPr>
-              <a:t>次方之外的数，将作为普</a:t>
+              <a:t>值大于实际定义的元素的个数</a:t>
             </a:r>
             <a:br>
               <a:rPr lang="zh-CN" altLang="en-US" sz="1800" dirty="0">
@@ -7040,110 +8778,22 @@
               </a:rPr>
             </a:br>
             <a:r>
+              <a:rPr lang="en-US" altLang="zh-CN" sz="1800" dirty="0">
+                <a:solidFill>
+                  <a:schemeClr val="tx1"/>
+                </a:solidFill>
+                <a:sym typeface="+mn-ea"/>
+              </a:rPr>
+              <a:t>- </a:t>
+            </a:r>
+            <a:r>
               <a:rPr lang="zh-CN" altLang="en-US" sz="1800" dirty="0">
                 <a:solidFill>
                   <a:schemeClr val="tx1"/>
                 </a:solidFill>
                 <a:sym typeface="+mn-ea"/>
               </a:rPr>
-              <a:t>  通对象的键来对待</a:t>
-            </a:r>
-            <a:br>
-              <a:rPr lang="zh-CN" altLang="en-US" sz="1800" dirty="0">
-                <a:solidFill>
-                  <a:schemeClr val="tx1"/>
-                </a:solidFill>
-                <a:sym typeface="+mn-ea"/>
-              </a:rPr>
-            </a:br>
-            <a:r>
-              <a:rPr lang="en-US" altLang="zh-CN" sz="1800" dirty="0">
-                <a:solidFill>
-                  <a:schemeClr val="tx1"/>
-                </a:solidFill>
-                <a:sym typeface="+mn-ea"/>
-              </a:rPr>
-              <a:t>- </a:t>
-            </a:r>
-            <a:r>
-              <a:rPr lang="zh-CN" altLang="en-US" sz="1800" dirty="0">
-                <a:solidFill>
-                  <a:schemeClr val="tx1"/>
-                </a:solidFill>
-                <a:sym typeface="+mn-ea"/>
-              </a:rPr>
-              <a:t>数组特别之处在于，当使用使用</a:t>
-            </a:r>
-            <a:r>
-              <a:rPr lang="en-US" altLang="zh-CN" sz="1800" dirty="0">
-                <a:solidFill>
-                  <a:schemeClr val="tx1"/>
-                </a:solidFill>
-                <a:sym typeface="+mn-ea"/>
-              </a:rPr>
-              <a:t>2</a:t>
-            </a:r>
-            <a:r>
-              <a:rPr lang="zh-CN" altLang="en-US" sz="1800" dirty="0">
-                <a:solidFill>
-                  <a:schemeClr val="tx1"/>
-                </a:solidFill>
-                <a:sym typeface="+mn-ea"/>
-              </a:rPr>
-              <a:t>的</a:t>
-            </a:r>
-            <a:r>
-              <a:rPr lang="en-US" altLang="zh-CN" sz="1800" dirty="0">
-                <a:solidFill>
-                  <a:schemeClr val="tx1"/>
-                </a:solidFill>
-                <a:sym typeface="+mn-ea"/>
-              </a:rPr>
-              <a:t>32</a:t>
-            </a:r>
-            <a:r>
-              <a:rPr lang="zh-CN" altLang="en-US" sz="1800" dirty="0">
-                <a:solidFill>
-                  <a:schemeClr val="tx1"/>
-                </a:solidFill>
-                <a:sym typeface="+mn-ea"/>
-              </a:rPr>
-              <a:t>次方以内的非负整数作为属性名时，数组会自动维护</a:t>
-            </a:r>
-            <a:br>
-              <a:rPr lang="zh-CN" altLang="en-US" sz="1800" dirty="0">
-                <a:solidFill>
-                  <a:schemeClr val="tx1"/>
-                </a:solidFill>
-                <a:sym typeface="+mn-ea"/>
-              </a:rPr>
-            </a:br>
-            <a:r>
-              <a:rPr lang="zh-CN" altLang="en-US" sz="1800" dirty="0">
-                <a:solidFill>
-                  <a:schemeClr val="tx1"/>
-                </a:solidFill>
-                <a:sym typeface="+mn-ea"/>
-              </a:rPr>
-              <a:t>  其</a:t>
-            </a:r>
-            <a:r>
-              <a:rPr lang="en-US" altLang="zh-CN" sz="1800" dirty="0">
-                <a:solidFill>
-                  <a:schemeClr val="tx1"/>
-                </a:solidFill>
-                <a:sym typeface="+mn-ea"/>
-              </a:rPr>
-              <a:t>length</a:t>
-            </a:r>
-            <a:r>
-              <a:rPr lang="zh-CN" altLang="en-US" sz="1800" dirty="0">
-                <a:solidFill>
-                  <a:schemeClr val="tx1"/>
-                </a:solidFill>
-                <a:sym typeface="+mn-ea"/>
-              </a:rPr>
-              <a:t>属性</a:t>
+              <a:t>遍历稀疏数组时，注意的跳过无元素项的问题</a:t>
             </a:r>
             <a:br>
               <a:rPr lang="en-US" altLang="zh-CN" sz="1800" dirty="0">
@@ -7192,8 +8842,10 @@
           <a:lstStyle/>
           <a:p>
             <a:r>
-              <a:rPr lang="zh-CN" altLang="en-US" dirty="0"/>
-              <a:t>数组的创建和基本操作</a:t>
+              <a:rPr lang="zh-CN" altLang="en-US" dirty="0">
+                <a:sym typeface="+mn-ea"/>
+              </a:rPr>
+              <a:t>稀疏数组与多维数组</a:t>
             </a:r>
             <a:endParaRPr lang="zh-CN" altLang="en-US" dirty="0"/>
           </a:p>
@@ -7239,7 +8891,27 @@
                 <a:latin typeface="+mn-ea"/>
                 <a:ea typeface="+mn-ea"/>
               </a:rPr>
-              <a:t>demo2</a:t>
+              <a:t>demo3 </a:t>
+            </a:r>
+            <a:r>
+              <a:rPr lang="zh-CN" altLang="en-US" sz="2200">
+                <a:solidFill>
+                  <a:srgbClr val="FF0000"/>
+                </a:solidFill>
+                <a:latin typeface="+mn-ea"/>
+                <a:ea typeface="+mn-ea"/>
+              </a:rPr>
+              <a:t>稀疏数组</a:t>
+            </a:r>
+            <a:r>
+              <a:rPr lang="en-US" altLang="zh-CN" sz="2200">
+                <a:solidFill>
+                  <a:srgbClr val="FF0000"/>
+                </a:solidFill>
+                <a:latin typeface="+mn-ea"/>
+                <a:ea typeface="+mn-ea"/>
+              </a:rPr>
+              <a:t> </a:t>
             </a:r>
             <a:endParaRPr lang="zh-CN" altLang="en-US" sz="2200">
               <a:solidFill>
@@ -7267,8 +8939,8 @@
         </p:blipFill>
         <p:spPr>
           <a:xfrm>
-            <a:off x="1236345" y="3378835"/>
-            <a:ext cx="8552180" cy="2610485"/>
+            <a:off x="1196340" y="2571750"/>
+            <a:ext cx="6182360" cy="3293110"/>
           </a:xfrm>
           <a:prstGeom prst="rect">
             <a:avLst/>
@@ -7292,9 +8964,6 @@
                     <p:cTn id="3" fill="hold">
                       <p:stCondLst>
                         <p:cond delay="indefinite"/>
-                        <p:cond evt="onBegin" delay="0">
-                          <p:tn val="2"/>
-                        </p:cond>
                       </p:stCondLst>
                       <p:childTnLst>
                         <p:par>
@@ -7304,7 +8973,7 @@
                             </p:stCondLst>
                             <p:childTnLst>
                               <p:par>
-                                <p:cTn id="5" presetID="2" presetClass="entr" presetSubtype="4" fill="hold" grpId="0" nodeType="afterEffect">
+                                <p:cTn id="5" presetID="2" presetClass="entr" presetSubtype="4" fill="hold" nodeType="clickEffect">
                                   <p:stCondLst>
                                     <p:cond delay="0"/>
                                   </p:stCondLst>
@@ -7312,6 +8981,191 @@
                                     <p:set>
                                       <p:cBhvr>
                                         <p:cTn id="6" dur="1" fill="hold">
+                                          <p:stCondLst>
+                                            <p:cond delay="0"/>
+                                          </p:stCondLst>
+                                        </p:cTn>
+                                        <p:tgtEl>
+                                          <p:spTgt spid="2">
+                                            <p:txEl>
+                                              <p:pRg st="0" end="0"/>
+                                            </p:txEl>
+                                          </p:spTgt>
+                                        </p:tgtEl>
+                                        <p:attrNameLst>
+                                          <p:attrName>style.visibility</p:attrName>
+                                        </p:attrNameLst>
+                                      </p:cBhvr>
+                                      <p:to>
+                                        <p:strVal val="visible"/>
+                                      </p:to>
+                                    </p:set>
+                                    <p:anim calcmode="lin" valueType="num">
+                                      <p:cBhvr additive="base">
+                                        <p:cTn id="7" dur="500" fill="hold"/>
+                                        <p:tgtEl>
+                                          <p:spTgt spid="2">
+                                            <p:txEl>
+                                              <p:pRg st="0" end="0"/>
+                                            </p:txEl>
+                                          </p:spTgt>
+                                        </p:tgtEl>
+                                        <p:attrNameLst>
+                                          <p:attrName>ppt_x</p:attrName>
+                                        </p:attrNameLst>
+                                      </p:cBhvr>
+                                      <p:tavLst>
+                                        <p:tav tm="0">
+                                          <p:val>
+                                            <p:strVal val="#ppt_x"/>
+                                          </p:val>
+                                        </p:tav>
+                                        <p:tav tm="100000">
+                                          <p:val>
+                                            <p:strVal val="#ppt_x"/>
+                                          </p:val>
+                                        </p:tav>
+                                      </p:tavLst>
+                                    </p:anim>
+                                    <p:anim calcmode="lin" valueType="num">
+                                      <p:cBhvr additive="base">
+                                        <p:cTn id="8" dur="500" fill="hold"/>
+                                        <p:tgtEl>
+                                          <p:spTgt spid="2">
+                                            <p:txEl>
+                                              <p:pRg st="0" end="0"/>
+                                            </p:txEl>
+                                          </p:spTgt>
+                                        </p:tgtEl>
+                                        <p:attrNameLst>
+                                          <p:attrName>ppt_y</p:attrName>
+                                        </p:attrNameLst>
+                                      </p:cBhvr>
+                                      <p:tavLst>
+                                        <p:tav tm="0">
+                                          <p:val>
+                                            <p:strVal val="1+#ppt_h/2"/>
+                                          </p:val>
+                                        </p:tav>
+                                        <p:tav tm="100000">
+                                          <p:val>
+                                            <p:strVal val="#ppt_y"/>
+                                          </p:val>
+                                        </p:tav>
+                                      </p:tavLst>
+                                    </p:anim>
+                                  </p:childTnLst>
+                                </p:cTn>
+                              </p:par>
+                            </p:childTnLst>
+                          </p:cTn>
+                        </p:par>
+                      </p:childTnLst>
+                    </p:cTn>
+                  </p:par>
+                  <p:par>
+                    <p:cTn id="9" fill="hold">
+                      <p:stCondLst>
+                        <p:cond delay="indefinite"/>
+                      </p:stCondLst>
+                      <p:childTnLst>
+                        <p:par>
+                          <p:cTn id="10" fill="hold">
+                            <p:stCondLst>
+                              <p:cond delay="0"/>
+                            </p:stCondLst>
+                            <p:childTnLst>
+                              <p:par>
+                                <p:cTn id="11" presetID="2" presetClass="entr" presetSubtype="4" fill="hold" nodeType="clickEffect">
+                                  <p:stCondLst>
+                                    <p:cond delay="0"/>
+                                  </p:stCondLst>
+                                  <p:childTnLst>
+                                    <p:set>
+                                      <p:cBhvr>
+                                        <p:cTn id="12" dur="1" fill="hold">
+                                          <p:stCondLst>
+                                            <p:cond delay="0"/>
+                                          </p:stCondLst>
+                                        </p:cTn>
+                                        <p:tgtEl>
+                                          <p:spTgt spid="5"/>
+                                        </p:tgtEl>
+                                        <p:attrNameLst>
+                                          <p:attrName>style.visibility</p:attrName>
+                                        </p:attrNameLst>
+                                      </p:cBhvr>
+                                      <p:to>
+                                        <p:strVal val="visible"/>
+                                      </p:to>
+                                    </p:set>
+                                    <p:anim calcmode="lin" valueType="num">
+                                      <p:cBhvr additive="base">
+                                        <p:cTn id="13" dur="500" fill="hold"/>
+                                        <p:tgtEl>
+                                          <p:spTgt spid="5"/>
+                                        </p:tgtEl>
+                                        <p:attrNameLst>
+                                          <p:attrName>ppt_x</p:attrName>
+                                        </p:attrNameLst>
+                                      </p:cBhvr>
+                                      <p:tavLst>
+                                        <p:tav tm="0">
+                                          <p:val>
+                                            <p:strVal val="#ppt_x"/>
+                                          </p:val>
+                                        </p:tav>
+                                        <p:tav tm="100000">
+                                          <p:val>
+                                            <p:strVal val="#ppt_x"/>
+                                          </p:val>
+                                        </p:tav>
+                                      </p:tavLst>
+                                    </p:anim>
+                                    <p:anim calcmode="lin" valueType="num">
+                                      <p:cBhvr additive="base">
+                                        <p:cTn id="14" dur="500" fill="hold"/>
+                                        <p:tgtEl>
+                                          <p:spTgt spid="5"/>
+                                        </p:tgtEl>
+                                        <p:attrNameLst>
+                                          <p:attrName>ppt_y</p:attrName>
+                                        </p:attrNameLst>
+                                      </p:cBhvr>
+                                      <p:tavLst>
+                                        <p:tav tm="0">
+                                          <p:val>
+                                            <p:strVal val="1+#ppt_h/2"/>
+                                          </p:val>
+                                        </p:tav>
+                                        <p:tav tm="100000">
+                                          <p:val>
+                                            <p:strVal val="#ppt_y"/>
+                                          </p:val>
+                                        </p:tav>
+                                      </p:tavLst>
+                                    </p:anim>
+                                  </p:childTnLst>
+                                </p:cTn>
+                              </p:par>
+                            </p:childTnLst>
+                          </p:cTn>
+                        </p:par>
+                        <p:par>
+                          <p:cTn id="15" fill="hold">
+                            <p:stCondLst>
+                              <p:cond delay="500"/>
+                            </p:stCondLst>
+                            <p:childTnLst>
+                              <p:par>
+                                <p:cTn id="16" presetID="2" presetClass="entr" presetSubtype="4" fill="hold" grpId="0" nodeType="afterEffect">
+                                  <p:stCondLst>
+                                    <p:cond delay="0"/>
+                                  </p:stCondLst>
+                                  <p:childTnLst>
+                                    <p:set>
+                                      <p:cBhvr>
+                                        <p:cTn id="17" dur="1" fill="hold">
                                           <p:stCondLst>
                                             <p:cond delay="0"/>
                                           </p:stCondLst>
@@ -7329,7 +9183,7 @@
                                     </p:set>
                                     <p:anim calcmode="lin" valueType="num">
                                       <p:cBhvr additive="base">
-                                        <p:cTn id="7" dur="500" fill="hold"/>
+                                        <p:cTn id="18" dur="500" fill="hold"/>
                                         <p:tgtEl>
                                           <p:spTgt spid="6"/>
                                         </p:tgtEl>
@@ -7352,7 +9206,7 @@
                                     </p:anim>
                                     <p:anim calcmode="lin" valueType="num">
                                       <p:cBhvr additive="base">
-                                        <p:cTn id="8" dur="500" fill="hold"/>
+                                        <p:cTn id="19" dur="500" fill="hold"/>
                                         <p:tgtEl>
                                           <p:spTgt spid="6"/>
                                         </p:tgtEl>
@@ -7410,502 +9264,6 @@
 </p:sld>
 </file>
 
-<file path=ppt/slides/slide8.xml><?xml version="1.0" encoding="utf-8"?>
-<p:sld xmlns:a="http://schemas.openxmlformats.org/drawingml/2006/main" xmlns:r="http://schemas.openxmlformats.org/officeDocument/2006/relationships" xmlns:p="http://schemas.openxmlformats.org/presentationml/2006/main">
-  <p:cSld>
-    <p:spTree>
-      <p:nvGrpSpPr>
-        <p:cNvPr id="1" name=""/>
-        <p:cNvGrpSpPr/>
-        <p:nvPr/>
-      </p:nvGrpSpPr>
-      <p:grpSpPr>
-        <a:xfrm>
-          <a:off x="0" y="0"/>
-          <a:ext cx="0" cy="0"/>
-          <a:chOff x="0" y="0"/>
-          <a:chExt cx="0" cy="0"/>
-        </a:xfrm>
-      </p:grpSpPr>
-      <p:sp>
-        <p:nvSpPr>
-          <p:cNvPr id="5123" name="AutoShape 6"/>
-          <p:cNvSpPr>
-            <a:spLocks noChangeArrowheads="1"/>
-          </p:cNvSpPr>
-          <p:nvPr/>
-        </p:nvSpPr>
-        <p:spPr bwMode="auto">
-          <a:xfrm>
-            <a:off x="2566988" y="1339851"/>
-            <a:ext cx="6711950" cy="4214813"/>
-          </a:xfrm>
-          <a:prstGeom prst="roundRect">
-            <a:avLst>
-              <a:gd name="adj" fmla="val 16667"/>
-            </a:avLst>
-          </a:prstGeom>
-          <a:noFill/>
-          <a:ln w="28575">
-            <a:solidFill>
-              <a:srgbClr val="C0C0C0"/>
-            </a:solidFill>
-            <a:prstDash val="sysDot"/>
-            <a:round/>
-          </a:ln>
-          <a:extLst>
-            <a:ext uri="{909E8E84-426E-40DD-AFC4-6F175D3DCCD1}">
-              <a14:hiddenFill xmlns:a14="http://schemas.microsoft.com/office/drawing/2010/main">
-                <a:solidFill>
-                  <a:srgbClr val="FFFFFF"/>
-                </a:solidFill>
-              </a14:hiddenFill>
-            </a:ext>
-          </a:extLst>
-        </p:spPr>
-        <p:txBody>
-          <a:bodyPr wrap="none" anchor="ctr"/>
-          <a:lstStyle>
-            <a:lvl1pPr marL="457200" indent="-457200">
-              <a:defRPr sz="3200">
-                <a:solidFill>
-                  <a:schemeClr val="tx1"/>
-                </a:solidFill>
-                <a:latin typeface="Arial" panose="020B0604020202020204" pitchFamily="34" charset="0"/>
-                <a:ea typeface="微软雅黑" panose="020B0503020204020204" pitchFamily="34" charset="-122"/>
-              </a:defRPr>
-            </a:lvl1pPr>
-            <a:lvl2pPr marL="742950" indent="-285750">
-              <a:defRPr sz="3200">
-                <a:solidFill>
-                  <a:schemeClr val="tx1"/>
-                </a:solidFill>
-                <a:latin typeface="Arial" panose="020B0604020202020204" pitchFamily="34" charset="0"/>
-                <a:ea typeface="微软雅黑" panose="020B0503020204020204" pitchFamily="34" charset="-122"/>
-              </a:defRPr>
-            </a:lvl2pPr>
-            <a:lvl3pPr marL="1143000" indent="-228600">
-              <a:defRPr sz="3200">
-                <a:solidFill>
-                  <a:schemeClr val="tx1"/>
-                </a:solidFill>
-                <a:latin typeface="Arial" panose="020B0604020202020204" pitchFamily="34" charset="0"/>
-                <a:ea typeface="微软雅黑" panose="020B0503020204020204" pitchFamily="34" charset="-122"/>
-              </a:defRPr>
-            </a:lvl3pPr>
-            <a:lvl4pPr marL="1600200" indent="-228600">
-              <a:defRPr sz="3200">
-                <a:solidFill>
-                  <a:schemeClr val="tx1"/>
-                </a:solidFill>
-                <a:latin typeface="Arial" panose="020B0604020202020204" pitchFamily="34" charset="0"/>
-                <a:ea typeface="微软雅黑" panose="020B0503020204020204" pitchFamily="34" charset="-122"/>
-              </a:defRPr>
-            </a:lvl4pPr>
-            <a:lvl5pPr marL="2057400" indent="-228600">
-              <a:defRPr sz="3200">
-                <a:solidFill>
-                  <a:schemeClr val="tx1"/>
-                </a:solidFill>
-                <a:latin typeface="Arial" panose="020B0604020202020204" pitchFamily="34" charset="0"/>
-                <a:ea typeface="微软雅黑" panose="020B0503020204020204" pitchFamily="34" charset="-122"/>
-              </a:defRPr>
-            </a:lvl5pPr>
-            <a:lvl6pPr marL="2514600" indent="-228600" eaLnBrk="0" fontAlgn="base" hangingPunct="0">
-              <a:spcBef>
-                <a:spcPct val="0"/>
-              </a:spcBef>
-              <a:spcAft>
-                <a:spcPct val="0"/>
-              </a:spcAft>
-              <a:defRPr sz="3200">
-                <a:solidFill>
-                  <a:schemeClr val="tx1"/>
-                </a:solidFill>
-                <a:latin typeface="Arial" panose="020B0604020202020204" pitchFamily="34" charset="0"/>
-                <a:ea typeface="微软雅黑" panose="020B0503020204020204" pitchFamily="34" charset="-122"/>
-              </a:defRPr>
-            </a:lvl6pPr>
-            <a:lvl7pPr marL="2971800" indent="-228600" eaLnBrk="0" fontAlgn="base" hangingPunct="0">
-              <a:spcBef>
-                <a:spcPct val="0"/>
-              </a:spcBef>
-              <a:spcAft>
-                <a:spcPct val="0"/>
-              </a:spcAft>
-              <a:defRPr sz="3200">
-                <a:solidFill>
-                  <a:schemeClr val="tx1"/>
-                </a:solidFill>
-                <a:latin typeface="Arial" panose="020B0604020202020204" pitchFamily="34" charset="0"/>
-                <a:ea typeface="微软雅黑" panose="020B0503020204020204" pitchFamily="34" charset="-122"/>
-              </a:defRPr>
-            </a:lvl7pPr>
-            <a:lvl8pPr marL="3429000" indent="-228600" eaLnBrk="0" fontAlgn="base" hangingPunct="0">
-              <a:spcBef>
-                <a:spcPct val="0"/>
-              </a:spcBef>
-              <a:spcAft>
-                <a:spcPct val="0"/>
-              </a:spcAft>
-              <a:defRPr sz="3200">
-                <a:solidFill>
-                  <a:schemeClr val="tx1"/>
-                </a:solidFill>
-                <a:latin typeface="Arial" panose="020B0604020202020204" pitchFamily="34" charset="0"/>
-                <a:ea typeface="微软雅黑" panose="020B0503020204020204" pitchFamily="34" charset="-122"/>
-              </a:defRPr>
-            </a:lvl8pPr>
-            <a:lvl9pPr marL="3886200" indent="-228600" eaLnBrk="0" fontAlgn="base" hangingPunct="0">
-              <a:spcBef>
-                <a:spcPct val="0"/>
-              </a:spcBef>
-              <a:spcAft>
-                <a:spcPct val="0"/>
-              </a:spcAft>
-              <a:defRPr sz="3200">
-                <a:solidFill>
-                  <a:schemeClr val="tx1"/>
-                </a:solidFill>
-                <a:latin typeface="Arial" panose="020B0604020202020204" pitchFamily="34" charset="0"/>
-                <a:ea typeface="微软雅黑" panose="020B0503020204020204" pitchFamily="34" charset="-122"/>
-              </a:defRPr>
-            </a:lvl9pPr>
-          </a:lstStyle>
-          <a:p>
-            <a:pPr algn="l">
-              <a:lnSpc>
-                <a:spcPct val="150000"/>
-              </a:lnSpc>
-              <a:spcBef>
-                <a:spcPts val="1200"/>
-              </a:spcBef>
-              <a:spcAft>
-                <a:spcPts val="1200"/>
-              </a:spcAft>
-              <a:buClr>
-                <a:srgbClr val="92D050"/>
-              </a:buClr>
-              <a:buFont typeface="Wingdings" panose="05000000000000000000" pitchFamily="2" charset="2"/>
-              <a:buChar char="Ø"/>
-            </a:pPr>
-            <a:r>
-              <a:rPr lang="zh-CN" altLang="en-US" sz="2800" b="1">
-                <a:solidFill>
-                  <a:schemeClr val="tx1"/>
-                </a:solidFill>
-                <a:sym typeface="+mn-ea"/>
-              </a:rPr>
-              <a:t>数组的创建和基本操作（增删改查）</a:t>
-            </a:r>
-            <a:endParaRPr lang="zh-CN" altLang="en-US" sz="2800" b="1">
-              <a:solidFill>
-                <a:schemeClr val="tx1"/>
-              </a:solidFill>
-              <a:sym typeface="+mn-ea"/>
-            </a:endParaRPr>
-          </a:p>
-          <a:p>
-            <a:pPr algn="l">
-              <a:lnSpc>
-                <a:spcPct val="150000"/>
-              </a:lnSpc>
-              <a:spcBef>
-                <a:spcPts val="1200"/>
-              </a:spcBef>
-              <a:spcAft>
-                <a:spcPts val="1200"/>
-              </a:spcAft>
-              <a:buClr>
-                <a:srgbClr val="92D050"/>
-              </a:buClr>
-              <a:buFont typeface="Wingdings" panose="05000000000000000000" pitchFamily="2" charset="2"/>
-              <a:buChar char="Ø"/>
-            </a:pPr>
-            <a:r>
-              <a:rPr lang="zh-CN" altLang="en-US" sz="2800" b="1">
-                <a:solidFill>
-                  <a:srgbClr val="FF0000"/>
-                </a:solidFill>
-                <a:sym typeface="+mn-ea"/>
-              </a:rPr>
-              <a:t>稀疏数组与多维数组</a:t>
-            </a:r>
-            <a:endParaRPr lang="zh-CN" altLang="en-US" sz="2800" b="1">
-              <a:solidFill>
-                <a:srgbClr val="FF0000"/>
-              </a:solidFill>
-              <a:sym typeface="+mn-ea"/>
-            </a:endParaRPr>
-          </a:p>
-          <a:p>
-            <a:pPr algn="l">
-              <a:lnSpc>
-                <a:spcPct val="150000"/>
-              </a:lnSpc>
-              <a:spcBef>
-                <a:spcPts val="1200"/>
-              </a:spcBef>
-              <a:spcAft>
-                <a:spcPts val="1200"/>
-              </a:spcAft>
-              <a:buClr>
-                <a:srgbClr val="92D050"/>
-              </a:buClr>
-              <a:buFont typeface="Wingdings" panose="05000000000000000000" pitchFamily="2" charset="2"/>
-              <a:buChar char="Ø"/>
-            </a:pPr>
-            <a:r>
-              <a:rPr lang="zh-CN" altLang="en-US" sz="2800" b="1">
-                <a:solidFill>
-                  <a:schemeClr val="tx1"/>
-                </a:solidFill>
-                <a:sym typeface="+mn-ea"/>
-              </a:rPr>
-              <a:t>数组的方法和相关高阶函数</a:t>
-            </a:r>
-            <a:endParaRPr lang="zh-CN" altLang="en-US" sz="2800" b="1">
-              <a:solidFill>
-                <a:srgbClr val="FF0000"/>
-              </a:solidFill>
-              <a:sym typeface="+mn-ea"/>
-            </a:endParaRPr>
-          </a:p>
-        </p:txBody>
-      </p:sp>
-      <p:sp>
-        <p:nvSpPr>
-          <p:cNvPr id="4" name="内容占位符 3"/>
-          <p:cNvSpPr txBox="1"/>
-          <p:nvPr/>
-        </p:nvSpPr>
-        <p:spPr>
-          <a:xfrm>
-            <a:off x="981657" y="236943"/>
-            <a:ext cx="8191557" cy="490476"/>
-          </a:xfrm>
-          <a:prstGeom prst="rect">
-            <a:avLst/>
-          </a:prstGeom>
-        </p:spPr>
-        <p:txBody>
-          <a:bodyPr/>
-          <a:lstStyle>
-            <a:lvl1pPr marL="167005" indent="-167005" algn="l" defTabSz="0" rtl="0" eaLnBrk="0" fontAlgn="base" hangingPunct="0">
-              <a:spcBef>
-                <a:spcPct val="0"/>
-              </a:spcBef>
-              <a:spcAft>
-                <a:spcPct val="15000"/>
-              </a:spcAft>
-              <a:buClr>
-                <a:schemeClr val="tx2"/>
-              </a:buClr>
-              <a:buFont typeface="Arial" panose="020B0604020202020204" pitchFamily="34" charset="0"/>
-              <a:buChar char="•"/>
-              <a:defRPr kumimoji="1" sz="1600">
-                <a:solidFill>
-                  <a:srgbClr val="006F53"/>
-                </a:solidFill>
-                <a:latin typeface="微软雅黑" panose="020B0503020204020204" pitchFamily="34" charset="-122"/>
-                <a:ea typeface="微软雅黑" panose="020B0503020204020204" pitchFamily="34" charset="-122"/>
-                <a:cs typeface="微软雅黑" panose="020B0503020204020204" pitchFamily="34" charset="-122"/>
-              </a:defRPr>
-            </a:lvl1pPr>
-            <a:lvl2pPr marL="398780" indent="-230505" algn="l" defTabSz="0" rtl="0" eaLnBrk="0" fontAlgn="base" hangingPunct="0">
-              <a:spcBef>
-                <a:spcPct val="0"/>
-              </a:spcBef>
-              <a:spcAft>
-                <a:spcPct val="15000"/>
-              </a:spcAft>
-              <a:buClr>
-                <a:schemeClr val="tx2"/>
-              </a:buClr>
-              <a:buFont typeface="Arial" panose="020B0604020202020204" pitchFamily="34" charset="0"/>
-              <a:buChar char="–"/>
-              <a:defRPr kumimoji="1" sz="2800">
-                <a:solidFill>
-                  <a:schemeClr val="bg2"/>
-                </a:solidFill>
-                <a:latin typeface="微软雅黑" panose="020B0503020204020204" pitchFamily="34" charset="-122"/>
-                <a:ea typeface="微软雅黑" panose="020B0503020204020204" pitchFamily="34" charset="-122"/>
-                <a:cs typeface="微软雅黑" panose="020B0503020204020204" pitchFamily="34" charset="-122"/>
-              </a:defRPr>
-            </a:lvl2pPr>
-            <a:lvl3pPr marL="400050" indent="182880" algn="l" defTabSz="0" rtl="0" eaLnBrk="0" fontAlgn="base" hangingPunct="0">
-              <a:spcBef>
-                <a:spcPct val="0"/>
-              </a:spcBef>
-              <a:spcAft>
-                <a:spcPct val="15000"/>
-              </a:spcAft>
-              <a:buClr>
-                <a:schemeClr val="tx2"/>
-              </a:buClr>
-              <a:buFont typeface="Arial" panose="020B0604020202020204" pitchFamily="34" charset="0"/>
-              <a:buChar char="•"/>
-              <a:defRPr kumimoji="1" sz="1600">
-                <a:solidFill>
-                  <a:schemeClr val="bg2"/>
-                </a:solidFill>
-                <a:latin typeface="微软雅黑" panose="020B0503020204020204" pitchFamily="34" charset="-122"/>
-                <a:ea typeface="微软雅黑" panose="020B0503020204020204" pitchFamily="34" charset="-122"/>
-                <a:cs typeface="微软雅黑" panose="020B0503020204020204" pitchFamily="34" charset="-122"/>
-              </a:defRPr>
-            </a:lvl3pPr>
-            <a:lvl4pPr marL="825500" indent="-241300" algn="l" defTabSz="0" rtl="0" eaLnBrk="0" fontAlgn="base" hangingPunct="0">
-              <a:spcBef>
-                <a:spcPct val="0"/>
-              </a:spcBef>
-              <a:spcAft>
-                <a:spcPct val="15000"/>
-              </a:spcAft>
-              <a:buClr>
-                <a:schemeClr val="tx2"/>
-              </a:buClr>
-              <a:buFont typeface="Arial" panose="020B0604020202020204" pitchFamily="34" charset="0"/>
-              <a:buChar char="–"/>
-              <a:defRPr kumimoji="1" sz="1600">
-                <a:solidFill>
-                  <a:schemeClr val="bg2"/>
-                </a:solidFill>
-                <a:latin typeface="微软雅黑" panose="020B0503020204020204" pitchFamily="34" charset="-122"/>
-                <a:ea typeface="微软雅黑" panose="020B0503020204020204" pitchFamily="34" charset="-122"/>
-                <a:cs typeface="微软雅黑" panose="020B0503020204020204" pitchFamily="34" charset="-122"/>
-              </a:defRPr>
-            </a:lvl4pPr>
-            <a:lvl5pPr marL="2057400" indent="-228600" algn="l" defTabSz="0" rtl="0" eaLnBrk="0" fontAlgn="base" hangingPunct="0">
-              <a:spcBef>
-                <a:spcPct val="0"/>
-              </a:spcBef>
-              <a:spcAft>
-                <a:spcPct val="25000"/>
-              </a:spcAft>
-              <a:buClr>
-                <a:schemeClr val="tx2"/>
-              </a:buClr>
-              <a:buFont typeface="Arial" panose="020B0604020202020204" pitchFamily="34" charset="0"/>
-              <a:buChar char="–"/>
-              <a:defRPr kumimoji="1" sz="2000">
-                <a:solidFill>
-                  <a:schemeClr val="tx1"/>
-                </a:solidFill>
-                <a:latin typeface="+mn-lt"/>
-                <a:ea typeface="微软雅黑" panose="020B0503020204020204" pitchFamily="34" charset="-122"/>
-                <a:cs typeface="微软雅黑" panose="020B0503020204020204" pitchFamily="34" charset="-122"/>
-              </a:defRPr>
-            </a:lvl5pPr>
-            <a:lvl6pPr marL="2514600" indent="-228600" algn="l" defTabSz="0" rtl="0" eaLnBrk="0" fontAlgn="base" hangingPunct="0">
-              <a:spcBef>
-                <a:spcPct val="0"/>
-              </a:spcBef>
-              <a:spcAft>
-                <a:spcPct val="25000"/>
-              </a:spcAft>
-              <a:buClr>
-                <a:schemeClr val="tx2"/>
-              </a:buClr>
-              <a:buFont typeface="Arial" panose="020B0604020202020204" pitchFamily="34" charset="0"/>
-              <a:buChar char="–"/>
-              <a:defRPr>
-                <a:solidFill>
-                  <a:schemeClr val="tx1"/>
-                </a:solidFill>
-                <a:latin typeface="+mn-lt"/>
-              </a:defRPr>
-            </a:lvl6pPr>
-            <a:lvl7pPr marL="2971800" indent="-228600" algn="l" defTabSz="0" rtl="0" eaLnBrk="0" fontAlgn="base" hangingPunct="0">
-              <a:spcBef>
-                <a:spcPct val="0"/>
-              </a:spcBef>
-              <a:spcAft>
-                <a:spcPct val="25000"/>
-              </a:spcAft>
-              <a:buClr>
-                <a:schemeClr val="tx2"/>
-              </a:buClr>
-              <a:buFont typeface="Arial" panose="020B0604020202020204" pitchFamily="34" charset="0"/>
-              <a:buChar char="–"/>
-              <a:defRPr>
-                <a:solidFill>
-                  <a:schemeClr val="tx1"/>
-                </a:solidFill>
-                <a:latin typeface="+mn-lt"/>
-              </a:defRPr>
-            </a:lvl7pPr>
-            <a:lvl8pPr marL="3429000" indent="-228600" algn="l" defTabSz="0" rtl="0" eaLnBrk="0" fontAlgn="base" hangingPunct="0">
-              <a:spcBef>
-                <a:spcPct val="0"/>
-              </a:spcBef>
-              <a:spcAft>
-                <a:spcPct val="25000"/>
-              </a:spcAft>
-              <a:buClr>
-                <a:schemeClr val="tx2"/>
-              </a:buClr>
-              <a:buFont typeface="Arial" panose="020B0604020202020204" pitchFamily="34" charset="0"/>
-              <a:buChar char="–"/>
-              <a:defRPr>
-                <a:solidFill>
-                  <a:schemeClr val="tx1"/>
-                </a:solidFill>
-                <a:latin typeface="+mn-lt"/>
-              </a:defRPr>
-            </a:lvl8pPr>
-            <a:lvl9pPr marL="3886200" indent="-228600" algn="l" defTabSz="0" rtl="0" eaLnBrk="0" fontAlgn="base" hangingPunct="0">
-              <a:spcBef>
-                <a:spcPct val="0"/>
-              </a:spcBef>
-              <a:spcAft>
-                <a:spcPct val="25000"/>
-              </a:spcAft>
-              <a:buClr>
-                <a:schemeClr val="tx2"/>
-              </a:buClr>
-              <a:buFont typeface="Arial" panose="020B0604020202020204" pitchFamily="34" charset="0"/>
-              <a:buChar char="–"/>
-              <a:defRPr>
-                <a:solidFill>
-                  <a:schemeClr val="tx1"/>
-                </a:solidFill>
-                <a:latin typeface="+mn-lt"/>
-              </a:defRPr>
-            </a:lvl9pPr>
-          </a:lstStyle>
-          <a:p>
-            <a:pPr marL="0" indent="0">
-              <a:buNone/>
-            </a:pPr>
-            <a:r>
-              <a:rPr lang="zh-CN" altLang="en-US" sz="3200" dirty="0" smtClean="0">
-                <a:solidFill>
-                  <a:srgbClr val="C00000"/>
-                </a:solidFill>
-                <a:cs typeface="+mn-cs"/>
-                <a:sym typeface="+mn-ea"/>
-              </a:rPr>
-              <a:t>内容提纲</a:t>
-            </a:r>
-            <a:endParaRPr lang="zh-CN" altLang="en-US" kern="0" dirty="0"/>
-          </a:p>
-        </p:txBody>
-      </p:sp>
-    </p:spTree>
-  </p:cSld>
-  <p:clrMapOvr>
-    <a:masterClrMapping/>
-  </p:clrMapOvr>
-  <p:timing>
-    <p:tnLst>
-      <p:par>
-        <p:cTn id="1" dur="indefinite" restart="never" nodeType="tmRoot"/>
-      </p:par>
-    </p:tnLst>
-  </p:timing>
-</p:sld>
-</file>
-
 <file path=ppt/slides/slide9.xml><?xml version="1.0" encoding="utf-8"?>
 <p:sld xmlns:a="http://schemas.openxmlformats.org/drawingml/2006/main" xmlns:r="http://schemas.openxmlformats.org/officeDocument/2006/relationships" xmlns:p="http://schemas.openxmlformats.org/presentationml/2006/main">
   <p:cSld>
@@ -7955,7 +9313,7 @@
                 </a:solidFill>
                 <a:sym typeface="+mn-ea"/>
               </a:rPr>
-              <a:t>稀疏数组</a:t>
+              <a:t>多维数组</a:t>
             </a:r>
             <a:br>
               <a:rPr lang="zh-CN" altLang="en-US" sz="3200" dirty="0">
@@ -7972,7 +9330,7 @@
                 </a:solidFill>
                 <a:sym typeface="+mn-ea"/>
               </a:rPr>
-              <a:t>- </a:t>
+              <a:t>- JS</a:t>
             </a:r>
             <a:r>
               <a:rPr lang="zh-CN" altLang="en-US" sz="1800" dirty="0">
@@ -7981,69 +9339,7 @@
                 </a:solidFill>
                 <a:sym typeface="+mn-ea"/>
               </a:rPr>
-              <a:t>稀疏数组是包含从</a:t>
-            </a:r>
-            <a:r>
-              <a:rPr lang="en-US" altLang="zh-CN" sz="1800" dirty="0">
-                <a:solidFill>
-                  <a:schemeClr val="tx1"/>
-                </a:solidFill>
-                <a:sym typeface="+mn-ea"/>
-              </a:rPr>
-              <a:t>0</a:t>
-            </a:r>
-            <a:r>
-              <a:rPr lang="zh-CN" altLang="en-US" sz="1800" dirty="0">
-                <a:solidFill>
-                  <a:schemeClr val="tx1"/>
-                </a:solidFill>
-                <a:sym typeface="+mn-ea"/>
-              </a:rPr>
-              <a:t>开始的不连续索引的数组，</a:t>
-            </a:r>
-            <a:r>
-              <a:rPr lang="en-US" altLang="zh-CN" sz="1800" dirty="0">
-                <a:solidFill>
-                  <a:schemeClr val="tx1"/>
-                </a:solidFill>
-                <a:sym typeface="+mn-ea"/>
-              </a:rPr>
-              <a:t>length</a:t>
-            </a:r>
-            <a:r>
-              <a:rPr lang="zh-CN" altLang="en-US" sz="1800" dirty="0">
-                <a:solidFill>
-                  <a:schemeClr val="tx1"/>
-                </a:solidFill>
-                <a:sym typeface="+mn-ea"/>
-              </a:rPr>
-              <a:t>值大于元素的个数</a:t>
-            </a:r>
-            <a:br>
-              <a:rPr lang="zh-CN" altLang="en-US" sz="1800" dirty="0">
-                <a:solidFill>
-                  <a:schemeClr val="tx1"/>
-                </a:solidFill>
-                <a:sym typeface="+mn-ea"/>
-              </a:rPr>
-            </a:br>
-            <a:r>
-              <a:rPr lang="en-US" altLang="zh-CN" sz="1800" dirty="0">
-                <a:solidFill>
-                  <a:schemeClr val="tx1"/>
-                </a:solidFill>
-                <a:sym typeface="+mn-ea"/>
-              </a:rPr>
-              <a:t>- </a:t>
-            </a:r>
-            <a:r>
-              <a:rPr lang="zh-CN" altLang="en-US" sz="1800" dirty="0">
-                <a:solidFill>
-                  <a:schemeClr val="tx1"/>
-                </a:solidFill>
-                <a:sym typeface="+mn-ea"/>
-              </a:rPr>
-              <a:t>遍历稀疏数组时，注意的跳过无元素项的问题</a:t>
+              <a:t>不支持真正的多维数组，但可以用包含数组的数组来模拟多维数组</a:t>
             </a:r>
             <a:br>
               <a:rPr lang="en-US" altLang="zh-CN" sz="1800" dirty="0">
@@ -8141,7 +9437,17 @@
                 <a:latin typeface="+mn-ea"/>
                 <a:ea typeface="+mn-ea"/>
               </a:rPr>
-              <a:t>demo</a:t>
+              <a:t>demo4 </a:t>
+            </a:r>
+            <a:r>
+              <a:rPr lang="zh-CN" altLang="en-US" sz="2200">
+                <a:solidFill>
+                  <a:srgbClr val="FF0000"/>
+                </a:solidFill>
+                <a:latin typeface="+mn-ea"/>
+                <a:ea typeface="+mn-ea"/>
+              </a:rPr>
+              <a:t>多维数组</a:t>
             </a:r>
             <a:endParaRPr lang="zh-CN" altLang="en-US" sz="2200">
               <a:solidFill>
@@ -8155,7 +9461,7 @@
       </p:sp>
       <p:pic>
         <p:nvPicPr>
-          <p:cNvPr id="4" name="图片 3"/>
+          <p:cNvPr id="5" name="图片 4"/>
           <p:cNvPicPr>
             <a:picLocks noChangeAspect="1"/>
           </p:cNvPicPr>
@@ -8169,8 +9475,8 @@
         </p:blipFill>
         <p:spPr>
           <a:xfrm>
-            <a:off x="1348105" y="2734945"/>
-            <a:ext cx="4269740" cy="2764790"/>
+            <a:off x="1197610" y="2267585"/>
+            <a:ext cx="7221855" cy="3435350"/>
           </a:xfrm>
           <a:prstGeom prst="rect">
             <a:avLst/>
@@ -8194,9 +9500,6 @@
                     <p:cTn id="3" fill="hold">
                       <p:stCondLst>
                         <p:cond delay="indefinite"/>
-                        <p:cond evt="onBegin" delay="0">
-                          <p:tn val="2"/>
-                        </p:cond>
                       </p:stCondLst>
                       <p:childTnLst>
                         <p:par>
@@ -8206,7 +9509,7 @@
                             </p:stCondLst>
                             <p:childTnLst>
                               <p:par>
-                                <p:cTn id="5" presetID="2" presetClass="entr" presetSubtype="4" fill="hold" grpId="0" nodeType="afterEffect">
+                                <p:cTn id="5" presetID="2" presetClass="entr" presetSubtype="4" fill="hold" nodeType="clickEffect">
                                   <p:stCondLst>
                                     <p:cond delay="0"/>
                                   </p:stCondLst>
@@ -8214,6 +9517,191 @@
                                     <p:set>
                                       <p:cBhvr>
                                         <p:cTn id="6" dur="1" fill="hold">
+                                          <p:stCondLst>
+                                            <p:cond delay="0"/>
+                                          </p:stCondLst>
+                                        </p:cTn>
+                                        <p:tgtEl>
+                                          <p:spTgt spid="2">
+                                            <p:txEl>
+                                              <p:pRg st="0" end="0"/>
+                                            </p:txEl>
+                                          </p:spTgt>
+                                        </p:tgtEl>
+                                        <p:attrNameLst>
+                                          <p:attrName>style.visibility</p:attrName>
+                                        </p:attrNameLst>
+                                      </p:cBhvr>
+                                      <p:to>
+                                        <p:strVal val="visible"/>
+                                      </p:to>
+                                    </p:set>
+                                    <p:anim calcmode="lin" valueType="num">
+                                      <p:cBhvr additive="base">
+                                        <p:cTn id="7" dur="500" fill="hold"/>
+                                        <p:tgtEl>
+                                          <p:spTgt spid="2">
+                                            <p:txEl>
+                                              <p:pRg st="0" end="0"/>
+                                            </p:txEl>
+                                          </p:spTgt>
+                                        </p:tgtEl>
+                                        <p:attrNameLst>
+                                          <p:attrName>ppt_x</p:attrName>
+                                        </p:attrNameLst>
+                                      </p:cBhvr>
+                                      <p:tavLst>
+                                        <p:tav tm="0">
+                                          <p:val>
+                                            <p:strVal val="#ppt_x"/>
+                                          </p:val>
+                                        </p:tav>
+                                        <p:tav tm="100000">
+                                          <p:val>
+                                            <p:strVal val="#ppt_x"/>
+                                          </p:val>
+                                        </p:tav>
+                                      </p:tavLst>
+                                    </p:anim>
+                                    <p:anim calcmode="lin" valueType="num">
+                                      <p:cBhvr additive="base">
+                                        <p:cTn id="8" dur="500" fill="hold"/>
+                                        <p:tgtEl>
+                                          <p:spTgt spid="2">
+                                            <p:txEl>
+                                              <p:pRg st="0" end="0"/>
+                                            </p:txEl>
+                                          </p:spTgt>
+                                        </p:tgtEl>
+                                        <p:attrNameLst>
+                                          <p:attrName>ppt_y</p:attrName>
+                                        </p:attrNameLst>
+                                      </p:cBhvr>
+                                      <p:tavLst>
+                                        <p:tav tm="0">
+                                          <p:val>
+                                            <p:strVal val="1+#ppt_h/2"/>
+                                          </p:val>
+                                        </p:tav>
+                                        <p:tav tm="100000">
+                                          <p:val>
+                                            <p:strVal val="#ppt_y"/>
+                                          </p:val>
+                                        </p:tav>
+                                      </p:tavLst>
+                                    </p:anim>
+                                  </p:childTnLst>
+                                </p:cTn>
+                              </p:par>
+                            </p:childTnLst>
+                          </p:cTn>
+                        </p:par>
+                      </p:childTnLst>
+                    </p:cTn>
+                  </p:par>
+                  <p:par>
+                    <p:cTn id="9" fill="hold">
+                      <p:stCondLst>
+                        <p:cond delay="indefinite"/>
+                      </p:stCondLst>
+                      <p:childTnLst>
+                        <p:par>
+                          <p:cTn id="10" fill="hold">
+                            <p:stCondLst>
+                              <p:cond delay="0"/>
+                            </p:stCondLst>
+                            <p:childTnLst>
+                              <p:par>
+                                <p:cTn id="11" presetID="2" presetClass="entr" presetSubtype="4" fill="hold" nodeType="clickEffect">
+                                  <p:stCondLst>
+                                    <p:cond delay="0"/>
+                                  </p:stCondLst>
+                                  <p:childTnLst>
+                                    <p:set>
+                                      <p:cBhvr>
+                                        <p:cTn id="12" dur="1" fill="hold">
+                                          <p:stCondLst>
+                                            <p:cond delay="0"/>
+                                          </p:stCondLst>
+                                        </p:cTn>
+                                        <p:tgtEl>
+                                          <p:spTgt spid="5"/>
+                                        </p:tgtEl>
+                                        <p:attrNameLst>
+                                          <p:attrName>style.visibility</p:attrName>
+                                        </p:attrNameLst>
+                                      </p:cBhvr>
+                                      <p:to>
+                                        <p:strVal val="visible"/>
+                                      </p:to>
+                                    </p:set>
+                                    <p:anim calcmode="lin" valueType="num">
+                                      <p:cBhvr additive="base">
+                                        <p:cTn id="13" dur="500" fill="hold"/>
+                                        <p:tgtEl>
+                                          <p:spTgt spid="5"/>
+                                        </p:tgtEl>
+                                        <p:attrNameLst>
+                                          <p:attrName>ppt_x</p:attrName>
+                                        </p:attrNameLst>
+                                      </p:cBhvr>
+                                      <p:tavLst>
+                                        <p:tav tm="0">
+                                          <p:val>
+                                            <p:strVal val="#ppt_x"/>
+                                          </p:val>
+                                        </p:tav>
+                                        <p:tav tm="100000">
+                                          <p:val>
+                                            <p:strVal val="#ppt_x"/>
+                                          </p:val>
+                                        </p:tav>
+                                      </p:tavLst>
+                                    </p:anim>
+                                    <p:anim calcmode="lin" valueType="num">
+                                      <p:cBhvr additive="base">
+                                        <p:cTn id="14" dur="500" fill="hold"/>
+                                        <p:tgtEl>
+                                          <p:spTgt spid="5"/>
+                                        </p:tgtEl>
+                                        <p:attrNameLst>
+                                          <p:attrName>ppt_y</p:attrName>
+                                        </p:attrNameLst>
+                                      </p:cBhvr>
+                                      <p:tavLst>
+                                        <p:tav tm="0">
+                                          <p:val>
+                                            <p:strVal val="1+#ppt_h/2"/>
+                                          </p:val>
+                                        </p:tav>
+                                        <p:tav tm="100000">
+                                          <p:val>
+                                            <p:strVal val="#ppt_y"/>
+                                          </p:val>
+                                        </p:tav>
+                                      </p:tavLst>
+                                    </p:anim>
+                                  </p:childTnLst>
+                                </p:cTn>
+                              </p:par>
+                            </p:childTnLst>
+                          </p:cTn>
+                        </p:par>
+                        <p:par>
+                          <p:cTn id="15" fill="hold">
+                            <p:stCondLst>
+                              <p:cond delay="500"/>
+                            </p:stCondLst>
+                            <p:childTnLst>
+                              <p:par>
+                                <p:cTn id="16" presetID="2" presetClass="entr" presetSubtype="4" fill="hold" grpId="0" nodeType="afterEffect">
+                                  <p:stCondLst>
+                                    <p:cond delay="0"/>
+                                  </p:stCondLst>
+                                  <p:childTnLst>
+                                    <p:set>
+                                      <p:cBhvr>
+                                        <p:cTn id="17" dur="1" fill="hold">
                                           <p:stCondLst>
                                             <p:cond delay="0"/>
                                           </p:stCondLst>
@@ -8231,7 +9719,7 @@
                                     </p:set>
                                     <p:anim calcmode="lin" valueType="num">
                                       <p:cBhvr additive="base">
-                                        <p:cTn id="7" dur="500" fill="hold"/>
+                                        <p:cTn id="18" dur="500" fill="hold"/>
                                         <p:tgtEl>
                                           <p:spTgt spid="6"/>
                                         </p:tgtEl>
@@ -8254,7 +9742,7 @@
                                     </p:anim>
                                     <p:anim calcmode="lin" valueType="num">
                                       <p:cBhvr additive="base">
-                                        <p:cTn id="8" dur="500" fill="hold"/>
+                                        <p:cTn id="19" dur="500" fill="hold"/>
                                         <p:tgtEl>
                                           <p:spTgt spid="6"/>
                                         </p:tgtEl>

--- a/课程PPT/09.JavaScript标准内置对象-构造器（Array、Date、Error等）.pptx
+++ b/课程PPT/09.JavaScript标准内置对象-构造器（Array、Date、Error等）.pptx
@@ -20,8 +20,15 @@
     <p:sldId id="1235" r:id="rId13"/>
     <p:sldId id="1236" r:id="rId14"/>
     <p:sldId id="1240" r:id="rId15"/>
-    <p:sldId id="1104" r:id="rId16"/>
-    <p:sldId id="1239" r:id="rId17"/>
+    <p:sldId id="1249" r:id="rId16"/>
+    <p:sldId id="1104" r:id="rId17"/>
+    <p:sldId id="1243" r:id="rId18"/>
+    <p:sldId id="1244" r:id="rId19"/>
+    <p:sldId id="1245" r:id="rId20"/>
+    <p:sldId id="1246" r:id="rId21"/>
+    <p:sldId id="1247" r:id="rId22"/>
+    <p:sldId id="1248" r:id="rId23"/>
+    <p:sldId id="1239" r:id="rId24"/>
   </p:sldIdLst>
   <p:sldSz cx="12192000" cy="6858000"/>
   <p:notesSz cx="6797675" cy="9928225"/>
@@ -758,6 +765,138 @@
 </file>
 
 <file path=ppt/notesSlides/notesSlide12.xml><?xml version="1.0" encoding="utf-8"?>
+<p:notes xmlns:a="http://schemas.openxmlformats.org/drawingml/2006/main" xmlns:r="http://schemas.openxmlformats.org/officeDocument/2006/relationships" xmlns:p="http://schemas.openxmlformats.org/presentationml/2006/main">
+  <p:cSld>
+    <p:spTree>
+      <p:nvGrpSpPr>
+        <p:cNvPr id="1" name=""/>
+        <p:cNvGrpSpPr/>
+        <p:nvPr/>
+      </p:nvGrpSpPr>
+      <p:grpSpPr/>
+      <p:sp>
+        <p:nvSpPr>
+          <p:cNvPr id="2" name="幻灯片图像占位符 1"/>
+          <p:cNvSpPr/>
+          <p:nvPr>
+            <p:ph type="sldImg" idx="2"/>
+          </p:nvPr>
+        </p:nvSpPr>
+        <p:spPr/>
+      </p:sp>
+      <p:sp>
+        <p:nvSpPr>
+          <p:cNvPr id="3" name="文本占位符 2"/>
+          <p:cNvSpPr/>
+          <p:nvPr>
+            <p:ph type="body" idx="3"/>
+          </p:nvPr>
+        </p:nvSpPr>
+        <p:spPr/>
+        <p:txBody>
+          <a:bodyPr/>
+          <a:p>
+            <a:endParaRPr lang="zh-CN" altLang="en-US"/>
+          </a:p>
+        </p:txBody>
+      </p:sp>
+    </p:spTree>
+  </p:cSld>
+  <p:clrMapOvr>
+    <a:masterClrMapping/>
+  </p:clrMapOvr>
+</p:notes>
+</file>
+
+<file path=ppt/notesSlides/notesSlide13.xml><?xml version="1.0" encoding="utf-8"?>
+<p:notes xmlns:a="http://schemas.openxmlformats.org/drawingml/2006/main" xmlns:r="http://schemas.openxmlformats.org/officeDocument/2006/relationships" xmlns:p="http://schemas.openxmlformats.org/presentationml/2006/main">
+  <p:cSld>
+    <p:spTree>
+      <p:nvGrpSpPr>
+        <p:cNvPr id="1" name=""/>
+        <p:cNvGrpSpPr/>
+        <p:nvPr/>
+      </p:nvGrpSpPr>
+      <p:grpSpPr/>
+      <p:sp>
+        <p:nvSpPr>
+          <p:cNvPr id="2" name="幻灯片图像占位符 1"/>
+          <p:cNvSpPr/>
+          <p:nvPr>
+            <p:ph type="sldImg" idx="2"/>
+          </p:nvPr>
+        </p:nvSpPr>
+        <p:spPr/>
+      </p:sp>
+      <p:sp>
+        <p:nvSpPr>
+          <p:cNvPr id="3" name="文本占位符 2"/>
+          <p:cNvSpPr/>
+          <p:nvPr>
+            <p:ph type="body" idx="3"/>
+          </p:nvPr>
+        </p:nvSpPr>
+        <p:spPr/>
+        <p:txBody>
+          <a:bodyPr/>
+          <a:p>
+            <a:endParaRPr lang="zh-CN" altLang="en-US"/>
+          </a:p>
+        </p:txBody>
+      </p:sp>
+    </p:spTree>
+  </p:cSld>
+  <p:clrMapOvr>
+    <a:masterClrMapping/>
+  </p:clrMapOvr>
+</p:notes>
+</file>
+
+<file path=ppt/notesSlides/notesSlide14.xml><?xml version="1.0" encoding="utf-8"?>
+<p:notes xmlns:a="http://schemas.openxmlformats.org/drawingml/2006/main" xmlns:r="http://schemas.openxmlformats.org/officeDocument/2006/relationships" xmlns:p="http://schemas.openxmlformats.org/presentationml/2006/main">
+  <p:cSld>
+    <p:spTree>
+      <p:nvGrpSpPr>
+        <p:cNvPr id="1" name=""/>
+        <p:cNvGrpSpPr/>
+        <p:nvPr/>
+      </p:nvGrpSpPr>
+      <p:grpSpPr/>
+      <p:sp>
+        <p:nvSpPr>
+          <p:cNvPr id="2" name="幻灯片图像占位符 1"/>
+          <p:cNvSpPr/>
+          <p:nvPr>
+            <p:ph type="sldImg" idx="2"/>
+          </p:nvPr>
+        </p:nvSpPr>
+        <p:spPr/>
+      </p:sp>
+      <p:sp>
+        <p:nvSpPr>
+          <p:cNvPr id="3" name="文本占位符 2"/>
+          <p:cNvSpPr/>
+          <p:nvPr>
+            <p:ph type="body" idx="3"/>
+          </p:nvPr>
+        </p:nvSpPr>
+        <p:spPr/>
+        <p:txBody>
+          <a:bodyPr/>
+          <a:p>
+            <a:endParaRPr lang="zh-CN" altLang="en-US"/>
+          </a:p>
+        </p:txBody>
+      </p:sp>
+    </p:spTree>
+  </p:cSld>
+  <p:clrMapOvr>
+    <a:masterClrMapping/>
+  </p:clrMapOvr>
+</p:notes>
+</file>
+
+<file path=ppt/notesSlides/notesSlide15.xml><?xml version="1.0" encoding="utf-8"?>
 <p:notes xmlns:a="http://schemas.openxmlformats.org/drawingml/2006/main" xmlns:r="http://schemas.openxmlformats.org/officeDocument/2006/relationships" xmlns:p="http://schemas.openxmlformats.org/presentationml/2006/main">
   <p:cSld>
     <p:spTree>
@@ -4190,16 +4329,7 @@
                 </a:solidFill>
                 <a:sym typeface="+mn-ea"/>
               </a:rPr>
-              <a:t>- </a:t>
-            </a:r>
-            <a:r>
-              <a:rPr lang="en-US" altLang="zh-CN" sz="1800" dirty="0">
-                <a:solidFill>
-                  <a:schemeClr val="tx1"/>
-                </a:solidFill>
-                <a:sym typeface="+mn-ea"/>
-              </a:rPr>
-              <a:t>Array.prototype.unshift(elem1?,elem2?,...)</a:t>
+              <a:t>- Array.prototype.unshift(elem1?,elem2?,...)</a:t>
             </a:r>
             <a:br>
               <a:rPr lang="en-US" altLang="zh-CN" sz="1800" dirty="0">
@@ -4216,16 +4346,7 @@
                 </a:solidFill>
                 <a:sym typeface="+mn-ea"/>
               </a:rPr>
-              <a:t>- </a:t>
-            </a:r>
-            <a:r>
-              <a:rPr lang="en-US" altLang="zh-CN" sz="1800" dirty="0">
-                <a:solidFill>
-                  <a:schemeClr val="tx1"/>
-                </a:solidFill>
-                <a:sym typeface="+mn-ea"/>
-              </a:rPr>
-              <a:t>Array.prototype.pop()</a:t>
+              <a:t>- Array.prototype.pop()</a:t>
             </a:r>
             <a:br>
               <a:rPr lang="en-US" altLang="zh-CN" sz="1800" dirty="0">
@@ -4242,25 +4363,7 @@
                 </a:solidFill>
                 <a:sym typeface="+mn-ea"/>
               </a:rPr>
-              <a:t>- </a:t>
-            </a:r>
-            <a:r>
-              <a:rPr lang="en-US" altLang="zh-CN" sz="1800" dirty="0">
-                <a:solidFill>
-                  <a:schemeClr val="tx1"/>
-                </a:solidFill>
-                <a:sym typeface="+mn-ea"/>
-              </a:rPr>
-              <a:t>Array.prototype.push(elem1?,elem2?,...</a:t>
-            </a:r>
-            <a:r>
-              <a:rPr lang="en-US" altLang="zh-CN" sz="1800" dirty="0">
-                <a:solidFill>
-                  <a:schemeClr val="tx1"/>
-                </a:solidFill>
-                <a:sym typeface="+mn-ea"/>
-              </a:rPr>
-              <a:t>)</a:t>
+              <a:t>- Array.prototype.push(elem1?,elem2?,...)</a:t>
             </a:r>
             <a:br>
               <a:rPr lang="en-US" altLang="zh-CN" sz="1800" dirty="0">
@@ -4277,16 +4380,7 @@
                 </a:solidFill>
                 <a:sym typeface="+mn-ea"/>
               </a:rPr>
-              <a:t>- </a:t>
-            </a:r>
-            <a:r>
-              <a:rPr lang="en-US" altLang="zh-CN" sz="1800" dirty="0">
-                <a:solidFill>
-                  <a:schemeClr val="tx1"/>
-                </a:solidFill>
-                <a:sym typeface="+mn-ea"/>
-              </a:rPr>
-              <a:t>Array.prototype.splice(start,deleteCount?,elem1?,elem2?)</a:t>
+              <a:t>- Array.prototype.splice(start,deleteCount?,elem1?,elem2?)</a:t>
             </a:r>
             <a:br>
               <a:rPr lang="en-US" altLang="zh-CN" sz="1000" dirty="0">
@@ -4561,7 +4655,7 @@
         <p:spPr>
           <a:xfrm>
             <a:off x="927735" y="783590"/>
-            <a:ext cx="9776460" cy="4918710"/>
+            <a:ext cx="9776460" cy="5269230"/>
           </a:xfrm>
         </p:spPr>
         <p:txBody>
@@ -4615,16 +4709,7 @@
                 </a:solidFill>
                 <a:sym typeface="+mn-ea"/>
               </a:rPr>
-              <a:t>- </a:t>
-            </a:r>
-            <a:r>
-              <a:rPr lang="en-US" altLang="zh-CN" sz="1800" dirty="0">
-                <a:solidFill>
-                  <a:schemeClr val="tx1"/>
-                </a:solidFill>
-                <a:sym typeface="+mn-ea"/>
-              </a:rPr>
-              <a:t>Array.prototype.reverse()</a:t>
+              <a:t>- Array.prototype.reverse()</a:t>
             </a:r>
             <a:br>
               <a:rPr lang="en-US" altLang="zh-CN" sz="1800" dirty="0">
@@ -4734,15 +4819,81 @@
               </a:rPr>
               <a:t>- Array.prototype.join(separator?)</a:t>
             </a:r>
+            <a:endParaRPr lang="en-US" altLang="zh-CN" sz="1000" dirty="0">
+              <a:solidFill>
+                <a:schemeClr val="tx1"/>
+              </a:solidFill>
+              <a:sym typeface="+mn-ea"/>
+            </a:endParaRPr>
+          </a:p>
+          <a:p>
+            <a:pPr>
+              <a:lnSpc>
+                <a:spcPct val="150000"/>
+              </a:lnSpc>
+            </a:pPr>
+            <a:r>
+              <a:rPr lang="zh-CN" altLang="en-US" sz="3200" dirty="0">
+                <a:solidFill>
+                  <a:schemeClr val="tx1"/>
+                </a:solidFill>
+                <a:sym typeface="+mn-ea"/>
+              </a:rPr>
+              <a:t>数组原型方法（值的查找</a:t>
+            </a:r>
+            <a:r>
+              <a:rPr lang="en-US" altLang="zh-CN" sz="3200" dirty="0">
+                <a:solidFill>
+                  <a:schemeClr val="tx1"/>
+                </a:solidFill>
+                <a:sym typeface="+mn-ea"/>
+              </a:rPr>
+              <a:t>-</a:t>
+            </a:r>
+            <a:r>
+              <a:rPr lang="zh-CN" altLang="en-US" sz="3200" dirty="0">
+                <a:solidFill>
+                  <a:schemeClr val="tx1"/>
+                </a:solidFill>
+                <a:sym typeface="+mn-ea"/>
+              </a:rPr>
+              <a:t>非破坏性）</a:t>
+            </a:r>
             <a:br>
-              <a:rPr lang="en-US" altLang="zh-CN" sz="1000" dirty="0">
+              <a:rPr lang="zh-CN" altLang="en-US" sz="1000" dirty="0">
                 <a:solidFill>
                   <a:schemeClr val="tx1"/>
                 </a:solidFill>
                 <a:sym typeface="+mn-ea"/>
               </a:rPr>
             </a:br>
-            <a:endParaRPr lang="en-US" altLang="zh-CN" sz="1000" dirty="0">
+            <a:r>
+              <a:rPr lang="en-US" altLang="zh-CN" sz="1800" dirty="0">
+                <a:solidFill>
+                  <a:schemeClr val="tx1"/>
+                </a:solidFill>
+                <a:sym typeface="+mn-ea"/>
+              </a:rPr>
+              <a:t>- Array.prototype</a:t>
+            </a:r>
+            <a:br>
+              <a:rPr lang="en-US" altLang="zh-CN" sz="1800" dirty="0">
+                <a:solidFill>
+                  <a:schemeClr val="tx1"/>
+                </a:solidFill>
+                <a:sym typeface="+mn-ea"/>
+              </a:rPr>
+            </a:br>
+            <a:r>
+              <a:rPr lang="en-US" altLang="zh-CN" sz="1800" dirty="0">
+                <a:solidFill>
+                  <a:schemeClr val="tx1"/>
+                </a:solidFill>
+                <a:sym typeface="+mn-ea"/>
+              </a:rPr>
+              <a:t>- Array.prototype</a:t>
+            </a:r>
+            <a:endParaRPr lang="en-US" altLang="zh-CN" sz="1800" dirty="0">
               <a:solidFill>
                 <a:schemeClr val="tx1"/>
               </a:solidFill>
@@ -4994,6 +5145,438 @@
           <a:chExt cx="0" cy="0"/>
         </a:xfrm>
       </p:grpSpPr>
+      <p:sp>
+        <p:nvSpPr>
+          <p:cNvPr id="2" name="内容占位符 1"/>
+          <p:cNvSpPr>
+            <a:spLocks noGrp="1"/>
+          </p:cNvSpPr>
+          <p:nvPr>
+            <p:ph sz="quarter" idx="10"/>
+          </p:nvPr>
+        </p:nvSpPr>
+        <p:spPr>
+          <a:xfrm>
+            <a:off x="927735" y="783590"/>
+            <a:ext cx="9776460" cy="5269230"/>
+          </a:xfrm>
+        </p:spPr>
+        <p:txBody>
+          <a:bodyPr/>
+          <a:lstStyle/>
+          <a:p>
+            <a:pPr>
+              <a:lnSpc>
+                <a:spcPct val="150000"/>
+              </a:lnSpc>
+            </a:pPr>
+            <a:r>
+              <a:rPr lang="zh-CN" altLang="en-US" sz="3200" dirty="0">
+                <a:solidFill>
+                  <a:schemeClr val="tx1"/>
+                </a:solidFill>
+                <a:sym typeface="+mn-ea"/>
+              </a:rPr>
+              <a:t>数组原型方法（迭代</a:t>
+            </a:r>
+            <a:r>
+              <a:rPr lang="en-US" altLang="zh-CN" sz="3200" dirty="0">
+                <a:solidFill>
+                  <a:schemeClr val="tx1"/>
+                </a:solidFill>
+                <a:sym typeface="+mn-ea"/>
+              </a:rPr>
+              <a:t>-</a:t>
+            </a:r>
+            <a:r>
+              <a:rPr lang="zh-CN" altLang="en-US" sz="3200" dirty="0">
+                <a:solidFill>
+                  <a:schemeClr val="tx1"/>
+                </a:solidFill>
+                <a:sym typeface="+mn-ea"/>
+              </a:rPr>
+              <a:t>非</a:t>
+            </a:r>
+            <a:r>
+              <a:rPr lang="zh-CN" altLang="en-US" sz="3200" dirty="0">
+                <a:solidFill>
+                  <a:schemeClr val="tx1"/>
+                </a:solidFill>
+                <a:sym typeface="+mn-ea"/>
+              </a:rPr>
+              <a:t>破坏性）</a:t>
+            </a:r>
+            <a:br>
+              <a:rPr lang="zh-CN" altLang="en-US" sz="3200" dirty="0">
+                <a:solidFill>
+                  <a:schemeClr val="tx1"/>
+                </a:solidFill>
+                <a:sym typeface="+mn-ea"/>
+              </a:rPr>
+            </a:br>
+            <a:r>
+              <a:rPr lang="en-US" altLang="zh-CN" sz="1800" dirty="0">
+                <a:solidFill>
+                  <a:schemeClr val="tx1"/>
+                </a:solidFill>
+                <a:sym typeface="+mn-ea"/>
+              </a:rPr>
+              <a:t>- Array.prototype.</a:t>
+            </a:r>
+            <a:br>
+              <a:rPr lang="en-US" altLang="zh-CN" sz="1800" dirty="0">
+                <a:solidFill>
+                  <a:schemeClr val="tx1"/>
+                </a:solidFill>
+                <a:sym typeface="+mn-ea"/>
+              </a:rPr>
+            </a:br>
+            <a:r>
+              <a:rPr lang="en-US" altLang="zh-CN" sz="1800" dirty="0">
+                <a:solidFill>
+                  <a:schemeClr val="tx1"/>
+                </a:solidFill>
+                <a:sym typeface="+mn-ea"/>
+              </a:rPr>
+              <a:t>- Array.prototype.</a:t>
+            </a:r>
+            <a:br>
+              <a:rPr lang="zh-CN" altLang="en-US" sz="3200" dirty="0">
+                <a:solidFill>
+                  <a:schemeClr val="tx1"/>
+                </a:solidFill>
+                <a:sym typeface="+mn-ea"/>
+              </a:rPr>
+            </a:br>
+            <a:r>
+              <a:rPr lang="en-US" altLang="zh-CN" sz="1800" dirty="0">
+                <a:solidFill>
+                  <a:schemeClr val="tx1"/>
+                </a:solidFill>
+                <a:sym typeface="+mn-ea"/>
+              </a:rPr>
+              <a:t>- Array.prototype.</a:t>
+            </a:r>
+            <a:br>
+              <a:rPr lang="en-US" altLang="zh-CN" sz="1800" dirty="0">
+                <a:solidFill>
+                  <a:schemeClr val="tx1"/>
+                </a:solidFill>
+                <a:sym typeface="+mn-ea"/>
+              </a:rPr>
+            </a:br>
+            <a:r>
+              <a:rPr lang="en-US" altLang="zh-CN" sz="1800" dirty="0">
+                <a:solidFill>
+                  <a:schemeClr val="tx1"/>
+                </a:solidFill>
+                <a:sym typeface="+mn-ea"/>
+              </a:rPr>
+              <a:t>- Array.prototype.</a:t>
+            </a:r>
+            <a:br>
+              <a:rPr lang="en-US" altLang="zh-CN" sz="1800" dirty="0">
+                <a:solidFill>
+                  <a:schemeClr val="tx1"/>
+                </a:solidFill>
+                <a:sym typeface="+mn-ea"/>
+              </a:rPr>
+            </a:br>
+            <a:r>
+              <a:rPr lang="en-US" altLang="zh-CN" sz="1800" dirty="0">
+                <a:solidFill>
+                  <a:schemeClr val="tx1"/>
+                </a:solidFill>
+                <a:sym typeface="+mn-ea"/>
+              </a:rPr>
+              <a:t>- Array.prototype.</a:t>
+            </a:r>
+            <a:br>
+              <a:rPr lang="zh-CN" altLang="en-US" sz="1000" dirty="0">
+                <a:solidFill>
+                  <a:schemeClr val="tx1"/>
+                </a:solidFill>
+                <a:sym typeface="+mn-ea"/>
+              </a:rPr>
+            </a:br>
+            <a:r>
+              <a:rPr lang="en-US" altLang="zh-CN" sz="1800" dirty="0">
+                <a:solidFill>
+                  <a:schemeClr val="tx1"/>
+                </a:solidFill>
+                <a:sym typeface="+mn-ea"/>
+              </a:rPr>
+              <a:t>- Array.prototype</a:t>
+            </a:r>
+            <a:br>
+              <a:rPr lang="en-US" altLang="zh-CN" sz="1800" dirty="0">
+                <a:solidFill>
+                  <a:schemeClr val="tx1"/>
+                </a:solidFill>
+                <a:sym typeface="+mn-ea"/>
+              </a:rPr>
+            </a:br>
+            <a:r>
+              <a:rPr lang="en-US" altLang="zh-CN" sz="1800" dirty="0">
+                <a:solidFill>
+                  <a:schemeClr val="tx1"/>
+                </a:solidFill>
+                <a:sym typeface="+mn-ea"/>
+              </a:rPr>
+              <a:t>- Array.prototype</a:t>
+            </a:r>
+            <a:endParaRPr lang="en-US" altLang="zh-CN" sz="1800" dirty="0">
+              <a:solidFill>
+                <a:schemeClr val="tx1"/>
+              </a:solidFill>
+              <a:sym typeface="+mn-ea"/>
+            </a:endParaRPr>
+          </a:p>
+          <a:p>
+            <a:pPr marL="0" indent="0">
+              <a:lnSpc>
+                <a:spcPct val="160000"/>
+              </a:lnSpc>
+              <a:buNone/>
+            </a:pPr>
+            <a:endParaRPr lang="en-US" altLang="zh-CN" sz="1800" dirty="0">
+              <a:solidFill>
+                <a:schemeClr val="tx1"/>
+              </a:solidFill>
+              <a:sym typeface="+mn-ea"/>
+            </a:endParaRPr>
+          </a:p>
+        </p:txBody>
+      </p:sp>
+      <p:sp>
+        <p:nvSpPr>
+          <p:cNvPr id="3" name="内容占位符 2"/>
+          <p:cNvSpPr>
+            <a:spLocks noGrp="1"/>
+          </p:cNvSpPr>
+          <p:nvPr>
+            <p:ph sz="quarter" idx="11"/>
+          </p:nvPr>
+        </p:nvSpPr>
+        <p:spPr/>
+        <p:txBody>
+          <a:bodyPr/>
+          <a:lstStyle/>
+          <a:p>
+            <a:r>
+              <a:rPr lang="zh-CN" altLang="en-US" dirty="0">
+                <a:sym typeface="+mn-ea"/>
+              </a:rPr>
+              <a:t>数组的方法和相关高阶函数</a:t>
+            </a:r>
+            <a:endParaRPr lang="zh-CN" altLang="en-US" dirty="0"/>
+          </a:p>
+        </p:txBody>
+      </p:sp>
+      <p:sp>
+        <p:nvSpPr>
+          <p:cNvPr id="6" name="文本框 5"/>
+          <p:cNvSpPr txBox="1"/>
+          <p:nvPr/>
+        </p:nvSpPr>
+        <p:spPr>
+          <a:xfrm>
+            <a:off x="5368290" y="6108700"/>
+            <a:ext cx="5069840" cy="429895"/>
+          </a:xfrm>
+          <a:prstGeom prst="rect">
+            <a:avLst/>
+          </a:prstGeom>
+          <a:noFill/>
+        </p:spPr>
+        <p:txBody>
+          <a:bodyPr wrap="square" rtlCol="0">
+            <a:spAutoFit/>
+          </a:bodyPr>
+          <a:p>
+            <a:pPr algn="l"/>
+            <a:r>
+              <a:rPr lang="zh-CN" altLang="en-US" sz="2200">
+                <a:solidFill>
+                  <a:srgbClr val="FF0000"/>
+                </a:solidFill>
+                <a:latin typeface="+mn-ea"/>
+                <a:ea typeface="+mn-ea"/>
+              </a:rPr>
+              <a:t>参见实例</a:t>
+            </a:r>
+            <a:r>
+              <a:rPr lang="en-US" altLang="zh-CN" sz="2200">
+                <a:solidFill>
+                  <a:srgbClr val="FF0000"/>
+                </a:solidFill>
+                <a:latin typeface="+mn-ea"/>
+                <a:ea typeface="+mn-ea"/>
+              </a:rPr>
+              <a:t>demo </a:t>
+            </a:r>
+            <a:endParaRPr lang="zh-CN" altLang="en-US" sz="2200">
+              <a:solidFill>
+                <a:srgbClr val="FF0000"/>
+              </a:solidFill>
+              <a:latin typeface="+mn-ea"/>
+              <a:ea typeface="+mn-ea"/>
+            </a:endParaRPr>
+          </a:p>
+        </p:txBody>
+      </p:sp>
+    </p:spTree>
+  </p:cSld>
+  <p:clrMapOvr>
+    <a:masterClrMapping/>
+  </p:clrMapOvr>
+  <p:timing>
+    <p:tnLst>
+      <p:par>
+        <p:cTn id="1" dur="indefinite" restart="never" nodeType="tmRoot">
+          <p:childTnLst>
+            <p:seq concurrent="1" nextAc="seek">
+              <p:cTn id="2" dur="indefinite" nodeType="mainSeq">
+                <p:childTnLst>
+                  <p:par>
+                    <p:cTn id="3" fill="hold">
+                      <p:stCondLst>
+                        <p:cond delay="indefinite"/>
+                        <p:cond evt="onBegin" delay="0">
+                          <p:tn val="2"/>
+                        </p:cond>
+                      </p:stCondLst>
+                      <p:childTnLst>
+                        <p:par>
+                          <p:cTn id="4" fill="hold">
+                            <p:stCondLst>
+                              <p:cond delay="0"/>
+                            </p:stCondLst>
+                            <p:childTnLst>
+                              <p:par>
+                                <p:cTn id="5" presetID="2" presetClass="entr" presetSubtype="4" fill="hold" grpId="0" nodeType="afterEffect">
+                                  <p:stCondLst>
+                                    <p:cond delay="0"/>
+                                  </p:stCondLst>
+                                  <p:childTnLst>
+                                    <p:set>
+                                      <p:cBhvr>
+                                        <p:cTn id="6" dur="1" fill="hold">
+                                          <p:stCondLst>
+                                            <p:cond delay="0"/>
+                                          </p:stCondLst>
+                                        </p:cTn>
+                                        <p:tgtEl>
+                                          <p:spTgt spid="6"/>
+                                        </p:tgtEl>
+                                        <p:attrNameLst>
+                                          <p:attrName>style.visibility</p:attrName>
+                                        </p:attrNameLst>
+                                      </p:cBhvr>
+                                      <p:to>
+                                        <p:strVal val="visible"/>
+                                      </p:to>
+                                    </p:set>
+                                    <p:anim calcmode="lin" valueType="num">
+                                      <p:cBhvr additive="base">
+                                        <p:cTn id="7" dur="500" fill="hold"/>
+                                        <p:tgtEl>
+                                          <p:spTgt spid="6"/>
+                                        </p:tgtEl>
+                                        <p:attrNameLst>
+                                          <p:attrName>ppt_x</p:attrName>
+                                        </p:attrNameLst>
+                                      </p:cBhvr>
+                                      <p:tavLst>
+                                        <p:tav tm="0">
+                                          <p:val>
+                                            <p:strVal val="#ppt_x"/>
+                                          </p:val>
+                                        </p:tav>
+                                        <p:tav tm="100000">
+                                          <p:val>
+                                            <p:strVal val="#ppt_x"/>
+                                          </p:val>
+                                        </p:tav>
+                                      </p:tavLst>
+                                    </p:anim>
+                                    <p:anim calcmode="lin" valueType="num">
+                                      <p:cBhvr additive="base">
+                                        <p:cTn id="8" dur="500" fill="hold"/>
+                                        <p:tgtEl>
+                                          <p:spTgt spid="6"/>
+                                        </p:tgtEl>
+                                        <p:attrNameLst>
+                                          <p:attrName>ppt_y</p:attrName>
+                                        </p:attrNameLst>
+                                      </p:cBhvr>
+                                      <p:tavLst>
+                                        <p:tav tm="0">
+                                          <p:val>
+                                            <p:strVal val="1+#ppt_h/2"/>
+                                          </p:val>
+                                        </p:tav>
+                                        <p:tav tm="100000">
+                                          <p:val>
+                                            <p:strVal val="#ppt_y"/>
+                                          </p:val>
+                                        </p:tav>
+                                      </p:tavLst>
+                                    </p:anim>
+                                  </p:childTnLst>
+                                </p:cTn>
+                              </p:par>
+                            </p:childTnLst>
+                          </p:cTn>
+                        </p:par>
+                      </p:childTnLst>
+                    </p:cTn>
+                  </p:par>
+                </p:childTnLst>
+              </p:cTn>
+              <p:prevCondLst>
+                <p:cond evt="onPrev" delay="0">
+                  <p:tgtEl>
+                    <p:sldTgt/>
+                  </p:tgtEl>
+                </p:cond>
+              </p:prevCondLst>
+              <p:nextCondLst>
+                <p:cond evt="onNext" delay="0">
+                  <p:tgtEl>
+                    <p:sldTgt/>
+                  </p:tgtEl>
+                </p:cond>
+              </p:nextCondLst>
+            </p:seq>
+          </p:childTnLst>
+        </p:cTn>
+      </p:par>
+    </p:tnLst>
+    <p:bldLst>
+      <p:bldP spid="6" grpId="0"/>
+    </p:bldLst>
+  </p:timing>
+</p:sld>
+</file>
+
+<file path=ppt/slides/slide14.xml><?xml version="1.0" encoding="utf-8"?>
+<p:sld xmlns:a="http://schemas.openxmlformats.org/drawingml/2006/main" xmlns:r="http://schemas.openxmlformats.org/officeDocument/2006/relationships" xmlns:p="http://schemas.openxmlformats.org/presentationml/2006/main">
+  <p:cSld>
+    <p:spTree>
+      <p:nvGrpSpPr>
+        <p:cNvPr id="1" name=""/>
+        <p:cNvGrpSpPr/>
+        <p:nvPr/>
+      </p:nvGrpSpPr>
+      <p:grpSpPr>
+        <a:xfrm>
+          <a:off x="0" y="0"/>
+          <a:ext cx="0" cy="0"/>
+          <a:chOff x="0" y="0"/>
+          <a:chExt cx="0" cy="0"/>
+        </a:xfrm>
+      </p:grpSpPr>
       <p:pic>
         <p:nvPicPr>
           <p:cNvPr id="38914" name="Picture 5"/>
@@ -5181,7 +5764,390 @@
 </p:sld>
 </file>
 
-<file path=ppt/slides/slide14.xml><?xml version="1.0" encoding="utf-8"?>
+<file path=ppt/slides/slide15.xml><?xml version="1.0" encoding="utf-8"?>
+<p:sld xmlns:a="http://schemas.openxmlformats.org/drawingml/2006/main" xmlns:r="http://schemas.openxmlformats.org/officeDocument/2006/relationships" xmlns:p="http://schemas.openxmlformats.org/presentationml/2006/main">
+  <p:cSld>
+    <p:spTree>
+      <p:nvGrpSpPr>
+        <p:cNvPr id="1" name=""/>
+        <p:cNvGrpSpPr/>
+        <p:nvPr/>
+      </p:nvGrpSpPr>
+      <p:grpSpPr>
+        <a:xfrm>
+          <a:off x="0" y="0"/>
+          <a:ext cx="0" cy="0"/>
+          <a:chOff x="0" y="0"/>
+          <a:chExt cx="0" cy="0"/>
+        </a:xfrm>
+      </p:grpSpPr>
+      <p:pic>
+        <p:nvPicPr>
+          <p:cNvPr id="4098" name="Picture 4"/>
+          <p:cNvPicPr>
+            <a:picLocks noChangeAspect="1" noChangeArrowheads="1"/>
+          </p:cNvPicPr>
+          <p:nvPr/>
+        </p:nvPicPr>
+        <p:blipFill>
+          <a:blip r:embed="rId1">
+            <a:extLst>
+              <a:ext uri="{28A0092B-C50C-407E-A947-70E740481C1C}">
+                <a14:useLocalDpi xmlns:a14="http://schemas.microsoft.com/office/drawing/2010/main" val="0"/>
+              </a:ext>
+            </a:extLst>
+          </a:blip>
+          <a:srcRect/>
+          <a:stretch>
+            <a:fillRect/>
+          </a:stretch>
+        </p:blipFill>
+        <p:spPr bwMode="auto">
+          <a:xfrm>
+            <a:off x="0" y="0"/>
+            <a:ext cx="12192000" cy="6858000"/>
+          </a:xfrm>
+          <a:prstGeom prst="rect">
+            <a:avLst/>
+          </a:prstGeom>
+          <a:noFill/>
+          <a:ln>
+            <a:noFill/>
+          </a:ln>
+          <a:extLst>
+            <a:ext uri="{909E8E84-426E-40DD-AFC4-6F175D3DCCD1}">
+              <a14:hiddenFill xmlns:a14="http://schemas.microsoft.com/office/drawing/2010/main">
+                <a:solidFill>
+                  <a:srgbClr val="FFFFFF"/>
+                </a:solidFill>
+              </a14:hiddenFill>
+            </a:ext>
+            <a:ext uri="{91240B29-F687-4F45-9708-019B960494DF}">
+              <a14:hiddenLine xmlns:a14="http://schemas.microsoft.com/office/drawing/2010/main" w="9525">
+                <a:solidFill>
+                  <a:srgbClr val="000000"/>
+                </a:solidFill>
+                <a:miter lim="800000"/>
+                <a:headEnd/>
+                <a:tailEnd/>
+              </a14:hiddenLine>
+            </a:ext>
+          </a:extLst>
+        </p:spPr>
+      </p:pic>
+      <p:sp>
+        <p:nvSpPr>
+          <p:cNvPr id="4099" name="Rectangle 2"/>
+          <p:cNvSpPr>
+            <a:spLocks noGrp="1" noChangeArrowheads="1"/>
+          </p:cNvSpPr>
+          <p:nvPr>
+            <p:ph type="ctrTitle" idx="4294967295"/>
+          </p:nvPr>
+        </p:nvSpPr>
+        <p:spPr bwMode="auto">
+          <a:xfrm>
+            <a:off x="1809751" y="2428876"/>
+            <a:ext cx="7286625" cy="1116013"/>
+          </a:xfrm>
+          <a:prstGeom prst="rect">
+            <a:avLst/>
+          </a:prstGeom>
+          <a:noFill/>
+          <a:extLst>
+            <a:ext uri="{909E8E84-426E-40DD-AFC4-6F175D3DCCD1}">
+              <a14:hiddenFill xmlns:a14="http://schemas.microsoft.com/office/drawing/2010/main">
+                <a:solidFill>
+                  <a:srgbClr val="FFFFFF"/>
+                </a:solidFill>
+              </a14:hiddenFill>
+            </a:ext>
+            <a:ext uri="{91240B29-F687-4F45-9708-019B960494DF}">
+              <a14:hiddenLine xmlns:a14="http://schemas.microsoft.com/office/drawing/2010/main" w="9525">
+                <a:solidFill>
+                  <a:srgbClr val="000000"/>
+                </a:solidFill>
+                <a:miter lim="800000"/>
+                <a:headEnd/>
+                <a:tailEnd/>
+              </a14:hiddenLine>
+            </a:ext>
+          </a:extLst>
+        </p:spPr>
+        <p:txBody>
+          <a:bodyPr anchor="b"/>
+          <a:lstStyle/>
+          <a:p>
+            <a:pPr algn="ctr" eaLnBrk="1" hangingPunct="1"/>
+            <a:r>
+              <a:rPr lang="en-US" sz="4800" b="1" dirty="0">
+                <a:sym typeface="+mn-ea"/>
+              </a:rPr>
+              <a:t>JavaScript</a:t>
+            </a:r>
+            <a:r>
+              <a:rPr lang="zh-CN" altLang="en-US" sz="4800" b="1" dirty="0">
+                <a:sym typeface="+mn-ea"/>
+              </a:rPr>
+              <a:t>进阶</a:t>
+            </a:r>
+            <a:endParaRPr kumimoji="0" lang="zh-CN" altLang="zh-CN" sz="4800" b="1"/>
+          </a:p>
+        </p:txBody>
+      </p:sp>
+      <p:sp>
+        <p:nvSpPr>
+          <p:cNvPr id="4100" name="TextBox 4"/>
+          <p:cNvSpPr txBox="1">
+            <a:spLocks noChangeArrowheads="1"/>
+          </p:cNvSpPr>
+          <p:nvPr/>
+        </p:nvSpPr>
+        <p:spPr bwMode="auto">
+          <a:xfrm>
+            <a:off x="5381626" y="4143375"/>
+            <a:ext cx="5286375" cy="583565"/>
+          </a:xfrm>
+          <a:prstGeom prst="rect">
+            <a:avLst/>
+          </a:prstGeom>
+          <a:noFill/>
+          <a:ln>
+            <a:noFill/>
+          </a:ln>
+          <a:extLst>
+            <a:ext uri="{909E8E84-426E-40DD-AFC4-6F175D3DCCD1}">
+              <a14:hiddenFill xmlns:a14="http://schemas.microsoft.com/office/drawing/2010/main">
+                <a:solidFill>
+                  <a:srgbClr val="FFFFFF"/>
+                </a:solidFill>
+              </a14:hiddenFill>
+            </a:ext>
+            <a:ext uri="{91240B29-F687-4F45-9708-019B960494DF}">
+              <a14:hiddenLine xmlns:a14="http://schemas.microsoft.com/office/drawing/2010/main" w="9525">
+                <a:solidFill>
+                  <a:srgbClr val="000000"/>
+                </a:solidFill>
+                <a:miter lim="800000"/>
+                <a:headEnd/>
+                <a:tailEnd/>
+              </a14:hiddenLine>
+            </a:ext>
+          </a:extLst>
+        </p:spPr>
+        <p:txBody>
+          <a:bodyPr>
+            <a:spAutoFit/>
+          </a:bodyPr>
+          <a:lstStyle>
+            <a:lvl1pPr>
+              <a:defRPr sz="3200">
+                <a:solidFill>
+                  <a:schemeClr val="tx1"/>
+                </a:solidFill>
+                <a:latin typeface="Arial" panose="020B0604020202020204" pitchFamily="34" charset="0"/>
+                <a:ea typeface="微软雅黑" panose="020B0503020204020204" pitchFamily="34" charset="-122"/>
+              </a:defRPr>
+            </a:lvl1pPr>
+            <a:lvl2pPr marL="742950" indent="-285750">
+              <a:defRPr sz="3200">
+                <a:solidFill>
+                  <a:schemeClr val="tx1"/>
+                </a:solidFill>
+                <a:latin typeface="Arial" panose="020B0604020202020204" pitchFamily="34" charset="0"/>
+                <a:ea typeface="微软雅黑" panose="020B0503020204020204" pitchFamily="34" charset="-122"/>
+              </a:defRPr>
+            </a:lvl2pPr>
+            <a:lvl3pPr marL="1143000" indent="-228600">
+              <a:defRPr sz="3200">
+                <a:solidFill>
+                  <a:schemeClr val="tx1"/>
+                </a:solidFill>
+                <a:latin typeface="Arial" panose="020B0604020202020204" pitchFamily="34" charset="0"/>
+                <a:ea typeface="微软雅黑" panose="020B0503020204020204" pitchFamily="34" charset="-122"/>
+              </a:defRPr>
+            </a:lvl3pPr>
+            <a:lvl4pPr marL="1600200" indent="-228600">
+              <a:defRPr sz="3200">
+                <a:solidFill>
+                  <a:schemeClr val="tx1"/>
+                </a:solidFill>
+                <a:latin typeface="Arial" panose="020B0604020202020204" pitchFamily="34" charset="0"/>
+                <a:ea typeface="微软雅黑" panose="020B0503020204020204" pitchFamily="34" charset="-122"/>
+              </a:defRPr>
+            </a:lvl4pPr>
+            <a:lvl5pPr marL="2057400" indent="-228600">
+              <a:defRPr sz="3200">
+                <a:solidFill>
+                  <a:schemeClr val="tx1"/>
+                </a:solidFill>
+                <a:latin typeface="Arial" panose="020B0604020202020204" pitchFamily="34" charset="0"/>
+                <a:ea typeface="微软雅黑" panose="020B0503020204020204" pitchFamily="34" charset="-122"/>
+              </a:defRPr>
+            </a:lvl5pPr>
+            <a:lvl6pPr marL="2514600" indent="-228600" eaLnBrk="0" fontAlgn="base" hangingPunct="0">
+              <a:spcBef>
+                <a:spcPct val="0"/>
+              </a:spcBef>
+              <a:spcAft>
+                <a:spcPct val="0"/>
+              </a:spcAft>
+              <a:defRPr sz="3200">
+                <a:solidFill>
+                  <a:schemeClr val="tx1"/>
+                </a:solidFill>
+                <a:latin typeface="Arial" panose="020B0604020202020204" pitchFamily="34" charset="0"/>
+                <a:ea typeface="微软雅黑" panose="020B0503020204020204" pitchFamily="34" charset="-122"/>
+              </a:defRPr>
+            </a:lvl6pPr>
+            <a:lvl7pPr marL="2971800" indent="-228600" eaLnBrk="0" fontAlgn="base" hangingPunct="0">
+              <a:spcBef>
+                <a:spcPct val="0"/>
+              </a:spcBef>
+              <a:spcAft>
+                <a:spcPct val="0"/>
+              </a:spcAft>
+              <a:defRPr sz="3200">
+                <a:solidFill>
+                  <a:schemeClr val="tx1"/>
+                </a:solidFill>
+                <a:latin typeface="Arial" panose="020B0604020202020204" pitchFamily="34" charset="0"/>
+                <a:ea typeface="微软雅黑" panose="020B0503020204020204" pitchFamily="34" charset="-122"/>
+              </a:defRPr>
+            </a:lvl7pPr>
+            <a:lvl8pPr marL="3429000" indent="-228600" eaLnBrk="0" fontAlgn="base" hangingPunct="0">
+              <a:spcBef>
+                <a:spcPct val="0"/>
+              </a:spcBef>
+              <a:spcAft>
+                <a:spcPct val="0"/>
+              </a:spcAft>
+              <a:defRPr sz="3200">
+                <a:solidFill>
+                  <a:schemeClr val="tx1"/>
+                </a:solidFill>
+                <a:latin typeface="Arial" panose="020B0604020202020204" pitchFamily="34" charset="0"/>
+                <a:ea typeface="微软雅黑" panose="020B0503020204020204" pitchFamily="34" charset="-122"/>
+              </a:defRPr>
+            </a:lvl8pPr>
+            <a:lvl9pPr marL="3886200" indent="-228600" eaLnBrk="0" fontAlgn="base" hangingPunct="0">
+              <a:spcBef>
+                <a:spcPct val="0"/>
+              </a:spcBef>
+              <a:spcAft>
+                <a:spcPct val="0"/>
+              </a:spcAft>
+              <a:defRPr sz="3200">
+                <a:solidFill>
+                  <a:schemeClr val="tx1"/>
+                </a:solidFill>
+                <a:latin typeface="Arial" panose="020B0604020202020204" pitchFamily="34" charset="0"/>
+                <a:ea typeface="微软雅黑" panose="020B0503020204020204" pitchFamily="34" charset="-122"/>
+              </a:defRPr>
+            </a:lvl9pPr>
+          </a:lstStyle>
+          <a:p>
+            <a:r>
+              <a:rPr lang="en-US" altLang="zh-CN">
+                <a:latin typeface="微软雅黑" panose="020B0503020204020204" pitchFamily="34" charset="-122"/>
+                <a:ea typeface="宋体" panose="02010600030101010101" pitchFamily="2" charset="-122"/>
+              </a:rPr>
+              <a:t>---</a:t>
+            </a:r>
+            <a:r>
+              <a:rPr lang="en-US" altLang="zh-CN">
+                <a:latin typeface="+mj-ea"/>
+                <a:ea typeface="+mj-ea"/>
+                <a:sym typeface="+mn-ea"/>
+              </a:rPr>
+              <a:t>Date</a:t>
+            </a:r>
+            <a:r>
+              <a:rPr lang="zh-CN" altLang="en-US">
+                <a:latin typeface="+mj-ea"/>
+                <a:ea typeface="+mj-ea"/>
+                <a:sym typeface="+mn-ea"/>
+              </a:rPr>
+              <a:t>日期</a:t>
+            </a:r>
+            <a:endParaRPr lang="zh-CN" altLang="en-US" dirty="0">
+              <a:latin typeface="+mj-ea"/>
+              <a:ea typeface="+mj-ea"/>
+            </a:endParaRPr>
+          </a:p>
+        </p:txBody>
+      </p:sp>
+      <p:pic>
+        <p:nvPicPr>
+          <p:cNvPr id="4101" name="图片 4" descr="软院logo横版.png"/>
+          <p:cNvPicPr>
+            <a:picLocks noChangeAspect="1"/>
+          </p:cNvPicPr>
+          <p:nvPr/>
+        </p:nvPicPr>
+        <p:blipFill>
+          <a:blip r:embed="rId2">
+            <a:extLst>
+              <a:ext uri="{28A0092B-C50C-407E-A947-70E740481C1C}">
+                <a14:useLocalDpi xmlns:a14="http://schemas.microsoft.com/office/drawing/2010/main" val="0"/>
+              </a:ext>
+            </a:extLst>
+          </a:blip>
+          <a:srcRect/>
+          <a:stretch>
+            <a:fillRect/>
+          </a:stretch>
+        </p:blipFill>
+        <p:spPr bwMode="auto">
+          <a:xfrm>
+            <a:off x="6604001" y="5784851"/>
+            <a:ext cx="3381375" cy="525463"/>
+          </a:xfrm>
+          <a:prstGeom prst="rect">
+            <a:avLst/>
+          </a:prstGeom>
+          <a:noFill/>
+          <a:ln>
+            <a:noFill/>
+          </a:ln>
+          <a:extLst>
+            <a:ext uri="{909E8E84-426E-40DD-AFC4-6F175D3DCCD1}">
+              <a14:hiddenFill xmlns:a14="http://schemas.microsoft.com/office/drawing/2010/main">
+                <a:solidFill>
+                  <a:srgbClr val="FFFFFF"/>
+                </a:solidFill>
+              </a14:hiddenFill>
+            </a:ext>
+            <a:ext uri="{91240B29-F687-4F45-9708-019B960494DF}">
+              <a14:hiddenLine xmlns:a14="http://schemas.microsoft.com/office/drawing/2010/main" w="9525">
+                <a:solidFill>
+                  <a:srgbClr val="000000"/>
+                </a:solidFill>
+                <a:miter lim="800000"/>
+                <a:headEnd/>
+                <a:tailEnd/>
+              </a14:hiddenLine>
+            </a:ext>
+          </a:extLst>
+        </p:spPr>
+      </p:pic>
+    </p:spTree>
+  </p:cSld>
+  <p:clrMapOvr>
+    <a:masterClrMapping/>
+  </p:clrMapOvr>
+  <p:transition advClick="0"/>
+  <p:timing>
+    <p:tnLst>
+      <p:par>
+        <p:cTn id="1" dur="indefinite" restart="never" nodeType="tmRoot"/>
+      </p:par>
+    </p:tnLst>
+  </p:timing>
+</p:sld>
+</file>
+
+<file path=ppt/slides/slide16.xml><?xml version="1.0" encoding="utf-8"?>
 <p:sld xmlns:a="http://schemas.openxmlformats.org/drawingml/2006/main" xmlns:r="http://schemas.openxmlformats.org/officeDocument/2006/relationships" xmlns:p="http://schemas.openxmlformats.org/presentationml/2006/main">
   <p:cSld>
     <p:spTree>
@@ -5200,19 +6166,608 @@
       </p:grpSpPr>
       <p:sp>
         <p:nvSpPr>
-          <p:cNvPr id="11266" name="内容占位符 1"/>
+          <p:cNvPr id="5123" name="AutoShape 6"/>
           <p:cNvSpPr>
-            <a:spLocks noGrp="1"/>
+            <a:spLocks noChangeArrowheads="1"/>
+          </p:cNvSpPr>
+          <p:nvPr/>
+        </p:nvSpPr>
+        <p:spPr bwMode="auto">
+          <a:xfrm>
+            <a:off x="2566988" y="1339851"/>
+            <a:ext cx="6711950" cy="4214813"/>
+          </a:xfrm>
+          <a:prstGeom prst="roundRect">
+            <a:avLst>
+              <a:gd name="adj" fmla="val 16667"/>
+            </a:avLst>
+          </a:prstGeom>
+          <a:noFill/>
+          <a:ln w="28575">
+            <a:solidFill>
+              <a:srgbClr val="C0C0C0"/>
+            </a:solidFill>
+            <a:prstDash val="sysDot"/>
+            <a:round/>
+          </a:ln>
+          <a:extLst>
+            <a:ext uri="{909E8E84-426E-40DD-AFC4-6F175D3DCCD1}">
+              <a14:hiddenFill xmlns:a14="http://schemas.microsoft.com/office/drawing/2010/main">
+                <a:solidFill>
+                  <a:srgbClr val="FFFFFF"/>
+                </a:solidFill>
+              </a14:hiddenFill>
+            </a:ext>
+          </a:extLst>
+        </p:spPr>
+        <p:txBody>
+          <a:bodyPr wrap="none" anchor="ctr"/>
+          <a:lstStyle>
+            <a:lvl1pPr marL="457200" indent="-457200">
+              <a:defRPr sz="3200">
+                <a:solidFill>
+                  <a:schemeClr val="tx1"/>
+                </a:solidFill>
+                <a:latin typeface="Arial" panose="020B0604020202020204" pitchFamily="34" charset="0"/>
+                <a:ea typeface="微软雅黑" panose="020B0503020204020204" pitchFamily="34" charset="-122"/>
+              </a:defRPr>
+            </a:lvl1pPr>
+            <a:lvl2pPr marL="742950" indent="-285750">
+              <a:defRPr sz="3200">
+                <a:solidFill>
+                  <a:schemeClr val="tx1"/>
+                </a:solidFill>
+                <a:latin typeface="Arial" panose="020B0604020202020204" pitchFamily="34" charset="0"/>
+                <a:ea typeface="微软雅黑" panose="020B0503020204020204" pitchFamily="34" charset="-122"/>
+              </a:defRPr>
+            </a:lvl2pPr>
+            <a:lvl3pPr marL="1143000" indent="-228600">
+              <a:defRPr sz="3200">
+                <a:solidFill>
+                  <a:schemeClr val="tx1"/>
+                </a:solidFill>
+                <a:latin typeface="Arial" panose="020B0604020202020204" pitchFamily="34" charset="0"/>
+                <a:ea typeface="微软雅黑" panose="020B0503020204020204" pitchFamily="34" charset="-122"/>
+              </a:defRPr>
+            </a:lvl3pPr>
+            <a:lvl4pPr marL="1600200" indent="-228600">
+              <a:defRPr sz="3200">
+                <a:solidFill>
+                  <a:schemeClr val="tx1"/>
+                </a:solidFill>
+                <a:latin typeface="Arial" panose="020B0604020202020204" pitchFamily="34" charset="0"/>
+                <a:ea typeface="微软雅黑" panose="020B0503020204020204" pitchFamily="34" charset="-122"/>
+              </a:defRPr>
+            </a:lvl4pPr>
+            <a:lvl5pPr marL="2057400" indent="-228600">
+              <a:defRPr sz="3200">
+                <a:solidFill>
+                  <a:schemeClr val="tx1"/>
+                </a:solidFill>
+                <a:latin typeface="Arial" panose="020B0604020202020204" pitchFamily="34" charset="0"/>
+                <a:ea typeface="微软雅黑" panose="020B0503020204020204" pitchFamily="34" charset="-122"/>
+              </a:defRPr>
+            </a:lvl5pPr>
+            <a:lvl6pPr marL="2514600" indent="-228600" eaLnBrk="0" fontAlgn="base" hangingPunct="0">
+              <a:spcBef>
+                <a:spcPct val="0"/>
+              </a:spcBef>
+              <a:spcAft>
+                <a:spcPct val="0"/>
+              </a:spcAft>
+              <a:defRPr sz="3200">
+                <a:solidFill>
+                  <a:schemeClr val="tx1"/>
+                </a:solidFill>
+                <a:latin typeface="Arial" panose="020B0604020202020204" pitchFamily="34" charset="0"/>
+                <a:ea typeface="微软雅黑" panose="020B0503020204020204" pitchFamily="34" charset="-122"/>
+              </a:defRPr>
+            </a:lvl6pPr>
+            <a:lvl7pPr marL="2971800" indent="-228600" eaLnBrk="0" fontAlgn="base" hangingPunct="0">
+              <a:spcBef>
+                <a:spcPct val="0"/>
+              </a:spcBef>
+              <a:spcAft>
+                <a:spcPct val="0"/>
+              </a:spcAft>
+              <a:defRPr sz="3200">
+                <a:solidFill>
+                  <a:schemeClr val="tx1"/>
+                </a:solidFill>
+                <a:latin typeface="Arial" panose="020B0604020202020204" pitchFamily="34" charset="0"/>
+                <a:ea typeface="微软雅黑" panose="020B0503020204020204" pitchFamily="34" charset="-122"/>
+              </a:defRPr>
+            </a:lvl7pPr>
+            <a:lvl8pPr marL="3429000" indent="-228600" eaLnBrk="0" fontAlgn="base" hangingPunct="0">
+              <a:spcBef>
+                <a:spcPct val="0"/>
+              </a:spcBef>
+              <a:spcAft>
+                <a:spcPct val="0"/>
+              </a:spcAft>
+              <a:defRPr sz="3200">
+                <a:solidFill>
+                  <a:schemeClr val="tx1"/>
+                </a:solidFill>
+                <a:latin typeface="Arial" panose="020B0604020202020204" pitchFamily="34" charset="0"/>
+                <a:ea typeface="微软雅黑" panose="020B0503020204020204" pitchFamily="34" charset="-122"/>
+              </a:defRPr>
+            </a:lvl8pPr>
+            <a:lvl9pPr marL="3886200" indent="-228600" eaLnBrk="0" fontAlgn="base" hangingPunct="0">
+              <a:spcBef>
+                <a:spcPct val="0"/>
+              </a:spcBef>
+              <a:spcAft>
+                <a:spcPct val="0"/>
+              </a:spcAft>
+              <a:defRPr sz="3200">
+                <a:solidFill>
+                  <a:schemeClr val="tx1"/>
+                </a:solidFill>
+                <a:latin typeface="Arial" panose="020B0604020202020204" pitchFamily="34" charset="0"/>
+                <a:ea typeface="微软雅黑" panose="020B0503020204020204" pitchFamily="34" charset="-122"/>
+              </a:defRPr>
+            </a:lvl9pPr>
+          </a:lstStyle>
+          <a:p>
+            <a:pPr algn="l">
+              <a:lnSpc>
+                <a:spcPct val="150000"/>
+              </a:lnSpc>
+              <a:spcBef>
+                <a:spcPts val="1200"/>
+              </a:spcBef>
+              <a:spcAft>
+                <a:spcPts val="1200"/>
+              </a:spcAft>
+              <a:buClr>
+                <a:srgbClr val="92D050"/>
+              </a:buClr>
+              <a:buFont typeface="Wingdings" panose="05000000000000000000" pitchFamily="2" charset="2"/>
+              <a:buChar char="Ø"/>
+            </a:pPr>
+            <a:r>
+              <a:rPr lang="zh-CN" altLang="en-US" sz="2800" b="1">
+                <a:solidFill>
+                  <a:schemeClr val="tx1"/>
+                </a:solidFill>
+                <a:sym typeface="+mn-ea"/>
+              </a:rPr>
+              <a:t>创建</a:t>
+            </a:r>
+            <a:r>
+              <a:rPr lang="en-US" altLang="zh-CN" sz="2800" b="1">
+                <a:solidFill>
+                  <a:schemeClr val="tx1"/>
+                </a:solidFill>
+                <a:sym typeface="+mn-ea"/>
+              </a:rPr>
+              <a:t>Date</a:t>
+            </a:r>
+            <a:r>
+              <a:rPr lang="zh-CN" altLang="en-US" sz="2800" b="1">
+                <a:solidFill>
+                  <a:schemeClr val="tx1"/>
+                </a:solidFill>
+                <a:sym typeface="+mn-ea"/>
+              </a:rPr>
+              <a:t>对象及日期格式</a:t>
+            </a:r>
+            <a:endParaRPr lang="zh-CN" altLang="en-US" sz="2800" b="1">
+              <a:solidFill>
+                <a:schemeClr val="tx1"/>
+              </a:solidFill>
+              <a:sym typeface="+mn-ea"/>
+            </a:endParaRPr>
+          </a:p>
+          <a:p>
+            <a:pPr algn="l">
+              <a:lnSpc>
+                <a:spcPct val="150000"/>
+              </a:lnSpc>
+              <a:spcBef>
+                <a:spcPts val="1200"/>
+              </a:spcBef>
+              <a:spcAft>
+                <a:spcPts val="1200"/>
+              </a:spcAft>
+              <a:buClr>
+                <a:srgbClr val="92D050"/>
+              </a:buClr>
+              <a:buFont typeface="Wingdings" panose="05000000000000000000" pitchFamily="2" charset="2"/>
+              <a:buChar char="Ø"/>
+            </a:pPr>
+            <a:r>
+              <a:rPr lang="en-US" altLang="zh-CN" sz="2800" b="1">
+                <a:solidFill>
+                  <a:schemeClr val="tx1"/>
+                </a:solidFill>
+                <a:sym typeface="+mn-ea"/>
+              </a:rPr>
+              <a:t>Date</a:t>
+            </a:r>
+            <a:r>
+              <a:rPr lang="zh-CN" altLang="en-US" sz="2800" b="1">
+                <a:solidFill>
+                  <a:schemeClr val="tx1"/>
+                </a:solidFill>
+                <a:sym typeface="+mn-ea"/>
+              </a:rPr>
+              <a:t>静态方法（构造函数对象的方法）</a:t>
+            </a:r>
+            <a:endParaRPr lang="zh-CN" altLang="en-US" sz="2800" b="1">
+              <a:solidFill>
+                <a:schemeClr val="tx1"/>
+              </a:solidFill>
+              <a:sym typeface="+mn-ea"/>
+            </a:endParaRPr>
+          </a:p>
+          <a:p>
+            <a:pPr algn="l">
+              <a:lnSpc>
+                <a:spcPct val="150000"/>
+              </a:lnSpc>
+              <a:spcBef>
+                <a:spcPts val="1200"/>
+              </a:spcBef>
+              <a:spcAft>
+                <a:spcPts val="1200"/>
+              </a:spcAft>
+              <a:buClr>
+                <a:srgbClr val="92D050"/>
+              </a:buClr>
+              <a:buFont typeface="Wingdings" panose="05000000000000000000" pitchFamily="2" charset="2"/>
+              <a:buChar char="Ø"/>
+            </a:pPr>
+            <a:r>
+              <a:rPr lang="en-US" altLang="zh-CN" sz="2800" b="1">
+                <a:solidFill>
+                  <a:schemeClr val="tx1"/>
+                </a:solidFill>
+                <a:sym typeface="+mn-ea"/>
+              </a:rPr>
+              <a:t>Date</a:t>
+            </a:r>
+            <a:r>
+              <a:rPr lang="zh-CN" altLang="en-US" sz="2800" b="1">
+                <a:solidFill>
+                  <a:schemeClr val="tx1"/>
+                </a:solidFill>
+                <a:sym typeface="+mn-ea"/>
+              </a:rPr>
+              <a:t>原型方法</a:t>
+            </a:r>
+            <a:endParaRPr lang="zh-CN" altLang="en-US" sz="2800" b="1">
+              <a:solidFill>
+                <a:schemeClr val="tx1"/>
+              </a:solidFill>
+              <a:sym typeface="+mn-ea"/>
+            </a:endParaRPr>
+          </a:p>
+        </p:txBody>
+      </p:sp>
+      <p:sp>
+        <p:nvSpPr>
+          <p:cNvPr id="4" name="内容占位符 3"/>
+          <p:cNvSpPr txBox="1"/>
+          <p:nvPr/>
+        </p:nvSpPr>
+        <p:spPr>
+          <a:xfrm>
+            <a:off x="981657" y="236943"/>
+            <a:ext cx="8191557" cy="490476"/>
+          </a:xfrm>
+          <a:prstGeom prst="rect">
+            <a:avLst/>
+          </a:prstGeom>
+        </p:spPr>
+        <p:txBody>
+          <a:bodyPr/>
+          <a:lstStyle>
+            <a:lvl1pPr marL="167005" indent="-167005" algn="l" defTabSz="0" rtl="0" eaLnBrk="0" fontAlgn="base" hangingPunct="0">
+              <a:spcBef>
+                <a:spcPct val="0"/>
+              </a:spcBef>
+              <a:spcAft>
+                <a:spcPct val="15000"/>
+              </a:spcAft>
+              <a:buClr>
+                <a:schemeClr val="tx2"/>
+              </a:buClr>
+              <a:buFont typeface="Arial" panose="020B0604020202020204" pitchFamily="34" charset="0"/>
+              <a:buChar char="•"/>
+              <a:defRPr kumimoji="1" sz="1600">
+                <a:solidFill>
+                  <a:srgbClr val="006F53"/>
+                </a:solidFill>
+                <a:latin typeface="微软雅黑" panose="020B0503020204020204" pitchFamily="34" charset="-122"/>
+                <a:ea typeface="微软雅黑" panose="020B0503020204020204" pitchFamily="34" charset="-122"/>
+                <a:cs typeface="微软雅黑" panose="020B0503020204020204" pitchFamily="34" charset="-122"/>
+              </a:defRPr>
+            </a:lvl1pPr>
+            <a:lvl2pPr marL="398780" indent="-230505" algn="l" defTabSz="0" rtl="0" eaLnBrk="0" fontAlgn="base" hangingPunct="0">
+              <a:spcBef>
+                <a:spcPct val="0"/>
+              </a:spcBef>
+              <a:spcAft>
+                <a:spcPct val="15000"/>
+              </a:spcAft>
+              <a:buClr>
+                <a:schemeClr val="tx2"/>
+              </a:buClr>
+              <a:buFont typeface="Arial" panose="020B0604020202020204" pitchFamily="34" charset="0"/>
+              <a:buChar char="–"/>
+              <a:defRPr kumimoji="1" sz="2800">
+                <a:solidFill>
+                  <a:schemeClr val="bg2"/>
+                </a:solidFill>
+                <a:latin typeface="微软雅黑" panose="020B0503020204020204" pitchFamily="34" charset="-122"/>
+                <a:ea typeface="微软雅黑" panose="020B0503020204020204" pitchFamily="34" charset="-122"/>
+                <a:cs typeface="微软雅黑" panose="020B0503020204020204" pitchFamily="34" charset="-122"/>
+              </a:defRPr>
+            </a:lvl2pPr>
+            <a:lvl3pPr marL="400050" indent="182880" algn="l" defTabSz="0" rtl="0" eaLnBrk="0" fontAlgn="base" hangingPunct="0">
+              <a:spcBef>
+                <a:spcPct val="0"/>
+              </a:spcBef>
+              <a:spcAft>
+                <a:spcPct val="15000"/>
+              </a:spcAft>
+              <a:buClr>
+                <a:schemeClr val="tx2"/>
+              </a:buClr>
+              <a:buFont typeface="Arial" panose="020B0604020202020204" pitchFamily="34" charset="0"/>
+              <a:buChar char="•"/>
+              <a:defRPr kumimoji="1" sz="1600">
+                <a:solidFill>
+                  <a:schemeClr val="bg2"/>
+                </a:solidFill>
+                <a:latin typeface="微软雅黑" panose="020B0503020204020204" pitchFamily="34" charset="-122"/>
+                <a:ea typeface="微软雅黑" panose="020B0503020204020204" pitchFamily="34" charset="-122"/>
+                <a:cs typeface="微软雅黑" panose="020B0503020204020204" pitchFamily="34" charset="-122"/>
+              </a:defRPr>
+            </a:lvl3pPr>
+            <a:lvl4pPr marL="825500" indent="-241300" algn="l" defTabSz="0" rtl="0" eaLnBrk="0" fontAlgn="base" hangingPunct="0">
+              <a:spcBef>
+                <a:spcPct val="0"/>
+              </a:spcBef>
+              <a:spcAft>
+                <a:spcPct val="15000"/>
+              </a:spcAft>
+              <a:buClr>
+                <a:schemeClr val="tx2"/>
+              </a:buClr>
+              <a:buFont typeface="Arial" panose="020B0604020202020204" pitchFamily="34" charset="0"/>
+              <a:buChar char="–"/>
+              <a:defRPr kumimoji="1" sz="1600">
+                <a:solidFill>
+                  <a:schemeClr val="bg2"/>
+                </a:solidFill>
+                <a:latin typeface="微软雅黑" panose="020B0503020204020204" pitchFamily="34" charset="-122"/>
+                <a:ea typeface="微软雅黑" panose="020B0503020204020204" pitchFamily="34" charset="-122"/>
+                <a:cs typeface="微软雅黑" panose="020B0503020204020204" pitchFamily="34" charset="-122"/>
+              </a:defRPr>
+            </a:lvl4pPr>
+            <a:lvl5pPr marL="2057400" indent="-228600" algn="l" defTabSz="0" rtl="0" eaLnBrk="0" fontAlgn="base" hangingPunct="0">
+              <a:spcBef>
+                <a:spcPct val="0"/>
+              </a:spcBef>
+              <a:spcAft>
+                <a:spcPct val="25000"/>
+              </a:spcAft>
+              <a:buClr>
+                <a:schemeClr val="tx2"/>
+              </a:buClr>
+              <a:buFont typeface="Arial" panose="020B0604020202020204" pitchFamily="34" charset="0"/>
+              <a:buChar char="–"/>
+              <a:defRPr kumimoji="1" sz="2000">
+                <a:solidFill>
+                  <a:schemeClr val="tx1"/>
+                </a:solidFill>
+                <a:latin typeface="+mn-lt"/>
+                <a:ea typeface="微软雅黑" panose="020B0503020204020204" pitchFamily="34" charset="-122"/>
+                <a:cs typeface="微软雅黑" panose="020B0503020204020204" pitchFamily="34" charset="-122"/>
+              </a:defRPr>
+            </a:lvl5pPr>
+            <a:lvl6pPr marL="2514600" indent="-228600" algn="l" defTabSz="0" rtl="0" eaLnBrk="0" fontAlgn="base" hangingPunct="0">
+              <a:spcBef>
+                <a:spcPct val="0"/>
+              </a:spcBef>
+              <a:spcAft>
+                <a:spcPct val="25000"/>
+              </a:spcAft>
+              <a:buClr>
+                <a:schemeClr val="tx2"/>
+              </a:buClr>
+              <a:buFont typeface="Arial" panose="020B0604020202020204" pitchFamily="34" charset="0"/>
+              <a:buChar char="–"/>
+              <a:defRPr>
+                <a:solidFill>
+                  <a:schemeClr val="tx1"/>
+                </a:solidFill>
+                <a:latin typeface="+mn-lt"/>
+              </a:defRPr>
+            </a:lvl6pPr>
+            <a:lvl7pPr marL="2971800" indent="-228600" algn="l" defTabSz="0" rtl="0" eaLnBrk="0" fontAlgn="base" hangingPunct="0">
+              <a:spcBef>
+                <a:spcPct val="0"/>
+              </a:spcBef>
+              <a:spcAft>
+                <a:spcPct val="25000"/>
+              </a:spcAft>
+              <a:buClr>
+                <a:schemeClr val="tx2"/>
+              </a:buClr>
+              <a:buFont typeface="Arial" panose="020B0604020202020204" pitchFamily="34" charset="0"/>
+              <a:buChar char="–"/>
+              <a:defRPr>
+                <a:solidFill>
+                  <a:schemeClr val="tx1"/>
+                </a:solidFill>
+                <a:latin typeface="+mn-lt"/>
+              </a:defRPr>
+            </a:lvl7pPr>
+            <a:lvl8pPr marL="3429000" indent="-228600" algn="l" defTabSz="0" rtl="0" eaLnBrk="0" fontAlgn="base" hangingPunct="0">
+              <a:spcBef>
+                <a:spcPct val="0"/>
+              </a:spcBef>
+              <a:spcAft>
+                <a:spcPct val="25000"/>
+              </a:spcAft>
+              <a:buClr>
+                <a:schemeClr val="tx2"/>
+              </a:buClr>
+              <a:buFont typeface="Arial" panose="020B0604020202020204" pitchFamily="34" charset="0"/>
+              <a:buChar char="–"/>
+              <a:defRPr>
+                <a:solidFill>
+                  <a:schemeClr val="tx1"/>
+                </a:solidFill>
+                <a:latin typeface="+mn-lt"/>
+              </a:defRPr>
+            </a:lvl8pPr>
+            <a:lvl9pPr marL="3886200" indent="-228600" algn="l" defTabSz="0" rtl="0" eaLnBrk="0" fontAlgn="base" hangingPunct="0">
+              <a:spcBef>
+                <a:spcPct val="0"/>
+              </a:spcBef>
+              <a:spcAft>
+                <a:spcPct val="25000"/>
+              </a:spcAft>
+              <a:buClr>
+                <a:schemeClr val="tx2"/>
+              </a:buClr>
+              <a:buFont typeface="Arial" panose="020B0604020202020204" pitchFamily="34" charset="0"/>
+              <a:buChar char="–"/>
+              <a:defRPr>
+                <a:solidFill>
+                  <a:schemeClr val="tx1"/>
+                </a:solidFill>
+                <a:latin typeface="+mn-lt"/>
+              </a:defRPr>
+            </a:lvl9pPr>
+          </a:lstStyle>
+          <a:p>
+            <a:pPr marL="0" indent="0">
+              <a:buNone/>
+            </a:pPr>
+            <a:r>
+              <a:rPr lang="zh-CN" altLang="en-US" sz="3200" dirty="0" smtClean="0">
+                <a:solidFill>
+                  <a:srgbClr val="C00000"/>
+                </a:solidFill>
+                <a:cs typeface="+mn-cs"/>
+                <a:sym typeface="+mn-ea"/>
+              </a:rPr>
+              <a:t>内容提纲</a:t>
+            </a:r>
+            <a:endParaRPr lang="zh-CN" altLang="en-US" kern="0" dirty="0"/>
+          </a:p>
+        </p:txBody>
+      </p:sp>
+    </p:spTree>
+  </p:cSld>
+  <p:clrMapOvr>
+    <a:masterClrMapping/>
+  </p:clrMapOvr>
+  <p:timing>
+    <p:tnLst>
+      <p:par>
+        <p:cTn id="1" dur="indefinite" restart="never" nodeType="tmRoot"/>
+      </p:par>
+    </p:tnLst>
+  </p:timing>
+</p:sld>
+</file>
+
+<file path=ppt/slides/slide17.xml><?xml version="1.0" encoding="utf-8"?>
+<p:sld xmlns:a="http://schemas.openxmlformats.org/drawingml/2006/main" xmlns:r="http://schemas.openxmlformats.org/officeDocument/2006/relationships" xmlns:p="http://schemas.openxmlformats.org/presentationml/2006/main">
+  <p:cSld>
+    <p:spTree>
+      <p:nvGrpSpPr>
+        <p:cNvPr id="1" name=""/>
+        <p:cNvGrpSpPr/>
+        <p:nvPr/>
+      </p:nvGrpSpPr>
+      <p:grpSpPr>
+        <a:xfrm>
+          <a:off x="0" y="0"/>
+          <a:ext cx="0" cy="0"/>
+          <a:chOff x="0" y="0"/>
+          <a:chExt cx="0" cy="0"/>
+        </a:xfrm>
+      </p:grpSpPr>
+      <p:pic>
+        <p:nvPicPr>
+          <p:cNvPr id="38914" name="Picture 5"/>
+          <p:cNvPicPr>
+            <a:picLocks noChangeAspect="1" noChangeArrowheads="1"/>
+          </p:cNvPicPr>
+          <p:nvPr/>
+        </p:nvPicPr>
+        <p:blipFill>
+          <a:blip r:embed="rId1">
+            <a:extLst>
+              <a:ext uri="{28A0092B-C50C-407E-A947-70E740481C1C}">
+                <a14:useLocalDpi xmlns:a14="http://schemas.microsoft.com/office/drawing/2010/main" val="0"/>
+              </a:ext>
+            </a:extLst>
+          </a:blip>
+          <a:srcRect/>
+          <a:stretch>
+            <a:fillRect/>
+          </a:stretch>
+        </p:blipFill>
+        <p:spPr bwMode="auto">
+          <a:xfrm>
+            <a:off x="0" y="0"/>
+            <a:ext cx="12192000" cy="6858000"/>
+          </a:xfrm>
+          <a:prstGeom prst="rect">
+            <a:avLst/>
+          </a:prstGeom>
+          <a:noFill/>
+          <a:ln>
+            <a:noFill/>
+          </a:ln>
+          <a:extLst>
+            <a:ext uri="{909E8E84-426E-40DD-AFC4-6F175D3DCCD1}">
+              <a14:hiddenFill xmlns:a14="http://schemas.microsoft.com/office/drawing/2010/main">
+                <a:solidFill>
+                  <a:srgbClr val="FFFFFF"/>
+                </a:solidFill>
+              </a14:hiddenFill>
+            </a:ext>
+            <a:ext uri="{91240B29-F687-4F45-9708-019B960494DF}">
+              <a14:hiddenLine xmlns:a14="http://schemas.microsoft.com/office/drawing/2010/main" w="9525">
+                <a:solidFill>
+                  <a:srgbClr val="000000"/>
+                </a:solidFill>
+                <a:miter lim="800000"/>
+                <a:headEnd/>
+                <a:tailEnd/>
+              </a14:hiddenLine>
+            </a:ext>
+          </a:extLst>
+        </p:spPr>
+      </p:pic>
+      <p:sp>
+        <p:nvSpPr>
+          <p:cNvPr id="38915" name="Rectangle 6"/>
+          <p:cNvSpPr>
+            <a:spLocks noGrp="1" noChangeArrowheads="1"/>
           </p:cNvSpPr>
           <p:nvPr>
-            <p:ph sz="quarter" idx="10"/>
+            <p:ph type="ctrTitle" idx="4294967295"/>
           </p:nvPr>
         </p:nvSpPr>
         <p:spPr bwMode="auto">
           <a:xfrm>
-            <a:off x="947420" y="940435"/>
-            <a:ext cx="10493375" cy="5115560"/>
+            <a:off x="2547041" y="3068835"/>
+            <a:ext cx="7097918" cy="1285875"/>
           </a:xfrm>
+          <a:prstGeom prst="rect">
+            <a:avLst/>
+          </a:prstGeom>
           <a:noFill/>
           <a:extLst>
             <a:ext uri="{909E8E84-426E-40DD-AFC4-6F175D3DCCD1}">
@@ -5235,24 +6790,681 @@
           </a:extLst>
         </p:spPr>
         <p:txBody>
-          <a:bodyPr vert="horz" wrap="square" lIns="91440" tIns="45720" rIns="91440" bIns="45720" numCol="1" anchor="t" anchorCtr="0" compatLnSpc="1"/>
+          <a:bodyPr anchor="b"/>
           <a:lstStyle/>
           <a:p>
-            <a:pPr>
+            <a:pPr algn="ctr" eaLnBrk="1" hangingPunct="1"/>
+            <a:r>
+              <a:rPr kumimoji="0" lang="en-US" altLang="zh-CN" sz="5400" dirty="0"/>
+              <a:t>Thank </a:t>
+            </a:r>
+            <a:r>
+              <a:rPr kumimoji="0" lang="en-US" altLang="zh-CN" sz="5400" dirty="0">
+                <a:solidFill>
+                  <a:srgbClr val="FF0000"/>
+                </a:solidFill>
+              </a:rPr>
+              <a:t>You</a:t>
+            </a:r>
+            <a:r>
+              <a:rPr kumimoji="0" lang="zh-CN" altLang="en-US" sz="5400" dirty="0"/>
+              <a:t>！</a:t>
+            </a:r>
+            <a:endParaRPr kumimoji="0" lang="zh-CN" altLang="zh-CN" sz="5400" dirty="0"/>
+          </a:p>
+        </p:txBody>
+      </p:sp>
+      <p:pic>
+        <p:nvPicPr>
+          <p:cNvPr id="38916" name="图片 3" descr="软院logo横版.png"/>
+          <p:cNvPicPr>
+            <a:picLocks noChangeAspect="1"/>
+          </p:cNvPicPr>
+          <p:nvPr/>
+        </p:nvPicPr>
+        <p:blipFill>
+          <a:blip r:embed="rId2">
+            <a:extLst>
+              <a:ext uri="{28A0092B-C50C-407E-A947-70E740481C1C}">
+                <a14:useLocalDpi xmlns:a14="http://schemas.microsoft.com/office/drawing/2010/main" val="0"/>
+              </a:ext>
+            </a:extLst>
+          </a:blip>
+          <a:srcRect/>
+          <a:stretch>
+            <a:fillRect/>
+          </a:stretch>
+        </p:blipFill>
+        <p:spPr bwMode="auto">
+          <a:xfrm>
+            <a:off x="2062164" y="5927725"/>
+            <a:ext cx="3381375" cy="527050"/>
+          </a:xfrm>
+          <a:prstGeom prst="rect">
+            <a:avLst/>
+          </a:prstGeom>
+          <a:noFill/>
+          <a:ln>
+            <a:noFill/>
+          </a:ln>
+          <a:extLst>
+            <a:ext uri="{909E8E84-426E-40DD-AFC4-6F175D3DCCD1}">
+              <a14:hiddenFill xmlns:a14="http://schemas.microsoft.com/office/drawing/2010/main">
+                <a:solidFill>
+                  <a:srgbClr val="FFFFFF"/>
+                </a:solidFill>
+              </a14:hiddenFill>
+            </a:ext>
+            <a:ext uri="{91240B29-F687-4F45-9708-019B960494DF}">
+              <a14:hiddenLine xmlns:a14="http://schemas.microsoft.com/office/drawing/2010/main" w="9525">
+                <a:solidFill>
+                  <a:srgbClr val="000000"/>
+                </a:solidFill>
+                <a:miter lim="800000"/>
+                <a:headEnd/>
+                <a:tailEnd/>
+              </a14:hiddenLine>
+            </a:ext>
+          </a:extLst>
+        </p:spPr>
+      </p:pic>
+    </p:spTree>
+  </p:cSld>
+  <p:clrMapOvr>
+    <a:masterClrMapping/>
+  </p:clrMapOvr>
+  <p:timing>
+    <p:tnLst>
+      <p:par>
+        <p:cTn id="1" dur="indefinite" restart="never" nodeType="tmRoot"/>
+      </p:par>
+    </p:tnLst>
+  </p:timing>
+</p:sld>
+</file>
+
+<file path=ppt/slides/slide18.xml><?xml version="1.0" encoding="utf-8"?>
+<p:sld xmlns:a="http://schemas.openxmlformats.org/drawingml/2006/main" xmlns:r="http://schemas.openxmlformats.org/officeDocument/2006/relationships" xmlns:p="http://schemas.openxmlformats.org/presentationml/2006/main">
+  <p:cSld>
+    <p:spTree>
+      <p:nvGrpSpPr>
+        <p:cNvPr id="1" name=""/>
+        <p:cNvGrpSpPr/>
+        <p:nvPr/>
+      </p:nvGrpSpPr>
+      <p:grpSpPr>
+        <a:xfrm>
+          <a:off x="0" y="0"/>
+          <a:ext cx="0" cy="0"/>
+          <a:chOff x="0" y="0"/>
+          <a:chExt cx="0" cy="0"/>
+        </a:xfrm>
+      </p:grpSpPr>
+      <p:pic>
+        <p:nvPicPr>
+          <p:cNvPr id="4098" name="Picture 4"/>
+          <p:cNvPicPr>
+            <a:picLocks noChangeAspect="1" noChangeArrowheads="1"/>
+          </p:cNvPicPr>
+          <p:nvPr/>
+        </p:nvPicPr>
+        <p:blipFill>
+          <a:blip r:embed="rId1">
+            <a:extLst>
+              <a:ext uri="{28A0092B-C50C-407E-A947-70E740481C1C}">
+                <a14:useLocalDpi xmlns:a14="http://schemas.microsoft.com/office/drawing/2010/main" val="0"/>
+              </a:ext>
+            </a:extLst>
+          </a:blip>
+          <a:srcRect/>
+          <a:stretch>
+            <a:fillRect/>
+          </a:stretch>
+        </p:blipFill>
+        <p:spPr bwMode="auto">
+          <a:xfrm>
+            <a:off x="0" y="0"/>
+            <a:ext cx="12192000" cy="6858000"/>
+          </a:xfrm>
+          <a:prstGeom prst="rect">
+            <a:avLst/>
+          </a:prstGeom>
+          <a:noFill/>
+          <a:ln>
+            <a:noFill/>
+          </a:ln>
+          <a:extLst>
+            <a:ext uri="{909E8E84-426E-40DD-AFC4-6F175D3DCCD1}">
+              <a14:hiddenFill xmlns:a14="http://schemas.microsoft.com/office/drawing/2010/main">
+                <a:solidFill>
+                  <a:srgbClr val="FFFFFF"/>
+                </a:solidFill>
+              </a14:hiddenFill>
+            </a:ext>
+            <a:ext uri="{91240B29-F687-4F45-9708-019B960494DF}">
+              <a14:hiddenLine xmlns:a14="http://schemas.microsoft.com/office/drawing/2010/main" w="9525">
+                <a:solidFill>
+                  <a:srgbClr val="000000"/>
+                </a:solidFill>
+                <a:miter lim="800000"/>
+                <a:headEnd/>
+                <a:tailEnd/>
+              </a14:hiddenLine>
+            </a:ext>
+          </a:extLst>
+        </p:spPr>
+      </p:pic>
+      <p:sp>
+        <p:nvSpPr>
+          <p:cNvPr id="4099" name="Rectangle 2"/>
+          <p:cNvSpPr>
+            <a:spLocks noGrp="1" noChangeArrowheads="1"/>
+          </p:cNvSpPr>
+          <p:nvPr>
+            <p:ph type="ctrTitle" idx="4294967295"/>
+          </p:nvPr>
+        </p:nvSpPr>
+        <p:spPr bwMode="auto">
+          <a:xfrm>
+            <a:off x="1809751" y="2428876"/>
+            <a:ext cx="7286625" cy="1116013"/>
+          </a:xfrm>
+          <a:prstGeom prst="rect">
+            <a:avLst/>
+          </a:prstGeom>
+          <a:noFill/>
+          <a:extLst>
+            <a:ext uri="{909E8E84-426E-40DD-AFC4-6F175D3DCCD1}">
+              <a14:hiddenFill xmlns:a14="http://schemas.microsoft.com/office/drawing/2010/main">
+                <a:solidFill>
+                  <a:srgbClr val="FFFFFF"/>
+                </a:solidFill>
+              </a14:hiddenFill>
+            </a:ext>
+            <a:ext uri="{91240B29-F687-4F45-9708-019B960494DF}">
+              <a14:hiddenLine xmlns:a14="http://schemas.microsoft.com/office/drawing/2010/main" w="9525">
+                <a:solidFill>
+                  <a:srgbClr val="000000"/>
+                </a:solidFill>
+                <a:miter lim="800000"/>
+                <a:headEnd/>
+                <a:tailEnd/>
+              </a14:hiddenLine>
+            </a:ext>
+          </a:extLst>
+        </p:spPr>
+        <p:txBody>
+          <a:bodyPr anchor="b"/>
+          <a:lstStyle/>
+          <a:p>
+            <a:pPr algn="ctr" eaLnBrk="1" hangingPunct="1"/>
+            <a:r>
+              <a:rPr lang="en-US" sz="4800" b="1" dirty="0">
+                <a:sym typeface="+mn-ea"/>
+              </a:rPr>
+              <a:t>JavaScript</a:t>
+            </a:r>
+            <a:r>
+              <a:rPr lang="zh-CN" altLang="en-US" sz="4800" b="1" dirty="0">
+                <a:sym typeface="+mn-ea"/>
+              </a:rPr>
+              <a:t>进阶</a:t>
+            </a:r>
+            <a:endParaRPr kumimoji="0" lang="zh-CN" altLang="zh-CN" sz="4800" b="1"/>
+          </a:p>
+        </p:txBody>
+      </p:sp>
+      <p:sp>
+        <p:nvSpPr>
+          <p:cNvPr id="4100" name="TextBox 4"/>
+          <p:cNvSpPr txBox="1">
+            <a:spLocks noChangeArrowheads="1"/>
+          </p:cNvSpPr>
+          <p:nvPr/>
+        </p:nvSpPr>
+        <p:spPr bwMode="auto">
+          <a:xfrm>
+            <a:off x="5381626" y="4143375"/>
+            <a:ext cx="5286375" cy="583565"/>
+          </a:xfrm>
+          <a:prstGeom prst="rect">
+            <a:avLst/>
+          </a:prstGeom>
+          <a:noFill/>
+          <a:ln>
+            <a:noFill/>
+          </a:ln>
+          <a:extLst>
+            <a:ext uri="{909E8E84-426E-40DD-AFC4-6F175D3DCCD1}">
+              <a14:hiddenFill xmlns:a14="http://schemas.microsoft.com/office/drawing/2010/main">
+                <a:solidFill>
+                  <a:srgbClr val="FFFFFF"/>
+                </a:solidFill>
+              </a14:hiddenFill>
+            </a:ext>
+            <a:ext uri="{91240B29-F687-4F45-9708-019B960494DF}">
+              <a14:hiddenLine xmlns:a14="http://schemas.microsoft.com/office/drawing/2010/main" w="9525">
+                <a:solidFill>
+                  <a:srgbClr val="000000"/>
+                </a:solidFill>
+                <a:miter lim="800000"/>
+                <a:headEnd/>
+                <a:tailEnd/>
+              </a14:hiddenLine>
+            </a:ext>
+          </a:extLst>
+        </p:spPr>
+        <p:txBody>
+          <a:bodyPr>
+            <a:spAutoFit/>
+          </a:bodyPr>
+          <a:lstStyle>
+            <a:lvl1pPr>
+              <a:defRPr sz="3200">
+                <a:solidFill>
+                  <a:schemeClr val="tx1"/>
+                </a:solidFill>
+                <a:latin typeface="Arial" panose="020B0604020202020204" pitchFamily="34" charset="0"/>
+                <a:ea typeface="微软雅黑" panose="020B0503020204020204" pitchFamily="34" charset="-122"/>
+              </a:defRPr>
+            </a:lvl1pPr>
+            <a:lvl2pPr marL="742950" indent="-285750">
+              <a:defRPr sz="3200">
+                <a:solidFill>
+                  <a:schemeClr val="tx1"/>
+                </a:solidFill>
+                <a:latin typeface="Arial" panose="020B0604020202020204" pitchFamily="34" charset="0"/>
+                <a:ea typeface="微软雅黑" panose="020B0503020204020204" pitchFamily="34" charset="-122"/>
+              </a:defRPr>
+            </a:lvl2pPr>
+            <a:lvl3pPr marL="1143000" indent="-228600">
+              <a:defRPr sz="3200">
+                <a:solidFill>
+                  <a:schemeClr val="tx1"/>
+                </a:solidFill>
+                <a:latin typeface="Arial" panose="020B0604020202020204" pitchFamily="34" charset="0"/>
+                <a:ea typeface="微软雅黑" panose="020B0503020204020204" pitchFamily="34" charset="-122"/>
+              </a:defRPr>
+            </a:lvl3pPr>
+            <a:lvl4pPr marL="1600200" indent="-228600">
+              <a:defRPr sz="3200">
+                <a:solidFill>
+                  <a:schemeClr val="tx1"/>
+                </a:solidFill>
+                <a:latin typeface="Arial" panose="020B0604020202020204" pitchFamily="34" charset="0"/>
+                <a:ea typeface="微软雅黑" panose="020B0503020204020204" pitchFamily="34" charset="-122"/>
+              </a:defRPr>
+            </a:lvl4pPr>
+            <a:lvl5pPr marL="2057400" indent="-228600">
+              <a:defRPr sz="3200">
+                <a:solidFill>
+                  <a:schemeClr val="tx1"/>
+                </a:solidFill>
+                <a:latin typeface="Arial" panose="020B0604020202020204" pitchFamily="34" charset="0"/>
+                <a:ea typeface="微软雅黑" panose="020B0503020204020204" pitchFamily="34" charset="-122"/>
+              </a:defRPr>
+            </a:lvl5pPr>
+            <a:lvl6pPr marL="2514600" indent="-228600" eaLnBrk="0" fontAlgn="base" hangingPunct="0">
+              <a:spcBef>
+                <a:spcPct val="0"/>
+              </a:spcBef>
+              <a:spcAft>
+                <a:spcPct val="0"/>
+              </a:spcAft>
+              <a:defRPr sz="3200">
+                <a:solidFill>
+                  <a:schemeClr val="tx1"/>
+                </a:solidFill>
+                <a:latin typeface="Arial" panose="020B0604020202020204" pitchFamily="34" charset="0"/>
+                <a:ea typeface="微软雅黑" panose="020B0503020204020204" pitchFamily="34" charset="-122"/>
+              </a:defRPr>
+            </a:lvl6pPr>
+            <a:lvl7pPr marL="2971800" indent="-228600" eaLnBrk="0" fontAlgn="base" hangingPunct="0">
+              <a:spcBef>
+                <a:spcPct val="0"/>
+              </a:spcBef>
+              <a:spcAft>
+                <a:spcPct val="0"/>
+              </a:spcAft>
+              <a:defRPr sz="3200">
+                <a:solidFill>
+                  <a:schemeClr val="tx1"/>
+                </a:solidFill>
+                <a:latin typeface="Arial" panose="020B0604020202020204" pitchFamily="34" charset="0"/>
+                <a:ea typeface="微软雅黑" panose="020B0503020204020204" pitchFamily="34" charset="-122"/>
+              </a:defRPr>
+            </a:lvl7pPr>
+            <a:lvl8pPr marL="3429000" indent="-228600" eaLnBrk="0" fontAlgn="base" hangingPunct="0">
+              <a:spcBef>
+                <a:spcPct val="0"/>
+              </a:spcBef>
+              <a:spcAft>
+                <a:spcPct val="0"/>
+              </a:spcAft>
+              <a:defRPr sz="3200">
+                <a:solidFill>
+                  <a:schemeClr val="tx1"/>
+                </a:solidFill>
+                <a:latin typeface="Arial" panose="020B0604020202020204" pitchFamily="34" charset="0"/>
+                <a:ea typeface="微软雅黑" panose="020B0503020204020204" pitchFamily="34" charset="-122"/>
+              </a:defRPr>
+            </a:lvl8pPr>
+            <a:lvl9pPr marL="3886200" indent="-228600" eaLnBrk="0" fontAlgn="base" hangingPunct="0">
+              <a:spcBef>
+                <a:spcPct val="0"/>
+              </a:spcBef>
+              <a:spcAft>
+                <a:spcPct val="0"/>
+              </a:spcAft>
+              <a:defRPr sz="3200">
+                <a:solidFill>
+                  <a:schemeClr val="tx1"/>
+                </a:solidFill>
+                <a:latin typeface="Arial" panose="020B0604020202020204" pitchFamily="34" charset="0"/>
+                <a:ea typeface="微软雅黑" panose="020B0503020204020204" pitchFamily="34" charset="-122"/>
+              </a:defRPr>
+            </a:lvl9pPr>
+          </a:lstStyle>
+          <a:p>
+            <a:r>
+              <a:rPr lang="en-US" altLang="zh-CN">
+                <a:latin typeface="微软雅黑" panose="020B0503020204020204" pitchFamily="34" charset="-122"/>
+                <a:ea typeface="宋体" panose="02010600030101010101" pitchFamily="2" charset="-122"/>
+              </a:rPr>
+              <a:t>---</a:t>
+            </a:r>
+            <a:r>
+              <a:rPr lang="en-US" altLang="zh-CN">
+                <a:latin typeface="+mj-ea"/>
+                <a:ea typeface="+mj-ea"/>
+                <a:sym typeface="+mn-ea"/>
+              </a:rPr>
+              <a:t>Error</a:t>
+            </a:r>
+            <a:r>
+              <a:rPr lang="zh-CN" altLang="en-US">
+                <a:latin typeface="+mj-ea"/>
+                <a:ea typeface="+mj-ea"/>
+                <a:sym typeface="+mn-ea"/>
+              </a:rPr>
+              <a:t>错误</a:t>
+            </a:r>
+            <a:endParaRPr lang="zh-CN" altLang="en-US" dirty="0">
+              <a:latin typeface="+mj-ea"/>
+              <a:ea typeface="+mj-ea"/>
+              <a:sym typeface="+mn-ea"/>
+            </a:endParaRPr>
+          </a:p>
+        </p:txBody>
+      </p:sp>
+      <p:pic>
+        <p:nvPicPr>
+          <p:cNvPr id="4101" name="图片 4" descr="软院logo横版.png"/>
+          <p:cNvPicPr>
+            <a:picLocks noChangeAspect="1"/>
+          </p:cNvPicPr>
+          <p:nvPr/>
+        </p:nvPicPr>
+        <p:blipFill>
+          <a:blip r:embed="rId2">
+            <a:extLst>
+              <a:ext uri="{28A0092B-C50C-407E-A947-70E740481C1C}">
+                <a14:useLocalDpi xmlns:a14="http://schemas.microsoft.com/office/drawing/2010/main" val="0"/>
+              </a:ext>
+            </a:extLst>
+          </a:blip>
+          <a:srcRect/>
+          <a:stretch>
+            <a:fillRect/>
+          </a:stretch>
+        </p:blipFill>
+        <p:spPr bwMode="auto">
+          <a:xfrm>
+            <a:off x="6604001" y="5784851"/>
+            <a:ext cx="3381375" cy="525463"/>
+          </a:xfrm>
+          <a:prstGeom prst="rect">
+            <a:avLst/>
+          </a:prstGeom>
+          <a:noFill/>
+          <a:ln>
+            <a:noFill/>
+          </a:ln>
+          <a:extLst>
+            <a:ext uri="{909E8E84-426E-40DD-AFC4-6F175D3DCCD1}">
+              <a14:hiddenFill xmlns:a14="http://schemas.microsoft.com/office/drawing/2010/main">
+                <a:solidFill>
+                  <a:srgbClr val="FFFFFF"/>
+                </a:solidFill>
+              </a14:hiddenFill>
+            </a:ext>
+            <a:ext uri="{91240B29-F687-4F45-9708-019B960494DF}">
+              <a14:hiddenLine xmlns:a14="http://schemas.microsoft.com/office/drawing/2010/main" w="9525">
+                <a:solidFill>
+                  <a:srgbClr val="000000"/>
+                </a:solidFill>
+                <a:miter lim="800000"/>
+                <a:headEnd/>
+                <a:tailEnd/>
+              </a14:hiddenLine>
+            </a:ext>
+          </a:extLst>
+        </p:spPr>
+      </p:pic>
+    </p:spTree>
+  </p:cSld>
+  <p:clrMapOvr>
+    <a:masterClrMapping/>
+  </p:clrMapOvr>
+  <p:transition advClick="0"/>
+  <p:timing>
+    <p:tnLst>
+      <p:par>
+        <p:cTn id="1" dur="indefinite" restart="never" nodeType="tmRoot"/>
+      </p:par>
+    </p:tnLst>
+  </p:timing>
+</p:sld>
+</file>
+
+<file path=ppt/slides/slide19.xml><?xml version="1.0" encoding="utf-8"?>
+<p:sld xmlns:a="http://schemas.openxmlformats.org/drawingml/2006/main" xmlns:r="http://schemas.openxmlformats.org/officeDocument/2006/relationships" xmlns:p="http://schemas.openxmlformats.org/presentationml/2006/main">
+  <p:cSld>
+    <p:spTree>
+      <p:nvGrpSpPr>
+        <p:cNvPr id="1" name=""/>
+        <p:cNvGrpSpPr/>
+        <p:nvPr/>
+      </p:nvGrpSpPr>
+      <p:grpSpPr>
+        <a:xfrm>
+          <a:off x="0" y="0"/>
+          <a:ext cx="0" cy="0"/>
+          <a:chOff x="0" y="0"/>
+          <a:chExt cx="0" cy="0"/>
+        </a:xfrm>
+      </p:grpSpPr>
+      <p:sp>
+        <p:nvSpPr>
+          <p:cNvPr id="5123" name="AutoShape 6"/>
+          <p:cNvSpPr>
+            <a:spLocks noChangeArrowheads="1"/>
+          </p:cNvSpPr>
+          <p:nvPr/>
+        </p:nvSpPr>
+        <p:spPr bwMode="auto">
+          <a:xfrm>
+            <a:off x="2566988" y="1339851"/>
+            <a:ext cx="6711950" cy="4214813"/>
+          </a:xfrm>
+          <a:prstGeom prst="roundRect">
+            <a:avLst>
+              <a:gd name="adj" fmla="val 16667"/>
+            </a:avLst>
+          </a:prstGeom>
+          <a:noFill/>
+          <a:ln w="28575">
+            <a:solidFill>
+              <a:srgbClr val="C0C0C0"/>
+            </a:solidFill>
+            <a:prstDash val="sysDot"/>
+            <a:round/>
+          </a:ln>
+          <a:extLst>
+            <a:ext uri="{909E8E84-426E-40DD-AFC4-6F175D3DCCD1}">
+              <a14:hiddenFill xmlns:a14="http://schemas.microsoft.com/office/drawing/2010/main">
+                <a:solidFill>
+                  <a:srgbClr val="FFFFFF"/>
+                </a:solidFill>
+              </a14:hiddenFill>
+            </a:ext>
+          </a:extLst>
+        </p:spPr>
+        <p:txBody>
+          <a:bodyPr wrap="none" anchor="ctr"/>
+          <a:lstStyle>
+            <a:lvl1pPr marL="457200" indent="-457200">
+              <a:defRPr sz="3200">
+                <a:solidFill>
+                  <a:schemeClr val="tx1"/>
+                </a:solidFill>
+                <a:latin typeface="Arial" panose="020B0604020202020204" pitchFamily="34" charset="0"/>
+                <a:ea typeface="微软雅黑" panose="020B0503020204020204" pitchFamily="34" charset="-122"/>
+              </a:defRPr>
+            </a:lvl1pPr>
+            <a:lvl2pPr marL="742950" indent="-285750">
+              <a:defRPr sz="3200">
+                <a:solidFill>
+                  <a:schemeClr val="tx1"/>
+                </a:solidFill>
+                <a:latin typeface="Arial" panose="020B0604020202020204" pitchFamily="34" charset="0"/>
+                <a:ea typeface="微软雅黑" panose="020B0503020204020204" pitchFamily="34" charset="-122"/>
+              </a:defRPr>
+            </a:lvl2pPr>
+            <a:lvl3pPr marL="1143000" indent="-228600">
+              <a:defRPr sz="3200">
+                <a:solidFill>
+                  <a:schemeClr val="tx1"/>
+                </a:solidFill>
+                <a:latin typeface="Arial" panose="020B0604020202020204" pitchFamily="34" charset="0"/>
+                <a:ea typeface="微软雅黑" panose="020B0503020204020204" pitchFamily="34" charset="-122"/>
+              </a:defRPr>
+            </a:lvl3pPr>
+            <a:lvl4pPr marL="1600200" indent="-228600">
+              <a:defRPr sz="3200">
+                <a:solidFill>
+                  <a:schemeClr val="tx1"/>
+                </a:solidFill>
+                <a:latin typeface="Arial" panose="020B0604020202020204" pitchFamily="34" charset="0"/>
+                <a:ea typeface="微软雅黑" panose="020B0503020204020204" pitchFamily="34" charset="-122"/>
+              </a:defRPr>
+            </a:lvl4pPr>
+            <a:lvl5pPr marL="2057400" indent="-228600">
+              <a:defRPr sz="3200">
+                <a:solidFill>
+                  <a:schemeClr val="tx1"/>
+                </a:solidFill>
+                <a:latin typeface="Arial" panose="020B0604020202020204" pitchFamily="34" charset="0"/>
+                <a:ea typeface="微软雅黑" panose="020B0503020204020204" pitchFamily="34" charset="-122"/>
+              </a:defRPr>
+            </a:lvl5pPr>
+            <a:lvl6pPr marL="2514600" indent="-228600" eaLnBrk="0" fontAlgn="base" hangingPunct="0">
+              <a:spcBef>
+                <a:spcPct val="0"/>
+              </a:spcBef>
+              <a:spcAft>
+                <a:spcPct val="0"/>
+              </a:spcAft>
+              <a:defRPr sz="3200">
+                <a:solidFill>
+                  <a:schemeClr val="tx1"/>
+                </a:solidFill>
+                <a:latin typeface="Arial" panose="020B0604020202020204" pitchFamily="34" charset="0"/>
+                <a:ea typeface="微软雅黑" panose="020B0503020204020204" pitchFamily="34" charset="-122"/>
+              </a:defRPr>
+            </a:lvl6pPr>
+            <a:lvl7pPr marL="2971800" indent="-228600" eaLnBrk="0" fontAlgn="base" hangingPunct="0">
+              <a:spcBef>
+                <a:spcPct val="0"/>
+              </a:spcBef>
+              <a:spcAft>
+                <a:spcPct val="0"/>
+              </a:spcAft>
+              <a:defRPr sz="3200">
+                <a:solidFill>
+                  <a:schemeClr val="tx1"/>
+                </a:solidFill>
+                <a:latin typeface="Arial" panose="020B0604020202020204" pitchFamily="34" charset="0"/>
+                <a:ea typeface="微软雅黑" panose="020B0503020204020204" pitchFamily="34" charset="-122"/>
+              </a:defRPr>
+            </a:lvl7pPr>
+            <a:lvl8pPr marL="3429000" indent="-228600" eaLnBrk="0" fontAlgn="base" hangingPunct="0">
+              <a:spcBef>
+                <a:spcPct val="0"/>
+              </a:spcBef>
+              <a:spcAft>
+                <a:spcPct val="0"/>
+              </a:spcAft>
+              <a:defRPr sz="3200">
+                <a:solidFill>
+                  <a:schemeClr val="tx1"/>
+                </a:solidFill>
+                <a:latin typeface="Arial" panose="020B0604020202020204" pitchFamily="34" charset="0"/>
+                <a:ea typeface="微软雅黑" panose="020B0503020204020204" pitchFamily="34" charset="-122"/>
+              </a:defRPr>
+            </a:lvl8pPr>
+            <a:lvl9pPr marL="3886200" indent="-228600" eaLnBrk="0" fontAlgn="base" hangingPunct="0">
+              <a:spcBef>
+                <a:spcPct val="0"/>
+              </a:spcBef>
+              <a:spcAft>
+                <a:spcPct val="0"/>
+              </a:spcAft>
+              <a:defRPr sz="3200">
+                <a:solidFill>
+                  <a:schemeClr val="tx1"/>
+                </a:solidFill>
+                <a:latin typeface="Arial" panose="020B0604020202020204" pitchFamily="34" charset="0"/>
+                <a:ea typeface="微软雅黑" panose="020B0503020204020204" pitchFamily="34" charset="-122"/>
+              </a:defRPr>
+            </a:lvl9pPr>
+          </a:lstStyle>
+          <a:p>
+            <a:pPr algn="l">
               <a:lnSpc>
-                <a:spcPct val="130000"/>
+                <a:spcPct val="150000"/>
               </a:lnSpc>
+              <a:spcBef>
+                <a:spcPts val="1200"/>
+              </a:spcBef>
+              <a:spcAft>
+                <a:spcPts val="1200"/>
+              </a:spcAft>
+              <a:buClr>
+                <a:srgbClr val="92D050"/>
+              </a:buClr>
+              <a:buFont typeface="Wingdings" panose="05000000000000000000" pitchFamily="2" charset="2"/>
+              <a:buChar char="Ø"/>
             </a:pPr>
             <a:r>
-              <a:rPr kumimoji="0" lang="en-US" altLang="zh-CN" sz="3200" dirty="0" smtClean="0">
-                <a:solidFill>
-                  <a:schemeClr val="tx1"/>
-                </a:solidFill>
-                <a:sym typeface="+mn-ea"/>
-              </a:rPr>
-              <a:t> https://developer.mozilla.org/zh-CN/docs/Web/JavaScript/Reference/Global_Objects/Array</a:t>
-            </a:r>
-            <a:endParaRPr kumimoji="0" lang="en-US" altLang="zh-CN" sz="3200" dirty="0" smtClean="0">
+              <a:rPr lang="en-US" altLang="zh-CN" sz="2800" b="1">
+                <a:solidFill>
+                  <a:schemeClr val="tx1"/>
+                </a:solidFill>
+                <a:sym typeface="+mn-ea"/>
+              </a:rPr>
+              <a:t>JS</a:t>
+            </a:r>
+            <a:r>
+              <a:rPr lang="zh-CN" altLang="en-US" sz="2800" b="1">
+                <a:solidFill>
+                  <a:schemeClr val="tx1"/>
+                </a:solidFill>
+                <a:sym typeface="+mn-ea"/>
+              </a:rPr>
+              <a:t>异常处理</a:t>
+            </a:r>
+            <a:endParaRPr lang="zh-CN" altLang="en-US" sz="2800" b="1">
               <a:solidFill>
                 <a:schemeClr val="tx1"/>
               </a:solidFill>
@@ -5260,69 +7472,264 @@
             </a:endParaRPr>
           </a:p>
           <a:p>
-            <a:pPr>
+            <a:pPr algn="l">
               <a:lnSpc>
-                <a:spcPct val="130000"/>
+                <a:spcPct val="150000"/>
               </a:lnSpc>
+              <a:spcBef>
+                <a:spcPts val="1200"/>
+              </a:spcBef>
+              <a:spcAft>
+                <a:spcPts val="1200"/>
+              </a:spcAft>
+              <a:buClr>
+                <a:srgbClr val="92D050"/>
+              </a:buClr>
+              <a:buFont typeface="Wingdings" panose="05000000000000000000" pitchFamily="2" charset="2"/>
+              <a:buChar char="Ø"/>
             </a:pPr>
-            <a:endParaRPr kumimoji="0" lang="zh-CN" altLang="en-US" sz="3200" dirty="0" smtClean="0">
+            <a:r>
+              <a:rPr lang="en-US" altLang="zh-CN" sz="2800" b="1">
+                <a:solidFill>
+                  <a:schemeClr val="tx1"/>
+                </a:solidFill>
+                <a:sym typeface="+mn-ea"/>
+              </a:rPr>
+              <a:t>Error</a:t>
+            </a:r>
+            <a:r>
+              <a:rPr lang="zh-CN" altLang="en-US" sz="2800" b="1">
+                <a:solidFill>
+                  <a:schemeClr val="tx1"/>
+                </a:solidFill>
+                <a:sym typeface="+mn-ea"/>
+              </a:rPr>
+              <a:t>对象</a:t>
+            </a:r>
+            <a:endParaRPr lang="zh-CN" altLang="en-US" sz="2800" b="1">
               <a:solidFill>
                 <a:schemeClr val="tx1"/>
               </a:solidFill>
               <a:sym typeface="+mn-ea"/>
             </a:endParaRPr>
           </a:p>
-          <a:p>
-            <a:pPr eaLnBrk="1" hangingPunct="1">
-              <a:lnSpc>
-                <a:spcPct val="150000"/>
-              </a:lnSpc>
-            </a:pPr>
-            <a:endParaRPr kumimoji="0" lang="en-US" altLang="zh-CN" sz="3600" dirty="0" smtClean="0">
-              <a:solidFill>
-                <a:schemeClr val="tx1"/>
-              </a:solidFill>
-            </a:endParaRPr>
-          </a:p>
-          <a:p>
-            <a:pPr eaLnBrk="1" hangingPunct="1">
-              <a:lnSpc>
-                <a:spcPct val="150000"/>
-              </a:lnSpc>
-            </a:pPr>
-            <a:endParaRPr kumimoji="0" lang="zh-CN" altLang="en-US" dirty="0" smtClean="0">
-              <a:solidFill>
-                <a:schemeClr val="tx1"/>
-              </a:solidFill>
-            </a:endParaRPr>
-          </a:p>
         </p:txBody>
       </p:sp>
       <p:sp>
         <p:nvSpPr>
-          <p:cNvPr id="2" name="内容占位符 1"/>
-          <p:cNvSpPr>
-            <a:spLocks noGrp="1"/>
-          </p:cNvSpPr>
-          <p:nvPr>
-            <p:ph sz="quarter" idx="11"/>
-          </p:nvPr>
+          <p:cNvPr id="4" name="内容占位符 3"/>
+          <p:cNvSpPr txBox="1"/>
+          <p:nvPr/>
         </p:nvSpPr>
         <p:spPr>
           <a:xfrm>
-            <a:off x="947420" y="308610"/>
-            <a:ext cx="8415655" cy="490220"/>
+            <a:off x="981657" y="236943"/>
+            <a:ext cx="8191557" cy="490476"/>
           </a:xfrm>
+          <a:prstGeom prst="rect">
+            <a:avLst/>
+          </a:prstGeom>
         </p:spPr>
         <p:txBody>
           <a:bodyPr/>
-          <a:lstStyle/>
-          <a:p>
-            <a:r>
-              <a:rPr kumimoji="0" lang="zh-CN" dirty="0"/>
-              <a:t>参考链接</a:t>
-            </a:r>
-            <a:endParaRPr kumimoji="0" lang="zh-CN" dirty="0"/>
+          <a:lstStyle>
+            <a:lvl1pPr marL="167005" indent="-167005" algn="l" defTabSz="0" rtl="0" eaLnBrk="0" fontAlgn="base" hangingPunct="0">
+              <a:spcBef>
+                <a:spcPct val="0"/>
+              </a:spcBef>
+              <a:spcAft>
+                <a:spcPct val="15000"/>
+              </a:spcAft>
+              <a:buClr>
+                <a:schemeClr val="tx2"/>
+              </a:buClr>
+              <a:buFont typeface="Arial" panose="020B0604020202020204" pitchFamily="34" charset="0"/>
+              <a:buChar char="•"/>
+              <a:defRPr kumimoji="1" sz="1600">
+                <a:solidFill>
+                  <a:srgbClr val="006F53"/>
+                </a:solidFill>
+                <a:latin typeface="微软雅黑" panose="020B0503020204020204" pitchFamily="34" charset="-122"/>
+                <a:ea typeface="微软雅黑" panose="020B0503020204020204" pitchFamily="34" charset="-122"/>
+                <a:cs typeface="微软雅黑" panose="020B0503020204020204" pitchFamily="34" charset="-122"/>
+              </a:defRPr>
+            </a:lvl1pPr>
+            <a:lvl2pPr marL="398780" indent="-230505" algn="l" defTabSz="0" rtl="0" eaLnBrk="0" fontAlgn="base" hangingPunct="0">
+              <a:spcBef>
+                <a:spcPct val="0"/>
+              </a:spcBef>
+              <a:spcAft>
+                <a:spcPct val="15000"/>
+              </a:spcAft>
+              <a:buClr>
+                <a:schemeClr val="tx2"/>
+              </a:buClr>
+              <a:buFont typeface="Arial" panose="020B0604020202020204" pitchFamily="34" charset="0"/>
+              <a:buChar char="–"/>
+              <a:defRPr kumimoji="1" sz="2800">
+                <a:solidFill>
+                  <a:schemeClr val="bg2"/>
+                </a:solidFill>
+                <a:latin typeface="微软雅黑" panose="020B0503020204020204" pitchFamily="34" charset="-122"/>
+                <a:ea typeface="微软雅黑" panose="020B0503020204020204" pitchFamily="34" charset="-122"/>
+                <a:cs typeface="微软雅黑" panose="020B0503020204020204" pitchFamily="34" charset="-122"/>
+              </a:defRPr>
+            </a:lvl2pPr>
+            <a:lvl3pPr marL="400050" indent="182880" algn="l" defTabSz="0" rtl="0" eaLnBrk="0" fontAlgn="base" hangingPunct="0">
+              <a:spcBef>
+                <a:spcPct val="0"/>
+              </a:spcBef>
+              <a:spcAft>
+                <a:spcPct val="15000"/>
+              </a:spcAft>
+              <a:buClr>
+                <a:schemeClr val="tx2"/>
+              </a:buClr>
+              <a:buFont typeface="Arial" panose="020B0604020202020204" pitchFamily="34" charset="0"/>
+              <a:buChar char="•"/>
+              <a:defRPr kumimoji="1" sz="1600">
+                <a:solidFill>
+                  <a:schemeClr val="bg2"/>
+                </a:solidFill>
+                <a:latin typeface="微软雅黑" panose="020B0503020204020204" pitchFamily="34" charset="-122"/>
+                <a:ea typeface="微软雅黑" panose="020B0503020204020204" pitchFamily="34" charset="-122"/>
+                <a:cs typeface="微软雅黑" panose="020B0503020204020204" pitchFamily="34" charset="-122"/>
+              </a:defRPr>
+            </a:lvl3pPr>
+            <a:lvl4pPr marL="825500" indent="-241300" algn="l" defTabSz="0" rtl="0" eaLnBrk="0" fontAlgn="base" hangingPunct="0">
+              <a:spcBef>
+                <a:spcPct val="0"/>
+              </a:spcBef>
+              <a:spcAft>
+                <a:spcPct val="15000"/>
+              </a:spcAft>
+              <a:buClr>
+                <a:schemeClr val="tx2"/>
+              </a:buClr>
+              <a:buFont typeface="Arial" panose="020B0604020202020204" pitchFamily="34" charset="0"/>
+              <a:buChar char="–"/>
+              <a:defRPr kumimoji="1" sz="1600">
+                <a:solidFill>
+                  <a:schemeClr val="bg2"/>
+                </a:solidFill>
+                <a:latin typeface="微软雅黑" panose="020B0503020204020204" pitchFamily="34" charset="-122"/>
+                <a:ea typeface="微软雅黑" panose="020B0503020204020204" pitchFamily="34" charset="-122"/>
+                <a:cs typeface="微软雅黑" panose="020B0503020204020204" pitchFamily="34" charset="-122"/>
+              </a:defRPr>
+            </a:lvl4pPr>
+            <a:lvl5pPr marL="2057400" indent="-228600" algn="l" defTabSz="0" rtl="0" eaLnBrk="0" fontAlgn="base" hangingPunct="0">
+              <a:spcBef>
+                <a:spcPct val="0"/>
+              </a:spcBef>
+              <a:spcAft>
+                <a:spcPct val="25000"/>
+              </a:spcAft>
+              <a:buClr>
+                <a:schemeClr val="tx2"/>
+              </a:buClr>
+              <a:buFont typeface="Arial" panose="020B0604020202020204" pitchFamily="34" charset="0"/>
+              <a:buChar char="–"/>
+              <a:defRPr kumimoji="1" sz="2000">
+                <a:solidFill>
+                  <a:schemeClr val="tx1"/>
+                </a:solidFill>
+                <a:latin typeface="+mn-lt"/>
+                <a:ea typeface="微软雅黑" panose="020B0503020204020204" pitchFamily="34" charset="-122"/>
+                <a:cs typeface="微软雅黑" panose="020B0503020204020204" pitchFamily="34" charset="-122"/>
+              </a:defRPr>
+            </a:lvl5pPr>
+            <a:lvl6pPr marL="2514600" indent="-228600" algn="l" defTabSz="0" rtl="0" eaLnBrk="0" fontAlgn="base" hangingPunct="0">
+              <a:spcBef>
+                <a:spcPct val="0"/>
+              </a:spcBef>
+              <a:spcAft>
+                <a:spcPct val="25000"/>
+              </a:spcAft>
+              <a:buClr>
+                <a:schemeClr val="tx2"/>
+              </a:buClr>
+              <a:buFont typeface="Arial" panose="020B0604020202020204" pitchFamily="34" charset="0"/>
+              <a:buChar char="–"/>
+              <a:defRPr>
+                <a:solidFill>
+                  <a:schemeClr val="tx1"/>
+                </a:solidFill>
+                <a:latin typeface="+mn-lt"/>
+              </a:defRPr>
+            </a:lvl6pPr>
+            <a:lvl7pPr marL="2971800" indent="-228600" algn="l" defTabSz="0" rtl="0" eaLnBrk="0" fontAlgn="base" hangingPunct="0">
+              <a:spcBef>
+                <a:spcPct val="0"/>
+              </a:spcBef>
+              <a:spcAft>
+                <a:spcPct val="25000"/>
+              </a:spcAft>
+              <a:buClr>
+                <a:schemeClr val="tx2"/>
+              </a:buClr>
+              <a:buFont typeface="Arial" panose="020B0604020202020204" pitchFamily="34" charset="0"/>
+              <a:buChar char="–"/>
+              <a:defRPr>
+                <a:solidFill>
+                  <a:schemeClr val="tx1"/>
+                </a:solidFill>
+                <a:latin typeface="+mn-lt"/>
+              </a:defRPr>
+            </a:lvl7pPr>
+            <a:lvl8pPr marL="3429000" indent="-228600" algn="l" defTabSz="0" rtl="0" eaLnBrk="0" fontAlgn="base" hangingPunct="0">
+              <a:spcBef>
+                <a:spcPct val="0"/>
+              </a:spcBef>
+              <a:spcAft>
+                <a:spcPct val="25000"/>
+              </a:spcAft>
+              <a:buClr>
+                <a:schemeClr val="tx2"/>
+              </a:buClr>
+              <a:buFont typeface="Arial" panose="020B0604020202020204" pitchFamily="34" charset="0"/>
+              <a:buChar char="–"/>
+              <a:defRPr>
+                <a:solidFill>
+                  <a:schemeClr val="tx1"/>
+                </a:solidFill>
+                <a:latin typeface="+mn-lt"/>
+              </a:defRPr>
+            </a:lvl8pPr>
+            <a:lvl9pPr marL="3886200" indent="-228600" algn="l" defTabSz="0" rtl="0" eaLnBrk="0" fontAlgn="base" hangingPunct="0">
+              <a:spcBef>
+                <a:spcPct val="0"/>
+              </a:spcBef>
+              <a:spcAft>
+                <a:spcPct val="25000"/>
+              </a:spcAft>
+              <a:buClr>
+                <a:schemeClr val="tx2"/>
+              </a:buClr>
+              <a:buFont typeface="Arial" panose="020B0604020202020204" pitchFamily="34" charset="0"/>
+              <a:buChar char="–"/>
+              <a:defRPr>
+                <a:solidFill>
+                  <a:schemeClr val="tx1"/>
+                </a:solidFill>
+                <a:latin typeface="+mn-lt"/>
+              </a:defRPr>
+            </a:lvl9pPr>
+          </a:lstStyle>
+          <a:p>
+            <a:pPr marL="0" indent="0">
+              <a:buNone/>
+            </a:pPr>
+            <a:r>
+              <a:rPr lang="zh-CN" altLang="en-US" sz="3200" dirty="0" smtClean="0">
+                <a:solidFill>
+                  <a:srgbClr val="C00000"/>
+                </a:solidFill>
+                <a:cs typeface="+mn-cs"/>
+                <a:sym typeface="+mn-ea"/>
+              </a:rPr>
+              <a:t>内容提纲</a:t>
+            </a:r>
+            <a:endParaRPr lang="zh-CN" altLang="en-US" kern="0" dirty="0"/>
           </a:p>
         </p:txBody>
       </p:sp>
@@ -5714,6 +8121,370 @@
     <a:masterClrMapping/>
   </p:clrMapOvr>
   <p:transition advClick="0"/>
+  <p:timing>
+    <p:tnLst>
+      <p:par>
+        <p:cTn id="1" dur="indefinite" restart="never" nodeType="tmRoot"/>
+      </p:par>
+    </p:tnLst>
+  </p:timing>
+</p:sld>
+</file>
+
+<file path=ppt/slides/slide20.xml><?xml version="1.0" encoding="utf-8"?>
+<p:sld xmlns:a="http://schemas.openxmlformats.org/drawingml/2006/main" xmlns:r="http://schemas.openxmlformats.org/officeDocument/2006/relationships" xmlns:p="http://schemas.openxmlformats.org/presentationml/2006/main">
+  <p:cSld>
+    <p:spTree>
+      <p:nvGrpSpPr>
+        <p:cNvPr id="1" name=""/>
+        <p:cNvGrpSpPr/>
+        <p:nvPr/>
+      </p:nvGrpSpPr>
+      <p:grpSpPr>
+        <a:xfrm>
+          <a:off x="0" y="0"/>
+          <a:ext cx="0" cy="0"/>
+          <a:chOff x="0" y="0"/>
+          <a:chExt cx="0" cy="0"/>
+        </a:xfrm>
+      </p:grpSpPr>
+      <p:pic>
+        <p:nvPicPr>
+          <p:cNvPr id="38914" name="Picture 5"/>
+          <p:cNvPicPr>
+            <a:picLocks noChangeAspect="1" noChangeArrowheads="1"/>
+          </p:cNvPicPr>
+          <p:nvPr/>
+        </p:nvPicPr>
+        <p:blipFill>
+          <a:blip r:embed="rId1">
+            <a:extLst>
+              <a:ext uri="{28A0092B-C50C-407E-A947-70E740481C1C}">
+                <a14:useLocalDpi xmlns:a14="http://schemas.microsoft.com/office/drawing/2010/main" val="0"/>
+              </a:ext>
+            </a:extLst>
+          </a:blip>
+          <a:srcRect/>
+          <a:stretch>
+            <a:fillRect/>
+          </a:stretch>
+        </p:blipFill>
+        <p:spPr bwMode="auto">
+          <a:xfrm>
+            <a:off x="0" y="0"/>
+            <a:ext cx="12192000" cy="6858000"/>
+          </a:xfrm>
+          <a:prstGeom prst="rect">
+            <a:avLst/>
+          </a:prstGeom>
+          <a:noFill/>
+          <a:ln>
+            <a:noFill/>
+          </a:ln>
+          <a:extLst>
+            <a:ext uri="{909E8E84-426E-40DD-AFC4-6F175D3DCCD1}">
+              <a14:hiddenFill xmlns:a14="http://schemas.microsoft.com/office/drawing/2010/main">
+                <a:solidFill>
+                  <a:srgbClr val="FFFFFF"/>
+                </a:solidFill>
+              </a14:hiddenFill>
+            </a:ext>
+            <a:ext uri="{91240B29-F687-4F45-9708-019B960494DF}">
+              <a14:hiddenLine xmlns:a14="http://schemas.microsoft.com/office/drawing/2010/main" w="9525">
+                <a:solidFill>
+                  <a:srgbClr val="000000"/>
+                </a:solidFill>
+                <a:miter lim="800000"/>
+                <a:headEnd/>
+                <a:tailEnd/>
+              </a14:hiddenLine>
+            </a:ext>
+          </a:extLst>
+        </p:spPr>
+      </p:pic>
+      <p:sp>
+        <p:nvSpPr>
+          <p:cNvPr id="38915" name="Rectangle 6"/>
+          <p:cNvSpPr>
+            <a:spLocks noGrp="1" noChangeArrowheads="1"/>
+          </p:cNvSpPr>
+          <p:nvPr>
+            <p:ph type="ctrTitle" idx="4294967295"/>
+          </p:nvPr>
+        </p:nvSpPr>
+        <p:spPr bwMode="auto">
+          <a:xfrm>
+            <a:off x="2547041" y="3068835"/>
+            <a:ext cx="7097918" cy="1285875"/>
+          </a:xfrm>
+          <a:prstGeom prst="rect">
+            <a:avLst/>
+          </a:prstGeom>
+          <a:noFill/>
+          <a:extLst>
+            <a:ext uri="{909E8E84-426E-40DD-AFC4-6F175D3DCCD1}">
+              <a14:hiddenFill xmlns:a14="http://schemas.microsoft.com/office/drawing/2010/main">
+                <a:solidFill>
+                  <a:srgbClr val="FFFFFF"/>
+                </a:solidFill>
+              </a14:hiddenFill>
+            </a:ext>
+            <a:ext uri="{91240B29-F687-4F45-9708-019B960494DF}">
+              <a14:hiddenLine xmlns:a14="http://schemas.microsoft.com/office/drawing/2010/main" w="9525">
+                <a:solidFill>
+                  <a:srgbClr val="000000"/>
+                </a:solidFill>
+                <a:miter lim="800000"/>
+                <a:headEnd/>
+                <a:tailEnd/>
+              </a14:hiddenLine>
+            </a:ext>
+          </a:extLst>
+        </p:spPr>
+        <p:txBody>
+          <a:bodyPr anchor="b"/>
+          <a:lstStyle/>
+          <a:p>
+            <a:pPr algn="ctr" eaLnBrk="1" hangingPunct="1"/>
+            <a:r>
+              <a:rPr kumimoji="0" lang="en-US" altLang="zh-CN" sz="5400" dirty="0"/>
+              <a:t>Thank </a:t>
+            </a:r>
+            <a:r>
+              <a:rPr kumimoji="0" lang="en-US" altLang="zh-CN" sz="5400" dirty="0">
+                <a:solidFill>
+                  <a:srgbClr val="FF0000"/>
+                </a:solidFill>
+              </a:rPr>
+              <a:t>You</a:t>
+            </a:r>
+            <a:r>
+              <a:rPr kumimoji="0" lang="zh-CN" altLang="en-US" sz="5400" dirty="0"/>
+              <a:t>！</a:t>
+            </a:r>
+            <a:endParaRPr kumimoji="0" lang="zh-CN" altLang="zh-CN" sz="5400" dirty="0"/>
+          </a:p>
+        </p:txBody>
+      </p:sp>
+      <p:pic>
+        <p:nvPicPr>
+          <p:cNvPr id="38916" name="图片 3" descr="软院logo横版.png"/>
+          <p:cNvPicPr>
+            <a:picLocks noChangeAspect="1"/>
+          </p:cNvPicPr>
+          <p:nvPr/>
+        </p:nvPicPr>
+        <p:blipFill>
+          <a:blip r:embed="rId2">
+            <a:extLst>
+              <a:ext uri="{28A0092B-C50C-407E-A947-70E740481C1C}">
+                <a14:useLocalDpi xmlns:a14="http://schemas.microsoft.com/office/drawing/2010/main" val="0"/>
+              </a:ext>
+            </a:extLst>
+          </a:blip>
+          <a:srcRect/>
+          <a:stretch>
+            <a:fillRect/>
+          </a:stretch>
+        </p:blipFill>
+        <p:spPr bwMode="auto">
+          <a:xfrm>
+            <a:off x="2062164" y="5927725"/>
+            <a:ext cx="3381375" cy="527050"/>
+          </a:xfrm>
+          <a:prstGeom prst="rect">
+            <a:avLst/>
+          </a:prstGeom>
+          <a:noFill/>
+          <a:ln>
+            <a:noFill/>
+          </a:ln>
+          <a:extLst>
+            <a:ext uri="{909E8E84-426E-40DD-AFC4-6F175D3DCCD1}">
+              <a14:hiddenFill xmlns:a14="http://schemas.microsoft.com/office/drawing/2010/main">
+                <a:solidFill>
+                  <a:srgbClr val="FFFFFF"/>
+                </a:solidFill>
+              </a14:hiddenFill>
+            </a:ext>
+            <a:ext uri="{91240B29-F687-4F45-9708-019B960494DF}">
+              <a14:hiddenLine xmlns:a14="http://schemas.microsoft.com/office/drawing/2010/main" w="9525">
+                <a:solidFill>
+                  <a:srgbClr val="000000"/>
+                </a:solidFill>
+                <a:miter lim="800000"/>
+                <a:headEnd/>
+                <a:tailEnd/>
+              </a14:hiddenLine>
+            </a:ext>
+          </a:extLst>
+        </p:spPr>
+      </p:pic>
+    </p:spTree>
+  </p:cSld>
+  <p:clrMapOvr>
+    <a:masterClrMapping/>
+  </p:clrMapOvr>
+  <p:timing>
+    <p:tnLst>
+      <p:par>
+        <p:cTn id="1" dur="indefinite" restart="never" nodeType="tmRoot"/>
+      </p:par>
+    </p:tnLst>
+  </p:timing>
+</p:sld>
+</file>
+
+<file path=ppt/slides/slide21.xml><?xml version="1.0" encoding="utf-8"?>
+<p:sld xmlns:a="http://schemas.openxmlformats.org/drawingml/2006/main" xmlns:r="http://schemas.openxmlformats.org/officeDocument/2006/relationships" xmlns:p="http://schemas.openxmlformats.org/presentationml/2006/main">
+  <p:cSld>
+    <p:spTree>
+      <p:nvGrpSpPr>
+        <p:cNvPr id="1" name=""/>
+        <p:cNvGrpSpPr/>
+        <p:nvPr/>
+      </p:nvGrpSpPr>
+      <p:grpSpPr>
+        <a:xfrm>
+          <a:off x="0" y="0"/>
+          <a:ext cx="0" cy="0"/>
+          <a:chOff x="0" y="0"/>
+          <a:chExt cx="0" cy="0"/>
+        </a:xfrm>
+      </p:grpSpPr>
+      <p:sp>
+        <p:nvSpPr>
+          <p:cNvPr id="11266" name="内容占位符 1"/>
+          <p:cNvSpPr>
+            <a:spLocks noGrp="1"/>
+          </p:cNvSpPr>
+          <p:nvPr>
+            <p:ph sz="quarter" idx="10"/>
+          </p:nvPr>
+        </p:nvSpPr>
+        <p:spPr bwMode="auto">
+          <a:xfrm>
+            <a:off x="947420" y="940435"/>
+            <a:ext cx="10493375" cy="5115560"/>
+          </a:xfrm>
+          <a:noFill/>
+          <a:extLst>
+            <a:ext uri="{909E8E84-426E-40DD-AFC4-6F175D3DCCD1}">
+              <a14:hiddenFill xmlns:a14="http://schemas.microsoft.com/office/drawing/2010/main">
+                <a:solidFill>
+                  <a:srgbClr val="FFFFFF"/>
+                </a:solidFill>
+              </a14:hiddenFill>
+            </a:ext>
+            <a:ext uri="{91240B29-F687-4F45-9708-019B960494DF}">
+              <a14:hiddenLine xmlns:a14="http://schemas.microsoft.com/office/drawing/2010/main" w="9525">
+                <a:solidFill>
+                  <a:srgbClr val="000000"/>
+                </a:solidFill>
+                <a:miter lim="800000"/>
+                <a:headEnd/>
+                <a:tailEnd/>
+              </a14:hiddenLine>
+            </a:ext>
+          </a:extLst>
+        </p:spPr>
+        <p:txBody>
+          <a:bodyPr vert="horz" wrap="square" lIns="91440" tIns="45720" rIns="91440" bIns="45720" numCol="1" anchor="t" anchorCtr="0" compatLnSpc="1"/>
+          <a:lstStyle/>
+          <a:p>
+            <a:pPr>
+              <a:lnSpc>
+                <a:spcPct val="130000"/>
+              </a:lnSpc>
+            </a:pPr>
+            <a:r>
+              <a:rPr kumimoji="0" lang="en-US" altLang="zh-CN" sz="3200" dirty="0" smtClean="0">
+                <a:solidFill>
+                  <a:schemeClr val="tx1"/>
+                </a:solidFill>
+                <a:sym typeface="+mn-ea"/>
+              </a:rPr>
+              <a:t> https://developer.mozilla.org/zh-CN/docs/Web/JavaScript/Reference/Global_Objects/Array</a:t>
+            </a:r>
+            <a:endParaRPr kumimoji="0" lang="en-US" altLang="zh-CN" sz="3200" dirty="0" smtClean="0">
+              <a:solidFill>
+                <a:schemeClr val="tx1"/>
+              </a:solidFill>
+              <a:sym typeface="+mn-ea"/>
+            </a:endParaRPr>
+          </a:p>
+          <a:p>
+            <a:pPr>
+              <a:lnSpc>
+                <a:spcPct val="130000"/>
+              </a:lnSpc>
+            </a:pPr>
+            <a:endParaRPr kumimoji="0" lang="zh-CN" altLang="en-US" sz="3200" dirty="0" smtClean="0">
+              <a:solidFill>
+                <a:schemeClr val="tx1"/>
+              </a:solidFill>
+              <a:sym typeface="+mn-ea"/>
+            </a:endParaRPr>
+          </a:p>
+          <a:p>
+            <a:pPr eaLnBrk="1" hangingPunct="1">
+              <a:lnSpc>
+                <a:spcPct val="150000"/>
+              </a:lnSpc>
+            </a:pPr>
+            <a:endParaRPr kumimoji="0" lang="en-US" altLang="zh-CN" sz="3600" dirty="0" smtClean="0">
+              <a:solidFill>
+                <a:schemeClr val="tx1"/>
+              </a:solidFill>
+            </a:endParaRPr>
+          </a:p>
+          <a:p>
+            <a:pPr eaLnBrk="1" hangingPunct="1">
+              <a:lnSpc>
+                <a:spcPct val="150000"/>
+              </a:lnSpc>
+            </a:pPr>
+            <a:endParaRPr kumimoji="0" lang="zh-CN" altLang="en-US" dirty="0" smtClean="0">
+              <a:solidFill>
+                <a:schemeClr val="tx1"/>
+              </a:solidFill>
+            </a:endParaRPr>
+          </a:p>
+        </p:txBody>
+      </p:sp>
+      <p:sp>
+        <p:nvSpPr>
+          <p:cNvPr id="2" name="内容占位符 1"/>
+          <p:cNvSpPr>
+            <a:spLocks noGrp="1"/>
+          </p:cNvSpPr>
+          <p:nvPr>
+            <p:ph sz="quarter" idx="11"/>
+          </p:nvPr>
+        </p:nvSpPr>
+        <p:spPr>
+          <a:xfrm>
+            <a:off x="947420" y="308610"/>
+            <a:ext cx="8415655" cy="490220"/>
+          </a:xfrm>
+        </p:spPr>
+        <p:txBody>
+          <a:bodyPr/>
+          <a:lstStyle/>
+          <a:p>
+            <a:r>
+              <a:rPr kumimoji="0" lang="zh-CN" dirty="0"/>
+              <a:t>参考链接</a:t>
+            </a:r>
+            <a:endParaRPr kumimoji="0" lang="zh-CN" dirty="0"/>
+          </a:p>
+        </p:txBody>
+      </p:sp>
+    </p:spTree>
+  </p:cSld>
+  <p:clrMapOvr>
+    <a:masterClrMapping/>
+  </p:clrMapOvr>
   <p:timing>
     <p:tnLst>
       <p:par>

--- a/课程PPT/09.JavaScript标准内置对象-构造器（Array、Date、Error等）.pptx
+++ b/课程PPT/09.JavaScript标准内置对象-构造器（Array、Date、Error等）.pptx
@@ -4219,7 +4219,7 @@
         <p:spPr>
           <a:xfrm>
             <a:off x="927735" y="783590"/>
-            <a:ext cx="9776460" cy="4918710"/>
+            <a:ext cx="9776460" cy="5324475"/>
           </a:xfrm>
         </p:spPr>
         <p:txBody>
@@ -4238,7 +4238,43 @@
                 </a:solidFill>
                 <a:sym typeface="+mn-ea"/>
               </a:rPr>
-              <a:t>数组构造器方法（静态方法）</a:t>
+              <a:t>数组</a:t>
+            </a:r>
+            <a:r>
+              <a:rPr lang="zh-CN" altLang="en-US" sz="3200" dirty="0">
+                <a:solidFill>
+                  <a:schemeClr val="tx1"/>
+                </a:solidFill>
+                <a:sym typeface="+mn-ea"/>
+              </a:rPr>
+              <a:t>静态方法</a:t>
+            </a:r>
+            <a:r>
+              <a:rPr lang="zh-CN" altLang="en-US" sz="3200" dirty="0">
+                <a:solidFill>
+                  <a:schemeClr val="tx1"/>
+                </a:solidFill>
+                <a:sym typeface="+mn-ea"/>
+              </a:rPr>
+              <a:t>（</a:t>
+            </a:r>
+            <a:r>
+              <a:rPr lang="zh-CN" altLang="en-US" sz="3200" dirty="0">
+                <a:solidFill>
+                  <a:schemeClr val="tx1"/>
+                </a:solidFill>
+                <a:sym typeface="+mn-ea"/>
+              </a:rPr>
+              <a:t>构造器函数对象的方法</a:t>
+            </a:r>
+            <a:r>
+              <a:rPr lang="zh-CN" altLang="en-US" sz="3200" dirty="0">
+                <a:solidFill>
+                  <a:schemeClr val="tx1"/>
+                </a:solidFill>
+                <a:sym typeface="+mn-ea"/>
+              </a:rPr>
+              <a:t>）</a:t>
             </a:r>
             <a:br>
               <a:rPr lang="zh-CN" altLang="en-US" sz="3200" dirty="0">
@@ -4257,7 +4293,47 @@
               </a:rPr>
               <a:t>- Array.isArray(...);</a:t>
             </a:r>
-            <a:endParaRPr lang="en-US" altLang="zh-CN" sz="1800" dirty="0">
+            <a:br>
+              <a:rPr lang="en-US" altLang="zh-CN" sz="1800" dirty="0">
+                <a:solidFill>
+                  <a:schemeClr val="tx1"/>
+                </a:solidFill>
+                <a:sym typeface="+mn-ea"/>
+              </a:rPr>
+            </a:br>
+            <a:br>
+              <a:rPr lang="en-US" altLang="zh-CN" sz="1700" dirty="0">
+                <a:solidFill>
+                  <a:schemeClr val="tx1"/>
+                </a:solidFill>
+                <a:sym typeface="+mn-ea"/>
+              </a:rPr>
+            </a:br>
+            <a:br>
+              <a:rPr lang="en-US" altLang="zh-CN" sz="1700" dirty="0">
+                <a:solidFill>
+                  <a:schemeClr val="tx1"/>
+                </a:solidFill>
+                <a:sym typeface="+mn-ea"/>
+              </a:rPr>
+            </a:br>
+            <a:br>
+              <a:rPr lang="en-US" altLang="zh-CN" sz="1700" dirty="0">
+                <a:solidFill>
+                  <a:schemeClr val="tx1"/>
+                </a:solidFill>
+                <a:sym typeface="+mn-ea"/>
+              </a:rPr>
+            </a:br>
+            <a:br>
+              <a:rPr lang="en-US" altLang="zh-CN" sz="1700" dirty="0">
+                <a:solidFill>
+                  <a:schemeClr val="tx1"/>
+                </a:solidFill>
+                <a:sym typeface="+mn-ea"/>
+              </a:rPr>
+            </a:br>
+            <a:endParaRPr lang="en-US" altLang="zh-CN" sz="1700" dirty="0">
               <a:solidFill>
                 <a:schemeClr val="tx1"/>
               </a:solidFill>
@@ -4291,11 +4367,20 @@
             <a:r>
               <a:rPr lang="zh-CN" altLang="en-US" sz="3200" dirty="0">
                 <a:solidFill>
-                  <a:schemeClr val="tx1"/>
-                </a:solidFill>
-                <a:sym typeface="+mn-ea"/>
-              </a:rPr>
-              <a:t>破坏性）</a:t>
+                  <a:srgbClr val="FF0000"/>
+                </a:solidFill>
+                <a:sym typeface="+mn-ea"/>
+              </a:rPr>
+              <a:t>破坏性</a:t>
+            </a:r>
+            <a:r>
+              <a:rPr lang="zh-CN" altLang="en-US" sz="3200" dirty="0">
+                <a:solidFill>
+                  <a:schemeClr val="tx1"/>
+                </a:solidFill>
+                <a:sym typeface="+mn-ea"/>
+              </a:rPr>
+              <a:t>）</a:t>
             </a:r>
             <a:br>
               <a:rPr lang="zh-CN" altLang="en-US" sz="3200" dirty="0">
@@ -4312,7 +4397,7 @@
                 </a:solidFill>
                 <a:sym typeface="+mn-ea"/>
               </a:rPr>
-              <a:t>- Array.prototype.shift()</a:t>
+              <a:t>- Array.prototype.shift()    Array.prototype.unshift(elem1?,elem2?,...)</a:t>
             </a:r>
             <a:br>
               <a:rPr lang="en-US" altLang="zh-CN" sz="1800" dirty="0">
@@ -4329,41 +4414,7 @@
                 </a:solidFill>
                 <a:sym typeface="+mn-ea"/>
               </a:rPr>
-              <a:t>- Array.prototype.unshift(elem1?,elem2?,...)</a:t>
-            </a:r>
-            <a:br>
-              <a:rPr lang="en-US" altLang="zh-CN" sz="1800" dirty="0">
-                <a:solidFill>
-                  <a:schemeClr val="tx1"/>
-                </a:solidFill>
-                <a:sym typeface="+mn-ea"/>
-              </a:rPr>
-            </a:br>
-            <a:r>
-              <a:rPr lang="en-US" altLang="zh-CN" sz="1800" dirty="0">
-                <a:solidFill>
-                  <a:schemeClr val="tx1"/>
-                </a:solidFill>
-                <a:sym typeface="+mn-ea"/>
-              </a:rPr>
-              <a:t>- Array.prototype.pop()</a:t>
-            </a:r>
-            <a:br>
-              <a:rPr lang="en-US" altLang="zh-CN" sz="1800" dirty="0">
-                <a:solidFill>
-                  <a:schemeClr val="tx1"/>
-                </a:solidFill>
-                <a:sym typeface="+mn-ea"/>
-              </a:rPr>
-            </a:br>
-            <a:r>
-              <a:rPr lang="en-US" altLang="zh-CN" sz="1800" dirty="0">
-                <a:solidFill>
-                  <a:schemeClr val="tx1"/>
-                </a:solidFill>
-                <a:sym typeface="+mn-ea"/>
-              </a:rPr>
-              <a:t>- Array.prototype.push(elem1?,elem2?,...)</a:t>
+              <a:t>- Array.prototype.pop()     Array.prototype.push(elem1?,elem2?,...)</a:t>
             </a:r>
             <a:br>
               <a:rPr lang="en-US" altLang="zh-CN" sz="1800" dirty="0">
@@ -4432,7 +4483,866 @@
               <a:rPr lang="zh-CN" altLang="en-US" dirty="0">
                 <a:sym typeface="+mn-ea"/>
               </a:rPr>
-              <a:t>数组的方法和相关高阶函数</a:t>
+              <a:t>数组的方法</a:t>
+            </a:r>
+            <a:endParaRPr lang="zh-CN" altLang="en-US" dirty="0"/>
+          </a:p>
+        </p:txBody>
+      </p:sp>
+      <p:sp>
+        <p:nvSpPr>
+          <p:cNvPr id="6" name="文本框 5"/>
+          <p:cNvSpPr txBox="1"/>
+          <p:nvPr/>
+        </p:nvSpPr>
+        <p:spPr>
+          <a:xfrm>
+            <a:off x="4880610" y="6108700"/>
+            <a:ext cx="6959600" cy="429895"/>
+          </a:xfrm>
+          <a:prstGeom prst="rect">
+            <a:avLst/>
+          </a:prstGeom>
+          <a:noFill/>
+        </p:spPr>
+        <p:txBody>
+          <a:bodyPr wrap="square" rtlCol="0">
+            <a:spAutoFit/>
+          </a:bodyPr>
+          <a:p>
+            <a:pPr algn="l"/>
+            <a:r>
+              <a:rPr lang="zh-CN" altLang="en-US" sz="2200">
+                <a:solidFill>
+                  <a:srgbClr val="FF0000"/>
+                </a:solidFill>
+                <a:latin typeface="+mn-ea"/>
+                <a:ea typeface="+mn-ea"/>
+              </a:rPr>
+              <a:t>参见实例</a:t>
+            </a:r>
+            <a:r>
+              <a:rPr lang="en-US" altLang="zh-CN" sz="2200">
+                <a:solidFill>
+                  <a:srgbClr val="FF0000"/>
+                </a:solidFill>
+                <a:latin typeface="+mn-ea"/>
+                <a:ea typeface="+mn-ea"/>
+              </a:rPr>
+              <a:t>demo5 </a:t>
+            </a:r>
+            <a:r>
+              <a:rPr lang="zh-CN" altLang="en-US" sz="2200">
+                <a:solidFill>
+                  <a:srgbClr val="FF0000"/>
+                </a:solidFill>
+                <a:latin typeface="+mn-ea"/>
+                <a:ea typeface="+mn-ea"/>
+              </a:rPr>
+              <a:t>静态方法和添加删除元素的原型方法</a:t>
+            </a:r>
+            <a:r>
+              <a:rPr lang="en-US" altLang="zh-CN" sz="2200">
+                <a:solidFill>
+                  <a:srgbClr val="FF0000"/>
+                </a:solidFill>
+                <a:latin typeface="+mn-ea"/>
+                <a:ea typeface="+mn-ea"/>
+              </a:rPr>
+              <a:t> </a:t>
+            </a:r>
+            <a:endParaRPr lang="zh-CN" altLang="en-US" sz="2200">
+              <a:solidFill>
+                <a:srgbClr val="FF0000"/>
+              </a:solidFill>
+              <a:latin typeface="+mn-ea"/>
+              <a:ea typeface="+mn-ea"/>
+            </a:endParaRPr>
+          </a:p>
+        </p:txBody>
+      </p:sp>
+      <p:pic>
+        <p:nvPicPr>
+          <p:cNvPr id="5" name="图片 4"/>
+          <p:cNvPicPr>
+            <a:picLocks noChangeAspect="1"/>
+          </p:cNvPicPr>
+          <p:nvPr/>
+        </p:nvPicPr>
+        <p:blipFill>
+          <a:blip r:embed="rId1"/>
+          <a:stretch>
+            <a:fillRect/>
+          </a:stretch>
+        </p:blipFill>
+        <p:spPr>
+          <a:xfrm>
+            <a:off x="1162685" y="2127250"/>
+            <a:ext cx="9667875" cy="1832610"/>
+          </a:xfrm>
+          <a:prstGeom prst="rect">
+            <a:avLst/>
+          </a:prstGeom>
+        </p:spPr>
+      </p:pic>
+    </p:spTree>
+  </p:cSld>
+  <p:clrMapOvr>
+    <a:masterClrMapping/>
+  </p:clrMapOvr>
+  <p:timing>
+    <p:tnLst>
+      <p:par>
+        <p:cTn id="1" dur="indefinite" restart="never" nodeType="tmRoot">
+          <p:childTnLst>
+            <p:seq concurrent="1" nextAc="seek">
+              <p:cTn id="2" dur="indefinite" nodeType="mainSeq">
+                <p:childTnLst>
+                  <p:par>
+                    <p:cTn id="3" fill="hold">
+                      <p:stCondLst>
+                        <p:cond delay="indefinite"/>
+                      </p:stCondLst>
+                      <p:childTnLst>
+                        <p:par>
+                          <p:cTn id="4" fill="hold">
+                            <p:stCondLst>
+                              <p:cond delay="0"/>
+                            </p:stCondLst>
+                            <p:childTnLst>
+                              <p:par>
+                                <p:cTn id="5" presetID="2" presetClass="entr" presetSubtype="4" fill="hold" nodeType="clickEffect">
+                                  <p:stCondLst>
+                                    <p:cond delay="0"/>
+                                  </p:stCondLst>
+                                  <p:childTnLst>
+                                    <p:set>
+                                      <p:cBhvr>
+                                        <p:cTn id="6" dur="1" fill="hold">
+                                          <p:stCondLst>
+                                            <p:cond delay="0"/>
+                                          </p:stCondLst>
+                                        </p:cTn>
+                                        <p:tgtEl>
+                                          <p:spTgt spid="2">
+                                            <p:txEl>
+                                              <p:pRg st="0" end="0"/>
+                                            </p:txEl>
+                                          </p:spTgt>
+                                        </p:tgtEl>
+                                        <p:attrNameLst>
+                                          <p:attrName>style.visibility</p:attrName>
+                                        </p:attrNameLst>
+                                      </p:cBhvr>
+                                      <p:to>
+                                        <p:strVal val="visible"/>
+                                      </p:to>
+                                    </p:set>
+                                    <p:anim calcmode="lin" valueType="num">
+                                      <p:cBhvr additive="base">
+                                        <p:cTn id="7" dur="500" fill="hold"/>
+                                        <p:tgtEl>
+                                          <p:spTgt spid="2">
+                                            <p:txEl>
+                                              <p:pRg st="0" end="0"/>
+                                            </p:txEl>
+                                          </p:spTgt>
+                                        </p:tgtEl>
+                                        <p:attrNameLst>
+                                          <p:attrName>ppt_x</p:attrName>
+                                        </p:attrNameLst>
+                                      </p:cBhvr>
+                                      <p:tavLst>
+                                        <p:tav tm="0">
+                                          <p:val>
+                                            <p:strVal val="#ppt_x"/>
+                                          </p:val>
+                                        </p:tav>
+                                        <p:tav tm="100000">
+                                          <p:val>
+                                            <p:strVal val="#ppt_x"/>
+                                          </p:val>
+                                        </p:tav>
+                                      </p:tavLst>
+                                    </p:anim>
+                                    <p:anim calcmode="lin" valueType="num">
+                                      <p:cBhvr additive="base">
+                                        <p:cTn id="8" dur="500" fill="hold"/>
+                                        <p:tgtEl>
+                                          <p:spTgt spid="2">
+                                            <p:txEl>
+                                              <p:pRg st="0" end="0"/>
+                                            </p:txEl>
+                                          </p:spTgt>
+                                        </p:tgtEl>
+                                        <p:attrNameLst>
+                                          <p:attrName>ppt_y</p:attrName>
+                                        </p:attrNameLst>
+                                      </p:cBhvr>
+                                      <p:tavLst>
+                                        <p:tav tm="0">
+                                          <p:val>
+                                            <p:strVal val="1+#ppt_h/2"/>
+                                          </p:val>
+                                        </p:tav>
+                                        <p:tav tm="100000">
+                                          <p:val>
+                                            <p:strVal val="#ppt_y"/>
+                                          </p:val>
+                                        </p:tav>
+                                      </p:tavLst>
+                                    </p:anim>
+                                  </p:childTnLst>
+                                </p:cTn>
+                              </p:par>
+                            </p:childTnLst>
+                          </p:cTn>
+                        </p:par>
+                      </p:childTnLst>
+                    </p:cTn>
+                  </p:par>
+                  <p:par>
+                    <p:cTn id="9" fill="hold">
+                      <p:stCondLst>
+                        <p:cond delay="indefinite"/>
+                      </p:stCondLst>
+                      <p:childTnLst>
+                        <p:par>
+                          <p:cTn id="10" fill="hold">
+                            <p:stCondLst>
+                              <p:cond delay="0"/>
+                            </p:stCondLst>
+                            <p:childTnLst>
+                              <p:par>
+                                <p:cTn id="11" presetID="2" presetClass="entr" presetSubtype="4" fill="hold" nodeType="clickEffect">
+                                  <p:stCondLst>
+                                    <p:cond delay="0"/>
+                                  </p:stCondLst>
+                                  <p:childTnLst>
+                                    <p:set>
+                                      <p:cBhvr>
+                                        <p:cTn id="12" dur="1" fill="hold">
+                                          <p:stCondLst>
+                                            <p:cond delay="0"/>
+                                          </p:stCondLst>
+                                        </p:cTn>
+                                        <p:tgtEl>
+                                          <p:spTgt spid="5"/>
+                                        </p:tgtEl>
+                                        <p:attrNameLst>
+                                          <p:attrName>style.visibility</p:attrName>
+                                        </p:attrNameLst>
+                                      </p:cBhvr>
+                                      <p:to>
+                                        <p:strVal val="visible"/>
+                                      </p:to>
+                                    </p:set>
+                                    <p:anim calcmode="lin" valueType="num">
+                                      <p:cBhvr additive="base">
+                                        <p:cTn id="13" dur="500" fill="hold"/>
+                                        <p:tgtEl>
+                                          <p:spTgt spid="5"/>
+                                        </p:tgtEl>
+                                        <p:attrNameLst>
+                                          <p:attrName>ppt_x</p:attrName>
+                                        </p:attrNameLst>
+                                      </p:cBhvr>
+                                      <p:tavLst>
+                                        <p:tav tm="0">
+                                          <p:val>
+                                            <p:strVal val="#ppt_x"/>
+                                          </p:val>
+                                        </p:tav>
+                                        <p:tav tm="100000">
+                                          <p:val>
+                                            <p:strVal val="#ppt_x"/>
+                                          </p:val>
+                                        </p:tav>
+                                      </p:tavLst>
+                                    </p:anim>
+                                    <p:anim calcmode="lin" valueType="num">
+                                      <p:cBhvr additive="base">
+                                        <p:cTn id="14" dur="500" fill="hold"/>
+                                        <p:tgtEl>
+                                          <p:spTgt spid="5"/>
+                                        </p:tgtEl>
+                                        <p:attrNameLst>
+                                          <p:attrName>ppt_y</p:attrName>
+                                        </p:attrNameLst>
+                                      </p:cBhvr>
+                                      <p:tavLst>
+                                        <p:tav tm="0">
+                                          <p:val>
+                                            <p:strVal val="1+#ppt_h/2"/>
+                                          </p:val>
+                                        </p:tav>
+                                        <p:tav tm="100000">
+                                          <p:val>
+                                            <p:strVal val="#ppt_y"/>
+                                          </p:val>
+                                        </p:tav>
+                                      </p:tavLst>
+                                    </p:anim>
+                                  </p:childTnLst>
+                                </p:cTn>
+                              </p:par>
+                            </p:childTnLst>
+                          </p:cTn>
+                        </p:par>
+                      </p:childTnLst>
+                    </p:cTn>
+                  </p:par>
+                  <p:par>
+                    <p:cTn id="15" fill="hold">
+                      <p:stCondLst>
+                        <p:cond delay="indefinite"/>
+                      </p:stCondLst>
+                      <p:childTnLst>
+                        <p:par>
+                          <p:cTn id="16" fill="hold">
+                            <p:stCondLst>
+                              <p:cond delay="0"/>
+                            </p:stCondLst>
+                            <p:childTnLst>
+                              <p:par>
+                                <p:cTn id="17" presetID="2" presetClass="entr" presetSubtype="4" fill="hold" nodeType="clickEffect">
+                                  <p:stCondLst>
+                                    <p:cond delay="0"/>
+                                  </p:stCondLst>
+                                  <p:childTnLst>
+                                    <p:set>
+                                      <p:cBhvr>
+                                        <p:cTn id="18" dur="1" fill="hold">
+                                          <p:stCondLst>
+                                            <p:cond delay="0"/>
+                                          </p:stCondLst>
+                                        </p:cTn>
+                                        <p:tgtEl>
+                                          <p:spTgt spid="2">
+                                            <p:txEl>
+                                              <p:pRg st="1" end="1"/>
+                                            </p:txEl>
+                                          </p:spTgt>
+                                        </p:tgtEl>
+                                        <p:attrNameLst>
+                                          <p:attrName>style.visibility</p:attrName>
+                                        </p:attrNameLst>
+                                      </p:cBhvr>
+                                      <p:to>
+                                        <p:strVal val="visible"/>
+                                      </p:to>
+                                    </p:set>
+                                    <p:anim calcmode="lin" valueType="num">
+                                      <p:cBhvr additive="base">
+                                        <p:cTn id="19" dur="500" fill="hold"/>
+                                        <p:tgtEl>
+                                          <p:spTgt spid="2">
+                                            <p:txEl>
+                                              <p:pRg st="1" end="1"/>
+                                            </p:txEl>
+                                          </p:spTgt>
+                                        </p:tgtEl>
+                                        <p:attrNameLst>
+                                          <p:attrName>ppt_x</p:attrName>
+                                        </p:attrNameLst>
+                                      </p:cBhvr>
+                                      <p:tavLst>
+                                        <p:tav tm="0">
+                                          <p:val>
+                                            <p:strVal val="#ppt_x"/>
+                                          </p:val>
+                                        </p:tav>
+                                        <p:tav tm="100000">
+                                          <p:val>
+                                            <p:strVal val="#ppt_x"/>
+                                          </p:val>
+                                        </p:tav>
+                                      </p:tavLst>
+                                    </p:anim>
+                                    <p:anim calcmode="lin" valueType="num">
+                                      <p:cBhvr additive="base">
+                                        <p:cTn id="20" dur="500" fill="hold"/>
+                                        <p:tgtEl>
+                                          <p:spTgt spid="2">
+                                            <p:txEl>
+                                              <p:pRg st="1" end="1"/>
+                                            </p:txEl>
+                                          </p:spTgt>
+                                        </p:tgtEl>
+                                        <p:attrNameLst>
+                                          <p:attrName>ppt_y</p:attrName>
+                                        </p:attrNameLst>
+                                      </p:cBhvr>
+                                      <p:tavLst>
+                                        <p:tav tm="0">
+                                          <p:val>
+                                            <p:strVal val="1+#ppt_h/2"/>
+                                          </p:val>
+                                        </p:tav>
+                                        <p:tav tm="100000">
+                                          <p:val>
+                                            <p:strVal val="#ppt_y"/>
+                                          </p:val>
+                                        </p:tav>
+                                      </p:tavLst>
+                                    </p:anim>
+                                  </p:childTnLst>
+                                </p:cTn>
+                              </p:par>
+                            </p:childTnLst>
+                          </p:cTn>
+                        </p:par>
+                        <p:par>
+                          <p:cTn id="21" fill="hold">
+                            <p:stCondLst>
+                              <p:cond delay="500"/>
+                            </p:stCondLst>
+                            <p:childTnLst>
+                              <p:par>
+                                <p:cTn id="22" presetID="2" presetClass="entr" presetSubtype="4" fill="hold" grpId="0" nodeType="afterEffect">
+                                  <p:stCondLst>
+                                    <p:cond delay="0"/>
+                                  </p:stCondLst>
+                                  <p:childTnLst>
+                                    <p:set>
+                                      <p:cBhvr>
+                                        <p:cTn id="23" dur="1" fill="hold">
+                                          <p:stCondLst>
+                                            <p:cond delay="0"/>
+                                          </p:stCondLst>
+                                        </p:cTn>
+                                        <p:tgtEl>
+                                          <p:spTgt spid="6"/>
+                                        </p:tgtEl>
+                                        <p:attrNameLst>
+                                          <p:attrName>style.visibility</p:attrName>
+                                        </p:attrNameLst>
+                                      </p:cBhvr>
+                                      <p:to>
+                                        <p:strVal val="visible"/>
+                                      </p:to>
+                                    </p:set>
+                                    <p:anim calcmode="lin" valueType="num">
+                                      <p:cBhvr additive="base">
+                                        <p:cTn id="24" dur="500" fill="hold"/>
+                                        <p:tgtEl>
+                                          <p:spTgt spid="6"/>
+                                        </p:tgtEl>
+                                        <p:attrNameLst>
+                                          <p:attrName>ppt_x</p:attrName>
+                                        </p:attrNameLst>
+                                      </p:cBhvr>
+                                      <p:tavLst>
+                                        <p:tav tm="0">
+                                          <p:val>
+                                            <p:strVal val="#ppt_x"/>
+                                          </p:val>
+                                        </p:tav>
+                                        <p:tav tm="100000">
+                                          <p:val>
+                                            <p:strVal val="#ppt_x"/>
+                                          </p:val>
+                                        </p:tav>
+                                      </p:tavLst>
+                                    </p:anim>
+                                    <p:anim calcmode="lin" valueType="num">
+                                      <p:cBhvr additive="base">
+                                        <p:cTn id="25" dur="500" fill="hold"/>
+                                        <p:tgtEl>
+                                          <p:spTgt spid="6"/>
+                                        </p:tgtEl>
+                                        <p:attrNameLst>
+                                          <p:attrName>ppt_y</p:attrName>
+                                        </p:attrNameLst>
+                                      </p:cBhvr>
+                                      <p:tavLst>
+                                        <p:tav tm="0">
+                                          <p:val>
+                                            <p:strVal val="1+#ppt_h/2"/>
+                                          </p:val>
+                                        </p:tav>
+                                        <p:tav tm="100000">
+                                          <p:val>
+                                            <p:strVal val="#ppt_y"/>
+                                          </p:val>
+                                        </p:tav>
+                                      </p:tavLst>
+                                    </p:anim>
+                                  </p:childTnLst>
+                                </p:cTn>
+                              </p:par>
+                            </p:childTnLst>
+                          </p:cTn>
+                        </p:par>
+                      </p:childTnLst>
+                    </p:cTn>
+                  </p:par>
+                </p:childTnLst>
+              </p:cTn>
+              <p:prevCondLst>
+                <p:cond evt="onPrev" delay="0">
+                  <p:tgtEl>
+                    <p:sldTgt/>
+                  </p:tgtEl>
+                </p:cond>
+              </p:prevCondLst>
+              <p:nextCondLst>
+                <p:cond evt="onNext" delay="0">
+                  <p:tgtEl>
+                    <p:sldTgt/>
+                  </p:tgtEl>
+                </p:cond>
+              </p:nextCondLst>
+            </p:seq>
+          </p:childTnLst>
+        </p:cTn>
+      </p:par>
+    </p:tnLst>
+    <p:bldLst>
+      <p:bldP spid="6" grpId="0"/>
+    </p:bldLst>
+  </p:timing>
+</p:sld>
+</file>
+
+<file path=ppt/slides/slide12.xml><?xml version="1.0" encoding="utf-8"?>
+<p:sld xmlns:a="http://schemas.openxmlformats.org/drawingml/2006/main" xmlns:r="http://schemas.openxmlformats.org/officeDocument/2006/relationships" xmlns:p="http://schemas.openxmlformats.org/presentationml/2006/main">
+  <p:cSld>
+    <p:spTree>
+      <p:nvGrpSpPr>
+        <p:cNvPr id="1" name=""/>
+        <p:cNvGrpSpPr/>
+        <p:nvPr/>
+      </p:nvGrpSpPr>
+      <p:grpSpPr>
+        <a:xfrm>
+          <a:off x="0" y="0"/>
+          <a:ext cx="0" cy="0"/>
+          <a:chOff x="0" y="0"/>
+          <a:chExt cx="0" cy="0"/>
+        </a:xfrm>
+      </p:grpSpPr>
+      <p:sp>
+        <p:nvSpPr>
+          <p:cNvPr id="2" name="内容占位符 1"/>
+          <p:cNvSpPr>
+            <a:spLocks noGrp="1"/>
+          </p:cNvSpPr>
+          <p:nvPr>
+            <p:ph sz="quarter" idx="10"/>
+          </p:nvPr>
+        </p:nvSpPr>
+        <p:spPr>
+          <a:xfrm>
+            <a:off x="927735" y="783590"/>
+            <a:ext cx="9776460" cy="5269230"/>
+          </a:xfrm>
+        </p:spPr>
+        <p:txBody>
+          <a:bodyPr/>
+          <a:lstStyle/>
+          <a:p>
+            <a:pPr>
+              <a:lnSpc>
+                <a:spcPct val="150000"/>
+              </a:lnSpc>
+            </a:pPr>
+            <a:r>
+              <a:rPr lang="zh-CN" altLang="en-US" sz="3200" dirty="0">
+                <a:solidFill>
+                  <a:schemeClr val="tx1"/>
+                </a:solidFill>
+                <a:sym typeface="+mn-ea"/>
+              </a:rPr>
+              <a:t>数组原型方法（排序和颠倒元素顺序</a:t>
+            </a:r>
+            <a:r>
+              <a:rPr lang="en-US" altLang="zh-CN" sz="3200" dirty="0">
+                <a:solidFill>
+                  <a:schemeClr val="tx1"/>
+                </a:solidFill>
+                <a:sym typeface="+mn-ea"/>
+              </a:rPr>
+              <a:t>-</a:t>
+            </a:r>
+            <a:r>
+              <a:rPr lang="zh-CN" altLang="en-US" sz="3200" dirty="0">
+                <a:solidFill>
+                  <a:srgbClr val="FF0000"/>
+                </a:solidFill>
+                <a:sym typeface="+mn-ea"/>
+              </a:rPr>
+              <a:t>破坏性</a:t>
+            </a:r>
+            <a:r>
+              <a:rPr lang="zh-CN" altLang="en-US" sz="3200" dirty="0">
+                <a:solidFill>
+                  <a:schemeClr val="tx1"/>
+                </a:solidFill>
+                <a:sym typeface="+mn-ea"/>
+              </a:rPr>
+              <a:t>）</a:t>
+            </a:r>
+            <a:br>
+              <a:rPr lang="zh-CN" altLang="en-US" sz="3200" dirty="0">
+                <a:solidFill>
+                  <a:schemeClr val="tx1"/>
+                </a:solidFill>
+                <a:sym typeface="+mn-ea"/>
+              </a:rPr>
+            </a:br>
+            <a:r>
+              <a:rPr lang="en-US" altLang="zh-CN" sz="1800" dirty="0">
+                <a:solidFill>
+                  <a:schemeClr val="tx1"/>
+                </a:solidFill>
+                <a:sym typeface="+mn-ea"/>
+              </a:rPr>
+              <a:t>- Array.prototype.reverse()</a:t>
+            </a:r>
+            <a:br>
+              <a:rPr lang="en-US" altLang="zh-CN" sz="1800" dirty="0">
+                <a:solidFill>
+                  <a:schemeClr val="tx1"/>
+                </a:solidFill>
+                <a:sym typeface="+mn-ea"/>
+              </a:rPr>
+            </a:br>
+            <a:r>
+              <a:rPr lang="en-US" altLang="zh-CN" sz="1800" dirty="0">
+                <a:solidFill>
+                  <a:schemeClr val="tx1"/>
+                </a:solidFill>
+                <a:sym typeface="+mn-ea"/>
+              </a:rPr>
+              <a:t>- Array.prototype.sort(compareFunction</a:t>
+            </a:r>
+            <a:r>
+              <a:rPr lang="zh-CN" altLang="en-US" sz="1800" dirty="0">
+                <a:solidFill>
+                  <a:schemeClr val="tx1"/>
+                </a:solidFill>
+                <a:sym typeface="+mn-ea"/>
+              </a:rPr>
+              <a:t>？</a:t>
+            </a:r>
+            <a:r>
+              <a:rPr lang="en-US" altLang="zh-CN" sz="1800" dirty="0">
+                <a:solidFill>
+                  <a:schemeClr val="tx1"/>
+                </a:solidFill>
+                <a:sym typeface="+mn-ea"/>
+              </a:rPr>
+              <a:t>)</a:t>
+            </a:r>
+            <a:endParaRPr lang="en-US" altLang="zh-CN" sz="1800" dirty="0">
+              <a:solidFill>
+                <a:schemeClr val="tx1"/>
+              </a:solidFill>
+              <a:sym typeface="+mn-ea"/>
+            </a:endParaRPr>
+          </a:p>
+          <a:p>
+            <a:pPr>
+              <a:lnSpc>
+                <a:spcPct val="150000"/>
+              </a:lnSpc>
+            </a:pPr>
+            <a:r>
+              <a:rPr lang="zh-CN" altLang="en-US" sz="3200" dirty="0">
+                <a:solidFill>
+                  <a:schemeClr val="tx1"/>
+                </a:solidFill>
+                <a:sym typeface="+mn-ea"/>
+              </a:rPr>
+              <a:t>数组原型方法（合并、切分和连接</a:t>
+            </a:r>
+            <a:r>
+              <a:rPr lang="en-US" altLang="zh-CN" sz="3200" dirty="0">
+                <a:solidFill>
+                  <a:schemeClr val="tx1"/>
+                </a:solidFill>
+                <a:sym typeface="+mn-ea"/>
+              </a:rPr>
+              <a:t>-</a:t>
+            </a:r>
+            <a:r>
+              <a:rPr lang="zh-CN" altLang="en-US" sz="3200" dirty="0">
+                <a:solidFill>
+                  <a:schemeClr val="tx1"/>
+                </a:solidFill>
+                <a:sym typeface="+mn-ea"/>
+              </a:rPr>
+              <a:t>非破坏性）</a:t>
+            </a:r>
+            <a:br>
+              <a:rPr lang="zh-CN" altLang="en-US" sz="3200" dirty="0">
+                <a:solidFill>
+                  <a:schemeClr val="tx1"/>
+                </a:solidFill>
+                <a:sym typeface="+mn-ea"/>
+              </a:rPr>
+            </a:br>
+            <a:r>
+              <a:rPr lang="en-US" altLang="zh-CN" sz="1800" dirty="0">
+                <a:solidFill>
+                  <a:schemeClr val="tx1"/>
+                </a:solidFill>
+                <a:sym typeface="+mn-ea"/>
+              </a:rPr>
+              <a:t>- Array.prototype.concat(arr1?,arr2?,...)</a:t>
+            </a:r>
+            <a:br>
+              <a:rPr lang="en-US" altLang="zh-CN" sz="1800" dirty="0">
+                <a:solidFill>
+                  <a:schemeClr val="tx1"/>
+                </a:solidFill>
+                <a:sym typeface="+mn-ea"/>
+              </a:rPr>
+            </a:br>
+            <a:r>
+              <a:rPr lang="en-US" altLang="zh-CN" sz="1800" dirty="0">
+                <a:solidFill>
+                  <a:schemeClr val="tx1"/>
+                </a:solidFill>
+                <a:sym typeface="+mn-ea"/>
+              </a:rPr>
+              <a:t>- Array.prototype.slice(begin?,end?)</a:t>
+            </a:r>
+            <a:br>
+              <a:rPr lang="en-US" altLang="zh-CN" sz="1800" dirty="0">
+                <a:solidFill>
+                  <a:schemeClr val="tx1"/>
+                </a:solidFill>
+                <a:sym typeface="+mn-ea"/>
+              </a:rPr>
+            </a:br>
+            <a:r>
+              <a:rPr lang="en-US" altLang="zh-CN" sz="1800" dirty="0">
+                <a:solidFill>
+                  <a:schemeClr val="tx1"/>
+                </a:solidFill>
+                <a:sym typeface="+mn-ea"/>
+              </a:rPr>
+              <a:t>- Array.prototype.join(separator?)</a:t>
+            </a:r>
+            <a:endParaRPr lang="en-US" altLang="zh-CN" sz="1000" dirty="0">
+              <a:solidFill>
+                <a:schemeClr val="tx1"/>
+              </a:solidFill>
+              <a:sym typeface="+mn-ea"/>
+            </a:endParaRPr>
+          </a:p>
+          <a:p>
+            <a:pPr>
+              <a:lnSpc>
+                <a:spcPct val="150000"/>
+              </a:lnSpc>
+            </a:pPr>
+            <a:r>
+              <a:rPr lang="zh-CN" altLang="en-US" sz="3200" dirty="0">
+                <a:solidFill>
+                  <a:schemeClr val="tx1"/>
+                </a:solidFill>
+                <a:sym typeface="+mn-ea"/>
+              </a:rPr>
+              <a:t>数组原型方法（值的查找</a:t>
+            </a:r>
+            <a:r>
+              <a:rPr lang="en-US" altLang="zh-CN" sz="3200" dirty="0">
+                <a:solidFill>
+                  <a:schemeClr val="tx1"/>
+                </a:solidFill>
+                <a:sym typeface="+mn-ea"/>
+              </a:rPr>
+              <a:t>-</a:t>
+            </a:r>
+            <a:r>
+              <a:rPr lang="zh-CN" altLang="en-US" sz="3200" dirty="0">
+                <a:solidFill>
+                  <a:schemeClr val="tx1"/>
+                </a:solidFill>
+                <a:sym typeface="+mn-ea"/>
+              </a:rPr>
+              <a:t>非破坏性）</a:t>
+            </a:r>
+            <a:br>
+              <a:rPr lang="zh-CN" altLang="en-US" sz="1000" dirty="0">
+                <a:solidFill>
+                  <a:schemeClr val="tx1"/>
+                </a:solidFill>
+                <a:sym typeface="+mn-ea"/>
+              </a:rPr>
+            </a:br>
+            <a:r>
+              <a:rPr lang="en-US" altLang="zh-CN" sz="1800" dirty="0">
+                <a:solidFill>
+                  <a:schemeClr val="tx1"/>
+                </a:solidFill>
+                <a:sym typeface="+mn-ea"/>
+              </a:rPr>
+              <a:t>- Array.prototype.indexOf(searchValue,startIndex?)</a:t>
+            </a:r>
+            <a:br>
+              <a:rPr lang="en-US" altLang="zh-CN" sz="1800" dirty="0">
+                <a:solidFill>
+                  <a:schemeClr val="tx1"/>
+                </a:solidFill>
+                <a:sym typeface="+mn-ea"/>
+              </a:rPr>
+            </a:br>
+            <a:r>
+              <a:rPr lang="en-US" altLang="zh-CN" sz="1800" dirty="0">
+                <a:solidFill>
+                  <a:schemeClr val="tx1"/>
+                </a:solidFill>
+                <a:sym typeface="+mn-ea"/>
+              </a:rPr>
+              <a:t>- Array.prototype.lastIndexOf(searchElement,startIndex?)</a:t>
+            </a:r>
+            <a:endParaRPr lang="en-US" altLang="zh-CN" sz="1800" dirty="0">
+              <a:solidFill>
+                <a:schemeClr val="tx1"/>
+              </a:solidFill>
+              <a:sym typeface="+mn-ea"/>
+            </a:endParaRPr>
+          </a:p>
+          <a:p>
+            <a:pPr marL="0" indent="0">
+              <a:lnSpc>
+                <a:spcPct val="160000"/>
+              </a:lnSpc>
+              <a:buNone/>
+            </a:pPr>
+            <a:endParaRPr lang="en-US" altLang="zh-CN" sz="1800" dirty="0">
+              <a:solidFill>
+                <a:schemeClr val="tx1"/>
+              </a:solidFill>
+              <a:sym typeface="+mn-ea"/>
+            </a:endParaRPr>
+          </a:p>
+        </p:txBody>
+      </p:sp>
+      <p:sp>
+        <p:nvSpPr>
+          <p:cNvPr id="3" name="内容占位符 2"/>
+          <p:cNvSpPr>
+            <a:spLocks noGrp="1"/>
+          </p:cNvSpPr>
+          <p:nvPr>
+            <p:ph sz="quarter" idx="11"/>
+          </p:nvPr>
+        </p:nvSpPr>
+        <p:spPr/>
+        <p:txBody>
+          <a:bodyPr/>
+          <a:lstStyle/>
+          <a:p>
+            <a:r>
+              <a:rPr lang="zh-CN" altLang="en-US" dirty="0">
+                <a:sym typeface="+mn-ea"/>
+              </a:rPr>
+              <a:t>数组的原型方法</a:t>
             </a:r>
             <a:endParaRPr lang="zh-CN" altLang="en-US" dirty="0"/>
           </a:p>
@@ -4478,7 +5388,7 @@
                 <a:latin typeface="+mn-ea"/>
                 <a:ea typeface="+mn-ea"/>
               </a:rPr>
-              <a:t>demo </a:t>
+              <a:t>demo6 </a:t>
             </a:r>
             <a:endParaRPr lang="zh-CN" altLang="en-US" sz="2200">
               <a:solidFill>
@@ -4597,6 +5507,315 @@
                       </p:childTnLst>
                     </p:cTn>
                   </p:par>
+                  <p:par>
+                    <p:cTn id="9" fill="hold">
+                      <p:stCondLst>
+                        <p:cond delay="indefinite"/>
+                      </p:stCondLst>
+                      <p:childTnLst>
+                        <p:par>
+                          <p:cTn id="10" fill="hold">
+                            <p:stCondLst>
+                              <p:cond delay="0"/>
+                            </p:stCondLst>
+                            <p:childTnLst>
+                              <p:par>
+                                <p:cTn id="11" presetID="2" presetClass="entr" presetSubtype="4" fill="hold" nodeType="clickEffect">
+                                  <p:stCondLst>
+                                    <p:cond delay="0"/>
+                                  </p:stCondLst>
+                                  <p:childTnLst>
+                                    <p:set>
+                                      <p:cBhvr>
+                                        <p:cTn id="12" dur="1" fill="hold">
+                                          <p:stCondLst>
+                                            <p:cond delay="0"/>
+                                          </p:stCondLst>
+                                        </p:cTn>
+                                        <p:tgtEl>
+                                          <p:spTgt spid="2">
+                                            <p:txEl>
+                                              <p:pRg st="0" end="0"/>
+                                            </p:txEl>
+                                          </p:spTgt>
+                                        </p:tgtEl>
+                                        <p:attrNameLst>
+                                          <p:attrName>style.visibility</p:attrName>
+                                        </p:attrNameLst>
+                                      </p:cBhvr>
+                                      <p:to>
+                                        <p:strVal val="visible"/>
+                                      </p:to>
+                                    </p:set>
+                                    <p:anim calcmode="lin" valueType="num">
+                                      <p:cBhvr additive="base">
+                                        <p:cTn id="13" dur="500" fill="hold"/>
+                                        <p:tgtEl>
+                                          <p:spTgt spid="2">
+                                            <p:txEl>
+                                              <p:pRg st="0" end="0"/>
+                                            </p:txEl>
+                                          </p:spTgt>
+                                        </p:tgtEl>
+                                        <p:attrNameLst>
+                                          <p:attrName>ppt_x</p:attrName>
+                                        </p:attrNameLst>
+                                      </p:cBhvr>
+                                      <p:tavLst>
+                                        <p:tav tm="0">
+                                          <p:val>
+                                            <p:strVal val="#ppt_x"/>
+                                          </p:val>
+                                        </p:tav>
+                                        <p:tav tm="100000">
+                                          <p:val>
+                                            <p:strVal val="#ppt_x"/>
+                                          </p:val>
+                                        </p:tav>
+                                      </p:tavLst>
+                                    </p:anim>
+                                    <p:anim calcmode="lin" valueType="num">
+                                      <p:cBhvr additive="base">
+                                        <p:cTn id="14" dur="500" fill="hold"/>
+                                        <p:tgtEl>
+                                          <p:spTgt spid="2">
+                                            <p:txEl>
+                                              <p:pRg st="0" end="0"/>
+                                            </p:txEl>
+                                          </p:spTgt>
+                                        </p:tgtEl>
+                                        <p:attrNameLst>
+                                          <p:attrName>ppt_y</p:attrName>
+                                        </p:attrNameLst>
+                                      </p:cBhvr>
+                                      <p:tavLst>
+                                        <p:tav tm="0">
+                                          <p:val>
+                                            <p:strVal val="1+#ppt_h/2"/>
+                                          </p:val>
+                                        </p:tav>
+                                        <p:tav tm="100000">
+                                          <p:val>
+                                            <p:strVal val="#ppt_y"/>
+                                          </p:val>
+                                        </p:tav>
+                                      </p:tavLst>
+                                    </p:anim>
+                                  </p:childTnLst>
+                                </p:cTn>
+                              </p:par>
+                            </p:childTnLst>
+                          </p:cTn>
+                        </p:par>
+                      </p:childTnLst>
+                    </p:cTn>
+                  </p:par>
+                  <p:par>
+                    <p:cTn id="15" fill="hold">
+                      <p:stCondLst>
+                        <p:cond delay="indefinite"/>
+                      </p:stCondLst>
+                      <p:childTnLst>
+                        <p:par>
+                          <p:cTn id="16" fill="hold">
+                            <p:stCondLst>
+                              <p:cond delay="0"/>
+                            </p:stCondLst>
+                            <p:childTnLst>
+                              <p:par>
+                                <p:cTn id="17" presetID="2" presetClass="entr" presetSubtype="4" fill="hold" nodeType="clickEffect">
+                                  <p:stCondLst>
+                                    <p:cond delay="0"/>
+                                  </p:stCondLst>
+                                  <p:childTnLst>
+                                    <p:set>
+                                      <p:cBhvr>
+                                        <p:cTn id="18" dur="1" fill="hold">
+                                          <p:stCondLst>
+                                            <p:cond delay="0"/>
+                                          </p:stCondLst>
+                                        </p:cTn>
+                                        <p:tgtEl>
+                                          <p:spTgt spid="2">
+                                            <p:txEl>
+                                              <p:pRg st="1" end="1"/>
+                                            </p:txEl>
+                                          </p:spTgt>
+                                        </p:tgtEl>
+                                        <p:attrNameLst>
+                                          <p:attrName>style.visibility</p:attrName>
+                                        </p:attrNameLst>
+                                      </p:cBhvr>
+                                      <p:to>
+                                        <p:strVal val="visible"/>
+                                      </p:to>
+                                    </p:set>
+                                    <p:anim calcmode="lin" valueType="num">
+                                      <p:cBhvr additive="base">
+                                        <p:cTn id="19" dur="500" fill="hold"/>
+                                        <p:tgtEl>
+                                          <p:spTgt spid="2">
+                                            <p:txEl>
+                                              <p:pRg st="1" end="1"/>
+                                            </p:txEl>
+                                          </p:spTgt>
+                                        </p:tgtEl>
+                                        <p:attrNameLst>
+                                          <p:attrName>ppt_x</p:attrName>
+                                        </p:attrNameLst>
+                                      </p:cBhvr>
+                                      <p:tavLst>
+                                        <p:tav tm="0">
+                                          <p:val>
+                                            <p:strVal val="#ppt_x"/>
+                                          </p:val>
+                                        </p:tav>
+                                        <p:tav tm="100000">
+                                          <p:val>
+                                            <p:strVal val="#ppt_x"/>
+                                          </p:val>
+                                        </p:tav>
+                                      </p:tavLst>
+                                    </p:anim>
+                                    <p:anim calcmode="lin" valueType="num">
+                                      <p:cBhvr additive="base">
+                                        <p:cTn id="20" dur="500" fill="hold"/>
+                                        <p:tgtEl>
+                                          <p:spTgt spid="2">
+                                            <p:txEl>
+                                              <p:pRg st="1" end="1"/>
+                                            </p:txEl>
+                                          </p:spTgt>
+                                        </p:tgtEl>
+                                        <p:attrNameLst>
+                                          <p:attrName>ppt_y</p:attrName>
+                                        </p:attrNameLst>
+                                      </p:cBhvr>
+                                      <p:tavLst>
+                                        <p:tav tm="0">
+                                          <p:val>
+                                            <p:strVal val="1+#ppt_h/2"/>
+                                          </p:val>
+                                        </p:tav>
+                                        <p:tav tm="100000">
+                                          <p:val>
+                                            <p:strVal val="#ppt_y"/>
+                                          </p:val>
+                                        </p:tav>
+                                      </p:tavLst>
+                                    </p:anim>
+                                  </p:childTnLst>
+                                </p:cTn>
+                              </p:par>
+                            </p:childTnLst>
+                          </p:cTn>
+                        </p:par>
+                      </p:childTnLst>
+                    </p:cTn>
+                  </p:par>
+                  <p:par>
+                    <p:cTn id="21" fill="hold">
+                      <p:stCondLst>
+                        <p:cond delay="indefinite"/>
+                      </p:stCondLst>
+                      <p:childTnLst>
+                        <p:par>
+                          <p:cTn id="22" fill="hold">
+                            <p:stCondLst>
+                              <p:cond delay="0"/>
+                            </p:stCondLst>
+                            <p:childTnLst>
+                              <p:par>
+                                <p:cTn id="23" presetID="2" presetClass="entr" presetSubtype="4" fill="hold" nodeType="clickEffect">
+                                  <p:stCondLst>
+                                    <p:cond delay="0"/>
+                                  </p:stCondLst>
+                                  <p:childTnLst>
+                                    <p:set>
+                                      <p:cBhvr>
+                                        <p:cTn id="24" dur="1" fill="hold">
+                                          <p:stCondLst>
+                                            <p:cond delay="0"/>
+                                          </p:stCondLst>
+                                        </p:cTn>
+                                        <p:tgtEl>
+                                          <p:spTgt spid="2">
+                                            <p:txEl>
+                                              <p:pRg st="2" end="2"/>
+                                            </p:txEl>
+                                          </p:spTgt>
+                                        </p:tgtEl>
+                                        <p:attrNameLst>
+                                          <p:attrName>style.visibility</p:attrName>
+                                        </p:attrNameLst>
+                                      </p:cBhvr>
+                                      <p:to>
+                                        <p:strVal val="visible"/>
+                                      </p:to>
+                                    </p:set>
+                                    <p:anim calcmode="lin" valueType="num">
+                                      <p:cBhvr additive="base">
+                                        <p:cTn id="25" dur="500" fill="hold"/>
+                                        <p:tgtEl>
+                                          <p:spTgt spid="2">
+                                            <p:txEl>
+                                              <p:pRg st="2" end="2"/>
+                                            </p:txEl>
+                                          </p:spTgt>
+                                        </p:tgtEl>
+                                        <p:attrNameLst>
+                                          <p:attrName>ppt_x</p:attrName>
+                                        </p:attrNameLst>
+                                      </p:cBhvr>
+                                      <p:tavLst>
+                                        <p:tav tm="0">
+                                          <p:val>
+                                            <p:strVal val="#ppt_x"/>
+                                          </p:val>
+                                        </p:tav>
+                                        <p:tav tm="100000">
+                                          <p:val>
+                                            <p:strVal val="#ppt_x"/>
+                                          </p:val>
+                                        </p:tav>
+                                      </p:tavLst>
+                                    </p:anim>
+                                    <p:anim calcmode="lin" valueType="num">
+                                      <p:cBhvr additive="base">
+                                        <p:cTn id="26" dur="500" fill="hold"/>
+                                        <p:tgtEl>
+                                          <p:spTgt spid="2">
+                                            <p:txEl>
+                                              <p:pRg st="2" end="2"/>
+                                            </p:txEl>
+                                          </p:spTgt>
+                                        </p:tgtEl>
+                                        <p:attrNameLst>
+                                          <p:attrName>ppt_y</p:attrName>
+                                        </p:attrNameLst>
+                                      </p:cBhvr>
+                                      <p:tavLst>
+                                        <p:tav tm="0">
+                                          <p:val>
+                                            <p:strVal val="1+#ppt_h/2"/>
+                                          </p:val>
+                                        </p:tav>
+                                        <p:tav tm="100000">
+                                          <p:val>
+                                            <p:strVal val="#ppt_y"/>
+                                          </p:val>
+                                        </p:tav>
+                                      </p:tavLst>
+                                    </p:anim>
+                                  </p:childTnLst>
+                                </p:cTn>
+                              </p:par>
+                            </p:childTnLst>
+                          </p:cTn>
+                        </p:par>
+                      </p:childTnLst>
+                    </p:cTn>
+                  </p:par>
                 </p:childTnLst>
               </p:cTn>
               <p:prevCondLst>
@@ -4625,7 +5844,7 @@
 </p:sld>
 </file>
 
-<file path=ppt/slides/slide12.xml><?xml version="1.0" encoding="utf-8"?>
+<file path=ppt/slides/slide13.xml><?xml version="1.0" encoding="utf-8"?>
 <p:sld xmlns:a="http://schemas.openxmlformats.org/drawingml/2006/main" xmlns:r="http://schemas.openxmlformats.org/officeDocument/2006/relationships" xmlns:p="http://schemas.openxmlformats.org/presentationml/2006/main">
   <p:cSld>
     <p:spTree>
@@ -4674,7 +5893,7 @@
                 </a:solidFill>
                 <a:sym typeface="+mn-ea"/>
               </a:rPr>
-              <a:t>数组原型方法（排序和颠倒元素顺序</a:t>
+              <a:t>数组原型方法（迭代</a:t>
             </a:r>
             <a:r>
               <a:rPr lang="en-US" altLang="zh-CN" sz="3200" dirty="0">
@@ -4692,7 +5911,34 @@
                 </a:solidFill>
                 <a:sym typeface="+mn-ea"/>
               </a:rPr>
-              <a:t>破坏性）</a:t>
+              <a:t>非破坏性</a:t>
+            </a:r>
+            <a:r>
+              <a:rPr lang="en-US" altLang="zh-CN" sz="3200" dirty="0">
+                <a:solidFill>
+                  <a:schemeClr val="tx1"/>
+                </a:solidFill>
+                <a:sym typeface="+mn-ea"/>
+              </a:rPr>
+              <a:t>-</a:t>
+            </a:r>
+            <a:r>
+              <a:rPr lang="zh-CN" altLang="en-US" sz="3200" dirty="0">
+                <a:solidFill>
+                  <a:schemeClr val="tx1"/>
+                </a:solidFill>
+                <a:sym typeface="+mn-ea"/>
+              </a:rPr>
+              <a:t>检测方法</a:t>
+            </a:r>
+            <a:r>
+              <a:rPr lang="zh-CN" altLang="en-US" sz="3200" dirty="0">
+                <a:solidFill>
+                  <a:schemeClr val="tx1"/>
+                </a:solidFill>
+                <a:sym typeface="+mn-ea"/>
+              </a:rPr>
+              <a:t>）</a:t>
             </a:r>
             <a:br>
               <a:rPr lang="zh-CN" altLang="en-US" sz="3200" dirty="0">
@@ -4709,7 +5955,7 @@
                 </a:solidFill>
                 <a:sym typeface="+mn-ea"/>
               </a:rPr>
-              <a:t>- Array.prototype.reverse()</a:t>
+              <a:t>- Array.prototype.forEach(callback,thisValue?)</a:t>
             </a:r>
             <a:br>
               <a:rPr lang="en-US" altLang="zh-CN" sz="1800" dirty="0">
@@ -4726,7 +5972,24 @@
                 </a:solidFill>
                 <a:sym typeface="+mn-ea"/>
               </a:rPr>
-              <a:t>- Array.prototype.sort()</a:t>
+              <a:t>- Array.prototype.every(callback,thisValue?)</a:t>
+            </a:r>
+            <a:br>
+              <a:rPr lang="zh-CN" altLang="en-US" sz="3200" dirty="0">
+                <a:solidFill>
+                  <a:schemeClr val="tx1"/>
+                </a:solidFill>
+                <a:sym typeface="+mn-ea"/>
+              </a:rPr>
+            </a:br>
+            <a:r>
+              <a:rPr lang="en-US" altLang="zh-CN" sz="1800" dirty="0">
+                <a:solidFill>
+                  <a:schemeClr val="tx1"/>
+                </a:solidFill>
+                <a:sym typeface="+mn-ea"/>
+              </a:rPr>
+              <a:t>- Array.prototype.some(callback,thisValue?)</a:t>
             </a:r>
             <a:endParaRPr lang="en-US" altLang="zh-CN" sz="1800" dirty="0">
               <a:solidFill>
@@ -4748,7 +6011,7 @@
                 </a:solidFill>
                 <a:sym typeface="+mn-ea"/>
               </a:rPr>
-              <a:t>数组原型方法（合并、切分和连接</a:t>
+              <a:t>数组原型方法（迭代</a:t>
             </a:r>
             <a:r>
               <a:rPr lang="en-US" altLang="zh-CN" sz="3200" dirty="0">
@@ -4766,10 +6029,28 @@
                 </a:solidFill>
                 <a:sym typeface="+mn-ea"/>
               </a:rPr>
-              <a:t>非破坏性）</a:t>
+              <a:t>非破坏性</a:t>
+            </a:r>
+            <a:r>
+              <a:rPr lang="en-US" altLang="zh-CN" sz="3200" dirty="0">
+                <a:solidFill>
+                  <a:schemeClr val="tx1"/>
+                </a:solidFill>
+                <a:sym typeface="+mn-ea"/>
+              </a:rPr>
+              <a:t>-</a:t>
+            </a:r>
+            <a:r>
+              <a:rPr lang="zh-CN" altLang="en-US" sz="3200" dirty="0">
+                <a:solidFill>
+                  <a:schemeClr val="tx1"/>
+                </a:solidFill>
+                <a:sym typeface="+mn-ea"/>
+              </a:rPr>
+              <a:t>转换方法）</a:t>
             </a:r>
             <a:br>
-              <a:rPr lang="zh-CN" altLang="en-US" sz="3200" dirty="0">
+              <a:rPr lang="zh-CN" altLang="en-US" sz="1800" dirty="0">
                 <a:solidFill>
                   <a:schemeClr val="tx1"/>
                 </a:solidFill>
@@ -4783,7 +6064,16 @@
                 </a:solidFill>
                 <a:sym typeface="+mn-ea"/>
               </a:rPr>
-              <a:t>- Array.prototype.concat(arr1?,arr2?,...)</a:t>
+              <a:t>- Array.prototype.map(callback,thisValue?</a:t>
+            </a:r>
+            <a:r>
+              <a:rPr lang="en-US" altLang="zh-CN" sz="1800" dirty="0">
+                <a:solidFill>
+                  <a:schemeClr val="tx1"/>
+                </a:solidFill>
+                <a:sym typeface="+mn-ea"/>
+              </a:rPr>
+              <a:t>)</a:t>
             </a:r>
             <a:br>
               <a:rPr lang="en-US" altLang="zh-CN" sz="1800" dirty="0">
@@ -4800,26 +6090,9 @@
                 </a:solidFill>
                 <a:sym typeface="+mn-ea"/>
               </a:rPr>
-              <a:t>- Array.prototype.slice(begin?,end?)</a:t>
-            </a:r>
-            <a:br>
-              <a:rPr lang="en-US" altLang="zh-CN" sz="1800" dirty="0">
-                <a:solidFill>
-                  <a:schemeClr val="tx1"/>
-                </a:solidFill>
-                <a:sym typeface="+mn-ea"/>
-              </a:rPr>
-            </a:br>
-            <a:r>
-              <a:rPr lang="en-US" altLang="zh-CN" sz="1800" dirty="0">
-                <a:solidFill>
-                  <a:schemeClr val="tx1"/>
-                </a:solidFill>
-                <a:sym typeface="+mn-ea"/>
-              </a:rPr>
-              <a:t>- Array.prototype.join(separator?)</a:t>
-            </a:r>
-            <a:endParaRPr lang="en-US" altLang="zh-CN" sz="1000" dirty="0">
+              <a:t>- Array.prototype.filter(callback,thisValue?)</a:t>
+            </a:r>
+            <a:endParaRPr lang="en-US" altLang="zh-CN" sz="1800" dirty="0">
               <a:solidFill>
                 <a:schemeClr val="tx1"/>
               </a:solidFill>
@@ -4839,7 +6112,7 @@
                 </a:solidFill>
                 <a:sym typeface="+mn-ea"/>
               </a:rPr>
-              <a:t>数组原型方法（值的查找</a:t>
+              <a:t>数组原型方法（迭代</a:t>
             </a:r>
             <a:r>
               <a:rPr lang="en-US" altLang="zh-CN" sz="3200" dirty="0">
@@ -4857,10 +6130,28 @@
                 </a:solidFill>
                 <a:sym typeface="+mn-ea"/>
               </a:rPr>
-              <a:t>非破坏性）</a:t>
+              <a:t>非破坏性</a:t>
+            </a:r>
+            <a:r>
+              <a:rPr lang="en-US" altLang="zh-CN" sz="3200" dirty="0">
+                <a:solidFill>
+                  <a:schemeClr val="tx1"/>
+                </a:solidFill>
+                <a:sym typeface="+mn-ea"/>
+              </a:rPr>
+              <a:t>-</a:t>
+            </a:r>
+            <a:r>
+              <a:rPr lang="zh-CN" altLang="en-US" sz="3200" dirty="0">
+                <a:solidFill>
+                  <a:schemeClr val="tx1"/>
+                </a:solidFill>
+                <a:sym typeface="+mn-ea"/>
+              </a:rPr>
+              <a:t>归约方法）</a:t>
             </a:r>
             <a:br>
-              <a:rPr lang="zh-CN" altLang="en-US" sz="1000" dirty="0">
+              <a:rPr lang="zh-CN" altLang="en-US" sz="1800" dirty="0">
                 <a:solidFill>
                   <a:schemeClr val="tx1"/>
                 </a:solidFill>
@@ -4874,7 +6165,7 @@
                 </a:solidFill>
                 <a:sym typeface="+mn-ea"/>
               </a:rPr>
-              <a:t>- Array.prototype</a:t>
+              <a:t>- Array.prototype.reduce(element,initialValue?)</a:t>
             </a:r>
             <a:br>
               <a:rPr lang="en-US" altLang="zh-CN" sz="1800" dirty="0">
@@ -4891,7 +6182,7 @@
                 </a:solidFill>
                 <a:sym typeface="+mn-ea"/>
               </a:rPr>
-              <a:t>- Array.prototype</a:t>
+              <a:t>- Array.prototype.reduceRight(callback,initialValue?)</a:t>
             </a:r>
             <a:endParaRPr lang="en-US" altLang="zh-CN" sz="1800" dirty="0">
               <a:solidFill>
@@ -4935,7 +6226,7 @@
               <a:rPr lang="zh-CN" altLang="en-US" dirty="0">
                 <a:sym typeface="+mn-ea"/>
               </a:rPr>
-              <a:t>数组的方法和相关高阶函数</a:t>
+              <a:t>数组相关的高阶函数</a:t>
             </a:r>
             <a:endParaRPr lang="zh-CN" altLang="en-US" dirty="0"/>
           </a:p>
@@ -4949,8 +6240,8 @@
         </p:nvSpPr>
         <p:spPr>
           <a:xfrm>
-            <a:off x="5368290" y="6108700"/>
-            <a:ext cx="5069840" cy="429895"/>
+            <a:off x="5033010" y="6108700"/>
+            <a:ext cx="6242050" cy="429895"/>
           </a:xfrm>
           <a:prstGeom prst="rect">
             <a:avLst/>
@@ -4981,7 +6272,27 @@
                 <a:latin typeface="+mn-ea"/>
                 <a:ea typeface="+mn-ea"/>
               </a:rPr>
-              <a:t>demo </a:t>
+              <a:t>demo7 </a:t>
+            </a:r>
+            <a:r>
+              <a:rPr lang="zh-CN" altLang="en-US" sz="2200">
+                <a:solidFill>
+                  <a:srgbClr val="FF0000"/>
+                </a:solidFill>
+                <a:latin typeface="+mn-ea"/>
+                <a:ea typeface="+mn-ea"/>
+              </a:rPr>
+              <a:t>数组相关的高阶函数 迭代案例</a:t>
+            </a:r>
+            <a:r>
+              <a:rPr lang="en-US" altLang="zh-CN" sz="2200">
+                <a:solidFill>
+                  <a:srgbClr val="FF0000"/>
+                </a:solidFill>
+                <a:latin typeface="+mn-ea"/>
+                <a:ea typeface="+mn-ea"/>
+              </a:rPr>
+              <a:t> </a:t>
             </a:r>
             <a:endParaRPr lang="zh-CN" altLang="en-US" sz="2200">
               <a:solidFill>
@@ -5100,374 +6411,37 @@
                       </p:childTnLst>
                     </p:cTn>
                   </p:par>
-                </p:childTnLst>
-              </p:cTn>
-              <p:prevCondLst>
-                <p:cond evt="onPrev" delay="0">
-                  <p:tgtEl>
-                    <p:sldTgt/>
-                  </p:tgtEl>
-                </p:cond>
-              </p:prevCondLst>
-              <p:nextCondLst>
-                <p:cond evt="onNext" delay="0">
-                  <p:tgtEl>
-                    <p:sldTgt/>
-                  </p:tgtEl>
-                </p:cond>
-              </p:nextCondLst>
-            </p:seq>
-          </p:childTnLst>
-        </p:cTn>
-      </p:par>
-    </p:tnLst>
-    <p:bldLst>
-      <p:bldP spid="6" grpId="0"/>
-    </p:bldLst>
-  </p:timing>
-</p:sld>
-</file>
-
-<file path=ppt/slides/slide13.xml><?xml version="1.0" encoding="utf-8"?>
-<p:sld xmlns:a="http://schemas.openxmlformats.org/drawingml/2006/main" xmlns:r="http://schemas.openxmlformats.org/officeDocument/2006/relationships" xmlns:p="http://schemas.openxmlformats.org/presentationml/2006/main">
-  <p:cSld>
-    <p:spTree>
-      <p:nvGrpSpPr>
-        <p:cNvPr id="1" name=""/>
-        <p:cNvGrpSpPr/>
-        <p:nvPr/>
-      </p:nvGrpSpPr>
-      <p:grpSpPr>
-        <a:xfrm>
-          <a:off x="0" y="0"/>
-          <a:ext cx="0" cy="0"/>
-          <a:chOff x="0" y="0"/>
-          <a:chExt cx="0" cy="0"/>
-        </a:xfrm>
-      </p:grpSpPr>
-      <p:sp>
-        <p:nvSpPr>
-          <p:cNvPr id="2" name="内容占位符 1"/>
-          <p:cNvSpPr>
-            <a:spLocks noGrp="1"/>
-          </p:cNvSpPr>
-          <p:nvPr>
-            <p:ph sz="quarter" idx="10"/>
-          </p:nvPr>
-        </p:nvSpPr>
-        <p:spPr>
-          <a:xfrm>
-            <a:off x="927735" y="783590"/>
-            <a:ext cx="9776460" cy="5269230"/>
-          </a:xfrm>
-        </p:spPr>
-        <p:txBody>
-          <a:bodyPr/>
-          <a:lstStyle/>
-          <a:p>
-            <a:pPr>
-              <a:lnSpc>
-                <a:spcPct val="150000"/>
-              </a:lnSpc>
-            </a:pPr>
-            <a:r>
-              <a:rPr lang="zh-CN" altLang="en-US" sz="3200" dirty="0">
-                <a:solidFill>
-                  <a:schemeClr val="tx1"/>
-                </a:solidFill>
-                <a:sym typeface="+mn-ea"/>
-              </a:rPr>
-              <a:t>数组原型方法（迭代</a:t>
-            </a:r>
-            <a:r>
-              <a:rPr lang="en-US" altLang="zh-CN" sz="3200" dirty="0">
-                <a:solidFill>
-                  <a:schemeClr val="tx1"/>
-                </a:solidFill>
-                <a:sym typeface="+mn-ea"/>
-              </a:rPr>
-              <a:t>-</a:t>
-            </a:r>
-            <a:r>
-              <a:rPr lang="zh-CN" altLang="en-US" sz="3200" dirty="0">
-                <a:solidFill>
-                  <a:schemeClr val="tx1"/>
-                </a:solidFill>
-                <a:sym typeface="+mn-ea"/>
-              </a:rPr>
-              <a:t>非</a:t>
-            </a:r>
-            <a:r>
-              <a:rPr lang="zh-CN" altLang="en-US" sz="3200" dirty="0">
-                <a:solidFill>
-                  <a:schemeClr val="tx1"/>
-                </a:solidFill>
-                <a:sym typeface="+mn-ea"/>
-              </a:rPr>
-              <a:t>破坏性）</a:t>
-            </a:r>
-            <a:br>
-              <a:rPr lang="zh-CN" altLang="en-US" sz="3200" dirty="0">
-                <a:solidFill>
-                  <a:schemeClr val="tx1"/>
-                </a:solidFill>
-                <a:sym typeface="+mn-ea"/>
-              </a:rPr>
-            </a:br>
-            <a:r>
-              <a:rPr lang="en-US" altLang="zh-CN" sz="1800" dirty="0">
-                <a:solidFill>
-                  <a:schemeClr val="tx1"/>
-                </a:solidFill>
-                <a:sym typeface="+mn-ea"/>
-              </a:rPr>
-              <a:t>- Array.prototype.</a:t>
-            </a:r>
-            <a:br>
-              <a:rPr lang="en-US" altLang="zh-CN" sz="1800" dirty="0">
-                <a:solidFill>
-                  <a:schemeClr val="tx1"/>
-                </a:solidFill>
-                <a:sym typeface="+mn-ea"/>
-              </a:rPr>
-            </a:br>
-            <a:r>
-              <a:rPr lang="en-US" altLang="zh-CN" sz="1800" dirty="0">
-                <a:solidFill>
-                  <a:schemeClr val="tx1"/>
-                </a:solidFill>
-                <a:sym typeface="+mn-ea"/>
-              </a:rPr>
-              <a:t>- Array.prototype.</a:t>
-            </a:r>
-            <a:br>
-              <a:rPr lang="zh-CN" altLang="en-US" sz="3200" dirty="0">
-                <a:solidFill>
-                  <a:schemeClr val="tx1"/>
-                </a:solidFill>
-                <a:sym typeface="+mn-ea"/>
-              </a:rPr>
-            </a:br>
-            <a:r>
-              <a:rPr lang="en-US" altLang="zh-CN" sz="1800" dirty="0">
-                <a:solidFill>
-                  <a:schemeClr val="tx1"/>
-                </a:solidFill>
-                <a:sym typeface="+mn-ea"/>
-              </a:rPr>
-              <a:t>- Array.prototype.</a:t>
-            </a:r>
-            <a:br>
-              <a:rPr lang="en-US" altLang="zh-CN" sz="1800" dirty="0">
-                <a:solidFill>
-                  <a:schemeClr val="tx1"/>
-                </a:solidFill>
-                <a:sym typeface="+mn-ea"/>
-              </a:rPr>
-            </a:br>
-            <a:r>
-              <a:rPr lang="en-US" altLang="zh-CN" sz="1800" dirty="0">
-                <a:solidFill>
-                  <a:schemeClr val="tx1"/>
-                </a:solidFill>
-                <a:sym typeface="+mn-ea"/>
-              </a:rPr>
-              <a:t>- Array.prototype.</a:t>
-            </a:r>
-            <a:br>
-              <a:rPr lang="en-US" altLang="zh-CN" sz="1800" dirty="0">
-                <a:solidFill>
-                  <a:schemeClr val="tx1"/>
-                </a:solidFill>
-                <a:sym typeface="+mn-ea"/>
-              </a:rPr>
-            </a:br>
-            <a:r>
-              <a:rPr lang="en-US" altLang="zh-CN" sz="1800" dirty="0">
-                <a:solidFill>
-                  <a:schemeClr val="tx1"/>
-                </a:solidFill>
-                <a:sym typeface="+mn-ea"/>
-              </a:rPr>
-              <a:t>- Array.prototype.</a:t>
-            </a:r>
-            <a:br>
-              <a:rPr lang="zh-CN" altLang="en-US" sz="1000" dirty="0">
-                <a:solidFill>
-                  <a:schemeClr val="tx1"/>
-                </a:solidFill>
-                <a:sym typeface="+mn-ea"/>
-              </a:rPr>
-            </a:br>
-            <a:r>
-              <a:rPr lang="en-US" altLang="zh-CN" sz="1800" dirty="0">
-                <a:solidFill>
-                  <a:schemeClr val="tx1"/>
-                </a:solidFill>
-                <a:sym typeface="+mn-ea"/>
-              </a:rPr>
-              <a:t>- Array.prototype</a:t>
-            </a:r>
-            <a:br>
-              <a:rPr lang="en-US" altLang="zh-CN" sz="1800" dirty="0">
-                <a:solidFill>
-                  <a:schemeClr val="tx1"/>
-                </a:solidFill>
-                <a:sym typeface="+mn-ea"/>
-              </a:rPr>
-            </a:br>
-            <a:r>
-              <a:rPr lang="en-US" altLang="zh-CN" sz="1800" dirty="0">
-                <a:solidFill>
-                  <a:schemeClr val="tx1"/>
-                </a:solidFill>
-                <a:sym typeface="+mn-ea"/>
-              </a:rPr>
-              <a:t>- Array.prototype</a:t>
-            </a:r>
-            <a:endParaRPr lang="en-US" altLang="zh-CN" sz="1800" dirty="0">
-              <a:solidFill>
-                <a:schemeClr val="tx1"/>
-              </a:solidFill>
-              <a:sym typeface="+mn-ea"/>
-            </a:endParaRPr>
-          </a:p>
-          <a:p>
-            <a:pPr marL="0" indent="0">
-              <a:lnSpc>
-                <a:spcPct val="160000"/>
-              </a:lnSpc>
-              <a:buNone/>
-            </a:pPr>
-            <a:endParaRPr lang="en-US" altLang="zh-CN" sz="1800" dirty="0">
-              <a:solidFill>
-                <a:schemeClr val="tx1"/>
-              </a:solidFill>
-              <a:sym typeface="+mn-ea"/>
-            </a:endParaRPr>
-          </a:p>
-        </p:txBody>
-      </p:sp>
-      <p:sp>
-        <p:nvSpPr>
-          <p:cNvPr id="3" name="内容占位符 2"/>
-          <p:cNvSpPr>
-            <a:spLocks noGrp="1"/>
-          </p:cNvSpPr>
-          <p:nvPr>
-            <p:ph sz="quarter" idx="11"/>
-          </p:nvPr>
-        </p:nvSpPr>
-        <p:spPr/>
-        <p:txBody>
-          <a:bodyPr/>
-          <a:lstStyle/>
-          <a:p>
-            <a:r>
-              <a:rPr lang="zh-CN" altLang="en-US" dirty="0">
-                <a:sym typeface="+mn-ea"/>
-              </a:rPr>
-              <a:t>数组的方法和相关高阶函数</a:t>
-            </a:r>
-            <a:endParaRPr lang="zh-CN" altLang="en-US" dirty="0"/>
-          </a:p>
-        </p:txBody>
-      </p:sp>
-      <p:sp>
-        <p:nvSpPr>
-          <p:cNvPr id="6" name="文本框 5"/>
-          <p:cNvSpPr txBox="1"/>
-          <p:nvPr/>
-        </p:nvSpPr>
-        <p:spPr>
-          <a:xfrm>
-            <a:off x="5368290" y="6108700"/>
-            <a:ext cx="5069840" cy="429895"/>
-          </a:xfrm>
-          <a:prstGeom prst="rect">
-            <a:avLst/>
-          </a:prstGeom>
-          <a:noFill/>
-        </p:spPr>
-        <p:txBody>
-          <a:bodyPr wrap="square" rtlCol="0">
-            <a:spAutoFit/>
-          </a:bodyPr>
-          <a:p>
-            <a:pPr algn="l"/>
-            <a:r>
-              <a:rPr lang="zh-CN" altLang="en-US" sz="2200">
-                <a:solidFill>
-                  <a:srgbClr val="FF0000"/>
-                </a:solidFill>
-                <a:latin typeface="+mn-ea"/>
-                <a:ea typeface="+mn-ea"/>
-              </a:rPr>
-              <a:t>参见实例</a:t>
-            </a:r>
-            <a:r>
-              <a:rPr lang="en-US" altLang="zh-CN" sz="2200">
-                <a:solidFill>
-                  <a:srgbClr val="FF0000"/>
-                </a:solidFill>
-                <a:latin typeface="+mn-ea"/>
-                <a:ea typeface="+mn-ea"/>
-              </a:rPr>
-              <a:t>demo </a:t>
-            </a:r>
-            <a:endParaRPr lang="zh-CN" altLang="en-US" sz="2200">
-              <a:solidFill>
-                <a:srgbClr val="FF0000"/>
-              </a:solidFill>
-              <a:latin typeface="+mn-ea"/>
-              <a:ea typeface="+mn-ea"/>
-            </a:endParaRPr>
-          </a:p>
-        </p:txBody>
-      </p:sp>
-    </p:spTree>
-  </p:cSld>
-  <p:clrMapOvr>
-    <a:masterClrMapping/>
-  </p:clrMapOvr>
-  <p:timing>
-    <p:tnLst>
-      <p:par>
-        <p:cTn id="1" dur="indefinite" restart="never" nodeType="tmRoot">
-          <p:childTnLst>
-            <p:seq concurrent="1" nextAc="seek">
-              <p:cTn id="2" dur="indefinite" nodeType="mainSeq">
-                <p:childTnLst>
                   <p:par>
-                    <p:cTn id="3" fill="hold">
+                    <p:cTn id="9" fill="hold">
                       <p:stCondLst>
                         <p:cond delay="indefinite"/>
-                        <p:cond evt="onBegin" delay="0">
-                          <p:tn val="2"/>
-                        </p:cond>
                       </p:stCondLst>
                       <p:childTnLst>
                         <p:par>
-                          <p:cTn id="4" fill="hold">
+                          <p:cTn id="10" fill="hold">
                             <p:stCondLst>
                               <p:cond delay="0"/>
                             </p:stCondLst>
                             <p:childTnLst>
                               <p:par>
-                                <p:cTn id="5" presetID="2" presetClass="entr" presetSubtype="4" fill="hold" grpId="0" nodeType="afterEffect">
+                                <p:cTn id="11" presetID="2" presetClass="entr" presetSubtype="4" fill="hold" nodeType="clickEffect">
                                   <p:stCondLst>
                                     <p:cond delay="0"/>
                                   </p:stCondLst>
                                   <p:childTnLst>
                                     <p:set>
                                       <p:cBhvr>
-                                        <p:cTn id="6" dur="1" fill="hold">
+                                        <p:cTn id="12" dur="1" fill="hold">
                                           <p:stCondLst>
                                             <p:cond delay="0"/>
                                           </p:stCondLst>
                                         </p:cTn>
                                         <p:tgtEl>
-                                          <p:spTgt spid="6"/>
+                                          <p:spTgt spid="2">
+                                            <p:txEl>
+                                              <p:pRg st="0" end="0"/>
+                                            </p:txEl>
+                                          </p:spTgt>
                                         </p:tgtEl>
                                         <p:attrNameLst>
                                           <p:attrName>style.visibility</p:attrName>
@@ -5479,9 +6453,13 @@
                                     </p:set>
                                     <p:anim calcmode="lin" valueType="num">
                                       <p:cBhvr additive="base">
-                                        <p:cTn id="7" dur="500" fill="hold"/>
+                                        <p:cTn id="13" dur="500" fill="hold"/>
                                         <p:tgtEl>
-                                          <p:spTgt spid="6"/>
+                                          <p:spTgt spid="2">
+                                            <p:txEl>
+                                              <p:pRg st="0" end="0"/>
+                                            </p:txEl>
+                                          </p:spTgt>
                                         </p:tgtEl>
                                         <p:attrNameLst>
                                           <p:attrName>ppt_x</p:attrName>
@@ -5502,9 +6480,219 @@
                                     </p:anim>
                                     <p:anim calcmode="lin" valueType="num">
                                       <p:cBhvr additive="base">
-                                        <p:cTn id="8" dur="500" fill="hold"/>
+                                        <p:cTn id="14" dur="500" fill="hold"/>
                                         <p:tgtEl>
-                                          <p:spTgt spid="6"/>
+                                          <p:spTgt spid="2">
+                                            <p:txEl>
+                                              <p:pRg st="0" end="0"/>
+                                            </p:txEl>
+                                          </p:spTgt>
+                                        </p:tgtEl>
+                                        <p:attrNameLst>
+                                          <p:attrName>ppt_y</p:attrName>
+                                        </p:attrNameLst>
+                                      </p:cBhvr>
+                                      <p:tavLst>
+                                        <p:tav tm="0">
+                                          <p:val>
+                                            <p:strVal val="1+#ppt_h/2"/>
+                                          </p:val>
+                                        </p:tav>
+                                        <p:tav tm="100000">
+                                          <p:val>
+                                            <p:strVal val="#ppt_y"/>
+                                          </p:val>
+                                        </p:tav>
+                                      </p:tavLst>
+                                    </p:anim>
+                                  </p:childTnLst>
+                                </p:cTn>
+                              </p:par>
+                            </p:childTnLst>
+                          </p:cTn>
+                        </p:par>
+                      </p:childTnLst>
+                    </p:cTn>
+                  </p:par>
+                  <p:par>
+                    <p:cTn id="15" fill="hold">
+                      <p:stCondLst>
+                        <p:cond delay="indefinite"/>
+                      </p:stCondLst>
+                      <p:childTnLst>
+                        <p:par>
+                          <p:cTn id="16" fill="hold">
+                            <p:stCondLst>
+                              <p:cond delay="0"/>
+                            </p:stCondLst>
+                            <p:childTnLst>
+                              <p:par>
+                                <p:cTn id="17" presetID="2" presetClass="entr" presetSubtype="4" fill="hold" nodeType="clickEffect">
+                                  <p:stCondLst>
+                                    <p:cond delay="0"/>
+                                  </p:stCondLst>
+                                  <p:childTnLst>
+                                    <p:set>
+                                      <p:cBhvr>
+                                        <p:cTn id="18" dur="1" fill="hold">
+                                          <p:stCondLst>
+                                            <p:cond delay="0"/>
+                                          </p:stCondLst>
+                                        </p:cTn>
+                                        <p:tgtEl>
+                                          <p:spTgt spid="2">
+                                            <p:txEl>
+                                              <p:pRg st="1" end="1"/>
+                                            </p:txEl>
+                                          </p:spTgt>
+                                        </p:tgtEl>
+                                        <p:attrNameLst>
+                                          <p:attrName>style.visibility</p:attrName>
+                                        </p:attrNameLst>
+                                      </p:cBhvr>
+                                      <p:to>
+                                        <p:strVal val="visible"/>
+                                      </p:to>
+                                    </p:set>
+                                    <p:anim calcmode="lin" valueType="num">
+                                      <p:cBhvr additive="base">
+                                        <p:cTn id="19" dur="500" fill="hold"/>
+                                        <p:tgtEl>
+                                          <p:spTgt spid="2">
+                                            <p:txEl>
+                                              <p:pRg st="1" end="1"/>
+                                            </p:txEl>
+                                          </p:spTgt>
+                                        </p:tgtEl>
+                                        <p:attrNameLst>
+                                          <p:attrName>ppt_x</p:attrName>
+                                        </p:attrNameLst>
+                                      </p:cBhvr>
+                                      <p:tavLst>
+                                        <p:tav tm="0">
+                                          <p:val>
+                                            <p:strVal val="#ppt_x"/>
+                                          </p:val>
+                                        </p:tav>
+                                        <p:tav tm="100000">
+                                          <p:val>
+                                            <p:strVal val="#ppt_x"/>
+                                          </p:val>
+                                        </p:tav>
+                                      </p:tavLst>
+                                    </p:anim>
+                                    <p:anim calcmode="lin" valueType="num">
+                                      <p:cBhvr additive="base">
+                                        <p:cTn id="20" dur="500" fill="hold"/>
+                                        <p:tgtEl>
+                                          <p:spTgt spid="2">
+                                            <p:txEl>
+                                              <p:pRg st="1" end="1"/>
+                                            </p:txEl>
+                                          </p:spTgt>
+                                        </p:tgtEl>
+                                        <p:attrNameLst>
+                                          <p:attrName>ppt_y</p:attrName>
+                                        </p:attrNameLst>
+                                      </p:cBhvr>
+                                      <p:tavLst>
+                                        <p:tav tm="0">
+                                          <p:val>
+                                            <p:strVal val="1+#ppt_h/2"/>
+                                          </p:val>
+                                        </p:tav>
+                                        <p:tav tm="100000">
+                                          <p:val>
+                                            <p:strVal val="#ppt_y"/>
+                                          </p:val>
+                                        </p:tav>
+                                      </p:tavLst>
+                                    </p:anim>
+                                  </p:childTnLst>
+                                </p:cTn>
+                              </p:par>
+                            </p:childTnLst>
+                          </p:cTn>
+                        </p:par>
+                      </p:childTnLst>
+                    </p:cTn>
+                  </p:par>
+                  <p:par>
+                    <p:cTn id="21" fill="hold">
+                      <p:stCondLst>
+                        <p:cond delay="indefinite"/>
+                      </p:stCondLst>
+                      <p:childTnLst>
+                        <p:par>
+                          <p:cTn id="22" fill="hold">
+                            <p:stCondLst>
+                              <p:cond delay="0"/>
+                            </p:stCondLst>
+                            <p:childTnLst>
+                              <p:par>
+                                <p:cTn id="23" presetID="2" presetClass="entr" presetSubtype="4" fill="hold" nodeType="clickEffect">
+                                  <p:stCondLst>
+                                    <p:cond delay="0"/>
+                                  </p:stCondLst>
+                                  <p:childTnLst>
+                                    <p:set>
+                                      <p:cBhvr>
+                                        <p:cTn id="24" dur="1" fill="hold">
+                                          <p:stCondLst>
+                                            <p:cond delay="0"/>
+                                          </p:stCondLst>
+                                        </p:cTn>
+                                        <p:tgtEl>
+                                          <p:spTgt spid="2">
+                                            <p:txEl>
+                                              <p:pRg st="2" end="2"/>
+                                            </p:txEl>
+                                          </p:spTgt>
+                                        </p:tgtEl>
+                                        <p:attrNameLst>
+                                          <p:attrName>style.visibility</p:attrName>
+                                        </p:attrNameLst>
+                                      </p:cBhvr>
+                                      <p:to>
+                                        <p:strVal val="visible"/>
+                                      </p:to>
+                                    </p:set>
+                                    <p:anim calcmode="lin" valueType="num">
+                                      <p:cBhvr additive="base">
+                                        <p:cTn id="25" dur="500" fill="hold"/>
+                                        <p:tgtEl>
+                                          <p:spTgt spid="2">
+                                            <p:txEl>
+                                              <p:pRg st="2" end="2"/>
+                                            </p:txEl>
+                                          </p:spTgt>
+                                        </p:tgtEl>
+                                        <p:attrNameLst>
+                                          <p:attrName>ppt_x</p:attrName>
+                                        </p:attrNameLst>
+                                      </p:cBhvr>
+                                      <p:tavLst>
+                                        <p:tav tm="0">
+                                          <p:val>
+                                            <p:strVal val="#ppt_x"/>
+                                          </p:val>
+                                        </p:tav>
+                                        <p:tav tm="100000">
+                                          <p:val>
+                                            <p:strVal val="#ppt_x"/>
+                                          </p:val>
+                                        </p:tav>
+                                      </p:tavLst>
+                                    </p:anim>
+                                    <p:anim calcmode="lin" valueType="num">
+                                      <p:cBhvr additive="base">
+                                        <p:cTn id="26" dur="500" fill="hold"/>
+                                        <p:tgtEl>
+                                          <p:spTgt spid="2">
+                                            <p:txEl>
+                                              <p:pRg st="2" end="2"/>
+                                            </p:txEl>
+                                          </p:spTgt>
                                         </p:tgtEl>
                                         <p:attrNameLst>
                                           <p:attrName>ppt_y</p:attrName>
@@ -10323,7 +11511,7 @@
                 </a:solidFill>
                 <a:sym typeface="+mn-ea"/>
               </a:rPr>
-              <a:t>2</a:t>
+              <a:t>0</a:t>
             </a:r>
             <a:r>
               <a:rPr lang="zh-CN" altLang="en-US" sz="1800" dirty="0">
@@ -12084,7 +13272,7 @@
                 </a:solidFill>
                 <a:sym typeface="+mn-ea"/>
               </a:rPr>
-              <a:t>多维数组</a:t>
+              <a:t>多维数组（矩形数组、交错数组）</a:t>
             </a:r>
             <a:br>
               <a:rPr lang="zh-CN" altLang="en-US" sz="3200" dirty="0">
@@ -12110,7 +13298,25 @@
                 </a:solidFill>
                 <a:sym typeface="+mn-ea"/>
               </a:rPr>
-              <a:t>不支持真正的多维数组，但可以用包含数组的数组来模拟多维数组</a:t>
+              <a:t>中可以通过</a:t>
+            </a:r>
+            <a:r>
+              <a:rPr lang="zh-CN" altLang="en-US" sz="1800" dirty="0">
+                <a:solidFill>
+                  <a:srgbClr val="FF0000"/>
+                </a:solidFill>
+                <a:sym typeface="+mn-ea"/>
+              </a:rPr>
+              <a:t>包含数组的数组</a:t>
+            </a:r>
+            <a:r>
+              <a:rPr lang="zh-CN" altLang="en-US" sz="1800" dirty="0">
+                <a:solidFill>
+                  <a:schemeClr val="tx1"/>
+                </a:solidFill>
+                <a:sym typeface="+mn-ea"/>
+              </a:rPr>
+              <a:t>来模拟多维数组</a:t>
             </a:r>
             <a:br>
               <a:rPr lang="en-US" altLang="zh-CN" sz="1800" dirty="0">
@@ -12218,7 +13424,7 @@
                 <a:latin typeface="+mn-ea"/>
                 <a:ea typeface="+mn-ea"/>
               </a:rPr>
-              <a:t>多维数组</a:t>
+              <a:t>多维数组（矩形、交错）</a:t>
             </a:r>
             <a:endParaRPr lang="zh-CN" altLang="en-US" sz="2200">
               <a:solidFill>
@@ -12232,7 +13438,7 @@
       </p:sp>
       <p:pic>
         <p:nvPicPr>
-          <p:cNvPr id="5" name="图片 4"/>
+          <p:cNvPr id="7" name="图片 6"/>
           <p:cNvPicPr>
             <a:picLocks noChangeAspect="1"/>
           </p:cNvPicPr>
@@ -12246,8 +13452,8 @@
         </p:blipFill>
         <p:spPr>
           <a:xfrm>
-            <a:off x="1197610" y="2267585"/>
-            <a:ext cx="7221855" cy="3435350"/>
+            <a:off x="1162685" y="2161540"/>
+            <a:ext cx="9095105" cy="3723640"/>
           </a:xfrm>
           <a:prstGeom prst="rect">
             <a:avLst/>
@@ -12367,112 +13573,21 @@
                             </p:childTnLst>
                           </p:cTn>
                         </p:par>
-                      </p:childTnLst>
-                    </p:cTn>
-                  </p:par>
-                  <p:par>
-                    <p:cTn id="9" fill="hold">
-                      <p:stCondLst>
-                        <p:cond delay="indefinite"/>
-                      </p:stCondLst>
-                      <p:childTnLst>
                         <p:par>
-                          <p:cTn id="10" fill="hold">
+                          <p:cTn id="9" fill="hold">
                             <p:stCondLst>
-                              <p:cond delay="0"/>
+                              <p:cond delay="500"/>
                             </p:stCondLst>
                             <p:childTnLst>
                               <p:par>
-                                <p:cTn id="11" presetID="2" presetClass="entr" presetSubtype="4" fill="hold" nodeType="clickEffect">
+                                <p:cTn id="10" presetID="2" presetClass="entr" presetSubtype="4" fill="hold" grpId="0" nodeType="afterEffect">
                                   <p:stCondLst>
                                     <p:cond delay="0"/>
                                   </p:stCondLst>
                                   <p:childTnLst>
                                     <p:set>
                                       <p:cBhvr>
-                                        <p:cTn id="12" dur="1" fill="hold">
-                                          <p:stCondLst>
-                                            <p:cond delay="0"/>
-                                          </p:stCondLst>
-                                        </p:cTn>
-                                        <p:tgtEl>
-                                          <p:spTgt spid="5"/>
-                                        </p:tgtEl>
-                                        <p:attrNameLst>
-                                          <p:attrName>style.visibility</p:attrName>
-                                        </p:attrNameLst>
-                                      </p:cBhvr>
-                                      <p:to>
-                                        <p:strVal val="visible"/>
-                                      </p:to>
-                                    </p:set>
-                                    <p:anim calcmode="lin" valueType="num">
-                                      <p:cBhvr additive="base">
-                                        <p:cTn id="13" dur="500" fill="hold"/>
-                                        <p:tgtEl>
-                                          <p:spTgt spid="5"/>
-                                        </p:tgtEl>
-                                        <p:attrNameLst>
-                                          <p:attrName>ppt_x</p:attrName>
-                                        </p:attrNameLst>
-                                      </p:cBhvr>
-                                      <p:tavLst>
-                                        <p:tav tm="0">
-                                          <p:val>
-                                            <p:strVal val="#ppt_x"/>
-                                          </p:val>
-                                        </p:tav>
-                                        <p:tav tm="100000">
-                                          <p:val>
-                                            <p:strVal val="#ppt_x"/>
-                                          </p:val>
-                                        </p:tav>
-                                      </p:tavLst>
-                                    </p:anim>
-                                    <p:anim calcmode="lin" valueType="num">
-                                      <p:cBhvr additive="base">
-                                        <p:cTn id="14" dur="500" fill="hold"/>
-                                        <p:tgtEl>
-                                          <p:spTgt spid="5"/>
-                                        </p:tgtEl>
-                                        <p:attrNameLst>
-                                          <p:attrName>ppt_y</p:attrName>
-                                        </p:attrNameLst>
-                                      </p:cBhvr>
-                                      <p:tavLst>
-                                        <p:tav tm="0">
-                                          <p:val>
-                                            <p:strVal val="1+#ppt_h/2"/>
-                                          </p:val>
-                                        </p:tav>
-                                        <p:tav tm="100000">
-                                          <p:val>
-                                            <p:strVal val="#ppt_y"/>
-                                          </p:val>
-                                        </p:tav>
-                                      </p:tavLst>
-                                    </p:anim>
-                                  </p:childTnLst>
-                                </p:cTn>
-                              </p:par>
-                            </p:childTnLst>
-                          </p:cTn>
-                        </p:par>
-                        <p:par>
-                          <p:cTn id="15" fill="hold">
-                            <p:stCondLst>
-                              <p:cond delay="500"/>
-                            </p:stCondLst>
-                            <p:childTnLst>
-                              <p:par>
-                                <p:cTn id="16" presetID="2" presetClass="entr" presetSubtype="4" fill="hold" grpId="0" nodeType="afterEffect">
-                                  <p:stCondLst>
-                                    <p:cond delay="0"/>
-                                  </p:stCondLst>
-                                  <p:childTnLst>
-                                    <p:set>
-                                      <p:cBhvr>
-                                        <p:cTn id="17" dur="1" fill="hold">
+                                        <p:cTn id="11" dur="1" fill="hold">
                                           <p:stCondLst>
                                             <p:cond delay="0"/>
                                           </p:stCondLst>
@@ -12490,7 +13605,7 @@
                                     </p:set>
                                     <p:anim calcmode="lin" valueType="num">
                                       <p:cBhvr additive="base">
-                                        <p:cTn id="18" dur="500" fill="hold"/>
+                                        <p:cTn id="12" dur="500" fill="hold"/>
                                         <p:tgtEl>
                                           <p:spTgt spid="6"/>
                                         </p:tgtEl>
@@ -12513,7 +13628,7 @@
                                     </p:anim>
                                     <p:anim calcmode="lin" valueType="num">
                                       <p:cBhvr additive="base">
-                                        <p:cTn id="19" dur="500" fill="hold"/>
+                                        <p:cTn id="13" dur="500" fill="hold"/>
                                         <p:tgtEl>
                                           <p:spTgt spid="6"/>
                                         </p:tgtEl>

--- a/课程PPT/09.JavaScript标准内置对象-构造器（Array、Date、Error等）.pptx
+++ b/课程PPT/09.JavaScript标准内置对象-构造器（Array、Date、Error等）.pptx
@@ -23,12 +23,17 @@
     <p:sldId id="1249" r:id="rId16"/>
     <p:sldId id="1104" r:id="rId17"/>
     <p:sldId id="1243" r:id="rId18"/>
-    <p:sldId id="1244" r:id="rId19"/>
-    <p:sldId id="1245" r:id="rId20"/>
-    <p:sldId id="1246" r:id="rId21"/>
-    <p:sldId id="1247" r:id="rId22"/>
-    <p:sldId id="1248" r:id="rId23"/>
-    <p:sldId id="1239" r:id="rId24"/>
+    <p:sldId id="1261" r:id="rId19"/>
+    <p:sldId id="1258" r:id="rId20"/>
+    <p:sldId id="1259" r:id="rId21"/>
+    <p:sldId id="1260" r:id="rId22"/>
+    <p:sldId id="1262" r:id="rId23"/>
+    <p:sldId id="1263" r:id="rId24"/>
+    <p:sldId id="1245" r:id="rId25"/>
+    <p:sldId id="1246" r:id="rId26"/>
+    <p:sldId id="1247" r:id="rId27"/>
+    <p:sldId id="1248" r:id="rId28"/>
+    <p:sldId id="1239" r:id="rId29"/>
   </p:sldIdLst>
   <p:sldSz cx="12192000" cy="6858000"/>
   <p:notesSz cx="6797675" cy="9928225"/>
@@ -905,6 +910,270 @@
         <p:cNvGrpSpPr/>
         <p:nvPr/>
       </p:nvGrpSpPr>
+      <p:grpSpPr/>
+      <p:sp>
+        <p:nvSpPr>
+          <p:cNvPr id="2" name="幻灯片图像占位符 1"/>
+          <p:cNvSpPr/>
+          <p:nvPr>
+            <p:ph type="sldImg" idx="2"/>
+          </p:nvPr>
+        </p:nvSpPr>
+        <p:spPr/>
+      </p:sp>
+      <p:sp>
+        <p:nvSpPr>
+          <p:cNvPr id="3" name="文本占位符 2"/>
+          <p:cNvSpPr/>
+          <p:nvPr>
+            <p:ph type="body" idx="3"/>
+          </p:nvPr>
+        </p:nvSpPr>
+        <p:spPr/>
+        <p:txBody>
+          <a:bodyPr/>
+          <a:p>
+            <a:endParaRPr lang="zh-CN" altLang="en-US"/>
+          </a:p>
+        </p:txBody>
+      </p:sp>
+    </p:spTree>
+  </p:cSld>
+  <p:clrMapOvr>
+    <a:masterClrMapping/>
+  </p:clrMapOvr>
+</p:notes>
+</file>
+
+<file path=ppt/notesSlides/notesSlide16.xml><?xml version="1.0" encoding="utf-8"?>
+<p:notes xmlns:a="http://schemas.openxmlformats.org/drawingml/2006/main" xmlns:r="http://schemas.openxmlformats.org/officeDocument/2006/relationships" xmlns:p="http://schemas.openxmlformats.org/presentationml/2006/main">
+  <p:cSld>
+    <p:spTree>
+      <p:nvGrpSpPr>
+        <p:cNvPr id="1" name=""/>
+        <p:cNvGrpSpPr/>
+        <p:nvPr/>
+      </p:nvGrpSpPr>
+      <p:grpSpPr/>
+      <p:sp>
+        <p:nvSpPr>
+          <p:cNvPr id="2" name="幻灯片图像占位符 1"/>
+          <p:cNvSpPr/>
+          <p:nvPr>
+            <p:ph type="sldImg" idx="2"/>
+          </p:nvPr>
+        </p:nvSpPr>
+        <p:spPr/>
+      </p:sp>
+      <p:sp>
+        <p:nvSpPr>
+          <p:cNvPr id="3" name="文本占位符 2"/>
+          <p:cNvSpPr/>
+          <p:nvPr>
+            <p:ph type="body" idx="3"/>
+          </p:nvPr>
+        </p:nvSpPr>
+        <p:spPr/>
+        <p:txBody>
+          <a:bodyPr/>
+          <a:p>
+            <a:endParaRPr lang="zh-CN" altLang="en-US"/>
+          </a:p>
+        </p:txBody>
+      </p:sp>
+    </p:spTree>
+  </p:cSld>
+  <p:clrMapOvr>
+    <a:masterClrMapping/>
+  </p:clrMapOvr>
+</p:notes>
+</file>
+
+<file path=ppt/notesSlides/notesSlide17.xml><?xml version="1.0" encoding="utf-8"?>
+<p:notes xmlns:a="http://schemas.openxmlformats.org/drawingml/2006/main" xmlns:r="http://schemas.openxmlformats.org/officeDocument/2006/relationships" xmlns:p="http://schemas.openxmlformats.org/presentationml/2006/main">
+  <p:cSld>
+    <p:spTree>
+      <p:nvGrpSpPr>
+        <p:cNvPr id="1" name=""/>
+        <p:cNvGrpSpPr/>
+        <p:nvPr/>
+      </p:nvGrpSpPr>
+      <p:grpSpPr/>
+      <p:sp>
+        <p:nvSpPr>
+          <p:cNvPr id="2" name="幻灯片图像占位符 1"/>
+          <p:cNvSpPr/>
+          <p:nvPr>
+            <p:ph type="sldImg" idx="2"/>
+          </p:nvPr>
+        </p:nvSpPr>
+        <p:spPr/>
+      </p:sp>
+      <p:sp>
+        <p:nvSpPr>
+          <p:cNvPr id="3" name="文本占位符 2"/>
+          <p:cNvSpPr/>
+          <p:nvPr>
+            <p:ph type="body" idx="3"/>
+          </p:nvPr>
+        </p:nvSpPr>
+        <p:spPr/>
+        <p:txBody>
+          <a:bodyPr/>
+          <a:p>
+            <a:endParaRPr lang="zh-CN" altLang="en-US"/>
+          </a:p>
+        </p:txBody>
+      </p:sp>
+    </p:spTree>
+  </p:cSld>
+  <p:clrMapOvr>
+    <a:masterClrMapping/>
+  </p:clrMapOvr>
+</p:notes>
+</file>
+
+<file path=ppt/notesSlides/notesSlide18.xml><?xml version="1.0" encoding="utf-8"?>
+<p:notes xmlns:a="http://schemas.openxmlformats.org/drawingml/2006/main" xmlns:r="http://schemas.openxmlformats.org/officeDocument/2006/relationships" xmlns:p="http://schemas.openxmlformats.org/presentationml/2006/main">
+  <p:cSld>
+    <p:spTree>
+      <p:nvGrpSpPr>
+        <p:cNvPr id="1" name=""/>
+        <p:cNvGrpSpPr/>
+        <p:nvPr/>
+      </p:nvGrpSpPr>
+      <p:grpSpPr/>
+      <p:sp>
+        <p:nvSpPr>
+          <p:cNvPr id="2" name="幻灯片图像占位符 1"/>
+          <p:cNvSpPr/>
+          <p:nvPr>
+            <p:ph type="sldImg" idx="2"/>
+          </p:nvPr>
+        </p:nvSpPr>
+        <p:spPr/>
+      </p:sp>
+      <p:sp>
+        <p:nvSpPr>
+          <p:cNvPr id="3" name="文本占位符 2"/>
+          <p:cNvSpPr/>
+          <p:nvPr>
+            <p:ph type="body" idx="3"/>
+          </p:nvPr>
+        </p:nvSpPr>
+        <p:spPr/>
+        <p:txBody>
+          <a:bodyPr/>
+          <a:p>
+            <a:endParaRPr lang="zh-CN" altLang="en-US"/>
+          </a:p>
+        </p:txBody>
+      </p:sp>
+    </p:spTree>
+  </p:cSld>
+  <p:clrMapOvr>
+    <a:masterClrMapping/>
+  </p:clrMapOvr>
+</p:notes>
+</file>
+
+<file path=ppt/notesSlides/notesSlide19.xml><?xml version="1.0" encoding="utf-8"?>
+<p:notes xmlns:a="http://schemas.openxmlformats.org/drawingml/2006/main" xmlns:r="http://schemas.openxmlformats.org/officeDocument/2006/relationships" xmlns:p="http://schemas.openxmlformats.org/presentationml/2006/main">
+  <p:cSld>
+    <p:spTree>
+      <p:nvGrpSpPr>
+        <p:cNvPr id="1" name=""/>
+        <p:cNvGrpSpPr/>
+        <p:nvPr/>
+      </p:nvGrpSpPr>
+      <p:grpSpPr/>
+      <p:sp>
+        <p:nvSpPr>
+          <p:cNvPr id="2" name="幻灯片图像占位符 1"/>
+          <p:cNvSpPr/>
+          <p:nvPr>
+            <p:ph type="sldImg" idx="2"/>
+          </p:nvPr>
+        </p:nvSpPr>
+        <p:spPr/>
+      </p:sp>
+      <p:sp>
+        <p:nvSpPr>
+          <p:cNvPr id="3" name="文本占位符 2"/>
+          <p:cNvSpPr/>
+          <p:nvPr>
+            <p:ph type="body" idx="3"/>
+          </p:nvPr>
+        </p:nvSpPr>
+        <p:spPr/>
+        <p:txBody>
+          <a:bodyPr/>
+          <a:p>
+            <a:endParaRPr lang="zh-CN" altLang="en-US"/>
+          </a:p>
+        </p:txBody>
+      </p:sp>
+    </p:spTree>
+  </p:cSld>
+  <p:clrMapOvr>
+    <a:masterClrMapping/>
+  </p:clrMapOvr>
+</p:notes>
+</file>
+
+<file path=ppt/notesSlides/notesSlide2.xml><?xml version="1.0" encoding="utf-8"?>
+<p:notes xmlns:a="http://schemas.openxmlformats.org/drawingml/2006/main" xmlns:r="http://schemas.openxmlformats.org/officeDocument/2006/relationships" xmlns:p="http://schemas.openxmlformats.org/presentationml/2006/main">
+  <p:cSld>
+    <p:spTree>
+      <p:nvGrpSpPr>
+        <p:cNvPr id="1" name=""/>
+        <p:cNvGrpSpPr/>
+        <p:nvPr/>
+      </p:nvGrpSpPr>
+      <p:grpSpPr/>
+      <p:sp>
+        <p:nvSpPr>
+          <p:cNvPr id="2" name="幻灯片图像占位符 1"/>
+          <p:cNvSpPr/>
+          <p:nvPr>
+            <p:ph type="sldImg" idx="2"/>
+          </p:nvPr>
+        </p:nvSpPr>
+        <p:spPr/>
+      </p:sp>
+      <p:sp>
+        <p:nvSpPr>
+          <p:cNvPr id="3" name="文本占位符 2"/>
+          <p:cNvSpPr/>
+          <p:nvPr>
+            <p:ph type="body" idx="3"/>
+          </p:nvPr>
+        </p:nvSpPr>
+        <p:spPr/>
+        <p:txBody>
+          <a:bodyPr/>
+          <a:p>
+            <a:endParaRPr lang="zh-CN" altLang="en-US"/>
+          </a:p>
+        </p:txBody>
+      </p:sp>
+    </p:spTree>
+  </p:cSld>
+  <p:clrMapOvr>
+    <a:masterClrMapping/>
+  </p:clrMapOvr>
+</p:notes>
+</file>
+
+<file path=ppt/notesSlides/notesSlide20.xml><?xml version="1.0" encoding="utf-8"?>
+<p:notes xmlns:a="http://schemas.openxmlformats.org/drawingml/2006/main" xmlns:r="http://schemas.openxmlformats.org/officeDocument/2006/relationships" xmlns:p="http://schemas.openxmlformats.org/presentationml/2006/main">
+  <p:cSld>
+    <p:spTree>
+      <p:nvGrpSpPr>
+        <p:cNvPr id="1" name=""/>
+        <p:cNvGrpSpPr/>
+        <p:nvPr/>
+      </p:nvGrpSpPr>
       <p:grpSpPr>
         <a:xfrm>
           <a:off x="0" y="0"/>
@@ -963,50 +1232,6 @@
               <a:rPr lang="en-US" altLang="zh-CN" smtClean="0"/>
             </a:fld>
             <a:endParaRPr lang="zh-CN" altLang="zh-CN"/>
-          </a:p>
-        </p:txBody>
-      </p:sp>
-    </p:spTree>
-  </p:cSld>
-  <p:clrMapOvr>
-    <a:masterClrMapping/>
-  </p:clrMapOvr>
-</p:notes>
-</file>
-
-<file path=ppt/notesSlides/notesSlide2.xml><?xml version="1.0" encoding="utf-8"?>
-<p:notes xmlns:a="http://schemas.openxmlformats.org/drawingml/2006/main" xmlns:r="http://schemas.openxmlformats.org/officeDocument/2006/relationships" xmlns:p="http://schemas.openxmlformats.org/presentationml/2006/main">
-  <p:cSld>
-    <p:spTree>
-      <p:nvGrpSpPr>
-        <p:cNvPr id="1" name=""/>
-        <p:cNvGrpSpPr/>
-        <p:nvPr/>
-      </p:nvGrpSpPr>
-      <p:grpSpPr/>
-      <p:sp>
-        <p:nvSpPr>
-          <p:cNvPr id="2" name="幻灯片图像占位符 1"/>
-          <p:cNvSpPr/>
-          <p:nvPr>
-            <p:ph type="sldImg" idx="2"/>
-          </p:nvPr>
-        </p:nvSpPr>
-        <p:spPr/>
-      </p:sp>
-      <p:sp>
-        <p:nvSpPr>
-          <p:cNvPr id="3" name="文本占位符 2"/>
-          <p:cNvSpPr/>
-          <p:nvPr>
-            <p:ph type="body" idx="3"/>
-          </p:nvPr>
-        </p:nvSpPr>
-        <p:spPr/>
-        <p:txBody>
-          <a:bodyPr/>
-          <a:p>
-            <a:endParaRPr lang="zh-CN" altLang="en-US"/>
           </a:p>
         </p:txBody>
       </p:sp>
@@ -4238,43 +4463,7 @@
                 </a:solidFill>
                 <a:sym typeface="+mn-ea"/>
               </a:rPr>
-              <a:t>数组</a:t>
-            </a:r>
-            <a:r>
-              <a:rPr lang="zh-CN" altLang="en-US" sz="3200" dirty="0">
-                <a:solidFill>
-                  <a:schemeClr val="tx1"/>
-                </a:solidFill>
-                <a:sym typeface="+mn-ea"/>
-              </a:rPr>
-              <a:t>静态方法</a:t>
-            </a:r>
-            <a:r>
-              <a:rPr lang="zh-CN" altLang="en-US" sz="3200" dirty="0">
-                <a:solidFill>
-                  <a:schemeClr val="tx1"/>
-                </a:solidFill>
-                <a:sym typeface="+mn-ea"/>
-              </a:rPr>
-              <a:t>（</a:t>
-            </a:r>
-            <a:r>
-              <a:rPr lang="zh-CN" altLang="en-US" sz="3200" dirty="0">
-                <a:solidFill>
-                  <a:schemeClr val="tx1"/>
-                </a:solidFill>
-                <a:sym typeface="+mn-ea"/>
-              </a:rPr>
-              <a:t>构造器函数对象的方法</a:t>
-            </a:r>
-            <a:r>
-              <a:rPr lang="zh-CN" altLang="en-US" sz="3200" dirty="0">
-                <a:solidFill>
-                  <a:schemeClr val="tx1"/>
-                </a:solidFill>
-                <a:sym typeface="+mn-ea"/>
-              </a:rPr>
-              <a:t>）</a:t>
+              <a:t>数组静态方法（构造器函数对象的方法）</a:t>
             </a:r>
             <a:br>
               <a:rPr lang="zh-CN" altLang="en-US" sz="3200" dirty="0">
@@ -4563,7 +4752,7 @@
       </p:sp>
       <p:pic>
         <p:nvPicPr>
-          <p:cNvPr id="5" name="图片 4"/>
+          <p:cNvPr id="7" name="图片 6"/>
           <p:cNvPicPr>
             <a:picLocks noChangeAspect="1"/>
           </p:cNvPicPr>
@@ -4577,8 +4766,8 @@
         </p:blipFill>
         <p:spPr>
           <a:xfrm>
-            <a:off x="1162685" y="2127250"/>
-            <a:ext cx="9667875" cy="1832610"/>
+            <a:off x="1204595" y="2039620"/>
+            <a:ext cx="10641965" cy="2007870"/>
           </a:xfrm>
           <a:prstGeom prst="rect">
             <a:avLst/>
@@ -4727,7 +4916,7 @@
                                           </p:stCondLst>
                                         </p:cTn>
                                         <p:tgtEl>
-                                          <p:spTgt spid="5"/>
+                                          <p:spTgt spid="7"/>
                                         </p:tgtEl>
                                         <p:attrNameLst>
                                           <p:attrName>style.visibility</p:attrName>
@@ -4741,7 +4930,7 @@
                                       <p:cBhvr additive="base">
                                         <p:cTn id="13" dur="500" fill="hold"/>
                                         <p:tgtEl>
-                                          <p:spTgt spid="5"/>
+                                          <p:spTgt spid="7"/>
                                         </p:tgtEl>
                                         <p:attrNameLst>
                                           <p:attrName>ppt_x</p:attrName>
@@ -4764,7 +4953,7 @@
                                       <p:cBhvr additive="base">
                                         <p:cTn id="14" dur="500" fill="hold"/>
                                         <p:tgtEl>
-                                          <p:spTgt spid="5"/>
+                                          <p:spTgt spid="7"/>
                                         </p:tgtEl>
                                         <p:attrNameLst>
                                           <p:attrName>ppt_y</p:attrName>
@@ -5388,7 +5577,17 @@
                 <a:latin typeface="+mn-ea"/>
                 <a:ea typeface="+mn-ea"/>
               </a:rPr>
-              <a:t>demo6 </a:t>
+              <a:t>demo6  </a:t>
+            </a:r>
+            <a:r>
+              <a:rPr lang="zh-CN" altLang="en-US" sz="2200">
+                <a:solidFill>
+                  <a:srgbClr val="FF0000"/>
+                </a:solidFill>
+                <a:latin typeface="+mn-ea"/>
+                <a:ea typeface="+mn-ea"/>
+              </a:rPr>
+              <a:t>数组原型方法</a:t>
             </a:r>
             <a:endParaRPr lang="zh-CN" altLang="en-US" sz="2200">
               <a:solidFill>
@@ -5417,9 +5616,6 @@
                     <p:cTn id="3" fill="hold">
                       <p:stCondLst>
                         <p:cond delay="indefinite"/>
-                        <p:cond evt="onBegin" delay="0">
-                          <p:tn val="2"/>
-                        </p:cond>
                       </p:stCondLst>
                       <p:childTnLst>
                         <p:par>
@@ -5429,7 +5625,7 @@
                             </p:stCondLst>
                             <p:childTnLst>
                               <p:par>
-                                <p:cTn id="5" presetID="2" presetClass="entr" presetSubtype="4" fill="hold" grpId="0" nodeType="afterEffect">
+                                <p:cTn id="5" presetID="2" presetClass="entr" presetSubtype="4" fill="hold" nodeType="clickEffect">
                                   <p:stCondLst>
                                     <p:cond delay="0"/>
                                   </p:stCondLst>
@@ -5442,7 +5638,11 @@
                                           </p:stCondLst>
                                         </p:cTn>
                                         <p:tgtEl>
-                                          <p:spTgt spid="6"/>
+                                          <p:spTgt spid="2">
+                                            <p:txEl>
+                                              <p:pRg st="0" end="0"/>
+                                            </p:txEl>
+                                          </p:spTgt>
                                         </p:tgtEl>
                                         <p:attrNameLst>
                                           <p:attrName>style.visibility</p:attrName>
@@ -5456,7 +5656,11 @@
                                       <p:cBhvr additive="base">
                                         <p:cTn id="7" dur="500" fill="hold"/>
                                         <p:tgtEl>
-                                          <p:spTgt spid="6"/>
+                                          <p:spTgt spid="2">
+                                            <p:txEl>
+                                              <p:pRg st="0" end="0"/>
+                                            </p:txEl>
+                                          </p:spTgt>
                                         </p:tgtEl>
                                         <p:attrNameLst>
                                           <p:attrName>ppt_x</p:attrName>
@@ -5479,7 +5683,11 @@
                                       <p:cBhvr additive="base">
                                         <p:cTn id="8" dur="500" fill="hold"/>
                                         <p:tgtEl>
-                                          <p:spTgt spid="6"/>
+                                          <p:spTgt spid="2">
+                                            <p:txEl>
+                                              <p:pRg st="0" end="0"/>
+                                            </p:txEl>
+                                          </p:spTgt>
                                         </p:tgtEl>
                                         <p:attrNameLst>
                                           <p:attrName>ppt_y</p:attrName>
@@ -5535,7 +5743,7 @@
                                         <p:tgtEl>
                                           <p:spTgt spid="2">
                                             <p:txEl>
-                                              <p:pRg st="0" end="0"/>
+                                              <p:pRg st="1" end="1"/>
                                             </p:txEl>
                                           </p:spTgt>
                                         </p:tgtEl>
@@ -5553,7 +5761,7 @@
                                         <p:tgtEl>
                                           <p:spTgt spid="2">
                                             <p:txEl>
-                                              <p:pRg st="0" end="0"/>
+                                              <p:pRg st="1" end="1"/>
                                             </p:txEl>
                                           </p:spTgt>
                                         </p:tgtEl>
@@ -5580,7 +5788,7 @@
                                         <p:tgtEl>
                                           <p:spTgt spid="2">
                                             <p:txEl>
-                                              <p:pRg st="0" end="0"/>
+                                              <p:pRg st="1" end="1"/>
                                             </p:txEl>
                                           </p:spTgt>
                                         </p:tgtEl>
@@ -5638,7 +5846,7 @@
                                         <p:tgtEl>
                                           <p:spTgt spid="2">
                                             <p:txEl>
-                                              <p:pRg st="1" end="1"/>
+                                              <p:pRg st="2" end="2"/>
                                             </p:txEl>
                                           </p:spTgt>
                                         </p:tgtEl>
@@ -5656,7 +5864,7 @@
                                         <p:tgtEl>
                                           <p:spTgt spid="2">
                                             <p:txEl>
-                                              <p:pRg st="1" end="1"/>
+                                              <p:pRg st="2" end="2"/>
                                             </p:txEl>
                                           </p:spTgt>
                                         </p:tgtEl>
@@ -5683,7 +5891,7 @@
                                         <p:tgtEl>
                                           <p:spTgt spid="2">
                                             <p:txEl>
-                                              <p:pRg st="1" end="1"/>
+                                              <p:pRg st="2" end="2"/>
                                             </p:txEl>
                                           </p:spTgt>
                                         </p:tgtEl>
@@ -5710,40 +5918,27 @@
                             </p:childTnLst>
                           </p:cTn>
                         </p:par>
-                      </p:childTnLst>
-                    </p:cTn>
-                  </p:par>
-                  <p:par>
-                    <p:cTn id="21" fill="hold">
-                      <p:stCondLst>
-                        <p:cond delay="indefinite"/>
-                      </p:stCondLst>
-                      <p:childTnLst>
                         <p:par>
-                          <p:cTn id="22" fill="hold">
+                          <p:cTn id="21" fill="hold">
                             <p:stCondLst>
-                              <p:cond delay="0"/>
+                              <p:cond delay="500"/>
                             </p:stCondLst>
                             <p:childTnLst>
                               <p:par>
-                                <p:cTn id="23" presetID="2" presetClass="entr" presetSubtype="4" fill="hold" nodeType="clickEffect">
+                                <p:cTn id="22" presetID="2" presetClass="entr" presetSubtype="4" fill="hold" grpId="0" nodeType="afterEffect">
                                   <p:stCondLst>
                                     <p:cond delay="0"/>
                                   </p:stCondLst>
                                   <p:childTnLst>
                                     <p:set>
                                       <p:cBhvr>
-                                        <p:cTn id="24" dur="1" fill="hold">
+                                        <p:cTn id="23" dur="1" fill="hold">
                                           <p:stCondLst>
                                             <p:cond delay="0"/>
                                           </p:stCondLst>
                                         </p:cTn>
                                         <p:tgtEl>
-                                          <p:spTgt spid="2">
-                                            <p:txEl>
-                                              <p:pRg st="2" end="2"/>
-                                            </p:txEl>
-                                          </p:spTgt>
+                                          <p:spTgt spid="6"/>
                                         </p:tgtEl>
                                         <p:attrNameLst>
                                           <p:attrName>style.visibility</p:attrName>
@@ -5755,13 +5950,9 @@
                                     </p:set>
                                     <p:anim calcmode="lin" valueType="num">
                                       <p:cBhvr additive="base">
-                                        <p:cTn id="25" dur="500" fill="hold"/>
+                                        <p:cTn id="24" dur="500" fill="hold"/>
                                         <p:tgtEl>
-                                          <p:spTgt spid="2">
-                                            <p:txEl>
-                                              <p:pRg st="2" end="2"/>
-                                            </p:txEl>
-                                          </p:spTgt>
+                                          <p:spTgt spid="6"/>
                                         </p:tgtEl>
                                         <p:attrNameLst>
                                           <p:attrName>ppt_x</p:attrName>
@@ -5782,13 +5973,9 @@
                                     </p:anim>
                                     <p:anim calcmode="lin" valueType="num">
                                       <p:cBhvr additive="base">
-                                        <p:cTn id="26" dur="500" fill="hold"/>
+                                        <p:cTn id="25" dur="500" fill="hold"/>
                                         <p:tgtEl>
-                                          <p:spTgt spid="2">
-                                            <p:txEl>
-                                              <p:pRg st="2" end="2"/>
-                                            </p:txEl>
-                                          </p:spTgt>
+                                          <p:spTgt spid="6"/>
                                         </p:tgtEl>
                                         <p:attrNameLst>
                                           <p:attrName>ppt_y</p:attrName>
@@ -5929,16 +6116,7 @@
                 </a:solidFill>
                 <a:sym typeface="+mn-ea"/>
               </a:rPr>
-              <a:t>检测方法</a:t>
-            </a:r>
-            <a:r>
-              <a:rPr lang="zh-CN" altLang="en-US" sz="3200" dirty="0">
-                <a:solidFill>
-                  <a:schemeClr val="tx1"/>
-                </a:solidFill>
-                <a:sym typeface="+mn-ea"/>
-              </a:rPr>
-              <a:t>）</a:t>
+              <a:t>检测方法）</a:t>
             </a:r>
             <a:br>
               <a:rPr lang="zh-CN" altLang="en-US" sz="3200" dirty="0">
@@ -6064,16 +6242,7 @@
                 </a:solidFill>
                 <a:sym typeface="+mn-ea"/>
               </a:rPr>
-              <a:t>- Array.prototype.map(callback,thisValue?</a:t>
-            </a:r>
-            <a:r>
-              <a:rPr lang="en-US" altLang="zh-CN" sz="1800" dirty="0">
-                <a:solidFill>
-                  <a:schemeClr val="tx1"/>
-                </a:solidFill>
-                <a:sym typeface="+mn-ea"/>
-              </a:rPr>
-              <a:t>)</a:t>
+              <a:t>- Array.prototype.map(callback,thisValue?)</a:t>
             </a:r>
             <a:br>
               <a:rPr lang="en-US" altLang="zh-CN" sz="1800" dirty="0">
@@ -6321,9 +6490,6 @@
                     <p:cTn id="3" fill="hold">
                       <p:stCondLst>
                         <p:cond delay="indefinite"/>
-                        <p:cond evt="onBegin" delay="0">
-                          <p:tn val="2"/>
-                        </p:cond>
                       </p:stCondLst>
                       <p:childTnLst>
                         <p:par>
@@ -6333,7 +6499,7 @@
                             </p:stCondLst>
                             <p:childTnLst>
                               <p:par>
-                                <p:cTn id="5" presetID="2" presetClass="entr" presetSubtype="4" fill="hold" grpId="0" nodeType="afterEffect">
+                                <p:cTn id="5" presetID="2" presetClass="entr" presetSubtype="4" fill="hold" nodeType="clickEffect">
                                   <p:stCondLst>
                                     <p:cond delay="0"/>
                                   </p:stCondLst>
@@ -6346,7 +6512,11 @@
                                           </p:stCondLst>
                                         </p:cTn>
                                         <p:tgtEl>
-                                          <p:spTgt spid="6"/>
+                                          <p:spTgt spid="2">
+                                            <p:txEl>
+                                              <p:pRg st="0" end="0"/>
+                                            </p:txEl>
+                                          </p:spTgt>
                                         </p:tgtEl>
                                         <p:attrNameLst>
                                           <p:attrName>style.visibility</p:attrName>
@@ -6360,7 +6530,11 @@
                                       <p:cBhvr additive="base">
                                         <p:cTn id="7" dur="500" fill="hold"/>
                                         <p:tgtEl>
-                                          <p:spTgt spid="6"/>
+                                          <p:spTgt spid="2">
+                                            <p:txEl>
+                                              <p:pRg st="0" end="0"/>
+                                            </p:txEl>
+                                          </p:spTgt>
                                         </p:tgtEl>
                                         <p:attrNameLst>
                                           <p:attrName>ppt_x</p:attrName>
@@ -6383,7 +6557,11 @@
                                       <p:cBhvr additive="base">
                                         <p:cTn id="8" dur="500" fill="hold"/>
                                         <p:tgtEl>
-                                          <p:spTgt spid="6"/>
+                                          <p:spTgt spid="2">
+                                            <p:txEl>
+                                              <p:pRg st="0" end="0"/>
+                                            </p:txEl>
+                                          </p:spTgt>
                                         </p:tgtEl>
                                         <p:attrNameLst>
                                           <p:attrName>ppt_y</p:attrName>
@@ -6439,7 +6617,7 @@
                                         <p:tgtEl>
                                           <p:spTgt spid="2">
                                             <p:txEl>
-                                              <p:pRg st="0" end="0"/>
+                                              <p:pRg st="1" end="1"/>
                                             </p:txEl>
                                           </p:spTgt>
                                         </p:tgtEl>
@@ -6457,7 +6635,7 @@
                                         <p:tgtEl>
                                           <p:spTgt spid="2">
                                             <p:txEl>
-                                              <p:pRg st="0" end="0"/>
+                                              <p:pRg st="1" end="1"/>
                                             </p:txEl>
                                           </p:spTgt>
                                         </p:tgtEl>
@@ -6484,7 +6662,7 @@
                                         <p:tgtEl>
                                           <p:spTgt spid="2">
                                             <p:txEl>
-                                              <p:pRg st="0" end="0"/>
+                                              <p:pRg st="1" end="1"/>
                                             </p:txEl>
                                           </p:spTgt>
                                         </p:tgtEl>
@@ -6542,7 +6720,7 @@
                                         <p:tgtEl>
                                           <p:spTgt spid="2">
                                             <p:txEl>
-                                              <p:pRg st="1" end="1"/>
+                                              <p:pRg st="2" end="2"/>
                                             </p:txEl>
                                           </p:spTgt>
                                         </p:tgtEl>
@@ -6560,7 +6738,7 @@
                                         <p:tgtEl>
                                           <p:spTgt spid="2">
                                             <p:txEl>
-                                              <p:pRg st="1" end="1"/>
+                                              <p:pRg st="2" end="2"/>
                                             </p:txEl>
                                           </p:spTgt>
                                         </p:tgtEl>
@@ -6587,7 +6765,7 @@
                                         <p:tgtEl>
                                           <p:spTgt spid="2">
                                             <p:txEl>
-                                              <p:pRg st="1" end="1"/>
+                                              <p:pRg st="2" end="2"/>
                                             </p:txEl>
                                           </p:spTgt>
                                         </p:tgtEl>
@@ -6614,40 +6792,27 @@
                             </p:childTnLst>
                           </p:cTn>
                         </p:par>
-                      </p:childTnLst>
-                    </p:cTn>
-                  </p:par>
-                  <p:par>
-                    <p:cTn id="21" fill="hold">
-                      <p:stCondLst>
-                        <p:cond delay="indefinite"/>
-                      </p:stCondLst>
-                      <p:childTnLst>
                         <p:par>
-                          <p:cTn id="22" fill="hold">
+                          <p:cTn id="21" fill="hold">
                             <p:stCondLst>
-                              <p:cond delay="0"/>
+                              <p:cond delay="500"/>
                             </p:stCondLst>
                             <p:childTnLst>
                               <p:par>
-                                <p:cTn id="23" presetID="2" presetClass="entr" presetSubtype="4" fill="hold" nodeType="clickEffect">
+                                <p:cTn id="22" presetID="2" presetClass="entr" presetSubtype="4" fill="hold" grpId="0" nodeType="afterEffect">
                                   <p:stCondLst>
                                     <p:cond delay="0"/>
                                   </p:stCondLst>
                                   <p:childTnLst>
                                     <p:set>
                                       <p:cBhvr>
-                                        <p:cTn id="24" dur="1" fill="hold">
+                                        <p:cTn id="23" dur="1" fill="hold">
                                           <p:stCondLst>
                                             <p:cond delay="0"/>
                                           </p:stCondLst>
                                         </p:cTn>
                                         <p:tgtEl>
-                                          <p:spTgt spid="2">
-                                            <p:txEl>
-                                              <p:pRg st="2" end="2"/>
-                                            </p:txEl>
-                                          </p:spTgt>
+                                          <p:spTgt spid="6"/>
                                         </p:tgtEl>
                                         <p:attrNameLst>
                                           <p:attrName>style.visibility</p:attrName>
@@ -6659,13 +6824,9 @@
                                     </p:set>
                                     <p:anim calcmode="lin" valueType="num">
                                       <p:cBhvr additive="base">
-                                        <p:cTn id="25" dur="500" fill="hold"/>
+                                        <p:cTn id="24" dur="500" fill="hold"/>
                                         <p:tgtEl>
-                                          <p:spTgt spid="2">
-                                            <p:txEl>
-                                              <p:pRg st="2" end="2"/>
-                                            </p:txEl>
-                                          </p:spTgt>
+                                          <p:spTgt spid="6"/>
                                         </p:tgtEl>
                                         <p:attrNameLst>
                                           <p:attrName>ppt_x</p:attrName>
@@ -6686,13 +6847,9 @@
                                     </p:anim>
                                     <p:anim calcmode="lin" valueType="num">
                                       <p:cBhvr additive="base">
-                                        <p:cTn id="26" dur="500" fill="hold"/>
+                                        <p:cTn id="25" dur="500" fill="hold"/>
                                         <p:tgtEl>
-                                          <p:spTgt spid="2">
-                                            <p:txEl>
-                                              <p:pRg st="2" end="2"/>
-                                            </p:txEl>
-                                          </p:spTgt>
+                                          <p:spTgt spid="6"/>
                                         </p:tgtEl>
                                         <p:attrNameLst>
                                           <p:attrName>ppt_y</p:attrName>
@@ -7515,18 +7672,27 @@
               <a:buChar char="Ø"/>
             </a:pPr>
             <a:r>
+              <a:rPr lang="en-US" altLang="zh-CN" sz="2800" b="1">
+                <a:solidFill>
+                  <a:srgbClr val="FF0000"/>
+                </a:solidFill>
+                <a:sym typeface="+mn-ea"/>
+              </a:rPr>
+              <a:t>Date</a:t>
+            </a:r>
+            <a:r>
               <a:rPr lang="zh-CN" altLang="en-US" sz="2800" b="1">
                 <a:solidFill>
-                  <a:schemeClr val="tx1"/>
-                </a:solidFill>
-                <a:sym typeface="+mn-ea"/>
-              </a:rPr>
-              <a:t>创建</a:t>
+                  <a:srgbClr val="FF0000"/>
+                </a:solidFill>
+                <a:sym typeface="+mn-ea"/>
+              </a:rPr>
+              <a:t>简介及创建</a:t>
             </a:r>
             <a:r>
               <a:rPr lang="en-US" altLang="zh-CN" sz="2800" b="1">
                 <a:solidFill>
-                  <a:schemeClr val="tx1"/>
+                  <a:srgbClr val="FF0000"/>
                 </a:solidFill>
                 <a:sym typeface="+mn-ea"/>
               </a:rPr>
@@ -7535,11 +7701,53 @@
             <a:r>
               <a:rPr lang="zh-CN" altLang="en-US" sz="2800" b="1">
                 <a:solidFill>
-                  <a:schemeClr val="tx1"/>
-                </a:solidFill>
-                <a:sym typeface="+mn-ea"/>
-              </a:rPr>
-              <a:t>对象及日期格式</a:t>
+                  <a:srgbClr val="FF0000"/>
+                </a:solidFill>
+                <a:sym typeface="+mn-ea"/>
+              </a:rPr>
+              <a:t>对象</a:t>
+            </a:r>
+            <a:endParaRPr lang="zh-CN" altLang="en-US" sz="2800" b="1">
+              <a:solidFill>
+                <a:srgbClr val="FF0000"/>
+              </a:solidFill>
+              <a:sym typeface="+mn-ea"/>
+            </a:endParaRPr>
+          </a:p>
+          <a:p>
+            <a:pPr algn="l">
+              <a:lnSpc>
+                <a:spcPct val="150000"/>
+              </a:lnSpc>
+              <a:spcBef>
+                <a:spcPts val="1200"/>
+              </a:spcBef>
+              <a:spcAft>
+                <a:spcPts val="1200"/>
+              </a:spcAft>
+              <a:buClr>
+                <a:srgbClr val="92D050"/>
+              </a:buClr>
+              <a:buFont typeface="Wingdings" panose="05000000000000000000" pitchFamily="2" charset="2"/>
+              <a:buChar char="Ø"/>
+            </a:pPr>
+            <a:r>
+              <a:rPr lang="en-US" altLang="zh-CN" sz="2800" b="1">
+                <a:solidFill>
+                  <a:schemeClr val="tx1"/>
+                </a:solidFill>
+                <a:sym typeface="+mn-ea"/>
+              </a:rPr>
+              <a:t>Date</a:t>
+            </a:r>
+            <a:r>
+              <a:rPr lang="zh-CN" altLang="en-US" sz="2800" b="1">
+                <a:solidFill>
+                  <a:schemeClr val="tx1"/>
+                </a:solidFill>
+                <a:sym typeface="+mn-ea"/>
+              </a:rPr>
+              <a:t>方法（静态方法、原型方法）</a:t>
             </a:r>
             <a:endParaRPr lang="zh-CN" altLang="en-US" sz="2800" b="1">
               <a:solidFill>
@@ -7566,64 +7774,13 @@
               <a:buChar char="Ø"/>
             </a:pPr>
             <a:r>
-              <a:rPr lang="en-US" altLang="zh-CN" sz="2800" b="1">
-                <a:solidFill>
-                  <a:schemeClr val="tx1"/>
-                </a:solidFill>
-                <a:sym typeface="+mn-ea"/>
-              </a:rPr>
-              <a:t>Date</a:t>
-            </a:r>
-            <a:r>
               <a:rPr lang="zh-CN" altLang="en-US" sz="2800" b="1">
                 <a:solidFill>
                   <a:schemeClr val="tx1"/>
                 </a:solidFill>
                 <a:sym typeface="+mn-ea"/>
               </a:rPr>
-              <a:t>静态方法（构造函数对象的方法）</a:t>
-            </a:r>
-            <a:endParaRPr lang="zh-CN" altLang="en-US" sz="2800" b="1">
-              <a:solidFill>
-                <a:schemeClr val="tx1"/>
-              </a:solidFill>
-              <a:sym typeface="+mn-ea"/>
-            </a:endParaRPr>
-          </a:p>
-          <a:p>
-            <a:pPr algn="l">
-              <a:lnSpc>
-                <a:spcPct val="150000"/>
-              </a:lnSpc>
-              <a:spcBef>
-                <a:spcPts val="1200"/>
-              </a:spcBef>
-              <a:spcAft>
-                <a:spcPts val="1200"/>
-              </a:spcAft>
-              <a:buClr>
-                <a:srgbClr val="92D050"/>
-              </a:buClr>
-              <a:buFont typeface="Wingdings" panose="05000000000000000000" pitchFamily="2" charset="2"/>
-              <a:buChar char="Ø"/>
-            </a:pPr>
-            <a:r>
-              <a:rPr lang="en-US" altLang="zh-CN" sz="2800" b="1">
-                <a:solidFill>
-                  <a:schemeClr val="tx1"/>
-                </a:solidFill>
-                <a:sym typeface="+mn-ea"/>
-              </a:rPr>
-              <a:t>Date</a:t>
-            </a:r>
-            <a:r>
-              <a:rPr lang="zh-CN" altLang="en-US" sz="2800" b="1">
-                <a:solidFill>
-                  <a:schemeClr val="tx1"/>
-                </a:solidFill>
-                <a:sym typeface="+mn-ea"/>
-              </a:rPr>
-              <a:t>原型方法</a:t>
+              <a:t>日期和时间格式</a:t>
             </a:r>
             <a:endParaRPr lang="zh-CN" altLang="en-US" sz="2800" b="1">
               <a:solidFill>
@@ -7884,176 +8041,330 @@
           <a:chExt cx="0" cy="0"/>
         </a:xfrm>
       </p:grpSpPr>
-      <p:pic>
-        <p:nvPicPr>
-          <p:cNvPr id="38914" name="Picture 5"/>
-          <p:cNvPicPr>
-            <a:picLocks noChangeAspect="1" noChangeArrowheads="1"/>
-          </p:cNvPicPr>
+      <p:sp>
+        <p:nvSpPr>
+          <p:cNvPr id="2" name="内容占位符 1"/>
+          <p:cNvSpPr>
+            <a:spLocks noGrp="1"/>
+          </p:cNvSpPr>
+          <p:nvPr>
+            <p:ph sz="quarter" idx="10"/>
+          </p:nvPr>
+        </p:nvSpPr>
+        <p:spPr>
+          <a:xfrm>
+            <a:off x="927735" y="783590"/>
+            <a:ext cx="9776460" cy="4918710"/>
+          </a:xfrm>
+        </p:spPr>
+        <p:txBody>
+          <a:bodyPr/>
+          <a:lstStyle/>
+          <a:p>
+            <a:pPr>
+              <a:lnSpc>
+                <a:spcPct val="160000"/>
+              </a:lnSpc>
+            </a:pPr>
+            <a:r>
+              <a:rPr lang="en-US" altLang="zh-CN" sz="3200" dirty="0">
+                <a:solidFill>
+                  <a:schemeClr val="tx1"/>
+                </a:solidFill>
+                <a:sym typeface="+mn-ea"/>
+              </a:rPr>
+              <a:t>Date</a:t>
+            </a:r>
+            <a:r>
+              <a:rPr lang="zh-CN" altLang="en-US" sz="3200" dirty="0">
+                <a:solidFill>
+                  <a:schemeClr val="tx1"/>
+                </a:solidFill>
+                <a:sym typeface="+mn-ea"/>
+              </a:rPr>
+              <a:t>构造函数提供了解析、管理和展示时间的功能</a:t>
+            </a:r>
+            <a:endParaRPr lang="zh-CN" altLang="en-US" sz="3200" dirty="0">
+              <a:solidFill>
+                <a:schemeClr val="tx1"/>
+              </a:solidFill>
+              <a:sym typeface="+mn-ea"/>
+            </a:endParaRPr>
+          </a:p>
+          <a:p>
+            <a:pPr>
+              <a:lnSpc>
+                <a:spcPct val="160000"/>
+              </a:lnSpc>
+            </a:pPr>
+            <a:r>
+              <a:rPr lang="zh-CN" altLang="en-US" sz="3200" dirty="0">
+                <a:solidFill>
+                  <a:schemeClr val="tx1"/>
+                </a:solidFill>
+                <a:sym typeface="+mn-ea"/>
+              </a:rPr>
+              <a:t>通过构造函数创建</a:t>
+            </a:r>
+            <a:r>
+              <a:rPr lang="en-US" altLang="zh-CN" sz="3200" dirty="0">
+                <a:solidFill>
+                  <a:schemeClr val="tx1"/>
+                </a:solidFill>
+                <a:sym typeface="+mn-ea"/>
+              </a:rPr>
+              <a:t>Date</a:t>
+            </a:r>
+            <a:r>
+              <a:rPr lang="zh-CN" altLang="en-US" sz="3200" dirty="0">
+                <a:solidFill>
+                  <a:schemeClr val="tx1"/>
+                </a:solidFill>
+                <a:sym typeface="+mn-ea"/>
+              </a:rPr>
+              <a:t>对象的</a:t>
+            </a:r>
+            <a:r>
+              <a:rPr lang="en-US" altLang="zh-CN" sz="3200" dirty="0">
+                <a:solidFill>
+                  <a:schemeClr val="tx1"/>
+                </a:solidFill>
+                <a:sym typeface="+mn-ea"/>
+              </a:rPr>
+              <a:t>4</a:t>
+            </a:r>
+            <a:r>
+              <a:rPr lang="zh-CN" altLang="en-US" sz="3200" dirty="0">
+                <a:solidFill>
+                  <a:schemeClr val="tx1"/>
+                </a:solidFill>
+                <a:sym typeface="+mn-ea"/>
+              </a:rPr>
+              <a:t>种形式</a:t>
+            </a:r>
+            <a:br>
+              <a:rPr kumimoji="0" lang="en-US" altLang="zh-CN" sz="1800" dirty="0" smtClean="0">
+                <a:solidFill>
+                  <a:schemeClr val="tx1"/>
+                </a:solidFill>
+                <a:sym typeface="+mn-ea"/>
+              </a:rPr>
+            </a:br>
+            <a:r>
+              <a:rPr lang="en-US" altLang="zh-CN" sz="2000" dirty="0">
+                <a:solidFill>
+                  <a:schemeClr val="tx1"/>
+                </a:solidFill>
+                <a:sym typeface="+mn-ea"/>
+              </a:rPr>
+              <a:t>new Date(year,month,date?,hours?,minutes?,seconds?,milliseconds?)</a:t>
+            </a:r>
+            <a:br>
+              <a:rPr lang="zh-CN" altLang="en-US" sz="2000" dirty="0">
+                <a:solidFill>
+                  <a:schemeClr val="tx1"/>
+                </a:solidFill>
+                <a:sym typeface="+mn-ea"/>
+              </a:rPr>
+            </a:br>
+            <a:r>
+              <a:rPr lang="zh-CN" altLang="en-US" sz="2000" dirty="0">
+                <a:solidFill>
+                  <a:schemeClr val="tx1"/>
+                </a:solidFill>
+                <a:sym typeface="+mn-ea"/>
+              </a:rPr>
+              <a:t>n</a:t>
+            </a:r>
+            <a:r>
+              <a:rPr lang="en-US" altLang="zh-CN" sz="2000" dirty="0">
+                <a:solidFill>
+                  <a:schemeClr val="tx1"/>
+                </a:solidFill>
+                <a:sym typeface="+mn-ea"/>
+              </a:rPr>
+              <a:t>ew Date(dateTimeStr)</a:t>
+            </a:r>
+            <a:br>
+              <a:rPr lang="en-US" altLang="zh-CN" sz="2000" dirty="0">
+                <a:solidFill>
+                  <a:schemeClr val="tx1"/>
+                </a:solidFill>
+                <a:sym typeface="+mn-ea"/>
+              </a:rPr>
+            </a:br>
+            <a:r>
+              <a:rPr lang="en-US" altLang="zh-CN" sz="2000" dirty="0">
+                <a:solidFill>
+                  <a:schemeClr val="tx1"/>
+                </a:solidFill>
+                <a:sym typeface="+mn-ea"/>
+              </a:rPr>
+              <a:t>new Date(timeValue)</a:t>
+            </a:r>
+            <a:br>
+              <a:rPr lang="en-US" altLang="zh-CN" sz="2000" dirty="0">
+                <a:solidFill>
+                  <a:schemeClr val="tx1"/>
+                </a:solidFill>
+                <a:sym typeface="+mn-ea"/>
+              </a:rPr>
+            </a:br>
+            <a:r>
+              <a:rPr lang="en-US" altLang="zh-CN" sz="2000" dirty="0">
+                <a:solidFill>
+                  <a:schemeClr val="tx1"/>
+                </a:solidFill>
+                <a:sym typeface="+mn-ea"/>
+              </a:rPr>
+              <a:t>new Date( )</a:t>
+            </a:r>
+            <a:br>
+              <a:rPr lang="en-US" altLang="zh-CN" sz="1800" dirty="0">
+                <a:solidFill>
+                  <a:schemeClr val="tx1"/>
+                </a:solidFill>
+                <a:sym typeface="+mn-ea"/>
+              </a:rPr>
+            </a:br>
+            <a:endParaRPr lang="zh-CN" altLang="en-US" sz="1800" dirty="0">
+              <a:solidFill>
+                <a:schemeClr val="accent3"/>
+              </a:solidFill>
+              <a:sym typeface="+mn-ea"/>
+            </a:endParaRPr>
+          </a:p>
+          <a:p>
+            <a:pPr marL="0" indent="0">
+              <a:lnSpc>
+                <a:spcPct val="160000"/>
+              </a:lnSpc>
+              <a:buNone/>
+            </a:pPr>
+            <a:endParaRPr lang="en-US" altLang="zh-CN" sz="1800" dirty="0">
+              <a:solidFill>
+                <a:schemeClr val="tx1"/>
+              </a:solidFill>
+              <a:sym typeface="+mn-ea"/>
+            </a:endParaRPr>
+          </a:p>
+        </p:txBody>
+      </p:sp>
+      <p:sp>
+        <p:nvSpPr>
+          <p:cNvPr id="3" name="内容占位符 2"/>
+          <p:cNvSpPr>
+            <a:spLocks noGrp="1"/>
+          </p:cNvSpPr>
+          <p:nvPr>
+            <p:ph sz="quarter" idx="11"/>
+          </p:nvPr>
+        </p:nvSpPr>
+        <p:spPr/>
+        <p:txBody>
+          <a:bodyPr/>
+          <a:lstStyle/>
+          <a:p>
+            <a:r>
+              <a:rPr lang="zh-CN" altLang="en-US" dirty="0"/>
+              <a:t>创建</a:t>
+            </a:r>
+            <a:r>
+              <a:rPr lang="en-US" altLang="zh-CN" dirty="0"/>
+              <a:t>Date</a:t>
+            </a:r>
+            <a:r>
+              <a:rPr lang="zh-CN" altLang="en-US" dirty="0"/>
+              <a:t>对象及日期的格式</a:t>
+            </a:r>
+            <a:endParaRPr lang="zh-CN" altLang="en-US" dirty="0"/>
+          </a:p>
+        </p:txBody>
+      </p:sp>
+      <p:sp>
+        <p:nvSpPr>
+          <p:cNvPr id="6" name="文本框 5"/>
+          <p:cNvSpPr txBox="1"/>
           <p:nvPr/>
-        </p:nvPicPr>
-        <p:blipFill>
-          <a:blip r:embed="rId1">
-            <a:extLst>
-              <a:ext uri="{28A0092B-C50C-407E-A947-70E740481C1C}">
-                <a14:useLocalDpi xmlns:a14="http://schemas.microsoft.com/office/drawing/2010/main" val="0"/>
-              </a:ext>
-            </a:extLst>
-          </a:blip>
-          <a:srcRect/>
-          <a:stretch>
-            <a:fillRect/>
-          </a:stretch>
-        </p:blipFill>
-        <p:spPr bwMode="auto">
+        </p:nvSpPr>
+        <p:spPr>
           <a:xfrm>
-            <a:off x="0" y="0"/>
-            <a:ext cx="12192000" cy="6858000"/>
+            <a:off x="5224780" y="6108700"/>
+            <a:ext cx="5236210" cy="429895"/>
           </a:xfrm>
           <a:prstGeom prst="rect">
             <a:avLst/>
           </a:prstGeom>
           <a:noFill/>
-          <a:ln>
-            <a:noFill/>
-          </a:ln>
-          <a:extLst>
-            <a:ext uri="{909E8E84-426E-40DD-AFC4-6F175D3DCCD1}">
-              <a14:hiddenFill xmlns:a14="http://schemas.microsoft.com/office/drawing/2010/main">
-                <a:solidFill>
-                  <a:srgbClr val="FFFFFF"/>
-                </a:solidFill>
-              </a14:hiddenFill>
-            </a:ext>
-            <a:ext uri="{91240B29-F687-4F45-9708-019B960494DF}">
-              <a14:hiddenLine xmlns:a14="http://schemas.microsoft.com/office/drawing/2010/main" w="9525">
-                <a:solidFill>
-                  <a:srgbClr val="000000"/>
-                </a:solidFill>
-                <a:miter lim="800000"/>
-                <a:headEnd/>
-                <a:tailEnd/>
-              </a14:hiddenLine>
-            </a:ext>
-          </a:extLst>
-        </p:spPr>
-      </p:pic>
-      <p:sp>
-        <p:nvSpPr>
-          <p:cNvPr id="38915" name="Rectangle 6"/>
-          <p:cNvSpPr>
-            <a:spLocks noGrp="1" noChangeArrowheads="1"/>
-          </p:cNvSpPr>
-          <p:nvPr>
-            <p:ph type="ctrTitle" idx="4294967295"/>
-          </p:nvPr>
-        </p:nvSpPr>
-        <p:spPr bwMode="auto">
-          <a:xfrm>
-            <a:off x="2547041" y="3068835"/>
-            <a:ext cx="7097918" cy="1285875"/>
-          </a:xfrm>
-          <a:prstGeom prst="rect">
-            <a:avLst/>
-          </a:prstGeom>
-          <a:noFill/>
-          <a:extLst>
-            <a:ext uri="{909E8E84-426E-40DD-AFC4-6F175D3DCCD1}">
-              <a14:hiddenFill xmlns:a14="http://schemas.microsoft.com/office/drawing/2010/main">
-                <a:solidFill>
-                  <a:srgbClr val="FFFFFF"/>
-                </a:solidFill>
-              </a14:hiddenFill>
-            </a:ext>
-            <a:ext uri="{91240B29-F687-4F45-9708-019B960494DF}">
-              <a14:hiddenLine xmlns:a14="http://schemas.microsoft.com/office/drawing/2010/main" w="9525">
-                <a:solidFill>
-                  <a:srgbClr val="000000"/>
-                </a:solidFill>
-                <a:miter lim="800000"/>
-                <a:headEnd/>
-                <a:tailEnd/>
-              </a14:hiddenLine>
-            </a:ext>
-          </a:extLst>
         </p:spPr>
         <p:txBody>
-          <a:bodyPr anchor="b"/>
-          <a:lstStyle/>
+          <a:bodyPr wrap="square" rtlCol="0">
+            <a:spAutoFit/>
+          </a:bodyPr>
           <a:p>
-            <a:pPr algn="ctr" eaLnBrk="1" hangingPunct="1"/>
-            <a:r>
-              <a:rPr kumimoji="0" lang="en-US" altLang="zh-CN" sz="5400" dirty="0"/>
-              <a:t>Thank </a:t>
-            </a:r>
-            <a:r>
-              <a:rPr kumimoji="0" lang="en-US" altLang="zh-CN" sz="5400" dirty="0">
+            <a:pPr algn="l"/>
+            <a:r>
+              <a:rPr lang="zh-CN" altLang="en-US" sz="2200">
                 <a:solidFill>
                   <a:srgbClr val="FF0000"/>
                 </a:solidFill>
-              </a:rPr>
-              <a:t>You</a:t>
-            </a:r>
-            <a:r>
-              <a:rPr kumimoji="0" lang="zh-CN" altLang="en-US" sz="5400" dirty="0"/>
-              <a:t>！</a:t>
-            </a:r>
-            <a:endParaRPr kumimoji="0" lang="zh-CN" altLang="zh-CN" sz="5400" dirty="0"/>
+                <a:latin typeface="+mn-ea"/>
+                <a:ea typeface="+mn-ea"/>
+              </a:rPr>
+              <a:t>参见实例</a:t>
+            </a:r>
+            <a:r>
+              <a:rPr lang="en-US" altLang="zh-CN" sz="2200">
+                <a:solidFill>
+                  <a:srgbClr val="FF0000"/>
+                </a:solidFill>
+                <a:latin typeface="+mn-ea"/>
+                <a:ea typeface="+mn-ea"/>
+              </a:rPr>
+              <a:t>demo8 </a:t>
+            </a:r>
+            <a:r>
+              <a:rPr lang="zh-CN" altLang="en-US" sz="2200">
+                <a:solidFill>
+                  <a:srgbClr val="FF0000"/>
+                </a:solidFill>
+                <a:latin typeface="+mn-ea"/>
+                <a:ea typeface="+mn-ea"/>
+              </a:rPr>
+              <a:t>创建日期实例几种方式</a:t>
+            </a:r>
+            <a:endParaRPr lang="zh-CN" altLang="en-US" sz="2200">
+              <a:solidFill>
+                <a:srgbClr val="FF0000"/>
+              </a:solidFill>
+              <a:latin typeface="+mn-ea"/>
+              <a:ea typeface="+mn-ea"/>
+            </a:endParaRPr>
           </a:p>
         </p:txBody>
       </p:sp>
       <p:pic>
         <p:nvPicPr>
-          <p:cNvPr id="38916" name="图片 3" descr="软院logo横版.png"/>
+          <p:cNvPr id="4" name="图片 3"/>
           <p:cNvPicPr>
             <a:picLocks noChangeAspect="1"/>
           </p:cNvPicPr>
           <p:nvPr/>
         </p:nvPicPr>
         <p:blipFill>
-          <a:blip r:embed="rId2">
-            <a:extLst>
-              <a:ext uri="{28A0092B-C50C-407E-A947-70E740481C1C}">
-                <a14:useLocalDpi xmlns:a14="http://schemas.microsoft.com/office/drawing/2010/main" val="0"/>
-              </a:ext>
-            </a:extLst>
-          </a:blip>
-          <a:srcRect/>
+          <a:blip r:embed="rId1"/>
           <a:stretch>
             <a:fillRect/>
           </a:stretch>
         </p:blipFill>
-        <p:spPr bwMode="auto">
+        <p:spPr>
           <a:xfrm>
-            <a:off x="2062164" y="5927725"/>
-            <a:ext cx="3381375" cy="527050"/>
+            <a:off x="1162685" y="4632325"/>
+            <a:ext cx="7755255" cy="1141730"/>
           </a:xfrm>
           <a:prstGeom prst="rect">
             <a:avLst/>
           </a:prstGeom>
-          <a:noFill/>
-          <a:ln>
-            <a:noFill/>
-          </a:ln>
-          <a:extLst>
-            <a:ext uri="{909E8E84-426E-40DD-AFC4-6F175D3DCCD1}">
-              <a14:hiddenFill xmlns:a14="http://schemas.microsoft.com/office/drawing/2010/main">
-                <a:solidFill>
-                  <a:srgbClr val="FFFFFF"/>
-                </a:solidFill>
-              </a14:hiddenFill>
-            </a:ext>
-            <a:ext uri="{91240B29-F687-4F45-9708-019B960494DF}">
-              <a14:hiddenLine xmlns:a14="http://schemas.microsoft.com/office/drawing/2010/main" w="9525">
-                <a:solidFill>
-                  <a:srgbClr val="000000"/>
-                </a:solidFill>
-                <a:miter lim="800000"/>
-                <a:headEnd/>
-                <a:tailEnd/>
-              </a14:hiddenLine>
-            </a:ext>
-          </a:extLst>
         </p:spPr>
       </p:pic>
     </p:spTree>
@@ -8064,398 +8375,419 @@
   <p:timing>
     <p:tnLst>
       <p:par>
-        <p:cTn id="1" dur="indefinite" restart="never" nodeType="tmRoot"/>
+        <p:cTn id="1" dur="indefinite" restart="never" nodeType="tmRoot">
+          <p:childTnLst>
+            <p:seq concurrent="1" nextAc="seek">
+              <p:cTn id="2" dur="indefinite" nodeType="mainSeq">
+                <p:childTnLst>
+                  <p:par>
+                    <p:cTn id="3" fill="hold">
+                      <p:stCondLst>
+                        <p:cond delay="indefinite"/>
+                      </p:stCondLst>
+                      <p:childTnLst>
+                        <p:par>
+                          <p:cTn id="4" fill="hold">
+                            <p:stCondLst>
+                              <p:cond delay="0"/>
+                            </p:stCondLst>
+                            <p:childTnLst>
+                              <p:par>
+                                <p:cTn id="5" presetID="2" presetClass="entr" presetSubtype="4" fill="hold" nodeType="clickEffect">
+                                  <p:stCondLst>
+                                    <p:cond delay="0"/>
+                                  </p:stCondLst>
+                                  <p:childTnLst>
+                                    <p:set>
+                                      <p:cBhvr>
+                                        <p:cTn id="6" dur="1" fill="hold">
+                                          <p:stCondLst>
+                                            <p:cond delay="0"/>
+                                          </p:stCondLst>
+                                        </p:cTn>
+                                        <p:tgtEl>
+                                          <p:spTgt spid="2">
+                                            <p:txEl>
+                                              <p:pRg st="0" end="0"/>
+                                            </p:txEl>
+                                          </p:spTgt>
+                                        </p:tgtEl>
+                                        <p:attrNameLst>
+                                          <p:attrName>style.visibility</p:attrName>
+                                        </p:attrNameLst>
+                                      </p:cBhvr>
+                                      <p:to>
+                                        <p:strVal val="visible"/>
+                                      </p:to>
+                                    </p:set>
+                                    <p:anim calcmode="lin" valueType="num">
+                                      <p:cBhvr additive="base">
+                                        <p:cTn id="7" dur="500" fill="hold"/>
+                                        <p:tgtEl>
+                                          <p:spTgt spid="2">
+                                            <p:txEl>
+                                              <p:pRg st="0" end="0"/>
+                                            </p:txEl>
+                                          </p:spTgt>
+                                        </p:tgtEl>
+                                        <p:attrNameLst>
+                                          <p:attrName>ppt_x</p:attrName>
+                                        </p:attrNameLst>
+                                      </p:cBhvr>
+                                      <p:tavLst>
+                                        <p:tav tm="0">
+                                          <p:val>
+                                            <p:strVal val="#ppt_x"/>
+                                          </p:val>
+                                        </p:tav>
+                                        <p:tav tm="100000">
+                                          <p:val>
+                                            <p:strVal val="#ppt_x"/>
+                                          </p:val>
+                                        </p:tav>
+                                      </p:tavLst>
+                                    </p:anim>
+                                    <p:anim calcmode="lin" valueType="num">
+                                      <p:cBhvr additive="base">
+                                        <p:cTn id="8" dur="500" fill="hold"/>
+                                        <p:tgtEl>
+                                          <p:spTgt spid="2">
+                                            <p:txEl>
+                                              <p:pRg st="0" end="0"/>
+                                            </p:txEl>
+                                          </p:spTgt>
+                                        </p:tgtEl>
+                                        <p:attrNameLst>
+                                          <p:attrName>ppt_y</p:attrName>
+                                        </p:attrNameLst>
+                                      </p:cBhvr>
+                                      <p:tavLst>
+                                        <p:tav tm="0">
+                                          <p:val>
+                                            <p:strVal val="1+#ppt_h/2"/>
+                                          </p:val>
+                                        </p:tav>
+                                        <p:tav tm="100000">
+                                          <p:val>
+                                            <p:strVal val="#ppt_y"/>
+                                          </p:val>
+                                        </p:tav>
+                                      </p:tavLst>
+                                    </p:anim>
+                                  </p:childTnLst>
+                                </p:cTn>
+                              </p:par>
+                            </p:childTnLst>
+                          </p:cTn>
+                        </p:par>
+                      </p:childTnLst>
+                    </p:cTn>
+                  </p:par>
+                  <p:par>
+                    <p:cTn id="9" fill="hold">
+                      <p:stCondLst>
+                        <p:cond delay="indefinite"/>
+                      </p:stCondLst>
+                      <p:childTnLst>
+                        <p:par>
+                          <p:cTn id="10" fill="hold">
+                            <p:stCondLst>
+                              <p:cond delay="0"/>
+                            </p:stCondLst>
+                            <p:childTnLst>
+                              <p:par>
+                                <p:cTn id="11" presetID="2" presetClass="entr" presetSubtype="4" fill="hold" nodeType="clickEffect">
+                                  <p:stCondLst>
+                                    <p:cond delay="0"/>
+                                  </p:stCondLst>
+                                  <p:childTnLst>
+                                    <p:set>
+                                      <p:cBhvr>
+                                        <p:cTn id="12" dur="1" fill="hold">
+                                          <p:stCondLst>
+                                            <p:cond delay="0"/>
+                                          </p:stCondLst>
+                                        </p:cTn>
+                                        <p:tgtEl>
+                                          <p:spTgt spid="2">
+                                            <p:txEl>
+                                              <p:pRg st="1" end="1"/>
+                                            </p:txEl>
+                                          </p:spTgt>
+                                        </p:tgtEl>
+                                        <p:attrNameLst>
+                                          <p:attrName>style.visibility</p:attrName>
+                                        </p:attrNameLst>
+                                      </p:cBhvr>
+                                      <p:to>
+                                        <p:strVal val="visible"/>
+                                      </p:to>
+                                    </p:set>
+                                    <p:anim calcmode="lin" valueType="num">
+                                      <p:cBhvr additive="base">
+                                        <p:cTn id="13" dur="500" fill="hold"/>
+                                        <p:tgtEl>
+                                          <p:spTgt spid="2">
+                                            <p:txEl>
+                                              <p:pRg st="1" end="1"/>
+                                            </p:txEl>
+                                          </p:spTgt>
+                                        </p:tgtEl>
+                                        <p:attrNameLst>
+                                          <p:attrName>ppt_x</p:attrName>
+                                        </p:attrNameLst>
+                                      </p:cBhvr>
+                                      <p:tavLst>
+                                        <p:tav tm="0">
+                                          <p:val>
+                                            <p:strVal val="#ppt_x"/>
+                                          </p:val>
+                                        </p:tav>
+                                        <p:tav tm="100000">
+                                          <p:val>
+                                            <p:strVal val="#ppt_x"/>
+                                          </p:val>
+                                        </p:tav>
+                                      </p:tavLst>
+                                    </p:anim>
+                                    <p:anim calcmode="lin" valueType="num">
+                                      <p:cBhvr additive="base">
+                                        <p:cTn id="14" dur="500" fill="hold"/>
+                                        <p:tgtEl>
+                                          <p:spTgt spid="2">
+                                            <p:txEl>
+                                              <p:pRg st="1" end="1"/>
+                                            </p:txEl>
+                                          </p:spTgt>
+                                        </p:tgtEl>
+                                        <p:attrNameLst>
+                                          <p:attrName>ppt_y</p:attrName>
+                                        </p:attrNameLst>
+                                      </p:cBhvr>
+                                      <p:tavLst>
+                                        <p:tav tm="0">
+                                          <p:val>
+                                            <p:strVal val="1+#ppt_h/2"/>
+                                          </p:val>
+                                        </p:tav>
+                                        <p:tav tm="100000">
+                                          <p:val>
+                                            <p:strVal val="#ppt_y"/>
+                                          </p:val>
+                                        </p:tav>
+                                      </p:tavLst>
+                                    </p:anim>
+                                  </p:childTnLst>
+                                </p:cTn>
+                              </p:par>
+                            </p:childTnLst>
+                          </p:cTn>
+                        </p:par>
+                      </p:childTnLst>
+                    </p:cTn>
+                  </p:par>
+                  <p:par>
+                    <p:cTn id="15" fill="hold">
+                      <p:stCondLst>
+                        <p:cond delay="indefinite"/>
+                      </p:stCondLst>
+                      <p:childTnLst>
+                        <p:par>
+                          <p:cTn id="16" fill="hold">
+                            <p:stCondLst>
+                              <p:cond delay="0"/>
+                            </p:stCondLst>
+                            <p:childTnLst>
+                              <p:par>
+                                <p:cTn id="17" presetID="2" presetClass="entr" presetSubtype="4" fill="hold" nodeType="clickEffect">
+                                  <p:stCondLst>
+                                    <p:cond delay="0"/>
+                                  </p:stCondLst>
+                                  <p:childTnLst>
+                                    <p:set>
+                                      <p:cBhvr>
+                                        <p:cTn id="18" dur="1" fill="hold">
+                                          <p:stCondLst>
+                                            <p:cond delay="0"/>
+                                          </p:stCondLst>
+                                        </p:cTn>
+                                        <p:tgtEl>
+                                          <p:spTgt spid="4"/>
+                                        </p:tgtEl>
+                                        <p:attrNameLst>
+                                          <p:attrName>style.visibility</p:attrName>
+                                        </p:attrNameLst>
+                                      </p:cBhvr>
+                                      <p:to>
+                                        <p:strVal val="visible"/>
+                                      </p:to>
+                                    </p:set>
+                                    <p:anim calcmode="lin" valueType="num">
+                                      <p:cBhvr additive="base">
+                                        <p:cTn id="19" dur="500" fill="hold"/>
+                                        <p:tgtEl>
+                                          <p:spTgt spid="4"/>
+                                        </p:tgtEl>
+                                        <p:attrNameLst>
+                                          <p:attrName>ppt_x</p:attrName>
+                                        </p:attrNameLst>
+                                      </p:cBhvr>
+                                      <p:tavLst>
+                                        <p:tav tm="0">
+                                          <p:val>
+                                            <p:strVal val="#ppt_x"/>
+                                          </p:val>
+                                        </p:tav>
+                                        <p:tav tm="100000">
+                                          <p:val>
+                                            <p:strVal val="#ppt_x"/>
+                                          </p:val>
+                                        </p:tav>
+                                      </p:tavLst>
+                                    </p:anim>
+                                    <p:anim calcmode="lin" valueType="num">
+                                      <p:cBhvr additive="base">
+                                        <p:cTn id="20" dur="500" fill="hold"/>
+                                        <p:tgtEl>
+                                          <p:spTgt spid="4"/>
+                                        </p:tgtEl>
+                                        <p:attrNameLst>
+                                          <p:attrName>ppt_y</p:attrName>
+                                        </p:attrNameLst>
+                                      </p:cBhvr>
+                                      <p:tavLst>
+                                        <p:tav tm="0">
+                                          <p:val>
+                                            <p:strVal val="1+#ppt_h/2"/>
+                                          </p:val>
+                                        </p:tav>
+                                        <p:tav tm="100000">
+                                          <p:val>
+                                            <p:strVal val="#ppt_y"/>
+                                          </p:val>
+                                        </p:tav>
+                                      </p:tavLst>
+                                    </p:anim>
+                                  </p:childTnLst>
+                                </p:cTn>
+                              </p:par>
+                            </p:childTnLst>
+                          </p:cTn>
+                        </p:par>
+                        <p:par>
+                          <p:cTn id="21" fill="hold">
+                            <p:stCondLst>
+                              <p:cond delay="500"/>
+                            </p:stCondLst>
+                            <p:childTnLst>
+                              <p:par>
+                                <p:cTn id="22" presetID="2" presetClass="entr" presetSubtype="4" fill="hold" grpId="0" nodeType="afterEffect">
+                                  <p:stCondLst>
+                                    <p:cond delay="0"/>
+                                  </p:stCondLst>
+                                  <p:childTnLst>
+                                    <p:set>
+                                      <p:cBhvr>
+                                        <p:cTn id="23" dur="1" fill="hold">
+                                          <p:stCondLst>
+                                            <p:cond delay="0"/>
+                                          </p:stCondLst>
+                                        </p:cTn>
+                                        <p:tgtEl>
+                                          <p:spTgt spid="6"/>
+                                        </p:tgtEl>
+                                        <p:attrNameLst>
+                                          <p:attrName>style.visibility</p:attrName>
+                                        </p:attrNameLst>
+                                      </p:cBhvr>
+                                      <p:to>
+                                        <p:strVal val="visible"/>
+                                      </p:to>
+                                    </p:set>
+                                    <p:anim calcmode="lin" valueType="num">
+                                      <p:cBhvr additive="base">
+                                        <p:cTn id="24" dur="500" fill="hold"/>
+                                        <p:tgtEl>
+                                          <p:spTgt spid="6"/>
+                                        </p:tgtEl>
+                                        <p:attrNameLst>
+                                          <p:attrName>ppt_x</p:attrName>
+                                        </p:attrNameLst>
+                                      </p:cBhvr>
+                                      <p:tavLst>
+                                        <p:tav tm="0">
+                                          <p:val>
+                                            <p:strVal val="#ppt_x"/>
+                                          </p:val>
+                                        </p:tav>
+                                        <p:tav tm="100000">
+                                          <p:val>
+                                            <p:strVal val="#ppt_x"/>
+                                          </p:val>
+                                        </p:tav>
+                                      </p:tavLst>
+                                    </p:anim>
+                                    <p:anim calcmode="lin" valueType="num">
+                                      <p:cBhvr additive="base">
+                                        <p:cTn id="25" dur="500" fill="hold"/>
+                                        <p:tgtEl>
+                                          <p:spTgt spid="6"/>
+                                        </p:tgtEl>
+                                        <p:attrNameLst>
+                                          <p:attrName>ppt_y</p:attrName>
+                                        </p:attrNameLst>
+                                      </p:cBhvr>
+                                      <p:tavLst>
+                                        <p:tav tm="0">
+                                          <p:val>
+                                            <p:strVal val="1+#ppt_h/2"/>
+                                          </p:val>
+                                        </p:tav>
+                                        <p:tav tm="100000">
+                                          <p:val>
+                                            <p:strVal val="#ppt_y"/>
+                                          </p:val>
+                                        </p:tav>
+                                      </p:tavLst>
+                                    </p:anim>
+                                  </p:childTnLst>
+                                </p:cTn>
+                              </p:par>
+                            </p:childTnLst>
+                          </p:cTn>
+                        </p:par>
+                      </p:childTnLst>
+                    </p:cTn>
+                  </p:par>
+                </p:childTnLst>
+              </p:cTn>
+              <p:prevCondLst>
+                <p:cond evt="onPrev" delay="0">
+                  <p:tgtEl>
+                    <p:sldTgt/>
+                  </p:tgtEl>
+                </p:cond>
+              </p:prevCondLst>
+              <p:nextCondLst>
+                <p:cond evt="onNext" delay="0">
+                  <p:tgtEl>
+                    <p:sldTgt/>
+                  </p:tgtEl>
+                </p:cond>
+              </p:nextCondLst>
+            </p:seq>
+          </p:childTnLst>
+        </p:cTn>
       </p:par>
     </p:tnLst>
+    <p:bldLst>
+      <p:bldP spid="6" grpId="0"/>
+    </p:bldLst>
   </p:timing>
 </p:sld>
 </file>
 
 <file path=ppt/slides/slide18.xml><?xml version="1.0" encoding="utf-8"?>
-<p:sld xmlns:a="http://schemas.openxmlformats.org/drawingml/2006/main" xmlns:r="http://schemas.openxmlformats.org/officeDocument/2006/relationships" xmlns:p="http://schemas.openxmlformats.org/presentationml/2006/main">
-  <p:cSld>
-    <p:spTree>
-      <p:nvGrpSpPr>
-        <p:cNvPr id="1" name=""/>
-        <p:cNvGrpSpPr/>
-        <p:nvPr/>
-      </p:nvGrpSpPr>
-      <p:grpSpPr>
-        <a:xfrm>
-          <a:off x="0" y="0"/>
-          <a:ext cx="0" cy="0"/>
-          <a:chOff x="0" y="0"/>
-          <a:chExt cx="0" cy="0"/>
-        </a:xfrm>
-      </p:grpSpPr>
-      <p:pic>
-        <p:nvPicPr>
-          <p:cNvPr id="4098" name="Picture 4"/>
-          <p:cNvPicPr>
-            <a:picLocks noChangeAspect="1" noChangeArrowheads="1"/>
-          </p:cNvPicPr>
-          <p:nvPr/>
-        </p:nvPicPr>
-        <p:blipFill>
-          <a:blip r:embed="rId1">
-            <a:extLst>
-              <a:ext uri="{28A0092B-C50C-407E-A947-70E740481C1C}">
-                <a14:useLocalDpi xmlns:a14="http://schemas.microsoft.com/office/drawing/2010/main" val="0"/>
-              </a:ext>
-            </a:extLst>
-          </a:blip>
-          <a:srcRect/>
-          <a:stretch>
-            <a:fillRect/>
-          </a:stretch>
-        </p:blipFill>
-        <p:spPr bwMode="auto">
-          <a:xfrm>
-            <a:off x="0" y="0"/>
-            <a:ext cx="12192000" cy="6858000"/>
-          </a:xfrm>
-          <a:prstGeom prst="rect">
-            <a:avLst/>
-          </a:prstGeom>
-          <a:noFill/>
-          <a:ln>
-            <a:noFill/>
-          </a:ln>
-          <a:extLst>
-            <a:ext uri="{909E8E84-426E-40DD-AFC4-6F175D3DCCD1}">
-              <a14:hiddenFill xmlns:a14="http://schemas.microsoft.com/office/drawing/2010/main">
-                <a:solidFill>
-                  <a:srgbClr val="FFFFFF"/>
-                </a:solidFill>
-              </a14:hiddenFill>
-            </a:ext>
-            <a:ext uri="{91240B29-F687-4F45-9708-019B960494DF}">
-              <a14:hiddenLine xmlns:a14="http://schemas.microsoft.com/office/drawing/2010/main" w="9525">
-                <a:solidFill>
-                  <a:srgbClr val="000000"/>
-                </a:solidFill>
-                <a:miter lim="800000"/>
-                <a:headEnd/>
-                <a:tailEnd/>
-              </a14:hiddenLine>
-            </a:ext>
-          </a:extLst>
-        </p:spPr>
-      </p:pic>
-      <p:sp>
-        <p:nvSpPr>
-          <p:cNvPr id="4099" name="Rectangle 2"/>
-          <p:cNvSpPr>
-            <a:spLocks noGrp="1" noChangeArrowheads="1"/>
-          </p:cNvSpPr>
-          <p:nvPr>
-            <p:ph type="ctrTitle" idx="4294967295"/>
-          </p:nvPr>
-        </p:nvSpPr>
-        <p:spPr bwMode="auto">
-          <a:xfrm>
-            <a:off x="1809751" y="2428876"/>
-            <a:ext cx="7286625" cy="1116013"/>
-          </a:xfrm>
-          <a:prstGeom prst="rect">
-            <a:avLst/>
-          </a:prstGeom>
-          <a:noFill/>
-          <a:extLst>
-            <a:ext uri="{909E8E84-426E-40DD-AFC4-6F175D3DCCD1}">
-              <a14:hiddenFill xmlns:a14="http://schemas.microsoft.com/office/drawing/2010/main">
-                <a:solidFill>
-                  <a:srgbClr val="FFFFFF"/>
-                </a:solidFill>
-              </a14:hiddenFill>
-            </a:ext>
-            <a:ext uri="{91240B29-F687-4F45-9708-019B960494DF}">
-              <a14:hiddenLine xmlns:a14="http://schemas.microsoft.com/office/drawing/2010/main" w="9525">
-                <a:solidFill>
-                  <a:srgbClr val="000000"/>
-                </a:solidFill>
-                <a:miter lim="800000"/>
-                <a:headEnd/>
-                <a:tailEnd/>
-              </a14:hiddenLine>
-            </a:ext>
-          </a:extLst>
-        </p:spPr>
-        <p:txBody>
-          <a:bodyPr anchor="b"/>
-          <a:lstStyle/>
-          <a:p>
-            <a:pPr algn="ctr" eaLnBrk="1" hangingPunct="1"/>
-            <a:r>
-              <a:rPr lang="en-US" sz="4800" b="1" dirty="0">
-                <a:sym typeface="+mn-ea"/>
-              </a:rPr>
-              <a:t>JavaScript</a:t>
-            </a:r>
-            <a:r>
-              <a:rPr lang="zh-CN" altLang="en-US" sz="4800" b="1" dirty="0">
-                <a:sym typeface="+mn-ea"/>
-              </a:rPr>
-              <a:t>进阶</a:t>
-            </a:r>
-            <a:endParaRPr kumimoji="0" lang="zh-CN" altLang="zh-CN" sz="4800" b="1"/>
-          </a:p>
-        </p:txBody>
-      </p:sp>
-      <p:sp>
-        <p:nvSpPr>
-          <p:cNvPr id="4100" name="TextBox 4"/>
-          <p:cNvSpPr txBox="1">
-            <a:spLocks noChangeArrowheads="1"/>
-          </p:cNvSpPr>
-          <p:nvPr/>
-        </p:nvSpPr>
-        <p:spPr bwMode="auto">
-          <a:xfrm>
-            <a:off x="5381626" y="4143375"/>
-            <a:ext cx="5286375" cy="583565"/>
-          </a:xfrm>
-          <a:prstGeom prst="rect">
-            <a:avLst/>
-          </a:prstGeom>
-          <a:noFill/>
-          <a:ln>
-            <a:noFill/>
-          </a:ln>
-          <a:extLst>
-            <a:ext uri="{909E8E84-426E-40DD-AFC4-6F175D3DCCD1}">
-              <a14:hiddenFill xmlns:a14="http://schemas.microsoft.com/office/drawing/2010/main">
-                <a:solidFill>
-                  <a:srgbClr val="FFFFFF"/>
-                </a:solidFill>
-              </a14:hiddenFill>
-            </a:ext>
-            <a:ext uri="{91240B29-F687-4F45-9708-019B960494DF}">
-              <a14:hiddenLine xmlns:a14="http://schemas.microsoft.com/office/drawing/2010/main" w="9525">
-                <a:solidFill>
-                  <a:srgbClr val="000000"/>
-                </a:solidFill>
-                <a:miter lim="800000"/>
-                <a:headEnd/>
-                <a:tailEnd/>
-              </a14:hiddenLine>
-            </a:ext>
-          </a:extLst>
-        </p:spPr>
-        <p:txBody>
-          <a:bodyPr>
-            <a:spAutoFit/>
-          </a:bodyPr>
-          <a:lstStyle>
-            <a:lvl1pPr>
-              <a:defRPr sz="3200">
-                <a:solidFill>
-                  <a:schemeClr val="tx1"/>
-                </a:solidFill>
-                <a:latin typeface="Arial" panose="020B0604020202020204" pitchFamily="34" charset="0"/>
-                <a:ea typeface="微软雅黑" panose="020B0503020204020204" pitchFamily="34" charset="-122"/>
-              </a:defRPr>
-            </a:lvl1pPr>
-            <a:lvl2pPr marL="742950" indent="-285750">
-              <a:defRPr sz="3200">
-                <a:solidFill>
-                  <a:schemeClr val="tx1"/>
-                </a:solidFill>
-                <a:latin typeface="Arial" panose="020B0604020202020204" pitchFamily="34" charset="0"/>
-                <a:ea typeface="微软雅黑" panose="020B0503020204020204" pitchFamily="34" charset="-122"/>
-              </a:defRPr>
-            </a:lvl2pPr>
-            <a:lvl3pPr marL="1143000" indent="-228600">
-              <a:defRPr sz="3200">
-                <a:solidFill>
-                  <a:schemeClr val="tx1"/>
-                </a:solidFill>
-                <a:latin typeface="Arial" panose="020B0604020202020204" pitchFamily="34" charset="0"/>
-                <a:ea typeface="微软雅黑" panose="020B0503020204020204" pitchFamily="34" charset="-122"/>
-              </a:defRPr>
-            </a:lvl3pPr>
-            <a:lvl4pPr marL="1600200" indent="-228600">
-              <a:defRPr sz="3200">
-                <a:solidFill>
-                  <a:schemeClr val="tx1"/>
-                </a:solidFill>
-                <a:latin typeface="Arial" panose="020B0604020202020204" pitchFamily="34" charset="0"/>
-                <a:ea typeface="微软雅黑" panose="020B0503020204020204" pitchFamily="34" charset="-122"/>
-              </a:defRPr>
-            </a:lvl4pPr>
-            <a:lvl5pPr marL="2057400" indent="-228600">
-              <a:defRPr sz="3200">
-                <a:solidFill>
-                  <a:schemeClr val="tx1"/>
-                </a:solidFill>
-                <a:latin typeface="Arial" panose="020B0604020202020204" pitchFamily="34" charset="0"/>
-                <a:ea typeface="微软雅黑" panose="020B0503020204020204" pitchFamily="34" charset="-122"/>
-              </a:defRPr>
-            </a:lvl5pPr>
-            <a:lvl6pPr marL="2514600" indent="-228600" eaLnBrk="0" fontAlgn="base" hangingPunct="0">
-              <a:spcBef>
-                <a:spcPct val="0"/>
-              </a:spcBef>
-              <a:spcAft>
-                <a:spcPct val="0"/>
-              </a:spcAft>
-              <a:defRPr sz="3200">
-                <a:solidFill>
-                  <a:schemeClr val="tx1"/>
-                </a:solidFill>
-                <a:latin typeface="Arial" panose="020B0604020202020204" pitchFamily="34" charset="0"/>
-                <a:ea typeface="微软雅黑" panose="020B0503020204020204" pitchFamily="34" charset="-122"/>
-              </a:defRPr>
-            </a:lvl6pPr>
-            <a:lvl7pPr marL="2971800" indent="-228600" eaLnBrk="0" fontAlgn="base" hangingPunct="0">
-              <a:spcBef>
-                <a:spcPct val="0"/>
-              </a:spcBef>
-              <a:spcAft>
-                <a:spcPct val="0"/>
-              </a:spcAft>
-              <a:defRPr sz="3200">
-                <a:solidFill>
-                  <a:schemeClr val="tx1"/>
-                </a:solidFill>
-                <a:latin typeface="Arial" panose="020B0604020202020204" pitchFamily="34" charset="0"/>
-                <a:ea typeface="微软雅黑" panose="020B0503020204020204" pitchFamily="34" charset="-122"/>
-              </a:defRPr>
-            </a:lvl7pPr>
-            <a:lvl8pPr marL="3429000" indent="-228600" eaLnBrk="0" fontAlgn="base" hangingPunct="0">
-              <a:spcBef>
-                <a:spcPct val="0"/>
-              </a:spcBef>
-              <a:spcAft>
-                <a:spcPct val="0"/>
-              </a:spcAft>
-              <a:defRPr sz="3200">
-                <a:solidFill>
-                  <a:schemeClr val="tx1"/>
-                </a:solidFill>
-                <a:latin typeface="Arial" panose="020B0604020202020204" pitchFamily="34" charset="0"/>
-                <a:ea typeface="微软雅黑" panose="020B0503020204020204" pitchFamily="34" charset="-122"/>
-              </a:defRPr>
-            </a:lvl8pPr>
-            <a:lvl9pPr marL="3886200" indent="-228600" eaLnBrk="0" fontAlgn="base" hangingPunct="0">
-              <a:spcBef>
-                <a:spcPct val="0"/>
-              </a:spcBef>
-              <a:spcAft>
-                <a:spcPct val="0"/>
-              </a:spcAft>
-              <a:defRPr sz="3200">
-                <a:solidFill>
-                  <a:schemeClr val="tx1"/>
-                </a:solidFill>
-                <a:latin typeface="Arial" panose="020B0604020202020204" pitchFamily="34" charset="0"/>
-                <a:ea typeface="微软雅黑" panose="020B0503020204020204" pitchFamily="34" charset="-122"/>
-              </a:defRPr>
-            </a:lvl9pPr>
-          </a:lstStyle>
-          <a:p>
-            <a:r>
-              <a:rPr lang="en-US" altLang="zh-CN">
-                <a:latin typeface="微软雅黑" panose="020B0503020204020204" pitchFamily="34" charset="-122"/>
-                <a:ea typeface="宋体" panose="02010600030101010101" pitchFamily="2" charset="-122"/>
-              </a:rPr>
-              <a:t>---</a:t>
-            </a:r>
-            <a:r>
-              <a:rPr lang="en-US" altLang="zh-CN">
-                <a:latin typeface="+mj-ea"/>
-                <a:ea typeface="+mj-ea"/>
-                <a:sym typeface="+mn-ea"/>
-              </a:rPr>
-              <a:t>Error</a:t>
-            </a:r>
-            <a:r>
-              <a:rPr lang="zh-CN" altLang="en-US">
-                <a:latin typeface="+mj-ea"/>
-                <a:ea typeface="+mj-ea"/>
-                <a:sym typeface="+mn-ea"/>
-              </a:rPr>
-              <a:t>错误</a:t>
-            </a:r>
-            <a:endParaRPr lang="zh-CN" altLang="en-US" dirty="0">
-              <a:latin typeface="+mj-ea"/>
-              <a:ea typeface="+mj-ea"/>
-              <a:sym typeface="+mn-ea"/>
-            </a:endParaRPr>
-          </a:p>
-        </p:txBody>
-      </p:sp>
-      <p:pic>
-        <p:nvPicPr>
-          <p:cNvPr id="4101" name="图片 4" descr="软院logo横版.png"/>
-          <p:cNvPicPr>
-            <a:picLocks noChangeAspect="1"/>
-          </p:cNvPicPr>
-          <p:nvPr/>
-        </p:nvPicPr>
-        <p:blipFill>
-          <a:blip r:embed="rId2">
-            <a:extLst>
-              <a:ext uri="{28A0092B-C50C-407E-A947-70E740481C1C}">
-                <a14:useLocalDpi xmlns:a14="http://schemas.microsoft.com/office/drawing/2010/main" val="0"/>
-              </a:ext>
-            </a:extLst>
-          </a:blip>
-          <a:srcRect/>
-          <a:stretch>
-            <a:fillRect/>
-          </a:stretch>
-        </p:blipFill>
-        <p:spPr bwMode="auto">
-          <a:xfrm>
-            <a:off x="6604001" y="5784851"/>
-            <a:ext cx="3381375" cy="525463"/>
-          </a:xfrm>
-          <a:prstGeom prst="rect">
-            <a:avLst/>
-          </a:prstGeom>
-          <a:noFill/>
-          <a:ln>
-            <a:noFill/>
-          </a:ln>
-          <a:extLst>
-            <a:ext uri="{909E8E84-426E-40DD-AFC4-6F175D3DCCD1}">
-              <a14:hiddenFill xmlns:a14="http://schemas.microsoft.com/office/drawing/2010/main">
-                <a:solidFill>
-                  <a:srgbClr val="FFFFFF"/>
-                </a:solidFill>
-              </a14:hiddenFill>
-            </a:ext>
-            <a:ext uri="{91240B29-F687-4F45-9708-019B960494DF}">
-              <a14:hiddenLine xmlns:a14="http://schemas.microsoft.com/office/drawing/2010/main" w="9525">
-                <a:solidFill>
-                  <a:srgbClr val="000000"/>
-                </a:solidFill>
-                <a:miter lim="800000"/>
-                <a:headEnd/>
-                <a:tailEnd/>
-              </a14:hiddenLine>
-            </a:ext>
-          </a:extLst>
-        </p:spPr>
-      </p:pic>
-    </p:spTree>
-  </p:cSld>
-  <p:clrMapOvr>
-    <a:masterClrMapping/>
-  </p:clrMapOvr>
-  <p:transition advClick="0"/>
-  <p:timing>
-    <p:tnLst>
-      <p:par>
-        <p:cTn id="1" dur="indefinite" restart="never" nodeType="tmRoot"/>
-      </p:par>
-    </p:tnLst>
-  </p:timing>
-</p:sld>
-</file>
-
-<file path=ppt/slides/slide19.xml><?xml version="1.0" encoding="utf-8"?>
 <p:sld xmlns:a="http://schemas.openxmlformats.org/drawingml/2006/main" xmlns:r="http://schemas.openxmlformats.org/officeDocument/2006/relationships" xmlns:p="http://schemas.openxmlformats.org/presentationml/2006/main">
   <p:cSld>
     <p:spTree>
@@ -8641,7 +8973,7 @@
                 </a:solidFill>
                 <a:sym typeface="+mn-ea"/>
               </a:rPr>
-              <a:t>JS</a:t>
+              <a:t>Date</a:t>
             </a:r>
             <a:r>
               <a:rPr lang="zh-CN" altLang="en-US" sz="2800" b="1">
@@ -8650,7 +8982,34 @@
                 </a:solidFill>
                 <a:sym typeface="+mn-ea"/>
               </a:rPr>
-              <a:t>异常处理</a:t>
+              <a:t>简介及</a:t>
+            </a:r>
+            <a:r>
+              <a:rPr lang="zh-CN" altLang="en-US" sz="2800" b="1">
+                <a:solidFill>
+                  <a:schemeClr val="tx1"/>
+                </a:solidFill>
+                <a:sym typeface="+mn-ea"/>
+              </a:rPr>
+              <a:t>创建</a:t>
+            </a:r>
+            <a:r>
+              <a:rPr lang="en-US" altLang="zh-CN" sz="2800" b="1">
+                <a:solidFill>
+                  <a:schemeClr val="tx1"/>
+                </a:solidFill>
+                <a:sym typeface="+mn-ea"/>
+              </a:rPr>
+              <a:t>Date</a:t>
+            </a:r>
+            <a:r>
+              <a:rPr lang="zh-CN" altLang="en-US" sz="2800" b="1">
+                <a:solidFill>
+                  <a:schemeClr val="tx1"/>
+                </a:solidFill>
+                <a:sym typeface="+mn-ea"/>
+              </a:rPr>
+              <a:t>对象</a:t>
             </a:r>
             <a:endParaRPr lang="zh-CN" altLang="en-US" sz="2800" b="1">
               <a:solidFill>
@@ -8679,20 +9038,53 @@
             <a:r>
               <a:rPr lang="en-US" altLang="zh-CN" sz="2800" b="1">
                 <a:solidFill>
-                  <a:schemeClr val="tx1"/>
-                </a:solidFill>
-                <a:sym typeface="+mn-ea"/>
-              </a:rPr>
-              <a:t>Error</a:t>
+                  <a:srgbClr val="FF0000"/>
+                </a:solidFill>
+                <a:sym typeface="+mn-ea"/>
+              </a:rPr>
+              <a:t>Date</a:t>
             </a:r>
             <a:r>
               <a:rPr lang="zh-CN" altLang="en-US" sz="2800" b="1">
                 <a:solidFill>
-                  <a:schemeClr val="tx1"/>
-                </a:solidFill>
-                <a:sym typeface="+mn-ea"/>
-              </a:rPr>
-              <a:t>对象</a:t>
+                  <a:srgbClr val="FF0000"/>
+                </a:solidFill>
+                <a:sym typeface="+mn-ea"/>
+              </a:rPr>
+              <a:t>方法（静态方法、原型方法）</a:t>
+            </a:r>
+            <a:endParaRPr lang="zh-CN" altLang="en-US" sz="2800" b="1">
+              <a:solidFill>
+                <a:srgbClr val="FF0000"/>
+              </a:solidFill>
+              <a:sym typeface="+mn-ea"/>
+            </a:endParaRPr>
+          </a:p>
+          <a:p>
+            <a:pPr algn="l">
+              <a:lnSpc>
+                <a:spcPct val="150000"/>
+              </a:lnSpc>
+              <a:spcBef>
+                <a:spcPts val="1200"/>
+              </a:spcBef>
+              <a:spcAft>
+                <a:spcPts val="1200"/>
+              </a:spcAft>
+              <a:buClr>
+                <a:srgbClr val="92D050"/>
+              </a:buClr>
+              <a:buFont typeface="Wingdings" panose="05000000000000000000" pitchFamily="2" charset="2"/>
+              <a:buChar char="Ø"/>
+            </a:pPr>
+            <a:r>
+              <a:rPr lang="zh-CN" altLang="en-US" sz="2800" b="1">
+                <a:solidFill>
+                  <a:schemeClr val="tx1"/>
+                </a:solidFill>
+                <a:sym typeface="+mn-ea"/>
+              </a:rPr>
+              <a:t>日期和时间格式</a:t>
             </a:r>
             <a:endParaRPr lang="zh-CN" altLang="en-US" sz="2800" b="1">
               <a:solidFill>
@@ -8932,6 +9324,727 @@
         <p:cTn id="1" dur="indefinite" restart="never" nodeType="tmRoot"/>
       </p:par>
     </p:tnLst>
+  </p:timing>
+</p:sld>
+</file>
+
+<file path=ppt/slides/slide19.xml><?xml version="1.0" encoding="utf-8"?>
+<p:sld xmlns:a="http://schemas.openxmlformats.org/drawingml/2006/main" xmlns:r="http://schemas.openxmlformats.org/officeDocument/2006/relationships" xmlns:p="http://schemas.openxmlformats.org/presentationml/2006/main">
+  <p:cSld>
+    <p:spTree>
+      <p:nvGrpSpPr>
+        <p:cNvPr id="1" name=""/>
+        <p:cNvGrpSpPr/>
+        <p:nvPr/>
+      </p:nvGrpSpPr>
+      <p:grpSpPr>
+        <a:xfrm>
+          <a:off x="0" y="0"/>
+          <a:ext cx="0" cy="0"/>
+          <a:chOff x="0" y="0"/>
+          <a:chExt cx="0" cy="0"/>
+        </a:xfrm>
+      </p:grpSpPr>
+      <p:sp>
+        <p:nvSpPr>
+          <p:cNvPr id="2" name="内容占位符 1"/>
+          <p:cNvSpPr>
+            <a:spLocks noGrp="1"/>
+          </p:cNvSpPr>
+          <p:nvPr>
+            <p:ph sz="quarter" idx="10"/>
+          </p:nvPr>
+        </p:nvSpPr>
+        <p:spPr>
+          <a:xfrm>
+            <a:off x="816610" y="783590"/>
+            <a:ext cx="10424795" cy="5324475"/>
+          </a:xfrm>
+        </p:spPr>
+        <p:txBody>
+          <a:bodyPr/>
+          <a:lstStyle/>
+          <a:p>
+            <a:pPr>
+              <a:lnSpc>
+                <a:spcPct val="150000"/>
+              </a:lnSpc>
+            </a:pPr>
+            <a:r>
+              <a:rPr lang="zh-CN" altLang="en-US" sz="3200" dirty="0">
+                <a:solidFill>
+                  <a:schemeClr val="tx1"/>
+                </a:solidFill>
+                <a:sym typeface="+mn-ea"/>
+              </a:rPr>
+              <a:t>静态方法（构造器函数对象的方法）</a:t>
+            </a:r>
+            <a:br>
+              <a:rPr lang="zh-CN" altLang="en-US" sz="3200" dirty="0">
+                <a:solidFill>
+                  <a:schemeClr val="tx1"/>
+                </a:solidFill>
+                <a:sym typeface="+mn-ea"/>
+              </a:rPr>
+            </a:br>
+            <a:r>
+              <a:rPr lang="en-US" altLang="zh-CN" sz="1800" dirty="0">
+                <a:solidFill>
+                  <a:schemeClr val="tx1"/>
+                </a:solidFill>
+                <a:sym typeface="+mn-ea"/>
+              </a:rPr>
+              <a:t>- Date.now( )</a:t>
+            </a:r>
+            <a:br>
+              <a:rPr lang="en-US" altLang="zh-CN" sz="1800" dirty="0">
+                <a:solidFill>
+                  <a:schemeClr val="tx1"/>
+                </a:solidFill>
+                <a:sym typeface="+mn-ea"/>
+              </a:rPr>
+            </a:br>
+            <a:r>
+              <a:rPr lang="en-US" altLang="zh-CN" sz="1800" dirty="0">
+                <a:solidFill>
+                  <a:schemeClr val="tx1"/>
+                </a:solidFill>
+                <a:sym typeface="+mn-ea"/>
+              </a:rPr>
+              <a:t>- Date.parse(dateTimeString)</a:t>
+            </a:r>
+            <a:br>
+              <a:rPr lang="en-US" altLang="zh-CN" sz="1800" dirty="0">
+                <a:solidFill>
+                  <a:schemeClr val="tx1"/>
+                </a:solidFill>
+                <a:sym typeface="+mn-ea"/>
+              </a:rPr>
+            </a:br>
+            <a:r>
+              <a:rPr lang="en-US" altLang="zh-CN" sz="1800" dirty="0">
+                <a:solidFill>
+                  <a:schemeClr val="tx1"/>
+                </a:solidFill>
+                <a:sym typeface="+mn-ea"/>
+              </a:rPr>
+              <a:t>- Date.UTC(</a:t>
+            </a:r>
+            <a:r>
+              <a:rPr lang="en-US" altLang="zh-CN" sz="1800" dirty="0">
+                <a:solidFill>
+                  <a:schemeClr val="tx1"/>
+                </a:solidFill>
+                <a:sym typeface="+mn-ea"/>
+              </a:rPr>
+              <a:t>year,month,date?,hours?,minutes?,seconds?,milliseconds?)</a:t>
+            </a:r>
+            <a:endParaRPr lang="en-US" altLang="zh-CN" sz="1800" dirty="0">
+              <a:solidFill>
+                <a:schemeClr val="tx1"/>
+              </a:solidFill>
+              <a:sym typeface="+mn-ea"/>
+            </a:endParaRPr>
+          </a:p>
+          <a:p>
+            <a:pPr>
+              <a:lnSpc>
+                <a:spcPct val="150000"/>
+              </a:lnSpc>
+            </a:pPr>
+            <a:r>
+              <a:rPr lang="zh-CN" altLang="en-US" sz="3200" dirty="0">
+                <a:solidFill>
+                  <a:schemeClr val="tx1"/>
+                </a:solidFill>
+                <a:sym typeface="+mn-ea"/>
+              </a:rPr>
+              <a:t>原型方法</a:t>
+            </a:r>
+            <a:br>
+              <a:rPr lang="zh-CN" altLang="en-US" sz="3200" dirty="0">
+                <a:solidFill>
+                  <a:schemeClr val="tx1"/>
+                </a:solidFill>
+                <a:sym typeface="+mn-ea"/>
+              </a:rPr>
+            </a:br>
+            <a:r>
+              <a:rPr lang="en-US" altLang="zh-CN" sz="1800" dirty="0">
+                <a:solidFill>
+                  <a:schemeClr val="tx1"/>
+                </a:solidFill>
+                <a:sym typeface="+mn-ea"/>
+              </a:rPr>
+              <a:t>- Date.prototype.get&lt;Unit&gt;( )   Date.prototype.getUTC&lt;Unit&gt;( )</a:t>
+            </a:r>
+            <a:br>
+              <a:rPr lang="en-US" altLang="zh-CN" sz="1800" dirty="0">
+                <a:solidFill>
+                  <a:schemeClr val="tx1"/>
+                </a:solidFill>
+                <a:sym typeface="+mn-ea"/>
+              </a:rPr>
+            </a:br>
+            <a:r>
+              <a:rPr lang="en-US" altLang="zh-CN" sz="1800" dirty="0">
+                <a:solidFill>
+                  <a:schemeClr val="tx1"/>
+                </a:solidFill>
+                <a:sym typeface="+mn-ea"/>
+              </a:rPr>
+              <a:t>- Date.prototype.set&lt;Unit&gt;( )   Date.prototype.setUTC&lt;Unit&gt;( )</a:t>
+            </a:r>
+            <a:br>
+              <a:rPr lang="en-US" altLang="zh-CN" sz="1800" dirty="0">
+                <a:solidFill>
+                  <a:schemeClr val="tx1"/>
+                </a:solidFill>
+                <a:sym typeface="+mn-ea"/>
+              </a:rPr>
+            </a:br>
+            <a:r>
+              <a:rPr lang="en-US" altLang="zh-CN" sz="1800" dirty="0">
+                <a:solidFill>
+                  <a:schemeClr val="tx1"/>
+                </a:solidFill>
+                <a:sym typeface="+mn-ea"/>
+              </a:rPr>
+              <a:t>- Date.prototype.toTimeString( ) Date.prototype.toLocalTimeString( )  </a:t>
+            </a:r>
+            <a:br>
+              <a:rPr lang="en-US" altLang="zh-CN" sz="1800" dirty="0">
+                <a:solidFill>
+                  <a:schemeClr val="tx1"/>
+                </a:solidFill>
+                <a:sym typeface="+mn-ea"/>
+              </a:rPr>
+            </a:br>
+            <a:r>
+              <a:rPr lang="en-US" altLang="zh-CN" sz="1800" dirty="0">
+                <a:solidFill>
+                  <a:schemeClr val="tx1"/>
+                </a:solidFill>
+                <a:sym typeface="+mn-ea"/>
+              </a:rPr>
+              <a:t>- Date.prototype.toDateString( )  Date.prototype.toString( )  Date.prototype.toLocalString( ) </a:t>
+            </a:r>
+            <a:br>
+              <a:rPr lang="en-US" altLang="zh-CN" sz="1800" dirty="0">
+                <a:solidFill>
+                  <a:schemeClr val="tx1"/>
+                </a:solidFill>
+                <a:sym typeface="+mn-ea"/>
+              </a:rPr>
+            </a:br>
+            <a:r>
+              <a:rPr lang="en-US" altLang="zh-CN" sz="1800" dirty="0">
+                <a:solidFill>
+                  <a:schemeClr val="tx1"/>
+                </a:solidFill>
+                <a:sym typeface="+mn-ea"/>
+              </a:rPr>
+              <a:t>- Date.prototype.toISOString( )  Date.prototype.toJSON( )</a:t>
+            </a:r>
+            <a:br>
+              <a:rPr lang="en-US" altLang="zh-CN" sz="1800" dirty="0">
+                <a:solidFill>
+                  <a:schemeClr val="tx1"/>
+                </a:solidFill>
+                <a:sym typeface="+mn-ea"/>
+              </a:rPr>
+            </a:br>
+            <a:br>
+              <a:rPr lang="en-US" altLang="zh-CN" sz="1700" dirty="0">
+                <a:solidFill>
+                  <a:schemeClr val="tx1"/>
+                </a:solidFill>
+                <a:sym typeface="+mn-ea"/>
+              </a:rPr>
+            </a:br>
+            <a:br>
+              <a:rPr lang="en-US" altLang="zh-CN" sz="1700" dirty="0">
+                <a:solidFill>
+                  <a:schemeClr val="tx1"/>
+                </a:solidFill>
+                <a:sym typeface="+mn-ea"/>
+              </a:rPr>
+            </a:br>
+            <a:br>
+              <a:rPr lang="en-US" altLang="zh-CN" sz="1700" dirty="0">
+                <a:solidFill>
+                  <a:schemeClr val="tx1"/>
+                </a:solidFill>
+                <a:sym typeface="+mn-ea"/>
+              </a:rPr>
+            </a:br>
+            <a:br>
+              <a:rPr lang="en-US" altLang="zh-CN" sz="1700" dirty="0">
+                <a:solidFill>
+                  <a:schemeClr val="tx1"/>
+                </a:solidFill>
+                <a:sym typeface="+mn-ea"/>
+              </a:rPr>
+            </a:br>
+            <a:br>
+              <a:rPr lang="en-US" altLang="zh-CN" sz="1000" dirty="0">
+                <a:solidFill>
+                  <a:schemeClr val="tx1"/>
+                </a:solidFill>
+                <a:sym typeface="+mn-ea"/>
+              </a:rPr>
+            </a:br>
+            <a:endParaRPr lang="en-US" altLang="zh-CN" sz="1000" dirty="0">
+              <a:solidFill>
+                <a:schemeClr val="tx1"/>
+              </a:solidFill>
+              <a:sym typeface="+mn-ea"/>
+            </a:endParaRPr>
+          </a:p>
+          <a:p>
+            <a:pPr marL="0" indent="0">
+              <a:lnSpc>
+                <a:spcPct val="160000"/>
+              </a:lnSpc>
+              <a:buNone/>
+            </a:pPr>
+            <a:endParaRPr lang="en-US" altLang="zh-CN" sz="1800" dirty="0">
+              <a:solidFill>
+                <a:schemeClr val="tx1"/>
+              </a:solidFill>
+              <a:sym typeface="+mn-ea"/>
+            </a:endParaRPr>
+          </a:p>
+        </p:txBody>
+      </p:sp>
+      <p:sp>
+        <p:nvSpPr>
+          <p:cNvPr id="3" name="内容占位符 2"/>
+          <p:cNvSpPr>
+            <a:spLocks noGrp="1"/>
+          </p:cNvSpPr>
+          <p:nvPr>
+            <p:ph sz="quarter" idx="11"/>
+          </p:nvPr>
+        </p:nvSpPr>
+        <p:spPr/>
+        <p:txBody>
+          <a:bodyPr/>
+          <a:lstStyle/>
+          <a:p>
+            <a:r>
+              <a:rPr lang="en-US" altLang="zh-CN" dirty="0">
+                <a:sym typeface="+mn-ea"/>
+              </a:rPr>
+              <a:t>Date</a:t>
+            </a:r>
+            <a:r>
+              <a:rPr lang="zh-CN" altLang="en-US" dirty="0">
+                <a:sym typeface="+mn-ea"/>
+              </a:rPr>
+              <a:t>的方法</a:t>
+            </a:r>
+            <a:endParaRPr lang="zh-CN" altLang="en-US" dirty="0"/>
+          </a:p>
+        </p:txBody>
+      </p:sp>
+      <p:sp>
+        <p:nvSpPr>
+          <p:cNvPr id="6" name="文本框 5"/>
+          <p:cNvSpPr txBox="1"/>
+          <p:nvPr/>
+        </p:nvSpPr>
+        <p:spPr>
+          <a:xfrm>
+            <a:off x="4880610" y="6108700"/>
+            <a:ext cx="6959600" cy="429895"/>
+          </a:xfrm>
+          <a:prstGeom prst="rect">
+            <a:avLst/>
+          </a:prstGeom>
+          <a:noFill/>
+        </p:spPr>
+        <p:txBody>
+          <a:bodyPr wrap="square" rtlCol="0">
+            <a:spAutoFit/>
+          </a:bodyPr>
+          <a:p>
+            <a:pPr algn="l"/>
+            <a:r>
+              <a:rPr lang="zh-CN" altLang="en-US" sz="2200">
+                <a:solidFill>
+                  <a:srgbClr val="FF0000"/>
+                </a:solidFill>
+                <a:latin typeface="+mn-ea"/>
+                <a:ea typeface="+mn-ea"/>
+              </a:rPr>
+              <a:t>参见实例</a:t>
+            </a:r>
+            <a:r>
+              <a:rPr lang="en-US" altLang="zh-CN" sz="2200">
+                <a:solidFill>
+                  <a:srgbClr val="FF0000"/>
+                </a:solidFill>
+                <a:latin typeface="+mn-ea"/>
+                <a:ea typeface="+mn-ea"/>
+              </a:rPr>
+              <a:t>demo9 </a:t>
+            </a:r>
+            <a:r>
+              <a:rPr lang="zh-CN" altLang="en-US" sz="2200">
+                <a:solidFill>
+                  <a:srgbClr val="FF0000"/>
+                </a:solidFill>
+                <a:latin typeface="+mn-ea"/>
+                <a:ea typeface="+mn-ea"/>
+              </a:rPr>
+              <a:t>静态方法和原型方法</a:t>
+            </a:r>
+            <a:r>
+              <a:rPr lang="en-US" altLang="zh-CN" sz="2200">
+                <a:solidFill>
+                  <a:srgbClr val="FF0000"/>
+                </a:solidFill>
+                <a:latin typeface="+mn-ea"/>
+                <a:ea typeface="+mn-ea"/>
+              </a:rPr>
+              <a:t> </a:t>
+            </a:r>
+            <a:endParaRPr lang="zh-CN" altLang="en-US" sz="2200">
+              <a:solidFill>
+                <a:srgbClr val="FF0000"/>
+              </a:solidFill>
+              <a:latin typeface="+mn-ea"/>
+              <a:ea typeface="+mn-ea"/>
+            </a:endParaRPr>
+          </a:p>
+        </p:txBody>
+      </p:sp>
+    </p:spTree>
+  </p:cSld>
+  <p:clrMapOvr>
+    <a:masterClrMapping/>
+  </p:clrMapOvr>
+  <p:timing>
+    <p:tnLst>
+      <p:par>
+        <p:cTn id="1" dur="indefinite" restart="never" nodeType="tmRoot">
+          <p:childTnLst>
+            <p:seq concurrent="1" nextAc="seek">
+              <p:cTn id="2" dur="indefinite" nodeType="mainSeq">
+                <p:childTnLst>
+                  <p:par>
+                    <p:cTn id="3" fill="hold">
+                      <p:stCondLst>
+                        <p:cond delay="indefinite"/>
+                      </p:stCondLst>
+                      <p:childTnLst>
+                        <p:par>
+                          <p:cTn id="4" fill="hold">
+                            <p:stCondLst>
+                              <p:cond delay="0"/>
+                            </p:stCondLst>
+                            <p:childTnLst>
+                              <p:par>
+                                <p:cTn id="5" presetID="2" presetClass="entr" presetSubtype="4" fill="hold" nodeType="clickEffect">
+                                  <p:stCondLst>
+                                    <p:cond delay="0"/>
+                                  </p:stCondLst>
+                                  <p:childTnLst>
+                                    <p:set>
+                                      <p:cBhvr>
+                                        <p:cTn id="6" dur="1" fill="hold">
+                                          <p:stCondLst>
+                                            <p:cond delay="0"/>
+                                          </p:stCondLst>
+                                        </p:cTn>
+                                        <p:tgtEl>
+                                          <p:spTgt spid="2">
+                                            <p:txEl>
+                                              <p:pRg st="0" end="0"/>
+                                            </p:txEl>
+                                          </p:spTgt>
+                                        </p:tgtEl>
+                                        <p:attrNameLst>
+                                          <p:attrName>style.visibility</p:attrName>
+                                        </p:attrNameLst>
+                                      </p:cBhvr>
+                                      <p:to>
+                                        <p:strVal val="visible"/>
+                                      </p:to>
+                                    </p:set>
+                                    <p:anim calcmode="lin" valueType="num">
+                                      <p:cBhvr additive="base">
+                                        <p:cTn id="7" dur="500" fill="hold"/>
+                                        <p:tgtEl>
+                                          <p:spTgt spid="2">
+                                            <p:txEl>
+                                              <p:pRg st="0" end="0"/>
+                                            </p:txEl>
+                                          </p:spTgt>
+                                        </p:tgtEl>
+                                        <p:attrNameLst>
+                                          <p:attrName>ppt_x</p:attrName>
+                                        </p:attrNameLst>
+                                      </p:cBhvr>
+                                      <p:tavLst>
+                                        <p:tav tm="0">
+                                          <p:val>
+                                            <p:strVal val="#ppt_x"/>
+                                          </p:val>
+                                        </p:tav>
+                                        <p:tav tm="100000">
+                                          <p:val>
+                                            <p:strVal val="#ppt_x"/>
+                                          </p:val>
+                                        </p:tav>
+                                      </p:tavLst>
+                                    </p:anim>
+                                    <p:anim calcmode="lin" valueType="num">
+                                      <p:cBhvr additive="base">
+                                        <p:cTn id="8" dur="500" fill="hold"/>
+                                        <p:tgtEl>
+                                          <p:spTgt spid="2">
+                                            <p:txEl>
+                                              <p:pRg st="0" end="0"/>
+                                            </p:txEl>
+                                          </p:spTgt>
+                                        </p:tgtEl>
+                                        <p:attrNameLst>
+                                          <p:attrName>ppt_y</p:attrName>
+                                        </p:attrNameLst>
+                                      </p:cBhvr>
+                                      <p:tavLst>
+                                        <p:tav tm="0">
+                                          <p:val>
+                                            <p:strVal val="1+#ppt_h/2"/>
+                                          </p:val>
+                                        </p:tav>
+                                        <p:tav tm="100000">
+                                          <p:val>
+                                            <p:strVal val="#ppt_y"/>
+                                          </p:val>
+                                        </p:tav>
+                                      </p:tavLst>
+                                    </p:anim>
+                                  </p:childTnLst>
+                                </p:cTn>
+                              </p:par>
+                            </p:childTnLst>
+                          </p:cTn>
+                        </p:par>
+                      </p:childTnLst>
+                    </p:cTn>
+                  </p:par>
+                  <p:par>
+                    <p:cTn id="9" fill="hold">
+                      <p:stCondLst>
+                        <p:cond delay="indefinite"/>
+                      </p:stCondLst>
+                      <p:childTnLst>
+                        <p:par>
+                          <p:cTn id="10" fill="hold">
+                            <p:stCondLst>
+                              <p:cond delay="0"/>
+                            </p:stCondLst>
+                            <p:childTnLst>
+                              <p:par>
+                                <p:cTn id="11" presetID="2" presetClass="entr" presetSubtype="4" fill="hold" nodeType="clickEffect">
+                                  <p:stCondLst>
+                                    <p:cond delay="0"/>
+                                  </p:stCondLst>
+                                  <p:childTnLst>
+                                    <p:set>
+                                      <p:cBhvr>
+                                        <p:cTn id="12" dur="1" fill="hold">
+                                          <p:stCondLst>
+                                            <p:cond delay="0"/>
+                                          </p:stCondLst>
+                                        </p:cTn>
+                                        <p:tgtEl>
+                                          <p:spTgt spid="2">
+                                            <p:txEl>
+                                              <p:pRg st="1" end="1"/>
+                                            </p:txEl>
+                                          </p:spTgt>
+                                        </p:tgtEl>
+                                        <p:attrNameLst>
+                                          <p:attrName>style.visibility</p:attrName>
+                                        </p:attrNameLst>
+                                      </p:cBhvr>
+                                      <p:to>
+                                        <p:strVal val="visible"/>
+                                      </p:to>
+                                    </p:set>
+                                    <p:anim calcmode="lin" valueType="num">
+                                      <p:cBhvr additive="base">
+                                        <p:cTn id="13" dur="500" fill="hold"/>
+                                        <p:tgtEl>
+                                          <p:spTgt spid="2">
+                                            <p:txEl>
+                                              <p:pRg st="1" end="1"/>
+                                            </p:txEl>
+                                          </p:spTgt>
+                                        </p:tgtEl>
+                                        <p:attrNameLst>
+                                          <p:attrName>ppt_x</p:attrName>
+                                        </p:attrNameLst>
+                                      </p:cBhvr>
+                                      <p:tavLst>
+                                        <p:tav tm="0">
+                                          <p:val>
+                                            <p:strVal val="#ppt_x"/>
+                                          </p:val>
+                                        </p:tav>
+                                        <p:tav tm="100000">
+                                          <p:val>
+                                            <p:strVal val="#ppt_x"/>
+                                          </p:val>
+                                        </p:tav>
+                                      </p:tavLst>
+                                    </p:anim>
+                                    <p:anim calcmode="lin" valueType="num">
+                                      <p:cBhvr additive="base">
+                                        <p:cTn id="14" dur="500" fill="hold"/>
+                                        <p:tgtEl>
+                                          <p:spTgt spid="2">
+                                            <p:txEl>
+                                              <p:pRg st="1" end="1"/>
+                                            </p:txEl>
+                                          </p:spTgt>
+                                        </p:tgtEl>
+                                        <p:attrNameLst>
+                                          <p:attrName>ppt_y</p:attrName>
+                                        </p:attrNameLst>
+                                      </p:cBhvr>
+                                      <p:tavLst>
+                                        <p:tav tm="0">
+                                          <p:val>
+                                            <p:strVal val="1+#ppt_h/2"/>
+                                          </p:val>
+                                        </p:tav>
+                                        <p:tav tm="100000">
+                                          <p:val>
+                                            <p:strVal val="#ppt_y"/>
+                                          </p:val>
+                                        </p:tav>
+                                      </p:tavLst>
+                                    </p:anim>
+                                  </p:childTnLst>
+                                </p:cTn>
+                              </p:par>
+                            </p:childTnLst>
+                          </p:cTn>
+                        </p:par>
+                        <p:par>
+                          <p:cTn id="15" fill="hold">
+                            <p:stCondLst>
+                              <p:cond delay="500"/>
+                            </p:stCondLst>
+                            <p:childTnLst>
+                              <p:par>
+                                <p:cTn id="16" presetID="2" presetClass="entr" presetSubtype="4" fill="hold" grpId="0" nodeType="afterEffect">
+                                  <p:stCondLst>
+                                    <p:cond delay="0"/>
+                                  </p:stCondLst>
+                                  <p:childTnLst>
+                                    <p:set>
+                                      <p:cBhvr>
+                                        <p:cTn id="17" dur="1" fill="hold">
+                                          <p:stCondLst>
+                                            <p:cond delay="0"/>
+                                          </p:stCondLst>
+                                        </p:cTn>
+                                        <p:tgtEl>
+                                          <p:spTgt spid="6"/>
+                                        </p:tgtEl>
+                                        <p:attrNameLst>
+                                          <p:attrName>style.visibility</p:attrName>
+                                        </p:attrNameLst>
+                                      </p:cBhvr>
+                                      <p:to>
+                                        <p:strVal val="visible"/>
+                                      </p:to>
+                                    </p:set>
+                                    <p:anim calcmode="lin" valueType="num">
+                                      <p:cBhvr additive="base">
+                                        <p:cTn id="18" dur="500" fill="hold"/>
+                                        <p:tgtEl>
+                                          <p:spTgt spid="6"/>
+                                        </p:tgtEl>
+                                        <p:attrNameLst>
+                                          <p:attrName>ppt_x</p:attrName>
+                                        </p:attrNameLst>
+                                      </p:cBhvr>
+                                      <p:tavLst>
+                                        <p:tav tm="0">
+                                          <p:val>
+                                            <p:strVal val="#ppt_x"/>
+                                          </p:val>
+                                        </p:tav>
+                                        <p:tav tm="100000">
+                                          <p:val>
+                                            <p:strVal val="#ppt_x"/>
+                                          </p:val>
+                                        </p:tav>
+                                      </p:tavLst>
+                                    </p:anim>
+                                    <p:anim calcmode="lin" valueType="num">
+                                      <p:cBhvr additive="base">
+                                        <p:cTn id="19" dur="500" fill="hold"/>
+                                        <p:tgtEl>
+                                          <p:spTgt spid="6"/>
+                                        </p:tgtEl>
+                                        <p:attrNameLst>
+                                          <p:attrName>ppt_y</p:attrName>
+                                        </p:attrNameLst>
+                                      </p:cBhvr>
+                                      <p:tavLst>
+                                        <p:tav tm="0">
+                                          <p:val>
+                                            <p:strVal val="1+#ppt_h/2"/>
+                                          </p:val>
+                                        </p:tav>
+                                        <p:tav tm="100000">
+                                          <p:val>
+                                            <p:strVal val="#ppt_y"/>
+                                          </p:val>
+                                        </p:tav>
+                                      </p:tavLst>
+                                    </p:anim>
+                                  </p:childTnLst>
+                                </p:cTn>
+                              </p:par>
+                            </p:childTnLst>
+                          </p:cTn>
+                        </p:par>
+                      </p:childTnLst>
+                    </p:cTn>
+                  </p:par>
+                </p:childTnLst>
+              </p:cTn>
+              <p:prevCondLst>
+                <p:cond evt="onPrev" delay="0">
+                  <p:tgtEl>
+                    <p:sldTgt/>
+                  </p:tgtEl>
+                </p:cond>
+              </p:prevCondLst>
+              <p:nextCondLst>
+                <p:cond evt="onNext" delay="0">
+                  <p:tgtEl>
+                    <p:sldTgt/>
+                  </p:tgtEl>
+                </p:cond>
+              </p:nextCondLst>
+            </p:seq>
+          </p:childTnLst>
+        </p:cTn>
+      </p:par>
+    </p:tnLst>
+    <p:bldLst>
+      <p:bldP spid="6" grpId="0"/>
+    </p:bldLst>
   </p:timing>
 </p:sld>
 </file>
@@ -9336,6 +10449,1296 @@
           <a:chExt cx="0" cy="0"/>
         </a:xfrm>
       </p:grpSpPr>
+      <p:sp>
+        <p:nvSpPr>
+          <p:cNvPr id="5123" name="AutoShape 6"/>
+          <p:cNvSpPr>
+            <a:spLocks noChangeArrowheads="1"/>
+          </p:cNvSpPr>
+          <p:nvPr/>
+        </p:nvSpPr>
+        <p:spPr bwMode="auto">
+          <a:xfrm>
+            <a:off x="2566988" y="1339851"/>
+            <a:ext cx="6711950" cy="4214813"/>
+          </a:xfrm>
+          <a:prstGeom prst="roundRect">
+            <a:avLst>
+              <a:gd name="adj" fmla="val 16667"/>
+            </a:avLst>
+          </a:prstGeom>
+          <a:noFill/>
+          <a:ln w="28575">
+            <a:solidFill>
+              <a:srgbClr val="C0C0C0"/>
+            </a:solidFill>
+            <a:prstDash val="sysDot"/>
+            <a:round/>
+          </a:ln>
+          <a:extLst>
+            <a:ext uri="{909E8E84-426E-40DD-AFC4-6F175D3DCCD1}">
+              <a14:hiddenFill xmlns:a14="http://schemas.microsoft.com/office/drawing/2010/main">
+                <a:solidFill>
+                  <a:srgbClr val="FFFFFF"/>
+                </a:solidFill>
+              </a14:hiddenFill>
+            </a:ext>
+          </a:extLst>
+        </p:spPr>
+        <p:txBody>
+          <a:bodyPr wrap="none" anchor="ctr"/>
+          <a:lstStyle>
+            <a:lvl1pPr marL="457200" indent="-457200">
+              <a:defRPr sz="3200">
+                <a:solidFill>
+                  <a:schemeClr val="tx1"/>
+                </a:solidFill>
+                <a:latin typeface="Arial" panose="020B0604020202020204" pitchFamily="34" charset="0"/>
+                <a:ea typeface="微软雅黑" panose="020B0503020204020204" pitchFamily="34" charset="-122"/>
+              </a:defRPr>
+            </a:lvl1pPr>
+            <a:lvl2pPr marL="742950" indent="-285750">
+              <a:defRPr sz="3200">
+                <a:solidFill>
+                  <a:schemeClr val="tx1"/>
+                </a:solidFill>
+                <a:latin typeface="Arial" panose="020B0604020202020204" pitchFamily="34" charset="0"/>
+                <a:ea typeface="微软雅黑" panose="020B0503020204020204" pitchFamily="34" charset="-122"/>
+              </a:defRPr>
+            </a:lvl2pPr>
+            <a:lvl3pPr marL="1143000" indent="-228600">
+              <a:defRPr sz="3200">
+                <a:solidFill>
+                  <a:schemeClr val="tx1"/>
+                </a:solidFill>
+                <a:latin typeface="Arial" panose="020B0604020202020204" pitchFamily="34" charset="0"/>
+                <a:ea typeface="微软雅黑" panose="020B0503020204020204" pitchFamily="34" charset="-122"/>
+              </a:defRPr>
+            </a:lvl3pPr>
+            <a:lvl4pPr marL="1600200" indent="-228600">
+              <a:defRPr sz="3200">
+                <a:solidFill>
+                  <a:schemeClr val="tx1"/>
+                </a:solidFill>
+                <a:latin typeface="Arial" panose="020B0604020202020204" pitchFamily="34" charset="0"/>
+                <a:ea typeface="微软雅黑" panose="020B0503020204020204" pitchFamily="34" charset="-122"/>
+              </a:defRPr>
+            </a:lvl4pPr>
+            <a:lvl5pPr marL="2057400" indent="-228600">
+              <a:defRPr sz="3200">
+                <a:solidFill>
+                  <a:schemeClr val="tx1"/>
+                </a:solidFill>
+                <a:latin typeface="Arial" panose="020B0604020202020204" pitchFamily="34" charset="0"/>
+                <a:ea typeface="微软雅黑" panose="020B0503020204020204" pitchFamily="34" charset="-122"/>
+              </a:defRPr>
+            </a:lvl5pPr>
+            <a:lvl6pPr marL="2514600" indent="-228600" eaLnBrk="0" fontAlgn="base" hangingPunct="0">
+              <a:spcBef>
+                <a:spcPct val="0"/>
+              </a:spcBef>
+              <a:spcAft>
+                <a:spcPct val="0"/>
+              </a:spcAft>
+              <a:defRPr sz="3200">
+                <a:solidFill>
+                  <a:schemeClr val="tx1"/>
+                </a:solidFill>
+                <a:latin typeface="Arial" panose="020B0604020202020204" pitchFamily="34" charset="0"/>
+                <a:ea typeface="微软雅黑" panose="020B0503020204020204" pitchFamily="34" charset="-122"/>
+              </a:defRPr>
+            </a:lvl6pPr>
+            <a:lvl7pPr marL="2971800" indent="-228600" eaLnBrk="0" fontAlgn="base" hangingPunct="0">
+              <a:spcBef>
+                <a:spcPct val="0"/>
+              </a:spcBef>
+              <a:spcAft>
+                <a:spcPct val="0"/>
+              </a:spcAft>
+              <a:defRPr sz="3200">
+                <a:solidFill>
+                  <a:schemeClr val="tx1"/>
+                </a:solidFill>
+                <a:latin typeface="Arial" panose="020B0604020202020204" pitchFamily="34" charset="0"/>
+                <a:ea typeface="微软雅黑" panose="020B0503020204020204" pitchFamily="34" charset="-122"/>
+              </a:defRPr>
+            </a:lvl7pPr>
+            <a:lvl8pPr marL="3429000" indent="-228600" eaLnBrk="0" fontAlgn="base" hangingPunct="0">
+              <a:spcBef>
+                <a:spcPct val="0"/>
+              </a:spcBef>
+              <a:spcAft>
+                <a:spcPct val="0"/>
+              </a:spcAft>
+              <a:defRPr sz="3200">
+                <a:solidFill>
+                  <a:schemeClr val="tx1"/>
+                </a:solidFill>
+                <a:latin typeface="Arial" panose="020B0604020202020204" pitchFamily="34" charset="0"/>
+                <a:ea typeface="微软雅黑" panose="020B0503020204020204" pitchFamily="34" charset="-122"/>
+              </a:defRPr>
+            </a:lvl8pPr>
+            <a:lvl9pPr marL="3886200" indent="-228600" eaLnBrk="0" fontAlgn="base" hangingPunct="0">
+              <a:spcBef>
+                <a:spcPct val="0"/>
+              </a:spcBef>
+              <a:spcAft>
+                <a:spcPct val="0"/>
+              </a:spcAft>
+              <a:defRPr sz="3200">
+                <a:solidFill>
+                  <a:schemeClr val="tx1"/>
+                </a:solidFill>
+                <a:latin typeface="Arial" panose="020B0604020202020204" pitchFamily="34" charset="0"/>
+                <a:ea typeface="微软雅黑" panose="020B0503020204020204" pitchFamily="34" charset="-122"/>
+              </a:defRPr>
+            </a:lvl9pPr>
+          </a:lstStyle>
+          <a:p>
+            <a:pPr algn="l">
+              <a:lnSpc>
+                <a:spcPct val="150000"/>
+              </a:lnSpc>
+              <a:spcBef>
+                <a:spcPts val="1200"/>
+              </a:spcBef>
+              <a:spcAft>
+                <a:spcPts val="1200"/>
+              </a:spcAft>
+              <a:buClr>
+                <a:srgbClr val="92D050"/>
+              </a:buClr>
+              <a:buFont typeface="Wingdings" panose="05000000000000000000" pitchFamily="2" charset="2"/>
+              <a:buChar char="Ø"/>
+            </a:pPr>
+            <a:r>
+              <a:rPr lang="en-US" altLang="zh-CN" sz="2800" b="1">
+                <a:solidFill>
+                  <a:schemeClr val="tx1"/>
+                </a:solidFill>
+                <a:sym typeface="+mn-ea"/>
+              </a:rPr>
+              <a:t>Date</a:t>
+            </a:r>
+            <a:r>
+              <a:rPr lang="zh-CN" altLang="en-US" sz="2800" b="1">
+                <a:solidFill>
+                  <a:schemeClr val="tx1"/>
+                </a:solidFill>
+                <a:sym typeface="+mn-ea"/>
+              </a:rPr>
+              <a:t>简介及创建</a:t>
+            </a:r>
+            <a:r>
+              <a:rPr lang="en-US" altLang="zh-CN" sz="2800" b="1">
+                <a:solidFill>
+                  <a:schemeClr val="tx1"/>
+                </a:solidFill>
+                <a:sym typeface="+mn-ea"/>
+              </a:rPr>
+              <a:t>Date</a:t>
+            </a:r>
+            <a:r>
+              <a:rPr lang="zh-CN" altLang="en-US" sz="2800" b="1">
+                <a:solidFill>
+                  <a:schemeClr val="tx1"/>
+                </a:solidFill>
+                <a:sym typeface="+mn-ea"/>
+              </a:rPr>
+              <a:t>对象</a:t>
+            </a:r>
+            <a:endParaRPr lang="zh-CN" altLang="en-US" sz="2800" b="1">
+              <a:solidFill>
+                <a:schemeClr val="tx1"/>
+              </a:solidFill>
+              <a:sym typeface="+mn-ea"/>
+            </a:endParaRPr>
+          </a:p>
+          <a:p>
+            <a:pPr algn="l">
+              <a:lnSpc>
+                <a:spcPct val="150000"/>
+              </a:lnSpc>
+              <a:spcBef>
+                <a:spcPts val="1200"/>
+              </a:spcBef>
+              <a:spcAft>
+                <a:spcPts val="1200"/>
+              </a:spcAft>
+              <a:buClr>
+                <a:srgbClr val="92D050"/>
+              </a:buClr>
+              <a:buFont typeface="Wingdings" panose="05000000000000000000" pitchFamily="2" charset="2"/>
+              <a:buChar char="Ø"/>
+            </a:pPr>
+            <a:r>
+              <a:rPr lang="en-US" altLang="zh-CN" sz="2800" b="1">
+                <a:solidFill>
+                  <a:schemeClr val="tx1"/>
+                </a:solidFill>
+                <a:sym typeface="+mn-ea"/>
+              </a:rPr>
+              <a:t>Date</a:t>
+            </a:r>
+            <a:r>
+              <a:rPr lang="zh-CN" altLang="en-US" sz="2800" b="1">
+                <a:solidFill>
+                  <a:schemeClr val="tx1"/>
+                </a:solidFill>
+                <a:sym typeface="+mn-ea"/>
+              </a:rPr>
+              <a:t>方法（静态方法、原型方法）</a:t>
+            </a:r>
+            <a:endParaRPr lang="zh-CN" altLang="en-US" sz="2800" b="1">
+              <a:solidFill>
+                <a:schemeClr val="tx1"/>
+              </a:solidFill>
+              <a:sym typeface="+mn-ea"/>
+            </a:endParaRPr>
+          </a:p>
+          <a:p>
+            <a:pPr algn="l">
+              <a:lnSpc>
+                <a:spcPct val="150000"/>
+              </a:lnSpc>
+              <a:spcBef>
+                <a:spcPts val="1200"/>
+              </a:spcBef>
+              <a:spcAft>
+                <a:spcPts val="1200"/>
+              </a:spcAft>
+              <a:buClr>
+                <a:srgbClr val="92D050"/>
+              </a:buClr>
+              <a:buFont typeface="Wingdings" panose="05000000000000000000" pitchFamily="2" charset="2"/>
+              <a:buChar char="Ø"/>
+            </a:pPr>
+            <a:r>
+              <a:rPr lang="zh-CN" altLang="en-US" sz="2800" b="1">
+                <a:solidFill>
+                  <a:srgbClr val="FF0000"/>
+                </a:solidFill>
+                <a:sym typeface="+mn-ea"/>
+              </a:rPr>
+              <a:t>日期和时间格式</a:t>
+            </a:r>
+            <a:endParaRPr lang="zh-CN" altLang="en-US" sz="2800" b="1">
+              <a:solidFill>
+                <a:srgbClr val="FF0000"/>
+              </a:solidFill>
+              <a:sym typeface="+mn-ea"/>
+            </a:endParaRPr>
+          </a:p>
+        </p:txBody>
+      </p:sp>
+      <p:sp>
+        <p:nvSpPr>
+          <p:cNvPr id="4" name="内容占位符 3"/>
+          <p:cNvSpPr txBox="1"/>
+          <p:nvPr/>
+        </p:nvSpPr>
+        <p:spPr>
+          <a:xfrm>
+            <a:off x="981657" y="236943"/>
+            <a:ext cx="8191557" cy="490476"/>
+          </a:xfrm>
+          <a:prstGeom prst="rect">
+            <a:avLst/>
+          </a:prstGeom>
+        </p:spPr>
+        <p:txBody>
+          <a:bodyPr/>
+          <a:lstStyle>
+            <a:lvl1pPr marL="167005" indent="-167005" algn="l" defTabSz="0" rtl="0" eaLnBrk="0" fontAlgn="base" hangingPunct="0">
+              <a:spcBef>
+                <a:spcPct val="0"/>
+              </a:spcBef>
+              <a:spcAft>
+                <a:spcPct val="15000"/>
+              </a:spcAft>
+              <a:buClr>
+                <a:schemeClr val="tx2"/>
+              </a:buClr>
+              <a:buFont typeface="Arial" panose="020B0604020202020204" pitchFamily="34" charset="0"/>
+              <a:buChar char="•"/>
+              <a:defRPr kumimoji="1" sz="1600">
+                <a:solidFill>
+                  <a:srgbClr val="006F53"/>
+                </a:solidFill>
+                <a:latin typeface="微软雅黑" panose="020B0503020204020204" pitchFamily="34" charset="-122"/>
+                <a:ea typeface="微软雅黑" panose="020B0503020204020204" pitchFamily="34" charset="-122"/>
+                <a:cs typeface="微软雅黑" panose="020B0503020204020204" pitchFamily="34" charset="-122"/>
+              </a:defRPr>
+            </a:lvl1pPr>
+            <a:lvl2pPr marL="398780" indent="-230505" algn="l" defTabSz="0" rtl="0" eaLnBrk="0" fontAlgn="base" hangingPunct="0">
+              <a:spcBef>
+                <a:spcPct val="0"/>
+              </a:spcBef>
+              <a:spcAft>
+                <a:spcPct val="15000"/>
+              </a:spcAft>
+              <a:buClr>
+                <a:schemeClr val="tx2"/>
+              </a:buClr>
+              <a:buFont typeface="Arial" panose="020B0604020202020204" pitchFamily="34" charset="0"/>
+              <a:buChar char="–"/>
+              <a:defRPr kumimoji="1" sz="2800">
+                <a:solidFill>
+                  <a:schemeClr val="bg2"/>
+                </a:solidFill>
+                <a:latin typeface="微软雅黑" panose="020B0503020204020204" pitchFamily="34" charset="-122"/>
+                <a:ea typeface="微软雅黑" panose="020B0503020204020204" pitchFamily="34" charset="-122"/>
+                <a:cs typeface="微软雅黑" panose="020B0503020204020204" pitchFamily="34" charset="-122"/>
+              </a:defRPr>
+            </a:lvl2pPr>
+            <a:lvl3pPr marL="400050" indent="182880" algn="l" defTabSz="0" rtl="0" eaLnBrk="0" fontAlgn="base" hangingPunct="0">
+              <a:spcBef>
+                <a:spcPct val="0"/>
+              </a:spcBef>
+              <a:spcAft>
+                <a:spcPct val="15000"/>
+              </a:spcAft>
+              <a:buClr>
+                <a:schemeClr val="tx2"/>
+              </a:buClr>
+              <a:buFont typeface="Arial" panose="020B0604020202020204" pitchFamily="34" charset="0"/>
+              <a:buChar char="•"/>
+              <a:defRPr kumimoji="1" sz="1600">
+                <a:solidFill>
+                  <a:schemeClr val="bg2"/>
+                </a:solidFill>
+                <a:latin typeface="微软雅黑" panose="020B0503020204020204" pitchFamily="34" charset="-122"/>
+                <a:ea typeface="微软雅黑" panose="020B0503020204020204" pitchFamily="34" charset="-122"/>
+                <a:cs typeface="微软雅黑" panose="020B0503020204020204" pitchFamily="34" charset="-122"/>
+              </a:defRPr>
+            </a:lvl3pPr>
+            <a:lvl4pPr marL="825500" indent="-241300" algn="l" defTabSz="0" rtl="0" eaLnBrk="0" fontAlgn="base" hangingPunct="0">
+              <a:spcBef>
+                <a:spcPct val="0"/>
+              </a:spcBef>
+              <a:spcAft>
+                <a:spcPct val="15000"/>
+              </a:spcAft>
+              <a:buClr>
+                <a:schemeClr val="tx2"/>
+              </a:buClr>
+              <a:buFont typeface="Arial" panose="020B0604020202020204" pitchFamily="34" charset="0"/>
+              <a:buChar char="–"/>
+              <a:defRPr kumimoji="1" sz="1600">
+                <a:solidFill>
+                  <a:schemeClr val="bg2"/>
+                </a:solidFill>
+                <a:latin typeface="微软雅黑" panose="020B0503020204020204" pitchFamily="34" charset="-122"/>
+                <a:ea typeface="微软雅黑" panose="020B0503020204020204" pitchFamily="34" charset="-122"/>
+                <a:cs typeface="微软雅黑" panose="020B0503020204020204" pitchFamily="34" charset="-122"/>
+              </a:defRPr>
+            </a:lvl4pPr>
+            <a:lvl5pPr marL="2057400" indent="-228600" algn="l" defTabSz="0" rtl="0" eaLnBrk="0" fontAlgn="base" hangingPunct="0">
+              <a:spcBef>
+                <a:spcPct val="0"/>
+              </a:spcBef>
+              <a:spcAft>
+                <a:spcPct val="25000"/>
+              </a:spcAft>
+              <a:buClr>
+                <a:schemeClr val="tx2"/>
+              </a:buClr>
+              <a:buFont typeface="Arial" panose="020B0604020202020204" pitchFamily="34" charset="0"/>
+              <a:buChar char="–"/>
+              <a:defRPr kumimoji="1" sz="2000">
+                <a:solidFill>
+                  <a:schemeClr val="tx1"/>
+                </a:solidFill>
+                <a:latin typeface="+mn-lt"/>
+                <a:ea typeface="微软雅黑" panose="020B0503020204020204" pitchFamily="34" charset="-122"/>
+                <a:cs typeface="微软雅黑" panose="020B0503020204020204" pitchFamily="34" charset="-122"/>
+              </a:defRPr>
+            </a:lvl5pPr>
+            <a:lvl6pPr marL="2514600" indent="-228600" algn="l" defTabSz="0" rtl="0" eaLnBrk="0" fontAlgn="base" hangingPunct="0">
+              <a:spcBef>
+                <a:spcPct val="0"/>
+              </a:spcBef>
+              <a:spcAft>
+                <a:spcPct val="25000"/>
+              </a:spcAft>
+              <a:buClr>
+                <a:schemeClr val="tx2"/>
+              </a:buClr>
+              <a:buFont typeface="Arial" panose="020B0604020202020204" pitchFamily="34" charset="0"/>
+              <a:buChar char="–"/>
+              <a:defRPr>
+                <a:solidFill>
+                  <a:schemeClr val="tx1"/>
+                </a:solidFill>
+                <a:latin typeface="+mn-lt"/>
+              </a:defRPr>
+            </a:lvl6pPr>
+            <a:lvl7pPr marL="2971800" indent="-228600" algn="l" defTabSz="0" rtl="0" eaLnBrk="0" fontAlgn="base" hangingPunct="0">
+              <a:spcBef>
+                <a:spcPct val="0"/>
+              </a:spcBef>
+              <a:spcAft>
+                <a:spcPct val="25000"/>
+              </a:spcAft>
+              <a:buClr>
+                <a:schemeClr val="tx2"/>
+              </a:buClr>
+              <a:buFont typeface="Arial" panose="020B0604020202020204" pitchFamily="34" charset="0"/>
+              <a:buChar char="–"/>
+              <a:defRPr>
+                <a:solidFill>
+                  <a:schemeClr val="tx1"/>
+                </a:solidFill>
+                <a:latin typeface="+mn-lt"/>
+              </a:defRPr>
+            </a:lvl7pPr>
+            <a:lvl8pPr marL="3429000" indent="-228600" algn="l" defTabSz="0" rtl="0" eaLnBrk="0" fontAlgn="base" hangingPunct="0">
+              <a:spcBef>
+                <a:spcPct val="0"/>
+              </a:spcBef>
+              <a:spcAft>
+                <a:spcPct val="25000"/>
+              </a:spcAft>
+              <a:buClr>
+                <a:schemeClr val="tx2"/>
+              </a:buClr>
+              <a:buFont typeface="Arial" panose="020B0604020202020204" pitchFamily="34" charset="0"/>
+              <a:buChar char="–"/>
+              <a:defRPr>
+                <a:solidFill>
+                  <a:schemeClr val="tx1"/>
+                </a:solidFill>
+                <a:latin typeface="+mn-lt"/>
+              </a:defRPr>
+            </a:lvl8pPr>
+            <a:lvl9pPr marL="3886200" indent="-228600" algn="l" defTabSz="0" rtl="0" eaLnBrk="0" fontAlgn="base" hangingPunct="0">
+              <a:spcBef>
+                <a:spcPct val="0"/>
+              </a:spcBef>
+              <a:spcAft>
+                <a:spcPct val="25000"/>
+              </a:spcAft>
+              <a:buClr>
+                <a:schemeClr val="tx2"/>
+              </a:buClr>
+              <a:buFont typeface="Arial" panose="020B0604020202020204" pitchFamily="34" charset="0"/>
+              <a:buChar char="–"/>
+              <a:defRPr>
+                <a:solidFill>
+                  <a:schemeClr val="tx1"/>
+                </a:solidFill>
+                <a:latin typeface="+mn-lt"/>
+              </a:defRPr>
+            </a:lvl9pPr>
+          </a:lstStyle>
+          <a:p>
+            <a:pPr marL="0" indent="0">
+              <a:buNone/>
+            </a:pPr>
+            <a:r>
+              <a:rPr lang="zh-CN" altLang="en-US" sz="3200" dirty="0" smtClean="0">
+                <a:solidFill>
+                  <a:srgbClr val="C00000"/>
+                </a:solidFill>
+                <a:cs typeface="+mn-cs"/>
+                <a:sym typeface="+mn-ea"/>
+              </a:rPr>
+              <a:t>内容提纲</a:t>
+            </a:r>
+            <a:endParaRPr lang="zh-CN" altLang="en-US" kern="0" dirty="0"/>
+          </a:p>
+        </p:txBody>
+      </p:sp>
+    </p:spTree>
+  </p:cSld>
+  <p:clrMapOvr>
+    <a:masterClrMapping/>
+  </p:clrMapOvr>
+  <p:timing>
+    <p:tnLst>
+      <p:par>
+        <p:cTn id="1" dur="indefinite" restart="never" nodeType="tmRoot"/>
+      </p:par>
+    </p:tnLst>
+  </p:timing>
+</p:sld>
+</file>
+
+<file path=ppt/slides/slide21.xml><?xml version="1.0" encoding="utf-8"?>
+<p:sld xmlns:a="http://schemas.openxmlformats.org/drawingml/2006/main" xmlns:r="http://schemas.openxmlformats.org/officeDocument/2006/relationships" xmlns:p="http://schemas.openxmlformats.org/presentationml/2006/main">
+  <p:cSld>
+    <p:spTree>
+      <p:nvGrpSpPr>
+        <p:cNvPr id="1" name=""/>
+        <p:cNvGrpSpPr/>
+        <p:nvPr/>
+      </p:nvGrpSpPr>
+      <p:grpSpPr>
+        <a:xfrm>
+          <a:off x="0" y="0"/>
+          <a:ext cx="0" cy="0"/>
+          <a:chOff x="0" y="0"/>
+          <a:chExt cx="0" cy="0"/>
+        </a:xfrm>
+      </p:grpSpPr>
+      <p:sp>
+        <p:nvSpPr>
+          <p:cNvPr id="2" name="内容占位符 1"/>
+          <p:cNvSpPr>
+            <a:spLocks noGrp="1"/>
+          </p:cNvSpPr>
+          <p:nvPr>
+            <p:ph sz="quarter" idx="10"/>
+          </p:nvPr>
+        </p:nvSpPr>
+        <p:spPr>
+          <a:xfrm>
+            <a:off x="816610" y="783590"/>
+            <a:ext cx="10424795" cy="5324475"/>
+          </a:xfrm>
+        </p:spPr>
+        <p:txBody>
+          <a:bodyPr/>
+          <a:lstStyle/>
+          <a:p>
+            <a:pPr>
+              <a:lnSpc>
+                <a:spcPct val="150000"/>
+              </a:lnSpc>
+            </a:pPr>
+            <a:r>
+              <a:rPr lang="zh-CN" altLang="en-US" sz="3200" dirty="0">
+                <a:solidFill>
+                  <a:schemeClr val="tx1"/>
+                </a:solidFill>
+                <a:sym typeface="+mn-ea"/>
+              </a:rPr>
+              <a:t>日期格式（无时间）</a:t>
+            </a:r>
+            <a:br>
+              <a:rPr lang="zh-CN" altLang="en-US" sz="3200" dirty="0">
+                <a:solidFill>
+                  <a:schemeClr val="tx1"/>
+                </a:solidFill>
+                <a:sym typeface="+mn-ea"/>
+              </a:rPr>
+            </a:br>
+            <a:r>
+              <a:rPr lang="en-US" altLang="zh-CN" sz="1800" dirty="0">
+                <a:solidFill>
+                  <a:schemeClr val="tx1"/>
+                </a:solidFill>
+                <a:sym typeface="+mn-ea"/>
+              </a:rPr>
+              <a:t>- Date.now( )</a:t>
+            </a:r>
+            <a:br>
+              <a:rPr lang="en-US" altLang="zh-CN" sz="1800" dirty="0">
+                <a:solidFill>
+                  <a:schemeClr val="tx1"/>
+                </a:solidFill>
+                <a:sym typeface="+mn-ea"/>
+              </a:rPr>
+            </a:br>
+            <a:r>
+              <a:rPr lang="en-US" altLang="zh-CN" sz="1800" dirty="0">
+                <a:solidFill>
+                  <a:schemeClr val="tx1"/>
+                </a:solidFill>
+                <a:sym typeface="+mn-ea"/>
+              </a:rPr>
+              <a:t>- Date.parse(dateTimeString)</a:t>
+            </a:r>
+            <a:endParaRPr lang="en-US" altLang="zh-CN" sz="1800" dirty="0">
+              <a:solidFill>
+                <a:schemeClr val="tx1"/>
+              </a:solidFill>
+              <a:sym typeface="+mn-ea"/>
+            </a:endParaRPr>
+          </a:p>
+          <a:p>
+            <a:pPr>
+              <a:lnSpc>
+                <a:spcPct val="150000"/>
+              </a:lnSpc>
+            </a:pPr>
+            <a:r>
+              <a:rPr lang="zh-CN" altLang="en-US" sz="3200" dirty="0">
+                <a:solidFill>
+                  <a:schemeClr val="tx1"/>
+                </a:solidFill>
+                <a:sym typeface="+mn-ea"/>
+              </a:rPr>
+              <a:t>时间格式（无日期）</a:t>
+            </a:r>
+            <a:br>
+              <a:rPr lang="zh-CN" altLang="en-US" sz="3200" dirty="0">
+                <a:solidFill>
+                  <a:schemeClr val="tx1"/>
+                </a:solidFill>
+                <a:sym typeface="+mn-ea"/>
+              </a:rPr>
+            </a:br>
+            <a:r>
+              <a:rPr lang="en-US" altLang="zh-CN" sz="1800" dirty="0">
+                <a:solidFill>
+                  <a:schemeClr val="tx1"/>
+                </a:solidFill>
+                <a:sym typeface="+mn-ea"/>
+              </a:rPr>
+              <a:t>- Date.prototype.get&lt;Unit&gt;( )   Date.prototype.getUTC&lt;Unit&gt;( )</a:t>
+            </a:r>
+            <a:br>
+              <a:rPr lang="en-US" altLang="zh-CN" sz="1800" dirty="0">
+                <a:solidFill>
+                  <a:schemeClr val="tx1"/>
+                </a:solidFill>
+                <a:sym typeface="+mn-ea"/>
+              </a:rPr>
+            </a:br>
+            <a:r>
+              <a:rPr lang="en-US" altLang="zh-CN" sz="1800" dirty="0">
+                <a:solidFill>
+                  <a:schemeClr val="tx1"/>
+                </a:solidFill>
+                <a:sym typeface="+mn-ea"/>
+              </a:rPr>
+              <a:t>- Date.prototype.set&lt;Unit&gt;( )   Date.prototype.setUTC&lt;Unit&gt;( )</a:t>
+            </a:r>
+            <a:endParaRPr lang="en-US" altLang="zh-CN" sz="1800" dirty="0">
+              <a:solidFill>
+                <a:schemeClr val="tx1"/>
+              </a:solidFill>
+              <a:sym typeface="+mn-ea"/>
+            </a:endParaRPr>
+          </a:p>
+          <a:p>
+            <a:pPr>
+              <a:lnSpc>
+                <a:spcPct val="150000"/>
+              </a:lnSpc>
+            </a:pPr>
+            <a:r>
+              <a:rPr lang="zh-CN" altLang="en-US" sz="3200" dirty="0">
+                <a:solidFill>
+                  <a:schemeClr val="tx1"/>
+                </a:solidFill>
+                <a:sym typeface="+mn-ea"/>
+              </a:rPr>
+              <a:t>日期时间格式</a:t>
+            </a:r>
+            <a:br>
+              <a:rPr lang="zh-CN" altLang="en-US" sz="3200" dirty="0">
+                <a:solidFill>
+                  <a:schemeClr val="tx1"/>
+                </a:solidFill>
+                <a:sym typeface="+mn-ea"/>
+              </a:rPr>
+            </a:br>
+            <a:r>
+              <a:rPr lang="en-US" altLang="zh-CN" sz="1800" dirty="0">
+                <a:solidFill>
+                  <a:schemeClr val="tx1"/>
+                </a:solidFill>
+                <a:sym typeface="+mn-ea"/>
+              </a:rPr>
+              <a:t>- Date</a:t>
+            </a:r>
+            <a:br>
+              <a:rPr lang="en-US" altLang="zh-CN" sz="1800" dirty="0">
+                <a:solidFill>
+                  <a:schemeClr val="tx1"/>
+                </a:solidFill>
+                <a:sym typeface="+mn-ea"/>
+              </a:rPr>
+            </a:br>
+            <a:br>
+              <a:rPr lang="en-US" altLang="zh-CN" sz="1700" dirty="0">
+                <a:solidFill>
+                  <a:schemeClr val="tx1"/>
+                </a:solidFill>
+                <a:sym typeface="+mn-ea"/>
+              </a:rPr>
+            </a:br>
+            <a:br>
+              <a:rPr lang="en-US" altLang="zh-CN" sz="1700" dirty="0">
+                <a:solidFill>
+                  <a:schemeClr val="tx1"/>
+                </a:solidFill>
+                <a:sym typeface="+mn-ea"/>
+              </a:rPr>
+            </a:br>
+            <a:br>
+              <a:rPr lang="en-US" altLang="zh-CN" sz="1700" dirty="0">
+                <a:solidFill>
+                  <a:schemeClr val="tx1"/>
+                </a:solidFill>
+                <a:sym typeface="+mn-ea"/>
+              </a:rPr>
+            </a:br>
+            <a:br>
+              <a:rPr lang="en-US" altLang="zh-CN" sz="1700" dirty="0">
+                <a:solidFill>
+                  <a:schemeClr val="tx1"/>
+                </a:solidFill>
+                <a:sym typeface="+mn-ea"/>
+              </a:rPr>
+            </a:br>
+            <a:br>
+              <a:rPr lang="en-US" altLang="zh-CN" sz="1000" dirty="0">
+                <a:solidFill>
+                  <a:schemeClr val="tx1"/>
+                </a:solidFill>
+                <a:sym typeface="+mn-ea"/>
+              </a:rPr>
+            </a:br>
+            <a:endParaRPr lang="en-US" altLang="zh-CN" sz="1000" dirty="0">
+              <a:solidFill>
+                <a:schemeClr val="tx1"/>
+              </a:solidFill>
+              <a:sym typeface="+mn-ea"/>
+            </a:endParaRPr>
+          </a:p>
+          <a:p>
+            <a:pPr marL="0" indent="0">
+              <a:lnSpc>
+                <a:spcPct val="160000"/>
+              </a:lnSpc>
+              <a:buNone/>
+            </a:pPr>
+            <a:endParaRPr lang="en-US" altLang="zh-CN" sz="1800" dirty="0">
+              <a:solidFill>
+                <a:schemeClr val="tx1"/>
+              </a:solidFill>
+              <a:sym typeface="+mn-ea"/>
+            </a:endParaRPr>
+          </a:p>
+        </p:txBody>
+      </p:sp>
+      <p:sp>
+        <p:nvSpPr>
+          <p:cNvPr id="3" name="内容占位符 2"/>
+          <p:cNvSpPr>
+            <a:spLocks noGrp="1"/>
+          </p:cNvSpPr>
+          <p:nvPr>
+            <p:ph sz="quarter" idx="11"/>
+          </p:nvPr>
+        </p:nvSpPr>
+        <p:spPr/>
+        <p:txBody>
+          <a:bodyPr/>
+          <a:lstStyle/>
+          <a:p>
+            <a:r>
+              <a:rPr lang="zh-CN" altLang="en-US" dirty="0"/>
+              <a:t>日期和时间格式</a:t>
+            </a:r>
+            <a:endParaRPr lang="zh-CN" altLang="en-US" dirty="0"/>
+          </a:p>
+        </p:txBody>
+      </p:sp>
+      <p:sp>
+        <p:nvSpPr>
+          <p:cNvPr id="6" name="文本框 5"/>
+          <p:cNvSpPr txBox="1"/>
+          <p:nvPr/>
+        </p:nvSpPr>
+        <p:spPr>
+          <a:xfrm>
+            <a:off x="4880610" y="6108700"/>
+            <a:ext cx="6959600" cy="429895"/>
+          </a:xfrm>
+          <a:prstGeom prst="rect">
+            <a:avLst/>
+          </a:prstGeom>
+          <a:noFill/>
+        </p:spPr>
+        <p:txBody>
+          <a:bodyPr wrap="square" rtlCol="0">
+            <a:spAutoFit/>
+          </a:bodyPr>
+          <a:p>
+            <a:pPr algn="l"/>
+            <a:r>
+              <a:rPr lang="zh-CN" altLang="en-US" sz="2200">
+                <a:solidFill>
+                  <a:srgbClr val="FF0000"/>
+                </a:solidFill>
+                <a:latin typeface="+mn-ea"/>
+                <a:ea typeface="+mn-ea"/>
+              </a:rPr>
+              <a:t>参见实例</a:t>
+            </a:r>
+            <a:r>
+              <a:rPr lang="en-US" altLang="zh-CN" sz="2200">
+                <a:solidFill>
+                  <a:srgbClr val="FF0000"/>
+                </a:solidFill>
+                <a:latin typeface="+mn-ea"/>
+                <a:ea typeface="+mn-ea"/>
+              </a:rPr>
+              <a:t>demo10  </a:t>
+            </a:r>
+            <a:endParaRPr lang="zh-CN" altLang="en-US" sz="2200">
+              <a:solidFill>
+                <a:srgbClr val="FF0000"/>
+              </a:solidFill>
+              <a:latin typeface="+mn-ea"/>
+              <a:ea typeface="+mn-ea"/>
+            </a:endParaRPr>
+          </a:p>
+        </p:txBody>
+      </p:sp>
+    </p:spTree>
+  </p:cSld>
+  <p:clrMapOvr>
+    <a:masterClrMapping/>
+  </p:clrMapOvr>
+  <p:timing>
+    <p:tnLst>
+      <p:par>
+        <p:cTn id="1" dur="indefinite" restart="never" nodeType="tmRoot">
+          <p:childTnLst>
+            <p:seq concurrent="1" nextAc="seek">
+              <p:cTn id="2" dur="indefinite" nodeType="mainSeq">
+                <p:childTnLst>
+                  <p:par>
+                    <p:cTn id="3" fill="hold">
+                      <p:stCondLst>
+                        <p:cond delay="indefinite"/>
+                      </p:stCondLst>
+                      <p:childTnLst>
+                        <p:par>
+                          <p:cTn id="4" fill="hold">
+                            <p:stCondLst>
+                              <p:cond delay="0"/>
+                            </p:stCondLst>
+                            <p:childTnLst>
+                              <p:par>
+                                <p:cTn id="5" presetID="2" presetClass="entr" presetSubtype="4" fill="hold" nodeType="clickEffect">
+                                  <p:stCondLst>
+                                    <p:cond delay="0"/>
+                                  </p:stCondLst>
+                                  <p:childTnLst>
+                                    <p:set>
+                                      <p:cBhvr>
+                                        <p:cTn id="6" dur="1" fill="hold">
+                                          <p:stCondLst>
+                                            <p:cond delay="0"/>
+                                          </p:stCondLst>
+                                        </p:cTn>
+                                        <p:tgtEl>
+                                          <p:spTgt spid="2">
+                                            <p:txEl>
+                                              <p:pRg st="0" end="0"/>
+                                            </p:txEl>
+                                          </p:spTgt>
+                                        </p:tgtEl>
+                                        <p:attrNameLst>
+                                          <p:attrName>style.visibility</p:attrName>
+                                        </p:attrNameLst>
+                                      </p:cBhvr>
+                                      <p:to>
+                                        <p:strVal val="visible"/>
+                                      </p:to>
+                                    </p:set>
+                                    <p:anim calcmode="lin" valueType="num">
+                                      <p:cBhvr additive="base">
+                                        <p:cTn id="7" dur="500" fill="hold"/>
+                                        <p:tgtEl>
+                                          <p:spTgt spid="2">
+                                            <p:txEl>
+                                              <p:pRg st="0" end="0"/>
+                                            </p:txEl>
+                                          </p:spTgt>
+                                        </p:tgtEl>
+                                        <p:attrNameLst>
+                                          <p:attrName>ppt_x</p:attrName>
+                                        </p:attrNameLst>
+                                      </p:cBhvr>
+                                      <p:tavLst>
+                                        <p:tav tm="0">
+                                          <p:val>
+                                            <p:strVal val="#ppt_x"/>
+                                          </p:val>
+                                        </p:tav>
+                                        <p:tav tm="100000">
+                                          <p:val>
+                                            <p:strVal val="#ppt_x"/>
+                                          </p:val>
+                                        </p:tav>
+                                      </p:tavLst>
+                                    </p:anim>
+                                    <p:anim calcmode="lin" valueType="num">
+                                      <p:cBhvr additive="base">
+                                        <p:cTn id="8" dur="500" fill="hold"/>
+                                        <p:tgtEl>
+                                          <p:spTgt spid="2">
+                                            <p:txEl>
+                                              <p:pRg st="0" end="0"/>
+                                            </p:txEl>
+                                          </p:spTgt>
+                                        </p:tgtEl>
+                                        <p:attrNameLst>
+                                          <p:attrName>ppt_y</p:attrName>
+                                        </p:attrNameLst>
+                                      </p:cBhvr>
+                                      <p:tavLst>
+                                        <p:tav tm="0">
+                                          <p:val>
+                                            <p:strVal val="1+#ppt_h/2"/>
+                                          </p:val>
+                                        </p:tav>
+                                        <p:tav tm="100000">
+                                          <p:val>
+                                            <p:strVal val="#ppt_y"/>
+                                          </p:val>
+                                        </p:tav>
+                                      </p:tavLst>
+                                    </p:anim>
+                                  </p:childTnLst>
+                                </p:cTn>
+                              </p:par>
+                            </p:childTnLst>
+                          </p:cTn>
+                        </p:par>
+                      </p:childTnLst>
+                    </p:cTn>
+                  </p:par>
+                  <p:par>
+                    <p:cTn id="9" fill="hold">
+                      <p:stCondLst>
+                        <p:cond delay="indefinite"/>
+                      </p:stCondLst>
+                      <p:childTnLst>
+                        <p:par>
+                          <p:cTn id="10" fill="hold">
+                            <p:stCondLst>
+                              <p:cond delay="0"/>
+                            </p:stCondLst>
+                            <p:childTnLst>
+                              <p:par>
+                                <p:cTn id="11" presetID="2" presetClass="entr" presetSubtype="4" fill="hold" nodeType="clickEffect">
+                                  <p:stCondLst>
+                                    <p:cond delay="0"/>
+                                  </p:stCondLst>
+                                  <p:childTnLst>
+                                    <p:set>
+                                      <p:cBhvr>
+                                        <p:cTn id="12" dur="1" fill="hold">
+                                          <p:stCondLst>
+                                            <p:cond delay="0"/>
+                                          </p:stCondLst>
+                                        </p:cTn>
+                                        <p:tgtEl>
+                                          <p:spTgt spid="2">
+                                            <p:txEl>
+                                              <p:pRg st="1" end="1"/>
+                                            </p:txEl>
+                                          </p:spTgt>
+                                        </p:tgtEl>
+                                        <p:attrNameLst>
+                                          <p:attrName>style.visibility</p:attrName>
+                                        </p:attrNameLst>
+                                      </p:cBhvr>
+                                      <p:to>
+                                        <p:strVal val="visible"/>
+                                      </p:to>
+                                    </p:set>
+                                    <p:anim calcmode="lin" valueType="num">
+                                      <p:cBhvr additive="base">
+                                        <p:cTn id="13" dur="500" fill="hold"/>
+                                        <p:tgtEl>
+                                          <p:spTgt spid="2">
+                                            <p:txEl>
+                                              <p:pRg st="1" end="1"/>
+                                            </p:txEl>
+                                          </p:spTgt>
+                                        </p:tgtEl>
+                                        <p:attrNameLst>
+                                          <p:attrName>ppt_x</p:attrName>
+                                        </p:attrNameLst>
+                                      </p:cBhvr>
+                                      <p:tavLst>
+                                        <p:tav tm="0">
+                                          <p:val>
+                                            <p:strVal val="#ppt_x"/>
+                                          </p:val>
+                                        </p:tav>
+                                        <p:tav tm="100000">
+                                          <p:val>
+                                            <p:strVal val="#ppt_x"/>
+                                          </p:val>
+                                        </p:tav>
+                                      </p:tavLst>
+                                    </p:anim>
+                                    <p:anim calcmode="lin" valueType="num">
+                                      <p:cBhvr additive="base">
+                                        <p:cTn id="14" dur="500" fill="hold"/>
+                                        <p:tgtEl>
+                                          <p:spTgt spid="2">
+                                            <p:txEl>
+                                              <p:pRg st="1" end="1"/>
+                                            </p:txEl>
+                                          </p:spTgt>
+                                        </p:tgtEl>
+                                        <p:attrNameLst>
+                                          <p:attrName>ppt_y</p:attrName>
+                                        </p:attrNameLst>
+                                      </p:cBhvr>
+                                      <p:tavLst>
+                                        <p:tav tm="0">
+                                          <p:val>
+                                            <p:strVal val="1+#ppt_h/2"/>
+                                          </p:val>
+                                        </p:tav>
+                                        <p:tav tm="100000">
+                                          <p:val>
+                                            <p:strVal val="#ppt_y"/>
+                                          </p:val>
+                                        </p:tav>
+                                      </p:tavLst>
+                                    </p:anim>
+                                  </p:childTnLst>
+                                </p:cTn>
+                              </p:par>
+                            </p:childTnLst>
+                          </p:cTn>
+                        </p:par>
+                      </p:childTnLst>
+                    </p:cTn>
+                  </p:par>
+                  <p:par>
+                    <p:cTn id="15" fill="hold">
+                      <p:stCondLst>
+                        <p:cond delay="indefinite"/>
+                      </p:stCondLst>
+                      <p:childTnLst>
+                        <p:par>
+                          <p:cTn id="16" fill="hold">
+                            <p:stCondLst>
+                              <p:cond delay="0"/>
+                            </p:stCondLst>
+                            <p:childTnLst>
+                              <p:par>
+                                <p:cTn id="17" presetID="2" presetClass="entr" presetSubtype="4" fill="hold" nodeType="clickEffect">
+                                  <p:stCondLst>
+                                    <p:cond delay="0"/>
+                                  </p:stCondLst>
+                                  <p:childTnLst>
+                                    <p:set>
+                                      <p:cBhvr>
+                                        <p:cTn id="18" dur="1" fill="hold">
+                                          <p:stCondLst>
+                                            <p:cond delay="0"/>
+                                          </p:stCondLst>
+                                        </p:cTn>
+                                        <p:tgtEl>
+                                          <p:spTgt spid="2">
+                                            <p:txEl>
+                                              <p:pRg st="2" end="2"/>
+                                            </p:txEl>
+                                          </p:spTgt>
+                                        </p:tgtEl>
+                                        <p:attrNameLst>
+                                          <p:attrName>style.visibility</p:attrName>
+                                        </p:attrNameLst>
+                                      </p:cBhvr>
+                                      <p:to>
+                                        <p:strVal val="visible"/>
+                                      </p:to>
+                                    </p:set>
+                                    <p:anim calcmode="lin" valueType="num">
+                                      <p:cBhvr additive="base">
+                                        <p:cTn id="19" dur="500" fill="hold"/>
+                                        <p:tgtEl>
+                                          <p:spTgt spid="2">
+                                            <p:txEl>
+                                              <p:pRg st="2" end="2"/>
+                                            </p:txEl>
+                                          </p:spTgt>
+                                        </p:tgtEl>
+                                        <p:attrNameLst>
+                                          <p:attrName>ppt_x</p:attrName>
+                                        </p:attrNameLst>
+                                      </p:cBhvr>
+                                      <p:tavLst>
+                                        <p:tav tm="0">
+                                          <p:val>
+                                            <p:strVal val="#ppt_x"/>
+                                          </p:val>
+                                        </p:tav>
+                                        <p:tav tm="100000">
+                                          <p:val>
+                                            <p:strVal val="#ppt_x"/>
+                                          </p:val>
+                                        </p:tav>
+                                      </p:tavLst>
+                                    </p:anim>
+                                    <p:anim calcmode="lin" valueType="num">
+                                      <p:cBhvr additive="base">
+                                        <p:cTn id="20" dur="500" fill="hold"/>
+                                        <p:tgtEl>
+                                          <p:spTgt spid="2">
+                                            <p:txEl>
+                                              <p:pRg st="2" end="2"/>
+                                            </p:txEl>
+                                          </p:spTgt>
+                                        </p:tgtEl>
+                                        <p:attrNameLst>
+                                          <p:attrName>ppt_y</p:attrName>
+                                        </p:attrNameLst>
+                                      </p:cBhvr>
+                                      <p:tavLst>
+                                        <p:tav tm="0">
+                                          <p:val>
+                                            <p:strVal val="1+#ppt_h/2"/>
+                                          </p:val>
+                                        </p:tav>
+                                        <p:tav tm="100000">
+                                          <p:val>
+                                            <p:strVal val="#ppt_y"/>
+                                          </p:val>
+                                        </p:tav>
+                                      </p:tavLst>
+                                    </p:anim>
+                                  </p:childTnLst>
+                                </p:cTn>
+                              </p:par>
+                            </p:childTnLst>
+                          </p:cTn>
+                        </p:par>
+                        <p:par>
+                          <p:cTn id="21" fill="hold">
+                            <p:stCondLst>
+                              <p:cond delay="500"/>
+                            </p:stCondLst>
+                            <p:childTnLst>
+                              <p:par>
+                                <p:cTn id="22" presetID="2" presetClass="entr" presetSubtype="4" fill="hold" grpId="0" nodeType="afterEffect">
+                                  <p:stCondLst>
+                                    <p:cond delay="0"/>
+                                  </p:stCondLst>
+                                  <p:childTnLst>
+                                    <p:set>
+                                      <p:cBhvr>
+                                        <p:cTn id="23" dur="1" fill="hold">
+                                          <p:stCondLst>
+                                            <p:cond delay="0"/>
+                                          </p:stCondLst>
+                                        </p:cTn>
+                                        <p:tgtEl>
+                                          <p:spTgt spid="6"/>
+                                        </p:tgtEl>
+                                        <p:attrNameLst>
+                                          <p:attrName>style.visibility</p:attrName>
+                                        </p:attrNameLst>
+                                      </p:cBhvr>
+                                      <p:to>
+                                        <p:strVal val="visible"/>
+                                      </p:to>
+                                    </p:set>
+                                    <p:anim calcmode="lin" valueType="num">
+                                      <p:cBhvr additive="base">
+                                        <p:cTn id="24" dur="500" fill="hold"/>
+                                        <p:tgtEl>
+                                          <p:spTgt spid="6"/>
+                                        </p:tgtEl>
+                                        <p:attrNameLst>
+                                          <p:attrName>ppt_x</p:attrName>
+                                        </p:attrNameLst>
+                                      </p:cBhvr>
+                                      <p:tavLst>
+                                        <p:tav tm="0">
+                                          <p:val>
+                                            <p:strVal val="#ppt_x"/>
+                                          </p:val>
+                                        </p:tav>
+                                        <p:tav tm="100000">
+                                          <p:val>
+                                            <p:strVal val="#ppt_x"/>
+                                          </p:val>
+                                        </p:tav>
+                                      </p:tavLst>
+                                    </p:anim>
+                                    <p:anim calcmode="lin" valueType="num">
+                                      <p:cBhvr additive="base">
+                                        <p:cTn id="25" dur="500" fill="hold"/>
+                                        <p:tgtEl>
+                                          <p:spTgt spid="6"/>
+                                        </p:tgtEl>
+                                        <p:attrNameLst>
+                                          <p:attrName>ppt_y</p:attrName>
+                                        </p:attrNameLst>
+                                      </p:cBhvr>
+                                      <p:tavLst>
+                                        <p:tav tm="0">
+                                          <p:val>
+                                            <p:strVal val="1+#ppt_h/2"/>
+                                          </p:val>
+                                        </p:tav>
+                                        <p:tav tm="100000">
+                                          <p:val>
+                                            <p:strVal val="#ppt_y"/>
+                                          </p:val>
+                                        </p:tav>
+                                      </p:tavLst>
+                                    </p:anim>
+                                  </p:childTnLst>
+                                </p:cTn>
+                              </p:par>
+                            </p:childTnLst>
+                          </p:cTn>
+                        </p:par>
+                      </p:childTnLst>
+                    </p:cTn>
+                  </p:par>
+                </p:childTnLst>
+              </p:cTn>
+              <p:prevCondLst>
+                <p:cond evt="onPrev" delay="0">
+                  <p:tgtEl>
+                    <p:sldTgt/>
+                  </p:tgtEl>
+                </p:cond>
+              </p:prevCondLst>
+              <p:nextCondLst>
+                <p:cond evt="onNext" delay="0">
+                  <p:tgtEl>
+                    <p:sldTgt/>
+                  </p:tgtEl>
+                </p:cond>
+              </p:nextCondLst>
+            </p:seq>
+          </p:childTnLst>
+        </p:cTn>
+      </p:par>
+    </p:tnLst>
+    <p:bldLst>
+      <p:bldP spid="6" grpId="0"/>
+    </p:bldLst>
+  </p:timing>
+</p:sld>
+</file>
+
+<file path=ppt/slides/slide22.xml><?xml version="1.0" encoding="utf-8"?>
+<p:sld xmlns:a="http://schemas.openxmlformats.org/drawingml/2006/main" xmlns:r="http://schemas.openxmlformats.org/officeDocument/2006/relationships" xmlns:p="http://schemas.openxmlformats.org/presentationml/2006/main">
+  <p:cSld>
+    <p:spTree>
+      <p:nvGrpSpPr>
+        <p:cNvPr id="1" name=""/>
+        <p:cNvGrpSpPr/>
+        <p:nvPr/>
+      </p:nvGrpSpPr>
+      <p:grpSpPr>
+        <a:xfrm>
+          <a:off x="0" y="0"/>
+          <a:ext cx="0" cy="0"/>
+          <a:chOff x="0" y="0"/>
+          <a:chExt cx="0" cy="0"/>
+        </a:xfrm>
+      </p:grpSpPr>
       <p:pic>
         <p:nvPicPr>
           <p:cNvPr id="38914" name="Picture 5"/>
@@ -9523,7 +11926,1076 @@
 </p:sld>
 </file>
 
-<file path=ppt/slides/slide21.xml><?xml version="1.0" encoding="utf-8"?>
+<file path=ppt/slides/slide23.xml><?xml version="1.0" encoding="utf-8"?>
+<p:sld xmlns:a="http://schemas.openxmlformats.org/drawingml/2006/main" xmlns:r="http://schemas.openxmlformats.org/officeDocument/2006/relationships" xmlns:p="http://schemas.openxmlformats.org/presentationml/2006/main">
+  <p:cSld>
+    <p:spTree>
+      <p:nvGrpSpPr>
+        <p:cNvPr id="1" name=""/>
+        <p:cNvGrpSpPr/>
+        <p:nvPr/>
+      </p:nvGrpSpPr>
+      <p:grpSpPr>
+        <a:xfrm>
+          <a:off x="0" y="0"/>
+          <a:ext cx="0" cy="0"/>
+          <a:chOff x="0" y="0"/>
+          <a:chExt cx="0" cy="0"/>
+        </a:xfrm>
+      </p:grpSpPr>
+      <p:pic>
+        <p:nvPicPr>
+          <p:cNvPr id="4098" name="Picture 4"/>
+          <p:cNvPicPr>
+            <a:picLocks noChangeAspect="1" noChangeArrowheads="1"/>
+          </p:cNvPicPr>
+          <p:nvPr/>
+        </p:nvPicPr>
+        <p:blipFill>
+          <a:blip r:embed="rId1">
+            <a:extLst>
+              <a:ext uri="{28A0092B-C50C-407E-A947-70E740481C1C}">
+                <a14:useLocalDpi xmlns:a14="http://schemas.microsoft.com/office/drawing/2010/main" val="0"/>
+              </a:ext>
+            </a:extLst>
+          </a:blip>
+          <a:srcRect/>
+          <a:stretch>
+            <a:fillRect/>
+          </a:stretch>
+        </p:blipFill>
+        <p:spPr bwMode="auto">
+          <a:xfrm>
+            <a:off x="0" y="0"/>
+            <a:ext cx="12192000" cy="6858000"/>
+          </a:xfrm>
+          <a:prstGeom prst="rect">
+            <a:avLst/>
+          </a:prstGeom>
+          <a:noFill/>
+          <a:ln>
+            <a:noFill/>
+          </a:ln>
+          <a:extLst>
+            <a:ext uri="{909E8E84-426E-40DD-AFC4-6F175D3DCCD1}">
+              <a14:hiddenFill xmlns:a14="http://schemas.microsoft.com/office/drawing/2010/main">
+                <a:solidFill>
+                  <a:srgbClr val="FFFFFF"/>
+                </a:solidFill>
+              </a14:hiddenFill>
+            </a:ext>
+            <a:ext uri="{91240B29-F687-4F45-9708-019B960494DF}">
+              <a14:hiddenLine xmlns:a14="http://schemas.microsoft.com/office/drawing/2010/main" w="9525">
+                <a:solidFill>
+                  <a:srgbClr val="000000"/>
+                </a:solidFill>
+                <a:miter lim="800000"/>
+                <a:headEnd/>
+                <a:tailEnd/>
+              </a14:hiddenLine>
+            </a:ext>
+          </a:extLst>
+        </p:spPr>
+      </p:pic>
+      <p:sp>
+        <p:nvSpPr>
+          <p:cNvPr id="4099" name="Rectangle 2"/>
+          <p:cNvSpPr>
+            <a:spLocks noGrp="1" noChangeArrowheads="1"/>
+          </p:cNvSpPr>
+          <p:nvPr>
+            <p:ph type="ctrTitle" idx="4294967295"/>
+          </p:nvPr>
+        </p:nvSpPr>
+        <p:spPr bwMode="auto">
+          <a:xfrm>
+            <a:off x="1809751" y="2428876"/>
+            <a:ext cx="7286625" cy="1116013"/>
+          </a:xfrm>
+          <a:prstGeom prst="rect">
+            <a:avLst/>
+          </a:prstGeom>
+          <a:noFill/>
+          <a:extLst>
+            <a:ext uri="{909E8E84-426E-40DD-AFC4-6F175D3DCCD1}">
+              <a14:hiddenFill xmlns:a14="http://schemas.microsoft.com/office/drawing/2010/main">
+                <a:solidFill>
+                  <a:srgbClr val="FFFFFF"/>
+                </a:solidFill>
+              </a14:hiddenFill>
+            </a:ext>
+            <a:ext uri="{91240B29-F687-4F45-9708-019B960494DF}">
+              <a14:hiddenLine xmlns:a14="http://schemas.microsoft.com/office/drawing/2010/main" w="9525">
+                <a:solidFill>
+                  <a:srgbClr val="000000"/>
+                </a:solidFill>
+                <a:miter lim="800000"/>
+                <a:headEnd/>
+                <a:tailEnd/>
+              </a14:hiddenLine>
+            </a:ext>
+          </a:extLst>
+        </p:spPr>
+        <p:txBody>
+          <a:bodyPr anchor="b"/>
+          <a:lstStyle/>
+          <a:p>
+            <a:pPr algn="ctr" eaLnBrk="1" hangingPunct="1"/>
+            <a:r>
+              <a:rPr lang="en-US" sz="4800" b="1" dirty="0">
+                <a:sym typeface="+mn-ea"/>
+              </a:rPr>
+              <a:t>JavaScript</a:t>
+            </a:r>
+            <a:r>
+              <a:rPr lang="zh-CN" altLang="en-US" sz="4800" b="1" dirty="0">
+                <a:sym typeface="+mn-ea"/>
+              </a:rPr>
+              <a:t>进阶</a:t>
+            </a:r>
+            <a:endParaRPr kumimoji="0" lang="zh-CN" altLang="zh-CN" sz="4800" b="1"/>
+          </a:p>
+        </p:txBody>
+      </p:sp>
+      <p:sp>
+        <p:nvSpPr>
+          <p:cNvPr id="4100" name="TextBox 4"/>
+          <p:cNvSpPr txBox="1">
+            <a:spLocks noChangeArrowheads="1"/>
+          </p:cNvSpPr>
+          <p:nvPr/>
+        </p:nvSpPr>
+        <p:spPr bwMode="auto">
+          <a:xfrm>
+            <a:off x="5381626" y="4143375"/>
+            <a:ext cx="5286375" cy="583565"/>
+          </a:xfrm>
+          <a:prstGeom prst="rect">
+            <a:avLst/>
+          </a:prstGeom>
+          <a:noFill/>
+          <a:ln>
+            <a:noFill/>
+          </a:ln>
+          <a:extLst>
+            <a:ext uri="{909E8E84-426E-40DD-AFC4-6F175D3DCCD1}">
+              <a14:hiddenFill xmlns:a14="http://schemas.microsoft.com/office/drawing/2010/main">
+                <a:solidFill>
+                  <a:srgbClr val="FFFFFF"/>
+                </a:solidFill>
+              </a14:hiddenFill>
+            </a:ext>
+            <a:ext uri="{91240B29-F687-4F45-9708-019B960494DF}">
+              <a14:hiddenLine xmlns:a14="http://schemas.microsoft.com/office/drawing/2010/main" w="9525">
+                <a:solidFill>
+                  <a:srgbClr val="000000"/>
+                </a:solidFill>
+                <a:miter lim="800000"/>
+                <a:headEnd/>
+                <a:tailEnd/>
+              </a14:hiddenLine>
+            </a:ext>
+          </a:extLst>
+        </p:spPr>
+        <p:txBody>
+          <a:bodyPr>
+            <a:spAutoFit/>
+          </a:bodyPr>
+          <a:lstStyle>
+            <a:lvl1pPr>
+              <a:defRPr sz="3200">
+                <a:solidFill>
+                  <a:schemeClr val="tx1"/>
+                </a:solidFill>
+                <a:latin typeface="Arial" panose="020B0604020202020204" pitchFamily="34" charset="0"/>
+                <a:ea typeface="微软雅黑" panose="020B0503020204020204" pitchFamily="34" charset="-122"/>
+              </a:defRPr>
+            </a:lvl1pPr>
+            <a:lvl2pPr marL="742950" indent="-285750">
+              <a:defRPr sz="3200">
+                <a:solidFill>
+                  <a:schemeClr val="tx1"/>
+                </a:solidFill>
+                <a:latin typeface="Arial" panose="020B0604020202020204" pitchFamily="34" charset="0"/>
+                <a:ea typeface="微软雅黑" panose="020B0503020204020204" pitchFamily="34" charset="-122"/>
+              </a:defRPr>
+            </a:lvl2pPr>
+            <a:lvl3pPr marL="1143000" indent="-228600">
+              <a:defRPr sz="3200">
+                <a:solidFill>
+                  <a:schemeClr val="tx1"/>
+                </a:solidFill>
+                <a:latin typeface="Arial" panose="020B0604020202020204" pitchFamily="34" charset="0"/>
+                <a:ea typeface="微软雅黑" panose="020B0503020204020204" pitchFamily="34" charset="-122"/>
+              </a:defRPr>
+            </a:lvl3pPr>
+            <a:lvl4pPr marL="1600200" indent="-228600">
+              <a:defRPr sz="3200">
+                <a:solidFill>
+                  <a:schemeClr val="tx1"/>
+                </a:solidFill>
+                <a:latin typeface="Arial" panose="020B0604020202020204" pitchFamily="34" charset="0"/>
+                <a:ea typeface="微软雅黑" panose="020B0503020204020204" pitchFamily="34" charset="-122"/>
+              </a:defRPr>
+            </a:lvl4pPr>
+            <a:lvl5pPr marL="2057400" indent="-228600">
+              <a:defRPr sz="3200">
+                <a:solidFill>
+                  <a:schemeClr val="tx1"/>
+                </a:solidFill>
+                <a:latin typeface="Arial" panose="020B0604020202020204" pitchFamily="34" charset="0"/>
+                <a:ea typeface="微软雅黑" panose="020B0503020204020204" pitchFamily="34" charset="-122"/>
+              </a:defRPr>
+            </a:lvl5pPr>
+            <a:lvl6pPr marL="2514600" indent="-228600" eaLnBrk="0" fontAlgn="base" hangingPunct="0">
+              <a:spcBef>
+                <a:spcPct val="0"/>
+              </a:spcBef>
+              <a:spcAft>
+                <a:spcPct val="0"/>
+              </a:spcAft>
+              <a:defRPr sz="3200">
+                <a:solidFill>
+                  <a:schemeClr val="tx1"/>
+                </a:solidFill>
+                <a:latin typeface="Arial" panose="020B0604020202020204" pitchFamily="34" charset="0"/>
+                <a:ea typeface="微软雅黑" panose="020B0503020204020204" pitchFamily="34" charset="-122"/>
+              </a:defRPr>
+            </a:lvl6pPr>
+            <a:lvl7pPr marL="2971800" indent="-228600" eaLnBrk="0" fontAlgn="base" hangingPunct="0">
+              <a:spcBef>
+                <a:spcPct val="0"/>
+              </a:spcBef>
+              <a:spcAft>
+                <a:spcPct val="0"/>
+              </a:spcAft>
+              <a:defRPr sz="3200">
+                <a:solidFill>
+                  <a:schemeClr val="tx1"/>
+                </a:solidFill>
+                <a:latin typeface="Arial" panose="020B0604020202020204" pitchFamily="34" charset="0"/>
+                <a:ea typeface="微软雅黑" panose="020B0503020204020204" pitchFamily="34" charset="-122"/>
+              </a:defRPr>
+            </a:lvl7pPr>
+            <a:lvl8pPr marL="3429000" indent="-228600" eaLnBrk="0" fontAlgn="base" hangingPunct="0">
+              <a:spcBef>
+                <a:spcPct val="0"/>
+              </a:spcBef>
+              <a:spcAft>
+                <a:spcPct val="0"/>
+              </a:spcAft>
+              <a:defRPr sz="3200">
+                <a:solidFill>
+                  <a:schemeClr val="tx1"/>
+                </a:solidFill>
+                <a:latin typeface="Arial" panose="020B0604020202020204" pitchFamily="34" charset="0"/>
+                <a:ea typeface="微软雅黑" panose="020B0503020204020204" pitchFamily="34" charset="-122"/>
+              </a:defRPr>
+            </a:lvl8pPr>
+            <a:lvl9pPr marL="3886200" indent="-228600" eaLnBrk="0" fontAlgn="base" hangingPunct="0">
+              <a:spcBef>
+                <a:spcPct val="0"/>
+              </a:spcBef>
+              <a:spcAft>
+                <a:spcPct val="0"/>
+              </a:spcAft>
+              <a:defRPr sz="3200">
+                <a:solidFill>
+                  <a:schemeClr val="tx1"/>
+                </a:solidFill>
+                <a:latin typeface="Arial" panose="020B0604020202020204" pitchFamily="34" charset="0"/>
+                <a:ea typeface="微软雅黑" panose="020B0503020204020204" pitchFamily="34" charset="-122"/>
+              </a:defRPr>
+            </a:lvl9pPr>
+          </a:lstStyle>
+          <a:p>
+            <a:r>
+              <a:rPr lang="en-US" altLang="zh-CN">
+                <a:latin typeface="微软雅黑" panose="020B0503020204020204" pitchFamily="34" charset="-122"/>
+                <a:ea typeface="宋体" panose="02010600030101010101" pitchFamily="2" charset="-122"/>
+              </a:rPr>
+              <a:t>---</a:t>
+            </a:r>
+            <a:r>
+              <a:rPr lang="en-US" altLang="zh-CN">
+                <a:latin typeface="+mj-ea"/>
+                <a:ea typeface="+mj-ea"/>
+                <a:sym typeface="+mn-ea"/>
+              </a:rPr>
+              <a:t>Error</a:t>
+            </a:r>
+            <a:r>
+              <a:rPr lang="zh-CN" altLang="en-US">
+                <a:latin typeface="+mj-ea"/>
+                <a:ea typeface="+mj-ea"/>
+                <a:sym typeface="+mn-ea"/>
+              </a:rPr>
+              <a:t>错误</a:t>
+            </a:r>
+            <a:endParaRPr lang="zh-CN" altLang="en-US" dirty="0">
+              <a:latin typeface="+mj-ea"/>
+              <a:ea typeface="+mj-ea"/>
+              <a:sym typeface="+mn-ea"/>
+            </a:endParaRPr>
+          </a:p>
+        </p:txBody>
+      </p:sp>
+      <p:pic>
+        <p:nvPicPr>
+          <p:cNvPr id="4101" name="图片 4" descr="软院logo横版.png"/>
+          <p:cNvPicPr>
+            <a:picLocks noChangeAspect="1"/>
+          </p:cNvPicPr>
+          <p:nvPr/>
+        </p:nvPicPr>
+        <p:blipFill>
+          <a:blip r:embed="rId2">
+            <a:extLst>
+              <a:ext uri="{28A0092B-C50C-407E-A947-70E740481C1C}">
+                <a14:useLocalDpi xmlns:a14="http://schemas.microsoft.com/office/drawing/2010/main" val="0"/>
+              </a:ext>
+            </a:extLst>
+          </a:blip>
+          <a:srcRect/>
+          <a:stretch>
+            <a:fillRect/>
+          </a:stretch>
+        </p:blipFill>
+        <p:spPr bwMode="auto">
+          <a:xfrm>
+            <a:off x="6604001" y="5784851"/>
+            <a:ext cx="3381375" cy="525463"/>
+          </a:xfrm>
+          <a:prstGeom prst="rect">
+            <a:avLst/>
+          </a:prstGeom>
+          <a:noFill/>
+          <a:ln>
+            <a:noFill/>
+          </a:ln>
+          <a:extLst>
+            <a:ext uri="{909E8E84-426E-40DD-AFC4-6F175D3DCCD1}">
+              <a14:hiddenFill xmlns:a14="http://schemas.microsoft.com/office/drawing/2010/main">
+                <a:solidFill>
+                  <a:srgbClr val="FFFFFF"/>
+                </a:solidFill>
+              </a14:hiddenFill>
+            </a:ext>
+            <a:ext uri="{91240B29-F687-4F45-9708-019B960494DF}">
+              <a14:hiddenLine xmlns:a14="http://schemas.microsoft.com/office/drawing/2010/main" w="9525">
+                <a:solidFill>
+                  <a:srgbClr val="000000"/>
+                </a:solidFill>
+                <a:miter lim="800000"/>
+                <a:headEnd/>
+                <a:tailEnd/>
+              </a14:hiddenLine>
+            </a:ext>
+          </a:extLst>
+        </p:spPr>
+      </p:pic>
+    </p:spTree>
+  </p:cSld>
+  <p:clrMapOvr>
+    <a:masterClrMapping/>
+  </p:clrMapOvr>
+  <p:transition advClick="0"/>
+  <p:timing>
+    <p:tnLst>
+      <p:par>
+        <p:cTn id="1" dur="indefinite" restart="never" nodeType="tmRoot"/>
+      </p:par>
+    </p:tnLst>
+  </p:timing>
+</p:sld>
+</file>
+
+<file path=ppt/slides/slide24.xml><?xml version="1.0" encoding="utf-8"?>
+<p:sld xmlns:a="http://schemas.openxmlformats.org/drawingml/2006/main" xmlns:r="http://schemas.openxmlformats.org/officeDocument/2006/relationships" xmlns:p="http://schemas.openxmlformats.org/presentationml/2006/main">
+  <p:cSld>
+    <p:spTree>
+      <p:nvGrpSpPr>
+        <p:cNvPr id="1" name=""/>
+        <p:cNvGrpSpPr/>
+        <p:nvPr/>
+      </p:nvGrpSpPr>
+      <p:grpSpPr>
+        <a:xfrm>
+          <a:off x="0" y="0"/>
+          <a:ext cx="0" cy="0"/>
+          <a:chOff x="0" y="0"/>
+          <a:chExt cx="0" cy="0"/>
+        </a:xfrm>
+      </p:grpSpPr>
+      <p:sp>
+        <p:nvSpPr>
+          <p:cNvPr id="5123" name="AutoShape 6"/>
+          <p:cNvSpPr>
+            <a:spLocks noChangeArrowheads="1"/>
+          </p:cNvSpPr>
+          <p:nvPr/>
+        </p:nvSpPr>
+        <p:spPr bwMode="auto">
+          <a:xfrm>
+            <a:off x="2566988" y="1339851"/>
+            <a:ext cx="6711950" cy="4214813"/>
+          </a:xfrm>
+          <a:prstGeom prst="roundRect">
+            <a:avLst>
+              <a:gd name="adj" fmla="val 16667"/>
+            </a:avLst>
+          </a:prstGeom>
+          <a:noFill/>
+          <a:ln w="28575">
+            <a:solidFill>
+              <a:srgbClr val="C0C0C0"/>
+            </a:solidFill>
+            <a:prstDash val="sysDot"/>
+            <a:round/>
+          </a:ln>
+          <a:extLst>
+            <a:ext uri="{909E8E84-426E-40DD-AFC4-6F175D3DCCD1}">
+              <a14:hiddenFill xmlns:a14="http://schemas.microsoft.com/office/drawing/2010/main">
+                <a:solidFill>
+                  <a:srgbClr val="FFFFFF"/>
+                </a:solidFill>
+              </a14:hiddenFill>
+            </a:ext>
+          </a:extLst>
+        </p:spPr>
+        <p:txBody>
+          <a:bodyPr wrap="none" anchor="ctr"/>
+          <a:lstStyle>
+            <a:lvl1pPr marL="457200" indent="-457200">
+              <a:defRPr sz="3200">
+                <a:solidFill>
+                  <a:schemeClr val="tx1"/>
+                </a:solidFill>
+                <a:latin typeface="Arial" panose="020B0604020202020204" pitchFamily="34" charset="0"/>
+                <a:ea typeface="微软雅黑" panose="020B0503020204020204" pitchFamily="34" charset="-122"/>
+              </a:defRPr>
+            </a:lvl1pPr>
+            <a:lvl2pPr marL="742950" indent="-285750">
+              <a:defRPr sz="3200">
+                <a:solidFill>
+                  <a:schemeClr val="tx1"/>
+                </a:solidFill>
+                <a:latin typeface="Arial" panose="020B0604020202020204" pitchFamily="34" charset="0"/>
+                <a:ea typeface="微软雅黑" panose="020B0503020204020204" pitchFamily="34" charset="-122"/>
+              </a:defRPr>
+            </a:lvl2pPr>
+            <a:lvl3pPr marL="1143000" indent="-228600">
+              <a:defRPr sz="3200">
+                <a:solidFill>
+                  <a:schemeClr val="tx1"/>
+                </a:solidFill>
+                <a:latin typeface="Arial" panose="020B0604020202020204" pitchFamily="34" charset="0"/>
+                <a:ea typeface="微软雅黑" panose="020B0503020204020204" pitchFamily="34" charset="-122"/>
+              </a:defRPr>
+            </a:lvl3pPr>
+            <a:lvl4pPr marL="1600200" indent="-228600">
+              <a:defRPr sz="3200">
+                <a:solidFill>
+                  <a:schemeClr val="tx1"/>
+                </a:solidFill>
+                <a:latin typeface="Arial" panose="020B0604020202020204" pitchFamily="34" charset="0"/>
+                <a:ea typeface="微软雅黑" panose="020B0503020204020204" pitchFamily="34" charset="-122"/>
+              </a:defRPr>
+            </a:lvl4pPr>
+            <a:lvl5pPr marL="2057400" indent="-228600">
+              <a:defRPr sz="3200">
+                <a:solidFill>
+                  <a:schemeClr val="tx1"/>
+                </a:solidFill>
+                <a:latin typeface="Arial" panose="020B0604020202020204" pitchFamily="34" charset="0"/>
+                <a:ea typeface="微软雅黑" panose="020B0503020204020204" pitchFamily="34" charset="-122"/>
+              </a:defRPr>
+            </a:lvl5pPr>
+            <a:lvl6pPr marL="2514600" indent="-228600" eaLnBrk="0" fontAlgn="base" hangingPunct="0">
+              <a:spcBef>
+                <a:spcPct val="0"/>
+              </a:spcBef>
+              <a:spcAft>
+                <a:spcPct val="0"/>
+              </a:spcAft>
+              <a:defRPr sz="3200">
+                <a:solidFill>
+                  <a:schemeClr val="tx1"/>
+                </a:solidFill>
+                <a:latin typeface="Arial" panose="020B0604020202020204" pitchFamily="34" charset="0"/>
+                <a:ea typeface="微软雅黑" panose="020B0503020204020204" pitchFamily="34" charset="-122"/>
+              </a:defRPr>
+            </a:lvl6pPr>
+            <a:lvl7pPr marL="2971800" indent="-228600" eaLnBrk="0" fontAlgn="base" hangingPunct="0">
+              <a:spcBef>
+                <a:spcPct val="0"/>
+              </a:spcBef>
+              <a:spcAft>
+                <a:spcPct val="0"/>
+              </a:spcAft>
+              <a:defRPr sz="3200">
+                <a:solidFill>
+                  <a:schemeClr val="tx1"/>
+                </a:solidFill>
+                <a:latin typeface="Arial" panose="020B0604020202020204" pitchFamily="34" charset="0"/>
+                <a:ea typeface="微软雅黑" panose="020B0503020204020204" pitchFamily="34" charset="-122"/>
+              </a:defRPr>
+            </a:lvl7pPr>
+            <a:lvl8pPr marL="3429000" indent="-228600" eaLnBrk="0" fontAlgn="base" hangingPunct="0">
+              <a:spcBef>
+                <a:spcPct val="0"/>
+              </a:spcBef>
+              <a:spcAft>
+                <a:spcPct val="0"/>
+              </a:spcAft>
+              <a:defRPr sz="3200">
+                <a:solidFill>
+                  <a:schemeClr val="tx1"/>
+                </a:solidFill>
+                <a:latin typeface="Arial" panose="020B0604020202020204" pitchFamily="34" charset="0"/>
+                <a:ea typeface="微软雅黑" panose="020B0503020204020204" pitchFamily="34" charset="-122"/>
+              </a:defRPr>
+            </a:lvl8pPr>
+            <a:lvl9pPr marL="3886200" indent="-228600" eaLnBrk="0" fontAlgn="base" hangingPunct="0">
+              <a:spcBef>
+                <a:spcPct val="0"/>
+              </a:spcBef>
+              <a:spcAft>
+                <a:spcPct val="0"/>
+              </a:spcAft>
+              <a:defRPr sz="3200">
+                <a:solidFill>
+                  <a:schemeClr val="tx1"/>
+                </a:solidFill>
+                <a:latin typeface="Arial" panose="020B0604020202020204" pitchFamily="34" charset="0"/>
+                <a:ea typeface="微软雅黑" panose="020B0503020204020204" pitchFamily="34" charset="-122"/>
+              </a:defRPr>
+            </a:lvl9pPr>
+          </a:lstStyle>
+          <a:p>
+            <a:pPr algn="l">
+              <a:lnSpc>
+                <a:spcPct val="150000"/>
+              </a:lnSpc>
+              <a:spcBef>
+                <a:spcPts val="1200"/>
+              </a:spcBef>
+              <a:spcAft>
+                <a:spcPts val="1200"/>
+              </a:spcAft>
+              <a:buClr>
+                <a:srgbClr val="92D050"/>
+              </a:buClr>
+              <a:buFont typeface="Wingdings" panose="05000000000000000000" pitchFamily="2" charset="2"/>
+              <a:buChar char="Ø"/>
+            </a:pPr>
+            <a:r>
+              <a:rPr lang="en-US" altLang="zh-CN" sz="2800" b="1">
+                <a:solidFill>
+                  <a:schemeClr val="tx1"/>
+                </a:solidFill>
+                <a:sym typeface="+mn-ea"/>
+              </a:rPr>
+              <a:t>JS</a:t>
+            </a:r>
+            <a:r>
+              <a:rPr lang="zh-CN" altLang="en-US" sz="2800" b="1">
+                <a:solidFill>
+                  <a:schemeClr val="tx1"/>
+                </a:solidFill>
+                <a:sym typeface="+mn-ea"/>
+              </a:rPr>
+              <a:t>异常处理</a:t>
+            </a:r>
+            <a:endParaRPr lang="zh-CN" altLang="en-US" sz="2800" b="1">
+              <a:solidFill>
+                <a:schemeClr val="tx1"/>
+              </a:solidFill>
+              <a:sym typeface="+mn-ea"/>
+            </a:endParaRPr>
+          </a:p>
+          <a:p>
+            <a:pPr algn="l">
+              <a:lnSpc>
+                <a:spcPct val="150000"/>
+              </a:lnSpc>
+              <a:spcBef>
+                <a:spcPts val="1200"/>
+              </a:spcBef>
+              <a:spcAft>
+                <a:spcPts val="1200"/>
+              </a:spcAft>
+              <a:buClr>
+                <a:srgbClr val="92D050"/>
+              </a:buClr>
+              <a:buFont typeface="Wingdings" panose="05000000000000000000" pitchFamily="2" charset="2"/>
+              <a:buChar char="Ø"/>
+            </a:pPr>
+            <a:r>
+              <a:rPr lang="en-US" altLang="zh-CN" sz="2800" b="1">
+                <a:solidFill>
+                  <a:schemeClr val="tx1"/>
+                </a:solidFill>
+                <a:sym typeface="+mn-ea"/>
+              </a:rPr>
+              <a:t>Error</a:t>
+            </a:r>
+            <a:r>
+              <a:rPr lang="zh-CN" altLang="en-US" sz="2800" b="1">
+                <a:solidFill>
+                  <a:schemeClr val="tx1"/>
+                </a:solidFill>
+                <a:sym typeface="+mn-ea"/>
+              </a:rPr>
+              <a:t>对象及其子对象</a:t>
+            </a:r>
+            <a:endParaRPr lang="zh-CN" altLang="en-US" sz="2800" b="1">
+              <a:solidFill>
+                <a:schemeClr val="tx1"/>
+              </a:solidFill>
+              <a:sym typeface="+mn-ea"/>
+            </a:endParaRPr>
+          </a:p>
+        </p:txBody>
+      </p:sp>
+      <p:sp>
+        <p:nvSpPr>
+          <p:cNvPr id="4" name="内容占位符 3"/>
+          <p:cNvSpPr txBox="1"/>
+          <p:nvPr/>
+        </p:nvSpPr>
+        <p:spPr>
+          <a:xfrm>
+            <a:off x="981657" y="236943"/>
+            <a:ext cx="8191557" cy="490476"/>
+          </a:xfrm>
+          <a:prstGeom prst="rect">
+            <a:avLst/>
+          </a:prstGeom>
+        </p:spPr>
+        <p:txBody>
+          <a:bodyPr/>
+          <a:lstStyle>
+            <a:lvl1pPr marL="167005" indent="-167005" algn="l" defTabSz="0" rtl="0" eaLnBrk="0" fontAlgn="base" hangingPunct="0">
+              <a:spcBef>
+                <a:spcPct val="0"/>
+              </a:spcBef>
+              <a:spcAft>
+                <a:spcPct val="15000"/>
+              </a:spcAft>
+              <a:buClr>
+                <a:schemeClr val="tx2"/>
+              </a:buClr>
+              <a:buFont typeface="Arial" panose="020B0604020202020204" pitchFamily="34" charset="0"/>
+              <a:buChar char="•"/>
+              <a:defRPr kumimoji="1" sz="1600">
+                <a:solidFill>
+                  <a:srgbClr val="006F53"/>
+                </a:solidFill>
+                <a:latin typeface="微软雅黑" panose="020B0503020204020204" pitchFamily="34" charset="-122"/>
+                <a:ea typeface="微软雅黑" panose="020B0503020204020204" pitchFamily="34" charset="-122"/>
+                <a:cs typeface="微软雅黑" panose="020B0503020204020204" pitchFamily="34" charset="-122"/>
+              </a:defRPr>
+            </a:lvl1pPr>
+            <a:lvl2pPr marL="398780" indent="-230505" algn="l" defTabSz="0" rtl="0" eaLnBrk="0" fontAlgn="base" hangingPunct="0">
+              <a:spcBef>
+                <a:spcPct val="0"/>
+              </a:spcBef>
+              <a:spcAft>
+                <a:spcPct val="15000"/>
+              </a:spcAft>
+              <a:buClr>
+                <a:schemeClr val="tx2"/>
+              </a:buClr>
+              <a:buFont typeface="Arial" panose="020B0604020202020204" pitchFamily="34" charset="0"/>
+              <a:buChar char="–"/>
+              <a:defRPr kumimoji="1" sz="2800">
+                <a:solidFill>
+                  <a:schemeClr val="bg2"/>
+                </a:solidFill>
+                <a:latin typeface="微软雅黑" panose="020B0503020204020204" pitchFamily="34" charset="-122"/>
+                <a:ea typeface="微软雅黑" panose="020B0503020204020204" pitchFamily="34" charset="-122"/>
+                <a:cs typeface="微软雅黑" panose="020B0503020204020204" pitchFamily="34" charset="-122"/>
+              </a:defRPr>
+            </a:lvl2pPr>
+            <a:lvl3pPr marL="400050" indent="182880" algn="l" defTabSz="0" rtl="0" eaLnBrk="0" fontAlgn="base" hangingPunct="0">
+              <a:spcBef>
+                <a:spcPct val="0"/>
+              </a:spcBef>
+              <a:spcAft>
+                <a:spcPct val="15000"/>
+              </a:spcAft>
+              <a:buClr>
+                <a:schemeClr val="tx2"/>
+              </a:buClr>
+              <a:buFont typeface="Arial" panose="020B0604020202020204" pitchFamily="34" charset="0"/>
+              <a:buChar char="•"/>
+              <a:defRPr kumimoji="1" sz="1600">
+                <a:solidFill>
+                  <a:schemeClr val="bg2"/>
+                </a:solidFill>
+                <a:latin typeface="微软雅黑" panose="020B0503020204020204" pitchFamily="34" charset="-122"/>
+                <a:ea typeface="微软雅黑" panose="020B0503020204020204" pitchFamily="34" charset="-122"/>
+                <a:cs typeface="微软雅黑" panose="020B0503020204020204" pitchFamily="34" charset="-122"/>
+              </a:defRPr>
+            </a:lvl3pPr>
+            <a:lvl4pPr marL="825500" indent="-241300" algn="l" defTabSz="0" rtl="0" eaLnBrk="0" fontAlgn="base" hangingPunct="0">
+              <a:spcBef>
+                <a:spcPct val="0"/>
+              </a:spcBef>
+              <a:spcAft>
+                <a:spcPct val="15000"/>
+              </a:spcAft>
+              <a:buClr>
+                <a:schemeClr val="tx2"/>
+              </a:buClr>
+              <a:buFont typeface="Arial" panose="020B0604020202020204" pitchFamily="34" charset="0"/>
+              <a:buChar char="–"/>
+              <a:defRPr kumimoji="1" sz="1600">
+                <a:solidFill>
+                  <a:schemeClr val="bg2"/>
+                </a:solidFill>
+                <a:latin typeface="微软雅黑" panose="020B0503020204020204" pitchFamily="34" charset="-122"/>
+                <a:ea typeface="微软雅黑" panose="020B0503020204020204" pitchFamily="34" charset="-122"/>
+                <a:cs typeface="微软雅黑" panose="020B0503020204020204" pitchFamily="34" charset="-122"/>
+              </a:defRPr>
+            </a:lvl4pPr>
+            <a:lvl5pPr marL="2057400" indent="-228600" algn="l" defTabSz="0" rtl="0" eaLnBrk="0" fontAlgn="base" hangingPunct="0">
+              <a:spcBef>
+                <a:spcPct val="0"/>
+              </a:spcBef>
+              <a:spcAft>
+                <a:spcPct val="25000"/>
+              </a:spcAft>
+              <a:buClr>
+                <a:schemeClr val="tx2"/>
+              </a:buClr>
+              <a:buFont typeface="Arial" panose="020B0604020202020204" pitchFamily="34" charset="0"/>
+              <a:buChar char="–"/>
+              <a:defRPr kumimoji="1" sz="2000">
+                <a:solidFill>
+                  <a:schemeClr val="tx1"/>
+                </a:solidFill>
+                <a:latin typeface="+mn-lt"/>
+                <a:ea typeface="微软雅黑" panose="020B0503020204020204" pitchFamily="34" charset="-122"/>
+                <a:cs typeface="微软雅黑" panose="020B0503020204020204" pitchFamily="34" charset="-122"/>
+              </a:defRPr>
+            </a:lvl5pPr>
+            <a:lvl6pPr marL="2514600" indent="-228600" algn="l" defTabSz="0" rtl="0" eaLnBrk="0" fontAlgn="base" hangingPunct="0">
+              <a:spcBef>
+                <a:spcPct val="0"/>
+              </a:spcBef>
+              <a:spcAft>
+                <a:spcPct val="25000"/>
+              </a:spcAft>
+              <a:buClr>
+                <a:schemeClr val="tx2"/>
+              </a:buClr>
+              <a:buFont typeface="Arial" panose="020B0604020202020204" pitchFamily="34" charset="0"/>
+              <a:buChar char="–"/>
+              <a:defRPr>
+                <a:solidFill>
+                  <a:schemeClr val="tx1"/>
+                </a:solidFill>
+                <a:latin typeface="+mn-lt"/>
+              </a:defRPr>
+            </a:lvl6pPr>
+            <a:lvl7pPr marL="2971800" indent="-228600" algn="l" defTabSz="0" rtl="0" eaLnBrk="0" fontAlgn="base" hangingPunct="0">
+              <a:spcBef>
+                <a:spcPct val="0"/>
+              </a:spcBef>
+              <a:spcAft>
+                <a:spcPct val="25000"/>
+              </a:spcAft>
+              <a:buClr>
+                <a:schemeClr val="tx2"/>
+              </a:buClr>
+              <a:buFont typeface="Arial" panose="020B0604020202020204" pitchFamily="34" charset="0"/>
+              <a:buChar char="–"/>
+              <a:defRPr>
+                <a:solidFill>
+                  <a:schemeClr val="tx1"/>
+                </a:solidFill>
+                <a:latin typeface="+mn-lt"/>
+              </a:defRPr>
+            </a:lvl7pPr>
+            <a:lvl8pPr marL="3429000" indent="-228600" algn="l" defTabSz="0" rtl="0" eaLnBrk="0" fontAlgn="base" hangingPunct="0">
+              <a:spcBef>
+                <a:spcPct val="0"/>
+              </a:spcBef>
+              <a:spcAft>
+                <a:spcPct val="25000"/>
+              </a:spcAft>
+              <a:buClr>
+                <a:schemeClr val="tx2"/>
+              </a:buClr>
+              <a:buFont typeface="Arial" panose="020B0604020202020204" pitchFamily="34" charset="0"/>
+              <a:buChar char="–"/>
+              <a:defRPr>
+                <a:solidFill>
+                  <a:schemeClr val="tx1"/>
+                </a:solidFill>
+                <a:latin typeface="+mn-lt"/>
+              </a:defRPr>
+            </a:lvl8pPr>
+            <a:lvl9pPr marL="3886200" indent="-228600" algn="l" defTabSz="0" rtl="0" eaLnBrk="0" fontAlgn="base" hangingPunct="0">
+              <a:spcBef>
+                <a:spcPct val="0"/>
+              </a:spcBef>
+              <a:spcAft>
+                <a:spcPct val="25000"/>
+              </a:spcAft>
+              <a:buClr>
+                <a:schemeClr val="tx2"/>
+              </a:buClr>
+              <a:buFont typeface="Arial" panose="020B0604020202020204" pitchFamily="34" charset="0"/>
+              <a:buChar char="–"/>
+              <a:defRPr>
+                <a:solidFill>
+                  <a:schemeClr val="tx1"/>
+                </a:solidFill>
+                <a:latin typeface="+mn-lt"/>
+              </a:defRPr>
+            </a:lvl9pPr>
+          </a:lstStyle>
+          <a:p>
+            <a:pPr marL="0" indent="0">
+              <a:buNone/>
+            </a:pPr>
+            <a:r>
+              <a:rPr lang="zh-CN" altLang="en-US" sz="3200" dirty="0" smtClean="0">
+                <a:solidFill>
+                  <a:srgbClr val="C00000"/>
+                </a:solidFill>
+                <a:cs typeface="+mn-cs"/>
+                <a:sym typeface="+mn-ea"/>
+              </a:rPr>
+              <a:t>内容提纲</a:t>
+            </a:r>
+            <a:endParaRPr lang="zh-CN" altLang="en-US" kern="0" dirty="0"/>
+          </a:p>
+        </p:txBody>
+      </p:sp>
+    </p:spTree>
+  </p:cSld>
+  <p:clrMapOvr>
+    <a:masterClrMapping/>
+  </p:clrMapOvr>
+  <p:timing>
+    <p:tnLst>
+      <p:par>
+        <p:cTn id="1" dur="indefinite" restart="never" nodeType="tmRoot"/>
+      </p:par>
+    </p:tnLst>
+  </p:timing>
+</p:sld>
+</file>
+
+<file path=ppt/slides/slide25.xml><?xml version="1.0" encoding="utf-8"?>
+<p:sld xmlns:a="http://schemas.openxmlformats.org/drawingml/2006/main" xmlns:r="http://schemas.openxmlformats.org/officeDocument/2006/relationships" xmlns:p="http://schemas.openxmlformats.org/presentationml/2006/main">
+  <p:cSld>
+    <p:spTree>
+      <p:nvGrpSpPr>
+        <p:cNvPr id="1" name=""/>
+        <p:cNvGrpSpPr/>
+        <p:nvPr/>
+      </p:nvGrpSpPr>
+      <p:grpSpPr>
+        <a:xfrm>
+          <a:off x="0" y="0"/>
+          <a:ext cx="0" cy="0"/>
+          <a:chOff x="0" y="0"/>
+          <a:chExt cx="0" cy="0"/>
+        </a:xfrm>
+      </p:grpSpPr>
+      <p:pic>
+        <p:nvPicPr>
+          <p:cNvPr id="38914" name="Picture 5"/>
+          <p:cNvPicPr>
+            <a:picLocks noChangeAspect="1" noChangeArrowheads="1"/>
+          </p:cNvPicPr>
+          <p:nvPr/>
+        </p:nvPicPr>
+        <p:blipFill>
+          <a:blip r:embed="rId1">
+            <a:extLst>
+              <a:ext uri="{28A0092B-C50C-407E-A947-70E740481C1C}">
+                <a14:useLocalDpi xmlns:a14="http://schemas.microsoft.com/office/drawing/2010/main" val="0"/>
+              </a:ext>
+            </a:extLst>
+          </a:blip>
+          <a:srcRect/>
+          <a:stretch>
+            <a:fillRect/>
+          </a:stretch>
+        </p:blipFill>
+        <p:spPr bwMode="auto">
+          <a:xfrm>
+            <a:off x="0" y="0"/>
+            <a:ext cx="12192000" cy="6858000"/>
+          </a:xfrm>
+          <a:prstGeom prst="rect">
+            <a:avLst/>
+          </a:prstGeom>
+          <a:noFill/>
+          <a:ln>
+            <a:noFill/>
+          </a:ln>
+          <a:extLst>
+            <a:ext uri="{909E8E84-426E-40DD-AFC4-6F175D3DCCD1}">
+              <a14:hiddenFill xmlns:a14="http://schemas.microsoft.com/office/drawing/2010/main">
+                <a:solidFill>
+                  <a:srgbClr val="FFFFFF"/>
+                </a:solidFill>
+              </a14:hiddenFill>
+            </a:ext>
+            <a:ext uri="{91240B29-F687-4F45-9708-019B960494DF}">
+              <a14:hiddenLine xmlns:a14="http://schemas.microsoft.com/office/drawing/2010/main" w="9525">
+                <a:solidFill>
+                  <a:srgbClr val="000000"/>
+                </a:solidFill>
+                <a:miter lim="800000"/>
+                <a:headEnd/>
+                <a:tailEnd/>
+              </a14:hiddenLine>
+            </a:ext>
+          </a:extLst>
+        </p:spPr>
+      </p:pic>
+      <p:sp>
+        <p:nvSpPr>
+          <p:cNvPr id="38915" name="Rectangle 6"/>
+          <p:cNvSpPr>
+            <a:spLocks noGrp="1" noChangeArrowheads="1"/>
+          </p:cNvSpPr>
+          <p:nvPr>
+            <p:ph type="ctrTitle" idx="4294967295"/>
+          </p:nvPr>
+        </p:nvSpPr>
+        <p:spPr bwMode="auto">
+          <a:xfrm>
+            <a:off x="2547041" y="3068835"/>
+            <a:ext cx="7097918" cy="1285875"/>
+          </a:xfrm>
+          <a:prstGeom prst="rect">
+            <a:avLst/>
+          </a:prstGeom>
+          <a:noFill/>
+          <a:extLst>
+            <a:ext uri="{909E8E84-426E-40DD-AFC4-6F175D3DCCD1}">
+              <a14:hiddenFill xmlns:a14="http://schemas.microsoft.com/office/drawing/2010/main">
+                <a:solidFill>
+                  <a:srgbClr val="FFFFFF"/>
+                </a:solidFill>
+              </a14:hiddenFill>
+            </a:ext>
+            <a:ext uri="{91240B29-F687-4F45-9708-019B960494DF}">
+              <a14:hiddenLine xmlns:a14="http://schemas.microsoft.com/office/drawing/2010/main" w="9525">
+                <a:solidFill>
+                  <a:srgbClr val="000000"/>
+                </a:solidFill>
+                <a:miter lim="800000"/>
+                <a:headEnd/>
+                <a:tailEnd/>
+              </a14:hiddenLine>
+            </a:ext>
+          </a:extLst>
+        </p:spPr>
+        <p:txBody>
+          <a:bodyPr anchor="b"/>
+          <a:lstStyle/>
+          <a:p>
+            <a:pPr algn="ctr" eaLnBrk="1" hangingPunct="1"/>
+            <a:r>
+              <a:rPr kumimoji="0" lang="en-US" altLang="zh-CN" sz="5400" dirty="0"/>
+              <a:t>Thank </a:t>
+            </a:r>
+            <a:r>
+              <a:rPr kumimoji="0" lang="en-US" altLang="zh-CN" sz="5400" dirty="0">
+                <a:solidFill>
+                  <a:srgbClr val="FF0000"/>
+                </a:solidFill>
+              </a:rPr>
+              <a:t>You</a:t>
+            </a:r>
+            <a:r>
+              <a:rPr kumimoji="0" lang="zh-CN" altLang="en-US" sz="5400" dirty="0"/>
+              <a:t>！</a:t>
+            </a:r>
+            <a:endParaRPr kumimoji="0" lang="zh-CN" altLang="zh-CN" sz="5400" dirty="0"/>
+          </a:p>
+        </p:txBody>
+      </p:sp>
+      <p:pic>
+        <p:nvPicPr>
+          <p:cNvPr id="38916" name="图片 3" descr="软院logo横版.png"/>
+          <p:cNvPicPr>
+            <a:picLocks noChangeAspect="1"/>
+          </p:cNvPicPr>
+          <p:nvPr/>
+        </p:nvPicPr>
+        <p:blipFill>
+          <a:blip r:embed="rId2">
+            <a:extLst>
+              <a:ext uri="{28A0092B-C50C-407E-A947-70E740481C1C}">
+                <a14:useLocalDpi xmlns:a14="http://schemas.microsoft.com/office/drawing/2010/main" val="0"/>
+              </a:ext>
+            </a:extLst>
+          </a:blip>
+          <a:srcRect/>
+          <a:stretch>
+            <a:fillRect/>
+          </a:stretch>
+        </p:blipFill>
+        <p:spPr bwMode="auto">
+          <a:xfrm>
+            <a:off x="2062164" y="5927725"/>
+            <a:ext cx="3381375" cy="527050"/>
+          </a:xfrm>
+          <a:prstGeom prst="rect">
+            <a:avLst/>
+          </a:prstGeom>
+          <a:noFill/>
+          <a:ln>
+            <a:noFill/>
+          </a:ln>
+          <a:extLst>
+            <a:ext uri="{909E8E84-426E-40DD-AFC4-6F175D3DCCD1}">
+              <a14:hiddenFill xmlns:a14="http://schemas.microsoft.com/office/drawing/2010/main">
+                <a:solidFill>
+                  <a:srgbClr val="FFFFFF"/>
+                </a:solidFill>
+              </a14:hiddenFill>
+            </a:ext>
+            <a:ext uri="{91240B29-F687-4F45-9708-019B960494DF}">
+              <a14:hiddenLine xmlns:a14="http://schemas.microsoft.com/office/drawing/2010/main" w="9525">
+                <a:solidFill>
+                  <a:srgbClr val="000000"/>
+                </a:solidFill>
+                <a:miter lim="800000"/>
+                <a:headEnd/>
+                <a:tailEnd/>
+              </a14:hiddenLine>
+            </a:ext>
+          </a:extLst>
+        </p:spPr>
+      </p:pic>
+    </p:spTree>
+  </p:cSld>
+  <p:clrMapOvr>
+    <a:masterClrMapping/>
+  </p:clrMapOvr>
+  <p:timing>
+    <p:tnLst>
+      <p:par>
+        <p:cTn id="1" dur="indefinite" restart="never" nodeType="tmRoot"/>
+      </p:par>
+    </p:tnLst>
+  </p:timing>
+</p:sld>
+</file>
+
+<file path=ppt/slides/slide26.xml><?xml version="1.0" encoding="utf-8"?>
 <p:sld xmlns:a="http://schemas.openxmlformats.org/drawingml/2006/main" xmlns:r="http://schemas.openxmlformats.org/officeDocument/2006/relationships" xmlns:p="http://schemas.openxmlformats.org/presentationml/2006/main">
   <p:cSld>
     <p:spTree>
@@ -9586,13 +13058,53 @@
               </a:lnSpc>
             </a:pPr>
             <a:r>
+              <a:rPr kumimoji="0" lang="zh-CN" altLang="en-US" sz="3200" dirty="0" smtClean="0">
+                <a:solidFill>
+                  <a:schemeClr val="tx1"/>
+                </a:solidFill>
+                <a:sym typeface="+mn-ea"/>
+              </a:rPr>
+              <a:t>完成</a:t>
+            </a:r>
+            <a:r>
               <a:rPr kumimoji="0" lang="en-US" altLang="zh-CN" sz="3200" dirty="0" smtClean="0">
                 <a:solidFill>
                   <a:schemeClr val="tx1"/>
                 </a:solidFill>
                 <a:sym typeface="+mn-ea"/>
               </a:rPr>
-              <a:t> https://developer.mozilla.org/zh-CN/docs/Web/JavaScript/Reference/Global_Objects/Array</a:t>
+              <a:t>freecodecamp</a:t>
+            </a:r>
+            <a:r>
+              <a:rPr kumimoji="0" lang="zh-CN" altLang="en-US" sz="3200" dirty="0" smtClean="0">
+                <a:solidFill>
+                  <a:schemeClr val="tx1"/>
+                </a:solidFill>
+                <a:sym typeface="+mn-ea"/>
+              </a:rPr>
+              <a:t>任务</a:t>
+            </a:r>
+            <a:endParaRPr kumimoji="0" lang="zh-CN" altLang="en-US" sz="3200" dirty="0" smtClean="0">
+              <a:solidFill>
+                <a:schemeClr val="tx1"/>
+              </a:solidFill>
+              <a:sym typeface="+mn-ea"/>
+            </a:endParaRPr>
+          </a:p>
+          <a:p>
+            <a:pPr>
+              <a:lnSpc>
+                <a:spcPct val="130000"/>
+              </a:lnSpc>
+            </a:pPr>
+            <a:r>
+              <a:rPr kumimoji="0" lang="en-US" altLang="zh-CN" sz="3200" dirty="0" smtClean="0">
+                <a:solidFill>
+                  <a:schemeClr val="tx1"/>
+                </a:solidFill>
+                <a:sym typeface="+mn-ea"/>
+              </a:rPr>
+              <a:t>https://developer.mozilla.org/zh-CN/docs/Web/JavaScript/Reference/Global_Objects/Array</a:t>
             </a:r>
             <a:endParaRPr kumimoji="0" lang="en-US" altLang="zh-CN" sz="3200" dirty="0" smtClean="0">
               <a:solidFill>
@@ -9662,7 +13174,7 @@
           <a:p>
             <a:r>
               <a:rPr kumimoji="0" lang="zh-CN" dirty="0"/>
-              <a:t>参考链接</a:t>
+              <a:t>作业</a:t>
             </a:r>
             <a:endParaRPr kumimoji="0" lang="zh-CN" dirty="0"/>
           </a:p>
@@ -13460,6 +16972,68 @@
           </a:prstGeom>
         </p:spPr>
       </p:pic>
+      <p:sp>
+        <p:nvSpPr>
+          <p:cNvPr id="4" name="文本框 3"/>
+          <p:cNvSpPr txBox="1"/>
+          <p:nvPr/>
+        </p:nvSpPr>
+        <p:spPr>
+          <a:xfrm>
+            <a:off x="5567045" y="5231130"/>
+            <a:ext cx="4003675" cy="429895"/>
+          </a:xfrm>
+          <a:prstGeom prst="rect">
+            <a:avLst/>
+          </a:prstGeom>
+          <a:noFill/>
+        </p:spPr>
+        <p:txBody>
+          <a:bodyPr wrap="square" rtlCol="0">
+            <a:spAutoFit/>
+          </a:bodyPr>
+          <a:p>
+            <a:pPr algn="l"/>
+            <a:r>
+              <a:rPr lang="zh-CN" altLang="en-US" sz="2200">
+                <a:solidFill>
+                  <a:srgbClr val="FF0000"/>
+                </a:solidFill>
+                <a:latin typeface="+mn-ea"/>
+                <a:ea typeface="+mn-ea"/>
+              </a:rPr>
+              <a:t>练习：优化代码，</a:t>
+            </a:r>
+            <a:r>
+              <a:rPr lang="en-US" altLang="zh-CN" sz="2200">
+                <a:solidFill>
+                  <a:srgbClr val="FF0000"/>
+                </a:solidFill>
+                <a:latin typeface="+mn-ea"/>
+                <a:ea typeface="+mn-ea"/>
+              </a:rPr>
+              <a:t>for</a:t>
+            </a:r>
+            <a:r>
+              <a:rPr lang="zh-CN" altLang="en-US" sz="2200">
+                <a:solidFill>
+                  <a:srgbClr val="FF0000"/>
+                </a:solidFill>
+                <a:latin typeface="+mn-ea"/>
+                <a:ea typeface="+mn-ea"/>
+              </a:rPr>
+              <a:t>循环合并</a:t>
+            </a:r>
+            <a:endParaRPr lang="zh-CN" altLang="en-US" sz="2200">
+              <a:solidFill>
+                <a:srgbClr val="FF0000"/>
+              </a:solidFill>
+              <a:latin typeface="+mn-ea"/>
+              <a:ea typeface="+mn-ea"/>
+            </a:endParaRPr>
+          </a:p>
+        </p:txBody>
+      </p:sp>
     </p:spTree>
   </p:cSld>
   <p:clrMapOvr>
@@ -13573,21 +17147,194 @@
                             </p:childTnLst>
                           </p:cTn>
                         </p:par>
+                      </p:childTnLst>
+                    </p:cTn>
+                  </p:par>
+                  <p:par>
+                    <p:cTn id="9" fill="hold">
+                      <p:stCondLst>
+                        <p:cond delay="indefinite"/>
+                      </p:stCondLst>
+                      <p:childTnLst>
                         <p:par>
-                          <p:cTn id="9" fill="hold">
+                          <p:cTn id="10" fill="hold">
                             <p:stCondLst>
-                              <p:cond delay="500"/>
+                              <p:cond delay="0"/>
                             </p:stCondLst>
                             <p:childTnLst>
                               <p:par>
-                                <p:cTn id="10" presetID="2" presetClass="entr" presetSubtype="4" fill="hold" grpId="0" nodeType="afterEffect">
+                                <p:cTn id="11" presetID="2" presetClass="entr" presetSubtype="4" fill="hold" nodeType="clickEffect">
                                   <p:stCondLst>
                                     <p:cond delay="0"/>
                                   </p:stCondLst>
                                   <p:childTnLst>
                                     <p:set>
                                       <p:cBhvr>
-                                        <p:cTn id="11" dur="1" fill="hold">
+                                        <p:cTn id="12" dur="1" fill="hold">
+                                          <p:stCondLst>
+                                            <p:cond delay="0"/>
+                                          </p:stCondLst>
+                                        </p:cTn>
+                                        <p:tgtEl>
+                                          <p:spTgt spid="7"/>
+                                        </p:tgtEl>
+                                        <p:attrNameLst>
+                                          <p:attrName>style.visibility</p:attrName>
+                                        </p:attrNameLst>
+                                      </p:cBhvr>
+                                      <p:to>
+                                        <p:strVal val="visible"/>
+                                      </p:to>
+                                    </p:set>
+                                    <p:anim calcmode="lin" valueType="num">
+                                      <p:cBhvr additive="base">
+                                        <p:cTn id="13" dur="500" fill="hold"/>
+                                        <p:tgtEl>
+                                          <p:spTgt spid="7"/>
+                                        </p:tgtEl>
+                                        <p:attrNameLst>
+                                          <p:attrName>ppt_x</p:attrName>
+                                        </p:attrNameLst>
+                                      </p:cBhvr>
+                                      <p:tavLst>
+                                        <p:tav tm="0">
+                                          <p:val>
+                                            <p:strVal val="#ppt_x"/>
+                                          </p:val>
+                                        </p:tav>
+                                        <p:tav tm="100000">
+                                          <p:val>
+                                            <p:strVal val="#ppt_x"/>
+                                          </p:val>
+                                        </p:tav>
+                                      </p:tavLst>
+                                    </p:anim>
+                                    <p:anim calcmode="lin" valueType="num">
+                                      <p:cBhvr additive="base">
+                                        <p:cTn id="14" dur="500" fill="hold"/>
+                                        <p:tgtEl>
+                                          <p:spTgt spid="7"/>
+                                        </p:tgtEl>
+                                        <p:attrNameLst>
+                                          <p:attrName>ppt_y</p:attrName>
+                                        </p:attrNameLst>
+                                      </p:cBhvr>
+                                      <p:tavLst>
+                                        <p:tav tm="0">
+                                          <p:val>
+                                            <p:strVal val="1+#ppt_h/2"/>
+                                          </p:val>
+                                        </p:tav>
+                                        <p:tav tm="100000">
+                                          <p:val>
+                                            <p:strVal val="#ppt_y"/>
+                                          </p:val>
+                                        </p:tav>
+                                      </p:tavLst>
+                                    </p:anim>
+                                  </p:childTnLst>
+                                </p:cTn>
+                              </p:par>
+                            </p:childTnLst>
+                          </p:cTn>
+                        </p:par>
+                        <p:par>
+                          <p:cTn id="15" fill="hold">
+                            <p:stCondLst>
+                              <p:cond delay="500"/>
+                            </p:stCondLst>
+                            <p:childTnLst>
+                              <p:par>
+                                <p:cTn id="16" presetID="2" presetClass="entr" presetSubtype="4" fill="hold" grpId="0" nodeType="afterEffect">
+                                  <p:stCondLst>
+                                    <p:cond delay="0"/>
+                                  </p:stCondLst>
+                                  <p:childTnLst>
+                                    <p:set>
+                                      <p:cBhvr>
+                                        <p:cTn id="17" dur="1" fill="hold">
+                                          <p:stCondLst>
+                                            <p:cond delay="0"/>
+                                          </p:stCondLst>
+                                        </p:cTn>
+                                        <p:tgtEl>
+                                          <p:spTgt spid="4"/>
+                                        </p:tgtEl>
+                                        <p:attrNameLst>
+                                          <p:attrName>style.visibility</p:attrName>
+                                        </p:attrNameLst>
+                                      </p:cBhvr>
+                                      <p:to>
+                                        <p:strVal val="visible"/>
+                                      </p:to>
+                                    </p:set>
+                                    <p:anim calcmode="lin" valueType="num">
+                                      <p:cBhvr additive="base">
+                                        <p:cTn id="18" dur="500" fill="hold"/>
+                                        <p:tgtEl>
+                                          <p:spTgt spid="4"/>
+                                        </p:tgtEl>
+                                        <p:attrNameLst>
+                                          <p:attrName>ppt_x</p:attrName>
+                                        </p:attrNameLst>
+                                      </p:cBhvr>
+                                      <p:tavLst>
+                                        <p:tav tm="0">
+                                          <p:val>
+                                            <p:strVal val="#ppt_x"/>
+                                          </p:val>
+                                        </p:tav>
+                                        <p:tav tm="100000">
+                                          <p:val>
+                                            <p:strVal val="#ppt_x"/>
+                                          </p:val>
+                                        </p:tav>
+                                      </p:tavLst>
+                                    </p:anim>
+                                    <p:anim calcmode="lin" valueType="num">
+                                      <p:cBhvr additive="base">
+                                        <p:cTn id="19" dur="500" fill="hold"/>
+                                        <p:tgtEl>
+                                          <p:spTgt spid="4"/>
+                                        </p:tgtEl>
+                                        <p:attrNameLst>
+                                          <p:attrName>ppt_y</p:attrName>
+                                        </p:attrNameLst>
+                                      </p:cBhvr>
+                                      <p:tavLst>
+                                        <p:tav tm="0">
+                                          <p:val>
+                                            <p:strVal val="1+#ppt_h/2"/>
+                                          </p:val>
+                                        </p:tav>
+                                        <p:tav tm="100000">
+                                          <p:val>
+                                            <p:strVal val="#ppt_y"/>
+                                          </p:val>
+                                        </p:tav>
+                                      </p:tavLst>
+                                    </p:anim>
+                                  </p:childTnLst>
+                                </p:cTn>
+                              </p:par>
+                            </p:childTnLst>
+                          </p:cTn>
+                        </p:par>
+                        <p:par>
+                          <p:cTn id="20" fill="hold">
+                            <p:stCondLst>
+                              <p:cond delay="1000"/>
+                            </p:stCondLst>
+                            <p:childTnLst>
+                              <p:par>
+                                <p:cTn id="21" presetID="2" presetClass="entr" presetSubtype="4" fill="hold" grpId="0" nodeType="afterEffect">
+                                  <p:stCondLst>
+                                    <p:cond delay="0"/>
+                                  </p:stCondLst>
+                                  <p:childTnLst>
+                                    <p:set>
+                                      <p:cBhvr>
+                                        <p:cTn id="22" dur="1" fill="hold">
                                           <p:stCondLst>
                                             <p:cond delay="0"/>
                                           </p:stCondLst>
@@ -13605,7 +17352,7 @@
                                     </p:set>
                                     <p:anim calcmode="lin" valueType="num">
                                       <p:cBhvr additive="base">
-                                        <p:cTn id="12" dur="500" fill="hold"/>
+                                        <p:cTn id="23" dur="500" fill="hold"/>
                                         <p:tgtEl>
                                           <p:spTgt spid="6"/>
                                         </p:tgtEl>
@@ -13628,7 +17375,7 @@
                                     </p:anim>
                                     <p:anim calcmode="lin" valueType="num">
                                       <p:cBhvr additive="base">
-                                        <p:cTn id="13" dur="500" fill="hold"/>
+                                        <p:cTn id="24" dur="500" fill="hold"/>
                                         <p:tgtEl>
                                           <p:spTgt spid="6"/>
                                         </p:tgtEl>
@@ -13681,6 +17428,7 @@
     </p:tnLst>
     <p:bldLst>
       <p:bldP spid="6" grpId="0"/>
+      <p:bldP spid="4" grpId="0"/>
     </p:bldLst>
   </p:timing>
 </p:sld>

--- a/课程PPT/09.JavaScript标准内置对象-构造器（Array、Date、Error等）.pptx
+++ b/课程PPT/09.JavaScript标准内置对象-构造器（Array、Date、Error等）.pptx
@@ -4480,7 +4480,52 @@
                 </a:solidFill>
                 <a:sym typeface="+mn-ea"/>
               </a:rPr>
-              <a:t>- Array.isArray(...);</a:t>
+              <a:t>- Array.from(...) </a:t>
+            </a:r>
+            <a:r>
+              <a:rPr lang="zh-CN" altLang="en-US" sz="1800" dirty="0">
+                <a:solidFill>
+                  <a:schemeClr val="tx1"/>
+                </a:solidFill>
+                <a:sym typeface="+mn-ea"/>
+              </a:rPr>
+              <a:t>、</a:t>
+            </a:r>
+            <a:r>
+              <a:rPr lang="en-US" altLang="zh-CN" sz="1800" dirty="0">
+                <a:solidFill>
+                  <a:schemeClr val="tx1"/>
+                </a:solidFill>
+                <a:sym typeface="+mn-ea"/>
+              </a:rPr>
+              <a:t>Array.isArray(...) </a:t>
+            </a:r>
+            <a:r>
+              <a:rPr lang="zh-CN" altLang="en-US" sz="1800" dirty="0">
+                <a:solidFill>
+                  <a:schemeClr val="tx1"/>
+                </a:solidFill>
+                <a:sym typeface="+mn-ea"/>
+              </a:rPr>
+              <a:t>、</a:t>
+            </a:r>
+            <a:r>
+              <a:rPr lang="en-US" altLang="zh-CN" sz="1800" dirty="0">
+                <a:solidFill>
+                  <a:schemeClr val="tx1"/>
+                </a:solidFill>
+                <a:sym typeface="+mn-ea"/>
+              </a:rPr>
+              <a:t>Array.of(...)</a:t>
+            </a:r>
+            <a:r>
+              <a:rPr lang="zh-CN" altLang="en-US" sz="1800" dirty="0">
+                <a:solidFill>
+                  <a:schemeClr val="tx1"/>
+                </a:solidFill>
+                <a:sym typeface="+mn-ea"/>
+              </a:rPr>
+              <a:t>等（具体参见实例）</a:t>
             </a:r>
             <a:br>
               <a:rPr lang="en-US" altLang="zh-CN" sz="1800" dirty="0">
@@ -5322,9 +5367,154 @@
                 </a:solidFill>
                 <a:sym typeface="+mn-ea"/>
               </a:rPr>
-              <a:t>)</a:t>
-            </a:r>
-            <a:endParaRPr lang="en-US" altLang="zh-CN" sz="1800" dirty="0">
+              <a:t>) //</a:t>
+            </a:r>
+            <a:r>
+              <a:rPr lang="zh-CN" altLang="en-US" sz="1800" dirty="0">
+                <a:solidFill>
+                  <a:schemeClr val="tx1"/>
+                </a:solidFill>
+                <a:sym typeface="+mn-ea"/>
+              </a:rPr>
+              <a:t>回调函数的写法，</a:t>
+            </a:r>
+            <a:r>
+              <a:rPr lang="zh-CN" altLang="en-US" sz="1800" dirty="0">
+                <a:solidFill>
+                  <a:schemeClr val="accent3"/>
+                </a:solidFill>
+                <a:sym typeface="+mn-ea"/>
+              </a:rPr>
+              <a:t>思考冒泡排序</a:t>
+            </a:r>
+            <a:endParaRPr lang="zh-CN" altLang="en-US" sz="1800" dirty="0">
+              <a:solidFill>
+                <a:schemeClr val="accent3"/>
+              </a:solidFill>
+              <a:sym typeface="+mn-ea"/>
+            </a:endParaRPr>
+          </a:p>
+          <a:p>
+            <a:pPr>
+              <a:lnSpc>
+                <a:spcPct val="150000"/>
+              </a:lnSpc>
+            </a:pPr>
+            <a:r>
+              <a:rPr lang="zh-CN" altLang="en-US" sz="3200" dirty="0">
+                <a:solidFill>
+                  <a:schemeClr val="tx1"/>
+                </a:solidFill>
+                <a:sym typeface="+mn-ea"/>
+              </a:rPr>
+              <a:t>数组原型方法（合并、切分和连接</a:t>
+            </a:r>
+            <a:r>
+              <a:rPr lang="en-US" altLang="zh-CN" sz="3200" dirty="0">
+                <a:solidFill>
+                  <a:schemeClr val="tx1"/>
+                </a:solidFill>
+                <a:sym typeface="+mn-ea"/>
+              </a:rPr>
+              <a:t>-</a:t>
+            </a:r>
+            <a:r>
+              <a:rPr lang="zh-CN" altLang="en-US" sz="3200" dirty="0">
+                <a:solidFill>
+                  <a:schemeClr val="tx1"/>
+                </a:solidFill>
+                <a:sym typeface="+mn-ea"/>
+              </a:rPr>
+              <a:t>非破坏性）</a:t>
+            </a:r>
+            <a:br>
+              <a:rPr lang="zh-CN" altLang="en-US" sz="3200" dirty="0">
+                <a:solidFill>
+                  <a:schemeClr val="tx1"/>
+                </a:solidFill>
+                <a:sym typeface="+mn-ea"/>
+              </a:rPr>
+            </a:br>
+            <a:r>
+              <a:rPr lang="en-US" altLang="zh-CN" sz="1800" dirty="0">
+                <a:solidFill>
+                  <a:schemeClr val="tx1"/>
+                </a:solidFill>
+                <a:sym typeface="+mn-ea"/>
+              </a:rPr>
+              <a:t>- Array.prototype.concat(arr1?,arr2?,...)</a:t>
+            </a:r>
+            <a:br>
+              <a:rPr lang="en-US" altLang="zh-CN" sz="1800" dirty="0">
+                <a:solidFill>
+                  <a:schemeClr val="tx1"/>
+                </a:solidFill>
+                <a:sym typeface="+mn-ea"/>
+              </a:rPr>
+            </a:br>
+            <a:r>
+              <a:rPr lang="en-US" altLang="zh-CN" sz="1800" dirty="0">
+                <a:solidFill>
+                  <a:schemeClr val="tx1"/>
+                </a:solidFill>
+                <a:sym typeface="+mn-ea"/>
+              </a:rPr>
+              <a:t>- Array.prototype.slice(begin?,end?) //</a:t>
+            </a:r>
+            <a:r>
+              <a:rPr lang="zh-CN" altLang="en-US" sz="1800" dirty="0">
+                <a:solidFill>
+                  <a:schemeClr val="tx1"/>
+                </a:solidFill>
+                <a:sym typeface="+mn-ea"/>
+              </a:rPr>
+              <a:t>注意参数的正负，注意不要和</a:t>
+            </a:r>
+            <a:r>
+              <a:rPr lang="en-US" altLang="zh-CN" sz="1800" dirty="0">
+                <a:solidFill>
+                  <a:schemeClr val="tx1"/>
+                </a:solidFill>
+                <a:sym typeface="+mn-ea"/>
+              </a:rPr>
+              <a:t>splice</a:t>
+            </a:r>
+            <a:r>
+              <a:rPr lang="zh-CN" altLang="en-US" sz="1800" dirty="0">
+                <a:solidFill>
+                  <a:schemeClr val="tx1"/>
+                </a:solidFill>
+                <a:sym typeface="+mn-ea"/>
+              </a:rPr>
+              <a:t>混淆了</a:t>
+            </a:r>
+            <a:br>
+              <a:rPr lang="en-US" altLang="zh-CN" sz="1800" dirty="0">
+                <a:solidFill>
+                  <a:schemeClr val="tx1"/>
+                </a:solidFill>
+                <a:sym typeface="+mn-ea"/>
+              </a:rPr>
+            </a:br>
+            <a:r>
+              <a:rPr lang="en-US" altLang="zh-CN" sz="1800" dirty="0">
+                <a:solidFill>
+                  <a:schemeClr val="tx1"/>
+                </a:solidFill>
+                <a:sym typeface="+mn-ea"/>
+              </a:rPr>
+              <a:t>- Array.prototype.join(separator?) //</a:t>
+            </a:r>
+            <a:r>
+              <a:rPr lang="zh-CN" altLang="en-US" sz="1800" dirty="0">
+                <a:solidFill>
+                  <a:schemeClr val="tx1"/>
+                </a:solidFill>
+                <a:sym typeface="+mn-ea"/>
+              </a:rPr>
+              <a:t>注意返回的类型</a:t>
+            </a:r>
+            <a:endParaRPr lang="zh-CN" altLang="en-US" sz="1800" dirty="0">
               <a:solidFill>
                 <a:schemeClr val="tx1"/>
               </a:solidFill>
@@ -5344,7 +5534,7 @@
                 </a:solidFill>
                 <a:sym typeface="+mn-ea"/>
               </a:rPr>
-              <a:t>数组原型方法（合并、切分和连接</a:t>
+              <a:t>数组原型方法（值的查找</a:t>
             </a:r>
             <a:r>
               <a:rPr lang="en-US" altLang="zh-CN" sz="3200" dirty="0">
@@ -5365,7 +5555,7 @@
               <a:t>非破坏性）</a:t>
             </a:r>
             <a:br>
-              <a:rPr lang="zh-CN" altLang="en-US" sz="3200" dirty="0">
+              <a:rPr lang="zh-CN" altLang="en-US" sz="1000" dirty="0">
                 <a:solidFill>
                   <a:schemeClr val="tx1"/>
                 </a:solidFill>
@@ -5379,7 +5569,7 @@
                 </a:solidFill>
                 <a:sym typeface="+mn-ea"/>
               </a:rPr>
-              <a:t>- Array.prototype.concat(arr1?,arr2?,...)</a:t>
+              <a:t>- Array.prototype.indexOf(searchValue,startIndex?)</a:t>
             </a:r>
             <a:br>
               <a:rPr lang="en-US" altLang="zh-CN" sz="1800" dirty="0">
@@ -5396,100 +5586,18 @@
                 </a:solidFill>
                 <a:sym typeface="+mn-ea"/>
               </a:rPr>
-              <a:t>- Array.prototype.slice(begin?,end?)</a:t>
-            </a:r>
-            <a:br>
-              <a:rPr lang="en-US" altLang="zh-CN" sz="1800" dirty="0">
-                <a:solidFill>
-                  <a:schemeClr val="tx1"/>
-                </a:solidFill>
-                <a:sym typeface="+mn-ea"/>
-              </a:rPr>
-            </a:br>
-            <a:r>
-              <a:rPr lang="en-US" altLang="zh-CN" sz="1800" dirty="0">
-                <a:solidFill>
-                  <a:schemeClr val="tx1"/>
-                </a:solidFill>
-                <a:sym typeface="+mn-ea"/>
-              </a:rPr>
-              <a:t>- Array.prototype.join(separator?)</a:t>
-            </a:r>
-            <a:endParaRPr lang="en-US" altLang="zh-CN" sz="1000" dirty="0">
-              <a:solidFill>
-                <a:schemeClr val="tx1"/>
-              </a:solidFill>
-              <a:sym typeface="+mn-ea"/>
-            </a:endParaRPr>
-          </a:p>
-          <a:p>
-            <a:pPr>
-              <a:lnSpc>
-                <a:spcPct val="150000"/>
-              </a:lnSpc>
-            </a:pPr>
-            <a:r>
-              <a:rPr lang="zh-CN" altLang="en-US" sz="3200" dirty="0">
-                <a:solidFill>
-                  <a:schemeClr val="tx1"/>
-                </a:solidFill>
-                <a:sym typeface="+mn-ea"/>
-              </a:rPr>
-              <a:t>数组原型方法（值的查找</a:t>
-            </a:r>
-            <a:r>
-              <a:rPr lang="en-US" altLang="zh-CN" sz="3200" dirty="0">
-                <a:solidFill>
-                  <a:schemeClr val="tx1"/>
-                </a:solidFill>
-                <a:sym typeface="+mn-ea"/>
-              </a:rPr>
-              <a:t>-</a:t>
-            </a:r>
-            <a:r>
-              <a:rPr lang="zh-CN" altLang="en-US" sz="3200" dirty="0">
-                <a:solidFill>
-                  <a:schemeClr val="tx1"/>
-                </a:solidFill>
-                <a:sym typeface="+mn-ea"/>
-              </a:rPr>
-              <a:t>非破坏性）</a:t>
-            </a:r>
-            <a:br>
-              <a:rPr lang="zh-CN" altLang="en-US" sz="1000" dirty="0">
-                <a:solidFill>
-                  <a:schemeClr val="tx1"/>
-                </a:solidFill>
-                <a:sym typeface="+mn-ea"/>
-              </a:rPr>
-            </a:br>
-            <a:r>
-              <a:rPr lang="en-US" altLang="zh-CN" sz="1800" dirty="0">
-                <a:solidFill>
-                  <a:schemeClr val="tx1"/>
-                </a:solidFill>
-                <a:sym typeface="+mn-ea"/>
-              </a:rPr>
-              <a:t>- Array.prototype.indexOf(searchValue,startIndex?)</a:t>
-            </a:r>
-            <a:br>
-              <a:rPr lang="en-US" altLang="zh-CN" sz="1800" dirty="0">
-                <a:solidFill>
-                  <a:schemeClr val="tx1"/>
-                </a:solidFill>
-                <a:sym typeface="+mn-ea"/>
-              </a:rPr>
-            </a:br>
-            <a:r>
-              <a:rPr lang="en-US" altLang="zh-CN" sz="1800" dirty="0">
-                <a:solidFill>
-                  <a:schemeClr val="tx1"/>
-                </a:solidFill>
-                <a:sym typeface="+mn-ea"/>
-              </a:rPr>
-              <a:t>- Array.prototype.lastIndexOf(searchElement,startIndex?)</a:t>
-            </a:r>
-            <a:endParaRPr lang="en-US" altLang="zh-CN" sz="1800" dirty="0">
+              <a:t>- Array.prototype.lastIndexOf(searchElement,startIndex?) //</a:t>
+            </a:r>
+            <a:r>
+              <a:rPr lang="zh-CN" altLang="en-US" sz="1800" dirty="0">
+                <a:solidFill>
+                  <a:schemeClr val="tx1"/>
+                </a:solidFill>
+                <a:sym typeface="+mn-ea"/>
+              </a:rPr>
+              <a:t>注意方向和起始点</a:t>
+            </a:r>
+            <a:endParaRPr lang="zh-CN" altLang="en-US" sz="1800" dirty="0">
               <a:solidFill>
                 <a:schemeClr val="tx1"/>
               </a:solidFill>
@@ -6061,7 +6169,7 @@
         <p:spPr>
           <a:xfrm>
             <a:off x="927735" y="783590"/>
-            <a:ext cx="9776460" cy="5269230"/>
+            <a:ext cx="10233660" cy="5269230"/>
           </a:xfrm>
         </p:spPr>
         <p:txBody>
@@ -6133,7 +6241,7 @@
                 </a:solidFill>
                 <a:sym typeface="+mn-ea"/>
               </a:rPr>
-              <a:t>- Array.prototype.forEach(callback,thisValue?)</a:t>
+              <a:t>- Array.prototype.forEach(callback,thisValue?) </a:t>
             </a:r>
             <a:br>
               <a:rPr lang="en-US" altLang="zh-CN" sz="1800" dirty="0">
@@ -6150,7 +6258,34 @@
                 </a:solidFill>
                 <a:sym typeface="+mn-ea"/>
               </a:rPr>
-              <a:t>- Array.prototype.every(callback,thisValue?)</a:t>
+              <a:t>- Array.prototype.every(callback,thisValue?) //</a:t>
+            </a:r>
+            <a:r>
+              <a:rPr lang="zh-CN" altLang="en-US" sz="1800" dirty="0">
+                <a:solidFill>
+                  <a:schemeClr val="tx1"/>
+                </a:solidFill>
+                <a:sym typeface="+mn-ea"/>
+              </a:rPr>
+              <a:t>若有不满足的，立即返回</a:t>
+            </a:r>
+            <a:r>
+              <a:rPr lang="en-US" altLang="zh-CN" sz="1800" dirty="0">
+                <a:solidFill>
+                  <a:schemeClr val="tx1"/>
+                </a:solidFill>
+                <a:sym typeface="+mn-ea"/>
+              </a:rPr>
+              <a:t>false</a:t>
+            </a:r>
+            <a:r>
+              <a:rPr lang="zh-CN" altLang="en-US" sz="1800" dirty="0">
+                <a:solidFill>
+                  <a:schemeClr val="tx1"/>
+                </a:solidFill>
+                <a:sym typeface="+mn-ea"/>
+              </a:rPr>
+              <a:t>，不再后续迭代</a:t>
             </a:r>
             <a:br>
               <a:rPr lang="zh-CN" altLang="en-US" sz="3200" dirty="0">
@@ -6167,9 +6302,36 @@
                 </a:solidFill>
                 <a:sym typeface="+mn-ea"/>
               </a:rPr>
-              <a:t>- Array.prototype.some(callback,thisValue?)</a:t>
-            </a:r>
-            <a:endParaRPr lang="en-US" altLang="zh-CN" sz="1800" dirty="0">
+              <a:t>- Array.prototype.some(callback,thisValue?) //</a:t>
+            </a:r>
+            <a:r>
+              <a:rPr lang="zh-CN" altLang="en-US" sz="1800" dirty="0">
+                <a:solidFill>
+                  <a:schemeClr val="tx1"/>
+                </a:solidFill>
+                <a:sym typeface="+mn-ea"/>
+              </a:rPr>
+              <a:t>若有满足的，立即返回</a:t>
+            </a:r>
+            <a:r>
+              <a:rPr lang="en-US" altLang="zh-CN" sz="1800" dirty="0">
+                <a:solidFill>
+                  <a:schemeClr val="tx1"/>
+                </a:solidFill>
+                <a:sym typeface="+mn-ea"/>
+              </a:rPr>
+              <a:t>true</a:t>
+            </a:r>
+            <a:r>
+              <a:rPr lang="zh-CN" altLang="en-US" sz="1800" dirty="0">
+                <a:solidFill>
+                  <a:schemeClr val="tx1"/>
+                </a:solidFill>
+                <a:sym typeface="+mn-ea"/>
+              </a:rPr>
+              <a:t>，不再后续迭代</a:t>
+            </a:r>
+            <a:endParaRPr lang="zh-CN" altLang="en-US" sz="1800" dirty="0">
               <a:solidFill>
                 <a:schemeClr val="tx1"/>
               </a:solidFill>
@@ -8054,7 +8216,7 @@
         <p:spPr>
           <a:xfrm>
             <a:off x="927735" y="783590"/>
-            <a:ext cx="9776460" cy="4918710"/>
+            <a:ext cx="10751185" cy="4918710"/>
           </a:xfrm>
         </p:spPr>
         <p:txBody>
@@ -8082,7 +8244,7 @@
                 </a:solidFill>
                 <a:sym typeface="+mn-ea"/>
               </a:rPr>
-              <a:t>构造函数提供了解析、管理和展示时间的功能</a:t>
+              <a:t>提供了解析、管理和展示时间的功能</a:t>
             </a:r>
             <a:endParaRPr lang="zh-CN" altLang="en-US" sz="3200" dirty="0">
               <a:solidFill>
@@ -8157,7 +8319,34 @@
                 </a:solidFill>
                 <a:sym typeface="+mn-ea"/>
               </a:rPr>
-              <a:t>new Date(year,month,date?,hours?,minutes?,seconds?,milliseconds?)</a:t>
+              <a:t>new Date(year,month,date?,hours?,minutes?,seconds?,milliseconds?) </a:t>
+            </a:r>
+            <a:r>
+              <a:rPr lang="en-US" altLang="zh-CN" sz="2000" dirty="0">
+                <a:solidFill>
+                  <a:srgbClr val="FF0000"/>
+                </a:solidFill>
+                <a:sym typeface="+mn-ea"/>
+              </a:rPr>
+              <a:t>//</a:t>
+            </a:r>
+            <a:r>
+              <a:rPr lang="zh-CN" altLang="en-US" sz="2000" dirty="0">
+                <a:solidFill>
+                  <a:srgbClr val="FF0000"/>
+                </a:solidFill>
+                <a:sym typeface="+mn-ea"/>
+              </a:rPr>
+              <a:t>注意起始索引</a:t>
+            </a:r>
+            <a:r>
+              <a:rPr lang="en-US" altLang="zh-CN" sz="2000" dirty="0">
+                <a:solidFill>
+                  <a:schemeClr val="tx1"/>
+                </a:solidFill>
+                <a:sym typeface="+mn-ea"/>
+              </a:rPr>
+              <a:t> </a:t>
             </a:r>
             <a:br>
               <a:rPr lang="zh-CN" altLang="en-US" sz="2000" dirty="0">
@@ -8183,7 +8372,25 @@
                 </a:solidFill>
                 <a:sym typeface="+mn-ea"/>
               </a:rPr>
-              <a:t>ew Date(dateTimeStr)</a:t>
+              <a:t>ew Date(dateTimeStr)  //</a:t>
+            </a:r>
+            <a:r>
+              <a:rPr lang="zh-CN" altLang="en-US" sz="2000" dirty="0">
+                <a:solidFill>
+                  <a:schemeClr val="tx1"/>
+                </a:solidFill>
+                <a:sym typeface="+mn-ea"/>
+              </a:rPr>
+              <a:t>参数为字符串类型，</a:t>
+            </a:r>
+            <a:r>
+              <a:rPr lang="zh-CN" altLang="en-US" sz="2000" dirty="0">
+                <a:solidFill>
+                  <a:srgbClr val="FF0000"/>
+                </a:solidFill>
+                <a:sym typeface="+mn-ea"/>
+              </a:rPr>
+              <a:t>注意格式，参见日期格式章节</a:t>
             </a:r>
             <a:br>
               <a:rPr lang="en-US" altLang="zh-CN" sz="2000" dirty="0">
@@ -8200,7 +8407,25 @@
                 </a:solidFill>
                 <a:sym typeface="+mn-ea"/>
               </a:rPr>
-              <a:t>new Date(timeValue)</a:t>
+              <a:t>new Date(timeValue)     //</a:t>
+            </a:r>
+            <a:r>
+              <a:rPr lang="zh-CN" altLang="en-US" sz="2000" dirty="0">
+                <a:solidFill>
+                  <a:schemeClr val="tx1"/>
+                </a:solidFill>
+                <a:sym typeface="+mn-ea"/>
+              </a:rPr>
+              <a:t>参数为数字类型，</a:t>
+            </a:r>
+            <a:r>
+              <a:rPr lang="zh-CN" altLang="en-US" sz="2000" dirty="0">
+                <a:solidFill>
+                  <a:srgbClr val="FF0000"/>
+                </a:solidFill>
+                <a:sym typeface="+mn-ea"/>
+              </a:rPr>
+              <a:t>以毫秒为单位</a:t>
             </a:r>
             <a:br>
               <a:rPr lang="en-US" altLang="zh-CN" sz="2000" dirty="0">
@@ -8217,7 +8442,25 @@
                 </a:solidFill>
                 <a:sym typeface="+mn-ea"/>
               </a:rPr>
-              <a:t>new Date( )</a:t>
+              <a:t>new Date( )	                    //</a:t>
+            </a:r>
+            <a:r>
+              <a:rPr lang="zh-CN" altLang="en-US" sz="2000" dirty="0">
+                <a:solidFill>
+                  <a:schemeClr val="tx1"/>
+                </a:solidFill>
+                <a:sym typeface="+mn-ea"/>
+              </a:rPr>
+              <a:t>返回当前世界，</a:t>
+            </a:r>
+            <a:r>
+              <a:rPr lang="zh-CN" altLang="en-US" sz="2000" dirty="0">
+                <a:solidFill>
+                  <a:schemeClr val="tx1"/>
+                </a:solidFill>
+                <a:sym typeface="+mn-ea"/>
+              </a:rPr>
+              <a:t>相当于new Date(Date.now())</a:t>
             </a:r>
             <a:br>
               <a:rPr lang="en-US" altLang="zh-CN" sz="1800" dirty="0">
@@ -8982,16 +9225,7 @@
                 </a:solidFill>
                 <a:sym typeface="+mn-ea"/>
               </a:rPr>
-              <a:t>简介及</a:t>
-            </a:r>
-            <a:r>
-              <a:rPr lang="zh-CN" altLang="en-US" sz="2800" b="1">
-                <a:solidFill>
-                  <a:schemeClr val="tx1"/>
-                </a:solidFill>
-                <a:sym typeface="+mn-ea"/>
-              </a:rPr>
-              <a:t>创建</a:t>
+              <a:t>简介及创建</a:t>
             </a:r>
             <a:r>
               <a:rPr lang="en-US" altLang="zh-CN" sz="2800" b="1">
@@ -9411,7 +9645,88 @@
                 </a:solidFill>
                 <a:sym typeface="+mn-ea"/>
               </a:rPr>
-              <a:t>- Date.parse(dateTimeString)</a:t>
+              <a:t>- Date.parse(dateTimeString) //</a:t>
+            </a:r>
+            <a:r>
+              <a:rPr lang="zh-CN" altLang="en-US" sz="1800" dirty="0">
+                <a:solidFill>
+                  <a:schemeClr val="tx1"/>
+                </a:solidFill>
+                <a:sym typeface="+mn-ea"/>
+              </a:rPr>
+              <a:t>转成毫秒，从</a:t>
+            </a:r>
+            <a:r>
+              <a:rPr lang="en-US" altLang="zh-CN" sz="1800" dirty="0">
+                <a:solidFill>
+                  <a:schemeClr val="tx1"/>
+                </a:solidFill>
+                <a:sym typeface="+mn-ea"/>
+              </a:rPr>
+              <a:t>1970</a:t>
+            </a:r>
+            <a:r>
+              <a:rPr lang="zh-CN" altLang="en-US" sz="1800" dirty="0">
+                <a:solidFill>
+                  <a:schemeClr val="tx1"/>
+                </a:solidFill>
+                <a:sym typeface="+mn-ea"/>
+              </a:rPr>
+              <a:t>年</a:t>
+            </a:r>
+            <a:r>
+              <a:rPr lang="en-US" altLang="zh-CN" sz="1800" dirty="0">
+                <a:solidFill>
+                  <a:schemeClr val="tx1"/>
+                </a:solidFill>
+                <a:sym typeface="+mn-ea"/>
+              </a:rPr>
+              <a:t>1</a:t>
+            </a:r>
+            <a:r>
+              <a:rPr lang="zh-CN" altLang="en-US" sz="1800" dirty="0">
+                <a:solidFill>
+                  <a:schemeClr val="tx1"/>
+                </a:solidFill>
+                <a:sym typeface="+mn-ea"/>
+              </a:rPr>
+              <a:t>月</a:t>
+            </a:r>
+            <a:r>
+              <a:rPr lang="en-US" altLang="zh-CN" sz="1800" dirty="0">
+                <a:solidFill>
+                  <a:schemeClr val="tx1"/>
+                </a:solidFill>
+                <a:sym typeface="+mn-ea"/>
+              </a:rPr>
+              <a:t>1</a:t>
+            </a:r>
+            <a:r>
+              <a:rPr lang="zh-CN" altLang="en-US" sz="1800" dirty="0">
+                <a:solidFill>
+                  <a:schemeClr val="tx1"/>
+                </a:solidFill>
+                <a:sym typeface="+mn-ea"/>
+              </a:rPr>
+              <a:t>日 </a:t>
+            </a:r>
+            <a:r>
+              <a:rPr lang="en-US" altLang="zh-CN" sz="1800" dirty="0">
+                <a:solidFill>
+                  <a:schemeClr val="tx1"/>
+                </a:solidFill>
+                <a:sym typeface="+mn-ea"/>
+              </a:rPr>
+              <a:t>00:00:00</a:t>
+            </a:r>
+            <a:r>
+              <a:rPr lang="zh-CN" altLang="en-US" sz="1800" dirty="0">
+                <a:solidFill>
+                  <a:schemeClr val="tx1"/>
+                </a:solidFill>
+                <a:sym typeface="+mn-ea"/>
+              </a:rPr>
+              <a:t>开始计算</a:t>
             </a:r>
             <a:br>
               <a:rPr lang="en-US" altLang="zh-CN" sz="1800" dirty="0">
@@ -9428,18 +9743,18 @@
                 </a:solidFill>
                 <a:sym typeface="+mn-ea"/>
               </a:rPr>
-              <a:t>- Date.UTC(</a:t>
-            </a:r>
-            <a:r>
-              <a:rPr lang="en-US" altLang="zh-CN" sz="1800" dirty="0">
-                <a:solidFill>
-                  <a:schemeClr val="tx1"/>
-                </a:solidFill>
-                <a:sym typeface="+mn-ea"/>
-              </a:rPr>
-              <a:t>year,month,date?,hours?,minutes?,seconds?,milliseconds?)</a:t>
-            </a:r>
-            <a:endParaRPr lang="en-US" altLang="zh-CN" sz="1800" dirty="0">
+              <a:t>- Date.UTC(year,month,date?,hours?,minutes?,seconds?,milliseconds?)  //</a:t>
+            </a:r>
+            <a:r>
+              <a:rPr lang="zh-CN" altLang="en-US" sz="1800" dirty="0">
+                <a:solidFill>
+                  <a:schemeClr val="tx1"/>
+                </a:solidFill>
+                <a:sym typeface="+mn-ea"/>
+              </a:rPr>
+              <a:t>转成毫秒 标准时间</a:t>
+            </a:r>
+            <a:endParaRPr lang="zh-CN" altLang="en-US" sz="1800" dirty="0">
               <a:solidFill>
                 <a:schemeClr val="tx1"/>
               </a:solidFill>
@@ -10993,7 +11308,7 @@
         </p:nvSpPr>
         <p:spPr>
           <a:xfrm>
-            <a:off x="816610" y="783590"/>
+            <a:off x="816610" y="855345"/>
             <a:ext cx="10424795" cy="5324475"/>
           </a:xfrm>
         </p:spPr>
@@ -11007,6 +11322,55 @@
               </a:lnSpc>
             </a:pPr>
             <a:r>
+              <a:rPr lang="en-US" altLang="zh-CN" sz="3200" dirty="0">
+                <a:solidFill>
+                  <a:schemeClr val="tx1"/>
+                </a:solidFill>
+                <a:sym typeface="+mn-ea"/>
+              </a:rPr>
+              <a:t>JS</a:t>
+            </a:r>
+            <a:r>
+              <a:rPr lang="zh-CN" altLang="en-US" sz="3200" dirty="0">
+                <a:solidFill>
+                  <a:schemeClr val="tx1"/>
+                </a:solidFill>
+                <a:sym typeface="+mn-ea"/>
+              </a:rPr>
+              <a:t>中的时间复合</a:t>
+            </a:r>
+            <a:r>
+              <a:rPr lang="en-US" altLang="zh-CN" sz="3200" dirty="0">
+                <a:solidFill>
+                  <a:schemeClr val="tx1"/>
+                </a:solidFill>
+                <a:sym typeface="+mn-ea"/>
+              </a:rPr>
+              <a:t>ISO8601</a:t>
+            </a:r>
+            <a:r>
+              <a:rPr lang="zh-CN" altLang="en-US" sz="3200" dirty="0">
+                <a:solidFill>
+                  <a:schemeClr val="tx1"/>
+                </a:solidFill>
+                <a:sym typeface="+mn-ea"/>
+              </a:rPr>
+              <a:t>扩展格式标准</a:t>
+            </a:r>
+            <a:endParaRPr lang="zh-CN" altLang="en-US" sz="3200" dirty="0">
+              <a:solidFill>
+                <a:schemeClr val="tx1"/>
+              </a:solidFill>
+              <a:sym typeface="+mn-ea"/>
+            </a:endParaRPr>
+          </a:p>
+          <a:p>
+            <a:pPr>
+              <a:lnSpc>
+                <a:spcPct val="150000"/>
+              </a:lnSpc>
+            </a:pPr>
+            <a:r>
               <a:rPr lang="zh-CN" altLang="en-US" sz="3200" dirty="0">
                 <a:solidFill>
                   <a:schemeClr val="tx1"/>
@@ -11030,16 +11394,35 @@
                 </a:solidFill>
                 <a:sym typeface="+mn-ea"/>
               </a:rPr>
-              <a:t>- Date.now( )</a:t>
-            </a:r>
-            <a:br>
+              <a:t>YYYY-MM-DD </a:t>
+            </a:r>
+            <a:r>
+              <a:rPr lang="zh-CN" altLang="en-US" sz="1800" dirty="0">
+                <a:solidFill>
+                  <a:schemeClr val="tx1"/>
+                </a:solidFill>
+                <a:sym typeface="+mn-ea"/>
+              </a:rPr>
+              <a:t>、 </a:t>
+            </a:r>
+            <a:r>
               <a:rPr lang="en-US" altLang="zh-CN" sz="1800" dirty="0">
                 <a:solidFill>
                   <a:schemeClr val="tx1"/>
                 </a:solidFill>
                 <a:sym typeface="+mn-ea"/>
               </a:rPr>
-            </a:br>
+              <a:t>YYYY-MM </a:t>
+            </a:r>
+            <a:r>
+              <a:rPr lang="zh-CN" altLang="en-US" sz="1800" dirty="0">
+                <a:solidFill>
+                  <a:schemeClr val="tx1"/>
+                </a:solidFill>
+                <a:sym typeface="+mn-ea"/>
+              </a:rPr>
+              <a:t>、 </a:t>
+            </a:r>
             <a:r>
               <a:rPr lang="en-US" altLang="zh-CN" sz="1800" dirty="0">
                 <a:solidFill>
@@ -11047,7 +11430,7 @@
                 </a:solidFill>
                 <a:sym typeface="+mn-ea"/>
               </a:rPr>
-              <a:t>- Date.parse(dateTimeString)</a:t>
+              <a:t>YY</a:t>
             </a:r>
             <a:endParaRPr lang="en-US" altLang="zh-CN" sz="1800" dirty="0">
               <a:solidFill>
@@ -11069,7 +11452,7 @@
                 </a:solidFill>
                 <a:sym typeface="+mn-ea"/>
               </a:rPr>
-              <a:t>时间格式（无日期）</a:t>
+              <a:t>时间格式（无日期）注意：考虑宿主环境差异</a:t>
             </a:r>
             <a:br>
               <a:rPr lang="zh-CN" altLang="en-US" sz="3200" dirty="0">
@@ -11086,16 +11469,35 @@
                 </a:solidFill>
                 <a:sym typeface="+mn-ea"/>
               </a:rPr>
-              <a:t>- Date.prototype.get&lt;Unit&gt;( )   Date.prototype.getUTC&lt;Unit&gt;( )</a:t>
-            </a:r>
-            <a:br>
+              <a:t>THH:mm:ss.sss</a:t>
+            </a:r>
+            <a:r>
+              <a:rPr lang="zh-CN" altLang="en-US" sz="1800" dirty="0">
+                <a:solidFill>
+                  <a:schemeClr val="tx1"/>
+                </a:solidFill>
+                <a:sym typeface="+mn-ea"/>
+              </a:rPr>
+              <a:t>、</a:t>
+            </a:r>
+            <a:r>
               <a:rPr lang="en-US" altLang="zh-CN" sz="1800" dirty="0">
                 <a:solidFill>
                   <a:schemeClr val="tx1"/>
                 </a:solidFill>
                 <a:sym typeface="+mn-ea"/>
               </a:rPr>
-            </a:br>
+              <a:t>THH:mm:ss.sssZ </a:t>
+            </a:r>
+            <a:r>
+              <a:rPr lang="zh-CN" altLang="en-US" sz="1800" dirty="0">
+                <a:solidFill>
+                  <a:schemeClr val="tx1"/>
+                </a:solidFill>
+                <a:sym typeface="+mn-ea"/>
+              </a:rPr>
+              <a:t>、</a:t>
+            </a:r>
             <a:r>
               <a:rPr lang="en-US" altLang="zh-CN" sz="1800" dirty="0">
                 <a:solidFill>
@@ -11103,9 +11505,63 @@
                 </a:solidFill>
                 <a:sym typeface="+mn-ea"/>
               </a:rPr>
-              <a:t>- Date.prototype.set&lt;Unit&gt;( )   Date.prototype.setUTC&lt;Unit&gt;( )</a:t>
-            </a:r>
-            <a:endParaRPr lang="en-US" altLang="zh-CN" sz="1800" dirty="0">
+              <a:t>THH:mm:ss</a:t>
+            </a:r>
+            <a:r>
+              <a:rPr lang="zh-CN" altLang="en-US" sz="1800" dirty="0">
+                <a:solidFill>
+                  <a:schemeClr val="tx1"/>
+                </a:solidFill>
+                <a:sym typeface="+mn-ea"/>
+              </a:rPr>
+              <a:t>、</a:t>
+            </a:r>
+            <a:r>
+              <a:rPr lang="en-US" altLang="zh-CN" sz="1800" dirty="0">
+                <a:solidFill>
+                  <a:schemeClr val="tx1"/>
+                </a:solidFill>
+                <a:sym typeface="+mn-ea"/>
+              </a:rPr>
+              <a:t>THH:mm:ssZ</a:t>
+            </a:r>
+            <a:r>
+              <a:rPr lang="zh-CN" altLang="en-US" sz="1800" dirty="0">
+                <a:solidFill>
+                  <a:schemeClr val="tx1"/>
+                </a:solidFill>
+                <a:sym typeface="+mn-ea"/>
+              </a:rPr>
+              <a:t>、</a:t>
+            </a:r>
+            <a:r>
+              <a:rPr lang="en-US" altLang="zh-CN" sz="1800" dirty="0">
+                <a:solidFill>
+                  <a:schemeClr val="tx1"/>
+                </a:solidFill>
+                <a:sym typeface="+mn-ea"/>
+              </a:rPr>
+              <a:t>THH:mm</a:t>
+            </a:r>
+            <a:r>
+              <a:rPr lang="zh-CN" altLang="en-US" sz="1800" dirty="0">
+                <a:solidFill>
+                  <a:schemeClr val="tx1"/>
+                </a:solidFill>
+                <a:sym typeface="+mn-ea"/>
+              </a:rPr>
+              <a:t>、</a:t>
+            </a:r>
+            <a:r>
+              <a:rPr lang="en-US" altLang="zh-CN" sz="1800" dirty="0">
+                <a:solidFill>
+                  <a:schemeClr val="tx1"/>
+                </a:solidFill>
+                <a:sym typeface="+mn-ea"/>
+              </a:rPr>
+              <a:t>THH:mmZ</a:t>
+            </a:r>
+            <a:endParaRPr lang="zh-CN" altLang="en-US" sz="1800" dirty="0">
               <a:solidFill>
                 <a:schemeClr val="tx1"/>
               </a:solidFill>
@@ -11125,7 +11581,7 @@
                 </a:solidFill>
                 <a:sym typeface="+mn-ea"/>
               </a:rPr>
-              <a:t>日期时间格式</a:t>
+              <a:t>完整的日期时间格式</a:t>
             </a:r>
             <a:br>
               <a:rPr lang="zh-CN" altLang="en-US" sz="3200" dirty="0">
@@ -11136,13 +11592,35 @@
               </a:rPr>
             </a:br>
             <a:r>
-              <a:rPr lang="en-US" altLang="zh-CN" sz="1800" dirty="0">
-                <a:solidFill>
-                  <a:schemeClr val="tx1"/>
-                </a:solidFill>
-                <a:sym typeface="+mn-ea"/>
-              </a:rPr>
-              <a:t>- Date</a:t>
+              <a:rPr lang="zh-CN" altLang="en-US" sz="1800" dirty="0">
+                <a:solidFill>
+                  <a:schemeClr val="tx1"/>
+                </a:solidFill>
+                <a:sym typeface="+mn-ea"/>
+              </a:rPr>
+              <a:t>YYYY-MM-DDTHH:mm:ss.sssZ</a:t>
+            </a:r>
+            <a:endParaRPr lang="zh-CN" altLang="en-US" sz="1800" dirty="0">
+              <a:solidFill>
+                <a:schemeClr val="tx1"/>
+              </a:solidFill>
+              <a:sym typeface="+mn-ea"/>
+            </a:endParaRPr>
+          </a:p>
+          <a:p>
+            <a:pPr>
+              <a:lnSpc>
+                <a:spcPct val="150000"/>
+              </a:lnSpc>
+            </a:pPr>
+            <a:r>
+              <a:rPr lang="zh-CN" altLang="en-US" dirty="0">
+                <a:solidFill>
+                  <a:schemeClr val="tx1"/>
+                </a:solidFill>
+                <a:sym typeface="+mn-ea"/>
+              </a:rPr>
+              <a:t>时间比较与运算（转换为毫秒后进行比较和运算）</a:t>
             </a:r>
             <a:br>
               <a:rPr lang="en-US" altLang="zh-CN" sz="1800" dirty="0">
@@ -11279,6 +11757,103 @@
                 <a:ea typeface="+mn-ea"/>
               </a:rPr>
               <a:t>demo10  </a:t>
+            </a:r>
+            <a:r>
+              <a:rPr lang="zh-CN" altLang="en-US" sz="2200">
+                <a:solidFill>
+                  <a:srgbClr val="FF0000"/>
+                </a:solidFill>
+                <a:latin typeface="+mn-ea"/>
+                <a:ea typeface="+mn-ea"/>
+              </a:rPr>
+              <a:t>时间格式案例 时间的比较与运算</a:t>
+            </a:r>
+            <a:r>
+              <a:rPr lang="en-US" altLang="zh-CN" sz="2200">
+                <a:solidFill>
+                  <a:srgbClr val="FF0000"/>
+                </a:solidFill>
+                <a:latin typeface="+mn-ea"/>
+                <a:ea typeface="+mn-ea"/>
+              </a:rPr>
+              <a:t> </a:t>
+            </a:r>
+            <a:endParaRPr lang="zh-CN" altLang="en-US" sz="2200">
+              <a:solidFill>
+                <a:srgbClr val="FF0000"/>
+              </a:solidFill>
+              <a:latin typeface="+mn-ea"/>
+              <a:ea typeface="+mn-ea"/>
+            </a:endParaRPr>
+          </a:p>
+        </p:txBody>
+      </p:sp>
+      <p:sp>
+        <p:nvSpPr>
+          <p:cNvPr id="4" name="文本框 3"/>
+          <p:cNvSpPr txBox="1"/>
+          <p:nvPr/>
+        </p:nvSpPr>
+        <p:spPr>
+          <a:xfrm>
+            <a:off x="6070600" y="4291330"/>
+            <a:ext cx="4275455" cy="429895"/>
+          </a:xfrm>
+          <a:prstGeom prst="rect">
+            <a:avLst/>
+          </a:prstGeom>
+          <a:noFill/>
+        </p:spPr>
+        <p:txBody>
+          <a:bodyPr wrap="square" rtlCol="0">
+            <a:spAutoFit/>
+          </a:bodyPr>
+          <a:p>
+            <a:pPr algn="l"/>
+            <a:r>
+              <a:rPr lang="zh-CN" altLang="en-US" sz="2200" dirty="0">
+                <a:solidFill>
+                  <a:srgbClr val="FF0000"/>
+                </a:solidFill>
+                <a:sym typeface="+mn-ea"/>
+              </a:rPr>
+              <a:t>（</a:t>
+            </a:r>
+            <a:r>
+              <a:rPr lang="en-US" altLang="zh-CN" sz="2200" dirty="0">
+                <a:solidFill>
+                  <a:srgbClr val="FF0000"/>
+                </a:solidFill>
+                <a:sym typeface="+mn-ea"/>
+              </a:rPr>
+              <a:t>T</a:t>
+            </a:r>
+            <a:r>
+              <a:rPr lang="zh-CN" altLang="en-US" sz="2200" dirty="0">
+                <a:solidFill>
+                  <a:srgbClr val="FF0000"/>
+                </a:solidFill>
+                <a:sym typeface="+mn-ea"/>
+              </a:rPr>
+              <a:t>代表时间、</a:t>
+            </a:r>
+            <a:r>
+              <a:rPr lang="en-US" altLang="zh-CN" sz="2200" dirty="0">
+                <a:solidFill>
+                  <a:srgbClr val="FF0000"/>
+                </a:solidFill>
+                <a:sym typeface="+mn-ea"/>
+              </a:rPr>
+              <a:t>Z</a:t>
+            </a:r>
+            <a:r>
+              <a:rPr lang="zh-CN" altLang="en-US" sz="2200" dirty="0">
+                <a:solidFill>
+                  <a:srgbClr val="FF0000"/>
+                </a:solidFill>
+                <a:sym typeface="+mn-ea"/>
+              </a:rPr>
+              <a:t>代表时区信息）</a:t>
             </a:r>
             <a:endParaRPr lang="zh-CN" altLang="en-US" sz="2200">
               <a:solidFill>
@@ -11629,6 +12204,294 @@
                                           </p:stCondLst>
                                         </p:cTn>
                                         <p:tgtEl>
+                                          <p:spTgt spid="4"/>
+                                        </p:tgtEl>
+                                        <p:attrNameLst>
+                                          <p:attrName>style.visibility</p:attrName>
+                                        </p:attrNameLst>
+                                      </p:cBhvr>
+                                      <p:to>
+                                        <p:strVal val="visible"/>
+                                      </p:to>
+                                    </p:set>
+                                    <p:anim calcmode="lin" valueType="num">
+                                      <p:cBhvr additive="base">
+                                        <p:cTn id="24" dur="500" fill="hold"/>
+                                        <p:tgtEl>
+                                          <p:spTgt spid="4"/>
+                                        </p:tgtEl>
+                                        <p:attrNameLst>
+                                          <p:attrName>ppt_x</p:attrName>
+                                        </p:attrNameLst>
+                                      </p:cBhvr>
+                                      <p:tavLst>
+                                        <p:tav tm="0">
+                                          <p:val>
+                                            <p:strVal val="#ppt_x"/>
+                                          </p:val>
+                                        </p:tav>
+                                        <p:tav tm="100000">
+                                          <p:val>
+                                            <p:strVal val="#ppt_x"/>
+                                          </p:val>
+                                        </p:tav>
+                                      </p:tavLst>
+                                    </p:anim>
+                                    <p:anim calcmode="lin" valueType="num">
+                                      <p:cBhvr additive="base">
+                                        <p:cTn id="25" dur="500" fill="hold"/>
+                                        <p:tgtEl>
+                                          <p:spTgt spid="4"/>
+                                        </p:tgtEl>
+                                        <p:attrNameLst>
+                                          <p:attrName>ppt_y</p:attrName>
+                                        </p:attrNameLst>
+                                      </p:cBhvr>
+                                      <p:tavLst>
+                                        <p:tav tm="0">
+                                          <p:val>
+                                            <p:strVal val="1+#ppt_h/2"/>
+                                          </p:val>
+                                        </p:tav>
+                                        <p:tav tm="100000">
+                                          <p:val>
+                                            <p:strVal val="#ppt_y"/>
+                                          </p:val>
+                                        </p:tav>
+                                      </p:tavLst>
+                                    </p:anim>
+                                  </p:childTnLst>
+                                </p:cTn>
+                              </p:par>
+                            </p:childTnLst>
+                          </p:cTn>
+                        </p:par>
+                      </p:childTnLst>
+                    </p:cTn>
+                  </p:par>
+                  <p:par>
+                    <p:cTn id="26" fill="hold">
+                      <p:stCondLst>
+                        <p:cond delay="indefinite"/>
+                      </p:stCondLst>
+                      <p:childTnLst>
+                        <p:par>
+                          <p:cTn id="27" fill="hold">
+                            <p:stCondLst>
+                              <p:cond delay="0"/>
+                            </p:stCondLst>
+                            <p:childTnLst>
+                              <p:par>
+                                <p:cTn id="28" presetID="2" presetClass="entr" presetSubtype="4" fill="hold" nodeType="clickEffect">
+                                  <p:stCondLst>
+                                    <p:cond delay="0"/>
+                                  </p:stCondLst>
+                                  <p:childTnLst>
+                                    <p:set>
+                                      <p:cBhvr>
+                                        <p:cTn id="29" dur="1" fill="hold">
+                                          <p:stCondLst>
+                                            <p:cond delay="0"/>
+                                          </p:stCondLst>
+                                        </p:cTn>
+                                        <p:tgtEl>
+                                          <p:spTgt spid="2">
+                                            <p:txEl>
+                                              <p:pRg st="3" end="3"/>
+                                            </p:txEl>
+                                          </p:spTgt>
+                                        </p:tgtEl>
+                                        <p:attrNameLst>
+                                          <p:attrName>style.visibility</p:attrName>
+                                        </p:attrNameLst>
+                                      </p:cBhvr>
+                                      <p:to>
+                                        <p:strVal val="visible"/>
+                                      </p:to>
+                                    </p:set>
+                                    <p:anim calcmode="lin" valueType="num">
+                                      <p:cBhvr additive="base">
+                                        <p:cTn id="30" dur="500" fill="hold"/>
+                                        <p:tgtEl>
+                                          <p:spTgt spid="2">
+                                            <p:txEl>
+                                              <p:pRg st="3" end="3"/>
+                                            </p:txEl>
+                                          </p:spTgt>
+                                        </p:tgtEl>
+                                        <p:attrNameLst>
+                                          <p:attrName>ppt_x</p:attrName>
+                                        </p:attrNameLst>
+                                      </p:cBhvr>
+                                      <p:tavLst>
+                                        <p:tav tm="0">
+                                          <p:val>
+                                            <p:strVal val="#ppt_x"/>
+                                          </p:val>
+                                        </p:tav>
+                                        <p:tav tm="100000">
+                                          <p:val>
+                                            <p:strVal val="#ppt_x"/>
+                                          </p:val>
+                                        </p:tav>
+                                      </p:tavLst>
+                                    </p:anim>
+                                    <p:anim calcmode="lin" valueType="num">
+                                      <p:cBhvr additive="base">
+                                        <p:cTn id="31" dur="500" fill="hold"/>
+                                        <p:tgtEl>
+                                          <p:spTgt spid="2">
+                                            <p:txEl>
+                                              <p:pRg st="3" end="3"/>
+                                            </p:txEl>
+                                          </p:spTgt>
+                                        </p:tgtEl>
+                                        <p:attrNameLst>
+                                          <p:attrName>ppt_y</p:attrName>
+                                        </p:attrNameLst>
+                                      </p:cBhvr>
+                                      <p:tavLst>
+                                        <p:tav tm="0">
+                                          <p:val>
+                                            <p:strVal val="1+#ppt_h/2"/>
+                                          </p:val>
+                                        </p:tav>
+                                        <p:tav tm="100000">
+                                          <p:val>
+                                            <p:strVal val="#ppt_y"/>
+                                          </p:val>
+                                        </p:tav>
+                                      </p:tavLst>
+                                    </p:anim>
+                                  </p:childTnLst>
+                                </p:cTn>
+                              </p:par>
+                            </p:childTnLst>
+                          </p:cTn>
+                        </p:par>
+                      </p:childTnLst>
+                    </p:cTn>
+                  </p:par>
+                  <p:par>
+                    <p:cTn id="32" fill="hold">
+                      <p:stCondLst>
+                        <p:cond delay="indefinite"/>
+                      </p:stCondLst>
+                      <p:childTnLst>
+                        <p:par>
+                          <p:cTn id="33" fill="hold">
+                            <p:stCondLst>
+                              <p:cond delay="0"/>
+                            </p:stCondLst>
+                            <p:childTnLst>
+                              <p:par>
+                                <p:cTn id="34" presetID="2" presetClass="entr" presetSubtype="4" fill="hold" nodeType="clickEffect">
+                                  <p:stCondLst>
+                                    <p:cond delay="0"/>
+                                  </p:stCondLst>
+                                  <p:childTnLst>
+                                    <p:set>
+                                      <p:cBhvr>
+                                        <p:cTn id="35" dur="1" fill="hold">
+                                          <p:stCondLst>
+                                            <p:cond delay="0"/>
+                                          </p:stCondLst>
+                                        </p:cTn>
+                                        <p:tgtEl>
+                                          <p:spTgt spid="2">
+                                            <p:txEl>
+                                              <p:pRg st="4" end="4"/>
+                                            </p:txEl>
+                                          </p:spTgt>
+                                        </p:tgtEl>
+                                        <p:attrNameLst>
+                                          <p:attrName>style.visibility</p:attrName>
+                                        </p:attrNameLst>
+                                      </p:cBhvr>
+                                      <p:to>
+                                        <p:strVal val="visible"/>
+                                      </p:to>
+                                    </p:set>
+                                    <p:anim calcmode="lin" valueType="num">
+                                      <p:cBhvr additive="base">
+                                        <p:cTn id="36" dur="500" fill="hold"/>
+                                        <p:tgtEl>
+                                          <p:spTgt spid="2">
+                                            <p:txEl>
+                                              <p:pRg st="4" end="4"/>
+                                            </p:txEl>
+                                          </p:spTgt>
+                                        </p:tgtEl>
+                                        <p:attrNameLst>
+                                          <p:attrName>ppt_x</p:attrName>
+                                        </p:attrNameLst>
+                                      </p:cBhvr>
+                                      <p:tavLst>
+                                        <p:tav tm="0">
+                                          <p:val>
+                                            <p:strVal val="#ppt_x"/>
+                                          </p:val>
+                                        </p:tav>
+                                        <p:tav tm="100000">
+                                          <p:val>
+                                            <p:strVal val="#ppt_x"/>
+                                          </p:val>
+                                        </p:tav>
+                                      </p:tavLst>
+                                    </p:anim>
+                                    <p:anim calcmode="lin" valueType="num">
+                                      <p:cBhvr additive="base">
+                                        <p:cTn id="37" dur="500" fill="hold"/>
+                                        <p:tgtEl>
+                                          <p:spTgt spid="2">
+                                            <p:txEl>
+                                              <p:pRg st="4" end="4"/>
+                                            </p:txEl>
+                                          </p:spTgt>
+                                        </p:tgtEl>
+                                        <p:attrNameLst>
+                                          <p:attrName>ppt_y</p:attrName>
+                                        </p:attrNameLst>
+                                      </p:cBhvr>
+                                      <p:tavLst>
+                                        <p:tav tm="0">
+                                          <p:val>
+                                            <p:strVal val="1+#ppt_h/2"/>
+                                          </p:val>
+                                        </p:tav>
+                                        <p:tav tm="100000">
+                                          <p:val>
+                                            <p:strVal val="#ppt_y"/>
+                                          </p:val>
+                                        </p:tav>
+                                      </p:tavLst>
+                                    </p:anim>
+                                  </p:childTnLst>
+                                </p:cTn>
+                              </p:par>
+                            </p:childTnLst>
+                          </p:cTn>
+                        </p:par>
+                        <p:par>
+                          <p:cTn id="38" fill="hold">
+                            <p:stCondLst>
+                              <p:cond delay="500"/>
+                            </p:stCondLst>
+                            <p:childTnLst>
+                              <p:par>
+                                <p:cTn id="39" presetID="2" presetClass="entr" presetSubtype="4" fill="hold" grpId="0" nodeType="afterEffect">
+                                  <p:stCondLst>
+                                    <p:cond delay="0"/>
+                                  </p:stCondLst>
+                                  <p:childTnLst>
+                                    <p:set>
+                                      <p:cBhvr>
+                                        <p:cTn id="40" dur="1" fill="hold">
+                                          <p:stCondLst>
+                                            <p:cond delay="0"/>
+                                          </p:stCondLst>
+                                        </p:cTn>
+                                        <p:tgtEl>
                                           <p:spTgt spid="6"/>
                                         </p:tgtEl>
                                         <p:attrNameLst>
@@ -11641,7 +12504,7 @@
                                     </p:set>
                                     <p:anim calcmode="lin" valueType="num">
                                       <p:cBhvr additive="base">
-                                        <p:cTn id="24" dur="500" fill="hold"/>
+                                        <p:cTn id="41" dur="500" fill="hold"/>
                                         <p:tgtEl>
                                           <p:spTgt spid="6"/>
                                         </p:tgtEl>
@@ -11664,7 +12527,7 @@
                                     </p:anim>
                                     <p:anim calcmode="lin" valueType="num">
                                       <p:cBhvr additive="base">
-                                        <p:cTn id="25" dur="500" fill="hold"/>
+                                        <p:cTn id="42" dur="500" fill="hold"/>
                                         <p:tgtEl>
                                           <p:spTgt spid="6"/>
                                         </p:tgtEl>
@@ -11717,6 +12580,7 @@
     </p:tnLst>
     <p:bldLst>
       <p:bldP spid="6" grpId="0"/>
+      <p:bldP spid="4" grpId="0"/>
     </p:bldLst>
   </p:timing>
 </p:sld>
@@ -14969,7 +15833,7 @@
         <p:spPr>
           <a:xfrm>
             <a:off x="927735" y="783590"/>
-            <a:ext cx="9776460" cy="4918710"/>
+            <a:ext cx="9861550" cy="4918710"/>
           </a:xfrm>
         </p:spPr>
         <p:txBody>
@@ -15147,7 +16011,7 @@
                 </a:solidFill>
                 <a:sym typeface="+mn-ea"/>
               </a:rPr>
-              <a:t>次方以内的非负整数作为属性名时，数组会自动维护</a:t>
+              <a:t>次方以内的非负整数作为属性名时（包括类型转换的数</a:t>
             </a:r>
             <a:br>
               <a:rPr lang="zh-CN" altLang="en-US" sz="1800" dirty="0">
@@ -15164,7 +16028,7 @@
                 </a:solidFill>
                 <a:sym typeface="+mn-ea"/>
               </a:rPr>
-              <a:t>  其</a:t>
+              <a:t>   字），数组会自动维护其</a:t>
             </a:r>
             <a:r>
               <a:rPr lang="en-US" altLang="zh-CN" sz="1800" dirty="0">
